--- a/presentations/Demo DoodleDebug Spring 2013.pptx
+++ b/presentations/Demo DoodleDebug Spring 2013.pptx
@@ -209,7 +209,7 @@
           <a:p>
             <a:fld id="{236ADE3F-CE78-4304-90DD-69CB0597853E}" type="datetimeFigureOut">
               <a:rPr lang="en-US" smtClean="0"/>
-              <a:t>4/10/2013</a:t>
+              <a:t>4/11/2013</a:t>
             </a:fld>
             <a:endParaRPr lang="en-US"/>
           </a:p>
@@ -772,7 +772,7 @@
           <a:p>
             <a:fld id="{E2E02991-DBBC-4602-9E31-797A185017A7}" type="datetimeFigureOut">
               <a:rPr lang="de-CH" smtClean="0"/>
-              <a:t>10.04.2013</a:t>
+              <a:t>11.04.2013</a:t>
             </a:fld>
             <a:endParaRPr lang="de-CH" dirty="0"/>
           </a:p>
@@ -949,7 +949,7 @@
           <a:p>
             <a:fld id="{E2E02991-DBBC-4602-9E31-797A185017A7}" type="datetimeFigureOut">
               <a:rPr lang="de-CH" smtClean="0"/>
-              <a:t>10.04.2013</a:t>
+              <a:t>11.04.2013</a:t>
             </a:fld>
             <a:endParaRPr lang="de-CH" dirty="0"/>
           </a:p>
@@ -1129,7 +1129,7 @@
           <a:p>
             <a:fld id="{E2E02991-DBBC-4602-9E31-797A185017A7}" type="datetimeFigureOut">
               <a:rPr lang="de-CH" smtClean="0"/>
-              <a:t>10.04.2013</a:t>
+              <a:t>11.04.2013</a:t>
             </a:fld>
             <a:endParaRPr lang="de-CH" dirty="0"/>
           </a:p>
@@ -1431,7 +1431,7 @@
           <a:p>
             <a:fld id="{E2E02991-DBBC-4602-9E31-797A185017A7}" type="datetimeFigureOut">
               <a:rPr lang="en-US" noProof="0" smtClean="0"/>
-              <a:t>4/10/2013</a:t>
+              <a:t>4/11/2013</a:t>
             </a:fld>
             <a:endParaRPr lang="en-US" noProof="0" dirty="0"/>
           </a:p>
@@ -1737,7 +1737,7 @@
           <a:p>
             <a:fld id="{E2E02991-DBBC-4602-9E31-797A185017A7}" type="datetimeFigureOut">
               <a:rPr lang="de-CH" smtClean="0"/>
-              <a:t>10.04.2013</a:t>
+              <a:t>11.04.2013</a:t>
             </a:fld>
             <a:endParaRPr lang="de-CH" dirty="0"/>
           </a:p>
@@ -2032,7 +2032,7 @@
           <a:p>
             <a:fld id="{E2E02991-DBBC-4602-9E31-797A185017A7}" type="datetimeFigureOut">
               <a:rPr lang="de-CH" smtClean="0"/>
-              <a:t>10.04.2013</a:t>
+              <a:t>11.04.2013</a:t>
             </a:fld>
             <a:endParaRPr lang="de-CH" dirty="0"/>
           </a:p>
@@ -2454,7 +2454,7 @@
           <a:p>
             <a:fld id="{E2E02991-DBBC-4602-9E31-797A185017A7}" type="datetimeFigureOut">
               <a:rPr lang="de-CH" smtClean="0"/>
-              <a:t>10.04.2013</a:t>
+              <a:t>11.04.2013</a:t>
             </a:fld>
             <a:endParaRPr lang="de-CH" dirty="0"/>
           </a:p>
@@ -2572,7 +2572,7 @@
           <a:p>
             <a:fld id="{E2E02991-DBBC-4602-9E31-797A185017A7}" type="datetimeFigureOut">
               <a:rPr lang="de-CH" smtClean="0"/>
-              <a:t>10.04.2013</a:t>
+              <a:t>11.04.2013</a:t>
             </a:fld>
             <a:endParaRPr lang="de-CH" dirty="0"/>
           </a:p>
@@ -2667,7 +2667,7 @@
           <a:p>
             <a:fld id="{E2E02991-DBBC-4602-9E31-797A185017A7}" type="datetimeFigureOut">
               <a:rPr lang="de-CH" smtClean="0"/>
-              <a:t>10.04.2013</a:t>
+              <a:t>11.04.2013</a:t>
             </a:fld>
             <a:endParaRPr lang="de-CH" dirty="0"/>
           </a:p>
@@ -2944,7 +2944,7 @@
           <a:p>
             <a:fld id="{E2E02991-DBBC-4602-9E31-797A185017A7}" type="datetimeFigureOut">
               <a:rPr lang="de-CH" smtClean="0"/>
-              <a:t>10.04.2013</a:t>
+              <a:t>11.04.2013</a:t>
             </a:fld>
             <a:endParaRPr lang="de-CH" dirty="0"/>
           </a:p>
@@ -3197,7 +3197,7 @@
           <a:p>
             <a:fld id="{E2E02991-DBBC-4602-9E31-797A185017A7}" type="datetimeFigureOut">
               <a:rPr lang="de-CH" smtClean="0"/>
-              <a:t>10.04.2013</a:t>
+              <a:t>11.04.2013</a:t>
             </a:fld>
             <a:endParaRPr lang="de-CH" dirty="0"/>
           </a:p>
@@ -3410,7 +3410,7 @@
           <a:p>
             <a:fld id="{E2E02991-DBBC-4602-9E31-797A185017A7}" type="datetimeFigureOut">
               <a:rPr lang="de-CH" smtClean="0"/>
-              <a:t>10.04.2013</a:t>
+              <a:t>11.04.2013</a:t>
             </a:fld>
             <a:endParaRPr lang="de-CH" dirty="0"/>
           </a:p>
@@ -4603,7 +4603,7 @@
           <a:p>
             <a:r>
               <a:rPr lang="en-US" dirty="0" err="1" smtClean="0"/>
-              <a:t>System.out.prinln</a:t>
+              <a:t>System.out.println</a:t>
             </a:r>
             <a:r>
               <a:rPr lang="en-US" dirty="0" smtClean="0"/>
@@ -4875,7 +4875,6 @@
               <a:rPr lang="en-US" dirty="0" smtClean="0"/>
               <a:t>Easily installed as Eclipse plugin</a:t>
             </a:r>
-            <a:endParaRPr lang="en-US" dirty="0" smtClean="0"/>
           </a:p>
         </p:txBody>
       </p:sp>

--- a/presentations/Demo DoodleDebug Spring 2013.pptx
+++ b/presentations/Demo DoodleDebug Spring 2013.pptx
@@ -5,7 +5,7 @@
     <p:sldMasterId id="2147483648" r:id="rId1"/>
   </p:sldMasterIdLst>
   <p:notesMasterIdLst>
-    <p:notesMasterId r:id="rId17"/>
+    <p:notesMasterId r:id="rId20"/>
   </p:notesMasterIdLst>
   <p:sldIdLst>
     <p:sldId id="256" r:id="rId2"/>
@@ -23,11 +23,14 @@
     <p:sldId id="270" r:id="rId14"/>
     <p:sldId id="266" r:id="rId15"/>
     <p:sldId id="267" r:id="rId16"/>
+    <p:sldId id="272" r:id="rId17"/>
+    <p:sldId id="273" r:id="rId18"/>
+    <p:sldId id="271" r:id="rId19"/>
   </p:sldIdLst>
   <p:sldSz cx="9144000" cy="6858000" type="screen4x3"/>
   <p:notesSz cx="6858000" cy="9144000"/>
   <p:custDataLst>
-    <p:tags r:id="rId18"/>
+    <p:tags r:id="rId21"/>
   </p:custDataLst>
   <p:defaultTextStyle>
     <a:defPPr>
@@ -209,7 +212,7 @@
           <a:p>
             <a:fld id="{236ADE3F-CE78-4304-90DD-69CB0597853E}" type="datetimeFigureOut">
               <a:rPr lang="en-US" smtClean="0"/>
-              <a:t>4/11/2013</a:t>
+              <a:t>4/12/2013</a:t>
             </a:fld>
             <a:endParaRPr lang="en-US"/>
           </a:p>
@@ -772,7 +775,7 @@
           <a:p>
             <a:fld id="{E2E02991-DBBC-4602-9E31-797A185017A7}" type="datetimeFigureOut">
               <a:rPr lang="de-CH" smtClean="0"/>
-              <a:t>11.04.2013</a:t>
+              <a:t>12.04.2013</a:t>
             </a:fld>
             <a:endParaRPr lang="de-CH" dirty="0"/>
           </a:p>
@@ -949,7 +952,7 @@
           <a:p>
             <a:fld id="{E2E02991-DBBC-4602-9E31-797A185017A7}" type="datetimeFigureOut">
               <a:rPr lang="de-CH" smtClean="0"/>
-              <a:t>11.04.2013</a:t>
+              <a:t>12.04.2013</a:t>
             </a:fld>
             <a:endParaRPr lang="de-CH" dirty="0"/>
           </a:p>
@@ -1129,7 +1132,7 @@
           <a:p>
             <a:fld id="{E2E02991-DBBC-4602-9E31-797A185017A7}" type="datetimeFigureOut">
               <a:rPr lang="de-CH" smtClean="0"/>
-              <a:t>11.04.2013</a:t>
+              <a:t>12.04.2013</a:t>
             </a:fld>
             <a:endParaRPr lang="de-CH" dirty="0"/>
           </a:p>
@@ -1431,7 +1434,7 @@
           <a:p>
             <a:fld id="{E2E02991-DBBC-4602-9E31-797A185017A7}" type="datetimeFigureOut">
               <a:rPr lang="en-US" noProof="0" smtClean="0"/>
-              <a:t>4/11/2013</a:t>
+              <a:t>4/12/2013</a:t>
             </a:fld>
             <a:endParaRPr lang="en-US" noProof="0" dirty="0"/>
           </a:p>
@@ -1737,7 +1740,7 @@
           <a:p>
             <a:fld id="{E2E02991-DBBC-4602-9E31-797A185017A7}" type="datetimeFigureOut">
               <a:rPr lang="de-CH" smtClean="0"/>
-              <a:t>11.04.2013</a:t>
+              <a:t>12.04.2013</a:t>
             </a:fld>
             <a:endParaRPr lang="de-CH" dirty="0"/>
           </a:p>
@@ -2032,7 +2035,7 @@
           <a:p>
             <a:fld id="{E2E02991-DBBC-4602-9E31-797A185017A7}" type="datetimeFigureOut">
               <a:rPr lang="de-CH" smtClean="0"/>
-              <a:t>11.04.2013</a:t>
+              <a:t>12.04.2013</a:t>
             </a:fld>
             <a:endParaRPr lang="de-CH" dirty="0"/>
           </a:p>
@@ -2454,7 +2457,7 @@
           <a:p>
             <a:fld id="{E2E02991-DBBC-4602-9E31-797A185017A7}" type="datetimeFigureOut">
               <a:rPr lang="de-CH" smtClean="0"/>
-              <a:t>11.04.2013</a:t>
+              <a:t>12.04.2013</a:t>
             </a:fld>
             <a:endParaRPr lang="de-CH" dirty="0"/>
           </a:p>
@@ -2572,7 +2575,7 @@
           <a:p>
             <a:fld id="{E2E02991-DBBC-4602-9E31-797A185017A7}" type="datetimeFigureOut">
               <a:rPr lang="de-CH" smtClean="0"/>
-              <a:t>11.04.2013</a:t>
+              <a:t>12.04.2013</a:t>
             </a:fld>
             <a:endParaRPr lang="de-CH" dirty="0"/>
           </a:p>
@@ -2667,7 +2670,7 @@
           <a:p>
             <a:fld id="{E2E02991-DBBC-4602-9E31-797A185017A7}" type="datetimeFigureOut">
               <a:rPr lang="de-CH" smtClean="0"/>
-              <a:t>11.04.2013</a:t>
+              <a:t>12.04.2013</a:t>
             </a:fld>
             <a:endParaRPr lang="de-CH" dirty="0"/>
           </a:p>
@@ -2944,7 +2947,7 @@
           <a:p>
             <a:fld id="{E2E02991-DBBC-4602-9E31-797A185017A7}" type="datetimeFigureOut">
               <a:rPr lang="de-CH" smtClean="0"/>
-              <a:t>11.04.2013</a:t>
+              <a:t>12.04.2013</a:t>
             </a:fld>
             <a:endParaRPr lang="de-CH" dirty="0"/>
           </a:p>
@@ -3197,7 +3200,7 @@
           <a:p>
             <a:fld id="{E2E02991-DBBC-4602-9E31-797A185017A7}" type="datetimeFigureOut">
               <a:rPr lang="de-CH" smtClean="0"/>
-              <a:t>11.04.2013</a:t>
+              <a:t>12.04.2013</a:t>
             </a:fld>
             <a:endParaRPr lang="de-CH" dirty="0"/>
           </a:p>
@@ -3410,7 +3413,7 @@
           <a:p>
             <a:fld id="{E2E02991-DBBC-4602-9E31-797A185017A7}" type="datetimeFigureOut">
               <a:rPr lang="de-CH" smtClean="0"/>
-              <a:t>11.04.2013</a:t>
+              <a:t>12.04.2013</a:t>
             </a:fld>
             <a:endParaRPr lang="de-CH" dirty="0"/>
           </a:p>
@@ -4345,6 +4348,9 @@
           </a:bodyPr>
           <a:lstStyle/>
           <a:p>
+            <a:pPr marL="0" indent="0">
+              <a:buNone/>
+            </a:pPr>
             <a:r>
               <a:rPr lang="en-US" dirty="0" smtClean="0"/>
               <a:t>Most common types included</a:t>
@@ -4546,6 +4552,360 @@
 </p:sld>
 </file>
 
+<file path=ppt/slides/slide16.xml><?xml version="1.0" encoding="utf-8"?>
+<p:sld xmlns:a="http://schemas.openxmlformats.org/drawingml/2006/main" xmlns:r="http://schemas.openxmlformats.org/officeDocument/2006/relationships" xmlns:p="http://schemas.openxmlformats.org/presentationml/2006/main">
+  <p:cSld>
+    <p:spTree>
+      <p:nvGrpSpPr>
+        <p:cNvPr id="1" name=""/>
+        <p:cNvGrpSpPr/>
+        <p:nvPr/>
+      </p:nvGrpSpPr>
+      <p:grpSpPr>
+        <a:xfrm>
+          <a:off x="0" y="0"/>
+          <a:ext cx="0" cy="0"/>
+          <a:chOff x="0" y="0"/>
+          <a:chExt cx="0" cy="0"/>
+        </a:xfrm>
+      </p:grpSpPr>
+      <p:sp>
+        <p:nvSpPr>
+          <p:cNvPr id="2" name="Titel 1"/>
+          <p:cNvSpPr>
+            <a:spLocks noGrp="1"/>
+          </p:cNvSpPr>
+          <p:nvPr>
+            <p:ph type="title"/>
+          </p:nvPr>
+        </p:nvSpPr>
+        <p:spPr/>
+        <p:txBody>
+          <a:bodyPr/>
+          <a:lstStyle/>
+          <a:p>
+            <a:r>
+              <a:rPr lang="en-US" dirty="0" smtClean="0"/>
+              <a:t>Study: Setup</a:t>
+            </a:r>
+            <a:endParaRPr lang="en-US" dirty="0"/>
+          </a:p>
+        </p:txBody>
+      </p:sp>
+      <p:sp>
+        <p:nvSpPr>
+          <p:cNvPr id="3" name="Inhaltsplatzhalter 2"/>
+          <p:cNvSpPr>
+            <a:spLocks noGrp="1"/>
+          </p:cNvSpPr>
+          <p:nvPr>
+            <p:ph idx="1"/>
+          </p:nvPr>
+        </p:nvSpPr>
+        <p:spPr/>
+        <p:txBody>
+          <a:bodyPr/>
+          <a:lstStyle/>
+          <a:p>
+            <a:r>
+              <a:rPr lang="en-US" dirty="0" smtClean="0"/>
+              <a:t>Qualitative</a:t>
+            </a:r>
+          </a:p>
+          <a:p>
+            <a:r>
+              <a:rPr lang="en-US" dirty="0" smtClean="0"/>
+              <a:t>7 subjects</a:t>
+            </a:r>
+          </a:p>
+          <a:p>
+            <a:r>
+              <a:rPr lang="en-US" dirty="0" smtClean="0"/>
+              <a:t>3 problems</a:t>
+            </a:r>
+          </a:p>
+          <a:p>
+            <a:r>
+              <a:rPr lang="en-US" dirty="0" smtClean="0"/>
+              <a:t>Alternatively with or without </a:t>
+            </a:r>
+            <a:r>
+              <a:rPr lang="en-US" dirty="0" err="1" smtClean="0"/>
+              <a:t>DoodleDebug</a:t>
+            </a:r>
+            <a:endParaRPr lang="en-US" dirty="0" smtClean="0"/>
+          </a:p>
+          <a:p>
+            <a:r>
+              <a:rPr lang="en-US" dirty="0" smtClean="0"/>
+              <a:t>Screen capturing and think-aloud protocol</a:t>
+            </a:r>
+          </a:p>
+        </p:txBody>
+      </p:sp>
+    </p:spTree>
+    <p:extLst>
+      <p:ext uri="{BB962C8B-B14F-4D97-AF65-F5344CB8AC3E}">
+        <p14:creationId xmlns:p14="http://schemas.microsoft.com/office/powerpoint/2010/main" val="2476628476"/>
+      </p:ext>
+    </p:extLst>
+  </p:cSld>
+  <p:clrMapOvr>
+    <a:masterClrMapping/>
+  </p:clrMapOvr>
+  <p:timing>
+    <p:tnLst>
+      <p:par>
+        <p:cTn id="1" dur="indefinite" restart="never" nodeType="tmRoot"/>
+      </p:par>
+    </p:tnLst>
+  </p:timing>
+</p:sld>
+</file>
+
+<file path=ppt/slides/slide17.xml><?xml version="1.0" encoding="utf-8"?>
+<p:sld xmlns:a="http://schemas.openxmlformats.org/drawingml/2006/main" xmlns:r="http://schemas.openxmlformats.org/officeDocument/2006/relationships" xmlns:p="http://schemas.openxmlformats.org/presentationml/2006/main">
+  <p:cSld>
+    <p:spTree>
+      <p:nvGrpSpPr>
+        <p:cNvPr id="1" name=""/>
+        <p:cNvGrpSpPr/>
+        <p:nvPr/>
+      </p:nvGrpSpPr>
+      <p:grpSpPr>
+        <a:xfrm>
+          <a:off x="0" y="0"/>
+          <a:ext cx="0" cy="0"/>
+          <a:chOff x="0" y="0"/>
+          <a:chExt cx="0" cy="0"/>
+        </a:xfrm>
+      </p:grpSpPr>
+      <p:sp>
+        <p:nvSpPr>
+          <p:cNvPr id="2" name="Titel 1"/>
+          <p:cNvSpPr>
+            <a:spLocks noGrp="1"/>
+          </p:cNvSpPr>
+          <p:nvPr>
+            <p:ph type="title"/>
+          </p:nvPr>
+        </p:nvSpPr>
+        <p:spPr/>
+        <p:txBody>
+          <a:bodyPr/>
+          <a:lstStyle/>
+          <a:p>
+            <a:r>
+              <a:rPr lang="en-US" dirty="0" smtClean="0"/>
+              <a:t>Study: Outcomes</a:t>
+            </a:r>
+            <a:endParaRPr lang="en-US" dirty="0"/>
+          </a:p>
+        </p:txBody>
+      </p:sp>
+      <p:sp>
+        <p:nvSpPr>
+          <p:cNvPr id="3" name="Inhaltsplatzhalter 2"/>
+          <p:cNvSpPr>
+            <a:spLocks noGrp="1"/>
+          </p:cNvSpPr>
+          <p:nvPr>
+            <p:ph idx="1"/>
+          </p:nvPr>
+        </p:nvSpPr>
+        <p:spPr/>
+        <p:txBody>
+          <a:bodyPr/>
+          <a:lstStyle/>
+          <a:p>
+            <a:r>
+              <a:rPr lang="en-US" dirty="0" smtClean="0"/>
+              <a:t>More efficient debugging</a:t>
+            </a:r>
+          </a:p>
+          <a:p>
+            <a:pPr lvl="1"/>
+            <a:r>
+              <a:rPr lang="en-US" dirty="0" smtClean="0"/>
+              <a:t>Less program executions</a:t>
+            </a:r>
+          </a:p>
+          <a:p>
+            <a:pPr lvl="1"/>
+            <a:r>
+              <a:rPr lang="en-US" dirty="0" smtClean="0"/>
+              <a:t>Less searching effort</a:t>
+            </a:r>
+          </a:p>
+          <a:p>
+            <a:r>
+              <a:rPr lang="en-US" dirty="0" smtClean="0"/>
+              <a:t>Default doodles should not only use </a:t>
+            </a:r>
+            <a:r>
+              <a:rPr lang="en-US" b="1" dirty="0" err="1" smtClean="0">
+                <a:solidFill>
+                  <a:srgbClr val="0070C0"/>
+                </a:solidFill>
+                <a:latin typeface="saxMono" pitchFamily="49" charset="0"/>
+              </a:rPr>
+              <a:t>toString</a:t>
+            </a:r>
+            <a:r>
+              <a:rPr lang="en-US" b="1" dirty="0" smtClean="0">
+                <a:solidFill>
+                  <a:srgbClr val="0070C0"/>
+                </a:solidFill>
+                <a:latin typeface="saxMono" pitchFamily="49" charset="0"/>
+              </a:rPr>
+              <a:t>()</a:t>
+            </a:r>
+            <a:r>
+              <a:rPr lang="en-US" dirty="0" smtClean="0"/>
+              <a:t/>
+            </a:r>
+            <a:br>
+              <a:rPr lang="en-US" dirty="0" smtClean="0"/>
+            </a:br>
+            <a:r>
+              <a:rPr lang="en-US" dirty="0" smtClean="0">
+                <a:sym typeface="Wingdings" pitchFamily="2" charset="2"/>
+              </a:rPr>
+              <a:t> Listing fields yields better results</a:t>
+            </a:r>
+          </a:p>
+          <a:p>
+            <a:r>
+              <a:rPr lang="en-US" dirty="0" smtClean="0">
+                <a:sym typeface="Wingdings" pitchFamily="2" charset="2"/>
+              </a:rPr>
+              <a:t>Several minor UI problems</a:t>
+            </a:r>
+            <a:endParaRPr lang="en-US" dirty="0"/>
+          </a:p>
+          <a:p>
+            <a:endParaRPr lang="en-US" dirty="0" smtClean="0"/>
+          </a:p>
+        </p:txBody>
+      </p:sp>
+    </p:spTree>
+    <p:extLst>
+      <p:ext uri="{BB962C8B-B14F-4D97-AF65-F5344CB8AC3E}">
+        <p14:creationId xmlns:p14="http://schemas.microsoft.com/office/powerpoint/2010/main" val="3375597900"/>
+      </p:ext>
+    </p:extLst>
+  </p:cSld>
+  <p:clrMapOvr>
+    <a:masterClrMapping/>
+  </p:clrMapOvr>
+  <p:timing>
+    <p:tnLst>
+      <p:par>
+        <p:cTn id="1" dur="indefinite" restart="never" nodeType="tmRoot"/>
+      </p:par>
+    </p:tnLst>
+  </p:timing>
+</p:sld>
+</file>
+
+<file path=ppt/slides/slide18.xml><?xml version="1.0" encoding="utf-8"?>
+<p:sld xmlns:a="http://schemas.openxmlformats.org/drawingml/2006/main" xmlns:r="http://schemas.openxmlformats.org/officeDocument/2006/relationships" xmlns:p="http://schemas.openxmlformats.org/presentationml/2006/main">
+  <p:cSld>
+    <p:spTree>
+      <p:nvGrpSpPr>
+        <p:cNvPr id="1" name=""/>
+        <p:cNvGrpSpPr/>
+        <p:nvPr/>
+      </p:nvGrpSpPr>
+      <p:grpSpPr>
+        <a:xfrm>
+          <a:off x="0" y="0"/>
+          <a:ext cx="0" cy="0"/>
+          <a:chOff x="0" y="0"/>
+          <a:chExt cx="0" cy="0"/>
+        </a:xfrm>
+      </p:grpSpPr>
+      <p:sp>
+        <p:nvSpPr>
+          <p:cNvPr id="2" name="Titel 1"/>
+          <p:cNvSpPr>
+            <a:spLocks noGrp="1"/>
+          </p:cNvSpPr>
+          <p:nvPr>
+            <p:ph type="title"/>
+          </p:nvPr>
+        </p:nvSpPr>
+        <p:spPr/>
+        <p:txBody>
+          <a:bodyPr/>
+          <a:lstStyle/>
+          <a:p>
+            <a:r>
+              <a:rPr lang="en-US" dirty="0" smtClean="0"/>
+              <a:t>Demo</a:t>
+            </a:r>
+            <a:endParaRPr lang="en-US" dirty="0"/>
+          </a:p>
+        </p:txBody>
+      </p:sp>
+      <p:sp>
+        <p:nvSpPr>
+          <p:cNvPr id="3" name="Inhaltsplatzhalter 2"/>
+          <p:cNvSpPr>
+            <a:spLocks noGrp="1"/>
+          </p:cNvSpPr>
+          <p:nvPr>
+            <p:ph idx="1"/>
+          </p:nvPr>
+        </p:nvSpPr>
+        <p:spPr/>
+        <p:txBody>
+          <a:bodyPr anchor="ctr"/>
+          <a:lstStyle/>
+          <a:p>
+            <a:pPr marL="0" indent="0" algn="ctr">
+              <a:buNone/>
+            </a:pPr>
+            <a:r>
+              <a:rPr lang="en-US" dirty="0" smtClean="0">
+                <a:solidFill>
+                  <a:schemeClr val="bg1">
+                    <a:lumMod val="50000"/>
+                  </a:schemeClr>
+                </a:solidFill>
+              </a:rPr>
+              <a:t>Do not read this</a:t>
+            </a:r>
+            <a:endParaRPr lang="en-US" dirty="0">
+              <a:solidFill>
+                <a:schemeClr val="bg1">
+                  <a:lumMod val="50000"/>
+                </a:schemeClr>
+              </a:solidFill>
+            </a:endParaRPr>
+          </a:p>
+        </p:txBody>
+      </p:sp>
+    </p:spTree>
+    <p:extLst>
+      <p:ext uri="{BB962C8B-B14F-4D97-AF65-F5344CB8AC3E}">
+        <p14:creationId xmlns:p14="http://schemas.microsoft.com/office/powerpoint/2010/main" val="3443233099"/>
+      </p:ext>
+    </p:extLst>
+  </p:cSld>
+  <p:clrMapOvr>
+    <a:masterClrMapping/>
+  </p:clrMapOvr>
+  <p:timing>
+    <p:tnLst>
+      <p:par>
+        <p:cTn id="1" dur="indefinite" restart="never" nodeType="tmRoot"/>
+      </p:par>
+    </p:tnLst>
+  </p:timing>
+</p:sld>
+</file>
+
 <file path=ppt/slides/slide2.xml><?xml version="1.0" encoding="utf-8"?>
 <p:sld xmlns:a="http://schemas.openxmlformats.org/drawingml/2006/main" xmlns:r="http://schemas.openxmlformats.org/officeDocument/2006/relationships" xmlns:p="http://schemas.openxmlformats.org/presentationml/2006/main">
   <p:cSld>
@@ -4953,6 +5313,9 @@
           <a:bodyPr/>
           <a:lstStyle/>
           <a:p>
+            <a:pPr marL="0" indent="0">
+              <a:buNone/>
+            </a:pPr>
             <a:r>
               <a:rPr lang="en-US" dirty="0" smtClean="0"/>
               <a:t>Implement the </a:t>
@@ -5161,6 +5524,9 @@
           </a:bodyPr>
           <a:lstStyle/>
           <a:p>
+            <a:pPr marL="0" indent="0">
+              <a:buNone/>
+            </a:pPr>
             <a:r>
               <a:rPr lang="en-US" dirty="0" smtClean="0"/>
               <a:t>Paradigm of</a:t>
@@ -5322,8 +5688,8 @@
         </p:blipFill>
         <p:spPr bwMode="auto">
           <a:xfrm>
-            <a:off x="4178177" y="1922909"/>
-            <a:ext cx="4786311" cy="1362075"/>
+            <a:off x="3903787" y="1772816"/>
+            <a:ext cx="5060701" cy="1440160"/>
           </a:xfrm>
           <a:prstGeom prst="rect">
             <a:avLst/>
@@ -5784,7 +6150,7 @@
 <file path=ppt/tags/tag1.xml><?xml version="1.0" encoding="utf-8"?>
 <p:tagLst xmlns:a="http://schemas.openxmlformats.org/drawingml/2006/main" xmlns:r="http://schemas.openxmlformats.org/officeDocument/2006/relationships" xmlns:p="http://schemas.openxmlformats.org/presentationml/2006/main">
   <p:tag name="MMPROD_NEXTUNIQUEID" val="10009"/>
-  <p:tag name="MMPROD_UIDATA" val="&lt;database version=&quot;7.0&quot;&gt;&lt;object type=&quot;1&quot; unique_id=&quot;10001&quot;&gt;&lt;object type=&quot;8&quot; unique_id=&quot;10002&quot;&gt;&lt;/object&gt;&lt;object type=&quot;2&quot; unique_id=&quot;10003&quot;&gt;&lt;object type=&quot;3&quot; unique_id=&quot;10004&quot;&gt;&lt;property id=&quot;20148&quot; value=&quot;5&quot;/&gt;&lt;property id=&quot;20300&quot; value=&quot;Folie 1&quot;/&gt;&lt;property id=&quot;20307&quot; value=&quot;256&quot;/&gt;&lt;/object&gt;&lt;object type=&quot;3&quot; unique_id=&quot;10005&quot;&gt;&lt;property id=&quot;20148&quot; value=&quot;5&quot;/&gt;&lt;property id=&quot;20300&quot; value=&quot;Folie 2 - &amp;quot;Why?&amp;quot;&quot;/&gt;&lt;property id=&quot;20307&quot; value=&quot;257&quot;/&gt;&lt;/object&gt;&lt;object type=&quot;3&quot; unique_id=&quot;10006&quot;&gt;&lt;property id=&quot;20148&quot; value=&quot;5&quot;/&gt;&lt;property id=&quot;20300&quot; value=&quot;Folie 3 - &amp;quot;Why?&amp;quot;&quot;/&gt;&lt;property id=&quot;20307&quot; value=&quot;258&quot;/&gt;&lt;/object&gt;&lt;object type=&quot;3&quot; unique_id=&quot;10037&quot;&gt;&lt;property id=&quot;20148&quot; value=&quot;5&quot;/&gt;&lt;property id=&quot;20300&quot; value=&quot;Folie 5 - &amp;quot;Customization&amp;quot;&quot;/&gt;&lt;property id=&quot;20307&quot; value=&quot;259&quot;/&gt;&lt;/object&gt;&lt;object type=&quot;3&quot; unique_id=&quot;10074&quot;&gt;&lt;property id=&quot;20148&quot; value=&quot;5&quot;/&gt;&lt;property id=&quot;20300&quot; value=&quot;Folie 4 - &amp;quot;Solution: DoodleDebug&amp;quot;&quot;/&gt;&lt;property id=&quot;20307&quot; value=&quot;260&quot;/&gt;&lt;/object&gt;&lt;object type=&quot;3&quot; unique_id=&quot;10110&quot;&gt;&lt;property id=&quot;20148&quot; value=&quot;5&quot;/&gt;&lt;property id=&quot;20300&quot; value=&quot;Folie 6 - &amp;quot;DoodleCanvas&amp;quot;&quot;/&gt;&lt;property id=&quot;20307&quot; value=&quot;261&quot;/&gt;&lt;/object&gt;&lt;object type=&quot;3&quot; unique_id=&quot;10236&quot;&gt;&lt;property id=&quot;20148&quot; value=&quot;5&quot;/&gt;&lt;property id=&quot;20300&quot; value=&quot;Folie 8 - &amp;quot;Plugins&amp;quot;&quot;/&gt;&lt;property id=&quot;20307&quot; value=&quot;262&quot;/&gt;&lt;/object&gt;&lt;object type=&quot;3&quot; unique_id=&quot;10246&quot;&gt;&lt;property id=&quot;20148&quot; value=&quot;5&quot;/&gt;&lt;property id=&quot;20300&quot; value=&quot;Folie 7 - &amp;quot;DoodleCanvas&amp;quot;&quot;/&gt;&lt;property id=&quot;20307&quot; value=&quot;263&quot;/&gt;&lt;/object&gt;&lt;object type=&quot;3&quot; unique_id=&quot;10357&quot;&gt;&lt;property id=&quot;20148&quot; value=&quot;5&quot;/&gt;&lt;property id=&quot;20300&quot; value=&quot;Folie 9 - &amp;quot;Changes Over Time&amp;quot;&quot;/&gt;&lt;property id=&quot;20307&quot; value=&quot;264&quot;/&gt;&lt;/object&gt;&lt;object type=&quot;3&quot; unique_id=&quot;10358&quot;&gt;&lt;property id=&quot;20148&quot; value=&quot;5&quot;/&gt;&lt;property id=&quot;20300&quot; value=&quot;Folie 10 - &amp;quot;Changes Over Time&amp;quot;&quot;/&gt;&lt;property id=&quot;20307&quot; value=&quot;265&quot;/&gt;&lt;/object&gt;&lt;object type=&quot;3&quot; unique_id=&quot;10407&quot;&gt;&lt;property id=&quot;20148&quot; value=&quot;5&quot;/&gt;&lt;property id=&quot;20300&quot; value=&quot;Folie 14 - &amp;quot;Default Renderings&amp;quot;&quot;/&gt;&lt;property id=&quot;20307&quot; value=&quot;266&quot;/&gt;&lt;/object&gt;&lt;object type=&quot;3&quot; unique_id=&quot;10408&quot;&gt;&lt;property id=&quot;20148&quot; value=&quot;5&quot;/&gt;&lt;property id=&quot;20300&quot; value=&quot;Folie 15 - &amp;quot;Default Renderings&amp;quot;&quot;/&gt;&lt;property id=&quot;20307&quot; value=&quot;267&quot;/&gt;&lt;/object&gt;&lt;object type=&quot;3&quot; unique_id=&quot;10591&quot;&gt;&lt;property id=&quot;20148&quot; value=&quot;5&quot;/&gt;&lt;property id=&quot;20300&quot; value=&quot;Folie 11 - &amp;quot;Inspecting Doodles&amp;quot;&quot;/&gt;&lt;property id=&quot;20307&quot; value=&quot;268&quot;/&gt;&lt;/object&gt;&lt;object type=&quot;3&quot; unique_id=&quot;10682&quot;&gt;&lt;property id=&quot;20148&quot; value=&quot;5&quot;/&gt;&lt;property id=&quot;20300&quot; value=&quot;Folie 12 - &amp;quot;Inspecting Doodles&amp;quot;&quot;/&gt;&lt;property id=&quot;20307&quot; value=&quot;269&quot;/&gt;&lt;/object&gt;&lt;object type=&quot;3&quot; unique_id=&quot;10683&quot;&gt;&lt;property id=&quot;20148&quot; value=&quot;5&quot;/&gt;&lt;property id=&quot;20300&quot; value=&quot;Folie 13 - &amp;quot;Inspecting Doodles&amp;quot;&quot;/&gt;&lt;property id=&quot;20307&quot; value=&quot;270&quot;/&gt;&lt;/object&gt;&lt;/object&gt;&lt;/object&gt;&lt;/database&gt;"/>
+  <p:tag name="MMPROD_UIDATA" val="&lt;database version=&quot;7.0&quot;&gt;&lt;object type=&quot;1&quot; unique_id=&quot;10001&quot;&gt;&lt;object type=&quot;8&quot; unique_id=&quot;10002&quot;&gt;&lt;/object&gt;&lt;object type=&quot;2&quot; unique_id=&quot;10003&quot;&gt;&lt;object type=&quot;3&quot; unique_id=&quot;10004&quot;&gt;&lt;property id=&quot;20148&quot; value=&quot;5&quot;/&gt;&lt;property id=&quot;20300&quot; value=&quot;Folie 1&quot;/&gt;&lt;property id=&quot;20307&quot; value=&quot;256&quot;/&gt;&lt;/object&gt;&lt;object type=&quot;3&quot; unique_id=&quot;10005&quot;&gt;&lt;property id=&quot;20148&quot; value=&quot;5&quot;/&gt;&lt;property id=&quot;20300&quot; value=&quot;Folie 2 - &amp;quot;Why?&amp;quot;&quot;/&gt;&lt;property id=&quot;20307&quot; value=&quot;257&quot;/&gt;&lt;/object&gt;&lt;object type=&quot;3&quot; unique_id=&quot;10006&quot;&gt;&lt;property id=&quot;20148&quot; value=&quot;5&quot;/&gt;&lt;property id=&quot;20300&quot; value=&quot;Folie 3 - &amp;quot;Why?&amp;quot;&quot;/&gt;&lt;property id=&quot;20307&quot; value=&quot;258&quot;/&gt;&lt;/object&gt;&lt;object type=&quot;3&quot; unique_id=&quot;10037&quot;&gt;&lt;property id=&quot;20148&quot; value=&quot;5&quot;/&gt;&lt;property id=&quot;20300&quot; value=&quot;Folie 5 - &amp;quot;Customization&amp;quot;&quot;/&gt;&lt;property id=&quot;20307&quot; value=&quot;259&quot;/&gt;&lt;/object&gt;&lt;object type=&quot;3&quot; unique_id=&quot;10074&quot;&gt;&lt;property id=&quot;20148&quot; value=&quot;5&quot;/&gt;&lt;property id=&quot;20300&quot; value=&quot;Folie 4 - &amp;quot;Solution: DoodleDebug&amp;quot;&quot;/&gt;&lt;property id=&quot;20307&quot; value=&quot;260&quot;/&gt;&lt;/object&gt;&lt;object type=&quot;3&quot; unique_id=&quot;10110&quot;&gt;&lt;property id=&quot;20148&quot; value=&quot;5&quot;/&gt;&lt;property id=&quot;20300&quot; value=&quot;Folie 6 - &amp;quot;DoodleCanvas&amp;quot;&quot;/&gt;&lt;property id=&quot;20307&quot; value=&quot;261&quot;/&gt;&lt;/object&gt;&lt;object type=&quot;3&quot; unique_id=&quot;10236&quot;&gt;&lt;property id=&quot;20148&quot; value=&quot;5&quot;/&gt;&lt;property id=&quot;20300&quot; value=&quot;Folie 8 - &amp;quot;Plugins&amp;quot;&quot;/&gt;&lt;property id=&quot;20307&quot; value=&quot;262&quot;/&gt;&lt;/object&gt;&lt;object type=&quot;3&quot; unique_id=&quot;10246&quot;&gt;&lt;property id=&quot;20148&quot; value=&quot;5&quot;/&gt;&lt;property id=&quot;20300&quot; value=&quot;Folie 7 - &amp;quot;DoodleCanvas&amp;quot;&quot;/&gt;&lt;property id=&quot;20307&quot; value=&quot;263&quot;/&gt;&lt;/object&gt;&lt;object type=&quot;3&quot; unique_id=&quot;10357&quot;&gt;&lt;property id=&quot;20148&quot; value=&quot;5&quot;/&gt;&lt;property id=&quot;20300&quot; value=&quot;Folie 9 - &amp;quot;Changes Over Time&amp;quot;&quot;/&gt;&lt;property id=&quot;20307&quot; value=&quot;264&quot;/&gt;&lt;/object&gt;&lt;object type=&quot;3&quot; unique_id=&quot;10358&quot;&gt;&lt;property id=&quot;20148&quot; value=&quot;5&quot;/&gt;&lt;property id=&quot;20300&quot; value=&quot;Folie 10 - &amp;quot;Changes Over Time&amp;quot;&quot;/&gt;&lt;property id=&quot;20307&quot; value=&quot;265&quot;/&gt;&lt;/object&gt;&lt;object type=&quot;3&quot; unique_id=&quot;10407&quot;&gt;&lt;property id=&quot;20148&quot; value=&quot;5&quot;/&gt;&lt;property id=&quot;20300&quot; value=&quot;Folie 14 - &amp;quot;Default Renderings&amp;quot;&quot;/&gt;&lt;property id=&quot;20307&quot; value=&quot;266&quot;/&gt;&lt;/object&gt;&lt;object type=&quot;3&quot; unique_id=&quot;10408&quot;&gt;&lt;property id=&quot;20148&quot; value=&quot;5&quot;/&gt;&lt;property id=&quot;20300&quot; value=&quot;Folie 15 - &amp;quot;Default Renderings&amp;quot;&quot;/&gt;&lt;property id=&quot;20307&quot; value=&quot;267&quot;/&gt;&lt;/object&gt;&lt;object type=&quot;3&quot; unique_id=&quot;10591&quot;&gt;&lt;property id=&quot;20148&quot; value=&quot;5&quot;/&gt;&lt;property id=&quot;20300&quot; value=&quot;Folie 11 - &amp;quot;Inspecting Doodles&amp;quot;&quot;/&gt;&lt;property id=&quot;20307&quot; value=&quot;268&quot;/&gt;&lt;/object&gt;&lt;object type=&quot;3&quot; unique_id=&quot;10682&quot;&gt;&lt;property id=&quot;20148&quot; value=&quot;5&quot;/&gt;&lt;property id=&quot;20300&quot; value=&quot;Folie 12 - &amp;quot;Inspecting Doodles&amp;quot;&quot;/&gt;&lt;property id=&quot;20307&quot; value=&quot;269&quot;/&gt;&lt;/object&gt;&lt;object type=&quot;3&quot; unique_id=&quot;10683&quot;&gt;&lt;property id=&quot;20148&quot; value=&quot;5&quot;/&gt;&lt;property id=&quot;20300&quot; value=&quot;Folie 13 - &amp;quot;Inspecting Doodles&amp;quot;&quot;/&gt;&lt;property id=&quot;20307&quot; value=&quot;270&quot;/&gt;&lt;/object&gt;&lt;object type=&quot;3&quot; unique_id=&quot;10718&quot;&gt;&lt;property id=&quot;20148&quot; value=&quot;5&quot;/&gt;&lt;property id=&quot;20300&quot; value=&quot;Folie 16 - &amp;quot;Study: Setup&amp;quot;&quot;/&gt;&lt;property id=&quot;20307&quot; value=&quot;272&quot;/&gt;&lt;/object&gt;&lt;object type=&quot;3&quot; unique_id=&quot;10719&quot;&gt;&lt;property id=&quot;20148&quot; value=&quot;5&quot;/&gt;&lt;property id=&quot;20300&quot; value=&quot;Folie 18 - &amp;quot;Demo&amp;quot;&quot;/&gt;&lt;property id=&quot;20307&quot; value=&quot;271&quot;/&gt;&lt;/object&gt;&lt;object type=&quot;3&quot; unique_id=&quot;10796&quot;&gt;&lt;property id=&quot;20148&quot; value=&quot;5&quot;/&gt;&lt;property id=&quot;20300&quot; value=&quot;Folie 17 - &amp;quot;Study: Outcomes&amp;quot;&quot;/&gt;&lt;property id=&quot;20307&quot; value=&quot;273&quot;/&gt;&lt;/object&gt;&lt;/object&gt;&lt;/object&gt;&lt;/database&gt;"/>
   <p:tag name="SECTOMILLISECCONVERTED" val="1"/>
 </p:tagLst>
 </file>

--- a/presentations/Demo DoodleDebug Spring 2013.pptx
+++ b/presentations/Demo DoodleDebug Spring 2013.pptx
@@ -212,7 +212,7 @@
           <a:p>
             <a:fld id="{236ADE3F-CE78-4304-90DD-69CB0597853E}" type="datetimeFigureOut">
               <a:rPr lang="en-US" smtClean="0"/>
-              <a:t>4/12/2013</a:t>
+              <a:t>4/24/2013</a:t>
             </a:fld>
             <a:endParaRPr lang="en-US"/>
           </a:p>
@@ -775,7 +775,7 @@
           <a:p>
             <a:fld id="{E2E02991-DBBC-4602-9E31-797A185017A7}" type="datetimeFigureOut">
               <a:rPr lang="de-CH" smtClean="0"/>
-              <a:t>12.04.2013</a:t>
+              <a:t>24.04.2013</a:t>
             </a:fld>
             <a:endParaRPr lang="de-CH" dirty="0"/>
           </a:p>
@@ -952,7 +952,7 @@
           <a:p>
             <a:fld id="{E2E02991-DBBC-4602-9E31-797A185017A7}" type="datetimeFigureOut">
               <a:rPr lang="de-CH" smtClean="0"/>
-              <a:t>12.04.2013</a:t>
+              <a:t>24.04.2013</a:t>
             </a:fld>
             <a:endParaRPr lang="de-CH" dirty="0"/>
           </a:p>
@@ -1132,7 +1132,7 @@
           <a:p>
             <a:fld id="{E2E02991-DBBC-4602-9E31-797A185017A7}" type="datetimeFigureOut">
               <a:rPr lang="de-CH" smtClean="0"/>
-              <a:t>12.04.2013</a:t>
+              <a:t>24.04.2013</a:t>
             </a:fld>
             <a:endParaRPr lang="de-CH" dirty="0"/>
           </a:p>
@@ -1434,7 +1434,7 @@
           <a:p>
             <a:fld id="{E2E02991-DBBC-4602-9E31-797A185017A7}" type="datetimeFigureOut">
               <a:rPr lang="en-US" noProof="0" smtClean="0"/>
-              <a:t>4/12/2013</a:t>
+              <a:t>4/24/2013</a:t>
             </a:fld>
             <a:endParaRPr lang="en-US" noProof="0" dirty="0"/>
           </a:p>
@@ -1740,7 +1740,7 @@
           <a:p>
             <a:fld id="{E2E02991-DBBC-4602-9E31-797A185017A7}" type="datetimeFigureOut">
               <a:rPr lang="de-CH" smtClean="0"/>
-              <a:t>12.04.2013</a:t>
+              <a:t>24.04.2013</a:t>
             </a:fld>
             <a:endParaRPr lang="de-CH" dirty="0"/>
           </a:p>
@@ -2035,7 +2035,7 @@
           <a:p>
             <a:fld id="{E2E02991-DBBC-4602-9E31-797A185017A7}" type="datetimeFigureOut">
               <a:rPr lang="de-CH" smtClean="0"/>
-              <a:t>12.04.2013</a:t>
+              <a:t>24.04.2013</a:t>
             </a:fld>
             <a:endParaRPr lang="de-CH" dirty="0"/>
           </a:p>
@@ -2457,7 +2457,7 @@
           <a:p>
             <a:fld id="{E2E02991-DBBC-4602-9E31-797A185017A7}" type="datetimeFigureOut">
               <a:rPr lang="de-CH" smtClean="0"/>
-              <a:t>12.04.2013</a:t>
+              <a:t>24.04.2013</a:t>
             </a:fld>
             <a:endParaRPr lang="de-CH" dirty="0"/>
           </a:p>
@@ -2575,7 +2575,7 @@
           <a:p>
             <a:fld id="{E2E02991-DBBC-4602-9E31-797A185017A7}" type="datetimeFigureOut">
               <a:rPr lang="de-CH" smtClean="0"/>
-              <a:t>12.04.2013</a:t>
+              <a:t>24.04.2013</a:t>
             </a:fld>
             <a:endParaRPr lang="de-CH" dirty="0"/>
           </a:p>
@@ -2670,7 +2670,7 @@
           <a:p>
             <a:fld id="{E2E02991-DBBC-4602-9E31-797A185017A7}" type="datetimeFigureOut">
               <a:rPr lang="de-CH" smtClean="0"/>
-              <a:t>12.04.2013</a:t>
+              <a:t>24.04.2013</a:t>
             </a:fld>
             <a:endParaRPr lang="de-CH" dirty="0"/>
           </a:p>
@@ -2947,7 +2947,7 @@
           <a:p>
             <a:fld id="{E2E02991-DBBC-4602-9E31-797A185017A7}" type="datetimeFigureOut">
               <a:rPr lang="de-CH" smtClean="0"/>
-              <a:t>12.04.2013</a:t>
+              <a:t>24.04.2013</a:t>
             </a:fld>
             <a:endParaRPr lang="de-CH" dirty="0"/>
           </a:p>
@@ -3200,7 +3200,7 @@
           <a:p>
             <a:fld id="{E2E02991-DBBC-4602-9E31-797A185017A7}" type="datetimeFigureOut">
               <a:rPr lang="de-CH" smtClean="0"/>
-              <a:t>12.04.2013</a:t>
+              <a:t>24.04.2013</a:t>
             </a:fld>
             <a:endParaRPr lang="de-CH" dirty="0"/>
           </a:p>
@@ -3413,7 +3413,7 @@
           <a:p>
             <a:fld id="{E2E02991-DBBC-4602-9E31-797A185017A7}" type="datetimeFigureOut">
               <a:rPr lang="de-CH" smtClean="0"/>
-              <a:t>12.04.2013</a:t>
+              <a:t>24.04.2013</a:t>
             </a:fld>
             <a:endParaRPr lang="de-CH" dirty="0"/>
           </a:p>
@@ -4422,9 +4422,829 @@
   <p:timing>
     <p:tnLst>
       <p:par>
-        <p:cTn id="1" dur="indefinite" restart="never" nodeType="tmRoot"/>
+        <p:cTn id="1" dur="indefinite" restart="never" nodeType="tmRoot">
+          <p:childTnLst>
+            <p:seq concurrent="1" nextAc="seek">
+              <p:cTn id="2" dur="indefinite" nodeType="mainSeq">
+                <p:childTnLst>
+                  <p:par>
+                    <p:cTn id="3" fill="hold">
+                      <p:stCondLst>
+                        <p:cond delay="indefinite"/>
+                      </p:stCondLst>
+                      <p:childTnLst>
+                        <p:par>
+                          <p:cTn id="4" fill="hold">
+                            <p:stCondLst>
+                              <p:cond delay="0"/>
+                            </p:stCondLst>
+                            <p:childTnLst>
+                              <p:par>
+                                <p:cTn id="5" presetID="42" presetClass="entr" presetSubtype="0" fill="hold" grpId="0" nodeType="clickEffect">
+                                  <p:stCondLst>
+                                    <p:cond delay="0"/>
+                                  </p:stCondLst>
+                                  <p:childTnLst>
+                                    <p:set>
+                                      <p:cBhvr>
+                                        <p:cTn id="6" dur="1" fill="hold">
+                                          <p:stCondLst>
+                                            <p:cond delay="0"/>
+                                          </p:stCondLst>
+                                        </p:cTn>
+                                        <p:tgtEl>
+                                          <p:spTgt spid="3">
+                                            <p:txEl>
+                                              <p:pRg st="0" end="0"/>
+                                            </p:txEl>
+                                          </p:spTgt>
+                                        </p:tgtEl>
+                                        <p:attrNameLst>
+                                          <p:attrName>style.visibility</p:attrName>
+                                        </p:attrNameLst>
+                                      </p:cBhvr>
+                                      <p:to>
+                                        <p:strVal val="visible"/>
+                                      </p:to>
+                                    </p:set>
+                                    <p:animEffect transition="in" filter="fade">
+                                      <p:cBhvr>
+                                        <p:cTn id="7" dur="1000"/>
+                                        <p:tgtEl>
+                                          <p:spTgt spid="3">
+                                            <p:txEl>
+                                              <p:pRg st="0" end="0"/>
+                                            </p:txEl>
+                                          </p:spTgt>
+                                        </p:tgtEl>
+                                      </p:cBhvr>
+                                    </p:animEffect>
+                                    <p:anim calcmode="lin" valueType="num">
+                                      <p:cBhvr>
+                                        <p:cTn id="8" dur="1000" fill="hold"/>
+                                        <p:tgtEl>
+                                          <p:spTgt spid="3">
+                                            <p:txEl>
+                                              <p:pRg st="0" end="0"/>
+                                            </p:txEl>
+                                          </p:spTgt>
+                                        </p:tgtEl>
+                                        <p:attrNameLst>
+                                          <p:attrName>ppt_x</p:attrName>
+                                        </p:attrNameLst>
+                                      </p:cBhvr>
+                                      <p:tavLst>
+                                        <p:tav tm="0">
+                                          <p:val>
+                                            <p:strVal val="#ppt_x"/>
+                                          </p:val>
+                                        </p:tav>
+                                        <p:tav tm="100000">
+                                          <p:val>
+                                            <p:strVal val="#ppt_x"/>
+                                          </p:val>
+                                        </p:tav>
+                                      </p:tavLst>
+                                    </p:anim>
+                                    <p:anim calcmode="lin" valueType="num">
+                                      <p:cBhvr>
+                                        <p:cTn id="9" dur="1000" fill="hold"/>
+                                        <p:tgtEl>
+                                          <p:spTgt spid="3">
+                                            <p:txEl>
+                                              <p:pRg st="0" end="0"/>
+                                            </p:txEl>
+                                          </p:spTgt>
+                                        </p:tgtEl>
+                                        <p:attrNameLst>
+                                          <p:attrName>ppt_y</p:attrName>
+                                        </p:attrNameLst>
+                                      </p:cBhvr>
+                                      <p:tavLst>
+                                        <p:tav tm="0">
+                                          <p:val>
+                                            <p:strVal val="#ppt_y+.1"/>
+                                          </p:val>
+                                        </p:tav>
+                                        <p:tav tm="100000">
+                                          <p:val>
+                                            <p:strVal val="#ppt_y"/>
+                                          </p:val>
+                                        </p:tav>
+                                      </p:tavLst>
+                                    </p:anim>
+                                  </p:childTnLst>
+                                </p:cTn>
+                              </p:par>
+                              <p:par>
+                                <p:cTn id="10" presetID="42" presetClass="entr" presetSubtype="0" fill="hold" grpId="0" nodeType="withEffect">
+                                  <p:stCondLst>
+                                    <p:cond delay="0"/>
+                                  </p:stCondLst>
+                                  <p:childTnLst>
+                                    <p:set>
+                                      <p:cBhvr>
+                                        <p:cTn id="11" dur="1" fill="hold">
+                                          <p:stCondLst>
+                                            <p:cond delay="0"/>
+                                          </p:stCondLst>
+                                        </p:cTn>
+                                        <p:tgtEl>
+                                          <p:spTgt spid="3">
+                                            <p:txEl>
+                                              <p:pRg st="1" end="1"/>
+                                            </p:txEl>
+                                          </p:spTgt>
+                                        </p:tgtEl>
+                                        <p:attrNameLst>
+                                          <p:attrName>style.visibility</p:attrName>
+                                        </p:attrNameLst>
+                                      </p:cBhvr>
+                                      <p:to>
+                                        <p:strVal val="visible"/>
+                                      </p:to>
+                                    </p:set>
+                                    <p:animEffect transition="in" filter="fade">
+                                      <p:cBhvr>
+                                        <p:cTn id="12" dur="1000"/>
+                                        <p:tgtEl>
+                                          <p:spTgt spid="3">
+                                            <p:txEl>
+                                              <p:pRg st="1" end="1"/>
+                                            </p:txEl>
+                                          </p:spTgt>
+                                        </p:tgtEl>
+                                      </p:cBhvr>
+                                    </p:animEffect>
+                                    <p:anim calcmode="lin" valueType="num">
+                                      <p:cBhvr>
+                                        <p:cTn id="13" dur="1000" fill="hold"/>
+                                        <p:tgtEl>
+                                          <p:spTgt spid="3">
+                                            <p:txEl>
+                                              <p:pRg st="1" end="1"/>
+                                            </p:txEl>
+                                          </p:spTgt>
+                                        </p:tgtEl>
+                                        <p:attrNameLst>
+                                          <p:attrName>ppt_x</p:attrName>
+                                        </p:attrNameLst>
+                                      </p:cBhvr>
+                                      <p:tavLst>
+                                        <p:tav tm="0">
+                                          <p:val>
+                                            <p:strVal val="#ppt_x"/>
+                                          </p:val>
+                                        </p:tav>
+                                        <p:tav tm="100000">
+                                          <p:val>
+                                            <p:strVal val="#ppt_x"/>
+                                          </p:val>
+                                        </p:tav>
+                                      </p:tavLst>
+                                    </p:anim>
+                                    <p:anim calcmode="lin" valueType="num">
+                                      <p:cBhvr>
+                                        <p:cTn id="14" dur="1000" fill="hold"/>
+                                        <p:tgtEl>
+                                          <p:spTgt spid="3">
+                                            <p:txEl>
+                                              <p:pRg st="1" end="1"/>
+                                            </p:txEl>
+                                          </p:spTgt>
+                                        </p:tgtEl>
+                                        <p:attrNameLst>
+                                          <p:attrName>ppt_y</p:attrName>
+                                        </p:attrNameLst>
+                                      </p:cBhvr>
+                                      <p:tavLst>
+                                        <p:tav tm="0">
+                                          <p:val>
+                                            <p:strVal val="#ppt_y+.1"/>
+                                          </p:val>
+                                        </p:tav>
+                                        <p:tav tm="100000">
+                                          <p:val>
+                                            <p:strVal val="#ppt_y"/>
+                                          </p:val>
+                                        </p:tav>
+                                      </p:tavLst>
+                                    </p:anim>
+                                  </p:childTnLst>
+                                </p:cTn>
+                              </p:par>
+                              <p:par>
+                                <p:cTn id="15" presetID="42" presetClass="entr" presetSubtype="0" fill="hold" grpId="0" nodeType="withEffect">
+                                  <p:stCondLst>
+                                    <p:cond delay="0"/>
+                                  </p:stCondLst>
+                                  <p:childTnLst>
+                                    <p:set>
+                                      <p:cBhvr>
+                                        <p:cTn id="16" dur="1" fill="hold">
+                                          <p:stCondLst>
+                                            <p:cond delay="0"/>
+                                          </p:stCondLst>
+                                        </p:cTn>
+                                        <p:tgtEl>
+                                          <p:spTgt spid="3">
+                                            <p:txEl>
+                                              <p:pRg st="2" end="2"/>
+                                            </p:txEl>
+                                          </p:spTgt>
+                                        </p:tgtEl>
+                                        <p:attrNameLst>
+                                          <p:attrName>style.visibility</p:attrName>
+                                        </p:attrNameLst>
+                                      </p:cBhvr>
+                                      <p:to>
+                                        <p:strVal val="visible"/>
+                                      </p:to>
+                                    </p:set>
+                                    <p:animEffect transition="in" filter="fade">
+                                      <p:cBhvr>
+                                        <p:cTn id="17" dur="1000"/>
+                                        <p:tgtEl>
+                                          <p:spTgt spid="3">
+                                            <p:txEl>
+                                              <p:pRg st="2" end="2"/>
+                                            </p:txEl>
+                                          </p:spTgt>
+                                        </p:tgtEl>
+                                      </p:cBhvr>
+                                    </p:animEffect>
+                                    <p:anim calcmode="lin" valueType="num">
+                                      <p:cBhvr>
+                                        <p:cTn id="18" dur="1000" fill="hold"/>
+                                        <p:tgtEl>
+                                          <p:spTgt spid="3">
+                                            <p:txEl>
+                                              <p:pRg st="2" end="2"/>
+                                            </p:txEl>
+                                          </p:spTgt>
+                                        </p:tgtEl>
+                                        <p:attrNameLst>
+                                          <p:attrName>ppt_x</p:attrName>
+                                        </p:attrNameLst>
+                                      </p:cBhvr>
+                                      <p:tavLst>
+                                        <p:tav tm="0">
+                                          <p:val>
+                                            <p:strVal val="#ppt_x"/>
+                                          </p:val>
+                                        </p:tav>
+                                        <p:tav tm="100000">
+                                          <p:val>
+                                            <p:strVal val="#ppt_x"/>
+                                          </p:val>
+                                        </p:tav>
+                                      </p:tavLst>
+                                    </p:anim>
+                                    <p:anim calcmode="lin" valueType="num">
+                                      <p:cBhvr>
+                                        <p:cTn id="19" dur="1000" fill="hold"/>
+                                        <p:tgtEl>
+                                          <p:spTgt spid="3">
+                                            <p:txEl>
+                                              <p:pRg st="2" end="2"/>
+                                            </p:txEl>
+                                          </p:spTgt>
+                                        </p:tgtEl>
+                                        <p:attrNameLst>
+                                          <p:attrName>ppt_y</p:attrName>
+                                        </p:attrNameLst>
+                                      </p:cBhvr>
+                                      <p:tavLst>
+                                        <p:tav tm="0">
+                                          <p:val>
+                                            <p:strVal val="#ppt_y+.1"/>
+                                          </p:val>
+                                        </p:tav>
+                                        <p:tav tm="100000">
+                                          <p:val>
+                                            <p:strVal val="#ppt_y"/>
+                                          </p:val>
+                                        </p:tav>
+                                      </p:tavLst>
+                                    </p:anim>
+                                  </p:childTnLst>
+                                </p:cTn>
+                              </p:par>
+                              <p:par>
+                                <p:cTn id="20" presetID="42" presetClass="entr" presetSubtype="0" fill="hold" grpId="0" nodeType="withEffect">
+                                  <p:stCondLst>
+                                    <p:cond delay="0"/>
+                                  </p:stCondLst>
+                                  <p:childTnLst>
+                                    <p:set>
+                                      <p:cBhvr>
+                                        <p:cTn id="21" dur="1" fill="hold">
+                                          <p:stCondLst>
+                                            <p:cond delay="0"/>
+                                          </p:stCondLst>
+                                        </p:cTn>
+                                        <p:tgtEl>
+                                          <p:spTgt spid="3">
+                                            <p:txEl>
+                                              <p:pRg st="3" end="3"/>
+                                            </p:txEl>
+                                          </p:spTgt>
+                                        </p:tgtEl>
+                                        <p:attrNameLst>
+                                          <p:attrName>style.visibility</p:attrName>
+                                        </p:attrNameLst>
+                                      </p:cBhvr>
+                                      <p:to>
+                                        <p:strVal val="visible"/>
+                                      </p:to>
+                                    </p:set>
+                                    <p:animEffect transition="in" filter="fade">
+                                      <p:cBhvr>
+                                        <p:cTn id="22" dur="1000"/>
+                                        <p:tgtEl>
+                                          <p:spTgt spid="3">
+                                            <p:txEl>
+                                              <p:pRg st="3" end="3"/>
+                                            </p:txEl>
+                                          </p:spTgt>
+                                        </p:tgtEl>
+                                      </p:cBhvr>
+                                    </p:animEffect>
+                                    <p:anim calcmode="lin" valueType="num">
+                                      <p:cBhvr>
+                                        <p:cTn id="23" dur="1000" fill="hold"/>
+                                        <p:tgtEl>
+                                          <p:spTgt spid="3">
+                                            <p:txEl>
+                                              <p:pRg st="3" end="3"/>
+                                            </p:txEl>
+                                          </p:spTgt>
+                                        </p:tgtEl>
+                                        <p:attrNameLst>
+                                          <p:attrName>ppt_x</p:attrName>
+                                        </p:attrNameLst>
+                                      </p:cBhvr>
+                                      <p:tavLst>
+                                        <p:tav tm="0">
+                                          <p:val>
+                                            <p:strVal val="#ppt_x"/>
+                                          </p:val>
+                                        </p:tav>
+                                        <p:tav tm="100000">
+                                          <p:val>
+                                            <p:strVal val="#ppt_x"/>
+                                          </p:val>
+                                        </p:tav>
+                                      </p:tavLst>
+                                    </p:anim>
+                                    <p:anim calcmode="lin" valueType="num">
+                                      <p:cBhvr>
+                                        <p:cTn id="24" dur="1000" fill="hold"/>
+                                        <p:tgtEl>
+                                          <p:spTgt spid="3">
+                                            <p:txEl>
+                                              <p:pRg st="3" end="3"/>
+                                            </p:txEl>
+                                          </p:spTgt>
+                                        </p:tgtEl>
+                                        <p:attrNameLst>
+                                          <p:attrName>ppt_y</p:attrName>
+                                        </p:attrNameLst>
+                                      </p:cBhvr>
+                                      <p:tavLst>
+                                        <p:tav tm="0">
+                                          <p:val>
+                                            <p:strVal val="#ppt_y+.1"/>
+                                          </p:val>
+                                        </p:tav>
+                                        <p:tav tm="100000">
+                                          <p:val>
+                                            <p:strVal val="#ppt_y"/>
+                                          </p:val>
+                                        </p:tav>
+                                      </p:tavLst>
+                                    </p:anim>
+                                  </p:childTnLst>
+                                </p:cTn>
+                              </p:par>
+                              <p:par>
+                                <p:cTn id="25" presetID="42" presetClass="entr" presetSubtype="0" fill="hold" grpId="0" nodeType="withEffect">
+                                  <p:stCondLst>
+                                    <p:cond delay="0"/>
+                                  </p:stCondLst>
+                                  <p:childTnLst>
+                                    <p:set>
+                                      <p:cBhvr>
+                                        <p:cTn id="26" dur="1" fill="hold">
+                                          <p:stCondLst>
+                                            <p:cond delay="0"/>
+                                          </p:stCondLst>
+                                        </p:cTn>
+                                        <p:tgtEl>
+                                          <p:spTgt spid="3">
+                                            <p:txEl>
+                                              <p:pRg st="4" end="4"/>
+                                            </p:txEl>
+                                          </p:spTgt>
+                                        </p:tgtEl>
+                                        <p:attrNameLst>
+                                          <p:attrName>style.visibility</p:attrName>
+                                        </p:attrNameLst>
+                                      </p:cBhvr>
+                                      <p:to>
+                                        <p:strVal val="visible"/>
+                                      </p:to>
+                                    </p:set>
+                                    <p:animEffect transition="in" filter="fade">
+                                      <p:cBhvr>
+                                        <p:cTn id="27" dur="1000"/>
+                                        <p:tgtEl>
+                                          <p:spTgt spid="3">
+                                            <p:txEl>
+                                              <p:pRg st="4" end="4"/>
+                                            </p:txEl>
+                                          </p:spTgt>
+                                        </p:tgtEl>
+                                      </p:cBhvr>
+                                    </p:animEffect>
+                                    <p:anim calcmode="lin" valueType="num">
+                                      <p:cBhvr>
+                                        <p:cTn id="28" dur="1000" fill="hold"/>
+                                        <p:tgtEl>
+                                          <p:spTgt spid="3">
+                                            <p:txEl>
+                                              <p:pRg st="4" end="4"/>
+                                            </p:txEl>
+                                          </p:spTgt>
+                                        </p:tgtEl>
+                                        <p:attrNameLst>
+                                          <p:attrName>ppt_x</p:attrName>
+                                        </p:attrNameLst>
+                                      </p:cBhvr>
+                                      <p:tavLst>
+                                        <p:tav tm="0">
+                                          <p:val>
+                                            <p:strVal val="#ppt_x"/>
+                                          </p:val>
+                                        </p:tav>
+                                        <p:tav tm="100000">
+                                          <p:val>
+                                            <p:strVal val="#ppt_x"/>
+                                          </p:val>
+                                        </p:tav>
+                                      </p:tavLst>
+                                    </p:anim>
+                                    <p:anim calcmode="lin" valueType="num">
+                                      <p:cBhvr>
+                                        <p:cTn id="29" dur="1000" fill="hold"/>
+                                        <p:tgtEl>
+                                          <p:spTgt spid="3">
+                                            <p:txEl>
+                                              <p:pRg st="4" end="4"/>
+                                            </p:txEl>
+                                          </p:spTgt>
+                                        </p:tgtEl>
+                                        <p:attrNameLst>
+                                          <p:attrName>ppt_y</p:attrName>
+                                        </p:attrNameLst>
+                                      </p:cBhvr>
+                                      <p:tavLst>
+                                        <p:tav tm="0">
+                                          <p:val>
+                                            <p:strVal val="#ppt_y+.1"/>
+                                          </p:val>
+                                        </p:tav>
+                                        <p:tav tm="100000">
+                                          <p:val>
+                                            <p:strVal val="#ppt_y"/>
+                                          </p:val>
+                                        </p:tav>
+                                      </p:tavLst>
+                                    </p:anim>
+                                  </p:childTnLst>
+                                </p:cTn>
+                              </p:par>
+                              <p:par>
+                                <p:cTn id="30" presetID="42" presetClass="entr" presetSubtype="0" fill="hold" grpId="0" nodeType="withEffect">
+                                  <p:stCondLst>
+                                    <p:cond delay="0"/>
+                                  </p:stCondLst>
+                                  <p:childTnLst>
+                                    <p:set>
+                                      <p:cBhvr>
+                                        <p:cTn id="31" dur="1" fill="hold">
+                                          <p:stCondLst>
+                                            <p:cond delay="0"/>
+                                          </p:stCondLst>
+                                        </p:cTn>
+                                        <p:tgtEl>
+                                          <p:spTgt spid="3">
+                                            <p:txEl>
+                                              <p:pRg st="5" end="5"/>
+                                            </p:txEl>
+                                          </p:spTgt>
+                                        </p:tgtEl>
+                                        <p:attrNameLst>
+                                          <p:attrName>style.visibility</p:attrName>
+                                        </p:attrNameLst>
+                                      </p:cBhvr>
+                                      <p:to>
+                                        <p:strVal val="visible"/>
+                                      </p:to>
+                                    </p:set>
+                                    <p:animEffect transition="in" filter="fade">
+                                      <p:cBhvr>
+                                        <p:cTn id="32" dur="1000"/>
+                                        <p:tgtEl>
+                                          <p:spTgt spid="3">
+                                            <p:txEl>
+                                              <p:pRg st="5" end="5"/>
+                                            </p:txEl>
+                                          </p:spTgt>
+                                        </p:tgtEl>
+                                      </p:cBhvr>
+                                    </p:animEffect>
+                                    <p:anim calcmode="lin" valueType="num">
+                                      <p:cBhvr>
+                                        <p:cTn id="33" dur="1000" fill="hold"/>
+                                        <p:tgtEl>
+                                          <p:spTgt spid="3">
+                                            <p:txEl>
+                                              <p:pRg st="5" end="5"/>
+                                            </p:txEl>
+                                          </p:spTgt>
+                                        </p:tgtEl>
+                                        <p:attrNameLst>
+                                          <p:attrName>ppt_x</p:attrName>
+                                        </p:attrNameLst>
+                                      </p:cBhvr>
+                                      <p:tavLst>
+                                        <p:tav tm="0">
+                                          <p:val>
+                                            <p:strVal val="#ppt_x"/>
+                                          </p:val>
+                                        </p:tav>
+                                        <p:tav tm="100000">
+                                          <p:val>
+                                            <p:strVal val="#ppt_x"/>
+                                          </p:val>
+                                        </p:tav>
+                                      </p:tavLst>
+                                    </p:anim>
+                                    <p:anim calcmode="lin" valueType="num">
+                                      <p:cBhvr>
+                                        <p:cTn id="34" dur="1000" fill="hold"/>
+                                        <p:tgtEl>
+                                          <p:spTgt spid="3">
+                                            <p:txEl>
+                                              <p:pRg st="5" end="5"/>
+                                            </p:txEl>
+                                          </p:spTgt>
+                                        </p:tgtEl>
+                                        <p:attrNameLst>
+                                          <p:attrName>ppt_y</p:attrName>
+                                        </p:attrNameLst>
+                                      </p:cBhvr>
+                                      <p:tavLst>
+                                        <p:tav tm="0">
+                                          <p:val>
+                                            <p:strVal val="#ppt_y+.1"/>
+                                          </p:val>
+                                        </p:tav>
+                                        <p:tav tm="100000">
+                                          <p:val>
+                                            <p:strVal val="#ppt_y"/>
+                                          </p:val>
+                                        </p:tav>
+                                      </p:tavLst>
+                                    </p:anim>
+                                  </p:childTnLst>
+                                </p:cTn>
+                              </p:par>
+                              <p:par>
+                                <p:cTn id="35" presetID="42" presetClass="entr" presetSubtype="0" fill="hold" grpId="0" nodeType="withEffect">
+                                  <p:stCondLst>
+                                    <p:cond delay="0"/>
+                                  </p:stCondLst>
+                                  <p:childTnLst>
+                                    <p:set>
+                                      <p:cBhvr>
+                                        <p:cTn id="36" dur="1" fill="hold">
+                                          <p:stCondLst>
+                                            <p:cond delay="0"/>
+                                          </p:stCondLst>
+                                        </p:cTn>
+                                        <p:tgtEl>
+                                          <p:spTgt spid="3">
+                                            <p:txEl>
+                                              <p:pRg st="6" end="6"/>
+                                            </p:txEl>
+                                          </p:spTgt>
+                                        </p:tgtEl>
+                                        <p:attrNameLst>
+                                          <p:attrName>style.visibility</p:attrName>
+                                        </p:attrNameLst>
+                                      </p:cBhvr>
+                                      <p:to>
+                                        <p:strVal val="visible"/>
+                                      </p:to>
+                                    </p:set>
+                                    <p:animEffect transition="in" filter="fade">
+                                      <p:cBhvr>
+                                        <p:cTn id="37" dur="1000"/>
+                                        <p:tgtEl>
+                                          <p:spTgt spid="3">
+                                            <p:txEl>
+                                              <p:pRg st="6" end="6"/>
+                                            </p:txEl>
+                                          </p:spTgt>
+                                        </p:tgtEl>
+                                      </p:cBhvr>
+                                    </p:animEffect>
+                                    <p:anim calcmode="lin" valueType="num">
+                                      <p:cBhvr>
+                                        <p:cTn id="38" dur="1000" fill="hold"/>
+                                        <p:tgtEl>
+                                          <p:spTgt spid="3">
+                                            <p:txEl>
+                                              <p:pRg st="6" end="6"/>
+                                            </p:txEl>
+                                          </p:spTgt>
+                                        </p:tgtEl>
+                                        <p:attrNameLst>
+                                          <p:attrName>ppt_x</p:attrName>
+                                        </p:attrNameLst>
+                                      </p:cBhvr>
+                                      <p:tavLst>
+                                        <p:tav tm="0">
+                                          <p:val>
+                                            <p:strVal val="#ppt_x"/>
+                                          </p:val>
+                                        </p:tav>
+                                        <p:tav tm="100000">
+                                          <p:val>
+                                            <p:strVal val="#ppt_x"/>
+                                          </p:val>
+                                        </p:tav>
+                                      </p:tavLst>
+                                    </p:anim>
+                                    <p:anim calcmode="lin" valueType="num">
+                                      <p:cBhvr>
+                                        <p:cTn id="39" dur="1000" fill="hold"/>
+                                        <p:tgtEl>
+                                          <p:spTgt spid="3">
+                                            <p:txEl>
+                                              <p:pRg st="6" end="6"/>
+                                            </p:txEl>
+                                          </p:spTgt>
+                                        </p:tgtEl>
+                                        <p:attrNameLst>
+                                          <p:attrName>ppt_y</p:attrName>
+                                        </p:attrNameLst>
+                                      </p:cBhvr>
+                                      <p:tavLst>
+                                        <p:tav tm="0">
+                                          <p:val>
+                                            <p:strVal val="#ppt_y+.1"/>
+                                          </p:val>
+                                        </p:tav>
+                                        <p:tav tm="100000">
+                                          <p:val>
+                                            <p:strVal val="#ppt_y"/>
+                                          </p:val>
+                                        </p:tav>
+                                      </p:tavLst>
+                                    </p:anim>
+                                  </p:childTnLst>
+                                </p:cTn>
+                              </p:par>
+                              <p:par>
+                                <p:cTn id="40" presetID="42" presetClass="entr" presetSubtype="0" fill="hold" grpId="0" nodeType="withEffect">
+                                  <p:stCondLst>
+                                    <p:cond delay="0"/>
+                                  </p:stCondLst>
+                                  <p:childTnLst>
+                                    <p:set>
+                                      <p:cBhvr>
+                                        <p:cTn id="41" dur="1" fill="hold">
+                                          <p:stCondLst>
+                                            <p:cond delay="0"/>
+                                          </p:stCondLst>
+                                        </p:cTn>
+                                        <p:tgtEl>
+                                          <p:spTgt spid="3">
+                                            <p:txEl>
+                                              <p:pRg st="7" end="7"/>
+                                            </p:txEl>
+                                          </p:spTgt>
+                                        </p:tgtEl>
+                                        <p:attrNameLst>
+                                          <p:attrName>style.visibility</p:attrName>
+                                        </p:attrNameLst>
+                                      </p:cBhvr>
+                                      <p:to>
+                                        <p:strVal val="visible"/>
+                                      </p:to>
+                                    </p:set>
+                                    <p:animEffect transition="in" filter="fade">
+                                      <p:cBhvr>
+                                        <p:cTn id="42" dur="1000"/>
+                                        <p:tgtEl>
+                                          <p:spTgt spid="3">
+                                            <p:txEl>
+                                              <p:pRg st="7" end="7"/>
+                                            </p:txEl>
+                                          </p:spTgt>
+                                        </p:tgtEl>
+                                      </p:cBhvr>
+                                    </p:animEffect>
+                                    <p:anim calcmode="lin" valueType="num">
+                                      <p:cBhvr>
+                                        <p:cTn id="43" dur="1000" fill="hold"/>
+                                        <p:tgtEl>
+                                          <p:spTgt spid="3">
+                                            <p:txEl>
+                                              <p:pRg st="7" end="7"/>
+                                            </p:txEl>
+                                          </p:spTgt>
+                                        </p:tgtEl>
+                                        <p:attrNameLst>
+                                          <p:attrName>ppt_x</p:attrName>
+                                        </p:attrNameLst>
+                                      </p:cBhvr>
+                                      <p:tavLst>
+                                        <p:tav tm="0">
+                                          <p:val>
+                                            <p:strVal val="#ppt_x"/>
+                                          </p:val>
+                                        </p:tav>
+                                        <p:tav tm="100000">
+                                          <p:val>
+                                            <p:strVal val="#ppt_x"/>
+                                          </p:val>
+                                        </p:tav>
+                                      </p:tavLst>
+                                    </p:anim>
+                                    <p:anim calcmode="lin" valueType="num">
+                                      <p:cBhvr>
+                                        <p:cTn id="44" dur="1000" fill="hold"/>
+                                        <p:tgtEl>
+                                          <p:spTgt spid="3">
+                                            <p:txEl>
+                                              <p:pRg st="7" end="7"/>
+                                            </p:txEl>
+                                          </p:spTgt>
+                                        </p:tgtEl>
+                                        <p:attrNameLst>
+                                          <p:attrName>ppt_y</p:attrName>
+                                        </p:attrNameLst>
+                                      </p:cBhvr>
+                                      <p:tavLst>
+                                        <p:tav tm="0">
+                                          <p:val>
+                                            <p:strVal val="#ppt_y+.1"/>
+                                          </p:val>
+                                        </p:tav>
+                                        <p:tav tm="100000">
+                                          <p:val>
+                                            <p:strVal val="#ppt_y"/>
+                                          </p:val>
+                                        </p:tav>
+                                      </p:tavLst>
+                                    </p:anim>
+                                  </p:childTnLst>
+                                </p:cTn>
+                              </p:par>
+                            </p:childTnLst>
+                          </p:cTn>
+                        </p:par>
+                      </p:childTnLst>
+                    </p:cTn>
+                  </p:par>
+                </p:childTnLst>
+              </p:cTn>
+              <p:prevCondLst>
+                <p:cond evt="onPrev" delay="0">
+                  <p:tgtEl>
+                    <p:sldTgt/>
+                  </p:tgtEl>
+                </p:cond>
+              </p:prevCondLst>
+              <p:nextCondLst>
+                <p:cond evt="onNext" delay="0">
+                  <p:tgtEl>
+                    <p:sldTgt/>
+                  </p:tgtEl>
+                </p:cond>
+              </p:nextCondLst>
+            </p:seq>
+          </p:childTnLst>
+        </p:cTn>
       </p:par>
     </p:tnLst>
+    <p:bldLst>
+      <p:bldP spid="3" grpId="0" build="p"/>
+    </p:bldLst>
   </p:timing>
 </p:sld>
 </file>
@@ -4545,9 +5365,380 @@
   <p:timing>
     <p:tnLst>
       <p:par>
-        <p:cTn id="1" dur="indefinite" restart="never" nodeType="tmRoot"/>
+        <p:cTn id="1" dur="indefinite" restart="never" nodeType="tmRoot">
+          <p:childTnLst>
+            <p:seq concurrent="1" nextAc="seek">
+              <p:cTn id="2" dur="indefinite" nodeType="mainSeq">
+                <p:childTnLst>
+                  <p:par>
+                    <p:cTn id="3" fill="hold">
+                      <p:stCondLst>
+                        <p:cond delay="indefinite"/>
+                      </p:stCondLst>
+                      <p:childTnLst>
+                        <p:par>
+                          <p:cTn id="4" fill="hold">
+                            <p:stCondLst>
+                              <p:cond delay="0"/>
+                            </p:stCondLst>
+                            <p:childTnLst>
+                              <p:par>
+                                <p:cTn id="5" presetID="42" presetClass="entr" presetSubtype="0" fill="hold" grpId="0" nodeType="clickEffect">
+                                  <p:stCondLst>
+                                    <p:cond delay="0"/>
+                                  </p:stCondLst>
+                                  <p:childTnLst>
+                                    <p:set>
+                                      <p:cBhvr>
+                                        <p:cTn id="6" dur="1" fill="hold">
+                                          <p:stCondLst>
+                                            <p:cond delay="0"/>
+                                          </p:stCondLst>
+                                        </p:cTn>
+                                        <p:tgtEl>
+                                          <p:spTgt spid="3">
+                                            <p:txEl>
+                                              <p:pRg st="0" end="0"/>
+                                            </p:txEl>
+                                          </p:spTgt>
+                                        </p:tgtEl>
+                                        <p:attrNameLst>
+                                          <p:attrName>style.visibility</p:attrName>
+                                        </p:attrNameLst>
+                                      </p:cBhvr>
+                                      <p:to>
+                                        <p:strVal val="visible"/>
+                                      </p:to>
+                                    </p:set>
+                                    <p:animEffect transition="in" filter="fade">
+                                      <p:cBhvr>
+                                        <p:cTn id="7" dur="1000"/>
+                                        <p:tgtEl>
+                                          <p:spTgt spid="3">
+                                            <p:txEl>
+                                              <p:pRg st="0" end="0"/>
+                                            </p:txEl>
+                                          </p:spTgt>
+                                        </p:tgtEl>
+                                      </p:cBhvr>
+                                    </p:animEffect>
+                                    <p:anim calcmode="lin" valueType="num">
+                                      <p:cBhvr>
+                                        <p:cTn id="8" dur="1000" fill="hold"/>
+                                        <p:tgtEl>
+                                          <p:spTgt spid="3">
+                                            <p:txEl>
+                                              <p:pRg st="0" end="0"/>
+                                            </p:txEl>
+                                          </p:spTgt>
+                                        </p:tgtEl>
+                                        <p:attrNameLst>
+                                          <p:attrName>ppt_x</p:attrName>
+                                        </p:attrNameLst>
+                                      </p:cBhvr>
+                                      <p:tavLst>
+                                        <p:tav tm="0">
+                                          <p:val>
+                                            <p:strVal val="#ppt_x"/>
+                                          </p:val>
+                                        </p:tav>
+                                        <p:tav tm="100000">
+                                          <p:val>
+                                            <p:strVal val="#ppt_x"/>
+                                          </p:val>
+                                        </p:tav>
+                                      </p:tavLst>
+                                    </p:anim>
+                                    <p:anim calcmode="lin" valueType="num">
+                                      <p:cBhvr>
+                                        <p:cTn id="9" dur="1000" fill="hold"/>
+                                        <p:tgtEl>
+                                          <p:spTgt spid="3">
+                                            <p:txEl>
+                                              <p:pRg st="0" end="0"/>
+                                            </p:txEl>
+                                          </p:spTgt>
+                                        </p:tgtEl>
+                                        <p:attrNameLst>
+                                          <p:attrName>ppt_y</p:attrName>
+                                        </p:attrNameLst>
+                                      </p:cBhvr>
+                                      <p:tavLst>
+                                        <p:tav tm="0">
+                                          <p:val>
+                                            <p:strVal val="#ppt_y+.1"/>
+                                          </p:val>
+                                        </p:tav>
+                                        <p:tav tm="100000">
+                                          <p:val>
+                                            <p:strVal val="#ppt_y"/>
+                                          </p:val>
+                                        </p:tav>
+                                      </p:tavLst>
+                                    </p:anim>
+                                  </p:childTnLst>
+                                </p:cTn>
+                              </p:par>
+                            </p:childTnLst>
+                          </p:cTn>
+                        </p:par>
+                      </p:childTnLst>
+                    </p:cTn>
+                  </p:par>
+                  <p:par>
+                    <p:cTn id="10" fill="hold">
+                      <p:stCondLst>
+                        <p:cond delay="indefinite"/>
+                      </p:stCondLst>
+                      <p:childTnLst>
+                        <p:par>
+                          <p:cTn id="11" fill="hold">
+                            <p:stCondLst>
+                              <p:cond delay="0"/>
+                            </p:stCondLst>
+                            <p:childTnLst>
+                              <p:par>
+                                <p:cTn id="12" presetID="42" presetClass="entr" presetSubtype="0" fill="hold" grpId="0" nodeType="clickEffect">
+                                  <p:stCondLst>
+                                    <p:cond delay="0"/>
+                                  </p:stCondLst>
+                                  <p:childTnLst>
+                                    <p:set>
+                                      <p:cBhvr>
+                                        <p:cTn id="13" dur="1" fill="hold">
+                                          <p:stCondLst>
+                                            <p:cond delay="0"/>
+                                          </p:stCondLst>
+                                        </p:cTn>
+                                        <p:tgtEl>
+                                          <p:spTgt spid="3">
+                                            <p:txEl>
+                                              <p:pRg st="1" end="1"/>
+                                            </p:txEl>
+                                          </p:spTgt>
+                                        </p:tgtEl>
+                                        <p:attrNameLst>
+                                          <p:attrName>style.visibility</p:attrName>
+                                        </p:attrNameLst>
+                                      </p:cBhvr>
+                                      <p:to>
+                                        <p:strVal val="visible"/>
+                                      </p:to>
+                                    </p:set>
+                                    <p:animEffect transition="in" filter="fade">
+                                      <p:cBhvr>
+                                        <p:cTn id="14" dur="1000"/>
+                                        <p:tgtEl>
+                                          <p:spTgt spid="3">
+                                            <p:txEl>
+                                              <p:pRg st="1" end="1"/>
+                                            </p:txEl>
+                                          </p:spTgt>
+                                        </p:tgtEl>
+                                      </p:cBhvr>
+                                    </p:animEffect>
+                                    <p:anim calcmode="lin" valueType="num">
+                                      <p:cBhvr>
+                                        <p:cTn id="15" dur="1000" fill="hold"/>
+                                        <p:tgtEl>
+                                          <p:spTgt spid="3">
+                                            <p:txEl>
+                                              <p:pRg st="1" end="1"/>
+                                            </p:txEl>
+                                          </p:spTgt>
+                                        </p:tgtEl>
+                                        <p:attrNameLst>
+                                          <p:attrName>ppt_x</p:attrName>
+                                        </p:attrNameLst>
+                                      </p:cBhvr>
+                                      <p:tavLst>
+                                        <p:tav tm="0">
+                                          <p:val>
+                                            <p:strVal val="#ppt_x"/>
+                                          </p:val>
+                                        </p:tav>
+                                        <p:tav tm="100000">
+                                          <p:val>
+                                            <p:strVal val="#ppt_x"/>
+                                          </p:val>
+                                        </p:tav>
+                                      </p:tavLst>
+                                    </p:anim>
+                                    <p:anim calcmode="lin" valueType="num">
+                                      <p:cBhvr>
+                                        <p:cTn id="16" dur="1000" fill="hold"/>
+                                        <p:tgtEl>
+                                          <p:spTgt spid="3">
+                                            <p:txEl>
+                                              <p:pRg st="1" end="1"/>
+                                            </p:txEl>
+                                          </p:spTgt>
+                                        </p:tgtEl>
+                                        <p:attrNameLst>
+                                          <p:attrName>ppt_y</p:attrName>
+                                        </p:attrNameLst>
+                                      </p:cBhvr>
+                                      <p:tavLst>
+                                        <p:tav tm="0">
+                                          <p:val>
+                                            <p:strVal val="#ppt_y+.1"/>
+                                          </p:val>
+                                        </p:tav>
+                                        <p:tav tm="100000">
+                                          <p:val>
+                                            <p:strVal val="#ppt_y"/>
+                                          </p:val>
+                                        </p:tav>
+                                      </p:tavLst>
+                                    </p:anim>
+                                  </p:childTnLst>
+                                </p:cTn>
+                              </p:par>
+                            </p:childTnLst>
+                          </p:cTn>
+                        </p:par>
+                      </p:childTnLst>
+                    </p:cTn>
+                  </p:par>
+                  <p:par>
+                    <p:cTn id="17" fill="hold">
+                      <p:stCondLst>
+                        <p:cond delay="indefinite"/>
+                      </p:stCondLst>
+                      <p:childTnLst>
+                        <p:par>
+                          <p:cTn id="18" fill="hold">
+                            <p:stCondLst>
+                              <p:cond delay="0"/>
+                            </p:stCondLst>
+                            <p:childTnLst>
+                              <p:par>
+                                <p:cTn id="19" presetID="42" presetClass="entr" presetSubtype="0" fill="hold" grpId="0" nodeType="clickEffect">
+                                  <p:stCondLst>
+                                    <p:cond delay="0"/>
+                                  </p:stCondLst>
+                                  <p:childTnLst>
+                                    <p:set>
+                                      <p:cBhvr>
+                                        <p:cTn id="20" dur="1" fill="hold">
+                                          <p:stCondLst>
+                                            <p:cond delay="0"/>
+                                          </p:stCondLst>
+                                        </p:cTn>
+                                        <p:tgtEl>
+                                          <p:spTgt spid="3">
+                                            <p:txEl>
+                                              <p:pRg st="2" end="2"/>
+                                            </p:txEl>
+                                          </p:spTgt>
+                                        </p:tgtEl>
+                                        <p:attrNameLst>
+                                          <p:attrName>style.visibility</p:attrName>
+                                        </p:attrNameLst>
+                                      </p:cBhvr>
+                                      <p:to>
+                                        <p:strVal val="visible"/>
+                                      </p:to>
+                                    </p:set>
+                                    <p:animEffect transition="in" filter="fade">
+                                      <p:cBhvr>
+                                        <p:cTn id="21" dur="1000"/>
+                                        <p:tgtEl>
+                                          <p:spTgt spid="3">
+                                            <p:txEl>
+                                              <p:pRg st="2" end="2"/>
+                                            </p:txEl>
+                                          </p:spTgt>
+                                        </p:tgtEl>
+                                      </p:cBhvr>
+                                    </p:animEffect>
+                                    <p:anim calcmode="lin" valueType="num">
+                                      <p:cBhvr>
+                                        <p:cTn id="22" dur="1000" fill="hold"/>
+                                        <p:tgtEl>
+                                          <p:spTgt spid="3">
+                                            <p:txEl>
+                                              <p:pRg st="2" end="2"/>
+                                            </p:txEl>
+                                          </p:spTgt>
+                                        </p:tgtEl>
+                                        <p:attrNameLst>
+                                          <p:attrName>ppt_x</p:attrName>
+                                        </p:attrNameLst>
+                                      </p:cBhvr>
+                                      <p:tavLst>
+                                        <p:tav tm="0">
+                                          <p:val>
+                                            <p:strVal val="#ppt_x"/>
+                                          </p:val>
+                                        </p:tav>
+                                        <p:tav tm="100000">
+                                          <p:val>
+                                            <p:strVal val="#ppt_x"/>
+                                          </p:val>
+                                        </p:tav>
+                                      </p:tavLst>
+                                    </p:anim>
+                                    <p:anim calcmode="lin" valueType="num">
+                                      <p:cBhvr>
+                                        <p:cTn id="23" dur="1000" fill="hold"/>
+                                        <p:tgtEl>
+                                          <p:spTgt spid="3">
+                                            <p:txEl>
+                                              <p:pRg st="2" end="2"/>
+                                            </p:txEl>
+                                          </p:spTgt>
+                                        </p:tgtEl>
+                                        <p:attrNameLst>
+                                          <p:attrName>ppt_y</p:attrName>
+                                        </p:attrNameLst>
+                                      </p:cBhvr>
+                                      <p:tavLst>
+                                        <p:tav tm="0">
+                                          <p:val>
+                                            <p:strVal val="#ppt_y+.1"/>
+                                          </p:val>
+                                        </p:tav>
+                                        <p:tav tm="100000">
+                                          <p:val>
+                                            <p:strVal val="#ppt_y"/>
+                                          </p:val>
+                                        </p:tav>
+                                      </p:tavLst>
+                                    </p:anim>
+                                  </p:childTnLst>
+                                </p:cTn>
+                              </p:par>
+                            </p:childTnLst>
+                          </p:cTn>
+                        </p:par>
+                      </p:childTnLst>
+                    </p:cTn>
+                  </p:par>
+                </p:childTnLst>
+              </p:cTn>
+              <p:prevCondLst>
+                <p:cond evt="onPrev" delay="0">
+                  <p:tgtEl>
+                    <p:sldTgt/>
+                  </p:tgtEl>
+                </p:cond>
+              </p:prevCondLst>
+              <p:nextCondLst>
+                <p:cond evt="onNext" delay="0">
+                  <p:tgtEl>
+                    <p:sldTgt/>
+                  </p:tgtEl>
+                </p:cond>
+              </p:nextCondLst>
+            </p:seq>
+          </p:childTnLst>
+        </p:cTn>
       </p:par>
     </p:tnLst>
+    <p:bldLst>
+      <p:bldP spid="3" grpId="0" uiExpand="1" build="p"/>
+    </p:bldLst>
   </p:timing>
 </p:sld>
 </file>
@@ -4656,9 +5847,610 @@
   <p:timing>
     <p:tnLst>
       <p:par>
-        <p:cTn id="1" dur="indefinite" restart="never" nodeType="tmRoot"/>
+        <p:cTn id="1" dur="indefinite" restart="never" nodeType="tmRoot">
+          <p:childTnLst>
+            <p:seq concurrent="1" nextAc="seek">
+              <p:cTn id="2" dur="indefinite" nodeType="mainSeq">
+                <p:childTnLst>
+                  <p:par>
+                    <p:cTn id="3" fill="hold">
+                      <p:stCondLst>
+                        <p:cond delay="indefinite"/>
+                      </p:stCondLst>
+                      <p:childTnLst>
+                        <p:par>
+                          <p:cTn id="4" fill="hold">
+                            <p:stCondLst>
+                              <p:cond delay="0"/>
+                            </p:stCondLst>
+                            <p:childTnLst>
+                              <p:par>
+                                <p:cTn id="5" presetID="42" presetClass="entr" presetSubtype="0" fill="hold" grpId="0" nodeType="clickEffect">
+                                  <p:stCondLst>
+                                    <p:cond delay="0"/>
+                                  </p:stCondLst>
+                                  <p:childTnLst>
+                                    <p:set>
+                                      <p:cBhvr>
+                                        <p:cTn id="6" dur="1" fill="hold">
+                                          <p:stCondLst>
+                                            <p:cond delay="0"/>
+                                          </p:stCondLst>
+                                        </p:cTn>
+                                        <p:tgtEl>
+                                          <p:spTgt spid="3">
+                                            <p:txEl>
+                                              <p:pRg st="0" end="0"/>
+                                            </p:txEl>
+                                          </p:spTgt>
+                                        </p:tgtEl>
+                                        <p:attrNameLst>
+                                          <p:attrName>style.visibility</p:attrName>
+                                        </p:attrNameLst>
+                                      </p:cBhvr>
+                                      <p:to>
+                                        <p:strVal val="visible"/>
+                                      </p:to>
+                                    </p:set>
+                                    <p:animEffect transition="in" filter="fade">
+                                      <p:cBhvr>
+                                        <p:cTn id="7" dur="1000"/>
+                                        <p:tgtEl>
+                                          <p:spTgt spid="3">
+                                            <p:txEl>
+                                              <p:pRg st="0" end="0"/>
+                                            </p:txEl>
+                                          </p:spTgt>
+                                        </p:tgtEl>
+                                      </p:cBhvr>
+                                    </p:animEffect>
+                                    <p:anim calcmode="lin" valueType="num">
+                                      <p:cBhvr>
+                                        <p:cTn id="8" dur="1000" fill="hold"/>
+                                        <p:tgtEl>
+                                          <p:spTgt spid="3">
+                                            <p:txEl>
+                                              <p:pRg st="0" end="0"/>
+                                            </p:txEl>
+                                          </p:spTgt>
+                                        </p:tgtEl>
+                                        <p:attrNameLst>
+                                          <p:attrName>ppt_x</p:attrName>
+                                        </p:attrNameLst>
+                                      </p:cBhvr>
+                                      <p:tavLst>
+                                        <p:tav tm="0">
+                                          <p:val>
+                                            <p:strVal val="#ppt_x"/>
+                                          </p:val>
+                                        </p:tav>
+                                        <p:tav tm="100000">
+                                          <p:val>
+                                            <p:strVal val="#ppt_x"/>
+                                          </p:val>
+                                        </p:tav>
+                                      </p:tavLst>
+                                    </p:anim>
+                                    <p:anim calcmode="lin" valueType="num">
+                                      <p:cBhvr>
+                                        <p:cTn id="9" dur="1000" fill="hold"/>
+                                        <p:tgtEl>
+                                          <p:spTgt spid="3">
+                                            <p:txEl>
+                                              <p:pRg st="0" end="0"/>
+                                            </p:txEl>
+                                          </p:spTgt>
+                                        </p:tgtEl>
+                                        <p:attrNameLst>
+                                          <p:attrName>ppt_y</p:attrName>
+                                        </p:attrNameLst>
+                                      </p:cBhvr>
+                                      <p:tavLst>
+                                        <p:tav tm="0">
+                                          <p:val>
+                                            <p:strVal val="#ppt_y+.1"/>
+                                          </p:val>
+                                        </p:tav>
+                                        <p:tav tm="100000">
+                                          <p:val>
+                                            <p:strVal val="#ppt_y"/>
+                                          </p:val>
+                                        </p:tav>
+                                      </p:tavLst>
+                                    </p:anim>
+                                  </p:childTnLst>
+                                </p:cTn>
+                              </p:par>
+                            </p:childTnLst>
+                          </p:cTn>
+                        </p:par>
+                      </p:childTnLst>
+                    </p:cTn>
+                  </p:par>
+                  <p:par>
+                    <p:cTn id="10" fill="hold">
+                      <p:stCondLst>
+                        <p:cond delay="indefinite"/>
+                      </p:stCondLst>
+                      <p:childTnLst>
+                        <p:par>
+                          <p:cTn id="11" fill="hold">
+                            <p:stCondLst>
+                              <p:cond delay="0"/>
+                            </p:stCondLst>
+                            <p:childTnLst>
+                              <p:par>
+                                <p:cTn id="12" presetID="42" presetClass="entr" presetSubtype="0" fill="hold" grpId="0" nodeType="clickEffect">
+                                  <p:stCondLst>
+                                    <p:cond delay="0"/>
+                                  </p:stCondLst>
+                                  <p:childTnLst>
+                                    <p:set>
+                                      <p:cBhvr>
+                                        <p:cTn id="13" dur="1" fill="hold">
+                                          <p:stCondLst>
+                                            <p:cond delay="0"/>
+                                          </p:stCondLst>
+                                        </p:cTn>
+                                        <p:tgtEl>
+                                          <p:spTgt spid="3">
+                                            <p:txEl>
+                                              <p:pRg st="1" end="1"/>
+                                            </p:txEl>
+                                          </p:spTgt>
+                                        </p:tgtEl>
+                                        <p:attrNameLst>
+                                          <p:attrName>style.visibility</p:attrName>
+                                        </p:attrNameLst>
+                                      </p:cBhvr>
+                                      <p:to>
+                                        <p:strVal val="visible"/>
+                                      </p:to>
+                                    </p:set>
+                                    <p:animEffect transition="in" filter="fade">
+                                      <p:cBhvr>
+                                        <p:cTn id="14" dur="1000"/>
+                                        <p:tgtEl>
+                                          <p:spTgt spid="3">
+                                            <p:txEl>
+                                              <p:pRg st="1" end="1"/>
+                                            </p:txEl>
+                                          </p:spTgt>
+                                        </p:tgtEl>
+                                      </p:cBhvr>
+                                    </p:animEffect>
+                                    <p:anim calcmode="lin" valueType="num">
+                                      <p:cBhvr>
+                                        <p:cTn id="15" dur="1000" fill="hold"/>
+                                        <p:tgtEl>
+                                          <p:spTgt spid="3">
+                                            <p:txEl>
+                                              <p:pRg st="1" end="1"/>
+                                            </p:txEl>
+                                          </p:spTgt>
+                                        </p:tgtEl>
+                                        <p:attrNameLst>
+                                          <p:attrName>ppt_x</p:attrName>
+                                        </p:attrNameLst>
+                                      </p:cBhvr>
+                                      <p:tavLst>
+                                        <p:tav tm="0">
+                                          <p:val>
+                                            <p:strVal val="#ppt_x"/>
+                                          </p:val>
+                                        </p:tav>
+                                        <p:tav tm="100000">
+                                          <p:val>
+                                            <p:strVal val="#ppt_x"/>
+                                          </p:val>
+                                        </p:tav>
+                                      </p:tavLst>
+                                    </p:anim>
+                                    <p:anim calcmode="lin" valueType="num">
+                                      <p:cBhvr>
+                                        <p:cTn id="16" dur="1000" fill="hold"/>
+                                        <p:tgtEl>
+                                          <p:spTgt spid="3">
+                                            <p:txEl>
+                                              <p:pRg st="1" end="1"/>
+                                            </p:txEl>
+                                          </p:spTgt>
+                                        </p:tgtEl>
+                                        <p:attrNameLst>
+                                          <p:attrName>ppt_y</p:attrName>
+                                        </p:attrNameLst>
+                                      </p:cBhvr>
+                                      <p:tavLst>
+                                        <p:tav tm="0">
+                                          <p:val>
+                                            <p:strVal val="#ppt_y+.1"/>
+                                          </p:val>
+                                        </p:tav>
+                                        <p:tav tm="100000">
+                                          <p:val>
+                                            <p:strVal val="#ppt_y"/>
+                                          </p:val>
+                                        </p:tav>
+                                      </p:tavLst>
+                                    </p:anim>
+                                  </p:childTnLst>
+                                </p:cTn>
+                              </p:par>
+                            </p:childTnLst>
+                          </p:cTn>
+                        </p:par>
+                      </p:childTnLst>
+                    </p:cTn>
+                  </p:par>
+                  <p:par>
+                    <p:cTn id="17" fill="hold">
+                      <p:stCondLst>
+                        <p:cond delay="indefinite"/>
+                      </p:stCondLst>
+                      <p:childTnLst>
+                        <p:par>
+                          <p:cTn id="18" fill="hold">
+                            <p:stCondLst>
+                              <p:cond delay="0"/>
+                            </p:stCondLst>
+                            <p:childTnLst>
+                              <p:par>
+                                <p:cTn id="19" presetID="42" presetClass="entr" presetSubtype="0" fill="hold" grpId="0" nodeType="clickEffect">
+                                  <p:stCondLst>
+                                    <p:cond delay="0"/>
+                                  </p:stCondLst>
+                                  <p:childTnLst>
+                                    <p:set>
+                                      <p:cBhvr>
+                                        <p:cTn id="20" dur="1" fill="hold">
+                                          <p:stCondLst>
+                                            <p:cond delay="0"/>
+                                          </p:stCondLst>
+                                        </p:cTn>
+                                        <p:tgtEl>
+                                          <p:spTgt spid="3">
+                                            <p:txEl>
+                                              <p:pRg st="2" end="2"/>
+                                            </p:txEl>
+                                          </p:spTgt>
+                                        </p:tgtEl>
+                                        <p:attrNameLst>
+                                          <p:attrName>style.visibility</p:attrName>
+                                        </p:attrNameLst>
+                                      </p:cBhvr>
+                                      <p:to>
+                                        <p:strVal val="visible"/>
+                                      </p:to>
+                                    </p:set>
+                                    <p:animEffect transition="in" filter="fade">
+                                      <p:cBhvr>
+                                        <p:cTn id="21" dur="1000"/>
+                                        <p:tgtEl>
+                                          <p:spTgt spid="3">
+                                            <p:txEl>
+                                              <p:pRg st="2" end="2"/>
+                                            </p:txEl>
+                                          </p:spTgt>
+                                        </p:tgtEl>
+                                      </p:cBhvr>
+                                    </p:animEffect>
+                                    <p:anim calcmode="lin" valueType="num">
+                                      <p:cBhvr>
+                                        <p:cTn id="22" dur="1000" fill="hold"/>
+                                        <p:tgtEl>
+                                          <p:spTgt spid="3">
+                                            <p:txEl>
+                                              <p:pRg st="2" end="2"/>
+                                            </p:txEl>
+                                          </p:spTgt>
+                                        </p:tgtEl>
+                                        <p:attrNameLst>
+                                          <p:attrName>ppt_x</p:attrName>
+                                        </p:attrNameLst>
+                                      </p:cBhvr>
+                                      <p:tavLst>
+                                        <p:tav tm="0">
+                                          <p:val>
+                                            <p:strVal val="#ppt_x"/>
+                                          </p:val>
+                                        </p:tav>
+                                        <p:tav tm="100000">
+                                          <p:val>
+                                            <p:strVal val="#ppt_x"/>
+                                          </p:val>
+                                        </p:tav>
+                                      </p:tavLst>
+                                    </p:anim>
+                                    <p:anim calcmode="lin" valueType="num">
+                                      <p:cBhvr>
+                                        <p:cTn id="23" dur="1000" fill="hold"/>
+                                        <p:tgtEl>
+                                          <p:spTgt spid="3">
+                                            <p:txEl>
+                                              <p:pRg st="2" end="2"/>
+                                            </p:txEl>
+                                          </p:spTgt>
+                                        </p:tgtEl>
+                                        <p:attrNameLst>
+                                          <p:attrName>ppt_y</p:attrName>
+                                        </p:attrNameLst>
+                                      </p:cBhvr>
+                                      <p:tavLst>
+                                        <p:tav tm="0">
+                                          <p:val>
+                                            <p:strVal val="#ppt_y+.1"/>
+                                          </p:val>
+                                        </p:tav>
+                                        <p:tav tm="100000">
+                                          <p:val>
+                                            <p:strVal val="#ppt_y"/>
+                                          </p:val>
+                                        </p:tav>
+                                      </p:tavLst>
+                                    </p:anim>
+                                  </p:childTnLst>
+                                </p:cTn>
+                              </p:par>
+                            </p:childTnLst>
+                          </p:cTn>
+                        </p:par>
+                      </p:childTnLst>
+                    </p:cTn>
+                  </p:par>
+                  <p:par>
+                    <p:cTn id="24" fill="hold">
+                      <p:stCondLst>
+                        <p:cond delay="indefinite"/>
+                      </p:stCondLst>
+                      <p:childTnLst>
+                        <p:par>
+                          <p:cTn id="25" fill="hold">
+                            <p:stCondLst>
+                              <p:cond delay="0"/>
+                            </p:stCondLst>
+                            <p:childTnLst>
+                              <p:par>
+                                <p:cTn id="26" presetID="42" presetClass="entr" presetSubtype="0" fill="hold" grpId="0" nodeType="clickEffect">
+                                  <p:stCondLst>
+                                    <p:cond delay="0"/>
+                                  </p:stCondLst>
+                                  <p:childTnLst>
+                                    <p:set>
+                                      <p:cBhvr>
+                                        <p:cTn id="27" dur="1" fill="hold">
+                                          <p:stCondLst>
+                                            <p:cond delay="0"/>
+                                          </p:stCondLst>
+                                        </p:cTn>
+                                        <p:tgtEl>
+                                          <p:spTgt spid="3">
+                                            <p:txEl>
+                                              <p:pRg st="3" end="3"/>
+                                            </p:txEl>
+                                          </p:spTgt>
+                                        </p:tgtEl>
+                                        <p:attrNameLst>
+                                          <p:attrName>style.visibility</p:attrName>
+                                        </p:attrNameLst>
+                                      </p:cBhvr>
+                                      <p:to>
+                                        <p:strVal val="visible"/>
+                                      </p:to>
+                                    </p:set>
+                                    <p:animEffect transition="in" filter="fade">
+                                      <p:cBhvr>
+                                        <p:cTn id="28" dur="1000"/>
+                                        <p:tgtEl>
+                                          <p:spTgt spid="3">
+                                            <p:txEl>
+                                              <p:pRg st="3" end="3"/>
+                                            </p:txEl>
+                                          </p:spTgt>
+                                        </p:tgtEl>
+                                      </p:cBhvr>
+                                    </p:animEffect>
+                                    <p:anim calcmode="lin" valueType="num">
+                                      <p:cBhvr>
+                                        <p:cTn id="29" dur="1000" fill="hold"/>
+                                        <p:tgtEl>
+                                          <p:spTgt spid="3">
+                                            <p:txEl>
+                                              <p:pRg st="3" end="3"/>
+                                            </p:txEl>
+                                          </p:spTgt>
+                                        </p:tgtEl>
+                                        <p:attrNameLst>
+                                          <p:attrName>ppt_x</p:attrName>
+                                        </p:attrNameLst>
+                                      </p:cBhvr>
+                                      <p:tavLst>
+                                        <p:tav tm="0">
+                                          <p:val>
+                                            <p:strVal val="#ppt_x"/>
+                                          </p:val>
+                                        </p:tav>
+                                        <p:tav tm="100000">
+                                          <p:val>
+                                            <p:strVal val="#ppt_x"/>
+                                          </p:val>
+                                        </p:tav>
+                                      </p:tavLst>
+                                    </p:anim>
+                                    <p:anim calcmode="lin" valueType="num">
+                                      <p:cBhvr>
+                                        <p:cTn id="30" dur="1000" fill="hold"/>
+                                        <p:tgtEl>
+                                          <p:spTgt spid="3">
+                                            <p:txEl>
+                                              <p:pRg st="3" end="3"/>
+                                            </p:txEl>
+                                          </p:spTgt>
+                                        </p:tgtEl>
+                                        <p:attrNameLst>
+                                          <p:attrName>ppt_y</p:attrName>
+                                        </p:attrNameLst>
+                                      </p:cBhvr>
+                                      <p:tavLst>
+                                        <p:tav tm="0">
+                                          <p:val>
+                                            <p:strVal val="#ppt_y+.1"/>
+                                          </p:val>
+                                        </p:tav>
+                                        <p:tav tm="100000">
+                                          <p:val>
+                                            <p:strVal val="#ppt_y"/>
+                                          </p:val>
+                                        </p:tav>
+                                      </p:tavLst>
+                                    </p:anim>
+                                  </p:childTnLst>
+                                </p:cTn>
+                              </p:par>
+                            </p:childTnLst>
+                          </p:cTn>
+                        </p:par>
+                      </p:childTnLst>
+                    </p:cTn>
+                  </p:par>
+                  <p:par>
+                    <p:cTn id="31" fill="hold">
+                      <p:stCondLst>
+                        <p:cond delay="indefinite"/>
+                      </p:stCondLst>
+                      <p:childTnLst>
+                        <p:par>
+                          <p:cTn id="32" fill="hold">
+                            <p:stCondLst>
+                              <p:cond delay="0"/>
+                            </p:stCondLst>
+                            <p:childTnLst>
+                              <p:par>
+                                <p:cTn id="33" presetID="42" presetClass="entr" presetSubtype="0" fill="hold" grpId="0" nodeType="clickEffect">
+                                  <p:stCondLst>
+                                    <p:cond delay="0"/>
+                                  </p:stCondLst>
+                                  <p:childTnLst>
+                                    <p:set>
+                                      <p:cBhvr>
+                                        <p:cTn id="34" dur="1" fill="hold">
+                                          <p:stCondLst>
+                                            <p:cond delay="0"/>
+                                          </p:stCondLst>
+                                        </p:cTn>
+                                        <p:tgtEl>
+                                          <p:spTgt spid="3">
+                                            <p:txEl>
+                                              <p:pRg st="4" end="4"/>
+                                            </p:txEl>
+                                          </p:spTgt>
+                                        </p:tgtEl>
+                                        <p:attrNameLst>
+                                          <p:attrName>style.visibility</p:attrName>
+                                        </p:attrNameLst>
+                                      </p:cBhvr>
+                                      <p:to>
+                                        <p:strVal val="visible"/>
+                                      </p:to>
+                                    </p:set>
+                                    <p:animEffect transition="in" filter="fade">
+                                      <p:cBhvr>
+                                        <p:cTn id="35" dur="1000"/>
+                                        <p:tgtEl>
+                                          <p:spTgt spid="3">
+                                            <p:txEl>
+                                              <p:pRg st="4" end="4"/>
+                                            </p:txEl>
+                                          </p:spTgt>
+                                        </p:tgtEl>
+                                      </p:cBhvr>
+                                    </p:animEffect>
+                                    <p:anim calcmode="lin" valueType="num">
+                                      <p:cBhvr>
+                                        <p:cTn id="36" dur="1000" fill="hold"/>
+                                        <p:tgtEl>
+                                          <p:spTgt spid="3">
+                                            <p:txEl>
+                                              <p:pRg st="4" end="4"/>
+                                            </p:txEl>
+                                          </p:spTgt>
+                                        </p:tgtEl>
+                                        <p:attrNameLst>
+                                          <p:attrName>ppt_x</p:attrName>
+                                        </p:attrNameLst>
+                                      </p:cBhvr>
+                                      <p:tavLst>
+                                        <p:tav tm="0">
+                                          <p:val>
+                                            <p:strVal val="#ppt_x"/>
+                                          </p:val>
+                                        </p:tav>
+                                        <p:tav tm="100000">
+                                          <p:val>
+                                            <p:strVal val="#ppt_x"/>
+                                          </p:val>
+                                        </p:tav>
+                                      </p:tavLst>
+                                    </p:anim>
+                                    <p:anim calcmode="lin" valueType="num">
+                                      <p:cBhvr>
+                                        <p:cTn id="37" dur="1000" fill="hold"/>
+                                        <p:tgtEl>
+                                          <p:spTgt spid="3">
+                                            <p:txEl>
+                                              <p:pRg st="4" end="4"/>
+                                            </p:txEl>
+                                          </p:spTgt>
+                                        </p:tgtEl>
+                                        <p:attrNameLst>
+                                          <p:attrName>ppt_y</p:attrName>
+                                        </p:attrNameLst>
+                                      </p:cBhvr>
+                                      <p:tavLst>
+                                        <p:tav tm="0">
+                                          <p:val>
+                                            <p:strVal val="#ppt_y+.1"/>
+                                          </p:val>
+                                        </p:tav>
+                                        <p:tav tm="100000">
+                                          <p:val>
+                                            <p:strVal val="#ppt_y"/>
+                                          </p:val>
+                                        </p:tav>
+                                      </p:tavLst>
+                                    </p:anim>
+                                  </p:childTnLst>
+                                </p:cTn>
+                              </p:par>
+                            </p:childTnLst>
+                          </p:cTn>
+                        </p:par>
+                      </p:childTnLst>
+                    </p:cTn>
+                  </p:par>
+                </p:childTnLst>
+              </p:cTn>
+              <p:prevCondLst>
+                <p:cond evt="onPrev" delay="0">
+                  <p:tgtEl>
+                    <p:sldTgt/>
+                  </p:tgtEl>
+                </p:cond>
+              </p:prevCondLst>
+              <p:nextCondLst>
+                <p:cond evt="onNext" delay="0">
+                  <p:tgtEl>
+                    <p:sldTgt/>
+                  </p:tgtEl>
+                </p:cond>
+              </p:nextCondLst>
+            </p:seq>
+          </p:childTnLst>
+        </p:cTn>
       </p:par>
     </p:tnLst>
+    <p:bldLst>
+      <p:bldP spid="3" grpId="0" build="p"/>
+    </p:bldLst>
   </p:timing>
 </p:sld>
 </file>
@@ -4801,9 +6593,574 @@
   <p:timing>
     <p:tnLst>
       <p:par>
-        <p:cTn id="1" dur="indefinite" restart="never" nodeType="tmRoot"/>
+        <p:cTn id="1" dur="indefinite" restart="never" nodeType="tmRoot">
+          <p:childTnLst>
+            <p:seq concurrent="1" nextAc="seek">
+              <p:cTn id="2" dur="indefinite" nodeType="mainSeq">
+                <p:childTnLst>
+                  <p:par>
+                    <p:cTn id="3" fill="hold">
+                      <p:stCondLst>
+                        <p:cond delay="indefinite"/>
+                      </p:stCondLst>
+                      <p:childTnLst>
+                        <p:par>
+                          <p:cTn id="4" fill="hold">
+                            <p:stCondLst>
+                              <p:cond delay="0"/>
+                            </p:stCondLst>
+                            <p:childTnLst>
+                              <p:par>
+                                <p:cTn id="5" presetID="42" presetClass="entr" presetSubtype="0" fill="hold" grpId="0" nodeType="clickEffect">
+                                  <p:stCondLst>
+                                    <p:cond delay="0"/>
+                                  </p:stCondLst>
+                                  <p:childTnLst>
+                                    <p:set>
+                                      <p:cBhvr>
+                                        <p:cTn id="6" dur="1" fill="hold">
+                                          <p:stCondLst>
+                                            <p:cond delay="0"/>
+                                          </p:stCondLst>
+                                        </p:cTn>
+                                        <p:tgtEl>
+                                          <p:spTgt spid="3">
+                                            <p:txEl>
+                                              <p:pRg st="0" end="0"/>
+                                            </p:txEl>
+                                          </p:spTgt>
+                                        </p:tgtEl>
+                                        <p:attrNameLst>
+                                          <p:attrName>style.visibility</p:attrName>
+                                        </p:attrNameLst>
+                                      </p:cBhvr>
+                                      <p:to>
+                                        <p:strVal val="visible"/>
+                                      </p:to>
+                                    </p:set>
+                                    <p:animEffect transition="in" filter="fade">
+                                      <p:cBhvr>
+                                        <p:cTn id="7" dur="1000"/>
+                                        <p:tgtEl>
+                                          <p:spTgt spid="3">
+                                            <p:txEl>
+                                              <p:pRg st="0" end="0"/>
+                                            </p:txEl>
+                                          </p:spTgt>
+                                        </p:tgtEl>
+                                      </p:cBhvr>
+                                    </p:animEffect>
+                                    <p:anim calcmode="lin" valueType="num">
+                                      <p:cBhvr>
+                                        <p:cTn id="8" dur="1000" fill="hold"/>
+                                        <p:tgtEl>
+                                          <p:spTgt spid="3">
+                                            <p:txEl>
+                                              <p:pRg st="0" end="0"/>
+                                            </p:txEl>
+                                          </p:spTgt>
+                                        </p:tgtEl>
+                                        <p:attrNameLst>
+                                          <p:attrName>ppt_x</p:attrName>
+                                        </p:attrNameLst>
+                                      </p:cBhvr>
+                                      <p:tavLst>
+                                        <p:tav tm="0">
+                                          <p:val>
+                                            <p:strVal val="#ppt_x"/>
+                                          </p:val>
+                                        </p:tav>
+                                        <p:tav tm="100000">
+                                          <p:val>
+                                            <p:strVal val="#ppt_x"/>
+                                          </p:val>
+                                        </p:tav>
+                                      </p:tavLst>
+                                    </p:anim>
+                                    <p:anim calcmode="lin" valueType="num">
+                                      <p:cBhvr>
+                                        <p:cTn id="9" dur="1000" fill="hold"/>
+                                        <p:tgtEl>
+                                          <p:spTgt spid="3">
+                                            <p:txEl>
+                                              <p:pRg st="0" end="0"/>
+                                            </p:txEl>
+                                          </p:spTgt>
+                                        </p:tgtEl>
+                                        <p:attrNameLst>
+                                          <p:attrName>ppt_y</p:attrName>
+                                        </p:attrNameLst>
+                                      </p:cBhvr>
+                                      <p:tavLst>
+                                        <p:tav tm="0">
+                                          <p:val>
+                                            <p:strVal val="#ppt_y+.1"/>
+                                          </p:val>
+                                        </p:tav>
+                                        <p:tav tm="100000">
+                                          <p:val>
+                                            <p:strVal val="#ppt_y"/>
+                                          </p:val>
+                                        </p:tav>
+                                      </p:tavLst>
+                                    </p:anim>
+                                  </p:childTnLst>
+                                </p:cTn>
+                              </p:par>
+                              <p:par>
+                                <p:cTn id="10" presetID="42" presetClass="entr" presetSubtype="0" fill="hold" grpId="0" nodeType="withEffect">
+                                  <p:stCondLst>
+                                    <p:cond delay="0"/>
+                                  </p:stCondLst>
+                                  <p:childTnLst>
+                                    <p:set>
+                                      <p:cBhvr>
+                                        <p:cTn id="11" dur="1" fill="hold">
+                                          <p:stCondLst>
+                                            <p:cond delay="0"/>
+                                          </p:stCondLst>
+                                        </p:cTn>
+                                        <p:tgtEl>
+                                          <p:spTgt spid="3">
+                                            <p:txEl>
+                                              <p:pRg st="1" end="1"/>
+                                            </p:txEl>
+                                          </p:spTgt>
+                                        </p:tgtEl>
+                                        <p:attrNameLst>
+                                          <p:attrName>style.visibility</p:attrName>
+                                        </p:attrNameLst>
+                                      </p:cBhvr>
+                                      <p:to>
+                                        <p:strVal val="visible"/>
+                                      </p:to>
+                                    </p:set>
+                                    <p:animEffect transition="in" filter="fade">
+                                      <p:cBhvr>
+                                        <p:cTn id="12" dur="1000"/>
+                                        <p:tgtEl>
+                                          <p:spTgt spid="3">
+                                            <p:txEl>
+                                              <p:pRg st="1" end="1"/>
+                                            </p:txEl>
+                                          </p:spTgt>
+                                        </p:tgtEl>
+                                      </p:cBhvr>
+                                    </p:animEffect>
+                                    <p:anim calcmode="lin" valueType="num">
+                                      <p:cBhvr>
+                                        <p:cTn id="13" dur="1000" fill="hold"/>
+                                        <p:tgtEl>
+                                          <p:spTgt spid="3">
+                                            <p:txEl>
+                                              <p:pRg st="1" end="1"/>
+                                            </p:txEl>
+                                          </p:spTgt>
+                                        </p:tgtEl>
+                                        <p:attrNameLst>
+                                          <p:attrName>ppt_x</p:attrName>
+                                        </p:attrNameLst>
+                                      </p:cBhvr>
+                                      <p:tavLst>
+                                        <p:tav tm="0">
+                                          <p:val>
+                                            <p:strVal val="#ppt_x"/>
+                                          </p:val>
+                                        </p:tav>
+                                        <p:tav tm="100000">
+                                          <p:val>
+                                            <p:strVal val="#ppt_x"/>
+                                          </p:val>
+                                        </p:tav>
+                                      </p:tavLst>
+                                    </p:anim>
+                                    <p:anim calcmode="lin" valueType="num">
+                                      <p:cBhvr>
+                                        <p:cTn id="14" dur="1000" fill="hold"/>
+                                        <p:tgtEl>
+                                          <p:spTgt spid="3">
+                                            <p:txEl>
+                                              <p:pRg st="1" end="1"/>
+                                            </p:txEl>
+                                          </p:spTgt>
+                                        </p:tgtEl>
+                                        <p:attrNameLst>
+                                          <p:attrName>ppt_y</p:attrName>
+                                        </p:attrNameLst>
+                                      </p:cBhvr>
+                                      <p:tavLst>
+                                        <p:tav tm="0">
+                                          <p:val>
+                                            <p:strVal val="#ppt_y+.1"/>
+                                          </p:val>
+                                        </p:tav>
+                                        <p:tav tm="100000">
+                                          <p:val>
+                                            <p:strVal val="#ppt_y"/>
+                                          </p:val>
+                                        </p:tav>
+                                      </p:tavLst>
+                                    </p:anim>
+                                  </p:childTnLst>
+                                </p:cTn>
+                              </p:par>
+                              <p:par>
+                                <p:cTn id="15" presetID="42" presetClass="entr" presetSubtype="0" fill="hold" grpId="0" nodeType="withEffect">
+                                  <p:stCondLst>
+                                    <p:cond delay="0"/>
+                                  </p:stCondLst>
+                                  <p:childTnLst>
+                                    <p:set>
+                                      <p:cBhvr>
+                                        <p:cTn id="16" dur="1" fill="hold">
+                                          <p:stCondLst>
+                                            <p:cond delay="0"/>
+                                          </p:stCondLst>
+                                        </p:cTn>
+                                        <p:tgtEl>
+                                          <p:spTgt spid="3">
+                                            <p:txEl>
+                                              <p:pRg st="2" end="2"/>
+                                            </p:txEl>
+                                          </p:spTgt>
+                                        </p:tgtEl>
+                                        <p:attrNameLst>
+                                          <p:attrName>style.visibility</p:attrName>
+                                        </p:attrNameLst>
+                                      </p:cBhvr>
+                                      <p:to>
+                                        <p:strVal val="visible"/>
+                                      </p:to>
+                                    </p:set>
+                                    <p:animEffect transition="in" filter="fade">
+                                      <p:cBhvr>
+                                        <p:cTn id="17" dur="1000"/>
+                                        <p:tgtEl>
+                                          <p:spTgt spid="3">
+                                            <p:txEl>
+                                              <p:pRg st="2" end="2"/>
+                                            </p:txEl>
+                                          </p:spTgt>
+                                        </p:tgtEl>
+                                      </p:cBhvr>
+                                    </p:animEffect>
+                                    <p:anim calcmode="lin" valueType="num">
+                                      <p:cBhvr>
+                                        <p:cTn id="18" dur="1000" fill="hold"/>
+                                        <p:tgtEl>
+                                          <p:spTgt spid="3">
+                                            <p:txEl>
+                                              <p:pRg st="2" end="2"/>
+                                            </p:txEl>
+                                          </p:spTgt>
+                                        </p:tgtEl>
+                                        <p:attrNameLst>
+                                          <p:attrName>ppt_x</p:attrName>
+                                        </p:attrNameLst>
+                                      </p:cBhvr>
+                                      <p:tavLst>
+                                        <p:tav tm="0">
+                                          <p:val>
+                                            <p:strVal val="#ppt_x"/>
+                                          </p:val>
+                                        </p:tav>
+                                        <p:tav tm="100000">
+                                          <p:val>
+                                            <p:strVal val="#ppt_x"/>
+                                          </p:val>
+                                        </p:tav>
+                                      </p:tavLst>
+                                    </p:anim>
+                                    <p:anim calcmode="lin" valueType="num">
+                                      <p:cBhvr>
+                                        <p:cTn id="19" dur="1000" fill="hold"/>
+                                        <p:tgtEl>
+                                          <p:spTgt spid="3">
+                                            <p:txEl>
+                                              <p:pRg st="2" end="2"/>
+                                            </p:txEl>
+                                          </p:spTgt>
+                                        </p:tgtEl>
+                                        <p:attrNameLst>
+                                          <p:attrName>ppt_y</p:attrName>
+                                        </p:attrNameLst>
+                                      </p:cBhvr>
+                                      <p:tavLst>
+                                        <p:tav tm="0">
+                                          <p:val>
+                                            <p:strVal val="#ppt_y+.1"/>
+                                          </p:val>
+                                        </p:tav>
+                                        <p:tav tm="100000">
+                                          <p:val>
+                                            <p:strVal val="#ppt_y"/>
+                                          </p:val>
+                                        </p:tav>
+                                      </p:tavLst>
+                                    </p:anim>
+                                  </p:childTnLst>
+                                </p:cTn>
+                              </p:par>
+                            </p:childTnLst>
+                          </p:cTn>
+                        </p:par>
+                      </p:childTnLst>
+                    </p:cTn>
+                  </p:par>
+                  <p:par>
+                    <p:cTn id="20" fill="hold">
+                      <p:stCondLst>
+                        <p:cond delay="indefinite"/>
+                      </p:stCondLst>
+                      <p:childTnLst>
+                        <p:par>
+                          <p:cTn id="21" fill="hold">
+                            <p:stCondLst>
+                              <p:cond delay="0"/>
+                            </p:stCondLst>
+                            <p:childTnLst>
+                              <p:par>
+                                <p:cTn id="22" presetID="42" presetClass="entr" presetSubtype="0" fill="hold" grpId="0" nodeType="clickEffect">
+                                  <p:stCondLst>
+                                    <p:cond delay="0"/>
+                                  </p:stCondLst>
+                                  <p:childTnLst>
+                                    <p:set>
+                                      <p:cBhvr>
+                                        <p:cTn id="23" dur="1" fill="hold">
+                                          <p:stCondLst>
+                                            <p:cond delay="0"/>
+                                          </p:stCondLst>
+                                        </p:cTn>
+                                        <p:tgtEl>
+                                          <p:spTgt spid="3">
+                                            <p:txEl>
+                                              <p:pRg st="3" end="3"/>
+                                            </p:txEl>
+                                          </p:spTgt>
+                                        </p:tgtEl>
+                                        <p:attrNameLst>
+                                          <p:attrName>style.visibility</p:attrName>
+                                        </p:attrNameLst>
+                                      </p:cBhvr>
+                                      <p:to>
+                                        <p:strVal val="visible"/>
+                                      </p:to>
+                                    </p:set>
+                                    <p:animEffect transition="in" filter="fade">
+                                      <p:cBhvr>
+                                        <p:cTn id="24" dur="1000"/>
+                                        <p:tgtEl>
+                                          <p:spTgt spid="3">
+                                            <p:txEl>
+                                              <p:pRg st="3" end="3"/>
+                                            </p:txEl>
+                                          </p:spTgt>
+                                        </p:tgtEl>
+                                      </p:cBhvr>
+                                    </p:animEffect>
+                                    <p:anim calcmode="lin" valueType="num">
+                                      <p:cBhvr>
+                                        <p:cTn id="25" dur="1000" fill="hold"/>
+                                        <p:tgtEl>
+                                          <p:spTgt spid="3">
+                                            <p:txEl>
+                                              <p:pRg st="3" end="3"/>
+                                            </p:txEl>
+                                          </p:spTgt>
+                                        </p:tgtEl>
+                                        <p:attrNameLst>
+                                          <p:attrName>ppt_x</p:attrName>
+                                        </p:attrNameLst>
+                                      </p:cBhvr>
+                                      <p:tavLst>
+                                        <p:tav tm="0">
+                                          <p:val>
+                                            <p:strVal val="#ppt_x"/>
+                                          </p:val>
+                                        </p:tav>
+                                        <p:tav tm="100000">
+                                          <p:val>
+                                            <p:strVal val="#ppt_x"/>
+                                          </p:val>
+                                        </p:tav>
+                                      </p:tavLst>
+                                    </p:anim>
+                                    <p:anim calcmode="lin" valueType="num">
+                                      <p:cBhvr>
+                                        <p:cTn id="26" dur="1000" fill="hold"/>
+                                        <p:tgtEl>
+                                          <p:spTgt spid="3">
+                                            <p:txEl>
+                                              <p:pRg st="3" end="3"/>
+                                            </p:txEl>
+                                          </p:spTgt>
+                                        </p:tgtEl>
+                                        <p:attrNameLst>
+                                          <p:attrName>ppt_y</p:attrName>
+                                        </p:attrNameLst>
+                                      </p:cBhvr>
+                                      <p:tavLst>
+                                        <p:tav tm="0">
+                                          <p:val>
+                                            <p:strVal val="#ppt_y+.1"/>
+                                          </p:val>
+                                        </p:tav>
+                                        <p:tav tm="100000">
+                                          <p:val>
+                                            <p:strVal val="#ppt_y"/>
+                                          </p:val>
+                                        </p:tav>
+                                      </p:tavLst>
+                                    </p:anim>
+                                  </p:childTnLst>
+                                </p:cTn>
+                              </p:par>
+                            </p:childTnLst>
+                          </p:cTn>
+                        </p:par>
+                      </p:childTnLst>
+                    </p:cTn>
+                  </p:par>
+                  <p:par>
+                    <p:cTn id="27" fill="hold">
+                      <p:stCondLst>
+                        <p:cond delay="indefinite"/>
+                      </p:stCondLst>
+                      <p:childTnLst>
+                        <p:par>
+                          <p:cTn id="28" fill="hold">
+                            <p:stCondLst>
+                              <p:cond delay="0"/>
+                            </p:stCondLst>
+                            <p:childTnLst>
+                              <p:par>
+                                <p:cTn id="29" presetID="42" presetClass="entr" presetSubtype="0" fill="hold" grpId="0" nodeType="clickEffect">
+                                  <p:stCondLst>
+                                    <p:cond delay="0"/>
+                                  </p:stCondLst>
+                                  <p:childTnLst>
+                                    <p:set>
+                                      <p:cBhvr>
+                                        <p:cTn id="30" dur="1" fill="hold">
+                                          <p:stCondLst>
+                                            <p:cond delay="0"/>
+                                          </p:stCondLst>
+                                        </p:cTn>
+                                        <p:tgtEl>
+                                          <p:spTgt spid="3">
+                                            <p:txEl>
+                                              <p:pRg st="4" end="4"/>
+                                            </p:txEl>
+                                          </p:spTgt>
+                                        </p:tgtEl>
+                                        <p:attrNameLst>
+                                          <p:attrName>style.visibility</p:attrName>
+                                        </p:attrNameLst>
+                                      </p:cBhvr>
+                                      <p:to>
+                                        <p:strVal val="visible"/>
+                                      </p:to>
+                                    </p:set>
+                                    <p:animEffect transition="in" filter="fade">
+                                      <p:cBhvr>
+                                        <p:cTn id="31" dur="1000"/>
+                                        <p:tgtEl>
+                                          <p:spTgt spid="3">
+                                            <p:txEl>
+                                              <p:pRg st="4" end="4"/>
+                                            </p:txEl>
+                                          </p:spTgt>
+                                        </p:tgtEl>
+                                      </p:cBhvr>
+                                    </p:animEffect>
+                                    <p:anim calcmode="lin" valueType="num">
+                                      <p:cBhvr>
+                                        <p:cTn id="32" dur="1000" fill="hold"/>
+                                        <p:tgtEl>
+                                          <p:spTgt spid="3">
+                                            <p:txEl>
+                                              <p:pRg st="4" end="4"/>
+                                            </p:txEl>
+                                          </p:spTgt>
+                                        </p:tgtEl>
+                                        <p:attrNameLst>
+                                          <p:attrName>ppt_x</p:attrName>
+                                        </p:attrNameLst>
+                                      </p:cBhvr>
+                                      <p:tavLst>
+                                        <p:tav tm="0">
+                                          <p:val>
+                                            <p:strVal val="#ppt_x"/>
+                                          </p:val>
+                                        </p:tav>
+                                        <p:tav tm="100000">
+                                          <p:val>
+                                            <p:strVal val="#ppt_x"/>
+                                          </p:val>
+                                        </p:tav>
+                                      </p:tavLst>
+                                    </p:anim>
+                                    <p:anim calcmode="lin" valueType="num">
+                                      <p:cBhvr>
+                                        <p:cTn id="33" dur="1000" fill="hold"/>
+                                        <p:tgtEl>
+                                          <p:spTgt spid="3">
+                                            <p:txEl>
+                                              <p:pRg st="4" end="4"/>
+                                            </p:txEl>
+                                          </p:spTgt>
+                                        </p:tgtEl>
+                                        <p:attrNameLst>
+                                          <p:attrName>ppt_y</p:attrName>
+                                        </p:attrNameLst>
+                                      </p:cBhvr>
+                                      <p:tavLst>
+                                        <p:tav tm="0">
+                                          <p:val>
+                                            <p:strVal val="#ppt_y+.1"/>
+                                          </p:val>
+                                        </p:tav>
+                                        <p:tav tm="100000">
+                                          <p:val>
+                                            <p:strVal val="#ppt_y"/>
+                                          </p:val>
+                                        </p:tav>
+                                      </p:tavLst>
+                                    </p:anim>
+                                  </p:childTnLst>
+                                </p:cTn>
+                              </p:par>
+                            </p:childTnLst>
+                          </p:cTn>
+                        </p:par>
+                      </p:childTnLst>
+                    </p:cTn>
+                  </p:par>
+                </p:childTnLst>
+              </p:cTn>
+              <p:prevCondLst>
+                <p:cond evt="onPrev" delay="0">
+                  <p:tgtEl>
+                    <p:sldTgt/>
+                  </p:tgtEl>
+                </p:cond>
+              </p:prevCondLst>
+              <p:nextCondLst>
+                <p:cond evt="onNext" delay="0">
+                  <p:tgtEl>
+                    <p:sldTgt/>
+                  </p:tgtEl>
+                </p:cond>
+              </p:nextCondLst>
+            </p:seq>
+          </p:childTnLst>
+        </p:cTn>
       </p:par>
     </p:tnLst>
+    <p:bldLst>
+      <p:bldP spid="3" grpId="0" build="p"/>
+    </p:bldLst>
   </p:timing>
 </p:sld>
 </file>
@@ -5017,9 +7374,610 @@
   <p:timing>
     <p:tnLst>
       <p:par>
-        <p:cTn id="1" dur="indefinite" restart="never" nodeType="tmRoot"/>
+        <p:cTn id="1" dur="indefinite" restart="never" nodeType="tmRoot">
+          <p:childTnLst>
+            <p:seq concurrent="1" nextAc="seek">
+              <p:cTn id="2" dur="indefinite" nodeType="mainSeq">
+                <p:childTnLst>
+                  <p:par>
+                    <p:cTn id="3" fill="hold">
+                      <p:stCondLst>
+                        <p:cond delay="indefinite"/>
+                      </p:stCondLst>
+                      <p:childTnLst>
+                        <p:par>
+                          <p:cTn id="4" fill="hold">
+                            <p:stCondLst>
+                              <p:cond delay="0"/>
+                            </p:stCondLst>
+                            <p:childTnLst>
+                              <p:par>
+                                <p:cTn id="5" presetID="42" presetClass="entr" presetSubtype="0" fill="hold" grpId="0" nodeType="clickEffect">
+                                  <p:stCondLst>
+                                    <p:cond delay="0"/>
+                                  </p:stCondLst>
+                                  <p:childTnLst>
+                                    <p:set>
+                                      <p:cBhvr>
+                                        <p:cTn id="6" dur="1" fill="hold">
+                                          <p:stCondLst>
+                                            <p:cond delay="0"/>
+                                          </p:stCondLst>
+                                        </p:cTn>
+                                        <p:tgtEl>
+                                          <p:spTgt spid="3">
+                                            <p:txEl>
+                                              <p:pRg st="0" end="0"/>
+                                            </p:txEl>
+                                          </p:spTgt>
+                                        </p:tgtEl>
+                                        <p:attrNameLst>
+                                          <p:attrName>style.visibility</p:attrName>
+                                        </p:attrNameLst>
+                                      </p:cBhvr>
+                                      <p:to>
+                                        <p:strVal val="visible"/>
+                                      </p:to>
+                                    </p:set>
+                                    <p:animEffect transition="in" filter="fade">
+                                      <p:cBhvr>
+                                        <p:cTn id="7" dur="1000"/>
+                                        <p:tgtEl>
+                                          <p:spTgt spid="3">
+                                            <p:txEl>
+                                              <p:pRg st="0" end="0"/>
+                                            </p:txEl>
+                                          </p:spTgt>
+                                        </p:tgtEl>
+                                      </p:cBhvr>
+                                    </p:animEffect>
+                                    <p:anim calcmode="lin" valueType="num">
+                                      <p:cBhvr>
+                                        <p:cTn id="8" dur="1000" fill="hold"/>
+                                        <p:tgtEl>
+                                          <p:spTgt spid="3">
+                                            <p:txEl>
+                                              <p:pRg st="0" end="0"/>
+                                            </p:txEl>
+                                          </p:spTgt>
+                                        </p:tgtEl>
+                                        <p:attrNameLst>
+                                          <p:attrName>ppt_x</p:attrName>
+                                        </p:attrNameLst>
+                                      </p:cBhvr>
+                                      <p:tavLst>
+                                        <p:tav tm="0">
+                                          <p:val>
+                                            <p:strVal val="#ppt_x"/>
+                                          </p:val>
+                                        </p:tav>
+                                        <p:tav tm="100000">
+                                          <p:val>
+                                            <p:strVal val="#ppt_x"/>
+                                          </p:val>
+                                        </p:tav>
+                                      </p:tavLst>
+                                    </p:anim>
+                                    <p:anim calcmode="lin" valueType="num">
+                                      <p:cBhvr>
+                                        <p:cTn id="9" dur="1000" fill="hold"/>
+                                        <p:tgtEl>
+                                          <p:spTgt spid="3">
+                                            <p:txEl>
+                                              <p:pRg st="0" end="0"/>
+                                            </p:txEl>
+                                          </p:spTgt>
+                                        </p:tgtEl>
+                                        <p:attrNameLst>
+                                          <p:attrName>ppt_y</p:attrName>
+                                        </p:attrNameLst>
+                                      </p:cBhvr>
+                                      <p:tavLst>
+                                        <p:tav tm="0">
+                                          <p:val>
+                                            <p:strVal val="#ppt_y+.1"/>
+                                          </p:val>
+                                        </p:tav>
+                                        <p:tav tm="100000">
+                                          <p:val>
+                                            <p:strVal val="#ppt_y"/>
+                                          </p:val>
+                                        </p:tav>
+                                      </p:tavLst>
+                                    </p:anim>
+                                  </p:childTnLst>
+                                </p:cTn>
+                              </p:par>
+                            </p:childTnLst>
+                          </p:cTn>
+                        </p:par>
+                      </p:childTnLst>
+                    </p:cTn>
+                  </p:par>
+                  <p:par>
+                    <p:cTn id="10" fill="hold">
+                      <p:stCondLst>
+                        <p:cond delay="indefinite"/>
+                      </p:stCondLst>
+                      <p:childTnLst>
+                        <p:par>
+                          <p:cTn id="11" fill="hold">
+                            <p:stCondLst>
+                              <p:cond delay="0"/>
+                            </p:stCondLst>
+                            <p:childTnLst>
+                              <p:par>
+                                <p:cTn id="12" presetID="42" presetClass="entr" presetSubtype="0" fill="hold" grpId="0" nodeType="clickEffect">
+                                  <p:stCondLst>
+                                    <p:cond delay="0"/>
+                                  </p:stCondLst>
+                                  <p:childTnLst>
+                                    <p:set>
+                                      <p:cBhvr>
+                                        <p:cTn id="13" dur="1" fill="hold">
+                                          <p:stCondLst>
+                                            <p:cond delay="0"/>
+                                          </p:stCondLst>
+                                        </p:cTn>
+                                        <p:tgtEl>
+                                          <p:spTgt spid="3">
+                                            <p:txEl>
+                                              <p:pRg st="1" end="1"/>
+                                            </p:txEl>
+                                          </p:spTgt>
+                                        </p:tgtEl>
+                                        <p:attrNameLst>
+                                          <p:attrName>style.visibility</p:attrName>
+                                        </p:attrNameLst>
+                                      </p:cBhvr>
+                                      <p:to>
+                                        <p:strVal val="visible"/>
+                                      </p:to>
+                                    </p:set>
+                                    <p:animEffect transition="in" filter="fade">
+                                      <p:cBhvr>
+                                        <p:cTn id="14" dur="1000"/>
+                                        <p:tgtEl>
+                                          <p:spTgt spid="3">
+                                            <p:txEl>
+                                              <p:pRg st="1" end="1"/>
+                                            </p:txEl>
+                                          </p:spTgt>
+                                        </p:tgtEl>
+                                      </p:cBhvr>
+                                    </p:animEffect>
+                                    <p:anim calcmode="lin" valueType="num">
+                                      <p:cBhvr>
+                                        <p:cTn id="15" dur="1000" fill="hold"/>
+                                        <p:tgtEl>
+                                          <p:spTgt spid="3">
+                                            <p:txEl>
+                                              <p:pRg st="1" end="1"/>
+                                            </p:txEl>
+                                          </p:spTgt>
+                                        </p:tgtEl>
+                                        <p:attrNameLst>
+                                          <p:attrName>ppt_x</p:attrName>
+                                        </p:attrNameLst>
+                                      </p:cBhvr>
+                                      <p:tavLst>
+                                        <p:tav tm="0">
+                                          <p:val>
+                                            <p:strVal val="#ppt_x"/>
+                                          </p:val>
+                                        </p:tav>
+                                        <p:tav tm="100000">
+                                          <p:val>
+                                            <p:strVal val="#ppt_x"/>
+                                          </p:val>
+                                        </p:tav>
+                                      </p:tavLst>
+                                    </p:anim>
+                                    <p:anim calcmode="lin" valueType="num">
+                                      <p:cBhvr>
+                                        <p:cTn id="16" dur="1000" fill="hold"/>
+                                        <p:tgtEl>
+                                          <p:spTgt spid="3">
+                                            <p:txEl>
+                                              <p:pRg st="1" end="1"/>
+                                            </p:txEl>
+                                          </p:spTgt>
+                                        </p:tgtEl>
+                                        <p:attrNameLst>
+                                          <p:attrName>ppt_y</p:attrName>
+                                        </p:attrNameLst>
+                                      </p:cBhvr>
+                                      <p:tavLst>
+                                        <p:tav tm="0">
+                                          <p:val>
+                                            <p:strVal val="#ppt_y+.1"/>
+                                          </p:val>
+                                        </p:tav>
+                                        <p:tav tm="100000">
+                                          <p:val>
+                                            <p:strVal val="#ppt_y"/>
+                                          </p:val>
+                                        </p:tav>
+                                      </p:tavLst>
+                                    </p:anim>
+                                  </p:childTnLst>
+                                </p:cTn>
+                              </p:par>
+                            </p:childTnLst>
+                          </p:cTn>
+                        </p:par>
+                      </p:childTnLst>
+                    </p:cTn>
+                  </p:par>
+                  <p:par>
+                    <p:cTn id="17" fill="hold">
+                      <p:stCondLst>
+                        <p:cond delay="indefinite"/>
+                      </p:stCondLst>
+                      <p:childTnLst>
+                        <p:par>
+                          <p:cTn id="18" fill="hold">
+                            <p:stCondLst>
+                              <p:cond delay="0"/>
+                            </p:stCondLst>
+                            <p:childTnLst>
+                              <p:par>
+                                <p:cTn id="19" presetID="42" presetClass="entr" presetSubtype="0" fill="hold" grpId="0" nodeType="clickEffect">
+                                  <p:stCondLst>
+                                    <p:cond delay="0"/>
+                                  </p:stCondLst>
+                                  <p:childTnLst>
+                                    <p:set>
+                                      <p:cBhvr>
+                                        <p:cTn id="20" dur="1" fill="hold">
+                                          <p:stCondLst>
+                                            <p:cond delay="0"/>
+                                          </p:stCondLst>
+                                        </p:cTn>
+                                        <p:tgtEl>
+                                          <p:spTgt spid="3">
+                                            <p:txEl>
+                                              <p:pRg st="2" end="2"/>
+                                            </p:txEl>
+                                          </p:spTgt>
+                                        </p:tgtEl>
+                                        <p:attrNameLst>
+                                          <p:attrName>style.visibility</p:attrName>
+                                        </p:attrNameLst>
+                                      </p:cBhvr>
+                                      <p:to>
+                                        <p:strVal val="visible"/>
+                                      </p:to>
+                                    </p:set>
+                                    <p:animEffect transition="in" filter="fade">
+                                      <p:cBhvr>
+                                        <p:cTn id="21" dur="1000"/>
+                                        <p:tgtEl>
+                                          <p:spTgt spid="3">
+                                            <p:txEl>
+                                              <p:pRg st="2" end="2"/>
+                                            </p:txEl>
+                                          </p:spTgt>
+                                        </p:tgtEl>
+                                      </p:cBhvr>
+                                    </p:animEffect>
+                                    <p:anim calcmode="lin" valueType="num">
+                                      <p:cBhvr>
+                                        <p:cTn id="22" dur="1000" fill="hold"/>
+                                        <p:tgtEl>
+                                          <p:spTgt spid="3">
+                                            <p:txEl>
+                                              <p:pRg st="2" end="2"/>
+                                            </p:txEl>
+                                          </p:spTgt>
+                                        </p:tgtEl>
+                                        <p:attrNameLst>
+                                          <p:attrName>ppt_x</p:attrName>
+                                        </p:attrNameLst>
+                                      </p:cBhvr>
+                                      <p:tavLst>
+                                        <p:tav tm="0">
+                                          <p:val>
+                                            <p:strVal val="#ppt_x"/>
+                                          </p:val>
+                                        </p:tav>
+                                        <p:tav tm="100000">
+                                          <p:val>
+                                            <p:strVal val="#ppt_x"/>
+                                          </p:val>
+                                        </p:tav>
+                                      </p:tavLst>
+                                    </p:anim>
+                                    <p:anim calcmode="lin" valueType="num">
+                                      <p:cBhvr>
+                                        <p:cTn id="23" dur="1000" fill="hold"/>
+                                        <p:tgtEl>
+                                          <p:spTgt spid="3">
+                                            <p:txEl>
+                                              <p:pRg st="2" end="2"/>
+                                            </p:txEl>
+                                          </p:spTgt>
+                                        </p:tgtEl>
+                                        <p:attrNameLst>
+                                          <p:attrName>ppt_y</p:attrName>
+                                        </p:attrNameLst>
+                                      </p:cBhvr>
+                                      <p:tavLst>
+                                        <p:tav tm="0">
+                                          <p:val>
+                                            <p:strVal val="#ppt_y+.1"/>
+                                          </p:val>
+                                        </p:tav>
+                                        <p:tav tm="100000">
+                                          <p:val>
+                                            <p:strVal val="#ppt_y"/>
+                                          </p:val>
+                                        </p:tav>
+                                      </p:tavLst>
+                                    </p:anim>
+                                  </p:childTnLst>
+                                </p:cTn>
+                              </p:par>
+                            </p:childTnLst>
+                          </p:cTn>
+                        </p:par>
+                      </p:childTnLst>
+                    </p:cTn>
+                  </p:par>
+                  <p:par>
+                    <p:cTn id="24" fill="hold">
+                      <p:stCondLst>
+                        <p:cond delay="indefinite"/>
+                      </p:stCondLst>
+                      <p:childTnLst>
+                        <p:par>
+                          <p:cTn id="25" fill="hold">
+                            <p:stCondLst>
+                              <p:cond delay="0"/>
+                            </p:stCondLst>
+                            <p:childTnLst>
+                              <p:par>
+                                <p:cTn id="26" presetID="42" presetClass="entr" presetSubtype="0" fill="hold" grpId="0" nodeType="clickEffect">
+                                  <p:stCondLst>
+                                    <p:cond delay="0"/>
+                                  </p:stCondLst>
+                                  <p:childTnLst>
+                                    <p:set>
+                                      <p:cBhvr>
+                                        <p:cTn id="27" dur="1" fill="hold">
+                                          <p:stCondLst>
+                                            <p:cond delay="0"/>
+                                          </p:stCondLst>
+                                        </p:cTn>
+                                        <p:tgtEl>
+                                          <p:spTgt spid="3">
+                                            <p:txEl>
+                                              <p:pRg st="3" end="3"/>
+                                            </p:txEl>
+                                          </p:spTgt>
+                                        </p:tgtEl>
+                                        <p:attrNameLst>
+                                          <p:attrName>style.visibility</p:attrName>
+                                        </p:attrNameLst>
+                                      </p:cBhvr>
+                                      <p:to>
+                                        <p:strVal val="visible"/>
+                                      </p:to>
+                                    </p:set>
+                                    <p:animEffect transition="in" filter="fade">
+                                      <p:cBhvr>
+                                        <p:cTn id="28" dur="1000"/>
+                                        <p:tgtEl>
+                                          <p:spTgt spid="3">
+                                            <p:txEl>
+                                              <p:pRg st="3" end="3"/>
+                                            </p:txEl>
+                                          </p:spTgt>
+                                        </p:tgtEl>
+                                      </p:cBhvr>
+                                    </p:animEffect>
+                                    <p:anim calcmode="lin" valueType="num">
+                                      <p:cBhvr>
+                                        <p:cTn id="29" dur="1000" fill="hold"/>
+                                        <p:tgtEl>
+                                          <p:spTgt spid="3">
+                                            <p:txEl>
+                                              <p:pRg st="3" end="3"/>
+                                            </p:txEl>
+                                          </p:spTgt>
+                                        </p:tgtEl>
+                                        <p:attrNameLst>
+                                          <p:attrName>ppt_x</p:attrName>
+                                        </p:attrNameLst>
+                                      </p:cBhvr>
+                                      <p:tavLst>
+                                        <p:tav tm="0">
+                                          <p:val>
+                                            <p:strVal val="#ppt_x"/>
+                                          </p:val>
+                                        </p:tav>
+                                        <p:tav tm="100000">
+                                          <p:val>
+                                            <p:strVal val="#ppt_x"/>
+                                          </p:val>
+                                        </p:tav>
+                                      </p:tavLst>
+                                    </p:anim>
+                                    <p:anim calcmode="lin" valueType="num">
+                                      <p:cBhvr>
+                                        <p:cTn id="30" dur="1000" fill="hold"/>
+                                        <p:tgtEl>
+                                          <p:spTgt spid="3">
+                                            <p:txEl>
+                                              <p:pRg st="3" end="3"/>
+                                            </p:txEl>
+                                          </p:spTgt>
+                                        </p:tgtEl>
+                                        <p:attrNameLst>
+                                          <p:attrName>ppt_y</p:attrName>
+                                        </p:attrNameLst>
+                                      </p:cBhvr>
+                                      <p:tavLst>
+                                        <p:tav tm="0">
+                                          <p:val>
+                                            <p:strVal val="#ppt_y+.1"/>
+                                          </p:val>
+                                        </p:tav>
+                                        <p:tav tm="100000">
+                                          <p:val>
+                                            <p:strVal val="#ppt_y"/>
+                                          </p:val>
+                                        </p:tav>
+                                      </p:tavLst>
+                                    </p:anim>
+                                  </p:childTnLst>
+                                </p:cTn>
+                              </p:par>
+                            </p:childTnLst>
+                          </p:cTn>
+                        </p:par>
+                      </p:childTnLst>
+                    </p:cTn>
+                  </p:par>
+                  <p:par>
+                    <p:cTn id="31" fill="hold">
+                      <p:stCondLst>
+                        <p:cond delay="indefinite"/>
+                      </p:stCondLst>
+                      <p:childTnLst>
+                        <p:par>
+                          <p:cTn id="32" fill="hold">
+                            <p:stCondLst>
+                              <p:cond delay="0"/>
+                            </p:stCondLst>
+                            <p:childTnLst>
+                              <p:par>
+                                <p:cTn id="33" presetID="42" presetClass="entr" presetSubtype="0" fill="hold" grpId="0" nodeType="clickEffect">
+                                  <p:stCondLst>
+                                    <p:cond delay="0"/>
+                                  </p:stCondLst>
+                                  <p:childTnLst>
+                                    <p:set>
+                                      <p:cBhvr>
+                                        <p:cTn id="34" dur="1" fill="hold">
+                                          <p:stCondLst>
+                                            <p:cond delay="0"/>
+                                          </p:stCondLst>
+                                        </p:cTn>
+                                        <p:tgtEl>
+                                          <p:spTgt spid="3">
+                                            <p:txEl>
+                                              <p:pRg st="4" end="4"/>
+                                            </p:txEl>
+                                          </p:spTgt>
+                                        </p:tgtEl>
+                                        <p:attrNameLst>
+                                          <p:attrName>style.visibility</p:attrName>
+                                        </p:attrNameLst>
+                                      </p:cBhvr>
+                                      <p:to>
+                                        <p:strVal val="visible"/>
+                                      </p:to>
+                                    </p:set>
+                                    <p:animEffect transition="in" filter="fade">
+                                      <p:cBhvr>
+                                        <p:cTn id="35" dur="1000"/>
+                                        <p:tgtEl>
+                                          <p:spTgt spid="3">
+                                            <p:txEl>
+                                              <p:pRg st="4" end="4"/>
+                                            </p:txEl>
+                                          </p:spTgt>
+                                        </p:tgtEl>
+                                      </p:cBhvr>
+                                    </p:animEffect>
+                                    <p:anim calcmode="lin" valueType="num">
+                                      <p:cBhvr>
+                                        <p:cTn id="36" dur="1000" fill="hold"/>
+                                        <p:tgtEl>
+                                          <p:spTgt spid="3">
+                                            <p:txEl>
+                                              <p:pRg st="4" end="4"/>
+                                            </p:txEl>
+                                          </p:spTgt>
+                                        </p:tgtEl>
+                                        <p:attrNameLst>
+                                          <p:attrName>ppt_x</p:attrName>
+                                        </p:attrNameLst>
+                                      </p:cBhvr>
+                                      <p:tavLst>
+                                        <p:tav tm="0">
+                                          <p:val>
+                                            <p:strVal val="#ppt_x"/>
+                                          </p:val>
+                                        </p:tav>
+                                        <p:tav tm="100000">
+                                          <p:val>
+                                            <p:strVal val="#ppt_x"/>
+                                          </p:val>
+                                        </p:tav>
+                                      </p:tavLst>
+                                    </p:anim>
+                                    <p:anim calcmode="lin" valueType="num">
+                                      <p:cBhvr>
+                                        <p:cTn id="37" dur="1000" fill="hold"/>
+                                        <p:tgtEl>
+                                          <p:spTgt spid="3">
+                                            <p:txEl>
+                                              <p:pRg st="4" end="4"/>
+                                            </p:txEl>
+                                          </p:spTgt>
+                                        </p:tgtEl>
+                                        <p:attrNameLst>
+                                          <p:attrName>ppt_y</p:attrName>
+                                        </p:attrNameLst>
+                                      </p:cBhvr>
+                                      <p:tavLst>
+                                        <p:tav tm="0">
+                                          <p:val>
+                                            <p:strVal val="#ppt_y+.1"/>
+                                          </p:val>
+                                        </p:tav>
+                                        <p:tav tm="100000">
+                                          <p:val>
+                                            <p:strVal val="#ppt_y"/>
+                                          </p:val>
+                                        </p:tav>
+                                      </p:tavLst>
+                                    </p:anim>
+                                  </p:childTnLst>
+                                </p:cTn>
+                              </p:par>
+                            </p:childTnLst>
+                          </p:cTn>
+                        </p:par>
+                      </p:childTnLst>
+                    </p:cTn>
+                  </p:par>
+                </p:childTnLst>
+              </p:cTn>
+              <p:prevCondLst>
+                <p:cond evt="onPrev" delay="0">
+                  <p:tgtEl>
+                    <p:sldTgt/>
+                  </p:tgtEl>
+                </p:cond>
+              </p:prevCondLst>
+              <p:nextCondLst>
+                <p:cond evt="onNext" delay="0">
+                  <p:tgtEl>
+                    <p:sldTgt/>
+                  </p:tgtEl>
+                </p:cond>
+              </p:nextCondLst>
+            </p:seq>
+          </p:childTnLst>
+        </p:cTn>
       </p:par>
     </p:tnLst>
+    <p:bldLst>
+      <p:bldP spid="3" grpId="0" uiExpand="1" build="p"/>
+    </p:bldLst>
   </p:timing>
 </p:sld>
 </file>
@@ -5114,9 +8072,380 @@
   <p:timing>
     <p:tnLst>
       <p:par>
-        <p:cTn id="1" dur="indefinite" restart="never" nodeType="tmRoot"/>
+        <p:cTn id="1" dur="indefinite" restart="never" nodeType="tmRoot">
+          <p:childTnLst>
+            <p:seq concurrent="1" nextAc="seek">
+              <p:cTn id="2" dur="indefinite" nodeType="mainSeq">
+                <p:childTnLst>
+                  <p:par>
+                    <p:cTn id="3" fill="hold">
+                      <p:stCondLst>
+                        <p:cond delay="indefinite"/>
+                      </p:stCondLst>
+                      <p:childTnLst>
+                        <p:par>
+                          <p:cTn id="4" fill="hold">
+                            <p:stCondLst>
+                              <p:cond delay="0"/>
+                            </p:stCondLst>
+                            <p:childTnLst>
+                              <p:par>
+                                <p:cTn id="5" presetID="42" presetClass="entr" presetSubtype="0" fill="hold" grpId="0" nodeType="clickEffect">
+                                  <p:stCondLst>
+                                    <p:cond delay="0"/>
+                                  </p:stCondLst>
+                                  <p:childTnLst>
+                                    <p:set>
+                                      <p:cBhvr>
+                                        <p:cTn id="6" dur="1" fill="hold">
+                                          <p:stCondLst>
+                                            <p:cond delay="0"/>
+                                          </p:stCondLst>
+                                        </p:cTn>
+                                        <p:tgtEl>
+                                          <p:spTgt spid="3">
+                                            <p:txEl>
+                                              <p:pRg st="0" end="0"/>
+                                            </p:txEl>
+                                          </p:spTgt>
+                                        </p:tgtEl>
+                                        <p:attrNameLst>
+                                          <p:attrName>style.visibility</p:attrName>
+                                        </p:attrNameLst>
+                                      </p:cBhvr>
+                                      <p:to>
+                                        <p:strVal val="visible"/>
+                                      </p:to>
+                                    </p:set>
+                                    <p:animEffect transition="in" filter="fade">
+                                      <p:cBhvr>
+                                        <p:cTn id="7" dur="1000"/>
+                                        <p:tgtEl>
+                                          <p:spTgt spid="3">
+                                            <p:txEl>
+                                              <p:pRg st="0" end="0"/>
+                                            </p:txEl>
+                                          </p:spTgt>
+                                        </p:tgtEl>
+                                      </p:cBhvr>
+                                    </p:animEffect>
+                                    <p:anim calcmode="lin" valueType="num">
+                                      <p:cBhvr>
+                                        <p:cTn id="8" dur="1000" fill="hold"/>
+                                        <p:tgtEl>
+                                          <p:spTgt spid="3">
+                                            <p:txEl>
+                                              <p:pRg st="0" end="0"/>
+                                            </p:txEl>
+                                          </p:spTgt>
+                                        </p:tgtEl>
+                                        <p:attrNameLst>
+                                          <p:attrName>ppt_x</p:attrName>
+                                        </p:attrNameLst>
+                                      </p:cBhvr>
+                                      <p:tavLst>
+                                        <p:tav tm="0">
+                                          <p:val>
+                                            <p:strVal val="#ppt_x"/>
+                                          </p:val>
+                                        </p:tav>
+                                        <p:tav tm="100000">
+                                          <p:val>
+                                            <p:strVal val="#ppt_x"/>
+                                          </p:val>
+                                        </p:tav>
+                                      </p:tavLst>
+                                    </p:anim>
+                                    <p:anim calcmode="lin" valueType="num">
+                                      <p:cBhvr>
+                                        <p:cTn id="9" dur="1000" fill="hold"/>
+                                        <p:tgtEl>
+                                          <p:spTgt spid="3">
+                                            <p:txEl>
+                                              <p:pRg st="0" end="0"/>
+                                            </p:txEl>
+                                          </p:spTgt>
+                                        </p:tgtEl>
+                                        <p:attrNameLst>
+                                          <p:attrName>ppt_y</p:attrName>
+                                        </p:attrNameLst>
+                                      </p:cBhvr>
+                                      <p:tavLst>
+                                        <p:tav tm="0">
+                                          <p:val>
+                                            <p:strVal val="#ppt_y+.1"/>
+                                          </p:val>
+                                        </p:tav>
+                                        <p:tav tm="100000">
+                                          <p:val>
+                                            <p:strVal val="#ppt_y"/>
+                                          </p:val>
+                                        </p:tav>
+                                      </p:tavLst>
+                                    </p:anim>
+                                  </p:childTnLst>
+                                </p:cTn>
+                              </p:par>
+                            </p:childTnLst>
+                          </p:cTn>
+                        </p:par>
+                      </p:childTnLst>
+                    </p:cTn>
+                  </p:par>
+                  <p:par>
+                    <p:cTn id="10" fill="hold">
+                      <p:stCondLst>
+                        <p:cond delay="indefinite"/>
+                      </p:stCondLst>
+                      <p:childTnLst>
+                        <p:par>
+                          <p:cTn id="11" fill="hold">
+                            <p:stCondLst>
+                              <p:cond delay="0"/>
+                            </p:stCondLst>
+                            <p:childTnLst>
+                              <p:par>
+                                <p:cTn id="12" presetID="42" presetClass="entr" presetSubtype="0" fill="hold" grpId="0" nodeType="clickEffect">
+                                  <p:stCondLst>
+                                    <p:cond delay="0"/>
+                                  </p:stCondLst>
+                                  <p:childTnLst>
+                                    <p:set>
+                                      <p:cBhvr>
+                                        <p:cTn id="13" dur="1" fill="hold">
+                                          <p:stCondLst>
+                                            <p:cond delay="0"/>
+                                          </p:stCondLst>
+                                        </p:cTn>
+                                        <p:tgtEl>
+                                          <p:spTgt spid="3">
+                                            <p:txEl>
+                                              <p:pRg st="1" end="1"/>
+                                            </p:txEl>
+                                          </p:spTgt>
+                                        </p:tgtEl>
+                                        <p:attrNameLst>
+                                          <p:attrName>style.visibility</p:attrName>
+                                        </p:attrNameLst>
+                                      </p:cBhvr>
+                                      <p:to>
+                                        <p:strVal val="visible"/>
+                                      </p:to>
+                                    </p:set>
+                                    <p:animEffect transition="in" filter="fade">
+                                      <p:cBhvr>
+                                        <p:cTn id="14" dur="1000"/>
+                                        <p:tgtEl>
+                                          <p:spTgt spid="3">
+                                            <p:txEl>
+                                              <p:pRg st="1" end="1"/>
+                                            </p:txEl>
+                                          </p:spTgt>
+                                        </p:tgtEl>
+                                      </p:cBhvr>
+                                    </p:animEffect>
+                                    <p:anim calcmode="lin" valueType="num">
+                                      <p:cBhvr>
+                                        <p:cTn id="15" dur="1000" fill="hold"/>
+                                        <p:tgtEl>
+                                          <p:spTgt spid="3">
+                                            <p:txEl>
+                                              <p:pRg st="1" end="1"/>
+                                            </p:txEl>
+                                          </p:spTgt>
+                                        </p:tgtEl>
+                                        <p:attrNameLst>
+                                          <p:attrName>ppt_x</p:attrName>
+                                        </p:attrNameLst>
+                                      </p:cBhvr>
+                                      <p:tavLst>
+                                        <p:tav tm="0">
+                                          <p:val>
+                                            <p:strVal val="#ppt_x"/>
+                                          </p:val>
+                                        </p:tav>
+                                        <p:tav tm="100000">
+                                          <p:val>
+                                            <p:strVal val="#ppt_x"/>
+                                          </p:val>
+                                        </p:tav>
+                                      </p:tavLst>
+                                    </p:anim>
+                                    <p:anim calcmode="lin" valueType="num">
+                                      <p:cBhvr>
+                                        <p:cTn id="16" dur="1000" fill="hold"/>
+                                        <p:tgtEl>
+                                          <p:spTgt spid="3">
+                                            <p:txEl>
+                                              <p:pRg st="1" end="1"/>
+                                            </p:txEl>
+                                          </p:spTgt>
+                                        </p:tgtEl>
+                                        <p:attrNameLst>
+                                          <p:attrName>ppt_y</p:attrName>
+                                        </p:attrNameLst>
+                                      </p:cBhvr>
+                                      <p:tavLst>
+                                        <p:tav tm="0">
+                                          <p:val>
+                                            <p:strVal val="#ppt_y+.1"/>
+                                          </p:val>
+                                        </p:tav>
+                                        <p:tav tm="100000">
+                                          <p:val>
+                                            <p:strVal val="#ppt_y"/>
+                                          </p:val>
+                                        </p:tav>
+                                      </p:tavLst>
+                                    </p:anim>
+                                  </p:childTnLst>
+                                </p:cTn>
+                              </p:par>
+                            </p:childTnLst>
+                          </p:cTn>
+                        </p:par>
+                      </p:childTnLst>
+                    </p:cTn>
+                  </p:par>
+                  <p:par>
+                    <p:cTn id="17" fill="hold">
+                      <p:stCondLst>
+                        <p:cond delay="indefinite"/>
+                      </p:stCondLst>
+                      <p:childTnLst>
+                        <p:par>
+                          <p:cTn id="18" fill="hold">
+                            <p:stCondLst>
+                              <p:cond delay="0"/>
+                            </p:stCondLst>
+                            <p:childTnLst>
+                              <p:par>
+                                <p:cTn id="19" presetID="42" presetClass="entr" presetSubtype="0" fill="hold" grpId="0" nodeType="clickEffect">
+                                  <p:stCondLst>
+                                    <p:cond delay="0"/>
+                                  </p:stCondLst>
+                                  <p:childTnLst>
+                                    <p:set>
+                                      <p:cBhvr>
+                                        <p:cTn id="20" dur="1" fill="hold">
+                                          <p:stCondLst>
+                                            <p:cond delay="0"/>
+                                          </p:stCondLst>
+                                        </p:cTn>
+                                        <p:tgtEl>
+                                          <p:spTgt spid="3">
+                                            <p:txEl>
+                                              <p:pRg st="2" end="2"/>
+                                            </p:txEl>
+                                          </p:spTgt>
+                                        </p:tgtEl>
+                                        <p:attrNameLst>
+                                          <p:attrName>style.visibility</p:attrName>
+                                        </p:attrNameLst>
+                                      </p:cBhvr>
+                                      <p:to>
+                                        <p:strVal val="visible"/>
+                                      </p:to>
+                                    </p:set>
+                                    <p:animEffect transition="in" filter="fade">
+                                      <p:cBhvr>
+                                        <p:cTn id="21" dur="1000"/>
+                                        <p:tgtEl>
+                                          <p:spTgt spid="3">
+                                            <p:txEl>
+                                              <p:pRg st="2" end="2"/>
+                                            </p:txEl>
+                                          </p:spTgt>
+                                        </p:tgtEl>
+                                      </p:cBhvr>
+                                    </p:animEffect>
+                                    <p:anim calcmode="lin" valueType="num">
+                                      <p:cBhvr>
+                                        <p:cTn id="22" dur="1000" fill="hold"/>
+                                        <p:tgtEl>
+                                          <p:spTgt spid="3">
+                                            <p:txEl>
+                                              <p:pRg st="2" end="2"/>
+                                            </p:txEl>
+                                          </p:spTgt>
+                                        </p:tgtEl>
+                                        <p:attrNameLst>
+                                          <p:attrName>ppt_x</p:attrName>
+                                        </p:attrNameLst>
+                                      </p:cBhvr>
+                                      <p:tavLst>
+                                        <p:tav tm="0">
+                                          <p:val>
+                                            <p:strVal val="#ppt_x"/>
+                                          </p:val>
+                                        </p:tav>
+                                        <p:tav tm="100000">
+                                          <p:val>
+                                            <p:strVal val="#ppt_x"/>
+                                          </p:val>
+                                        </p:tav>
+                                      </p:tavLst>
+                                    </p:anim>
+                                    <p:anim calcmode="lin" valueType="num">
+                                      <p:cBhvr>
+                                        <p:cTn id="23" dur="1000" fill="hold"/>
+                                        <p:tgtEl>
+                                          <p:spTgt spid="3">
+                                            <p:txEl>
+                                              <p:pRg st="2" end="2"/>
+                                            </p:txEl>
+                                          </p:spTgt>
+                                        </p:tgtEl>
+                                        <p:attrNameLst>
+                                          <p:attrName>ppt_y</p:attrName>
+                                        </p:attrNameLst>
+                                      </p:cBhvr>
+                                      <p:tavLst>
+                                        <p:tav tm="0">
+                                          <p:val>
+                                            <p:strVal val="#ppt_y+.1"/>
+                                          </p:val>
+                                        </p:tav>
+                                        <p:tav tm="100000">
+                                          <p:val>
+                                            <p:strVal val="#ppt_y"/>
+                                          </p:val>
+                                        </p:tav>
+                                      </p:tavLst>
+                                    </p:anim>
+                                  </p:childTnLst>
+                                </p:cTn>
+                              </p:par>
+                            </p:childTnLst>
+                          </p:cTn>
+                        </p:par>
+                      </p:childTnLst>
+                    </p:cTn>
+                  </p:par>
+                </p:childTnLst>
+              </p:cTn>
+              <p:prevCondLst>
+                <p:cond evt="onPrev" delay="0">
+                  <p:tgtEl>
+                    <p:sldTgt/>
+                  </p:tgtEl>
+                </p:cond>
+              </p:prevCondLst>
+              <p:nextCondLst>
+                <p:cond evt="onNext" delay="0">
+                  <p:tgtEl>
+                    <p:sldTgt/>
+                  </p:tgtEl>
+                </p:cond>
+              </p:nextCondLst>
+            </p:seq>
+          </p:childTnLst>
+        </p:cTn>
       </p:par>
     </p:tnLst>
+    <p:bldLst>
+      <p:bldP spid="3" grpId="0" uiExpand="1" build="p"/>
+    </p:bldLst>
   </p:timing>
 </p:sld>
 </file>
@@ -5182,7 +8511,15 @@
           <a:p>
             <a:r>
               <a:rPr lang="en-US" dirty="0" smtClean="0"/>
-              <a:t>Print an object with</a:t>
+              <a:t>Print </a:t>
+            </a:r>
+            <a:r>
+              <a:rPr lang="en-US" dirty="0" smtClean="0"/>
+              <a:t>an </a:t>
+            </a:r>
+            <a:r>
+              <a:rPr lang="en-US" dirty="0" smtClean="0"/>
+              <a:t>object with</a:t>
             </a:r>
             <a:br>
               <a:rPr lang="en-US" dirty="0" smtClean="0"/>
@@ -5251,9 +8588,380 @@
   <p:timing>
     <p:tnLst>
       <p:par>
-        <p:cTn id="1" dur="indefinite" restart="never" nodeType="tmRoot"/>
+        <p:cTn id="1" dur="indefinite" restart="never" nodeType="tmRoot">
+          <p:childTnLst>
+            <p:seq concurrent="1" nextAc="seek">
+              <p:cTn id="2" dur="indefinite" nodeType="mainSeq">
+                <p:childTnLst>
+                  <p:par>
+                    <p:cTn id="3" fill="hold">
+                      <p:stCondLst>
+                        <p:cond delay="indefinite"/>
+                      </p:stCondLst>
+                      <p:childTnLst>
+                        <p:par>
+                          <p:cTn id="4" fill="hold">
+                            <p:stCondLst>
+                              <p:cond delay="0"/>
+                            </p:stCondLst>
+                            <p:childTnLst>
+                              <p:par>
+                                <p:cTn id="5" presetID="42" presetClass="entr" presetSubtype="0" fill="hold" grpId="0" nodeType="clickEffect">
+                                  <p:stCondLst>
+                                    <p:cond delay="0"/>
+                                  </p:stCondLst>
+                                  <p:childTnLst>
+                                    <p:set>
+                                      <p:cBhvr>
+                                        <p:cTn id="6" dur="1" fill="hold">
+                                          <p:stCondLst>
+                                            <p:cond delay="0"/>
+                                          </p:stCondLst>
+                                        </p:cTn>
+                                        <p:tgtEl>
+                                          <p:spTgt spid="3">
+                                            <p:txEl>
+                                              <p:pRg st="0" end="0"/>
+                                            </p:txEl>
+                                          </p:spTgt>
+                                        </p:tgtEl>
+                                        <p:attrNameLst>
+                                          <p:attrName>style.visibility</p:attrName>
+                                        </p:attrNameLst>
+                                      </p:cBhvr>
+                                      <p:to>
+                                        <p:strVal val="visible"/>
+                                      </p:to>
+                                    </p:set>
+                                    <p:animEffect transition="in" filter="fade">
+                                      <p:cBhvr>
+                                        <p:cTn id="7" dur="1000"/>
+                                        <p:tgtEl>
+                                          <p:spTgt spid="3">
+                                            <p:txEl>
+                                              <p:pRg st="0" end="0"/>
+                                            </p:txEl>
+                                          </p:spTgt>
+                                        </p:tgtEl>
+                                      </p:cBhvr>
+                                    </p:animEffect>
+                                    <p:anim calcmode="lin" valueType="num">
+                                      <p:cBhvr>
+                                        <p:cTn id="8" dur="1000" fill="hold"/>
+                                        <p:tgtEl>
+                                          <p:spTgt spid="3">
+                                            <p:txEl>
+                                              <p:pRg st="0" end="0"/>
+                                            </p:txEl>
+                                          </p:spTgt>
+                                        </p:tgtEl>
+                                        <p:attrNameLst>
+                                          <p:attrName>ppt_x</p:attrName>
+                                        </p:attrNameLst>
+                                      </p:cBhvr>
+                                      <p:tavLst>
+                                        <p:tav tm="0">
+                                          <p:val>
+                                            <p:strVal val="#ppt_x"/>
+                                          </p:val>
+                                        </p:tav>
+                                        <p:tav tm="100000">
+                                          <p:val>
+                                            <p:strVal val="#ppt_x"/>
+                                          </p:val>
+                                        </p:tav>
+                                      </p:tavLst>
+                                    </p:anim>
+                                    <p:anim calcmode="lin" valueType="num">
+                                      <p:cBhvr>
+                                        <p:cTn id="9" dur="1000" fill="hold"/>
+                                        <p:tgtEl>
+                                          <p:spTgt spid="3">
+                                            <p:txEl>
+                                              <p:pRg st="0" end="0"/>
+                                            </p:txEl>
+                                          </p:spTgt>
+                                        </p:tgtEl>
+                                        <p:attrNameLst>
+                                          <p:attrName>ppt_y</p:attrName>
+                                        </p:attrNameLst>
+                                      </p:cBhvr>
+                                      <p:tavLst>
+                                        <p:tav tm="0">
+                                          <p:val>
+                                            <p:strVal val="#ppt_y+.1"/>
+                                          </p:val>
+                                        </p:tav>
+                                        <p:tav tm="100000">
+                                          <p:val>
+                                            <p:strVal val="#ppt_y"/>
+                                          </p:val>
+                                        </p:tav>
+                                      </p:tavLst>
+                                    </p:anim>
+                                  </p:childTnLst>
+                                </p:cTn>
+                              </p:par>
+                            </p:childTnLst>
+                          </p:cTn>
+                        </p:par>
+                      </p:childTnLst>
+                    </p:cTn>
+                  </p:par>
+                  <p:par>
+                    <p:cTn id="10" fill="hold">
+                      <p:stCondLst>
+                        <p:cond delay="indefinite"/>
+                      </p:stCondLst>
+                      <p:childTnLst>
+                        <p:par>
+                          <p:cTn id="11" fill="hold">
+                            <p:stCondLst>
+                              <p:cond delay="0"/>
+                            </p:stCondLst>
+                            <p:childTnLst>
+                              <p:par>
+                                <p:cTn id="12" presetID="42" presetClass="entr" presetSubtype="0" fill="hold" grpId="0" nodeType="clickEffect">
+                                  <p:stCondLst>
+                                    <p:cond delay="0"/>
+                                  </p:stCondLst>
+                                  <p:childTnLst>
+                                    <p:set>
+                                      <p:cBhvr>
+                                        <p:cTn id="13" dur="1" fill="hold">
+                                          <p:stCondLst>
+                                            <p:cond delay="0"/>
+                                          </p:stCondLst>
+                                        </p:cTn>
+                                        <p:tgtEl>
+                                          <p:spTgt spid="3">
+                                            <p:txEl>
+                                              <p:pRg st="1" end="1"/>
+                                            </p:txEl>
+                                          </p:spTgt>
+                                        </p:tgtEl>
+                                        <p:attrNameLst>
+                                          <p:attrName>style.visibility</p:attrName>
+                                        </p:attrNameLst>
+                                      </p:cBhvr>
+                                      <p:to>
+                                        <p:strVal val="visible"/>
+                                      </p:to>
+                                    </p:set>
+                                    <p:animEffect transition="in" filter="fade">
+                                      <p:cBhvr>
+                                        <p:cTn id="14" dur="1000"/>
+                                        <p:tgtEl>
+                                          <p:spTgt spid="3">
+                                            <p:txEl>
+                                              <p:pRg st="1" end="1"/>
+                                            </p:txEl>
+                                          </p:spTgt>
+                                        </p:tgtEl>
+                                      </p:cBhvr>
+                                    </p:animEffect>
+                                    <p:anim calcmode="lin" valueType="num">
+                                      <p:cBhvr>
+                                        <p:cTn id="15" dur="1000" fill="hold"/>
+                                        <p:tgtEl>
+                                          <p:spTgt spid="3">
+                                            <p:txEl>
+                                              <p:pRg st="1" end="1"/>
+                                            </p:txEl>
+                                          </p:spTgt>
+                                        </p:tgtEl>
+                                        <p:attrNameLst>
+                                          <p:attrName>ppt_x</p:attrName>
+                                        </p:attrNameLst>
+                                      </p:cBhvr>
+                                      <p:tavLst>
+                                        <p:tav tm="0">
+                                          <p:val>
+                                            <p:strVal val="#ppt_x"/>
+                                          </p:val>
+                                        </p:tav>
+                                        <p:tav tm="100000">
+                                          <p:val>
+                                            <p:strVal val="#ppt_x"/>
+                                          </p:val>
+                                        </p:tav>
+                                      </p:tavLst>
+                                    </p:anim>
+                                    <p:anim calcmode="lin" valueType="num">
+                                      <p:cBhvr>
+                                        <p:cTn id="16" dur="1000" fill="hold"/>
+                                        <p:tgtEl>
+                                          <p:spTgt spid="3">
+                                            <p:txEl>
+                                              <p:pRg st="1" end="1"/>
+                                            </p:txEl>
+                                          </p:spTgt>
+                                        </p:tgtEl>
+                                        <p:attrNameLst>
+                                          <p:attrName>ppt_y</p:attrName>
+                                        </p:attrNameLst>
+                                      </p:cBhvr>
+                                      <p:tavLst>
+                                        <p:tav tm="0">
+                                          <p:val>
+                                            <p:strVal val="#ppt_y+.1"/>
+                                          </p:val>
+                                        </p:tav>
+                                        <p:tav tm="100000">
+                                          <p:val>
+                                            <p:strVal val="#ppt_y"/>
+                                          </p:val>
+                                        </p:tav>
+                                      </p:tavLst>
+                                    </p:anim>
+                                  </p:childTnLst>
+                                </p:cTn>
+                              </p:par>
+                            </p:childTnLst>
+                          </p:cTn>
+                        </p:par>
+                      </p:childTnLst>
+                    </p:cTn>
+                  </p:par>
+                  <p:par>
+                    <p:cTn id="17" fill="hold">
+                      <p:stCondLst>
+                        <p:cond delay="indefinite"/>
+                      </p:stCondLst>
+                      <p:childTnLst>
+                        <p:par>
+                          <p:cTn id="18" fill="hold">
+                            <p:stCondLst>
+                              <p:cond delay="0"/>
+                            </p:stCondLst>
+                            <p:childTnLst>
+                              <p:par>
+                                <p:cTn id="19" presetID="42" presetClass="entr" presetSubtype="0" fill="hold" grpId="0" nodeType="clickEffect">
+                                  <p:stCondLst>
+                                    <p:cond delay="0"/>
+                                  </p:stCondLst>
+                                  <p:childTnLst>
+                                    <p:set>
+                                      <p:cBhvr>
+                                        <p:cTn id="20" dur="1" fill="hold">
+                                          <p:stCondLst>
+                                            <p:cond delay="0"/>
+                                          </p:stCondLst>
+                                        </p:cTn>
+                                        <p:tgtEl>
+                                          <p:spTgt spid="3">
+                                            <p:txEl>
+                                              <p:pRg st="2" end="2"/>
+                                            </p:txEl>
+                                          </p:spTgt>
+                                        </p:tgtEl>
+                                        <p:attrNameLst>
+                                          <p:attrName>style.visibility</p:attrName>
+                                        </p:attrNameLst>
+                                      </p:cBhvr>
+                                      <p:to>
+                                        <p:strVal val="visible"/>
+                                      </p:to>
+                                    </p:set>
+                                    <p:animEffect transition="in" filter="fade">
+                                      <p:cBhvr>
+                                        <p:cTn id="21" dur="1000"/>
+                                        <p:tgtEl>
+                                          <p:spTgt spid="3">
+                                            <p:txEl>
+                                              <p:pRg st="2" end="2"/>
+                                            </p:txEl>
+                                          </p:spTgt>
+                                        </p:tgtEl>
+                                      </p:cBhvr>
+                                    </p:animEffect>
+                                    <p:anim calcmode="lin" valueType="num">
+                                      <p:cBhvr>
+                                        <p:cTn id="22" dur="1000" fill="hold"/>
+                                        <p:tgtEl>
+                                          <p:spTgt spid="3">
+                                            <p:txEl>
+                                              <p:pRg st="2" end="2"/>
+                                            </p:txEl>
+                                          </p:spTgt>
+                                        </p:tgtEl>
+                                        <p:attrNameLst>
+                                          <p:attrName>ppt_x</p:attrName>
+                                        </p:attrNameLst>
+                                      </p:cBhvr>
+                                      <p:tavLst>
+                                        <p:tav tm="0">
+                                          <p:val>
+                                            <p:strVal val="#ppt_x"/>
+                                          </p:val>
+                                        </p:tav>
+                                        <p:tav tm="100000">
+                                          <p:val>
+                                            <p:strVal val="#ppt_x"/>
+                                          </p:val>
+                                        </p:tav>
+                                      </p:tavLst>
+                                    </p:anim>
+                                    <p:anim calcmode="lin" valueType="num">
+                                      <p:cBhvr>
+                                        <p:cTn id="23" dur="1000" fill="hold"/>
+                                        <p:tgtEl>
+                                          <p:spTgt spid="3">
+                                            <p:txEl>
+                                              <p:pRg st="2" end="2"/>
+                                            </p:txEl>
+                                          </p:spTgt>
+                                        </p:tgtEl>
+                                        <p:attrNameLst>
+                                          <p:attrName>ppt_y</p:attrName>
+                                        </p:attrNameLst>
+                                      </p:cBhvr>
+                                      <p:tavLst>
+                                        <p:tav tm="0">
+                                          <p:val>
+                                            <p:strVal val="#ppt_y+.1"/>
+                                          </p:val>
+                                        </p:tav>
+                                        <p:tav tm="100000">
+                                          <p:val>
+                                            <p:strVal val="#ppt_y"/>
+                                          </p:val>
+                                        </p:tav>
+                                      </p:tavLst>
+                                    </p:anim>
+                                  </p:childTnLst>
+                                </p:cTn>
+                              </p:par>
+                            </p:childTnLst>
+                          </p:cTn>
+                        </p:par>
+                      </p:childTnLst>
+                    </p:cTn>
+                  </p:par>
+                </p:childTnLst>
+              </p:cTn>
+              <p:prevCondLst>
+                <p:cond evt="onPrev" delay="0">
+                  <p:tgtEl>
+                    <p:sldTgt/>
+                  </p:tgtEl>
+                </p:cond>
+              </p:prevCondLst>
+              <p:nextCondLst>
+                <p:cond evt="onNext" delay="0">
+                  <p:tgtEl>
+                    <p:sldTgt/>
+                  </p:tgtEl>
+                </p:cond>
+              </p:nextCondLst>
+            </p:seq>
+          </p:childTnLst>
+        </p:cTn>
       </p:par>
     </p:tnLst>
+    <p:bldLst>
+      <p:bldP spid="3" grpId="0" build="p"/>
+    </p:bldLst>
   </p:timing>
 </p:sld>
 </file>
@@ -5460,9 +9168,380 @@
   <p:timing>
     <p:tnLst>
       <p:par>
-        <p:cTn id="1" dur="indefinite" restart="never" nodeType="tmRoot"/>
+        <p:cTn id="1" dur="indefinite" restart="never" nodeType="tmRoot">
+          <p:childTnLst>
+            <p:seq concurrent="1" nextAc="seek">
+              <p:cTn id="2" dur="indefinite" nodeType="mainSeq">
+                <p:childTnLst>
+                  <p:par>
+                    <p:cTn id="3" fill="hold">
+                      <p:stCondLst>
+                        <p:cond delay="indefinite"/>
+                      </p:stCondLst>
+                      <p:childTnLst>
+                        <p:par>
+                          <p:cTn id="4" fill="hold">
+                            <p:stCondLst>
+                              <p:cond delay="0"/>
+                            </p:stCondLst>
+                            <p:childTnLst>
+                              <p:par>
+                                <p:cTn id="5" presetID="42" presetClass="entr" presetSubtype="0" fill="hold" grpId="0" nodeType="clickEffect">
+                                  <p:stCondLst>
+                                    <p:cond delay="0"/>
+                                  </p:stCondLst>
+                                  <p:childTnLst>
+                                    <p:set>
+                                      <p:cBhvr>
+                                        <p:cTn id="6" dur="1" fill="hold">
+                                          <p:stCondLst>
+                                            <p:cond delay="0"/>
+                                          </p:stCondLst>
+                                        </p:cTn>
+                                        <p:tgtEl>
+                                          <p:spTgt spid="3">
+                                            <p:txEl>
+                                              <p:pRg st="0" end="0"/>
+                                            </p:txEl>
+                                          </p:spTgt>
+                                        </p:tgtEl>
+                                        <p:attrNameLst>
+                                          <p:attrName>style.visibility</p:attrName>
+                                        </p:attrNameLst>
+                                      </p:cBhvr>
+                                      <p:to>
+                                        <p:strVal val="visible"/>
+                                      </p:to>
+                                    </p:set>
+                                    <p:animEffect transition="in" filter="fade">
+                                      <p:cBhvr>
+                                        <p:cTn id="7" dur="1000"/>
+                                        <p:tgtEl>
+                                          <p:spTgt spid="3">
+                                            <p:txEl>
+                                              <p:pRg st="0" end="0"/>
+                                            </p:txEl>
+                                          </p:spTgt>
+                                        </p:tgtEl>
+                                      </p:cBhvr>
+                                    </p:animEffect>
+                                    <p:anim calcmode="lin" valueType="num">
+                                      <p:cBhvr>
+                                        <p:cTn id="8" dur="1000" fill="hold"/>
+                                        <p:tgtEl>
+                                          <p:spTgt spid="3">
+                                            <p:txEl>
+                                              <p:pRg st="0" end="0"/>
+                                            </p:txEl>
+                                          </p:spTgt>
+                                        </p:tgtEl>
+                                        <p:attrNameLst>
+                                          <p:attrName>ppt_x</p:attrName>
+                                        </p:attrNameLst>
+                                      </p:cBhvr>
+                                      <p:tavLst>
+                                        <p:tav tm="0">
+                                          <p:val>
+                                            <p:strVal val="#ppt_x"/>
+                                          </p:val>
+                                        </p:tav>
+                                        <p:tav tm="100000">
+                                          <p:val>
+                                            <p:strVal val="#ppt_x"/>
+                                          </p:val>
+                                        </p:tav>
+                                      </p:tavLst>
+                                    </p:anim>
+                                    <p:anim calcmode="lin" valueType="num">
+                                      <p:cBhvr>
+                                        <p:cTn id="9" dur="1000" fill="hold"/>
+                                        <p:tgtEl>
+                                          <p:spTgt spid="3">
+                                            <p:txEl>
+                                              <p:pRg st="0" end="0"/>
+                                            </p:txEl>
+                                          </p:spTgt>
+                                        </p:tgtEl>
+                                        <p:attrNameLst>
+                                          <p:attrName>ppt_y</p:attrName>
+                                        </p:attrNameLst>
+                                      </p:cBhvr>
+                                      <p:tavLst>
+                                        <p:tav tm="0">
+                                          <p:val>
+                                            <p:strVal val="#ppt_y+.1"/>
+                                          </p:val>
+                                        </p:tav>
+                                        <p:tav tm="100000">
+                                          <p:val>
+                                            <p:strVal val="#ppt_y"/>
+                                          </p:val>
+                                        </p:tav>
+                                      </p:tavLst>
+                                    </p:anim>
+                                  </p:childTnLst>
+                                </p:cTn>
+                              </p:par>
+                            </p:childTnLst>
+                          </p:cTn>
+                        </p:par>
+                      </p:childTnLst>
+                    </p:cTn>
+                  </p:par>
+                  <p:par>
+                    <p:cTn id="10" fill="hold">
+                      <p:stCondLst>
+                        <p:cond delay="indefinite"/>
+                      </p:stCondLst>
+                      <p:childTnLst>
+                        <p:par>
+                          <p:cTn id="11" fill="hold">
+                            <p:stCondLst>
+                              <p:cond delay="0"/>
+                            </p:stCondLst>
+                            <p:childTnLst>
+                              <p:par>
+                                <p:cTn id="12" presetID="42" presetClass="entr" presetSubtype="0" fill="hold" grpId="0" nodeType="clickEffect">
+                                  <p:stCondLst>
+                                    <p:cond delay="0"/>
+                                  </p:stCondLst>
+                                  <p:childTnLst>
+                                    <p:set>
+                                      <p:cBhvr>
+                                        <p:cTn id="13" dur="1" fill="hold">
+                                          <p:stCondLst>
+                                            <p:cond delay="0"/>
+                                          </p:stCondLst>
+                                        </p:cTn>
+                                        <p:tgtEl>
+                                          <p:spTgt spid="3">
+                                            <p:txEl>
+                                              <p:pRg st="1" end="1"/>
+                                            </p:txEl>
+                                          </p:spTgt>
+                                        </p:tgtEl>
+                                        <p:attrNameLst>
+                                          <p:attrName>style.visibility</p:attrName>
+                                        </p:attrNameLst>
+                                      </p:cBhvr>
+                                      <p:to>
+                                        <p:strVal val="visible"/>
+                                      </p:to>
+                                    </p:set>
+                                    <p:animEffect transition="in" filter="fade">
+                                      <p:cBhvr>
+                                        <p:cTn id="14" dur="1000"/>
+                                        <p:tgtEl>
+                                          <p:spTgt spid="3">
+                                            <p:txEl>
+                                              <p:pRg st="1" end="1"/>
+                                            </p:txEl>
+                                          </p:spTgt>
+                                        </p:tgtEl>
+                                      </p:cBhvr>
+                                    </p:animEffect>
+                                    <p:anim calcmode="lin" valueType="num">
+                                      <p:cBhvr>
+                                        <p:cTn id="15" dur="1000" fill="hold"/>
+                                        <p:tgtEl>
+                                          <p:spTgt spid="3">
+                                            <p:txEl>
+                                              <p:pRg st="1" end="1"/>
+                                            </p:txEl>
+                                          </p:spTgt>
+                                        </p:tgtEl>
+                                        <p:attrNameLst>
+                                          <p:attrName>ppt_x</p:attrName>
+                                        </p:attrNameLst>
+                                      </p:cBhvr>
+                                      <p:tavLst>
+                                        <p:tav tm="0">
+                                          <p:val>
+                                            <p:strVal val="#ppt_x"/>
+                                          </p:val>
+                                        </p:tav>
+                                        <p:tav tm="100000">
+                                          <p:val>
+                                            <p:strVal val="#ppt_x"/>
+                                          </p:val>
+                                        </p:tav>
+                                      </p:tavLst>
+                                    </p:anim>
+                                    <p:anim calcmode="lin" valueType="num">
+                                      <p:cBhvr>
+                                        <p:cTn id="16" dur="1000" fill="hold"/>
+                                        <p:tgtEl>
+                                          <p:spTgt spid="3">
+                                            <p:txEl>
+                                              <p:pRg st="1" end="1"/>
+                                            </p:txEl>
+                                          </p:spTgt>
+                                        </p:tgtEl>
+                                        <p:attrNameLst>
+                                          <p:attrName>ppt_y</p:attrName>
+                                        </p:attrNameLst>
+                                      </p:cBhvr>
+                                      <p:tavLst>
+                                        <p:tav tm="0">
+                                          <p:val>
+                                            <p:strVal val="#ppt_y+.1"/>
+                                          </p:val>
+                                        </p:tav>
+                                        <p:tav tm="100000">
+                                          <p:val>
+                                            <p:strVal val="#ppt_y"/>
+                                          </p:val>
+                                        </p:tav>
+                                      </p:tavLst>
+                                    </p:anim>
+                                  </p:childTnLst>
+                                </p:cTn>
+                              </p:par>
+                            </p:childTnLst>
+                          </p:cTn>
+                        </p:par>
+                      </p:childTnLst>
+                    </p:cTn>
+                  </p:par>
+                  <p:par>
+                    <p:cTn id="17" fill="hold">
+                      <p:stCondLst>
+                        <p:cond delay="indefinite"/>
+                      </p:stCondLst>
+                      <p:childTnLst>
+                        <p:par>
+                          <p:cTn id="18" fill="hold">
+                            <p:stCondLst>
+                              <p:cond delay="0"/>
+                            </p:stCondLst>
+                            <p:childTnLst>
+                              <p:par>
+                                <p:cTn id="19" presetID="42" presetClass="entr" presetSubtype="0" fill="hold" grpId="0" nodeType="clickEffect">
+                                  <p:stCondLst>
+                                    <p:cond delay="0"/>
+                                  </p:stCondLst>
+                                  <p:childTnLst>
+                                    <p:set>
+                                      <p:cBhvr>
+                                        <p:cTn id="20" dur="1" fill="hold">
+                                          <p:stCondLst>
+                                            <p:cond delay="0"/>
+                                          </p:stCondLst>
+                                        </p:cTn>
+                                        <p:tgtEl>
+                                          <p:spTgt spid="3">
+                                            <p:txEl>
+                                              <p:pRg st="2" end="2"/>
+                                            </p:txEl>
+                                          </p:spTgt>
+                                        </p:tgtEl>
+                                        <p:attrNameLst>
+                                          <p:attrName>style.visibility</p:attrName>
+                                        </p:attrNameLst>
+                                      </p:cBhvr>
+                                      <p:to>
+                                        <p:strVal val="visible"/>
+                                      </p:to>
+                                    </p:set>
+                                    <p:animEffect transition="in" filter="fade">
+                                      <p:cBhvr>
+                                        <p:cTn id="21" dur="1000"/>
+                                        <p:tgtEl>
+                                          <p:spTgt spid="3">
+                                            <p:txEl>
+                                              <p:pRg st="2" end="2"/>
+                                            </p:txEl>
+                                          </p:spTgt>
+                                        </p:tgtEl>
+                                      </p:cBhvr>
+                                    </p:animEffect>
+                                    <p:anim calcmode="lin" valueType="num">
+                                      <p:cBhvr>
+                                        <p:cTn id="22" dur="1000" fill="hold"/>
+                                        <p:tgtEl>
+                                          <p:spTgt spid="3">
+                                            <p:txEl>
+                                              <p:pRg st="2" end="2"/>
+                                            </p:txEl>
+                                          </p:spTgt>
+                                        </p:tgtEl>
+                                        <p:attrNameLst>
+                                          <p:attrName>ppt_x</p:attrName>
+                                        </p:attrNameLst>
+                                      </p:cBhvr>
+                                      <p:tavLst>
+                                        <p:tav tm="0">
+                                          <p:val>
+                                            <p:strVal val="#ppt_x"/>
+                                          </p:val>
+                                        </p:tav>
+                                        <p:tav tm="100000">
+                                          <p:val>
+                                            <p:strVal val="#ppt_x"/>
+                                          </p:val>
+                                        </p:tav>
+                                      </p:tavLst>
+                                    </p:anim>
+                                    <p:anim calcmode="lin" valueType="num">
+                                      <p:cBhvr>
+                                        <p:cTn id="23" dur="1000" fill="hold"/>
+                                        <p:tgtEl>
+                                          <p:spTgt spid="3">
+                                            <p:txEl>
+                                              <p:pRg st="2" end="2"/>
+                                            </p:txEl>
+                                          </p:spTgt>
+                                        </p:tgtEl>
+                                        <p:attrNameLst>
+                                          <p:attrName>ppt_y</p:attrName>
+                                        </p:attrNameLst>
+                                      </p:cBhvr>
+                                      <p:tavLst>
+                                        <p:tav tm="0">
+                                          <p:val>
+                                            <p:strVal val="#ppt_y+.1"/>
+                                          </p:val>
+                                        </p:tav>
+                                        <p:tav tm="100000">
+                                          <p:val>
+                                            <p:strVal val="#ppt_y"/>
+                                          </p:val>
+                                        </p:tav>
+                                      </p:tavLst>
+                                    </p:anim>
+                                  </p:childTnLst>
+                                </p:cTn>
+                              </p:par>
+                            </p:childTnLst>
+                          </p:cTn>
+                        </p:par>
+                      </p:childTnLst>
+                    </p:cTn>
+                  </p:par>
+                </p:childTnLst>
+              </p:cTn>
+              <p:prevCondLst>
+                <p:cond evt="onPrev" delay="0">
+                  <p:tgtEl>
+                    <p:sldTgt/>
+                  </p:tgtEl>
+                </p:cond>
+              </p:prevCondLst>
+              <p:nextCondLst>
+                <p:cond evt="onNext" delay="0">
+                  <p:tgtEl>
+                    <p:sldTgt/>
+                  </p:tgtEl>
+                </p:cond>
+              </p:nextCondLst>
+            </p:seq>
+          </p:childTnLst>
+        </p:cTn>
       </p:par>
     </p:tnLst>
+    <p:bldLst>
+      <p:bldP spid="3" grpId="0" uiExpand="1" build="p"/>
+    </p:bldLst>
   </p:timing>
 </p:sld>
 </file>
@@ -5719,9 +9798,594 @@
   <p:timing>
     <p:tnLst>
       <p:par>
-        <p:cTn id="1" dur="indefinite" restart="never" nodeType="tmRoot"/>
+        <p:cTn id="1" dur="indefinite" restart="never" nodeType="tmRoot">
+          <p:childTnLst>
+            <p:seq concurrent="1" nextAc="seek">
+              <p:cTn id="2" dur="indefinite" nodeType="mainSeq">
+                <p:childTnLst>
+                  <p:par>
+                    <p:cTn id="3" fill="hold">
+                      <p:stCondLst>
+                        <p:cond delay="indefinite"/>
+                      </p:stCondLst>
+                      <p:childTnLst>
+                        <p:par>
+                          <p:cTn id="4" fill="hold">
+                            <p:stCondLst>
+                              <p:cond delay="0"/>
+                            </p:stCondLst>
+                            <p:childTnLst>
+                              <p:par>
+                                <p:cTn id="5" presetID="42" presetClass="entr" presetSubtype="0" fill="hold" grpId="0" nodeType="clickEffect">
+                                  <p:stCondLst>
+                                    <p:cond delay="0"/>
+                                  </p:stCondLst>
+                                  <p:childTnLst>
+                                    <p:set>
+                                      <p:cBhvr>
+                                        <p:cTn id="6" dur="1" fill="hold">
+                                          <p:stCondLst>
+                                            <p:cond delay="0"/>
+                                          </p:stCondLst>
+                                        </p:cTn>
+                                        <p:tgtEl>
+                                          <p:spTgt spid="3">
+                                            <p:txEl>
+                                              <p:pRg st="0" end="0"/>
+                                            </p:txEl>
+                                          </p:spTgt>
+                                        </p:tgtEl>
+                                        <p:attrNameLst>
+                                          <p:attrName>style.visibility</p:attrName>
+                                        </p:attrNameLst>
+                                      </p:cBhvr>
+                                      <p:to>
+                                        <p:strVal val="visible"/>
+                                      </p:to>
+                                    </p:set>
+                                    <p:animEffect transition="in" filter="fade">
+                                      <p:cBhvr>
+                                        <p:cTn id="7" dur="1000"/>
+                                        <p:tgtEl>
+                                          <p:spTgt spid="3">
+                                            <p:txEl>
+                                              <p:pRg st="0" end="0"/>
+                                            </p:txEl>
+                                          </p:spTgt>
+                                        </p:tgtEl>
+                                      </p:cBhvr>
+                                    </p:animEffect>
+                                    <p:anim calcmode="lin" valueType="num">
+                                      <p:cBhvr>
+                                        <p:cTn id="8" dur="1000" fill="hold"/>
+                                        <p:tgtEl>
+                                          <p:spTgt spid="3">
+                                            <p:txEl>
+                                              <p:pRg st="0" end="0"/>
+                                            </p:txEl>
+                                          </p:spTgt>
+                                        </p:tgtEl>
+                                        <p:attrNameLst>
+                                          <p:attrName>ppt_x</p:attrName>
+                                        </p:attrNameLst>
+                                      </p:cBhvr>
+                                      <p:tavLst>
+                                        <p:tav tm="0">
+                                          <p:val>
+                                            <p:strVal val="#ppt_x"/>
+                                          </p:val>
+                                        </p:tav>
+                                        <p:tav tm="100000">
+                                          <p:val>
+                                            <p:strVal val="#ppt_x"/>
+                                          </p:val>
+                                        </p:tav>
+                                      </p:tavLst>
+                                    </p:anim>
+                                    <p:anim calcmode="lin" valueType="num">
+                                      <p:cBhvr>
+                                        <p:cTn id="9" dur="1000" fill="hold"/>
+                                        <p:tgtEl>
+                                          <p:spTgt spid="3">
+                                            <p:txEl>
+                                              <p:pRg st="0" end="0"/>
+                                            </p:txEl>
+                                          </p:spTgt>
+                                        </p:tgtEl>
+                                        <p:attrNameLst>
+                                          <p:attrName>ppt_y</p:attrName>
+                                        </p:attrNameLst>
+                                      </p:cBhvr>
+                                      <p:tavLst>
+                                        <p:tav tm="0">
+                                          <p:val>
+                                            <p:strVal val="#ppt_y+.1"/>
+                                          </p:val>
+                                        </p:tav>
+                                        <p:tav tm="100000">
+                                          <p:val>
+                                            <p:strVal val="#ppt_y"/>
+                                          </p:val>
+                                        </p:tav>
+                                      </p:tavLst>
+                                    </p:anim>
+                                  </p:childTnLst>
+                                </p:cTn>
+                              </p:par>
+                            </p:childTnLst>
+                          </p:cTn>
+                        </p:par>
+                      </p:childTnLst>
+                    </p:cTn>
+                  </p:par>
+                  <p:par>
+                    <p:cTn id="10" fill="hold">
+                      <p:stCondLst>
+                        <p:cond delay="indefinite"/>
+                      </p:stCondLst>
+                      <p:childTnLst>
+                        <p:par>
+                          <p:cTn id="11" fill="hold">
+                            <p:stCondLst>
+                              <p:cond delay="0"/>
+                            </p:stCondLst>
+                            <p:childTnLst>
+                              <p:par>
+                                <p:cTn id="12" presetID="42" presetClass="entr" presetSubtype="0" fill="hold" nodeType="clickEffect">
+                                  <p:stCondLst>
+                                    <p:cond delay="0"/>
+                                  </p:stCondLst>
+                                  <p:childTnLst>
+                                    <p:set>
+                                      <p:cBhvr>
+                                        <p:cTn id="13" dur="1" fill="hold">
+                                          <p:stCondLst>
+                                            <p:cond delay="0"/>
+                                          </p:stCondLst>
+                                        </p:cTn>
+                                        <p:tgtEl>
+                                          <p:spTgt spid="1026"/>
+                                        </p:tgtEl>
+                                        <p:attrNameLst>
+                                          <p:attrName>style.visibility</p:attrName>
+                                        </p:attrNameLst>
+                                      </p:cBhvr>
+                                      <p:to>
+                                        <p:strVal val="visible"/>
+                                      </p:to>
+                                    </p:set>
+                                    <p:animEffect transition="in" filter="fade">
+                                      <p:cBhvr>
+                                        <p:cTn id="14" dur="1000"/>
+                                        <p:tgtEl>
+                                          <p:spTgt spid="1026"/>
+                                        </p:tgtEl>
+                                      </p:cBhvr>
+                                    </p:animEffect>
+                                    <p:anim calcmode="lin" valueType="num">
+                                      <p:cBhvr>
+                                        <p:cTn id="15" dur="1000" fill="hold"/>
+                                        <p:tgtEl>
+                                          <p:spTgt spid="1026"/>
+                                        </p:tgtEl>
+                                        <p:attrNameLst>
+                                          <p:attrName>ppt_x</p:attrName>
+                                        </p:attrNameLst>
+                                      </p:cBhvr>
+                                      <p:tavLst>
+                                        <p:tav tm="0">
+                                          <p:val>
+                                            <p:strVal val="#ppt_x"/>
+                                          </p:val>
+                                        </p:tav>
+                                        <p:tav tm="100000">
+                                          <p:val>
+                                            <p:strVal val="#ppt_x"/>
+                                          </p:val>
+                                        </p:tav>
+                                      </p:tavLst>
+                                    </p:anim>
+                                    <p:anim calcmode="lin" valueType="num">
+                                      <p:cBhvr>
+                                        <p:cTn id="16" dur="1000" fill="hold"/>
+                                        <p:tgtEl>
+                                          <p:spTgt spid="1026"/>
+                                        </p:tgtEl>
+                                        <p:attrNameLst>
+                                          <p:attrName>ppt_y</p:attrName>
+                                        </p:attrNameLst>
+                                      </p:cBhvr>
+                                      <p:tavLst>
+                                        <p:tav tm="0">
+                                          <p:val>
+                                            <p:strVal val="#ppt_y+.1"/>
+                                          </p:val>
+                                        </p:tav>
+                                        <p:tav tm="100000">
+                                          <p:val>
+                                            <p:strVal val="#ppt_y"/>
+                                          </p:val>
+                                        </p:tav>
+                                      </p:tavLst>
+                                    </p:anim>
+                                  </p:childTnLst>
+                                </p:cTn>
+                              </p:par>
+                            </p:childTnLst>
+                          </p:cTn>
+                        </p:par>
+                      </p:childTnLst>
+                    </p:cTn>
+                  </p:par>
+                  <p:par>
+                    <p:cTn id="17" fill="hold">
+                      <p:stCondLst>
+                        <p:cond delay="indefinite"/>
+                      </p:stCondLst>
+                      <p:childTnLst>
+                        <p:par>
+                          <p:cTn id="18" fill="hold">
+                            <p:stCondLst>
+                              <p:cond delay="0"/>
+                            </p:stCondLst>
+                            <p:childTnLst>
+                              <p:par>
+                                <p:cTn id="19" presetID="42" presetClass="entr" presetSubtype="0" fill="hold" grpId="0" nodeType="clickEffect">
+                                  <p:stCondLst>
+                                    <p:cond delay="0"/>
+                                  </p:stCondLst>
+                                  <p:childTnLst>
+                                    <p:set>
+                                      <p:cBhvr>
+                                        <p:cTn id="20" dur="1" fill="hold">
+                                          <p:stCondLst>
+                                            <p:cond delay="0"/>
+                                          </p:stCondLst>
+                                        </p:cTn>
+                                        <p:tgtEl>
+                                          <p:spTgt spid="3">
+                                            <p:txEl>
+                                              <p:pRg st="1" end="1"/>
+                                            </p:txEl>
+                                          </p:spTgt>
+                                        </p:tgtEl>
+                                        <p:attrNameLst>
+                                          <p:attrName>style.visibility</p:attrName>
+                                        </p:attrNameLst>
+                                      </p:cBhvr>
+                                      <p:to>
+                                        <p:strVal val="visible"/>
+                                      </p:to>
+                                    </p:set>
+                                    <p:animEffect transition="in" filter="fade">
+                                      <p:cBhvr>
+                                        <p:cTn id="21" dur="1000"/>
+                                        <p:tgtEl>
+                                          <p:spTgt spid="3">
+                                            <p:txEl>
+                                              <p:pRg st="1" end="1"/>
+                                            </p:txEl>
+                                          </p:spTgt>
+                                        </p:tgtEl>
+                                      </p:cBhvr>
+                                    </p:animEffect>
+                                    <p:anim calcmode="lin" valueType="num">
+                                      <p:cBhvr>
+                                        <p:cTn id="22" dur="1000" fill="hold"/>
+                                        <p:tgtEl>
+                                          <p:spTgt spid="3">
+                                            <p:txEl>
+                                              <p:pRg st="1" end="1"/>
+                                            </p:txEl>
+                                          </p:spTgt>
+                                        </p:tgtEl>
+                                        <p:attrNameLst>
+                                          <p:attrName>ppt_x</p:attrName>
+                                        </p:attrNameLst>
+                                      </p:cBhvr>
+                                      <p:tavLst>
+                                        <p:tav tm="0">
+                                          <p:val>
+                                            <p:strVal val="#ppt_x"/>
+                                          </p:val>
+                                        </p:tav>
+                                        <p:tav tm="100000">
+                                          <p:val>
+                                            <p:strVal val="#ppt_x"/>
+                                          </p:val>
+                                        </p:tav>
+                                      </p:tavLst>
+                                    </p:anim>
+                                    <p:anim calcmode="lin" valueType="num">
+                                      <p:cBhvr>
+                                        <p:cTn id="23" dur="1000" fill="hold"/>
+                                        <p:tgtEl>
+                                          <p:spTgt spid="3">
+                                            <p:txEl>
+                                              <p:pRg st="1" end="1"/>
+                                            </p:txEl>
+                                          </p:spTgt>
+                                        </p:tgtEl>
+                                        <p:attrNameLst>
+                                          <p:attrName>ppt_y</p:attrName>
+                                        </p:attrNameLst>
+                                      </p:cBhvr>
+                                      <p:tavLst>
+                                        <p:tav tm="0">
+                                          <p:val>
+                                            <p:strVal val="#ppt_y+.1"/>
+                                          </p:val>
+                                        </p:tav>
+                                        <p:tav tm="100000">
+                                          <p:val>
+                                            <p:strVal val="#ppt_y"/>
+                                          </p:val>
+                                        </p:tav>
+                                      </p:tavLst>
+                                    </p:anim>
+                                  </p:childTnLst>
+                                </p:cTn>
+                              </p:par>
+                            </p:childTnLst>
+                          </p:cTn>
+                        </p:par>
+                      </p:childTnLst>
+                    </p:cTn>
+                  </p:par>
+                  <p:par>
+                    <p:cTn id="24" fill="hold">
+                      <p:stCondLst>
+                        <p:cond delay="indefinite"/>
+                      </p:stCondLst>
+                      <p:childTnLst>
+                        <p:par>
+                          <p:cTn id="25" fill="hold">
+                            <p:stCondLst>
+                              <p:cond delay="0"/>
+                            </p:stCondLst>
+                            <p:childTnLst>
+                              <p:par>
+                                <p:cTn id="26" presetID="42" presetClass="entr" presetSubtype="0" fill="hold" grpId="0" nodeType="clickEffect">
+                                  <p:stCondLst>
+                                    <p:cond delay="0"/>
+                                  </p:stCondLst>
+                                  <p:childTnLst>
+                                    <p:set>
+                                      <p:cBhvr>
+                                        <p:cTn id="27" dur="1" fill="hold">
+                                          <p:stCondLst>
+                                            <p:cond delay="0"/>
+                                          </p:stCondLst>
+                                        </p:cTn>
+                                        <p:tgtEl>
+                                          <p:spTgt spid="3">
+                                            <p:txEl>
+                                              <p:pRg st="2" end="2"/>
+                                            </p:txEl>
+                                          </p:spTgt>
+                                        </p:tgtEl>
+                                        <p:attrNameLst>
+                                          <p:attrName>style.visibility</p:attrName>
+                                        </p:attrNameLst>
+                                      </p:cBhvr>
+                                      <p:to>
+                                        <p:strVal val="visible"/>
+                                      </p:to>
+                                    </p:set>
+                                    <p:animEffect transition="in" filter="fade">
+                                      <p:cBhvr>
+                                        <p:cTn id="28" dur="1000"/>
+                                        <p:tgtEl>
+                                          <p:spTgt spid="3">
+                                            <p:txEl>
+                                              <p:pRg st="2" end="2"/>
+                                            </p:txEl>
+                                          </p:spTgt>
+                                        </p:tgtEl>
+                                      </p:cBhvr>
+                                    </p:animEffect>
+                                    <p:anim calcmode="lin" valueType="num">
+                                      <p:cBhvr>
+                                        <p:cTn id="29" dur="1000" fill="hold"/>
+                                        <p:tgtEl>
+                                          <p:spTgt spid="3">
+                                            <p:txEl>
+                                              <p:pRg st="2" end="2"/>
+                                            </p:txEl>
+                                          </p:spTgt>
+                                        </p:tgtEl>
+                                        <p:attrNameLst>
+                                          <p:attrName>ppt_x</p:attrName>
+                                        </p:attrNameLst>
+                                      </p:cBhvr>
+                                      <p:tavLst>
+                                        <p:tav tm="0">
+                                          <p:val>
+                                            <p:strVal val="#ppt_x"/>
+                                          </p:val>
+                                        </p:tav>
+                                        <p:tav tm="100000">
+                                          <p:val>
+                                            <p:strVal val="#ppt_x"/>
+                                          </p:val>
+                                        </p:tav>
+                                      </p:tavLst>
+                                    </p:anim>
+                                    <p:anim calcmode="lin" valueType="num">
+                                      <p:cBhvr>
+                                        <p:cTn id="30" dur="1000" fill="hold"/>
+                                        <p:tgtEl>
+                                          <p:spTgt spid="3">
+                                            <p:txEl>
+                                              <p:pRg st="2" end="2"/>
+                                            </p:txEl>
+                                          </p:spTgt>
+                                        </p:tgtEl>
+                                        <p:attrNameLst>
+                                          <p:attrName>ppt_y</p:attrName>
+                                        </p:attrNameLst>
+                                      </p:cBhvr>
+                                      <p:tavLst>
+                                        <p:tav tm="0">
+                                          <p:val>
+                                            <p:strVal val="#ppt_y+.1"/>
+                                          </p:val>
+                                        </p:tav>
+                                        <p:tav tm="100000">
+                                          <p:val>
+                                            <p:strVal val="#ppt_y"/>
+                                          </p:val>
+                                        </p:tav>
+                                      </p:tavLst>
+                                    </p:anim>
+                                  </p:childTnLst>
+                                </p:cTn>
+                              </p:par>
+                            </p:childTnLst>
+                          </p:cTn>
+                        </p:par>
+                      </p:childTnLst>
+                    </p:cTn>
+                  </p:par>
+                  <p:par>
+                    <p:cTn id="31" fill="hold">
+                      <p:stCondLst>
+                        <p:cond delay="indefinite"/>
+                      </p:stCondLst>
+                      <p:childTnLst>
+                        <p:par>
+                          <p:cTn id="32" fill="hold">
+                            <p:stCondLst>
+                              <p:cond delay="0"/>
+                            </p:stCondLst>
+                            <p:childTnLst>
+                              <p:par>
+                                <p:cTn id="33" presetID="42" presetClass="entr" presetSubtype="0" fill="hold" grpId="0" nodeType="clickEffect">
+                                  <p:stCondLst>
+                                    <p:cond delay="0"/>
+                                  </p:stCondLst>
+                                  <p:childTnLst>
+                                    <p:set>
+                                      <p:cBhvr>
+                                        <p:cTn id="34" dur="1" fill="hold">
+                                          <p:stCondLst>
+                                            <p:cond delay="0"/>
+                                          </p:stCondLst>
+                                        </p:cTn>
+                                        <p:tgtEl>
+                                          <p:spTgt spid="3">
+                                            <p:txEl>
+                                              <p:pRg st="3" end="3"/>
+                                            </p:txEl>
+                                          </p:spTgt>
+                                        </p:tgtEl>
+                                        <p:attrNameLst>
+                                          <p:attrName>style.visibility</p:attrName>
+                                        </p:attrNameLst>
+                                      </p:cBhvr>
+                                      <p:to>
+                                        <p:strVal val="visible"/>
+                                      </p:to>
+                                    </p:set>
+                                    <p:animEffect transition="in" filter="fade">
+                                      <p:cBhvr>
+                                        <p:cTn id="35" dur="1000"/>
+                                        <p:tgtEl>
+                                          <p:spTgt spid="3">
+                                            <p:txEl>
+                                              <p:pRg st="3" end="3"/>
+                                            </p:txEl>
+                                          </p:spTgt>
+                                        </p:tgtEl>
+                                      </p:cBhvr>
+                                    </p:animEffect>
+                                    <p:anim calcmode="lin" valueType="num">
+                                      <p:cBhvr>
+                                        <p:cTn id="36" dur="1000" fill="hold"/>
+                                        <p:tgtEl>
+                                          <p:spTgt spid="3">
+                                            <p:txEl>
+                                              <p:pRg st="3" end="3"/>
+                                            </p:txEl>
+                                          </p:spTgt>
+                                        </p:tgtEl>
+                                        <p:attrNameLst>
+                                          <p:attrName>ppt_x</p:attrName>
+                                        </p:attrNameLst>
+                                      </p:cBhvr>
+                                      <p:tavLst>
+                                        <p:tav tm="0">
+                                          <p:val>
+                                            <p:strVal val="#ppt_x"/>
+                                          </p:val>
+                                        </p:tav>
+                                        <p:tav tm="100000">
+                                          <p:val>
+                                            <p:strVal val="#ppt_x"/>
+                                          </p:val>
+                                        </p:tav>
+                                      </p:tavLst>
+                                    </p:anim>
+                                    <p:anim calcmode="lin" valueType="num">
+                                      <p:cBhvr>
+                                        <p:cTn id="37" dur="1000" fill="hold"/>
+                                        <p:tgtEl>
+                                          <p:spTgt spid="3">
+                                            <p:txEl>
+                                              <p:pRg st="3" end="3"/>
+                                            </p:txEl>
+                                          </p:spTgt>
+                                        </p:tgtEl>
+                                        <p:attrNameLst>
+                                          <p:attrName>ppt_y</p:attrName>
+                                        </p:attrNameLst>
+                                      </p:cBhvr>
+                                      <p:tavLst>
+                                        <p:tav tm="0">
+                                          <p:val>
+                                            <p:strVal val="#ppt_y+.1"/>
+                                          </p:val>
+                                        </p:tav>
+                                        <p:tav tm="100000">
+                                          <p:val>
+                                            <p:strVal val="#ppt_y"/>
+                                          </p:val>
+                                        </p:tav>
+                                      </p:tavLst>
+                                    </p:anim>
+                                  </p:childTnLst>
+                                </p:cTn>
+                              </p:par>
+                            </p:childTnLst>
+                          </p:cTn>
+                        </p:par>
+                      </p:childTnLst>
+                    </p:cTn>
+                  </p:par>
+                </p:childTnLst>
+              </p:cTn>
+              <p:prevCondLst>
+                <p:cond evt="onPrev" delay="0">
+                  <p:tgtEl>
+                    <p:sldTgt/>
+                  </p:tgtEl>
+                </p:cond>
+              </p:prevCondLst>
+              <p:nextCondLst>
+                <p:cond evt="onNext" delay="0">
+                  <p:tgtEl>
+                    <p:sldTgt/>
+                  </p:tgtEl>
+                </p:cond>
+              </p:nextCondLst>
+            </p:seq>
+          </p:childTnLst>
+        </p:cTn>
       </p:par>
     </p:tnLst>
+    <p:bldLst>
+      <p:bldP spid="3" grpId="0" uiExpand="1" build="p"/>
+    </p:bldLst>
   </p:timing>
 </p:sld>
 </file>
@@ -6036,9 +10700,495 @@
   <p:timing>
     <p:tnLst>
       <p:par>
-        <p:cTn id="1" dur="indefinite" restart="never" nodeType="tmRoot"/>
+        <p:cTn id="1" dur="indefinite" restart="never" nodeType="tmRoot">
+          <p:childTnLst>
+            <p:seq concurrent="1" nextAc="seek">
+              <p:cTn id="2" dur="indefinite" nodeType="mainSeq">
+                <p:childTnLst>
+                  <p:par>
+                    <p:cTn id="3" fill="hold">
+                      <p:stCondLst>
+                        <p:cond delay="indefinite"/>
+                      </p:stCondLst>
+                      <p:childTnLst>
+                        <p:par>
+                          <p:cTn id="4" fill="hold">
+                            <p:stCondLst>
+                              <p:cond delay="0"/>
+                            </p:stCondLst>
+                            <p:childTnLst>
+                              <p:par>
+                                <p:cTn id="5" presetID="42" presetClass="entr" presetSubtype="0" fill="hold" grpId="0" nodeType="clickEffect">
+                                  <p:stCondLst>
+                                    <p:cond delay="0"/>
+                                  </p:stCondLst>
+                                  <p:childTnLst>
+                                    <p:set>
+                                      <p:cBhvr>
+                                        <p:cTn id="6" dur="1" fill="hold">
+                                          <p:stCondLst>
+                                            <p:cond delay="0"/>
+                                          </p:stCondLst>
+                                        </p:cTn>
+                                        <p:tgtEl>
+                                          <p:spTgt spid="3">
+                                            <p:txEl>
+                                              <p:pRg st="0" end="0"/>
+                                            </p:txEl>
+                                          </p:spTgt>
+                                        </p:tgtEl>
+                                        <p:attrNameLst>
+                                          <p:attrName>style.visibility</p:attrName>
+                                        </p:attrNameLst>
+                                      </p:cBhvr>
+                                      <p:to>
+                                        <p:strVal val="visible"/>
+                                      </p:to>
+                                    </p:set>
+                                    <p:animEffect transition="in" filter="fade">
+                                      <p:cBhvr>
+                                        <p:cTn id="7" dur="1000"/>
+                                        <p:tgtEl>
+                                          <p:spTgt spid="3">
+                                            <p:txEl>
+                                              <p:pRg st="0" end="0"/>
+                                            </p:txEl>
+                                          </p:spTgt>
+                                        </p:tgtEl>
+                                      </p:cBhvr>
+                                    </p:animEffect>
+                                    <p:anim calcmode="lin" valueType="num">
+                                      <p:cBhvr>
+                                        <p:cTn id="8" dur="1000" fill="hold"/>
+                                        <p:tgtEl>
+                                          <p:spTgt spid="3">
+                                            <p:txEl>
+                                              <p:pRg st="0" end="0"/>
+                                            </p:txEl>
+                                          </p:spTgt>
+                                        </p:tgtEl>
+                                        <p:attrNameLst>
+                                          <p:attrName>ppt_x</p:attrName>
+                                        </p:attrNameLst>
+                                      </p:cBhvr>
+                                      <p:tavLst>
+                                        <p:tav tm="0">
+                                          <p:val>
+                                            <p:strVal val="#ppt_x"/>
+                                          </p:val>
+                                        </p:tav>
+                                        <p:tav tm="100000">
+                                          <p:val>
+                                            <p:strVal val="#ppt_x"/>
+                                          </p:val>
+                                        </p:tav>
+                                      </p:tavLst>
+                                    </p:anim>
+                                    <p:anim calcmode="lin" valueType="num">
+                                      <p:cBhvr>
+                                        <p:cTn id="9" dur="1000" fill="hold"/>
+                                        <p:tgtEl>
+                                          <p:spTgt spid="3">
+                                            <p:txEl>
+                                              <p:pRg st="0" end="0"/>
+                                            </p:txEl>
+                                          </p:spTgt>
+                                        </p:tgtEl>
+                                        <p:attrNameLst>
+                                          <p:attrName>ppt_y</p:attrName>
+                                        </p:attrNameLst>
+                                      </p:cBhvr>
+                                      <p:tavLst>
+                                        <p:tav tm="0">
+                                          <p:val>
+                                            <p:strVal val="#ppt_y+.1"/>
+                                          </p:val>
+                                        </p:tav>
+                                        <p:tav tm="100000">
+                                          <p:val>
+                                            <p:strVal val="#ppt_y"/>
+                                          </p:val>
+                                        </p:tav>
+                                      </p:tavLst>
+                                    </p:anim>
+                                  </p:childTnLst>
+                                </p:cTn>
+                              </p:par>
+                            </p:childTnLst>
+                          </p:cTn>
+                        </p:par>
+                      </p:childTnLst>
+                    </p:cTn>
+                  </p:par>
+                  <p:par>
+                    <p:cTn id="10" fill="hold">
+                      <p:stCondLst>
+                        <p:cond delay="indefinite"/>
+                      </p:stCondLst>
+                      <p:childTnLst>
+                        <p:par>
+                          <p:cTn id="11" fill="hold">
+                            <p:stCondLst>
+                              <p:cond delay="0"/>
+                            </p:stCondLst>
+                            <p:childTnLst>
+                              <p:par>
+                                <p:cTn id="12" presetID="42" presetClass="entr" presetSubtype="0" fill="hold" grpId="0" nodeType="clickEffect">
+                                  <p:stCondLst>
+                                    <p:cond delay="0"/>
+                                  </p:stCondLst>
+                                  <p:childTnLst>
+                                    <p:set>
+                                      <p:cBhvr>
+                                        <p:cTn id="13" dur="1" fill="hold">
+                                          <p:stCondLst>
+                                            <p:cond delay="0"/>
+                                          </p:stCondLst>
+                                        </p:cTn>
+                                        <p:tgtEl>
+                                          <p:spTgt spid="3">
+                                            <p:txEl>
+                                              <p:pRg st="1" end="1"/>
+                                            </p:txEl>
+                                          </p:spTgt>
+                                        </p:tgtEl>
+                                        <p:attrNameLst>
+                                          <p:attrName>style.visibility</p:attrName>
+                                        </p:attrNameLst>
+                                      </p:cBhvr>
+                                      <p:to>
+                                        <p:strVal val="visible"/>
+                                      </p:to>
+                                    </p:set>
+                                    <p:animEffect transition="in" filter="fade">
+                                      <p:cBhvr>
+                                        <p:cTn id="14" dur="1000"/>
+                                        <p:tgtEl>
+                                          <p:spTgt spid="3">
+                                            <p:txEl>
+                                              <p:pRg st="1" end="1"/>
+                                            </p:txEl>
+                                          </p:spTgt>
+                                        </p:tgtEl>
+                                      </p:cBhvr>
+                                    </p:animEffect>
+                                    <p:anim calcmode="lin" valueType="num">
+                                      <p:cBhvr>
+                                        <p:cTn id="15" dur="1000" fill="hold"/>
+                                        <p:tgtEl>
+                                          <p:spTgt spid="3">
+                                            <p:txEl>
+                                              <p:pRg st="1" end="1"/>
+                                            </p:txEl>
+                                          </p:spTgt>
+                                        </p:tgtEl>
+                                        <p:attrNameLst>
+                                          <p:attrName>ppt_x</p:attrName>
+                                        </p:attrNameLst>
+                                      </p:cBhvr>
+                                      <p:tavLst>
+                                        <p:tav tm="0">
+                                          <p:val>
+                                            <p:strVal val="#ppt_x"/>
+                                          </p:val>
+                                        </p:tav>
+                                        <p:tav tm="100000">
+                                          <p:val>
+                                            <p:strVal val="#ppt_x"/>
+                                          </p:val>
+                                        </p:tav>
+                                      </p:tavLst>
+                                    </p:anim>
+                                    <p:anim calcmode="lin" valueType="num">
+                                      <p:cBhvr>
+                                        <p:cTn id="16" dur="1000" fill="hold"/>
+                                        <p:tgtEl>
+                                          <p:spTgt spid="3">
+                                            <p:txEl>
+                                              <p:pRg st="1" end="1"/>
+                                            </p:txEl>
+                                          </p:spTgt>
+                                        </p:tgtEl>
+                                        <p:attrNameLst>
+                                          <p:attrName>ppt_y</p:attrName>
+                                        </p:attrNameLst>
+                                      </p:cBhvr>
+                                      <p:tavLst>
+                                        <p:tav tm="0">
+                                          <p:val>
+                                            <p:strVal val="#ppt_y+.1"/>
+                                          </p:val>
+                                        </p:tav>
+                                        <p:tav tm="100000">
+                                          <p:val>
+                                            <p:strVal val="#ppt_y"/>
+                                          </p:val>
+                                        </p:tav>
+                                      </p:tavLst>
+                                    </p:anim>
+                                  </p:childTnLst>
+                                </p:cTn>
+                              </p:par>
+                            </p:childTnLst>
+                          </p:cTn>
+                        </p:par>
+                      </p:childTnLst>
+                    </p:cTn>
+                  </p:par>
+                  <p:par>
+                    <p:cTn id="17" fill="hold">
+                      <p:stCondLst>
+                        <p:cond delay="indefinite"/>
+                      </p:stCondLst>
+                      <p:childTnLst>
+                        <p:par>
+                          <p:cTn id="18" fill="hold">
+                            <p:stCondLst>
+                              <p:cond delay="0"/>
+                            </p:stCondLst>
+                            <p:childTnLst>
+                              <p:par>
+                                <p:cTn id="19" presetID="42" presetClass="entr" presetSubtype="0" fill="hold" grpId="0" nodeType="clickEffect">
+                                  <p:stCondLst>
+                                    <p:cond delay="0"/>
+                                  </p:stCondLst>
+                                  <p:childTnLst>
+                                    <p:set>
+                                      <p:cBhvr>
+                                        <p:cTn id="20" dur="1" fill="hold">
+                                          <p:stCondLst>
+                                            <p:cond delay="0"/>
+                                          </p:stCondLst>
+                                        </p:cTn>
+                                        <p:tgtEl>
+                                          <p:spTgt spid="3">
+                                            <p:txEl>
+                                              <p:pRg st="2" end="2"/>
+                                            </p:txEl>
+                                          </p:spTgt>
+                                        </p:tgtEl>
+                                        <p:attrNameLst>
+                                          <p:attrName>style.visibility</p:attrName>
+                                        </p:attrNameLst>
+                                      </p:cBhvr>
+                                      <p:to>
+                                        <p:strVal val="visible"/>
+                                      </p:to>
+                                    </p:set>
+                                    <p:animEffect transition="in" filter="fade">
+                                      <p:cBhvr>
+                                        <p:cTn id="21" dur="1000"/>
+                                        <p:tgtEl>
+                                          <p:spTgt spid="3">
+                                            <p:txEl>
+                                              <p:pRg st="2" end="2"/>
+                                            </p:txEl>
+                                          </p:spTgt>
+                                        </p:tgtEl>
+                                      </p:cBhvr>
+                                    </p:animEffect>
+                                    <p:anim calcmode="lin" valueType="num">
+                                      <p:cBhvr>
+                                        <p:cTn id="22" dur="1000" fill="hold"/>
+                                        <p:tgtEl>
+                                          <p:spTgt spid="3">
+                                            <p:txEl>
+                                              <p:pRg st="2" end="2"/>
+                                            </p:txEl>
+                                          </p:spTgt>
+                                        </p:tgtEl>
+                                        <p:attrNameLst>
+                                          <p:attrName>ppt_x</p:attrName>
+                                        </p:attrNameLst>
+                                      </p:cBhvr>
+                                      <p:tavLst>
+                                        <p:tav tm="0">
+                                          <p:val>
+                                            <p:strVal val="#ppt_x"/>
+                                          </p:val>
+                                        </p:tav>
+                                        <p:tav tm="100000">
+                                          <p:val>
+                                            <p:strVal val="#ppt_x"/>
+                                          </p:val>
+                                        </p:tav>
+                                      </p:tavLst>
+                                    </p:anim>
+                                    <p:anim calcmode="lin" valueType="num">
+                                      <p:cBhvr>
+                                        <p:cTn id="23" dur="1000" fill="hold"/>
+                                        <p:tgtEl>
+                                          <p:spTgt spid="3">
+                                            <p:txEl>
+                                              <p:pRg st="2" end="2"/>
+                                            </p:txEl>
+                                          </p:spTgt>
+                                        </p:tgtEl>
+                                        <p:attrNameLst>
+                                          <p:attrName>ppt_y</p:attrName>
+                                        </p:attrNameLst>
+                                      </p:cBhvr>
+                                      <p:tavLst>
+                                        <p:tav tm="0">
+                                          <p:val>
+                                            <p:strVal val="#ppt_y+.1"/>
+                                          </p:val>
+                                        </p:tav>
+                                        <p:tav tm="100000">
+                                          <p:val>
+                                            <p:strVal val="#ppt_y"/>
+                                          </p:val>
+                                        </p:tav>
+                                      </p:tavLst>
+                                    </p:anim>
+                                  </p:childTnLst>
+                                </p:cTn>
+                              </p:par>
+                            </p:childTnLst>
+                          </p:cTn>
+                        </p:par>
+                      </p:childTnLst>
+                    </p:cTn>
+                  </p:par>
+                  <p:par>
+                    <p:cTn id="24" fill="hold">
+                      <p:stCondLst>
+                        <p:cond delay="indefinite"/>
+                      </p:stCondLst>
+                      <p:childTnLst>
+                        <p:par>
+                          <p:cTn id="25" fill="hold">
+                            <p:stCondLst>
+                              <p:cond delay="0"/>
+                            </p:stCondLst>
+                            <p:childTnLst>
+                              <p:par>
+                                <p:cTn id="26" presetID="42" presetClass="entr" presetSubtype="0" fill="hold" grpId="0" nodeType="clickEffect">
+                                  <p:stCondLst>
+                                    <p:cond delay="0"/>
+                                  </p:stCondLst>
+                                  <p:childTnLst>
+                                    <p:set>
+                                      <p:cBhvr>
+                                        <p:cTn id="27" dur="1" fill="hold">
+                                          <p:stCondLst>
+                                            <p:cond delay="0"/>
+                                          </p:stCondLst>
+                                        </p:cTn>
+                                        <p:tgtEl>
+                                          <p:spTgt spid="3">
+                                            <p:txEl>
+                                              <p:pRg st="3" end="3"/>
+                                            </p:txEl>
+                                          </p:spTgt>
+                                        </p:tgtEl>
+                                        <p:attrNameLst>
+                                          <p:attrName>style.visibility</p:attrName>
+                                        </p:attrNameLst>
+                                      </p:cBhvr>
+                                      <p:to>
+                                        <p:strVal val="visible"/>
+                                      </p:to>
+                                    </p:set>
+                                    <p:animEffect transition="in" filter="fade">
+                                      <p:cBhvr>
+                                        <p:cTn id="28" dur="1000"/>
+                                        <p:tgtEl>
+                                          <p:spTgt spid="3">
+                                            <p:txEl>
+                                              <p:pRg st="3" end="3"/>
+                                            </p:txEl>
+                                          </p:spTgt>
+                                        </p:tgtEl>
+                                      </p:cBhvr>
+                                    </p:animEffect>
+                                    <p:anim calcmode="lin" valueType="num">
+                                      <p:cBhvr>
+                                        <p:cTn id="29" dur="1000" fill="hold"/>
+                                        <p:tgtEl>
+                                          <p:spTgt spid="3">
+                                            <p:txEl>
+                                              <p:pRg st="3" end="3"/>
+                                            </p:txEl>
+                                          </p:spTgt>
+                                        </p:tgtEl>
+                                        <p:attrNameLst>
+                                          <p:attrName>ppt_x</p:attrName>
+                                        </p:attrNameLst>
+                                      </p:cBhvr>
+                                      <p:tavLst>
+                                        <p:tav tm="0">
+                                          <p:val>
+                                            <p:strVal val="#ppt_x"/>
+                                          </p:val>
+                                        </p:tav>
+                                        <p:tav tm="100000">
+                                          <p:val>
+                                            <p:strVal val="#ppt_x"/>
+                                          </p:val>
+                                        </p:tav>
+                                      </p:tavLst>
+                                    </p:anim>
+                                    <p:anim calcmode="lin" valueType="num">
+                                      <p:cBhvr>
+                                        <p:cTn id="30" dur="1000" fill="hold"/>
+                                        <p:tgtEl>
+                                          <p:spTgt spid="3">
+                                            <p:txEl>
+                                              <p:pRg st="3" end="3"/>
+                                            </p:txEl>
+                                          </p:spTgt>
+                                        </p:tgtEl>
+                                        <p:attrNameLst>
+                                          <p:attrName>ppt_y</p:attrName>
+                                        </p:attrNameLst>
+                                      </p:cBhvr>
+                                      <p:tavLst>
+                                        <p:tav tm="0">
+                                          <p:val>
+                                            <p:strVal val="#ppt_y+.1"/>
+                                          </p:val>
+                                        </p:tav>
+                                        <p:tav tm="100000">
+                                          <p:val>
+                                            <p:strVal val="#ppt_y"/>
+                                          </p:val>
+                                        </p:tav>
+                                      </p:tavLst>
+                                    </p:anim>
+                                  </p:childTnLst>
+                                </p:cTn>
+                              </p:par>
+                            </p:childTnLst>
+                          </p:cTn>
+                        </p:par>
+                      </p:childTnLst>
+                    </p:cTn>
+                  </p:par>
+                </p:childTnLst>
+              </p:cTn>
+              <p:prevCondLst>
+                <p:cond evt="onPrev" delay="0">
+                  <p:tgtEl>
+                    <p:sldTgt/>
+                  </p:tgtEl>
+                </p:cond>
+              </p:prevCondLst>
+              <p:nextCondLst>
+                <p:cond evt="onNext" delay="0">
+                  <p:tgtEl>
+                    <p:sldTgt/>
+                  </p:tgtEl>
+                </p:cond>
+              </p:nextCondLst>
+            </p:seq>
+          </p:childTnLst>
+        </p:cTn>
       </p:par>
     </p:tnLst>
+    <p:bldLst>
+      <p:bldP spid="3" grpId="0" build="p"/>
+    </p:bldLst>
   </p:timing>
 </p:sld>
 </file>

--- a/presentations/Demo DoodleDebug Spring 2013.pptx
+++ b/presentations/Demo DoodleDebug Spring 2013.pptx
@@ -1,36 +1,35 @@
 
 <file path=ppt/presentation.xml><?xml version="1.0" encoding="utf-8"?>
-<p:presentation xmlns:a="http://schemas.openxmlformats.org/drawingml/2006/main" xmlns:r="http://schemas.openxmlformats.org/officeDocument/2006/relationships" xmlns:p="http://schemas.openxmlformats.org/presentationml/2006/main" saveSubsetFonts="1">
+<p:presentation xmlns:a="http://schemas.openxmlformats.org/drawingml/2006/main" xmlns:r="http://schemas.openxmlformats.org/officeDocument/2006/relationships" xmlns:p="http://schemas.openxmlformats.org/presentationml/2006/main" showSpecialPlsOnTitleSld="0" saveSubsetFonts="1">
   <p:sldMasterIdLst>
     <p:sldMasterId id="2147483648" r:id="rId1"/>
   </p:sldMasterIdLst>
   <p:notesMasterIdLst>
-    <p:notesMasterId r:id="rId20"/>
+    <p:notesMasterId r:id="rId19"/>
   </p:notesMasterIdLst>
   <p:sldIdLst>
     <p:sldId id="256" r:id="rId2"/>
     <p:sldId id="257" r:id="rId3"/>
-    <p:sldId id="258" r:id="rId4"/>
-    <p:sldId id="260" r:id="rId5"/>
-    <p:sldId id="259" r:id="rId6"/>
-    <p:sldId id="261" r:id="rId7"/>
-    <p:sldId id="263" r:id="rId8"/>
-    <p:sldId id="262" r:id="rId9"/>
+    <p:sldId id="275" r:id="rId4"/>
+    <p:sldId id="276" r:id="rId5"/>
+    <p:sldId id="258" r:id="rId6"/>
+    <p:sldId id="260" r:id="rId7"/>
+    <p:sldId id="274" r:id="rId8"/>
+    <p:sldId id="269" r:id="rId9"/>
     <p:sldId id="264" r:id="rId10"/>
-    <p:sldId id="265" r:id="rId11"/>
-    <p:sldId id="268" r:id="rId12"/>
-    <p:sldId id="269" r:id="rId13"/>
-    <p:sldId id="270" r:id="rId14"/>
-    <p:sldId id="266" r:id="rId15"/>
-    <p:sldId id="267" r:id="rId16"/>
-    <p:sldId id="272" r:id="rId17"/>
-    <p:sldId id="273" r:id="rId18"/>
-    <p:sldId id="271" r:id="rId19"/>
+    <p:sldId id="259" r:id="rId11"/>
+    <p:sldId id="263" r:id="rId12"/>
+    <p:sldId id="262" r:id="rId13"/>
+    <p:sldId id="266" r:id="rId14"/>
+    <p:sldId id="267" r:id="rId15"/>
+    <p:sldId id="272" r:id="rId16"/>
+    <p:sldId id="273" r:id="rId17"/>
+    <p:sldId id="271" r:id="rId18"/>
   </p:sldIdLst>
   <p:sldSz cx="9144000" cy="6858000" type="screen4x3"/>
   <p:notesSz cx="6858000" cy="9144000"/>
   <p:custDataLst>
-    <p:tags r:id="rId21"/>
+    <p:tags r:id="rId20"/>
   </p:custDataLst>
   <p:defaultTextStyle>
     <a:defPPr>
@@ -524,37 +523,7 @@
           <a:bodyPr/>
           <a:lstStyle/>
           <a:p>
-            <a:r>
-              <a:rPr lang="de-CH" dirty="0" smtClean="0"/>
-              <a:t>- </a:t>
-            </a:r>
-          </a:p>
-          <a:p>
-            <a:r>
-              <a:rPr lang="de-CH" dirty="0" smtClean="0"/>
-              <a:t>- </a:t>
-            </a:r>
-            <a:r>
-              <a:rPr lang="de-CH" dirty="0" err="1" smtClean="0"/>
-              <a:t>Similar</a:t>
-            </a:r>
-            <a:r>
-              <a:rPr lang="de-CH" baseline="0" dirty="0" smtClean="0"/>
-              <a:t> </a:t>
-            </a:r>
-            <a:r>
-              <a:rPr lang="de-CH" baseline="0" dirty="0" err="1" smtClean="0"/>
-              <a:t>to</a:t>
-            </a:r>
-            <a:r>
-              <a:rPr lang="de-CH" baseline="0" dirty="0" smtClean="0"/>
-              <a:t> </a:t>
-            </a:r>
-            <a:r>
-              <a:rPr lang="de-CH" baseline="0" dirty="0" err="1" smtClean="0"/>
-              <a:t>Sysout</a:t>
-            </a:r>
-            <a:endParaRPr lang="en-US" dirty="0"/>
+            <a:endParaRPr lang="en-US"/>
           </a:p>
         </p:txBody>
       </p:sp>
@@ -575,7 +544,121 @@
           <a:p>
             <a:fld id="{E89DCF5E-74C4-4277-BFC5-2C48FC6D603C}" type="slidenum">
               <a:rPr lang="en-US" smtClean="0"/>
-              <a:t>4</a:t>
+              <a:t>2</a:t>
+            </a:fld>
+            <a:endParaRPr lang="en-US"/>
+          </a:p>
+        </p:txBody>
+      </p:sp>
+    </p:spTree>
+    <p:extLst>
+      <p:ext uri="{BB962C8B-B14F-4D97-AF65-F5344CB8AC3E}">
+        <p14:creationId xmlns:p14="http://schemas.microsoft.com/office/powerpoint/2010/main" val="3033096745"/>
+      </p:ext>
+    </p:extLst>
+  </p:cSld>
+  <p:clrMapOvr>
+    <a:masterClrMapping/>
+  </p:clrMapOvr>
+</p:notes>
+</file>
+
+<file path=ppt/notesSlides/notesSlide2.xml><?xml version="1.0" encoding="utf-8"?>
+<p:notes xmlns:a="http://schemas.openxmlformats.org/drawingml/2006/main" xmlns:r="http://schemas.openxmlformats.org/officeDocument/2006/relationships" xmlns:p="http://schemas.openxmlformats.org/presentationml/2006/main">
+  <p:cSld>
+    <p:spTree>
+      <p:nvGrpSpPr>
+        <p:cNvPr id="1" name=""/>
+        <p:cNvGrpSpPr/>
+        <p:nvPr/>
+      </p:nvGrpSpPr>
+      <p:grpSpPr>
+        <a:xfrm>
+          <a:off x="0" y="0"/>
+          <a:ext cx="0" cy="0"/>
+          <a:chOff x="0" y="0"/>
+          <a:chExt cx="0" cy="0"/>
+        </a:xfrm>
+      </p:grpSpPr>
+      <p:sp>
+        <p:nvSpPr>
+          <p:cNvPr id="2" name="Folienbildplatzhalter 1"/>
+          <p:cNvSpPr>
+            <a:spLocks noGrp="1" noRot="1" noChangeAspect="1"/>
+          </p:cNvSpPr>
+          <p:nvPr>
+            <p:ph type="sldImg"/>
+          </p:nvPr>
+        </p:nvSpPr>
+        <p:spPr/>
+      </p:sp>
+      <p:sp>
+        <p:nvSpPr>
+          <p:cNvPr id="3" name="Notizenplatzhalter 2"/>
+          <p:cNvSpPr>
+            <a:spLocks noGrp="1"/>
+          </p:cNvSpPr>
+          <p:nvPr>
+            <p:ph type="body" idx="1"/>
+          </p:nvPr>
+        </p:nvSpPr>
+        <p:spPr/>
+        <p:txBody>
+          <a:bodyPr/>
+          <a:lstStyle/>
+          <a:p>
+            <a:r>
+              <a:rPr lang="de-CH" dirty="0" smtClean="0"/>
+              <a:t>- </a:t>
+            </a:r>
+          </a:p>
+          <a:p>
+            <a:r>
+              <a:rPr lang="de-CH" dirty="0" smtClean="0"/>
+              <a:t>- </a:t>
+            </a:r>
+            <a:r>
+              <a:rPr lang="de-CH" dirty="0" err="1" smtClean="0"/>
+              <a:t>Similar</a:t>
+            </a:r>
+            <a:r>
+              <a:rPr lang="de-CH" baseline="0" dirty="0" smtClean="0"/>
+              <a:t> </a:t>
+            </a:r>
+            <a:r>
+              <a:rPr lang="de-CH" baseline="0" dirty="0" err="1" smtClean="0"/>
+              <a:t>to</a:t>
+            </a:r>
+            <a:r>
+              <a:rPr lang="de-CH" baseline="0" dirty="0" smtClean="0"/>
+              <a:t> </a:t>
+            </a:r>
+            <a:r>
+              <a:rPr lang="de-CH" baseline="0" dirty="0" err="1" smtClean="0"/>
+              <a:t>Sysout</a:t>
+            </a:r>
+            <a:endParaRPr lang="en-US" dirty="0"/>
+          </a:p>
+        </p:txBody>
+      </p:sp>
+      <p:sp>
+        <p:nvSpPr>
+          <p:cNvPr id="4" name="Foliennummernplatzhalter 3"/>
+          <p:cNvSpPr>
+            <a:spLocks noGrp="1"/>
+          </p:cNvSpPr>
+          <p:nvPr>
+            <p:ph type="sldNum" sz="quarter" idx="10"/>
+          </p:nvPr>
+        </p:nvSpPr>
+        <p:spPr/>
+        <p:txBody>
+          <a:bodyPr/>
+          <a:lstStyle/>
+          <a:p>
+            <a:fld id="{E89DCF5E-74C4-4277-BFC5-2C48FC6D603C}" type="slidenum">
+              <a:rPr lang="en-US" smtClean="0"/>
+              <a:t>6</a:t>
             </a:fld>
             <a:endParaRPr lang="en-US"/>
           </a:p>
@@ -585,6 +668,90 @@
     <p:extLst>
       <p:ext uri="{BB962C8B-B14F-4D97-AF65-F5344CB8AC3E}">
         <p14:creationId xmlns:p14="http://schemas.microsoft.com/office/powerpoint/2010/main" val="389969153"/>
+      </p:ext>
+    </p:extLst>
+  </p:cSld>
+  <p:clrMapOvr>
+    <a:masterClrMapping/>
+  </p:clrMapOvr>
+</p:notes>
+</file>
+
+<file path=ppt/notesSlides/notesSlide3.xml><?xml version="1.0" encoding="utf-8"?>
+<p:notes xmlns:a="http://schemas.openxmlformats.org/drawingml/2006/main" xmlns:r="http://schemas.openxmlformats.org/officeDocument/2006/relationships" xmlns:p="http://schemas.openxmlformats.org/presentationml/2006/main">
+  <p:cSld>
+    <p:spTree>
+      <p:nvGrpSpPr>
+        <p:cNvPr id="1" name=""/>
+        <p:cNvGrpSpPr/>
+        <p:nvPr/>
+      </p:nvGrpSpPr>
+      <p:grpSpPr>
+        <a:xfrm>
+          <a:off x="0" y="0"/>
+          <a:ext cx="0" cy="0"/>
+          <a:chOff x="0" y="0"/>
+          <a:chExt cx="0" cy="0"/>
+        </a:xfrm>
+      </p:grpSpPr>
+      <p:sp>
+        <p:nvSpPr>
+          <p:cNvPr id="2" name="Folienbildplatzhalter 1"/>
+          <p:cNvSpPr>
+            <a:spLocks noGrp="1" noRot="1" noChangeAspect="1"/>
+          </p:cNvSpPr>
+          <p:nvPr>
+            <p:ph type="sldImg"/>
+          </p:nvPr>
+        </p:nvSpPr>
+        <p:spPr/>
+      </p:sp>
+      <p:sp>
+        <p:nvSpPr>
+          <p:cNvPr id="3" name="Notizenplatzhalter 2"/>
+          <p:cNvSpPr>
+            <a:spLocks noGrp="1"/>
+          </p:cNvSpPr>
+          <p:nvPr>
+            <p:ph type="body" idx="1"/>
+          </p:nvPr>
+        </p:nvSpPr>
+        <p:spPr/>
+        <p:txBody>
+          <a:bodyPr/>
+          <a:lstStyle/>
+          <a:p>
+            <a:endParaRPr lang="en-US" dirty="0"/>
+          </a:p>
+        </p:txBody>
+      </p:sp>
+      <p:sp>
+        <p:nvSpPr>
+          <p:cNvPr id="4" name="Foliennummernplatzhalter 3"/>
+          <p:cNvSpPr>
+            <a:spLocks noGrp="1"/>
+          </p:cNvSpPr>
+          <p:nvPr>
+            <p:ph type="sldNum" sz="quarter" idx="10"/>
+          </p:nvPr>
+        </p:nvSpPr>
+        <p:spPr/>
+        <p:txBody>
+          <a:bodyPr/>
+          <a:lstStyle/>
+          <a:p>
+            <a:fld id="{E89DCF5E-74C4-4277-BFC5-2C48FC6D603C}" type="slidenum">
+              <a:rPr lang="en-US" smtClean="0"/>
+              <a:t>11</a:t>
+            </a:fld>
+            <a:endParaRPr lang="en-US"/>
+          </a:p>
+        </p:txBody>
+      </p:sp>
+    </p:spTree>
+    <p:extLst>
+      <p:ext uri="{BB962C8B-B14F-4D97-AF65-F5344CB8AC3E}">
+        <p14:creationId xmlns:p14="http://schemas.microsoft.com/office/powerpoint/2010/main" val="1219463807"/>
       </p:ext>
     </p:extLst>
   </p:cSld>
@@ -773,7 +940,7 @@
           <a:bodyPr/>
           <a:lstStyle/>
           <a:p>
-            <a:fld id="{E2E02991-DBBC-4602-9E31-797A185017A7}" type="datetimeFigureOut">
+            <a:fld id="{85D650DE-3472-4653-A444-5B443FE7AA4E}" type="datetime1">
               <a:rPr lang="de-CH" smtClean="0"/>
               <a:t>24.04.2013</a:t>
             </a:fld>
@@ -950,7 +1117,7 @@
           <a:bodyPr/>
           <a:lstStyle/>
           <a:p>
-            <a:fld id="{E2E02991-DBBC-4602-9E31-797A185017A7}" type="datetimeFigureOut">
+            <a:fld id="{8BAC4E3D-F274-4AF5-9DF1-A78FFCEF68DA}" type="datetime1">
               <a:rPr lang="de-CH" smtClean="0"/>
               <a:t>24.04.2013</a:t>
             </a:fld>
@@ -1130,7 +1297,7 @@
           <a:bodyPr/>
           <a:lstStyle/>
           <a:p>
-            <a:fld id="{E2E02991-DBBC-4602-9E31-797A185017A7}" type="datetimeFigureOut">
+            <a:fld id="{D3964AF6-022E-43B2-9753-57C33D817030}" type="datetime1">
               <a:rPr lang="de-CH" smtClean="0"/>
               <a:t>24.04.2013</a:t>
             </a:fld>
@@ -1417,71 +1584,6 @@
           </a:p>
         </p:txBody>
       </p:sp>
-      <p:sp>
-        <p:nvSpPr>
-          <p:cNvPr id="4" name="Datumsplatzhalter 3"/>
-          <p:cNvSpPr>
-            <a:spLocks noGrp="1"/>
-          </p:cNvSpPr>
-          <p:nvPr>
-            <p:ph type="dt" sz="half" idx="10"/>
-          </p:nvPr>
-        </p:nvSpPr>
-        <p:spPr/>
-        <p:txBody>
-          <a:bodyPr/>
-          <a:lstStyle/>
-          <a:p>
-            <a:fld id="{E2E02991-DBBC-4602-9E31-797A185017A7}" type="datetimeFigureOut">
-              <a:rPr lang="en-US" noProof="0" smtClean="0"/>
-              <a:t>4/24/2013</a:t>
-            </a:fld>
-            <a:endParaRPr lang="en-US" noProof="0" dirty="0"/>
-          </a:p>
-        </p:txBody>
-      </p:sp>
-      <p:sp>
-        <p:nvSpPr>
-          <p:cNvPr id="5" name="Fußzeilenplatzhalter 4"/>
-          <p:cNvSpPr>
-            <a:spLocks noGrp="1"/>
-          </p:cNvSpPr>
-          <p:nvPr>
-            <p:ph type="ftr" sz="quarter" idx="11"/>
-          </p:nvPr>
-        </p:nvSpPr>
-        <p:spPr/>
-        <p:txBody>
-          <a:bodyPr/>
-          <a:lstStyle/>
-          <a:p>
-            <a:endParaRPr lang="en-US" noProof="0" dirty="0"/>
-          </a:p>
-        </p:txBody>
-      </p:sp>
-      <p:sp>
-        <p:nvSpPr>
-          <p:cNvPr id="6" name="Foliennummernplatzhalter 5"/>
-          <p:cNvSpPr>
-            <a:spLocks noGrp="1"/>
-          </p:cNvSpPr>
-          <p:nvPr>
-            <p:ph type="sldNum" sz="quarter" idx="12"/>
-          </p:nvPr>
-        </p:nvSpPr>
-        <p:spPr/>
-        <p:txBody>
-          <a:bodyPr/>
-          <a:lstStyle/>
-          <a:p>
-            <a:fld id="{CB39F0D9-F884-4558-986F-7F4B8D6BBDEC}" type="slidenum">
-              <a:rPr lang="en-US" noProof="0" smtClean="0"/>
-              <a:t>‹Nr.›</a:t>
-            </a:fld>
-            <a:endParaRPr lang="en-US" noProof="0" dirty="0"/>
-          </a:p>
-        </p:txBody>
-      </p:sp>
       <p:pic>
         <p:nvPicPr>
           <p:cNvPr id="2052" name="Picture 4" descr="C:\Users\Cedric Reichenbach\students-cedric-DoodleDebug\Images\DoodleDebug-logo.png"/>
@@ -1535,6 +1637,71 @@
           </a:extLst>
         </p:spPr>
       </p:pic>
+      <p:sp>
+        <p:nvSpPr>
+          <p:cNvPr id="8" name="Datumsplatzhalter 7"/>
+          <p:cNvSpPr>
+            <a:spLocks noGrp="1"/>
+          </p:cNvSpPr>
+          <p:nvPr>
+            <p:ph type="dt" sz="half" idx="10"/>
+          </p:nvPr>
+        </p:nvSpPr>
+        <p:spPr/>
+        <p:txBody>
+          <a:bodyPr/>
+          <a:lstStyle/>
+          <a:p>
+            <a:fld id="{437327DC-2552-4A52-A1A3-9B5BFACF3DEF}" type="datetime1">
+              <a:rPr lang="de-CH" smtClean="0"/>
+              <a:t>24.04.2013</a:t>
+            </a:fld>
+            <a:endParaRPr lang="de-CH" dirty="0"/>
+          </a:p>
+        </p:txBody>
+      </p:sp>
+      <p:sp>
+        <p:nvSpPr>
+          <p:cNvPr id="9" name="Fußzeilenplatzhalter 8"/>
+          <p:cNvSpPr>
+            <a:spLocks noGrp="1"/>
+          </p:cNvSpPr>
+          <p:nvPr>
+            <p:ph type="ftr" sz="quarter" idx="11"/>
+          </p:nvPr>
+        </p:nvSpPr>
+        <p:spPr/>
+        <p:txBody>
+          <a:bodyPr/>
+          <a:lstStyle/>
+          <a:p>
+            <a:endParaRPr lang="de-CH" dirty="0"/>
+          </a:p>
+        </p:txBody>
+      </p:sp>
+      <p:sp>
+        <p:nvSpPr>
+          <p:cNvPr id="10" name="Foliennummernplatzhalter 9"/>
+          <p:cNvSpPr>
+            <a:spLocks noGrp="1"/>
+          </p:cNvSpPr>
+          <p:nvPr>
+            <p:ph type="sldNum" sz="quarter" idx="12"/>
+          </p:nvPr>
+        </p:nvSpPr>
+        <p:spPr/>
+        <p:txBody>
+          <a:bodyPr/>
+          <a:lstStyle/>
+          <a:p>
+            <a:fld id="{CB39F0D9-F884-4558-986F-7F4B8D6BBDEC}" type="slidenum">
+              <a:rPr lang="de-CH" smtClean="0"/>
+              <a:t>‹Nr.›</a:t>
+            </a:fld>
+            <a:endParaRPr lang="de-CH" dirty="0"/>
+          </a:p>
+        </p:txBody>
+      </p:sp>
     </p:spTree>
     <p:extLst>
       <p:ext uri="{BB962C8B-B14F-4D97-AF65-F5344CB8AC3E}">
@@ -1738,7 +1905,7 @@
           <a:bodyPr/>
           <a:lstStyle/>
           <a:p>
-            <a:fld id="{E2E02991-DBBC-4602-9E31-797A185017A7}" type="datetimeFigureOut">
+            <a:fld id="{7A4171FB-593E-465D-9207-2119903B863E}" type="datetime1">
               <a:rPr lang="de-CH" smtClean="0"/>
               <a:t>24.04.2013</a:t>
             </a:fld>
@@ -2033,7 +2200,7 @@
           <a:bodyPr/>
           <a:lstStyle/>
           <a:p>
-            <a:fld id="{E2E02991-DBBC-4602-9E31-797A185017A7}" type="datetimeFigureOut">
+            <a:fld id="{BD636A4B-8FF2-43A3-B5BD-A9C3C87E2820}" type="datetime1">
               <a:rPr lang="de-CH" smtClean="0"/>
               <a:t>24.04.2013</a:t>
             </a:fld>
@@ -2455,7 +2622,7 @@
           <a:bodyPr/>
           <a:lstStyle/>
           <a:p>
-            <a:fld id="{E2E02991-DBBC-4602-9E31-797A185017A7}" type="datetimeFigureOut">
+            <a:fld id="{D77D123E-E927-4D73-B43F-B83145EC633F}" type="datetime1">
               <a:rPr lang="de-CH" smtClean="0"/>
               <a:t>24.04.2013</a:t>
             </a:fld>
@@ -2573,7 +2740,7 @@
           <a:bodyPr/>
           <a:lstStyle/>
           <a:p>
-            <a:fld id="{E2E02991-DBBC-4602-9E31-797A185017A7}" type="datetimeFigureOut">
+            <a:fld id="{F96081AB-9B45-4EA4-85E7-C7D9AE8BCC30}" type="datetime1">
               <a:rPr lang="de-CH" smtClean="0"/>
               <a:t>24.04.2013</a:t>
             </a:fld>
@@ -2668,7 +2835,7 @@
           <a:bodyPr/>
           <a:lstStyle/>
           <a:p>
-            <a:fld id="{E2E02991-DBBC-4602-9E31-797A185017A7}" type="datetimeFigureOut">
+            <a:fld id="{1B775301-90B7-4097-BBF9-5E4AF869C7A1}" type="datetime1">
               <a:rPr lang="de-CH" smtClean="0"/>
               <a:t>24.04.2013</a:t>
             </a:fld>
@@ -2945,7 +3112,7 @@
           <a:bodyPr/>
           <a:lstStyle/>
           <a:p>
-            <a:fld id="{E2E02991-DBBC-4602-9E31-797A185017A7}" type="datetimeFigureOut">
+            <a:fld id="{D7A7FEA8-F11E-4DD5-93BD-B1E529D9AFFF}" type="datetime1">
               <a:rPr lang="de-CH" smtClean="0"/>
               <a:t>24.04.2013</a:t>
             </a:fld>
@@ -3198,7 +3365,7 @@
           <a:bodyPr/>
           <a:lstStyle/>
           <a:p>
-            <a:fld id="{E2E02991-DBBC-4602-9E31-797A185017A7}" type="datetimeFigureOut">
+            <a:fld id="{C2B89150-C15F-4D6A-BF1B-40AA2F4AABBB}" type="datetime1">
               <a:rPr lang="de-CH" smtClean="0"/>
               <a:t>24.04.2013</a:t>
             </a:fld>
@@ -3411,7 +3578,7 @@
             </a:lvl1pPr>
           </a:lstStyle>
           <a:p>
-            <a:fld id="{E2E02991-DBBC-4602-9E31-797A185017A7}" type="datetimeFigureOut">
+            <a:fld id="{E65CC87D-290B-4A82-A5FC-87C0639762FA}" type="datetime1">
               <a:rPr lang="de-CH" smtClean="0"/>
               <a:t>24.04.2013</a:t>
             </a:fld>
@@ -3525,6 +3692,7 @@
       </p:par>
     </p:tnLst>
   </p:timing>
+  <p:hf hdr="0" ftr="0" dt="0"/>
   <p:txStyles>
     <p:titleStyle>
       <a:lvl1pPr algn="ctr" defTabSz="914400" rtl="0" eaLnBrk="1" latinLnBrk="0" hangingPunct="1">
@@ -3808,18 +3976,34 @@
         <p:spPr>
           <a:xfrm>
             <a:off x="1371600" y="4725144"/>
-            <a:ext cx="6400800" cy="913655"/>
+            <a:ext cx="6400800" cy="1512168"/>
           </a:xfrm>
         </p:spPr>
         <p:txBody>
-          <a:bodyPr/>
+          <a:bodyPr>
+            <a:normAutofit/>
+          </a:bodyPr>
           <a:lstStyle/>
           <a:p>
             <a:r>
               <a:rPr lang="en-US" dirty="0" smtClean="0"/>
-              <a:t>Debugging made simple.</a:t>
-            </a:r>
-            <a:endParaRPr lang="en-US" dirty="0"/>
+              <a:t>Cedric </a:t>
+            </a:r>
+            <a:r>
+              <a:rPr lang="en-US" dirty="0" err="1" smtClean="0"/>
+              <a:t>Reichenbach</a:t>
+            </a:r>
+            <a:r>
+              <a:rPr lang="en-US" dirty="0"/>
+              <a:t/>
+            </a:r>
+            <a:br>
+              <a:rPr lang="en-US" dirty="0"/>
+            </a:br>
+            <a:r>
+              <a:rPr lang="en-US" dirty="0" smtClean="0"/>
+              <a:t>Niko Schwarz</a:t>
+            </a:r>
           </a:p>
         </p:txBody>
       </p:sp>
@@ -3846,6 +4030,47 @@
           <a:xfrm>
             <a:off x="1668983" y="1049722"/>
             <a:ext cx="5814468" cy="3171366"/>
+          </a:xfrm>
+          <a:prstGeom prst="rect">
+            <a:avLst/>
+          </a:prstGeom>
+          <a:noFill/>
+          <a:extLst>
+            <a:ext uri="{909E8E84-426E-40DD-AFC4-6F175D3DCCD1}">
+              <a14:hiddenFill xmlns:a14="http://schemas.microsoft.com/office/drawing/2010/main">
+                <a:solidFill>
+                  <a:srgbClr val="FFFFFF"/>
+                </a:solidFill>
+              </a14:hiddenFill>
+            </a:ext>
+          </a:extLst>
+        </p:spPr>
+      </p:pic>
+      <p:pic>
+        <p:nvPicPr>
+          <p:cNvPr id="1026" name="Picture 2" descr="C:\Users\Cedric Reichenbach\Downloads\unibern_logo.gif"/>
+          <p:cNvPicPr>
+            <a:picLocks noChangeAspect="1" noChangeArrowheads="1"/>
+          </p:cNvPicPr>
+          <p:nvPr/>
+        </p:nvPicPr>
+        <p:blipFill>
+          <a:blip r:embed="rId3">
+            <a:extLst>
+              <a:ext uri="{28A0092B-C50C-407E-A947-70E740481C1C}">
+                <a14:useLocalDpi xmlns:a14="http://schemas.microsoft.com/office/drawing/2010/main" val="0"/>
+              </a:ext>
+            </a:extLst>
+          </a:blip>
+          <a:srcRect/>
+          <a:stretch>
+            <a:fillRect/>
+          </a:stretch>
+        </p:blipFill>
+        <p:spPr bwMode="auto">
+          <a:xfrm>
+            <a:off x="7452320" y="5445224"/>
+            <a:ext cx="1581150" cy="1181100"/>
           </a:xfrm>
           <a:prstGeom prst="rect">
             <a:avLst/>
@@ -3916,57 +4141,188 @@
           <a:p>
             <a:r>
               <a:rPr lang="en-US" dirty="0" smtClean="0"/>
-              <a:t>Changes Over Time</a:t>
+              <a:t>Customization</a:t>
             </a:r>
             <a:endParaRPr lang="en-US" dirty="0"/>
           </a:p>
         </p:txBody>
       </p:sp>
-      <p:pic>
-        <p:nvPicPr>
-          <p:cNvPr id="3074" name="Picture 2" descr="C:\Users\Cedric Reichenbach\Git\Uni\papers-doodledebug\img\game_last-state.png"/>
-          <p:cNvPicPr>
-            <a:picLocks noChangeAspect="1" noChangeArrowheads="1"/>
-          </p:cNvPicPr>
-          <p:nvPr/>
-        </p:nvPicPr>
-        <p:blipFill>
-          <a:blip r:embed="rId2">
-            <a:extLst>
-              <a:ext uri="{28A0092B-C50C-407E-A947-70E740481C1C}">
-                <a14:useLocalDpi xmlns:a14="http://schemas.microsoft.com/office/drawing/2010/main" val="0"/>
-              </a:ext>
-            </a:extLst>
-          </a:blip>
-          <a:srcRect/>
-          <a:stretch>
-            <a:fillRect/>
-          </a:stretch>
-        </p:blipFill>
-        <p:spPr bwMode="auto">
-          <a:xfrm>
-            <a:off x="539512" y="2686737"/>
-            <a:ext cx="8208952" cy="2819596"/>
-          </a:xfrm>
-          <a:prstGeom prst="rect">
-            <a:avLst/>
-          </a:prstGeom>
-          <a:noFill/>
-          <a:extLst>
-            <a:ext uri="{909E8E84-426E-40DD-AFC4-6F175D3DCCD1}">
-              <a14:hiddenFill xmlns:a14="http://schemas.microsoft.com/office/drawing/2010/main">
+      <p:sp>
+        <p:nvSpPr>
+          <p:cNvPr id="3" name="Inhaltsplatzhalter 2"/>
+          <p:cNvSpPr>
+            <a:spLocks noGrp="1"/>
+          </p:cNvSpPr>
+          <p:nvPr>
+            <p:ph idx="1"/>
+          </p:nvPr>
+        </p:nvSpPr>
+        <p:spPr/>
+        <p:txBody>
+          <a:bodyPr/>
+          <a:lstStyle/>
+          <a:p>
+            <a:pPr marL="0" indent="0">
+              <a:buNone/>
+            </a:pPr>
+            <a:r>
+              <a:rPr lang="en-US" dirty="0" smtClean="0"/>
+              <a:t>Implement the </a:t>
+            </a:r>
+            <a:r>
+              <a:rPr lang="en-US" b="1" dirty="0" err="1" smtClean="0">
                 <a:solidFill>
-                  <a:srgbClr val="FFFFFF"/>
+                  <a:srgbClr val="0070C0"/>
                 </a:solidFill>
-              </a14:hiddenFill>
-            </a:ext>
-          </a:extLst>
-        </p:spPr>
-      </p:pic>
+                <a:latin typeface="saxMono" pitchFamily="49" charset="0"/>
+              </a:rPr>
+              <a:t>Doodleable</a:t>
+            </a:r>
+            <a:r>
+              <a:rPr lang="en-US" dirty="0" smtClean="0">
+                <a:solidFill>
+                  <a:srgbClr val="0070C0"/>
+                </a:solidFill>
+              </a:rPr>
+              <a:t> </a:t>
+            </a:r>
+            <a:r>
+              <a:rPr lang="en-US" dirty="0" smtClean="0"/>
+              <a:t>interface</a:t>
+            </a:r>
+          </a:p>
+          <a:p>
+            <a:pPr lvl="1"/>
+            <a:r>
+              <a:rPr lang="en-US" b="1" dirty="0" err="1" smtClean="0">
+                <a:solidFill>
+                  <a:srgbClr val="0070C0"/>
+                </a:solidFill>
+                <a:latin typeface="saxMono" pitchFamily="49" charset="0"/>
+              </a:rPr>
+              <a:t>doodleOn</a:t>
+            </a:r>
+            <a:r>
+              <a:rPr lang="en-US" b="1" dirty="0" smtClean="0">
+                <a:solidFill>
+                  <a:srgbClr val="0070C0"/>
+                </a:solidFill>
+                <a:latin typeface="saxMono" pitchFamily="49" charset="0"/>
+              </a:rPr>
+              <a:t>(</a:t>
+            </a:r>
+            <a:r>
+              <a:rPr lang="en-US" b="1" dirty="0" err="1" smtClean="0">
+                <a:solidFill>
+                  <a:srgbClr val="00B0F0"/>
+                </a:solidFill>
+                <a:latin typeface="saxMono" pitchFamily="49" charset="0"/>
+              </a:rPr>
+              <a:t>DoodleCanvas</a:t>
+            </a:r>
+            <a:r>
+              <a:rPr lang="en-US" b="1" dirty="0" smtClean="0">
+                <a:solidFill>
+                  <a:srgbClr val="0070C0"/>
+                </a:solidFill>
+                <a:latin typeface="saxMono" pitchFamily="49" charset="0"/>
+              </a:rPr>
+              <a:t>)</a:t>
+            </a:r>
+            <a:br>
+              <a:rPr lang="en-US" b="1" dirty="0" smtClean="0">
+                <a:solidFill>
+                  <a:srgbClr val="0070C0"/>
+                </a:solidFill>
+                <a:latin typeface="saxMono" pitchFamily="49" charset="0"/>
+              </a:rPr>
+            </a:br>
+            <a:r>
+              <a:rPr lang="en-US" dirty="0" smtClean="0"/>
+              <a:t>Regular representation</a:t>
+            </a:r>
+          </a:p>
+          <a:p>
+            <a:pPr lvl="1"/>
+            <a:r>
+              <a:rPr lang="en-US" b="1" dirty="0" err="1" smtClean="0">
+                <a:solidFill>
+                  <a:srgbClr val="0070C0"/>
+                </a:solidFill>
+                <a:latin typeface="saxMono" pitchFamily="49" charset="0"/>
+              </a:rPr>
+              <a:t>summarizeOn</a:t>
+            </a:r>
+            <a:r>
+              <a:rPr lang="en-US" b="1" dirty="0" smtClean="0">
+                <a:solidFill>
+                  <a:srgbClr val="0070C0"/>
+                </a:solidFill>
+                <a:latin typeface="saxMono" pitchFamily="49" charset="0"/>
+              </a:rPr>
+              <a:t>(</a:t>
+            </a:r>
+            <a:r>
+              <a:rPr lang="en-US" b="1" dirty="0" err="1" smtClean="0">
+                <a:solidFill>
+                  <a:srgbClr val="00B0F0"/>
+                </a:solidFill>
+                <a:latin typeface="saxMono" pitchFamily="49" charset="0"/>
+              </a:rPr>
+              <a:t>DoodleCanvas</a:t>
+            </a:r>
+            <a:r>
+              <a:rPr lang="en-US" b="1" dirty="0" smtClean="0">
+                <a:solidFill>
+                  <a:srgbClr val="0070C0"/>
+                </a:solidFill>
+                <a:latin typeface="saxMono" pitchFamily="49" charset="0"/>
+              </a:rPr>
+              <a:t>)</a:t>
+            </a:r>
+            <a:br>
+              <a:rPr lang="en-US" b="1" dirty="0" smtClean="0">
+                <a:solidFill>
+                  <a:srgbClr val="0070C0"/>
+                </a:solidFill>
+                <a:latin typeface="saxMono" pitchFamily="49" charset="0"/>
+              </a:rPr>
+            </a:br>
+            <a:r>
+              <a:rPr lang="en-US" dirty="0" smtClean="0"/>
+              <a:t>Simplified representation for nested objects</a:t>
+            </a:r>
+            <a:endParaRPr lang="en-US" dirty="0"/>
+          </a:p>
+        </p:txBody>
+      </p:sp>
+      <p:sp>
+        <p:nvSpPr>
+          <p:cNvPr id="4" name="Foliennummernplatzhalter 3"/>
+          <p:cNvSpPr>
+            <a:spLocks noGrp="1"/>
+          </p:cNvSpPr>
+          <p:nvPr>
+            <p:ph type="sldNum" sz="quarter" idx="12"/>
+          </p:nvPr>
+        </p:nvSpPr>
+        <p:spPr/>
+        <p:txBody>
+          <a:bodyPr/>
+          <a:lstStyle/>
+          <a:p>
+            <a:fld id="{CB39F0D9-F884-4558-986F-7F4B8D6BBDEC}" type="slidenum">
+              <a:rPr lang="de-CH" smtClean="0"/>
+              <a:t>10</a:t>
+            </a:fld>
+            <a:endParaRPr lang="de-CH" dirty="0"/>
+          </a:p>
+        </p:txBody>
+      </p:sp>
     </p:spTree>
     <p:extLst>
       <p:ext uri="{BB962C8B-B14F-4D97-AF65-F5344CB8AC3E}">
-        <p14:creationId xmlns:p14="http://schemas.microsoft.com/office/powerpoint/2010/main" val="1178510700"/>
+        <p14:creationId xmlns:p14="http://schemas.microsoft.com/office/powerpoint/2010/main" val="2441936733"/>
       </p:ext>
     </p:extLst>
   </p:cSld>
@@ -3976,9 +4332,380 @@
   <p:timing>
     <p:tnLst>
       <p:par>
-        <p:cTn id="1" dur="indefinite" restart="never" nodeType="tmRoot"/>
+        <p:cTn id="1" dur="indefinite" restart="never" nodeType="tmRoot">
+          <p:childTnLst>
+            <p:seq concurrent="1" nextAc="seek">
+              <p:cTn id="2" dur="indefinite" nodeType="mainSeq">
+                <p:childTnLst>
+                  <p:par>
+                    <p:cTn id="3" fill="hold">
+                      <p:stCondLst>
+                        <p:cond delay="indefinite"/>
+                      </p:stCondLst>
+                      <p:childTnLst>
+                        <p:par>
+                          <p:cTn id="4" fill="hold">
+                            <p:stCondLst>
+                              <p:cond delay="0"/>
+                            </p:stCondLst>
+                            <p:childTnLst>
+                              <p:par>
+                                <p:cTn id="5" presetID="42" presetClass="entr" presetSubtype="0" fill="hold" grpId="0" nodeType="clickEffect">
+                                  <p:stCondLst>
+                                    <p:cond delay="0"/>
+                                  </p:stCondLst>
+                                  <p:childTnLst>
+                                    <p:set>
+                                      <p:cBhvr>
+                                        <p:cTn id="6" dur="1" fill="hold">
+                                          <p:stCondLst>
+                                            <p:cond delay="0"/>
+                                          </p:stCondLst>
+                                        </p:cTn>
+                                        <p:tgtEl>
+                                          <p:spTgt spid="3">
+                                            <p:txEl>
+                                              <p:pRg st="0" end="0"/>
+                                            </p:txEl>
+                                          </p:spTgt>
+                                        </p:tgtEl>
+                                        <p:attrNameLst>
+                                          <p:attrName>style.visibility</p:attrName>
+                                        </p:attrNameLst>
+                                      </p:cBhvr>
+                                      <p:to>
+                                        <p:strVal val="visible"/>
+                                      </p:to>
+                                    </p:set>
+                                    <p:animEffect transition="in" filter="fade">
+                                      <p:cBhvr>
+                                        <p:cTn id="7" dur="1000"/>
+                                        <p:tgtEl>
+                                          <p:spTgt spid="3">
+                                            <p:txEl>
+                                              <p:pRg st="0" end="0"/>
+                                            </p:txEl>
+                                          </p:spTgt>
+                                        </p:tgtEl>
+                                      </p:cBhvr>
+                                    </p:animEffect>
+                                    <p:anim calcmode="lin" valueType="num">
+                                      <p:cBhvr>
+                                        <p:cTn id="8" dur="1000" fill="hold"/>
+                                        <p:tgtEl>
+                                          <p:spTgt spid="3">
+                                            <p:txEl>
+                                              <p:pRg st="0" end="0"/>
+                                            </p:txEl>
+                                          </p:spTgt>
+                                        </p:tgtEl>
+                                        <p:attrNameLst>
+                                          <p:attrName>ppt_x</p:attrName>
+                                        </p:attrNameLst>
+                                      </p:cBhvr>
+                                      <p:tavLst>
+                                        <p:tav tm="0">
+                                          <p:val>
+                                            <p:strVal val="#ppt_x"/>
+                                          </p:val>
+                                        </p:tav>
+                                        <p:tav tm="100000">
+                                          <p:val>
+                                            <p:strVal val="#ppt_x"/>
+                                          </p:val>
+                                        </p:tav>
+                                      </p:tavLst>
+                                    </p:anim>
+                                    <p:anim calcmode="lin" valueType="num">
+                                      <p:cBhvr>
+                                        <p:cTn id="9" dur="1000" fill="hold"/>
+                                        <p:tgtEl>
+                                          <p:spTgt spid="3">
+                                            <p:txEl>
+                                              <p:pRg st="0" end="0"/>
+                                            </p:txEl>
+                                          </p:spTgt>
+                                        </p:tgtEl>
+                                        <p:attrNameLst>
+                                          <p:attrName>ppt_y</p:attrName>
+                                        </p:attrNameLst>
+                                      </p:cBhvr>
+                                      <p:tavLst>
+                                        <p:tav tm="0">
+                                          <p:val>
+                                            <p:strVal val="#ppt_y+.1"/>
+                                          </p:val>
+                                        </p:tav>
+                                        <p:tav tm="100000">
+                                          <p:val>
+                                            <p:strVal val="#ppt_y"/>
+                                          </p:val>
+                                        </p:tav>
+                                      </p:tavLst>
+                                    </p:anim>
+                                  </p:childTnLst>
+                                </p:cTn>
+                              </p:par>
+                            </p:childTnLst>
+                          </p:cTn>
+                        </p:par>
+                      </p:childTnLst>
+                    </p:cTn>
+                  </p:par>
+                  <p:par>
+                    <p:cTn id="10" fill="hold">
+                      <p:stCondLst>
+                        <p:cond delay="indefinite"/>
+                      </p:stCondLst>
+                      <p:childTnLst>
+                        <p:par>
+                          <p:cTn id="11" fill="hold">
+                            <p:stCondLst>
+                              <p:cond delay="0"/>
+                            </p:stCondLst>
+                            <p:childTnLst>
+                              <p:par>
+                                <p:cTn id="12" presetID="42" presetClass="entr" presetSubtype="0" fill="hold" grpId="0" nodeType="clickEffect">
+                                  <p:stCondLst>
+                                    <p:cond delay="0"/>
+                                  </p:stCondLst>
+                                  <p:childTnLst>
+                                    <p:set>
+                                      <p:cBhvr>
+                                        <p:cTn id="13" dur="1" fill="hold">
+                                          <p:stCondLst>
+                                            <p:cond delay="0"/>
+                                          </p:stCondLst>
+                                        </p:cTn>
+                                        <p:tgtEl>
+                                          <p:spTgt spid="3">
+                                            <p:txEl>
+                                              <p:pRg st="1" end="1"/>
+                                            </p:txEl>
+                                          </p:spTgt>
+                                        </p:tgtEl>
+                                        <p:attrNameLst>
+                                          <p:attrName>style.visibility</p:attrName>
+                                        </p:attrNameLst>
+                                      </p:cBhvr>
+                                      <p:to>
+                                        <p:strVal val="visible"/>
+                                      </p:to>
+                                    </p:set>
+                                    <p:animEffect transition="in" filter="fade">
+                                      <p:cBhvr>
+                                        <p:cTn id="14" dur="1000"/>
+                                        <p:tgtEl>
+                                          <p:spTgt spid="3">
+                                            <p:txEl>
+                                              <p:pRg st="1" end="1"/>
+                                            </p:txEl>
+                                          </p:spTgt>
+                                        </p:tgtEl>
+                                      </p:cBhvr>
+                                    </p:animEffect>
+                                    <p:anim calcmode="lin" valueType="num">
+                                      <p:cBhvr>
+                                        <p:cTn id="15" dur="1000" fill="hold"/>
+                                        <p:tgtEl>
+                                          <p:spTgt spid="3">
+                                            <p:txEl>
+                                              <p:pRg st="1" end="1"/>
+                                            </p:txEl>
+                                          </p:spTgt>
+                                        </p:tgtEl>
+                                        <p:attrNameLst>
+                                          <p:attrName>ppt_x</p:attrName>
+                                        </p:attrNameLst>
+                                      </p:cBhvr>
+                                      <p:tavLst>
+                                        <p:tav tm="0">
+                                          <p:val>
+                                            <p:strVal val="#ppt_x"/>
+                                          </p:val>
+                                        </p:tav>
+                                        <p:tav tm="100000">
+                                          <p:val>
+                                            <p:strVal val="#ppt_x"/>
+                                          </p:val>
+                                        </p:tav>
+                                      </p:tavLst>
+                                    </p:anim>
+                                    <p:anim calcmode="lin" valueType="num">
+                                      <p:cBhvr>
+                                        <p:cTn id="16" dur="1000" fill="hold"/>
+                                        <p:tgtEl>
+                                          <p:spTgt spid="3">
+                                            <p:txEl>
+                                              <p:pRg st="1" end="1"/>
+                                            </p:txEl>
+                                          </p:spTgt>
+                                        </p:tgtEl>
+                                        <p:attrNameLst>
+                                          <p:attrName>ppt_y</p:attrName>
+                                        </p:attrNameLst>
+                                      </p:cBhvr>
+                                      <p:tavLst>
+                                        <p:tav tm="0">
+                                          <p:val>
+                                            <p:strVal val="#ppt_y+.1"/>
+                                          </p:val>
+                                        </p:tav>
+                                        <p:tav tm="100000">
+                                          <p:val>
+                                            <p:strVal val="#ppt_y"/>
+                                          </p:val>
+                                        </p:tav>
+                                      </p:tavLst>
+                                    </p:anim>
+                                  </p:childTnLst>
+                                </p:cTn>
+                              </p:par>
+                            </p:childTnLst>
+                          </p:cTn>
+                        </p:par>
+                      </p:childTnLst>
+                    </p:cTn>
+                  </p:par>
+                  <p:par>
+                    <p:cTn id="17" fill="hold">
+                      <p:stCondLst>
+                        <p:cond delay="indefinite"/>
+                      </p:stCondLst>
+                      <p:childTnLst>
+                        <p:par>
+                          <p:cTn id="18" fill="hold">
+                            <p:stCondLst>
+                              <p:cond delay="0"/>
+                            </p:stCondLst>
+                            <p:childTnLst>
+                              <p:par>
+                                <p:cTn id="19" presetID="42" presetClass="entr" presetSubtype="0" fill="hold" grpId="0" nodeType="clickEffect">
+                                  <p:stCondLst>
+                                    <p:cond delay="0"/>
+                                  </p:stCondLst>
+                                  <p:childTnLst>
+                                    <p:set>
+                                      <p:cBhvr>
+                                        <p:cTn id="20" dur="1" fill="hold">
+                                          <p:stCondLst>
+                                            <p:cond delay="0"/>
+                                          </p:stCondLst>
+                                        </p:cTn>
+                                        <p:tgtEl>
+                                          <p:spTgt spid="3">
+                                            <p:txEl>
+                                              <p:pRg st="2" end="2"/>
+                                            </p:txEl>
+                                          </p:spTgt>
+                                        </p:tgtEl>
+                                        <p:attrNameLst>
+                                          <p:attrName>style.visibility</p:attrName>
+                                        </p:attrNameLst>
+                                      </p:cBhvr>
+                                      <p:to>
+                                        <p:strVal val="visible"/>
+                                      </p:to>
+                                    </p:set>
+                                    <p:animEffect transition="in" filter="fade">
+                                      <p:cBhvr>
+                                        <p:cTn id="21" dur="1000"/>
+                                        <p:tgtEl>
+                                          <p:spTgt spid="3">
+                                            <p:txEl>
+                                              <p:pRg st="2" end="2"/>
+                                            </p:txEl>
+                                          </p:spTgt>
+                                        </p:tgtEl>
+                                      </p:cBhvr>
+                                    </p:animEffect>
+                                    <p:anim calcmode="lin" valueType="num">
+                                      <p:cBhvr>
+                                        <p:cTn id="22" dur="1000" fill="hold"/>
+                                        <p:tgtEl>
+                                          <p:spTgt spid="3">
+                                            <p:txEl>
+                                              <p:pRg st="2" end="2"/>
+                                            </p:txEl>
+                                          </p:spTgt>
+                                        </p:tgtEl>
+                                        <p:attrNameLst>
+                                          <p:attrName>ppt_x</p:attrName>
+                                        </p:attrNameLst>
+                                      </p:cBhvr>
+                                      <p:tavLst>
+                                        <p:tav tm="0">
+                                          <p:val>
+                                            <p:strVal val="#ppt_x"/>
+                                          </p:val>
+                                        </p:tav>
+                                        <p:tav tm="100000">
+                                          <p:val>
+                                            <p:strVal val="#ppt_x"/>
+                                          </p:val>
+                                        </p:tav>
+                                      </p:tavLst>
+                                    </p:anim>
+                                    <p:anim calcmode="lin" valueType="num">
+                                      <p:cBhvr>
+                                        <p:cTn id="23" dur="1000" fill="hold"/>
+                                        <p:tgtEl>
+                                          <p:spTgt spid="3">
+                                            <p:txEl>
+                                              <p:pRg st="2" end="2"/>
+                                            </p:txEl>
+                                          </p:spTgt>
+                                        </p:tgtEl>
+                                        <p:attrNameLst>
+                                          <p:attrName>ppt_y</p:attrName>
+                                        </p:attrNameLst>
+                                      </p:cBhvr>
+                                      <p:tavLst>
+                                        <p:tav tm="0">
+                                          <p:val>
+                                            <p:strVal val="#ppt_y+.1"/>
+                                          </p:val>
+                                        </p:tav>
+                                        <p:tav tm="100000">
+                                          <p:val>
+                                            <p:strVal val="#ppt_y"/>
+                                          </p:val>
+                                        </p:tav>
+                                      </p:tavLst>
+                                    </p:anim>
+                                  </p:childTnLst>
+                                </p:cTn>
+                              </p:par>
+                            </p:childTnLst>
+                          </p:cTn>
+                        </p:par>
+                      </p:childTnLst>
+                    </p:cTn>
+                  </p:par>
+                </p:childTnLst>
+              </p:cTn>
+              <p:prevCondLst>
+                <p:cond evt="onPrev" delay="0">
+                  <p:tgtEl>
+                    <p:sldTgt/>
+                  </p:tgtEl>
+                </p:cond>
+              </p:prevCondLst>
+              <p:nextCondLst>
+                <p:cond evt="onNext" delay="0">
+                  <p:tgtEl>
+                    <p:sldTgt/>
+                  </p:tgtEl>
+                </p:cond>
+              </p:nextCondLst>
+            </p:seq>
+          </p:childTnLst>
+        </p:cTn>
       </p:par>
     </p:tnLst>
+    <p:bldLst>
+      <p:bldP spid="3" grpId="0" uiExpand="1" build="p"/>
+    </p:bldLst>
   </p:timing>
 </p:sld>
 </file>
@@ -4016,8 +4743,8 @@
           <a:lstStyle/>
           <a:p>
             <a:r>
-              <a:rPr lang="en-US" dirty="0" smtClean="0"/>
-              <a:t>Inspecting Doodles</a:t>
+              <a:rPr lang="en-US" dirty="0" err="1" smtClean="0"/>
+              <a:t>DoodleCanvas</a:t>
             </a:r>
             <a:endParaRPr lang="en-US" dirty="0"/>
           </a:p>
@@ -4025,34 +4752,38 @@
       </p:sp>
       <p:pic>
         <p:nvPicPr>
-          <p:cNvPr id="4098" name="Picture 2" descr="C:\Users\Cedric Reichenbach\Git\Uni\papers-doodledebug\img\AddressBook_whole.png"/>
+          <p:cNvPr id="1026" name="Picture 2" descr="C:\Users\Cedric Reichenbach\Git\Uni\papers-doodledebug\img\doodleable-example.png"/>
           <p:cNvPicPr>
             <a:picLocks noChangeAspect="1" noChangeArrowheads="1"/>
           </p:cNvPicPr>
           <p:nvPr/>
         </p:nvPicPr>
-        <p:blipFill>
-          <a:blip r:embed="rId2">
+        <p:blipFill rotWithShape="1">
+          <a:blip r:embed="rId3">
             <a:extLst>
               <a:ext uri="{28A0092B-C50C-407E-A947-70E740481C1C}">
                 <a14:useLocalDpi xmlns:a14="http://schemas.microsoft.com/office/drawing/2010/main" val="0"/>
               </a:ext>
             </a:extLst>
           </a:blip>
-          <a:srcRect/>
-          <a:stretch>
-            <a:fillRect/>
-          </a:stretch>
+          <a:srcRect r="53796" b="3642"/>
+          <a:stretch/>
         </p:blipFill>
         <p:spPr bwMode="auto">
           <a:xfrm>
-            <a:off x="3131840" y="2060848"/>
-            <a:ext cx="3168352" cy="4055491"/>
+            <a:off x="220422" y="1772816"/>
+            <a:ext cx="5554577" cy="3026589"/>
           </a:xfrm>
           <a:prstGeom prst="rect">
             <a:avLst/>
           </a:prstGeom>
           <a:noFill/>
+          <a:ln w="12700">
+            <a:noFill/>
+          </a:ln>
+          <a:effectLst>
+            <a:softEdge rad="63500"/>
+          </a:effectLst>
           <a:extLst>
             <a:ext uri="{909E8E84-426E-40DD-AFC4-6F175D3DCCD1}">
               <a14:hiddenFill xmlns:a14="http://schemas.microsoft.com/office/drawing/2010/main">
@@ -4064,10 +4795,745 @@
           </a:extLst>
         </p:spPr>
       </p:pic>
+      <p:pic>
+        <p:nvPicPr>
+          <p:cNvPr id="5" name="Picture 2" descr="C:\Users\Cedric Reichenbach\Git\Uni\papers-doodledebug\img\doodleable-example.png"/>
+          <p:cNvPicPr>
+            <a:picLocks noChangeAspect="1" noChangeArrowheads="1"/>
+          </p:cNvPicPr>
+          <p:nvPr/>
+        </p:nvPicPr>
+        <p:blipFill rotWithShape="1">
+          <a:blip r:embed="rId3">
+            <a:extLst>
+              <a:ext uri="{28A0092B-C50C-407E-A947-70E740481C1C}">
+                <a14:useLocalDpi xmlns:a14="http://schemas.microsoft.com/office/drawing/2010/main" val="0"/>
+              </a:ext>
+            </a:extLst>
+          </a:blip>
+          <a:srcRect l="54857"/>
+          <a:stretch/>
+        </p:blipFill>
+        <p:spPr bwMode="auto">
+          <a:xfrm>
+            <a:off x="3491880" y="3501008"/>
+            <a:ext cx="5427003" cy="3140968"/>
+          </a:xfrm>
+          <a:prstGeom prst="rect">
+            <a:avLst/>
+          </a:prstGeom>
+          <a:noFill/>
+          <a:ln w="12700">
+            <a:solidFill>
+              <a:srgbClr val="00B0F0"/>
+            </a:solidFill>
+          </a:ln>
+          <a:extLst>
+            <a:ext uri="{909E8E84-426E-40DD-AFC4-6F175D3DCCD1}">
+              <a14:hiddenFill xmlns:a14="http://schemas.microsoft.com/office/drawing/2010/main">
+                <a:solidFill>
+                  <a:srgbClr val="FFFFFF"/>
+                </a:solidFill>
+              </a14:hiddenFill>
+            </a:ext>
+          </a:extLst>
+        </p:spPr>
+      </p:pic>
+      <p:sp>
+        <p:nvSpPr>
+          <p:cNvPr id="3" name="Foliennummernplatzhalter 2"/>
+          <p:cNvSpPr>
+            <a:spLocks noGrp="1"/>
+          </p:cNvSpPr>
+          <p:nvPr>
+            <p:ph type="sldNum" sz="quarter" idx="12"/>
+          </p:nvPr>
+        </p:nvSpPr>
+        <p:spPr/>
+        <p:txBody>
+          <a:bodyPr/>
+          <a:lstStyle/>
+          <a:p>
+            <a:fld id="{CB39F0D9-F884-4558-986F-7F4B8D6BBDEC}" type="slidenum">
+              <a:rPr lang="de-CH" smtClean="0"/>
+              <a:t>11</a:t>
+            </a:fld>
+            <a:endParaRPr lang="de-CH" dirty="0"/>
+          </a:p>
+        </p:txBody>
+      </p:sp>
+      <p:sp>
+        <p:nvSpPr>
+          <p:cNvPr id="4" name="Rechteck 3"/>
+          <p:cNvSpPr/>
+          <p:nvPr/>
+        </p:nvSpPr>
+        <p:spPr>
+          <a:xfrm>
+            <a:off x="4082811" y="5805264"/>
+            <a:ext cx="2793445" cy="292550"/>
+          </a:xfrm>
+          <a:prstGeom prst="rect">
+            <a:avLst/>
+          </a:prstGeom>
+          <a:solidFill>
+            <a:srgbClr val="F6F6F6"/>
+          </a:solidFill>
+          <a:ln>
+            <a:noFill/>
+          </a:ln>
+        </p:spPr>
+        <p:style>
+          <a:lnRef idx="2">
+            <a:schemeClr val="accent1">
+              <a:shade val="50000"/>
+            </a:schemeClr>
+          </a:lnRef>
+          <a:fillRef idx="1">
+            <a:schemeClr val="accent1"/>
+          </a:fillRef>
+          <a:effectRef idx="0">
+            <a:schemeClr val="accent1"/>
+          </a:effectRef>
+          <a:fontRef idx="minor">
+            <a:schemeClr val="lt1"/>
+          </a:fontRef>
+        </p:style>
+        <p:txBody>
+          <a:bodyPr rtlCol="0" anchor="ctr"/>
+          <a:lstStyle/>
+          <a:p>
+            <a:pPr algn="ctr"/>
+            <a:endParaRPr lang="en-US"/>
+          </a:p>
+        </p:txBody>
+      </p:sp>
+      <p:sp>
+        <p:nvSpPr>
+          <p:cNvPr id="6" name="Rechteck 5"/>
+          <p:cNvSpPr/>
+          <p:nvPr/>
+        </p:nvSpPr>
+        <p:spPr>
+          <a:xfrm>
+            <a:off x="611560" y="2348880"/>
+            <a:ext cx="1116124" cy="648072"/>
+          </a:xfrm>
+          <a:prstGeom prst="rect">
+            <a:avLst/>
+          </a:prstGeom>
+          <a:solidFill>
+            <a:srgbClr val="FAFAFA"/>
+          </a:solidFill>
+          <a:ln>
+            <a:noFill/>
+          </a:ln>
+        </p:spPr>
+        <p:style>
+          <a:lnRef idx="2">
+            <a:schemeClr val="accent1">
+              <a:shade val="50000"/>
+            </a:schemeClr>
+          </a:lnRef>
+          <a:fillRef idx="1">
+            <a:schemeClr val="accent1"/>
+          </a:fillRef>
+          <a:effectRef idx="0">
+            <a:schemeClr val="accent1"/>
+          </a:effectRef>
+          <a:fontRef idx="minor">
+            <a:schemeClr val="lt1"/>
+          </a:fontRef>
+        </p:style>
+        <p:txBody>
+          <a:bodyPr rtlCol="0" anchor="ctr"/>
+          <a:lstStyle/>
+          <a:p>
+            <a:pPr algn="ctr"/>
+            <a:endParaRPr lang="en-US"/>
+          </a:p>
+        </p:txBody>
+      </p:sp>
+      <p:sp>
+        <p:nvSpPr>
+          <p:cNvPr id="8" name="Rechteck 7"/>
+          <p:cNvSpPr/>
+          <p:nvPr/>
+        </p:nvSpPr>
+        <p:spPr>
+          <a:xfrm>
+            <a:off x="3131840" y="2348880"/>
+            <a:ext cx="2088232" cy="648072"/>
+          </a:xfrm>
+          <a:prstGeom prst="rect">
+            <a:avLst/>
+          </a:prstGeom>
+          <a:solidFill>
+            <a:srgbClr val="FAFAFA"/>
+          </a:solidFill>
+          <a:ln>
+            <a:noFill/>
+          </a:ln>
+        </p:spPr>
+        <p:style>
+          <a:lnRef idx="2">
+            <a:schemeClr val="accent1">
+              <a:shade val="50000"/>
+            </a:schemeClr>
+          </a:lnRef>
+          <a:fillRef idx="1">
+            <a:schemeClr val="accent1"/>
+          </a:fillRef>
+          <a:effectRef idx="0">
+            <a:schemeClr val="accent1"/>
+          </a:effectRef>
+          <a:fontRef idx="minor">
+            <a:schemeClr val="lt1"/>
+          </a:fontRef>
+        </p:style>
+        <p:txBody>
+          <a:bodyPr rtlCol="0" anchor="ctr"/>
+          <a:lstStyle/>
+          <a:p>
+            <a:pPr algn="ctr"/>
+            <a:endParaRPr lang="en-US"/>
+          </a:p>
+        </p:txBody>
+      </p:sp>
+      <p:sp>
+        <p:nvSpPr>
+          <p:cNvPr id="9" name="Rechteck 8"/>
+          <p:cNvSpPr/>
+          <p:nvPr/>
+        </p:nvSpPr>
+        <p:spPr>
+          <a:xfrm>
+            <a:off x="611560" y="2996951"/>
+            <a:ext cx="2232248" cy="144579"/>
+          </a:xfrm>
+          <a:prstGeom prst="rect">
+            <a:avLst/>
+          </a:prstGeom>
+          <a:solidFill>
+            <a:srgbClr val="FAFAFA"/>
+          </a:solidFill>
+          <a:ln>
+            <a:noFill/>
+          </a:ln>
+        </p:spPr>
+        <p:style>
+          <a:lnRef idx="2">
+            <a:schemeClr val="accent1">
+              <a:shade val="50000"/>
+            </a:schemeClr>
+          </a:lnRef>
+          <a:fillRef idx="1">
+            <a:schemeClr val="accent1"/>
+          </a:fillRef>
+          <a:effectRef idx="0">
+            <a:schemeClr val="accent1"/>
+          </a:effectRef>
+          <a:fontRef idx="minor">
+            <a:schemeClr val="lt1"/>
+          </a:fontRef>
+        </p:style>
+        <p:txBody>
+          <a:bodyPr rtlCol="0" anchor="ctr"/>
+          <a:lstStyle/>
+          <a:p>
+            <a:pPr algn="ctr"/>
+            <a:endParaRPr lang="en-US"/>
+          </a:p>
+        </p:txBody>
+      </p:sp>
+      <p:sp>
+        <p:nvSpPr>
+          <p:cNvPr id="10" name="Rechteck 9"/>
+          <p:cNvSpPr/>
+          <p:nvPr/>
+        </p:nvSpPr>
+        <p:spPr>
+          <a:xfrm>
+            <a:off x="611560" y="3141530"/>
+            <a:ext cx="2232248" cy="1223573"/>
+          </a:xfrm>
+          <a:prstGeom prst="rect">
+            <a:avLst/>
+          </a:prstGeom>
+          <a:gradFill flip="none" rotWithShape="1">
+            <a:gsLst>
+              <a:gs pos="0">
+                <a:srgbClr val="ECECEC"/>
+              </a:gs>
+              <a:gs pos="100000">
+                <a:srgbClr val="FAFAFA">
+                  <a:shade val="100000"/>
+                  <a:satMod val="115000"/>
+                </a:srgbClr>
+              </a:gs>
+            </a:gsLst>
+            <a:lin ang="16200000" scaled="1"/>
+            <a:tileRect/>
+          </a:gradFill>
+          <a:ln>
+            <a:noFill/>
+          </a:ln>
+        </p:spPr>
+        <p:style>
+          <a:lnRef idx="2">
+            <a:schemeClr val="accent1">
+              <a:shade val="50000"/>
+            </a:schemeClr>
+          </a:lnRef>
+          <a:fillRef idx="1">
+            <a:schemeClr val="accent1"/>
+          </a:fillRef>
+          <a:effectRef idx="0">
+            <a:schemeClr val="accent1"/>
+          </a:effectRef>
+          <a:fontRef idx="minor">
+            <a:schemeClr val="lt1"/>
+          </a:fontRef>
+        </p:style>
+        <p:txBody>
+          <a:bodyPr rtlCol="0" anchor="ctr"/>
+          <a:lstStyle/>
+          <a:p>
+            <a:pPr algn="ctr"/>
+            <a:endParaRPr lang="en-US"/>
+          </a:p>
+        </p:txBody>
+      </p:sp>
+      <p:sp>
+        <p:nvSpPr>
+          <p:cNvPr id="11" name="Rechteck 10"/>
+          <p:cNvSpPr/>
+          <p:nvPr/>
+        </p:nvSpPr>
+        <p:spPr>
+          <a:xfrm>
+            <a:off x="2889547" y="2367915"/>
+            <a:ext cx="242293" cy="1944216"/>
+          </a:xfrm>
+          <a:prstGeom prst="rect">
+            <a:avLst/>
+          </a:prstGeom>
+          <a:gradFill flip="none" rotWithShape="1">
+            <a:gsLst>
+              <a:gs pos="0">
+                <a:srgbClr val="ECECEC"/>
+              </a:gs>
+              <a:gs pos="55000">
+                <a:srgbClr val="FAFAFA">
+                  <a:shade val="100000"/>
+                  <a:satMod val="115000"/>
+                </a:srgbClr>
+              </a:gs>
+            </a:gsLst>
+            <a:lin ang="16200000" scaled="1"/>
+            <a:tileRect/>
+          </a:gradFill>
+          <a:ln>
+            <a:noFill/>
+          </a:ln>
+        </p:spPr>
+        <p:style>
+          <a:lnRef idx="2">
+            <a:schemeClr val="accent1">
+              <a:shade val="50000"/>
+            </a:schemeClr>
+          </a:lnRef>
+          <a:fillRef idx="1">
+            <a:schemeClr val="accent1"/>
+          </a:fillRef>
+          <a:effectRef idx="0">
+            <a:schemeClr val="accent1"/>
+          </a:effectRef>
+          <a:fontRef idx="minor">
+            <a:schemeClr val="lt1"/>
+          </a:fontRef>
+        </p:style>
+        <p:txBody>
+          <a:bodyPr rtlCol="0" anchor="ctr"/>
+          <a:lstStyle/>
+          <a:p>
+            <a:pPr algn="ctr"/>
+            <a:endParaRPr lang="en-US"/>
+          </a:p>
+        </p:txBody>
+      </p:sp>
+      <p:sp>
+        <p:nvSpPr>
+          <p:cNvPr id="14" name="Rechteck 13"/>
+          <p:cNvSpPr/>
+          <p:nvPr/>
+        </p:nvSpPr>
+        <p:spPr>
+          <a:xfrm>
+            <a:off x="3995936" y="5224682"/>
+            <a:ext cx="3384376" cy="292550"/>
+          </a:xfrm>
+          <a:prstGeom prst="rect">
+            <a:avLst/>
+          </a:prstGeom>
+          <a:solidFill>
+            <a:srgbClr val="F6F6F6"/>
+          </a:solidFill>
+          <a:ln>
+            <a:noFill/>
+          </a:ln>
+        </p:spPr>
+        <p:style>
+          <a:lnRef idx="2">
+            <a:schemeClr val="accent1">
+              <a:shade val="50000"/>
+            </a:schemeClr>
+          </a:lnRef>
+          <a:fillRef idx="1">
+            <a:schemeClr val="accent1"/>
+          </a:fillRef>
+          <a:effectRef idx="0">
+            <a:schemeClr val="accent1"/>
+          </a:effectRef>
+          <a:fontRef idx="minor">
+            <a:schemeClr val="lt1"/>
+          </a:fontRef>
+        </p:style>
+        <p:txBody>
+          <a:bodyPr rtlCol="0" anchor="ctr"/>
+          <a:lstStyle/>
+          <a:p>
+            <a:pPr algn="ctr"/>
+            <a:endParaRPr lang="en-US"/>
+          </a:p>
+        </p:txBody>
+      </p:sp>
+      <p:sp>
+        <p:nvSpPr>
+          <p:cNvPr id="15" name="Rechteck 14"/>
+          <p:cNvSpPr/>
+          <p:nvPr/>
+        </p:nvSpPr>
+        <p:spPr>
+          <a:xfrm>
+            <a:off x="3995936" y="5512714"/>
+            <a:ext cx="3384376" cy="292550"/>
+          </a:xfrm>
+          <a:prstGeom prst="rect">
+            <a:avLst/>
+          </a:prstGeom>
+          <a:solidFill>
+            <a:srgbClr val="F6F6F6"/>
+          </a:solidFill>
+          <a:ln>
+            <a:noFill/>
+          </a:ln>
+        </p:spPr>
+        <p:style>
+          <a:lnRef idx="2">
+            <a:schemeClr val="accent1">
+              <a:shade val="50000"/>
+            </a:schemeClr>
+          </a:lnRef>
+          <a:fillRef idx="1">
+            <a:schemeClr val="accent1"/>
+          </a:fillRef>
+          <a:effectRef idx="0">
+            <a:schemeClr val="accent1"/>
+          </a:effectRef>
+          <a:fontRef idx="minor">
+            <a:schemeClr val="lt1"/>
+          </a:fontRef>
+        </p:style>
+        <p:txBody>
+          <a:bodyPr rtlCol="0" anchor="ctr"/>
+          <a:lstStyle/>
+          <a:p>
+            <a:pPr algn="ctr"/>
+            <a:endParaRPr lang="en-US"/>
+          </a:p>
+        </p:txBody>
+      </p:sp>
+      <p:sp>
+        <p:nvSpPr>
+          <p:cNvPr id="16" name="Rechteck 15"/>
+          <p:cNvSpPr/>
+          <p:nvPr/>
+        </p:nvSpPr>
+        <p:spPr>
+          <a:xfrm>
+            <a:off x="3995936" y="4936650"/>
+            <a:ext cx="3384376" cy="292550"/>
+          </a:xfrm>
+          <a:prstGeom prst="rect">
+            <a:avLst/>
+          </a:prstGeom>
+          <a:solidFill>
+            <a:srgbClr val="F6F6F6"/>
+          </a:solidFill>
+          <a:ln>
+            <a:noFill/>
+          </a:ln>
+        </p:spPr>
+        <p:style>
+          <a:lnRef idx="2">
+            <a:schemeClr val="accent1">
+              <a:shade val="50000"/>
+            </a:schemeClr>
+          </a:lnRef>
+          <a:fillRef idx="1">
+            <a:schemeClr val="accent1"/>
+          </a:fillRef>
+          <a:effectRef idx="0">
+            <a:schemeClr val="accent1"/>
+          </a:effectRef>
+          <a:fontRef idx="minor">
+            <a:schemeClr val="lt1"/>
+          </a:fontRef>
+        </p:style>
+        <p:txBody>
+          <a:bodyPr rtlCol="0" anchor="ctr"/>
+          <a:lstStyle/>
+          <a:p>
+            <a:pPr algn="ctr"/>
+            <a:endParaRPr lang="en-US"/>
+          </a:p>
+        </p:txBody>
+      </p:sp>
+      <p:sp>
+        <p:nvSpPr>
+          <p:cNvPr id="17" name="Rechteck 16"/>
+          <p:cNvSpPr/>
+          <p:nvPr/>
+        </p:nvSpPr>
+        <p:spPr>
+          <a:xfrm>
+            <a:off x="4082811" y="4653136"/>
+            <a:ext cx="3384376" cy="292550"/>
+          </a:xfrm>
+          <a:prstGeom prst="rect">
+            <a:avLst/>
+          </a:prstGeom>
+          <a:solidFill>
+            <a:srgbClr val="F6F6F6"/>
+          </a:solidFill>
+          <a:ln>
+            <a:noFill/>
+          </a:ln>
+        </p:spPr>
+        <p:style>
+          <a:lnRef idx="2">
+            <a:schemeClr val="accent1">
+              <a:shade val="50000"/>
+            </a:schemeClr>
+          </a:lnRef>
+          <a:fillRef idx="1">
+            <a:schemeClr val="accent1"/>
+          </a:fillRef>
+          <a:effectRef idx="0">
+            <a:schemeClr val="accent1"/>
+          </a:effectRef>
+          <a:fontRef idx="minor">
+            <a:schemeClr val="lt1"/>
+          </a:fontRef>
+        </p:style>
+        <p:txBody>
+          <a:bodyPr rtlCol="0" anchor="ctr"/>
+          <a:lstStyle/>
+          <a:p>
+            <a:pPr algn="ctr"/>
+            <a:endParaRPr lang="en-US"/>
+          </a:p>
+        </p:txBody>
+      </p:sp>
+      <p:sp>
+        <p:nvSpPr>
+          <p:cNvPr id="18" name="Rechteck 17"/>
+          <p:cNvSpPr/>
+          <p:nvPr/>
+        </p:nvSpPr>
+        <p:spPr>
+          <a:xfrm>
+            <a:off x="4000542" y="4365103"/>
+            <a:ext cx="3384376" cy="292550"/>
+          </a:xfrm>
+          <a:prstGeom prst="rect">
+            <a:avLst/>
+          </a:prstGeom>
+          <a:solidFill>
+            <a:srgbClr val="F6F6F6"/>
+          </a:solidFill>
+          <a:ln>
+            <a:noFill/>
+          </a:ln>
+        </p:spPr>
+        <p:style>
+          <a:lnRef idx="2">
+            <a:schemeClr val="accent1">
+              <a:shade val="50000"/>
+            </a:schemeClr>
+          </a:lnRef>
+          <a:fillRef idx="1">
+            <a:schemeClr val="accent1"/>
+          </a:fillRef>
+          <a:effectRef idx="0">
+            <a:schemeClr val="accent1"/>
+          </a:effectRef>
+          <a:fontRef idx="minor">
+            <a:schemeClr val="lt1"/>
+          </a:fontRef>
+        </p:style>
+        <p:txBody>
+          <a:bodyPr rtlCol="0" anchor="ctr"/>
+          <a:lstStyle/>
+          <a:p>
+            <a:pPr algn="ctr"/>
+            <a:endParaRPr lang="en-US"/>
+          </a:p>
+        </p:txBody>
+      </p:sp>
+      <p:sp>
+        <p:nvSpPr>
+          <p:cNvPr id="19" name="Rechteck 18"/>
+          <p:cNvSpPr/>
+          <p:nvPr/>
+        </p:nvSpPr>
+        <p:spPr>
+          <a:xfrm>
+            <a:off x="1727684" y="2367915"/>
+            <a:ext cx="936104" cy="648072"/>
+          </a:xfrm>
+          <a:prstGeom prst="rect">
+            <a:avLst/>
+          </a:prstGeom>
+          <a:solidFill>
+            <a:srgbClr val="FAFAFA"/>
+          </a:solidFill>
+          <a:ln>
+            <a:noFill/>
+          </a:ln>
+        </p:spPr>
+        <p:style>
+          <a:lnRef idx="2">
+            <a:schemeClr val="accent1">
+              <a:shade val="50000"/>
+            </a:schemeClr>
+          </a:lnRef>
+          <a:fillRef idx="1">
+            <a:schemeClr val="accent1"/>
+          </a:fillRef>
+          <a:effectRef idx="0">
+            <a:schemeClr val="accent1"/>
+          </a:effectRef>
+          <a:fontRef idx="minor">
+            <a:schemeClr val="lt1"/>
+          </a:fontRef>
+        </p:style>
+        <p:txBody>
+          <a:bodyPr rtlCol="0" anchor="ctr"/>
+          <a:lstStyle/>
+          <a:p>
+            <a:pPr algn="ctr"/>
+            <a:endParaRPr lang="en-US"/>
+          </a:p>
+        </p:txBody>
+      </p:sp>
+      <p:sp>
+        <p:nvSpPr>
+          <p:cNvPr id="20" name="Rechteck 19"/>
+          <p:cNvSpPr/>
+          <p:nvPr/>
+        </p:nvSpPr>
+        <p:spPr>
+          <a:xfrm>
+            <a:off x="5234575" y="2392221"/>
+            <a:ext cx="216024" cy="648072"/>
+          </a:xfrm>
+          <a:prstGeom prst="rect">
+            <a:avLst/>
+          </a:prstGeom>
+          <a:solidFill>
+            <a:srgbClr val="FAFAFA"/>
+          </a:solidFill>
+          <a:ln>
+            <a:noFill/>
+          </a:ln>
+        </p:spPr>
+        <p:style>
+          <a:lnRef idx="2">
+            <a:schemeClr val="accent1">
+              <a:shade val="50000"/>
+            </a:schemeClr>
+          </a:lnRef>
+          <a:fillRef idx="1">
+            <a:schemeClr val="accent1"/>
+          </a:fillRef>
+          <a:effectRef idx="0">
+            <a:schemeClr val="accent1"/>
+          </a:effectRef>
+          <a:fontRef idx="minor">
+            <a:schemeClr val="lt1"/>
+          </a:fontRef>
+        </p:style>
+        <p:txBody>
+          <a:bodyPr rtlCol="0" anchor="ctr"/>
+          <a:lstStyle/>
+          <a:p>
+            <a:pPr algn="ctr"/>
+            <a:endParaRPr lang="en-US"/>
+          </a:p>
+        </p:txBody>
+      </p:sp>
+      <p:sp>
+        <p:nvSpPr>
+          <p:cNvPr id="21" name="Rechteck 20"/>
+          <p:cNvSpPr/>
+          <p:nvPr/>
+        </p:nvSpPr>
+        <p:spPr>
+          <a:xfrm>
+            <a:off x="6876256" y="5821142"/>
+            <a:ext cx="338539" cy="292550"/>
+          </a:xfrm>
+          <a:prstGeom prst="rect">
+            <a:avLst/>
+          </a:prstGeom>
+          <a:solidFill>
+            <a:srgbClr val="F6F6F6"/>
+          </a:solidFill>
+          <a:ln>
+            <a:noFill/>
+          </a:ln>
+        </p:spPr>
+        <p:style>
+          <a:lnRef idx="2">
+            <a:schemeClr val="accent1">
+              <a:shade val="50000"/>
+            </a:schemeClr>
+          </a:lnRef>
+          <a:fillRef idx="1">
+            <a:schemeClr val="accent1"/>
+          </a:fillRef>
+          <a:effectRef idx="0">
+            <a:schemeClr val="accent1"/>
+          </a:effectRef>
+          <a:fontRef idx="minor">
+            <a:schemeClr val="lt1"/>
+          </a:fontRef>
+        </p:style>
+        <p:txBody>
+          <a:bodyPr rtlCol="0" anchor="ctr"/>
+          <a:lstStyle/>
+          <a:p>
+            <a:pPr algn="ctr"/>
+            <a:endParaRPr lang="en-US"/>
+          </a:p>
+        </p:txBody>
+      </p:sp>
     </p:spTree>
     <p:extLst>
       <p:ext uri="{BB962C8B-B14F-4D97-AF65-F5344CB8AC3E}">
-        <p14:creationId xmlns:p14="http://schemas.microsoft.com/office/powerpoint/2010/main" val="3390577820"/>
+        <p14:creationId xmlns:p14="http://schemas.microsoft.com/office/powerpoint/2010/main" val="1934586080"/>
       </p:ext>
     </p:extLst>
   </p:cSld>
@@ -4077,9 +5543,574 @@
   <p:timing>
     <p:tnLst>
       <p:par>
-        <p:cTn id="1" dur="indefinite" restart="never" nodeType="tmRoot"/>
+        <p:cTn id="1" dur="indefinite" restart="never" nodeType="tmRoot">
+          <p:childTnLst>
+            <p:seq concurrent="1" nextAc="seek">
+              <p:cTn id="2" dur="indefinite" nodeType="mainSeq">
+                <p:childTnLst>
+                  <p:par>
+                    <p:cTn id="3" fill="hold">
+                      <p:stCondLst>
+                        <p:cond delay="indefinite"/>
+                      </p:stCondLst>
+                      <p:childTnLst>
+                        <p:par>
+                          <p:cTn id="4" fill="hold">
+                            <p:stCondLst>
+                              <p:cond delay="0"/>
+                            </p:stCondLst>
+                            <p:childTnLst>
+                              <p:par>
+                                <p:cTn id="5" presetID="10" presetClass="exit" presetSubtype="0" fill="hold" grpId="0" nodeType="clickEffect">
+                                  <p:stCondLst>
+                                    <p:cond delay="0"/>
+                                  </p:stCondLst>
+                                  <p:childTnLst>
+                                    <p:animEffect transition="out" filter="fade">
+                                      <p:cBhvr>
+                                        <p:cTn id="6" dur="500"/>
+                                        <p:tgtEl>
+                                          <p:spTgt spid="6"/>
+                                        </p:tgtEl>
+                                      </p:cBhvr>
+                                    </p:animEffect>
+                                    <p:set>
+                                      <p:cBhvr>
+                                        <p:cTn id="7" dur="1" fill="hold">
+                                          <p:stCondLst>
+                                            <p:cond delay="499"/>
+                                          </p:stCondLst>
+                                        </p:cTn>
+                                        <p:tgtEl>
+                                          <p:spTgt spid="6"/>
+                                        </p:tgtEl>
+                                        <p:attrNameLst>
+                                          <p:attrName>style.visibility</p:attrName>
+                                        </p:attrNameLst>
+                                      </p:cBhvr>
+                                      <p:to>
+                                        <p:strVal val="hidden"/>
+                                      </p:to>
+                                    </p:set>
+                                  </p:childTnLst>
+                                </p:cTn>
+                              </p:par>
+                              <p:par>
+                                <p:cTn id="8" presetID="10" presetClass="exit" presetSubtype="0" fill="hold" grpId="0" nodeType="withEffect">
+                                  <p:stCondLst>
+                                    <p:cond delay="0"/>
+                                  </p:stCondLst>
+                                  <p:childTnLst>
+                                    <p:animEffect transition="out" filter="fade">
+                                      <p:cBhvr>
+                                        <p:cTn id="9" dur="500"/>
+                                        <p:tgtEl>
+                                          <p:spTgt spid="18"/>
+                                        </p:tgtEl>
+                                      </p:cBhvr>
+                                    </p:animEffect>
+                                    <p:set>
+                                      <p:cBhvr>
+                                        <p:cTn id="10" dur="1" fill="hold">
+                                          <p:stCondLst>
+                                            <p:cond delay="499"/>
+                                          </p:stCondLst>
+                                        </p:cTn>
+                                        <p:tgtEl>
+                                          <p:spTgt spid="18"/>
+                                        </p:tgtEl>
+                                        <p:attrNameLst>
+                                          <p:attrName>style.visibility</p:attrName>
+                                        </p:attrNameLst>
+                                      </p:cBhvr>
+                                      <p:to>
+                                        <p:strVal val="hidden"/>
+                                      </p:to>
+                                    </p:set>
+                                  </p:childTnLst>
+                                </p:cTn>
+                              </p:par>
+                            </p:childTnLst>
+                          </p:cTn>
+                        </p:par>
+                      </p:childTnLst>
+                    </p:cTn>
+                  </p:par>
+                  <p:par>
+                    <p:cTn id="11" fill="hold">
+                      <p:stCondLst>
+                        <p:cond delay="indefinite"/>
+                      </p:stCondLst>
+                      <p:childTnLst>
+                        <p:par>
+                          <p:cTn id="12" fill="hold">
+                            <p:stCondLst>
+                              <p:cond delay="0"/>
+                            </p:stCondLst>
+                            <p:childTnLst>
+                              <p:par>
+                                <p:cTn id="13" presetID="10" presetClass="exit" presetSubtype="0" fill="hold" grpId="0" nodeType="clickEffect">
+                                  <p:stCondLst>
+                                    <p:cond delay="0"/>
+                                  </p:stCondLst>
+                                  <p:childTnLst>
+                                    <p:animEffect transition="out" filter="fade">
+                                      <p:cBhvr>
+                                        <p:cTn id="14" dur="500"/>
+                                        <p:tgtEl>
+                                          <p:spTgt spid="19"/>
+                                        </p:tgtEl>
+                                      </p:cBhvr>
+                                    </p:animEffect>
+                                    <p:set>
+                                      <p:cBhvr>
+                                        <p:cTn id="15" dur="1" fill="hold">
+                                          <p:stCondLst>
+                                            <p:cond delay="499"/>
+                                          </p:stCondLst>
+                                        </p:cTn>
+                                        <p:tgtEl>
+                                          <p:spTgt spid="19"/>
+                                        </p:tgtEl>
+                                        <p:attrNameLst>
+                                          <p:attrName>style.visibility</p:attrName>
+                                        </p:attrNameLst>
+                                      </p:cBhvr>
+                                      <p:to>
+                                        <p:strVal val="hidden"/>
+                                      </p:to>
+                                    </p:set>
+                                  </p:childTnLst>
+                                </p:cTn>
+                              </p:par>
+                              <p:par>
+                                <p:cTn id="16" presetID="10" presetClass="exit" presetSubtype="0" fill="hold" grpId="0" nodeType="withEffect">
+                                  <p:stCondLst>
+                                    <p:cond delay="0"/>
+                                  </p:stCondLst>
+                                  <p:childTnLst>
+                                    <p:animEffect transition="out" filter="fade">
+                                      <p:cBhvr>
+                                        <p:cTn id="17" dur="500"/>
+                                        <p:tgtEl>
+                                          <p:spTgt spid="17"/>
+                                        </p:tgtEl>
+                                      </p:cBhvr>
+                                    </p:animEffect>
+                                    <p:set>
+                                      <p:cBhvr>
+                                        <p:cTn id="18" dur="1" fill="hold">
+                                          <p:stCondLst>
+                                            <p:cond delay="499"/>
+                                          </p:stCondLst>
+                                        </p:cTn>
+                                        <p:tgtEl>
+                                          <p:spTgt spid="17"/>
+                                        </p:tgtEl>
+                                        <p:attrNameLst>
+                                          <p:attrName>style.visibility</p:attrName>
+                                        </p:attrNameLst>
+                                      </p:cBhvr>
+                                      <p:to>
+                                        <p:strVal val="hidden"/>
+                                      </p:to>
+                                    </p:set>
+                                  </p:childTnLst>
+                                </p:cTn>
+                              </p:par>
+                            </p:childTnLst>
+                          </p:cTn>
+                        </p:par>
+                      </p:childTnLst>
+                    </p:cTn>
+                  </p:par>
+                  <p:par>
+                    <p:cTn id="19" fill="hold">
+                      <p:stCondLst>
+                        <p:cond delay="indefinite"/>
+                      </p:stCondLst>
+                      <p:childTnLst>
+                        <p:par>
+                          <p:cTn id="20" fill="hold">
+                            <p:stCondLst>
+                              <p:cond delay="0"/>
+                            </p:stCondLst>
+                            <p:childTnLst>
+                              <p:par>
+                                <p:cTn id="21" presetID="10" presetClass="exit" presetSubtype="0" fill="hold" grpId="0" nodeType="clickEffect">
+                                  <p:stCondLst>
+                                    <p:cond delay="0"/>
+                                  </p:stCondLst>
+                                  <p:childTnLst>
+                                    <p:animEffect transition="out" filter="fade">
+                                      <p:cBhvr>
+                                        <p:cTn id="22" dur="500"/>
+                                        <p:tgtEl>
+                                          <p:spTgt spid="9"/>
+                                        </p:tgtEl>
+                                      </p:cBhvr>
+                                    </p:animEffect>
+                                    <p:set>
+                                      <p:cBhvr>
+                                        <p:cTn id="23" dur="1" fill="hold">
+                                          <p:stCondLst>
+                                            <p:cond delay="499"/>
+                                          </p:stCondLst>
+                                        </p:cTn>
+                                        <p:tgtEl>
+                                          <p:spTgt spid="9"/>
+                                        </p:tgtEl>
+                                        <p:attrNameLst>
+                                          <p:attrName>style.visibility</p:attrName>
+                                        </p:attrNameLst>
+                                      </p:cBhvr>
+                                      <p:to>
+                                        <p:strVal val="hidden"/>
+                                      </p:to>
+                                    </p:set>
+                                  </p:childTnLst>
+                                </p:cTn>
+                              </p:par>
+                              <p:par>
+                                <p:cTn id="24" presetID="10" presetClass="exit" presetSubtype="0" fill="hold" grpId="0" nodeType="withEffect">
+                                  <p:stCondLst>
+                                    <p:cond delay="0"/>
+                                  </p:stCondLst>
+                                  <p:childTnLst>
+                                    <p:animEffect transition="out" filter="fade">
+                                      <p:cBhvr>
+                                        <p:cTn id="25" dur="500"/>
+                                        <p:tgtEl>
+                                          <p:spTgt spid="16"/>
+                                        </p:tgtEl>
+                                      </p:cBhvr>
+                                    </p:animEffect>
+                                    <p:set>
+                                      <p:cBhvr>
+                                        <p:cTn id="26" dur="1" fill="hold">
+                                          <p:stCondLst>
+                                            <p:cond delay="499"/>
+                                          </p:stCondLst>
+                                        </p:cTn>
+                                        <p:tgtEl>
+                                          <p:spTgt spid="16"/>
+                                        </p:tgtEl>
+                                        <p:attrNameLst>
+                                          <p:attrName>style.visibility</p:attrName>
+                                        </p:attrNameLst>
+                                      </p:cBhvr>
+                                      <p:to>
+                                        <p:strVal val="hidden"/>
+                                      </p:to>
+                                    </p:set>
+                                  </p:childTnLst>
+                                </p:cTn>
+                              </p:par>
+                            </p:childTnLst>
+                          </p:cTn>
+                        </p:par>
+                      </p:childTnLst>
+                    </p:cTn>
+                  </p:par>
+                  <p:par>
+                    <p:cTn id="27" fill="hold">
+                      <p:stCondLst>
+                        <p:cond delay="indefinite"/>
+                      </p:stCondLst>
+                      <p:childTnLst>
+                        <p:par>
+                          <p:cTn id="28" fill="hold">
+                            <p:stCondLst>
+                              <p:cond delay="0"/>
+                            </p:stCondLst>
+                            <p:childTnLst>
+                              <p:par>
+                                <p:cTn id="29" presetID="10" presetClass="exit" presetSubtype="0" fill="hold" grpId="0" nodeType="clickEffect">
+                                  <p:stCondLst>
+                                    <p:cond delay="0"/>
+                                  </p:stCondLst>
+                                  <p:childTnLst>
+                                    <p:animEffect transition="out" filter="fade">
+                                      <p:cBhvr>
+                                        <p:cTn id="30" dur="500"/>
+                                        <p:tgtEl>
+                                          <p:spTgt spid="10"/>
+                                        </p:tgtEl>
+                                      </p:cBhvr>
+                                    </p:animEffect>
+                                    <p:set>
+                                      <p:cBhvr>
+                                        <p:cTn id="31" dur="1" fill="hold">
+                                          <p:stCondLst>
+                                            <p:cond delay="499"/>
+                                          </p:stCondLst>
+                                        </p:cTn>
+                                        <p:tgtEl>
+                                          <p:spTgt spid="10"/>
+                                        </p:tgtEl>
+                                        <p:attrNameLst>
+                                          <p:attrName>style.visibility</p:attrName>
+                                        </p:attrNameLst>
+                                      </p:cBhvr>
+                                      <p:to>
+                                        <p:strVal val="hidden"/>
+                                      </p:to>
+                                    </p:set>
+                                  </p:childTnLst>
+                                </p:cTn>
+                              </p:par>
+                              <p:par>
+                                <p:cTn id="32" presetID="10" presetClass="exit" presetSubtype="0" fill="hold" grpId="0" nodeType="withEffect">
+                                  <p:stCondLst>
+                                    <p:cond delay="0"/>
+                                  </p:stCondLst>
+                                  <p:childTnLst>
+                                    <p:animEffect transition="out" filter="fade">
+                                      <p:cBhvr>
+                                        <p:cTn id="33" dur="500"/>
+                                        <p:tgtEl>
+                                          <p:spTgt spid="14"/>
+                                        </p:tgtEl>
+                                      </p:cBhvr>
+                                    </p:animEffect>
+                                    <p:set>
+                                      <p:cBhvr>
+                                        <p:cTn id="34" dur="1" fill="hold">
+                                          <p:stCondLst>
+                                            <p:cond delay="499"/>
+                                          </p:stCondLst>
+                                        </p:cTn>
+                                        <p:tgtEl>
+                                          <p:spTgt spid="14"/>
+                                        </p:tgtEl>
+                                        <p:attrNameLst>
+                                          <p:attrName>style.visibility</p:attrName>
+                                        </p:attrNameLst>
+                                      </p:cBhvr>
+                                      <p:to>
+                                        <p:strVal val="hidden"/>
+                                      </p:to>
+                                    </p:set>
+                                  </p:childTnLst>
+                                </p:cTn>
+                              </p:par>
+                            </p:childTnLst>
+                          </p:cTn>
+                        </p:par>
+                      </p:childTnLst>
+                    </p:cTn>
+                  </p:par>
+                  <p:par>
+                    <p:cTn id="35" fill="hold">
+                      <p:stCondLst>
+                        <p:cond delay="indefinite"/>
+                      </p:stCondLst>
+                      <p:childTnLst>
+                        <p:par>
+                          <p:cTn id="36" fill="hold">
+                            <p:stCondLst>
+                              <p:cond delay="0"/>
+                            </p:stCondLst>
+                            <p:childTnLst>
+                              <p:par>
+                                <p:cTn id="37" presetID="10" presetClass="exit" presetSubtype="0" fill="hold" grpId="0" nodeType="clickEffect">
+                                  <p:stCondLst>
+                                    <p:cond delay="0"/>
+                                  </p:stCondLst>
+                                  <p:childTnLst>
+                                    <p:animEffect transition="out" filter="fade">
+                                      <p:cBhvr>
+                                        <p:cTn id="38" dur="500"/>
+                                        <p:tgtEl>
+                                          <p:spTgt spid="11"/>
+                                        </p:tgtEl>
+                                      </p:cBhvr>
+                                    </p:animEffect>
+                                    <p:set>
+                                      <p:cBhvr>
+                                        <p:cTn id="39" dur="1" fill="hold">
+                                          <p:stCondLst>
+                                            <p:cond delay="499"/>
+                                          </p:stCondLst>
+                                        </p:cTn>
+                                        <p:tgtEl>
+                                          <p:spTgt spid="11"/>
+                                        </p:tgtEl>
+                                        <p:attrNameLst>
+                                          <p:attrName>style.visibility</p:attrName>
+                                        </p:attrNameLst>
+                                      </p:cBhvr>
+                                      <p:to>
+                                        <p:strVal val="hidden"/>
+                                      </p:to>
+                                    </p:set>
+                                  </p:childTnLst>
+                                </p:cTn>
+                              </p:par>
+                              <p:par>
+                                <p:cTn id="40" presetID="10" presetClass="exit" presetSubtype="0" fill="hold" grpId="0" nodeType="withEffect">
+                                  <p:stCondLst>
+                                    <p:cond delay="0"/>
+                                  </p:stCondLst>
+                                  <p:childTnLst>
+                                    <p:animEffect transition="out" filter="fade">
+                                      <p:cBhvr>
+                                        <p:cTn id="41" dur="500"/>
+                                        <p:tgtEl>
+                                          <p:spTgt spid="15"/>
+                                        </p:tgtEl>
+                                      </p:cBhvr>
+                                    </p:animEffect>
+                                    <p:set>
+                                      <p:cBhvr>
+                                        <p:cTn id="42" dur="1" fill="hold">
+                                          <p:stCondLst>
+                                            <p:cond delay="499"/>
+                                          </p:stCondLst>
+                                        </p:cTn>
+                                        <p:tgtEl>
+                                          <p:spTgt spid="15"/>
+                                        </p:tgtEl>
+                                        <p:attrNameLst>
+                                          <p:attrName>style.visibility</p:attrName>
+                                        </p:attrNameLst>
+                                      </p:cBhvr>
+                                      <p:to>
+                                        <p:strVal val="hidden"/>
+                                      </p:to>
+                                    </p:set>
+                                  </p:childTnLst>
+                                </p:cTn>
+                              </p:par>
+                            </p:childTnLst>
+                          </p:cTn>
+                        </p:par>
+                      </p:childTnLst>
+                    </p:cTn>
+                  </p:par>
+                  <p:par>
+                    <p:cTn id="43" fill="hold">
+                      <p:stCondLst>
+                        <p:cond delay="indefinite"/>
+                      </p:stCondLst>
+                      <p:childTnLst>
+                        <p:par>
+                          <p:cTn id="44" fill="hold">
+                            <p:stCondLst>
+                              <p:cond delay="0"/>
+                            </p:stCondLst>
+                            <p:childTnLst>
+                              <p:par>
+                                <p:cTn id="45" presetID="10" presetClass="exit" presetSubtype="0" fill="hold" grpId="0" nodeType="clickEffect">
+                                  <p:stCondLst>
+                                    <p:cond delay="0"/>
+                                  </p:stCondLst>
+                                  <p:childTnLst>
+                                    <p:animEffect transition="out" filter="fade">
+                                      <p:cBhvr>
+                                        <p:cTn id="46" dur="500"/>
+                                        <p:tgtEl>
+                                          <p:spTgt spid="8"/>
+                                        </p:tgtEl>
+                                      </p:cBhvr>
+                                    </p:animEffect>
+                                    <p:set>
+                                      <p:cBhvr>
+                                        <p:cTn id="47" dur="1" fill="hold">
+                                          <p:stCondLst>
+                                            <p:cond delay="499"/>
+                                          </p:stCondLst>
+                                        </p:cTn>
+                                        <p:tgtEl>
+                                          <p:spTgt spid="8"/>
+                                        </p:tgtEl>
+                                        <p:attrNameLst>
+                                          <p:attrName>style.visibility</p:attrName>
+                                        </p:attrNameLst>
+                                      </p:cBhvr>
+                                      <p:to>
+                                        <p:strVal val="hidden"/>
+                                      </p:to>
+                                    </p:set>
+                                  </p:childTnLst>
+                                </p:cTn>
+                              </p:par>
+                              <p:par>
+                                <p:cTn id="48" presetID="10" presetClass="exit" presetSubtype="0" fill="hold" grpId="0" nodeType="withEffect">
+                                  <p:stCondLst>
+                                    <p:cond delay="0"/>
+                                  </p:stCondLst>
+                                  <p:childTnLst>
+                                    <p:animEffect transition="out" filter="fade">
+                                      <p:cBhvr>
+                                        <p:cTn id="49" dur="500"/>
+                                        <p:tgtEl>
+                                          <p:spTgt spid="4"/>
+                                        </p:tgtEl>
+                                      </p:cBhvr>
+                                    </p:animEffect>
+                                    <p:set>
+                                      <p:cBhvr>
+                                        <p:cTn id="50" dur="1" fill="hold">
+                                          <p:stCondLst>
+                                            <p:cond delay="499"/>
+                                          </p:stCondLst>
+                                        </p:cTn>
+                                        <p:tgtEl>
+                                          <p:spTgt spid="4"/>
+                                        </p:tgtEl>
+                                        <p:attrNameLst>
+                                          <p:attrName>style.visibility</p:attrName>
+                                        </p:attrNameLst>
+                                      </p:cBhvr>
+                                      <p:to>
+                                        <p:strVal val="hidden"/>
+                                      </p:to>
+                                    </p:set>
+                                  </p:childTnLst>
+                                </p:cTn>
+                              </p:par>
+                            </p:childTnLst>
+                          </p:cTn>
+                        </p:par>
+                      </p:childTnLst>
+                    </p:cTn>
+                  </p:par>
+                </p:childTnLst>
+              </p:cTn>
+              <p:prevCondLst>
+                <p:cond evt="onPrev" delay="0">
+                  <p:tgtEl>
+                    <p:sldTgt/>
+                  </p:tgtEl>
+                </p:cond>
+              </p:prevCondLst>
+              <p:nextCondLst>
+                <p:cond evt="onNext" delay="0">
+                  <p:tgtEl>
+                    <p:sldTgt/>
+                  </p:tgtEl>
+                </p:cond>
+              </p:nextCondLst>
+            </p:seq>
+          </p:childTnLst>
+        </p:cTn>
       </p:par>
     </p:tnLst>
+    <p:bldLst>
+      <p:bldP spid="4" grpId="0" animBg="1"/>
+      <p:bldP spid="6" grpId="0" animBg="1"/>
+      <p:bldP spid="8" grpId="0" animBg="1"/>
+      <p:bldP spid="9" grpId="0" animBg="1"/>
+      <p:bldP spid="10" grpId="0" animBg="1"/>
+      <p:bldP spid="11" grpId="0" animBg="1"/>
+      <p:bldP spid="14" grpId="0" animBg="1"/>
+      <p:bldP spid="15" grpId="0" animBg="1"/>
+      <p:bldP spid="16" grpId="0" animBg="1"/>
+      <p:bldP spid="17" grpId="0" animBg="1"/>
+      <p:bldP spid="18" grpId="0" animBg="1"/>
+      <p:bldP spid="19" grpId="0" animBg="1"/>
+    </p:bldLst>
   </p:timing>
 </p:sld>
 </file>
@@ -4117,58 +6148,148 @@
           <a:lstStyle/>
           <a:p>
             <a:r>
-              <a:rPr lang="en-US" dirty="0" smtClean="0"/>
-              <a:t>Inspecting Doodles</a:t>
-            </a:r>
-            <a:endParaRPr lang="en-US" dirty="0"/>
+              <a:rPr lang="en-US" smtClean="0"/>
+              <a:t>Plugins</a:t>
+            </a:r>
+            <a:endParaRPr lang="en-US"/>
           </a:p>
         </p:txBody>
       </p:sp>
-      <p:pic>
-        <p:nvPicPr>
-          <p:cNvPr id="5122" name="Picture 2" descr="C:\Users\Cedric Reichenbach\Git\Uni\papers-doodledebug\img\AddressBook_contact.png"/>
-          <p:cNvPicPr>
-            <a:picLocks noChangeAspect="1" noChangeArrowheads="1"/>
-          </p:cNvPicPr>
-          <p:nvPr/>
-        </p:nvPicPr>
-        <p:blipFill>
-          <a:blip r:embed="rId2">
-            <a:extLst>
-              <a:ext uri="{28A0092B-C50C-407E-A947-70E740481C1C}">
-                <a14:useLocalDpi xmlns:a14="http://schemas.microsoft.com/office/drawing/2010/main" val="0"/>
-              </a:ext>
-            </a:extLst>
-          </a:blip>
-          <a:srcRect/>
-          <a:stretch>
-            <a:fillRect/>
-          </a:stretch>
-        </p:blipFill>
-        <p:spPr bwMode="auto">
-          <a:xfrm>
-            <a:off x="2483768" y="2291827"/>
-            <a:ext cx="4027466" cy="2889547"/>
-          </a:xfrm>
-          <a:prstGeom prst="rect">
-            <a:avLst/>
-          </a:prstGeom>
-          <a:noFill/>
-          <a:extLst>
-            <a:ext uri="{909E8E84-426E-40DD-AFC4-6F175D3DCCD1}">
-              <a14:hiddenFill xmlns:a14="http://schemas.microsoft.com/office/drawing/2010/main">
+      <p:sp>
+        <p:nvSpPr>
+          <p:cNvPr id="3" name="Inhaltsplatzhalter 2"/>
+          <p:cNvSpPr>
+            <a:spLocks noGrp="1"/>
+          </p:cNvSpPr>
+          <p:nvPr>
+            <p:ph idx="1"/>
+          </p:nvPr>
+        </p:nvSpPr>
+        <p:spPr/>
+        <p:txBody>
+          <a:bodyPr/>
+          <a:lstStyle/>
+          <a:p>
+            <a:r>
+              <a:rPr lang="en-US" dirty="0" smtClean="0"/>
+              <a:t>Interface </a:t>
+            </a:r>
+            <a:r>
+              <a:rPr lang="en-US" b="1" dirty="0" err="1" smtClean="0">
                 <a:solidFill>
-                  <a:srgbClr val="FFFFFF"/>
+                  <a:srgbClr val="0070C0"/>
                 </a:solidFill>
-              </a14:hiddenFill>
-            </a:ext>
-          </a:extLst>
-        </p:spPr>
-      </p:pic>
+                <a:latin typeface="saxMono" pitchFamily="49" charset="0"/>
+              </a:rPr>
+              <a:t>RenderingPlugin</a:t>
+            </a:r>
+            <a:endParaRPr lang="en-US" b="1" dirty="0" smtClean="0">
+              <a:solidFill>
+                <a:srgbClr val="0070C0"/>
+              </a:solidFill>
+              <a:latin typeface="saxMono" pitchFamily="49" charset="0"/>
+            </a:endParaRPr>
+          </a:p>
+          <a:p>
+            <a:r>
+              <a:rPr lang="en-US" dirty="0" smtClean="0"/>
+              <a:t>For convenience: </a:t>
+            </a:r>
+            <a:r>
+              <a:rPr lang="en-US" b="1" dirty="0" err="1" smtClean="0">
+                <a:solidFill>
+                  <a:srgbClr val="0070C0"/>
+                </a:solidFill>
+                <a:latin typeface="saxMono" pitchFamily="49" charset="0"/>
+              </a:rPr>
+              <a:t>AbstractPlugin</a:t>
+            </a:r>
+            <a:endParaRPr lang="en-US" b="1" dirty="0" smtClean="0">
+              <a:solidFill>
+                <a:srgbClr val="0070C0"/>
+              </a:solidFill>
+              <a:latin typeface="saxMono" pitchFamily="49" charset="0"/>
+            </a:endParaRPr>
+          </a:p>
+          <a:p>
+            <a:r>
+              <a:rPr lang="de-CH" dirty="0" err="1" smtClean="0"/>
+              <a:t>Define</a:t>
+            </a:r>
+            <a:r>
+              <a:rPr lang="de-CH" dirty="0" smtClean="0"/>
+              <a:t> </a:t>
+            </a:r>
+            <a:r>
+              <a:rPr lang="de-CH" dirty="0" err="1" smtClean="0"/>
+              <a:t>types</a:t>
+            </a:r>
+            <a:r>
+              <a:rPr lang="de-CH" dirty="0" smtClean="0"/>
+              <a:t> </a:t>
+            </a:r>
+            <a:r>
+              <a:rPr lang="de-CH" dirty="0" err="1" smtClean="0"/>
+              <a:t>to</a:t>
+            </a:r>
+            <a:r>
+              <a:rPr lang="de-CH" dirty="0" smtClean="0"/>
+              <a:t> </a:t>
+            </a:r>
+            <a:r>
+              <a:rPr lang="de-CH" dirty="0" err="1" smtClean="0"/>
+              <a:t>be</a:t>
+            </a:r>
+            <a:r>
+              <a:rPr lang="de-CH" dirty="0" smtClean="0"/>
+              <a:t> </a:t>
+            </a:r>
+            <a:r>
+              <a:rPr lang="de-CH" dirty="0" err="1" smtClean="0"/>
+              <a:t>rendered</a:t>
+            </a:r>
+            <a:endParaRPr lang="de-CH" dirty="0" smtClean="0"/>
+          </a:p>
+          <a:p>
+            <a:r>
+              <a:rPr lang="de-CH" dirty="0" err="1" smtClean="0"/>
+              <a:t>Generate</a:t>
+            </a:r>
+            <a:r>
+              <a:rPr lang="de-CH" dirty="0" smtClean="0"/>
+              <a:t> HTML, CSS</a:t>
+            </a:r>
+            <a:endParaRPr lang="en-US" dirty="0"/>
+          </a:p>
+        </p:txBody>
+      </p:sp>
+      <p:sp>
+        <p:nvSpPr>
+          <p:cNvPr id="4" name="Foliennummernplatzhalter 3"/>
+          <p:cNvSpPr>
+            <a:spLocks noGrp="1"/>
+          </p:cNvSpPr>
+          <p:nvPr>
+            <p:ph type="sldNum" sz="quarter" idx="12"/>
+          </p:nvPr>
+        </p:nvSpPr>
+        <p:spPr/>
+        <p:txBody>
+          <a:bodyPr/>
+          <a:lstStyle/>
+          <a:p>
+            <a:fld id="{CB39F0D9-F884-4558-986F-7F4B8D6BBDEC}" type="slidenum">
+              <a:rPr lang="de-CH" smtClean="0"/>
+              <a:t>12</a:t>
+            </a:fld>
+            <a:endParaRPr lang="de-CH" dirty="0"/>
+          </a:p>
+        </p:txBody>
+      </p:sp>
     </p:spTree>
     <p:extLst>
       <p:ext uri="{BB962C8B-B14F-4D97-AF65-F5344CB8AC3E}">
-        <p14:creationId xmlns:p14="http://schemas.microsoft.com/office/powerpoint/2010/main" val="1556086699"/>
+        <p14:creationId xmlns:p14="http://schemas.microsoft.com/office/powerpoint/2010/main" val="2597953820"/>
       </p:ext>
     </p:extLst>
   </p:cSld>
@@ -4178,9 +6299,495 @@
   <p:timing>
     <p:tnLst>
       <p:par>
-        <p:cTn id="1" dur="indefinite" restart="never" nodeType="tmRoot"/>
+        <p:cTn id="1" dur="indefinite" restart="never" nodeType="tmRoot">
+          <p:childTnLst>
+            <p:seq concurrent="1" nextAc="seek">
+              <p:cTn id="2" dur="indefinite" nodeType="mainSeq">
+                <p:childTnLst>
+                  <p:par>
+                    <p:cTn id="3" fill="hold">
+                      <p:stCondLst>
+                        <p:cond delay="indefinite"/>
+                      </p:stCondLst>
+                      <p:childTnLst>
+                        <p:par>
+                          <p:cTn id="4" fill="hold">
+                            <p:stCondLst>
+                              <p:cond delay="0"/>
+                            </p:stCondLst>
+                            <p:childTnLst>
+                              <p:par>
+                                <p:cTn id="5" presetID="42" presetClass="entr" presetSubtype="0" fill="hold" grpId="0" nodeType="clickEffect">
+                                  <p:stCondLst>
+                                    <p:cond delay="0"/>
+                                  </p:stCondLst>
+                                  <p:childTnLst>
+                                    <p:set>
+                                      <p:cBhvr>
+                                        <p:cTn id="6" dur="1" fill="hold">
+                                          <p:stCondLst>
+                                            <p:cond delay="0"/>
+                                          </p:stCondLst>
+                                        </p:cTn>
+                                        <p:tgtEl>
+                                          <p:spTgt spid="3">
+                                            <p:txEl>
+                                              <p:pRg st="0" end="0"/>
+                                            </p:txEl>
+                                          </p:spTgt>
+                                        </p:tgtEl>
+                                        <p:attrNameLst>
+                                          <p:attrName>style.visibility</p:attrName>
+                                        </p:attrNameLst>
+                                      </p:cBhvr>
+                                      <p:to>
+                                        <p:strVal val="visible"/>
+                                      </p:to>
+                                    </p:set>
+                                    <p:animEffect transition="in" filter="fade">
+                                      <p:cBhvr>
+                                        <p:cTn id="7" dur="1000"/>
+                                        <p:tgtEl>
+                                          <p:spTgt spid="3">
+                                            <p:txEl>
+                                              <p:pRg st="0" end="0"/>
+                                            </p:txEl>
+                                          </p:spTgt>
+                                        </p:tgtEl>
+                                      </p:cBhvr>
+                                    </p:animEffect>
+                                    <p:anim calcmode="lin" valueType="num">
+                                      <p:cBhvr>
+                                        <p:cTn id="8" dur="1000" fill="hold"/>
+                                        <p:tgtEl>
+                                          <p:spTgt spid="3">
+                                            <p:txEl>
+                                              <p:pRg st="0" end="0"/>
+                                            </p:txEl>
+                                          </p:spTgt>
+                                        </p:tgtEl>
+                                        <p:attrNameLst>
+                                          <p:attrName>ppt_x</p:attrName>
+                                        </p:attrNameLst>
+                                      </p:cBhvr>
+                                      <p:tavLst>
+                                        <p:tav tm="0">
+                                          <p:val>
+                                            <p:strVal val="#ppt_x"/>
+                                          </p:val>
+                                        </p:tav>
+                                        <p:tav tm="100000">
+                                          <p:val>
+                                            <p:strVal val="#ppt_x"/>
+                                          </p:val>
+                                        </p:tav>
+                                      </p:tavLst>
+                                    </p:anim>
+                                    <p:anim calcmode="lin" valueType="num">
+                                      <p:cBhvr>
+                                        <p:cTn id="9" dur="1000" fill="hold"/>
+                                        <p:tgtEl>
+                                          <p:spTgt spid="3">
+                                            <p:txEl>
+                                              <p:pRg st="0" end="0"/>
+                                            </p:txEl>
+                                          </p:spTgt>
+                                        </p:tgtEl>
+                                        <p:attrNameLst>
+                                          <p:attrName>ppt_y</p:attrName>
+                                        </p:attrNameLst>
+                                      </p:cBhvr>
+                                      <p:tavLst>
+                                        <p:tav tm="0">
+                                          <p:val>
+                                            <p:strVal val="#ppt_y+.1"/>
+                                          </p:val>
+                                        </p:tav>
+                                        <p:tav tm="100000">
+                                          <p:val>
+                                            <p:strVal val="#ppt_y"/>
+                                          </p:val>
+                                        </p:tav>
+                                      </p:tavLst>
+                                    </p:anim>
+                                  </p:childTnLst>
+                                </p:cTn>
+                              </p:par>
+                            </p:childTnLst>
+                          </p:cTn>
+                        </p:par>
+                      </p:childTnLst>
+                    </p:cTn>
+                  </p:par>
+                  <p:par>
+                    <p:cTn id="10" fill="hold">
+                      <p:stCondLst>
+                        <p:cond delay="indefinite"/>
+                      </p:stCondLst>
+                      <p:childTnLst>
+                        <p:par>
+                          <p:cTn id="11" fill="hold">
+                            <p:stCondLst>
+                              <p:cond delay="0"/>
+                            </p:stCondLst>
+                            <p:childTnLst>
+                              <p:par>
+                                <p:cTn id="12" presetID="42" presetClass="entr" presetSubtype="0" fill="hold" grpId="0" nodeType="clickEffect">
+                                  <p:stCondLst>
+                                    <p:cond delay="0"/>
+                                  </p:stCondLst>
+                                  <p:childTnLst>
+                                    <p:set>
+                                      <p:cBhvr>
+                                        <p:cTn id="13" dur="1" fill="hold">
+                                          <p:stCondLst>
+                                            <p:cond delay="0"/>
+                                          </p:stCondLst>
+                                        </p:cTn>
+                                        <p:tgtEl>
+                                          <p:spTgt spid="3">
+                                            <p:txEl>
+                                              <p:pRg st="1" end="1"/>
+                                            </p:txEl>
+                                          </p:spTgt>
+                                        </p:tgtEl>
+                                        <p:attrNameLst>
+                                          <p:attrName>style.visibility</p:attrName>
+                                        </p:attrNameLst>
+                                      </p:cBhvr>
+                                      <p:to>
+                                        <p:strVal val="visible"/>
+                                      </p:to>
+                                    </p:set>
+                                    <p:animEffect transition="in" filter="fade">
+                                      <p:cBhvr>
+                                        <p:cTn id="14" dur="1000"/>
+                                        <p:tgtEl>
+                                          <p:spTgt spid="3">
+                                            <p:txEl>
+                                              <p:pRg st="1" end="1"/>
+                                            </p:txEl>
+                                          </p:spTgt>
+                                        </p:tgtEl>
+                                      </p:cBhvr>
+                                    </p:animEffect>
+                                    <p:anim calcmode="lin" valueType="num">
+                                      <p:cBhvr>
+                                        <p:cTn id="15" dur="1000" fill="hold"/>
+                                        <p:tgtEl>
+                                          <p:spTgt spid="3">
+                                            <p:txEl>
+                                              <p:pRg st="1" end="1"/>
+                                            </p:txEl>
+                                          </p:spTgt>
+                                        </p:tgtEl>
+                                        <p:attrNameLst>
+                                          <p:attrName>ppt_x</p:attrName>
+                                        </p:attrNameLst>
+                                      </p:cBhvr>
+                                      <p:tavLst>
+                                        <p:tav tm="0">
+                                          <p:val>
+                                            <p:strVal val="#ppt_x"/>
+                                          </p:val>
+                                        </p:tav>
+                                        <p:tav tm="100000">
+                                          <p:val>
+                                            <p:strVal val="#ppt_x"/>
+                                          </p:val>
+                                        </p:tav>
+                                      </p:tavLst>
+                                    </p:anim>
+                                    <p:anim calcmode="lin" valueType="num">
+                                      <p:cBhvr>
+                                        <p:cTn id="16" dur="1000" fill="hold"/>
+                                        <p:tgtEl>
+                                          <p:spTgt spid="3">
+                                            <p:txEl>
+                                              <p:pRg st="1" end="1"/>
+                                            </p:txEl>
+                                          </p:spTgt>
+                                        </p:tgtEl>
+                                        <p:attrNameLst>
+                                          <p:attrName>ppt_y</p:attrName>
+                                        </p:attrNameLst>
+                                      </p:cBhvr>
+                                      <p:tavLst>
+                                        <p:tav tm="0">
+                                          <p:val>
+                                            <p:strVal val="#ppt_y+.1"/>
+                                          </p:val>
+                                        </p:tav>
+                                        <p:tav tm="100000">
+                                          <p:val>
+                                            <p:strVal val="#ppt_y"/>
+                                          </p:val>
+                                        </p:tav>
+                                      </p:tavLst>
+                                    </p:anim>
+                                  </p:childTnLst>
+                                </p:cTn>
+                              </p:par>
+                            </p:childTnLst>
+                          </p:cTn>
+                        </p:par>
+                      </p:childTnLst>
+                    </p:cTn>
+                  </p:par>
+                  <p:par>
+                    <p:cTn id="17" fill="hold">
+                      <p:stCondLst>
+                        <p:cond delay="indefinite"/>
+                      </p:stCondLst>
+                      <p:childTnLst>
+                        <p:par>
+                          <p:cTn id="18" fill="hold">
+                            <p:stCondLst>
+                              <p:cond delay="0"/>
+                            </p:stCondLst>
+                            <p:childTnLst>
+                              <p:par>
+                                <p:cTn id="19" presetID="42" presetClass="entr" presetSubtype="0" fill="hold" grpId="0" nodeType="clickEffect">
+                                  <p:stCondLst>
+                                    <p:cond delay="0"/>
+                                  </p:stCondLst>
+                                  <p:childTnLst>
+                                    <p:set>
+                                      <p:cBhvr>
+                                        <p:cTn id="20" dur="1" fill="hold">
+                                          <p:stCondLst>
+                                            <p:cond delay="0"/>
+                                          </p:stCondLst>
+                                        </p:cTn>
+                                        <p:tgtEl>
+                                          <p:spTgt spid="3">
+                                            <p:txEl>
+                                              <p:pRg st="2" end="2"/>
+                                            </p:txEl>
+                                          </p:spTgt>
+                                        </p:tgtEl>
+                                        <p:attrNameLst>
+                                          <p:attrName>style.visibility</p:attrName>
+                                        </p:attrNameLst>
+                                      </p:cBhvr>
+                                      <p:to>
+                                        <p:strVal val="visible"/>
+                                      </p:to>
+                                    </p:set>
+                                    <p:animEffect transition="in" filter="fade">
+                                      <p:cBhvr>
+                                        <p:cTn id="21" dur="1000"/>
+                                        <p:tgtEl>
+                                          <p:spTgt spid="3">
+                                            <p:txEl>
+                                              <p:pRg st="2" end="2"/>
+                                            </p:txEl>
+                                          </p:spTgt>
+                                        </p:tgtEl>
+                                      </p:cBhvr>
+                                    </p:animEffect>
+                                    <p:anim calcmode="lin" valueType="num">
+                                      <p:cBhvr>
+                                        <p:cTn id="22" dur="1000" fill="hold"/>
+                                        <p:tgtEl>
+                                          <p:spTgt spid="3">
+                                            <p:txEl>
+                                              <p:pRg st="2" end="2"/>
+                                            </p:txEl>
+                                          </p:spTgt>
+                                        </p:tgtEl>
+                                        <p:attrNameLst>
+                                          <p:attrName>ppt_x</p:attrName>
+                                        </p:attrNameLst>
+                                      </p:cBhvr>
+                                      <p:tavLst>
+                                        <p:tav tm="0">
+                                          <p:val>
+                                            <p:strVal val="#ppt_x"/>
+                                          </p:val>
+                                        </p:tav>
+                                        <p:tav tm="100000">
+                                          <p:val>
+                                            <p:strVal val="#ppt_x"/>
+                                          </p:val>
+                                        </p:tav>
+                                      </p:tavLst>
+                                    </p:anim>
+                                    <p:anim calcmode="lin" valueType="num">
+                                      <p:cBhvr>
+                                        <p:cTn id="23" dur="1000" fill="hold"/>
+                                        <p:tgtEl>
+                                          <p:spTgt spid="3">
+                                            <p:txEl>
+                                              <p:pRg st="2" end="2"/>
+                                            </p:txEl>
+                                          </p:spTgt>
+                                        </p:tgtEl>
+                                        <p:attrNameLst>
+                                          <p:attrName>ppt_y</p:attrName>
+                                        </p:attrNameLst>
+                                      </p:cBhvr>
+                                      <p:tavLst>
+                                        <p:tav tm="0">
+                                          <p:val>
+                                            <p:strVal val="#ppt_y+.1"/>
+                                          </p:val>
+                                        </p:tav>
+                                        <p:tav tm="100000">
+                                          <p:val>
+                                            <p:strVal val="#ppt_y"/>
+                                          </p:val>
+                                        </p:tav>
+                                      </p:tavLst>
+                                    </p:anim>
+                                  </p:childTnLst>
+                                </p:cTn>
+                              </p:par>
+                            </p:childTnLst>
+                          </p:cTn>
+                        </p:par>
+                      </p:childTnLst>
+                    </p:cTn>
+                  </p:par>
+                  <p:par>
+                    <p:cTn id="24" fill="hold">
+                      <p:stCondLst>
+                        <p:cond delay="indefinite"/>
+                      </p:stCondLst>
+                      <p:childTnLst>
+                        <p:par>
+                          <p:cTn id="25" fill="hold">
+                            <p:stCondLst>
+                              <p:cond delay="0"/>
+                            </p:stCondLst>
+                            <p:childTnLst>
+                              <p:par>
+                                <p:cTn id="26" presetID="42" presetClass="entr" presetSubtype="0" fill="hold" grpId="0" nodeType="clickEffect">
+                                  <p:stCondLst>
+                                    <p:cond delay="0"/>
+                                  </p:stCondLst>
+                                  <p:childTnLst>
+                                    <p:set>
+                                      <p:cBhvr>
+                                        <p:cTn id="27" dur="1" fill="hold">
+                                          <p:stCondLst>
+                                            <p:cond delay="0"/>
+                                          </p:stCondLst>
+                                        </p:cTn>
+                                        <p:tgtEl>
+                                          <p:spTgt spid="3">
+                                            <p:txEl>
+                                              <p:pRg st="3" end="3"/>
+                                            </p:txEl>
+                                          </p:spTgt>
+                                        </p:tgtEl>
+                                        <p:attrNameLst>
+                                          <p:attrName>style.visibility</p:attrName>
+                                        </p:attrNameLst>
+                                      </p:cBhvr>
+                                      <p:to>
+                                        <p:strVal val="visible"/>
+                                      </p:to>
+                                    </p:set>
+                                    <p:animEffect transition="in" filter="fade">
+                                      <p:cBhvr>
+                                        <p:cTn id="28" dur="1000"/>
+                                        <p:tgtEl>
+                                          <p:spTgt spid="3">
+                                            <p:txEl>
+                                              <p:pRg st="3" end="3"/>
+                                            </p:txEl>
+                                          </p:spTgt>
+                                        </p:tgtEl>
+                                      </p:cBhvr>
+                                    </p:animEffect>
+                                    <p:anim calcmode="lin" valueType="num">
+                                      <p:cBhvr>
+                                        <p:cTn id="29" dur="1000" fill="hold"/>
+                                        <p:tgtEl>
+                                          <p:spTgt spid="3">
+                                            <p:txEl>
+                                              <p:pRg st="3" end="3"/>
+                                            </p:txEl>
+                                          </p:spTgt>
+                                        </p:tgtEl>
+                                        <p:attrNameLst>
+                                          <p:attrName>ppt_x</p:attrName>
+                                        </p:attrNameLst>
+                                      </p:cBhvr>
+                                      <p:tavLst>
+                                        <p:tav tm="0">
+                                          <p:val>
+                                            <p:strVal val="#ppt_x"/>
+                                          </p:val>
+                                        </p:tav>
+                                        <p:tav tm="100000">
+                                          <p:val>
+                                            <p:strVal val="#ppt_x"/>
+                                          </p:val>
+                                        </p:tav>
+                                      </p:tavLst>
+                                    </p:anim>
+                                    <p:anim calcmode="lin" valueType="num">
+                                      <p:cBhvr>
+                                        <p:cTn id="30" dur="1000" fill="hold"/>
+                                        <p:tgtEl>
+                                          <p:spTgt spid="3">
+                                            <p:txEl>
+                                              <p:pRg st="3" end="3"/>
+                                            </p:txEl>
+                                          </p:spTgt>
+                                        </p:tgtEl>
+                                        <p:attrNameLst>
+                                          <p:attrName>ppt_y</p:attrName>
+                                        </p:attrNameLst>
+                                      </p:cBhvr>
+                                      <p:tavLst>
+                                        <p:tav tm="0">
+                                          <p:val>
+                                            <p:strVal val="#ppt_y+.1"/>
+                                          </p:val>
+                                        </p:tav>
+                                        <p:tav tm="100000">
+                                          <p:val>
+                                            <p:strVal val="#ppt_y"/>
+                                          </p:val>
+                                        </p:tav>
+                                      </p:tavLst>
+                                    </p:anim>
+                                  </p:childTnLst>
+                                </p:cTn>
+                              </p:par>
+                            </p:childTnLst>
+                          </p:cTn>
+                        </p:par>
+                      </p:childTnLst>
+                    </p:cTn>
+                  </p:par>
+                </p:childTnLst>
+              </p:cTn>
+              <p:prevCondLst>
+                <p:cond evt="onPrev" delay="0">
+                  <p:tgtEl>
+                    <p:sldTgt/>
+                  </p:tgtEl>
+                </p:cond>
+              </p:prevCondLst>
+              <p:nextCondLst>
+                <p:cond evt="onNext" delay="0">
+                  <p:tgtEl>
+                    <p:sldTgt/>
+                  </p:tgtEl>
+                </p:cond>
+              </p:nextCondLst>
+            </p:seq>
+          </p:childTnLst>
+        </p:cTn>
       </p:par>
     </p:tnLst>
+    <p:bldLst>
+      <p:bldP spid="3" grpId="0" build="p"/>
+    </p:bldLst>
   </p:timing>
 </p:sld>
 </file>
@@ -4219,107 +6826,6 @@
           <a:p>
             <a:r>
               <a:rPr lang="en-US" dirty="0" smtClean="0"/>
-              <a:t>Inspecting Doodles</a:t>
-            </a:r>
-            <a:endParaRPr lang="en-US" dirty="0"/>
-          </a:p>
-        </p:txBody>
-      </p:sp>
-      <p:pic>
-        <p:nvPicPr>
-          <p:cNvPr id="6146" name="Picture 2" descr="C:\Users\Cedric Reichenbach\Git\Uni\papers-doodledebug\img\AddressBook_address.png"/>
-          <p:cNvPicPr>
-            <a:picLocks noChangeAspect="1" noChangeArrowheads="1"/>
-          </p:cNvPicPr>
-          <p:nvPr/>
-        </p:nvPicPr>
-        <p:blipFill>
-          <a:blip r:embed="rId2">
-            <a:extLst>
-              <a:ext uri="{28A0092B-C50C-407E-A947-70E740481C1C}">
-                <a14:useLocalDpi xmlns:a14="http://schemas.microsoft.com/office/drawing/2010/main" val="0"/>
-              </a:ext>
-            </a:extLst>
-          </a:blip>
-          <a:srcRect/>
-          <a:stretch>
-            <a:fillRect/>
-          </a:stretch>
-        </p:blipFill>
-        <p:spPr bwMode="auto">
-          <a:xfrm>
-            <a:off x="2627783" y="2636912"/>
-            <a:ext cx="3528393" cy="1941984"/>
-          </a:xfrm>
-          <a:prstGeom prst="rect">
-            <a:avLst/>
-          </a:prstGeom>
-          <a:noFill/>
-          <a:extLst>
-            <a:ext uri="{909E8E84-426E-40DD-AFC4-6F175D3DCCD1}">
-              <a14:hiddenFill xmlns:a14="http://schemas.microsoft.com/office/drawing/2010/main">
-                <a:solidFill>
-                  <a:srgbClr val="FFFFFF"/>
-                </a:solidFill>
-              </a14:hiddenFill>
-            </a:ext>
-          </a:extLst>
-        </p:spPr>
-      </p:pic>
-    </p:spTree>
-    <p:extLst>
-      <p:ext uri="{BB962C8B-B14F-4D97-AF65-F5344CB8AC3E}">
-        <p14:creationId xmlns:p14="http://schemas.microsoft.com/office/powerpoint/2010/main" val="1556086699"/>
-      </p:ext>
-    </p:extLst>
-  </p:cSld>
-  <p:clrMapOvr>
-    <a:masterClrMapping/>
-  </p:clrMapOvr>
-  <p:timing>
-    <p:tnLst>
-      <p:par>
-        <p:cTn id="1" dur="indefinite" restart="never" nodeType="tmRoot"/>
-      </p:par>
-    </p:tnLst>
-  </p:timing>
-</p:sld>
-</file>
-
-<file path=ppt/slides/slide14.xml><?xml version="1.0" encoding="utf-8"?>
-<p:sld xmlns:a="http://schemas.openxmlformats.org/drawingml/2006/main" xmlns:r="http://schemas.openxmlformats.org/officeDocument/2006/relationships" xmlns:p="http://schemas.openxmlformats.org/presentationml/2006/main">
-  <p:cSld>
-    <p:spTree>
-      <p:nvGrpSpPr>
-        <p:cNvPr id="1" name=""/>
-        <p:cNvGrpSpPr/>
-        <p:nvPr/>
-      </p:nvGrpSpPr>
-      <p:grpSpPr>
-        <a:xfrm>
-          <a:off x="0" y="0"/>
-          <a:ext cx="0" cy="0"/>
-          <a:chOff x="0" y="0"/>
-          <a:chExt cx="0" cy="0"/>
-        </a:xfrm>
-      </p:grpSpPr>
-      <p:sp>
-        <p:nvSpPr>
-          <p:cNvPr id="2" name="Titel 1"/>
-          <p:cNvSpPr>
-            <a:spLocks noGrp="1"/>
-          </p:cNvSpPr>
-          <p:nvPr>
-            <p:ph type="title"/>
-          </p:nvPr>
-        </p:nvSpPr>
-        <p:spPr/>
-        <p:txBody>
-          <a:bodyPr/>
-          <a:lstStyle/>
-          <a:p>
-            <a:r>
-              <a:rPr lang="en-US" dirty="0" smtClean="0"/>
               <a:t>Default Renderings</a:t>
             </a:r>
             <a:endParaRPr lang="en-US" dirty="0"/>
@@ -4406,6 +6912,29 @@
               <a:t>Classes</a:t>
             </a:r>
             <a:endParaRPr lang="en-US" dirty="0"/>
+          </a:p>
+        </p:txBody>
+      </p:sp>
+      <p:sp>
+        <p:nvSpPr>
+          <p:cNvPr id="4" name="Foliennummernplatzhalter 3"/>
+          <p:cNvSpPr>
+            <a:spLocks noGrp="1"/>
+          </p:cNvSpPr>
+          <p:nvPr>
+            <p:ph type="sldNum" sz="quarter" idx="12"/>
+          </p:nvPr>
+        </p:nvSpPr>
+        <p:spPr/>
+        <p:txBody>
+          <a:bodyPr/>
+          <a:lstStyle/>
+          <a:p>
+            <a:fld id="{CB39F0D9-F884-4558-986F-7F4B8D6BBDEC}" type="slidenum">
+              <a:rPr lang="de-CH" smtClean="0"/>
+              <a:t>13</a:t>
+            </a:fld>
+            <a:endParaRPr lang="de-CH" dirty="0"/>
           </a:p>
         </p:txBody>
       </p:sp>
@@ -5249,7 +7778,7 @@
 </p:sld>
 </file>
 
-<file path=ppt/slides/slide15.xml><?xml version="1.0" encoding="utf-8"?>
+<file path=ppt/slides/slide14.xml><?xml version="1.0" encoding="utf-8"?>
 <p:sld xmlns:a="http://schemas.openxmlformats.org/drawingml/2006/main" xmlns:r="http://schemas.openxmlformats.org/officeDocument/2006/relationships" xmlns:p="http://schemas.openxmlformats.org/presentationml/2006/main">
   <p:cSld>
     <p:spTree>
@@ -5314,8 +7843,13 @@
             </a:br>
             <a:r>
               <a:rPr lang="en-US" dirty="0" smtClean="0"/>
-              <a:t>List fields (if not too many)</a:t>
-            </a:r>
+              <a:t>List fields (if </a:t>
+            </a:r>
+            <a:r>
+              <a:rPr lang="en-US" dirty="0" smtClean="0"/>
+              <a:t>&lt;= 7)</a:t>
+            </a:r>
+            <a:endParaRPr lang="en-US" dirty="0" smtClean="0"/>
           </a:p>
           <a:p>
             <a:pPr lvl="1"/>
@@ -5346,9 +7880,69 @@
             </a:br>
             <a:r>
               <a:rPr lang="en-US" dirty="0" smtClean="0"/>
-              <a:t>With linking to Eclipse editor</a:t>
-            </a:r>
-            <a:endParaRPr lang="en-US" dirty="0"/>
+              <a:t>With linking to Eclipse </a:t>
+            </a:r>
+            <a:r>
+              <a:rPr lang="en-US" dirty="0" smtClean="0"/>
+              <a:t>editor</a:t>
+            </a:r>
+          </a:p>
+          <a:p>
+            <a:pPr marL="457200" lvl="1" indent="0">
+              <a:buNone/>
+            </a:pPr>
+            <a:r>
+              <a:rPr lang="en-US" dirty="0" smtClean="0">
+                <a:solidFill>
+                  <a:srgbClr val="FF0000"/>
+                </a:solidFill>
+              </a:rPr>
+              <a:t>(Screenshots, at least </a:t>
+            </a:r>
+            <a:r>
+              <a:rPr lang="en-US" dirty="0" err="1" smtClean="0">
+                <a:solidFill>
+                  <a:srgbClr val="FF0000"/>
+                </a:solidFill>
+              </a:rPr>
+              <a:t>Throwables</a:t>
+            </a:r>
+            <a:r>
+              <a:rPr lang="en-US" dirty="0" smtClean="0">
+                <a:solidFill>
+                  <a:srgbClr val="FF0000"/>
+                </a:solidFill>
+              </a:rPr>
+              <a:t>)</a:t>
+            </a:r>
+            <a:endParaRPr lang="en-US" dirty="0">
+              <a:solidFill>
+                <a:srgbClr val="FF0000"/>
+              </a:solidFill>
+            </a:endParaRPr>
+          </a:p>
+        </p:txBody>
+      </p:sp>
+      <p:sp>
+        <p:nvSpPr>
+          <p:cNvPr id="4" name="Foliennummernplatzhalter 3"/>
+          <p:cNvSpPr>
+            <a:spLocks noGrp="1"/>
+          </p:cNvSpPr>
+          <p:nvPr>
+            <p:ph type="sldNum" sz="quarter" idx="12"/>
+          </p:nvPr>
+        </p:nvSpPr>
+        <p:spPr/>
+        <p:txBody>
+          <a:bodyPr/>
+          <a:lstStyle/>
+          <a:p>
+            <a:fld id="{CB39F0D9-F884-4558-986F-7F4B8D6BBDEC}" type="slidenum">
+              <a:rPr lang="de-CH" smtClean="0"/>
+              <a:t>14</a:t>
+            </a:fld>
+            <a:endParaRPr lang="de-CH" dirty="0"/>
           </a:p>
         </p:txBody>
       </p:sp>
@@ -5709,6 +8303,103 @@
                                   </p:childTnLst>
                                 </p:cTn>
                               </p:par>
+                              <p:par>
+                                <p:cTn id="24" presetID="42" presetClass="entr" presetSubtype="0" fill="hold" grpId="0" nodeType="withEffect">
+                                  <p:stCondLst>
+                                    <p:cond delay="0"/>
+                                  </p:stCondLst>
+                                  <p:childTnLst>
+                                    <p:set>
+                                      <p:cBhvr>
+                                        <p:cTn id="25" dur="1" fill="hold">
+                                          <p:stCondLst>
+                                            <p:cond delay="0"/>
+                                          </p:stCondLst>
+                                        </p:cTn>
+                                        <p:tgtEl>
+                                          <p:spTgt spid="3">
+                                            <p:txEl>
+                                              <p:pRg st="3" end="3"/>
+                                            </p:txEl>
+                                          </p:spTgt>
+                                        </p:tgtEl>
+                                        <p:attrNameLst>
+                                          <p:attrName>style.visibility</p:attrName>
+                                        </p:attrNameLst>
+                                      </p:cBhvr>
+                                      <p:to>
+                                        <p:strVal val="visible"/>
+                                      </p:to>
+                                    </p:set>
+                                    <p:animEffect transition="in" filter="fade">
+                                      <p:cBhvr>
+                                        <p:cTn id="26" dur="1000"/>
+                                        <p:tgtEl>
+                                          <p:spTgt spid="3">
+                                            <p:txEl>
+                                              <p:pRg st="3" end="3"/>
+                                            </p:txEl>
+                                          </p:spTgt>
+                                        </p:tgtEl>
+                                      </p:cBhvr>
+                                    </p:animEffect>
+                                    <p:anim calcmode="lin" valueType="num">
+                                      <p:cBhvr>
+                                        <p:cTn id="27" dur="1000" fill="hold"/>
+                                        <p:tgtEl>
+                                          <p:spTgt spid="3">
+                                            <p:txEl>
+                                              <p:pRg st="3" end="3"/>
+                                            </p:txEl>
+                                          </p:spTgt>
+                                        </p:tgtEl>
+                                        <p:attrNameLst>
+                                          <p:attrName>ppt_x</p:attrName>
+                                        </p:attrNameLst>
+                                      </p:cBhvr>
+                                      <p:tavLst>
+                                        <p:tav tm="0">
+                                          <p:val>
+                                            <p:strVal val="#ppt_x"/>
+                                          </p:val>
+                                        </p:tav>
+                                        <p:tav tm="100000">
+                                          <p:val>
+                                            <p:strVal val="#ppt_x"/>
+                                          </p:val>
+                                        </p:tav>
+                                      </p:tavLst>
+                                    </p:anim>
+                                    <p:anim calcmode="lin" valueType="num">
+                                      <p:cBhvr>
+                                        <p:cTn id="28" dur="1000" fill="hold"/>
+                                        <p:tgtEl>
+                                          <p:spTgt spid="3">
+                                            <p:txEl>
+                                              <p:pRg st="3" end="3"/>
+                                            </p:txEl>
+                                          </p:spTgt>
+                                        </p:tgtEl>
+                                        <p:attrNameLst>
+                                          <p:attrName>ppt_y</p:attrName>
+                                        </p:attrNameLst>
+                                      </p:cBhvr>
+                                      <p:tavLst>
+                                        <p:tav tm="0">
+                                          <p:val>
+                                            <p:strVal val="#ppt_y+.1"/>
+                                          </p:val>
+                                        </p:tav>
+                                        <p:tav tm="100000">
+                                          <p:val>
+                                            <p:strVal val="#ppt_y"/>
+                                          </p:val>
+                                        </p:tav>
+                                      </p:tavLst>
+                                    </p:anim>
+                                  </p:childTnLst>
+                                </p:cTn>
+                              </p:par>
                             </p:childTnLst>
                           </p:cTn>
                         </p:par>
@@ -5743,7 +8434,7 @@
 </p:sld>
 </file>
 
-<file path=ppt/slides/slide16.xml><?xml version="1.0" encoding="utf-8"?>
+<file path=ppt/slides/slide15.xml><?xml version="1.0" encoding="utf-8"?>
 <p:sld xmlns:a="http://schemas.openxmlformats.org/drawingml/2006/main" xmlns:r="http://schemas.openxmlformats.org/officeDocument/2006/relationships" xmlns:p="http://schemas.openxmlformats.org/presentationml/2006/main">
   <p:cSld>
     <p:spTree>
@@ -5831,6 +8522,29 @@
               <a:rPr lang="en-US" dirty="0" smtClean="0"/>
               <a:t>Screen capturing and think-aloud protocol</a:t>
             </a:r>
+          </a:p>
+        </p:txBody>
+      </p:sp>
+      <p:sp>
+        <p:nvSpPr>
+          <p:cNvPr id="4" name="Foliennummernplatzhalter 3"/>
+          <p:cNvSpPr>
+            <a:spLocks noGrp="1"/>
+          </p:cNvSpPr>
+          <p:nvPr>
+            <p:ph type="sldNum" sz="quarter" idx="12"/>
+          </p:nvPr>
+        </p:nvSpPr>
+        <p:spPr/>
+        <p:txBody>
+          <a:bodyPr/>
+          <a:lstStyle/>
+          <a:p>
+            <a:fld id="{CB39F0D9-F884-4558-986F-7F4B8D6BBDEC}" type="slidenum">
+              <a:rPr lang="de-CH" smtClean="0"/>
+              <a:t>15</a:t>
+            </a:fld>
+            <a:endParaRPr lang="de-CH" dirty="0"/>
           </a:p>
         </p:txBody>
       </p:sp>
@@ -6398,6 +9112,860 @@
                                           <p:spTgt spid="3">
                                             <p:txEl>
                                               <p:pRg st="4" end="4"/>
+                                            </p:txEl>
+                                          </p:spTgt>
+                                        </p:tgtEl>
+                                        <p:attrNameLst>
+                                          <p:attrName>ppt_y</p:attrName>
+                                        </p:attrNameLst>
+                                      </p:cBhvr>
+                                      <p:tavLst>
+                                        <p:tav tm="0">
+                                          <p:val>
+                                            <p:strVal val="#ppt_y+.1"/>
+                                          </p:val>
+                                        </p:tav>
+                                        <p:tav tm="100000">
+                                          <p:val>
+                                            <p:strVal val="#ppt_y"/>
+                                          </p:val>
+                                        </p:tav>
+                                      </p:tavLst>
+                                    </p:anim>
+                                  </p:childTnLst>
+                                </p:cTn>
+                              </p:par>
+                            </p:childTnLst>
+                          </p:cTn>
+                        </p:par>
+                      </p:childTnLst>
+                    </p:cTn>
+                  </p:par>
+                </p:childTnLst>
+              </p:cTn>
+              <p:prevCondLst>
+                <p:cond evt="onPrev" delay="0">
+                  <p:tgtEl>
+                    <p:sldTgt/>
+                  </p:tgtEl>
+                </p:cond>
+              </p:prevCondLst>
+              <p:nextCondLst>
+                <p:cond evt="onNext" delay="0">
+                  <p:tgtEl>
+                    <p:sldTgt/>
+                  </p:tgtEl>
+                </p:cond>
+              </p:nextCondLst>
+            </p:seq>
+          </p:childTnLst>
+        </p:cTn>
+      </p:par>
+    </p:tnLst>
+    <p:bldLst>
+      <p:bldP spid="3" grpId="0" build="p"/>
+    </p:bldLst>
+  </p:timing>
+</p:sld>
+</file>
+
+<file path=ppt/slides/slide16.xml><?xml version="1.0" encoding="utf-8"?>
+<p:sld xmlns:a="http://schemas.openxmlformats.org/drawingml/2006/main" xmlns:r="http://schemas.openxmlformats.org/officeDocument/2006/relationships" xmlns:p="http://schemas.openxmlformats.org/presentationml/2006/main">
+  <p:cSld>
+    <p:spTree>
+      <p:nvGrpSpPr>
+        <p:cNvPr id="1" name=""/>
+        <p:cNvGrpSpPr/>
+        <p:nvPr/>
+      </p:nvGrpSpPr>
+      <p:grpSpPr>
+        <a:xfrm>
+          <a:off x="0" y="0"/>
+          <a:ext cx="0" cy="0"/>
+          <a:chOff x="0" y="0"/>
+          <a:chExt cx="0" cy="0"/>
+        </a:xfrm>
+      </p:grpSpPr>
+      <p:sp>
+        <p:nvSpPr>
+          <p:cNvPr id="2" name="Titel 1"/>
+          <p:cNvSpPr>
+            <a:spLocks noGrp="1"/>
+          </p:cNvSpPr>
+          <p:nvPr>
+            <p:ph type="title"/>
+          </p:nvPr>
+        </p:nvSpPr>
+        <p:spPr/>
+        <p:txBody>
+          <a:bodyPr/>
+          <a:lstStyle/>
+          <a:p>
+            <a:r>
+              <a:rPr lang="en-US" dirty="0" smtClean="0"/>
+              <a:t>Study: Outcomes</a:t>
+            </a:r>
+            <a:endParaRPr lang="en-US" dirty="0"/>
+          </a:p>
+        </p:txBody>
+      </p:sp>
+      <p:sp>
+        <p:nvSpPr>
+          <p:cNvPr id="3" name="Inhaltsplatzhalter 2"/>
+          <p:cNvSpPr>
+            <a:spLocks noGrp="1"/>
+          </p:cNvSpPr>
+          <p:nvPr>
+            <p:ph idx="1"/>
+          </p:nvPr>
+        </p:nvSpPr>
+        <p:spPr/>
+        <p:txBody>
+          <a:bodyPr>
+            <a:normAutofit lnSpcReduction="10000"/>
+          </a:bodyPr>
+          <a:lstStyle/>
+          <a:p>
+            <a:r>
+              <a:rPr lang="en-US" dirty="0" smtClean="0"/>
+              <a:t>More efficient debugging</a:t>
+            </a:r>
+          </a:p>
+          <a:p>
+            <a:pPr lvl="1"/>
+            <a:r>
+              <a:rPr lang="en-US" dirty="0" smtClean="0"/>
+              <a:t>Less program executions</a:t>
+            </a:r>
+          </a:p>
+          <a:p>
+            <a:pPr lvl="1"/>
+            <a:r>
+              <a:rPr lang="en-US" dirty="0" smtClean="0"/>
+              <a:t>Less searching </a:t>
+            </a:r>
+            <a:r>
+              <a:rPr lang="en-US" dirty="0" smtClean="0"/>
+              <a:t>effort</a:t>
+            </a:r>
+          </a:p>
+          <a:p>
+            <a:pPr marL="457200" lvl="1" indent="0">
+              <a:buNone/>
+            </a:pPr>
+            <a:r>
+              <a:rPr lang="en-US" dirty="0" smtClean="0">
+                <a:solidFill>
+                  <a:srgbClr val="FF0000"/>
+                </a:solidFill>
+              </a:rPr>
+              <a:t>What does this mean?</a:t>
+            </a:r>
+            <a:endParaRPr lang="en-US" dirty="0" smtClean="0">
+              <a:solidFill>
+                <a:srgbClr val="FF0000"/>
+              </a:solidFill>
+            </a:endParaRPr>
+          </a:p>
+          <a:p>
+            <a:r>
+              <a:rPr lang="en-US" dirty="0" smtClean="0"/>
+              <a:t>Default doodles should not only use </a:t>
+            </a:r>
+            <a:r>
+              <a:rPr lang="en-US" b="1" dirty="0" err="1" smtClean="0">
+                <a:solidFill>
+                  <a:srgbClr val="0070C0"/>
+                </a:solidFill>
+                <a:latin typeface="saxMono" pitchFamily="49" charset="0"/>
+              </a:rPr>
+              <a:t>toString</a:t>
+            </a:r>
+            <a:r>
+              <a:rPr lang="en-US" b="1" dirty="0" smtClean="0">
+                <a:solidFill>
+                  <a:srgbClr val="0070C0"/>
+                </a:solidFill>
+                <a:latin typeface="saxMono" pitchFamily="49" charset="0"/>
+              </a:rPr>
+              <a:t>()</a:t>
+            </a:r>
+            <a:r>
+              <a:rPr lang="en-US" dirty="0" smtClean="0"/>
+              <a:t/>
+            </a:r>
+            <a:br>
+              <a:rPr lang="en-US" dirty="0" smtClean="0"/>
+            </a:br>
+            <a:r>
+              <a:rPr lang="en-US" dirty="0" smtClean="0">
+                <a:sym typeface="Wingdings" pitchFamily="2" charset="2"/>
+              </a:rPr>
+              <a:t> Listing fields yields better results</a:t>
+            </a:r>
+          </a:p>
+          <a:p>
+            <a:r>
+              <a:rPr lang="en-US" dirty="0" smtClean="0">
+                <a:sym typeface="Wingdings" pitchFamily="2" charset="2"/>
+              </a:rPr>
+              <a:t>Several minor UI problems</a:t>
+            </a:r>
+            <a:endParaRPr lang="en-US" dirty="0"/>
+          </a:p>
+          <a:p>
+            <a:endParaRPr lang="en-US" dirty="0" smtClean="0"/>
+          </a:p>
+        </p:txBody>
+      </p:sp>
+      <p:sp>
+        <p:nvSpPr>
+          <p:cNvPr id="4" name="Foliennummernplatzhalter 3"/>
+          <p:cNvSpPr>
+            <a:spLocks noGrp="1"/>
+          </p:cNvSpPr>
+          <p:nvPr>
+            <p:ph type="sldNum" sz="quarter" idx="12"/>
+          </p:nvPr>
+        </p:nvSpPr>
+        <p:spPr/>
+        <p:txBody>
+          <a:bodyPr/>
+          <a:lstStyle/>
+          <a:p>
+            <a:fld id="{CB39F0D9-F884-4558-986F-7F4B8D6BBDEC}" type="slidenum">
+              <a:rPr lang="de-CH" smtClean="0"/>
+              <a:t>16</a:t>
+            </a:fld>
+            <a:endParaRPr lang="de-CH" dirty="0"/>
+          </a:p>
+        </p:txBody>
+      </p:sp>
+    </p:spTree>
+    <p:extLst>
+      <p:ext uri="{BB962C8B-B14F-4D97-AF65-F5344CB8AC3E}">
+        <p14:creationId xmlns:p14="http://schemas.microsoft.com/office/powerpoint/2010/main" val="3375597900"/>
+      </p:ext>
+    </p:extLst>
+  </p:cSld>
+  <p:clrMapOvr>
+    <a:masterClrMapping/>
+  </p:clrMapOvr>
+  <p:timing>
+    <p:tnLst>
+      <p:par>
+        <p:cTn id="1" dur="indefinite" restart="never" nodeType="tmRoot">
+          <p:childTnLst>
+            <p:seq concurrent="1" nextAc="seek">
+              <p:cTn id="2" dur="indefinite" nodeType="mainSeq">
+                <p:childTnLst>
+                  <p:par>
+                    <p:cTn id="3" fill="hold">
+                      <p:stCondLst>
+                        <p:cond delay="indefinite"/>
+                      </p:stCondLst>
+                      <p:childTnLst>
+                        <p:par>
+                          <p:cTn id="4" fill="hold">
+                            <p:stCondLst>
+                              <p:cond delay="0"/>
+                            </p:stCondLst>
+                            <p:childTnLst>
+                              <p:par>
+                                <p:cTn id="5" presetID="42" presetClass="entr" presetSubtype="0" fill="hold" grpId="0" nodeType="clickEffect">
+                                  <p:stCondLst>
+                                    <p:cond delay="0"/>
+                                  </p:stCondLst>
+                                  <p:childTnLst>
+                                    <p:set>
+                                      <p:cBhvr>
+                                        <p:cTn id="6" dur="1" fill="hold">
+                                          <p:stCondLst>
+                                            <p:cond delay="0"/>
+                                          </p:stCondLst>
+                                        </p:cTn>
+                                        <p:tgtEl>
+                                          <p:spTgt spid="3">
+                                            <p:txEl>
+                                              <p:pRg st="0" end="0"/>
+                                            </p:txEl>
+                                          </p:spTgt>
+                                        </p:tgtEl>
+                                        <p:attrNameLst>
+                                          <p:attrName>style.visibility</p:attrName>
+                                        </p:attrNameLst>
+                                      </p:cBhvr>
+                                      <p:to>
+                                        <p:strVal val="visible"/>
+                                      </p:to>
+                                    </p:set>
+                                    <p:animEffect transition="in" filter="fade">
+                                      <p:cBhvr>
+                                        <p:cTn id="7" dur="1000"/>
+                                        <p:tgtEl>
+                                          <p:spTgt spid="3">
+                                            <p:txEl>
+                                              <p:pRg st="0" end="0"/>
+                                            </p:txEl>
+                                          </p:spTgt>
+                                        </p:tgtEl>
+                                      </p:cBhvr>
+                                    </p:animEffect>
+                                    <p:anim calcmode="lin" valueType="num">
+                                      <p:cBhvr>
+                                        <p:cTn id="8" dur="1000" fill="hold"/>
+                                        <p:tgtEl>
+                                          <p:spTgt spid="3">
+                                            <p:txEl>
+                                              <p:pRg st="0" end="0"/>
+                                            </p:txEl>
+                                          </p:spTgt>
+                                        </p:tgtEl>
+                                        <p:attrNameLst>
+                                          <p:attrName>ppt_x</p:attrName>
+                                        </p:attrNameLst>
+                                      </p:cBhvr>
+                                      <p:tavLst>
+                                        <p:tav tm="0">
+                                          <p:val>
+                                            <p:strVal val="#ppt_x"/>
+                                          </p:val>
+                                        </p:tav>
+                                        <p:tav tm="100000">
+                                          <p:val>
+                                            <p:strVal val="#ppt_x"/>
+                                          </p:val>
+                                        </p:tav>
+                                      </p:tavLst>
+                                    </p:anim>
+                                    <p:anim calcmode="lin" valueType="num">
+                                      <p:cBhvr>
+                                        <p:cTn id="9" dur="1000" fill="hold"/>
+                                        <p:tgtEl>
+                                          <p:spTgt spid="3">
+                                            <p:txEl>
+                                              <p:pRg st="0" end="0"/>
+                                            </p:txEl>
+                                          </p:spTgt>
+                                        </p:tgtEl>
+                                        <p:attrNameLst>
+                                          <p:attrName>ppt_y</p:attrName>
+                                        </p:attrNameLst>
+                                      </p:cBhvr>
+                                      <p:tavLst>
+                                        <p:tav tm="0">
+                                          <p:val>
+                                            <p:strVal val="#ppt_y+.1"/>
+                                          </p:val>
+                                        </p:tav>
+                                        <p:tav tm="100000">
+                                          <p:val>
+                                            <p:strVal val="#ppt_y"/>
+                                          </p:val>
+                                        </p:tav>
+                                      </p:tavLst>
+                                    </p:anim>
+                                  </p:childTnLst>
+                                </p:cTn>
+                              </p:par>
+                              <p:par>
+                                <p:cTn id="10" presetID="42" presetClass="entr" presetSubtype="0" fill="hold" grpId="0" nodeType="withEffect">
+                                  <p:stCondLst>
+                                    <p:cond delay="0"/>
+                                  </p:stCondLst>
+                                  <p:childTnLst>
+                                    <p:set>
+                                      <p:cBhvr>
+                                        <p:cTn id="11" dur="1" fill="hold">
+                                          <p:stCondLst>
+                                            <p:cond delay="0"/>
+                                          </p:stCondLst>
+                                        </p:cTn>
+                                        <p:tgtEl>
+                                          <p:spTgt spid="3">
+                                            <p:txEl>
+                                              <p:pRg st="1" end="1"/>
+                                            </p:txEl>
+                                          </p:spTgt>
+                                        </p:tgtEl>
+                                        <p:attrNameLst>
+                                          <p:attrName>style.visibility</p:attrName>
+                                        </p:attrNameLst>
+                                      </p:cBhvr>
+                                      <p:to>
+                                        <p:strVal val="visible"/>
+                                      </p:to>
+                                    </p:set>
+                                    <p:animEffect transition="in" filter="fade">
+                                      <p:cBhvr>
+                                        <p:cTn id="12" dur="1000"/>
+                                        <p:tgtEl>
+                                          <p:spTgt spid="3">
+                                            <p:txEl>
+                                              <p:pRg st="1" end="1"/>
+                                            </p:txEl>
+                                          </p:spTgt>
+                                        </p:tgtEl>
+                                      </p:cBhvr>
+                                    </p:animEffect>
+                                    <p:anim calcmode="lin" valueType="num">
+                                      <p:cBhvr>
+                                        <p:cTn id="13" dur="1000" fill="hold"/>
+                                        <p:tgtEl>
+                                          <p:spTgt spid="3">
+                                            <p:txEl>
+                                              <p:pRg st="1" end="1"/>
+                                            </p:txEl>
+                                          </p:spTgt>
+                                        </p:tgtEl>
+                                        <p:attrNameLst>
+                                          <p:attrName>ppt_x</p:attrName>
+                                        </p:attrNameLst>
+                                      </p:cBhvr>
+                                      <p:tavLst>
+                                        <p:tav tm="0">
+                                          <p:val>
+                                            <p:strVal val="#ppt_x"/>
+                                          </p:val>
+                                        </p:tav>
+                                        <p:tav tm="100000">
+                                          <p:val>
+                                            <p:strVal val="#ppt_x"/>
+                                          </p:val>
+                                        </p:tav>
+                                      </p:tavLst>
+                                    </p:anim>
+                                    <p:anim calcmode="lin" valueType="num">
+                                      <p:cBhvr>
+                                        <p:cTn id="14" dur="1000" fill="hold"/>
+                                        <p:tgtEl>
+                                          <p:spTgt spid="3">
+                                            <p:txEl>
+                                              <p:pRg st="1" end="1"/>
+                                            </p:txEl>
+                                          </p:spTgt>
+                                        </p:tgtEl>
+                                        <p:attrNameLst>
+                                          <p:attrName>ppt_y</p:attrName>
+                                        </p:attrNameLst>
+                                      </p:cBhvr>
+                                      <p:tavLst>
+                                        <p:tav tm="0">
+                                          <p:val>
+                                            <p:strVal val="#ppt_y+.1"/>
+                                          </p:val>
+                                        </p:tav>
+                                        <p:tav tm="100000">
+                                          <p:val>
+                                            <p:strVal val="#ppt_y"/>
+                                          </p:val>
+                                        </p:tav>
+                                      </p:tavLst>
+                                    </p:anim>
+                                  </p:childTnLst>
+                                </p:cTn>
+                              </p:par>
+                              <p:par>
+                                <p:cTn id="15" presetID="42" presetClass="entr" presetSubtype="0" fill="hold" grpId="0" nodeType="withEffect">
+                                  <p:stCondLst>
+                                    <p:cond delay="0"/>
+                                  </p:stCondLst>
+                                  <p:childTnLst>
+                                    <p:set>
+                                      <p:cBhvr>
+                                        <p:cTn id="16" dur="1" fill="hold">
+                                          <p:stCondLst>
+                                            <p:cond delay="0"/>
+                                          </p:stCondLst>
+                                        </p:cTn>
+                                        <p:tgtEl>
+                                          <p:spTgt spid="3">
+                                            <p:txEl>
+                                              <p:pRg st="2" end="2"/>
+                                            </p:txEl>
+                                          </p:spTgt>
+                                        </p:tgtEl>
+                                        <p:attrNameLst>
+                                          <p:attrName>style.visibility</p:attrName>
+                                        </p:attrNameLst>
+                                      </p:cBhvr>
+                                      <p:to>
+                                        <p:strVal val="visible"/>
+                                      </p:to>
+                                    </p:set>
+                                    <p:animEffect transition="in" filter="fade">
+                                      <p:cBhvr>
+                                        <p:cTn id="17" dur="1000"/>
+                                        <p:tgtEl>
+                                          <p:spTgt spid="3">
+                                            <p:txEl>
+                                              <p:pRg st="2" end="2"/>
+                                            </p:txEl>
+                                          </p:spTgt>
+                                        </p:tgtEl>
+                                      </p:cBhvr>
+                                    </p:animEffect>
+                                    <p:anim calcmode="lin" valueType="num">
+                                      <p:cBhvr>
+                                        <p:cTn id="18" dur="1000" fill="hold"/>
+                                        <p:tgtEl>
+                                          <p:spTgt spid="3">
+                                            <p:txEl>
+                                              <p:pRg st="2" end="2"/>
+                                            </p:txEl>
+                                          </p:spTgt>
+                                        </p:tgtEl>
+                                        <p:attrNameLst>
+                                          <p:attrName>ppt_x</p:attrName>
+                                        </p:attrNameLst>
+                                      </p:cBhvr>
+                                      <p:tavLst>
+                                        <p:tav tm="0">
+                                          <p:val>
+                                            <p:strVal val="#ppt_x"/>
+                                          </p:val>
+                                        </p:tav>
+                                        <p:tav tm="100000">
+                                          <p:val>
+                                            <p:strVal val="#ppt_x"/>
+                                          </p:val>
+                                        </p:tav>
+                                      </p:tavLst>
+                                    </p:anim>
+                                    <p:anim calcmode="lin" valueType="num">
+                                      <p:cBhvr>
+                                        <p:cTn id="19" dur="1000" fill="hold"/>
+                                        <p:tgtEl>
+                                          <p:spTgt spid="3">
+                                            <p:txEl>
+                                              <p:pRg st="2" end="2"/>
+                                            </p:txEl>
+                                          </p:spTgt>
+                                        </p:tgtEl>
+                                        <p:attrNameLst>
+                                          <p:attrName>ppt_y</p:attrName>
+                                        </p:attrNameLst>
+                                      </p:cBhvr>
+                                      <p:tavLst>
+                                        <p:tav tm="0">
+                                          <p:val>
+                                            <p:strVal val="#ppt_y+.1"/>
+                                          </p:val>
+                                        </p:tav>
+                                        <p:tav tm="100000">
+                                          <p:val>
+                                            <p:strVal val="#ppt_y"/>
+                                          </p:val>
+                                        </p:tav>
+                                      </p:tavLst>
+                                    </p:anim>
+                                  </p:childTnLst>
+                                </p:cTn>
+                              </p:par>
+                              <p:par>
+                                <p:cTn id="20" presetID="42" presetClass="entr" presetSubtype="0" fill="hold" grpId="0" nodeType="withEffect">
+                                  <p:stCondLst>
+                                    <p:cond delay="0"/>
+                                  </p:stCondLst>
+                                  <p:childTnLst>
+                                    <p:set>
+                                      <p:cBhvr>
+                                        <p:cTn id="21" dur="1" fill="hold">
+                                          <p:stCondLst>
+                                            <p:cond delay="0"/>
+                                          </p:stCondLst>
+                                        </p:cTn>
+                                        <p:tgtEl>
+                                          <p:spTgt spid="3">
+                                            <p:txEl>
+                                              <p:pRg st="3" end="3"/>
+                                            </p:txEl>
+                                          </p:spTgt>
+                                        </p:tgtEl>
+                                        <p:attrNameLst>
+                                          <p:attrName>style.visibility</p:attrName>
+                                        </p:attrNameLst>
+                                      </p:cBhvr>
+                                      <p:to>
+                                        <p:strVal val="visible"/>
+                                      </p:to>
+                                    </p:set>
+                                    <p:animEffect transition="in" filter="fade">
+                                      <p:cBhvr>
+                                        <p:cTn id="22" dur="1000"/>
+                                        <p:tgtEl>
+                                          <p:spTgt spid="3">
+                                            <p:txEl>
+                                              <p:pRg st="3" end="3"/>
+                                            </p:txEl>
+                                          </p:spTgt>
+                                        </p:tgtEl>
+                                      </p:cBhvr>
+                                    </p:animEffect>
+                                    <p:anim calcmode="lin" valueType="num">
+                                      <p:cBhvr>
+                                        <p:cTn id="23" dur="1000" fill="hold"/>
+                                        <p:tgtEl>
+                                          <p:spTgt spid="3">
+                                            <p:txEl>
+                                              <p:pRg st="3" end="3"/>
+                                            </p:txEl>
+                                          </p:spTgt>
+                                        </p:tgtEl>
+                                        <p:attrNameLst>
+                                          <p:attrName>ppt_x</p:attrName>
+                                        </p:attrNameLst>
+                                      </p:cBhvr>
+                                      <p:tavLst>
+                                        <p:tav tm="0">
+                                          <p:val>
+                                            <p:strVal val="#ppt_x"/>
+                                          </p:val>
+                                        </p:tav>
+                                        <p:tav tm="100000">
+                                          <p:val>
+                                            <p:strVal val="#ppt_x"/>
+                                          </p:val>
+                                        </p:tav>
+                                      </p:tavLst>
+                                    </p:anim>
+                                    <p:anim calcmode="lin" valueType="num">
+                                      <p:cBhvr>
+                                        <p:cTn id="24" dur="1000" fill="hold"/>
+                                        <p:tgtEl>
+                                          <p:spTgt spid="3">
+                                            <p:txEl>
+                                              <p:pRg st="3" end="3"/>
+                                            </p:txEl>
+                                          </p:spTgt>
+                                        </p:tgtEl>
+                                        <p:attrNameLst>
+                                          <p:attrName>ppt_y</p:attrName>
+                                        </p:attrNameLst>
+                                      </p:cBhvr>
+                                      <p:tavLst>
+                                        <p:tav tm="0">
+                                          <p:val>
+                                            <p:strVal val="#ppt_y+.1"/>
+                                          </p:val>
+                                        </p:tav>
+                                        <p:tav tm="100000">
+                                          <p:val>
+                                            <p:strVal val="#ppt_y"/>
+                                          </p:val>
+                                        </p:tav>
+                                      </p:tavLst>
+                                    </p:anim>
+                                  </p:childTnLst>
+                                </p:cTn>
+                              </p:par>
+                            </p:childTnLst>
+                          </p:cTn>
+                        </p:par>
+                      </p:childTnLst>
+                    </p:cTn>
+                  </p:par>
+                  <p:par>
+                    <p:cTn id="25" fill="hold">
+                      <p:stCondLst>
+                        <p:cond delay="indefinite"/>
+                      </p:stCondLst>
+                      <p:childTnLst>
+                        <p:par>
+                          <p:cTn id="26" fill="hold">
+                            <p:stCondLst>
+                              <p:cond delay="0"/>
+                            </p:stCondLst>
+                            <p:childTnLst>
+                              <p:par>
+                                <p:cTn id="27" presetID="42" presetClass="entr" presetSubtype="0" fill="hold" grpId="0" nodeType="clickEffect">
+                                  <p:stCondLst>
+                                    <p:cond delay="0"/>
+                                  </p:stCondLst>
+                                  <p:childTnLst>
+                                    <p:set>
+                                      <p:cBhvr>
+                                        <p:cTn id="28" dur="1" fill="hold">
+                                          <p:stCondLst>
+                                            <p:cond delay="0"/>
+                                          </p:stCondLst>
+                                        </p:cTn>
+                                        <p:tgtEl>
+                                          <p:spTgt spid="3">
+                                            <p:txEl>
+                                              <p:pRg st="4" end="4"/>
+                                            </p:txEl>
+                                          </p:spTgt>
+                                        </p:tgtEl>
+                                        <p:attrNameLst>
+                                          <p:attrName>style.visibility</p:attrName>
+                                        </p:attrNameLst>
+                                      </p:cBhvr>
+                                      <p:to>
+                                        <p:strVal val="visible"/>
+                                      </p:to>
+                                    </p:set>
+                                    <p:animEffect transition="in" filter="fade">
+                                      <p:cBhvr>
+                                        <p:cTn id="29" dur="1000"/>
+                                        <p:tgtEl>
+                                          <p:spTgt spid="3">
+                                            <p:txEl>
+                                              <p:pRg st="4" end="4"/>
+                                            </p:txEl>
+                                          </p:spTgt>
+                                        </p:tgtEl>
+                                      </p:cBhvr>
+                                    </p:animEffect>
+                                    <p:anim calcmode="lin" valueType="num">
+                                      <p:cBhvr>
+                                        <p:cTn id="30" dur="1000" fill="hold"/>
+                                        <p:tgtEl>
+                                          <p:spTgt spid="3">
+                                            <p:txEl>
+                                              <p:pRg st="4" end="4"/>
+                                            </p:txEl>
+                                          </p:spTgt>
+                                        </p:tgtEl>
+                                        <p:attrNameLst>
+                                          <p:attrName>ppt_x</p:attrName>
+                                        </p:attrNameLst>
+                                      </p:cBhvr>
+                                      <p:tavLst>
+                                        <p:tav tm="0">
+                                          <p:val>
+                                            <p:strVal val="#ppt_x"/>
+                                          </p:val>
+                                        </p:tav>
+                                        <p:tav tm="100000">
+                                          <p:val>
+                                            <p:strVal val="#ppt_x"/>
+                                          </p:val>
+                                        </p:tav>
+                                      </p:tavLst>
+                                    </p:anim>
+                                    <p:anim calcmode="lin" valueType="num">
+                                      <p:cBhvr>
+                                        <p:cTn id="31" dur="1000" fill="hold"/>
+                                        <p:tgtEl>
+                                          <p:spTgt spid="3">
+                                            <p:txEl>
+                                              <p:pRg st="4" end="4"/>
+                                            </p:txEl>
+                                          </p:spTgt>
+                                        </p:tgtEl>
+                                        <p:attrNameLst>
+                                          <p:attrName>ppt_y</p:attrName>
+                                        </p:attrNameLst>
+                                      </p:cBhvr>
+                                      <p:tavLst>
+                                        <p:tav tm="0">
+                                          <p:val>
+                                            <p:strVal val="#ppt_y+.1"/>
+                                          </p:val>
+                                        </p:tav>
+                                        <p:tav tm="100000">
+                                          <p:val>
+                                            <p:strVal val="#ppt_y"/>
+                                          </p:val>
+                                        </p:tav>
+                                      </p:tavLst>
+                                    </p:anim>
+                                  </p:childTnLst>
+                                </p:cTn>
+                              </p:par>
+                            </p:childTnLst>
+                          </p:cTn>
+                        </p:par>
+                      </p:childTnLst>
+                    </p:cTn>
+                  </p:par>
+                  <p:par>
+                    <p:cTn id="32" fill="hold">
+                      <p:stCondLst>
+                        <p:cond delay="indefinite"/>
+                      </p:stCondLst>
+                      <p:childTnLst>
+                        <p:par>
+                          <p:cTn id="33" fill="hold">
+                            <p:stCondLst>
+                              <p:cond delay="0"/>
+                            </p:stCondLst>
+                            <p:childTnLst>
+                              <p:par>
+                                <p:cTn id="34" presetID="42" presetClass="entr" presetSubtype="0" fill="hold" grpId="0" nodeType="clickEffect">
+                                  <p:stCondLst>
+                                    <p:cond delay="0"/>
+                                  </p:stCondLst>
+                                  <p:childTnLst>
+                                    <p:set>
+                                      <p:cBhvr>
+                                        <p:cTn id="35" dur="1" fill="hold">
+                                          <p:stCondLst>
+                                            <p:cond delay="0"/>
+                                          </p:stCondLst>
+                                        </p:cTn>
+                                        <p:tgtEl>
+                                          <p:spTgt spid="3">
+                                            <p:txEl>
+                                              <p:pRg st="5" end="5"/>
+                                            </p:txEl>
+                                          </p:spTgt>
+                                        </p:tgtEl>
+                                        <p:attrNameLst>
+                                          <p:attrName>style.visibility</p:attrName>
+                                        </p:attrNameLst>
+                                      </p:cBhvr>
+                                      <p:to>
+                                        <p:strVal val="visible"/>
+                                      </p:to>
+                                    </p:set>
+                                    <p:animEffect transition="in" filter="fade">
+                                      <p:cBhvr>
+                                        <p:cTn id="36" dur="1000"/>
+                                        <p:tgtEl>
+                                          <p:spTgt spid="3">
+                                            <p:txEl>
+                                              <p:pRg st="5" end="5"/>
+                                            </p:txEl>
+                                          </p:spTgt>
+                                        </p:tgtEl>
+                                      </p:cBhvr>
+                                    </p:animEffect>
+                                    <p:anim calcmode="lin" valueType="num">
+                                      <p:cBhvr>
+                                        <p:cTn id="37" dur="1000" fill="hold"/>
+                                        <p:tgtEl>
+                                          <p:spTgt spid="3">
+                                            <p:txEl>
+                                              <p:pRg st="5" end="5"/>
+                                            </p:txEl>
+                                          </p:spTgt>
+                                        </p:tgtEl>
+                                        <p:attrNameLst>
+                                          <p:attrName>ppt_x</p:attrName>
+                                        </p:attrNameLst>
+                                      </p:cBhvr>
+                                      <p:tavLst>
+                                        <p:tav tm="0">
+                                          <p:val>
+                                            <p:strVal val="#ppt_x"/>
+                                          </p:val>
+                                        </p:tav>
+                                        <p:tav tm="100000">
+                                          <p:val>
+                                            <p:strVal val="#ppt_x"/>
+                                          </p:val>
+                                        </p:tav>
+                                      </p:tavLst>
+                                    </p:anim>
+                                    <p:anim calcmode="lin" valueType="num">
+                                      <p:cBhvr>
+                                        <p:cTn id="38" dur="1000" fill="hold"/>
+                                        <p:tgtEl>
+                                          <p:spTgt spid="3">
+                                            <p:txEl>
+                                              <p:pRg st="5" end="5"/>
                                             </p:txEl>
                                           </p:spTgt>
                                         </p:tgtEl>
@@ -6489,716 +10057,6 @@
           <a:p>
             <a:r>
               <a:rPr lang="en-US" dirty="0" smtClean="0"/>
-              <a:t>Study: Outcomes</a:t>
-            </a:r>
-            <a:endParaRPr lang="en-US" dirty="0"/>
-          </a:p>
-        </p:txBody>
-      </p:sp>
-      <p:sp>
-        <p:nvSpPr>
-          <p:cNvPr id="3" name="Inhaltsplatzhalter 2"/>
-          <p:cNvSpPr>
-            <a:spLocks noGrp="1"/>
-          </p:cNvSpPr>
-          <p:nvPr>
-            <p:ph idx="1"/>
-          </p:nvPr>
-        </p:nvSpPr>
-        <p:spPr/>
-        <p:txBody>
-          <a:bodyPr/>
-          <a:lstStyle/>
-          <a:p>
-            <a:r>
-              <a:rPr lang="en-US" dirty="0" smtClean="0"/>
-              <a:t>More efficient debugging</a:t>
-            </a:r>
-          </a:p>
-          <a:p>
-            <a:pPr lvl="1"/>
-            <a:r>
-              <a:rPr lang="en-US" dirty="0" smtClean="0"/>
-              <a:t>Less program executions</a:t>
-            </a:r>
-          </a:p>
-          <a:p>
-            <a:pPr lvl="1"/>
-            <a:r>
-              <a:rPr lang="en-US" dirty="0" smtClean="0"/>
-              <a:t>Less searching effort</a:t>
-            </a:r>
-          </a:p>
-          <a:p>
-            <a:r>
-              <a:rPr lang="en-US" dirty="0" smtClean="0"/>
-              <a:t>Default doodles should not only use </a:t>
-            </a:r>
-            <a:r>
-              <a:rPr lang="en-US" b="1" dirty="0" err="1" smtClean="0">
-                <a:solidFill>
-                  <a:srgbClr val="0070C0"/>
-                </a:solidFill>
-                <a:latin typeface="saxMono" pitchFamily="49" charset="0"/>
-              </a:rPr>
-              <a:t>toString</a:t>
-            </a:r>
-            <a:r>
-              <a:rPr lang="en-US" b="1" dirty="0" smtClean="0">
-                <a:solidFill>
-                  <a:srgbClr val="0070C0"/>
-                </a:solidFill>
-                <a:latin typeface="saxMono" pitchFamily="49" charset="0"/>
-              </a:rPr>
-              <a:t>()</a:t>
-            </a:r>
-            <a:r>
-              <a:rPr lang="en-US" dirty="0" smtClean="0"/>
-              <a:t/>
-            </a:r>
-            <a:br>
-              <a:rPr lang="en-US" dirty="0" smtClean="0"/>
-            </a:br>
-            <a:r>
-              <a:rPr lang="en-US" dirty="0" smtClean="0">
-                <a:sym typeface="Wingdings" pitchFamily="2" charset="2"/>
-              </a:rPr>
-              <a:t> Listing fields yields better results</a:t>
-            </a:r>
-          </a:p>
-          <a:p>
-            <a:r>
-              <a:rPr lang="en-US" dirty="0" smtClean="0">
-                <a:sym typeface="Wingdings" pitchFamily="2" charset="2"/>
-              </a:rPr>
-              <a:t>Several minor UI problems</a:t>
-            </a:r>
-            <a:endParaRPr lang="en-US" dirty="0"/>
-          </a:p>
-          <a:p>
-            <a:endParaRPr lang="en-US" dirty="0" smtClean="0"/>
-          </a:p>
-        </p:txBody>
-      </p:sp>
-    </p:spTree>
-    <p:extLst>
-      <p:ext uri="{BB962C8B-B14F-4D97-AF65-F5344CB8AC3E}">
-        <p14:creationId xmlns:p14="http://schemas.microsoft.com/office/powerpoint/2010/main" val="3375597900"/>
-      </p:ext>
-    </p:extLst>
-  </p:cSld>
-  <p:clrMapOvr>
-    <a:masterClrMapping/>
-  </p:clrMapOvr>
-  <p:timing>
-    <p:tnLst>
-      <p:par>
-        <p:cTn id="1" dur="indefinite" restart="never" nodeType="tmRoot">
-          <p:childTnLst>
-            <p:seq concurrent="1" nextAc="seek">
-              <p:cTn id="2" dur="indefinite" nodeType="mainSeq">
-                <p:childTnLst>
-                  <p:par>
-                    <p:cTn id="3" fill="hold">
-                      <p:stCondLst>
-                        <p:cond delay="indefinite"/>
-                      </p:stCondLst>
-                      <p:childTnLst>
-                        <p:par>
-                          <p:cTn id="4" fill="hold">
-                            <p:stCondLst>
-                              <p:cond delay="0"/>
-                            </p:stCondLst>
-                            <p:childTnLst>
-                              <p:par>
-                                <p:cTn id="5" presetID="42" presetClass="entr" presetSubtype="0" fill="hold" grpId="0" nodeType="clickEffect">
-                                  <p:stCondLst>
-                                    <p:cond delay="0"/>
-                                  </p:stCondLst>
-                                  <p:childTnLst>
-                                    <p:set>
-                                      <p:cBhvr>
-                                        <p:cTn id="6" dur="1" fill="hold">
-                                          <p:stCondLst>
-                                            <p:cond delay="0"/>
-                                          </p:stCondLst>
-                                        </p:cTn>
-                                        <p:tgtEl>
-                                          <p:spTgt spid="3">
-                                            <p:txEl>
-                                              <p:pRg st="0" end="0"/>
-                                            </p:txEl>
-                                          </p:spTgt>
-                                        </p:tgtEl>
-                                        <p:attrNameLst>
-                                          <p:attrName>style.visibility</p:attrName>
-                                        </p:attrNameLst>
-                                      </p:cBhvr>
-                                      <p:to>
-                                        <p:strVal val="visible"/>
-                                      </p:to>
-                                    </p:set>
-                                    <p:animEffect transition="in" filter="fade">
-                                      <p:cBhvr>
-                                        <p:cTn id="7" dur="1000"/>
-                                        <p:tgtEl>
-                                          <p:spTgt spid="3">
-                                            <p:txEl>
-                                              <p:pRg st="0" end="0"/>
-                                            </p:txEl>
-                                          </p:spTgt>
-                                        </p:tgtEl>
-                                      </p:cBhvr>
-                                    </p:animEffect>
-                                    <p:anim calcmode="lin" valueType="num">
-                                      <p:cBhvr>
-                                        <p:cTn id="8" dur="1000" fill="hold"/>
-                                        <p:tgtEl>
-                                          <p:spTgt spid="3">
-                                            <p:txEl>
-                                              <p:pRg st="0" end="0"/>
-                                            </p:txEl>
-                                          </p:spTgt>
-                                        </p:tgtEl>
-                                        <p:attrNameLst>
-                                          <p:attrName>ppt_x</p:attrName>
-                                        </p:attrNameLst>
-                                      </p:cBhvr>
-                                      <p:tavLst>
-                                        <p:tav tm="0">
-                                          <p:val>
-                                            <p:strVal val="#ppt_x"/>
-                                          </p:val>
-                                        </p:tav>
-                                        <p:tav tm="100000">
-                                          <p:val>
-                                            <p:strVal val="#ppt_x"/>
-                                          </p:val>
-                                        </p:tav>
-                                      </p:tavLst>
-                                    </p:anim>
-                                    <p:anim calcmode="lin" valueType="num">
-                                      <p:cBhvr>
-                                        <p:cTn id="9" dur="1000" fill="hold"/>
-                                        <p:tgtEl>
-                                          <p:spTgt spid="3">
-                                            <p:txEl>
-                                              <p:pRg st="0" end="0"/>
-                                            </p:txEl>
-                                          </p:spTgt>
-                                        </p:tgtEl>
-                                        <p:attrNameLst>
-                                          <p:attrName>ppt_y</p:attrName>
-                                        </p:attrNameLst>
-                                      </p:cBhvr>
-                                      <p:tavLst>
-                                        <p:tav tm="0">
-                                          <p:val>
-                                            <p:strVal val="#ppt_y+.1"/>
-                                          </p:val>
-                                        </p:tav>
-                                        <p:tav tm="100000">
-                                          <p:val>
-                                            <p:strVal val="#ppt_y"/>
-                                          </p:val>
-                                        </p:tav>
-                                      </p:tavLst>
-                                    </p:anim>
-                                  </p:childTnLst>
-                                </p:cTn>
-                              </p:par>
-                              <p:par>
-                                <p:cTn id="10" presetID="42" presetClass="entr" presetSubtype="0" fill="hold" grpId="0" nodeType="withEffect">
-                                  <p:stCondLst>
-                                    <p:cond delay="0"/>
-                                  </p:stCondLst>
-                                  <p:childTnLst>
-                                    <p:set>
-                                      <p:cBhvr>
-                                        <p:cTn id="11" dur="1" fill="hold">
-                                          <p:stCondLst>
-                                            <p:cond delay="0"/>
-                                          </p:stCondLst>
-                                        </p:cTn>
-                                        <p:tgtEl>
-                                          <p:spTgt spid="3">
-                                            <p:txEl>
-                                              <p:pRg st="1" end="1"/>
-                                            </p:txEl>
-                                          </p:spTgt>
-                                        </p:tgtEl>
-                                        <p:attrNameLst>
-                                          <p:attrName>style.visibility</p:attrName>
-                                        </p:attrNameLst>
-                                      </p:cBhvr>
-                                      <p:to>
-                                        <p:strVal val="visible"/>
-                                      </p:to>
-                                    </p:set>
-                                    <p:animEffect transition="in" filter="fade">
-                                      <p:cBhvr>
-                                        <p:cTn id="12" dur="1000"/>
-                                        <p:tgtEl>
-                                          <p:spTgt spid="3">
-                                            <p:txEl>
-                                              <p:pRg st="1" end="1"/>
-                                            </p:txEl>
-                                          </p:spTgt>
-                                        </p:tgtEl>
-                                      </p:cBhvr>
-                                    </p:animEffect>
-                                    <p:anim calcmode="lin" valueType="num">
-                                      <p:cBhvr>
-                                        <p:cTn id="13" dur="1000" fill="hold"/>
-                                        <p:tgtEl>
-                                          <p:spTgt spid="3">
-                                            <p:txEl>
-                                              <p:pRg st="1" end="1"/>
-                                            </p:txEl>
-                                          </p:spTgt>
-                                        </p:tgtEl>
-                                        <p:attrNameLst>
-                                          <p:attrName>ppt_x</p:attrName>
-                                        </p:attrNameLst>
-                                      </p:cBhvr>
-                                      <p:tavLst>
-                                        <p:tav tm="0">
-                                          <p:val>
-                                            <p:strVal val="#ppt_x"/>
-                                          </p:val>
-                                        </p:tav>
-                                        <p:tav tm="100000">
-                                          <p:val>
-                                            <p:strVal val="#ppt_x"/>
-                                          </p:val>
-                                        </p:tav>
-                                      </p:tavLst>
-                                    </p:anim>
-                                    <p:anim calcmode="lin" valueType="num">
-                                      <p:cBhvr>
-                                        <p:cTn id="14" dur="1000" fill="hold"/>
-                                        <p:tgtEl>
-                                          <p:spTgt spid="3">
-                                            <p:txEl>
-                                              <p:pRg st="1" end="1"/>
-                                            </p:txEl>
-                                          </p:spTgt>
-                                        </p:tgtEl>
-                                        <p:attrNameLst>
-                                          <p:attrName>ppt_y</p:attrName>
-                                        </p:attrNameLst>
-                                      </p:cBhvr>
-                                      <p:tavLst>
-                                        <p:tav tm="0">
-                                          <p:val>
-                                            <p:strVal val="#ppt_y+.1"/>
-                                          </p:val>
-                                        </p:tav>
-                                        <p:tav tm="100000">
-                                          <p:val>
-                                            <p:strVal val="#ppt_y"/>
-                                          </p:val>
-                                        </p:tav>
-                                      </p:tavLst>
-                                    </p:anim>
-                                  </p:childTnLst>
-                                </p:cTn>
-                              </p:par>
-                              <p:par>
-                                <p:cTn id="15" presetID="42" presetClass="entr" presetSubtype="0" fill="hold" grpId="0" nodeType="withEffect">
-                                  <p:stCondLst>
-                                    <p:cond delay="0"/>
-                                  </p:stCondLst>
-                                  <p:childTnLst>
-                                    <p:set>
-                                      <p:cBhvr>
-                                        <p:cTn id="16" dur="1" fill="hold">
-                                          <p:stCondLst>
-                                            <p:cond delay="0"/>
-                                          </p:stCondLst>
-                                        </p:cTn>
-                                        <p:tgtEl>
-                                          <p:spTgt spid="3">
-                                            <p:txEl>
-                                              <p:pRg st="2" end="2"/>
-                                            </p:txEl>
-                                          </p:spTgt>
-                                        </p:tgtEl>
-                                        <p:attrNameLst>
-                                          <p:attrName>style.visibility</p:attrName>
-                                        </p:attrNameLst>
-                                      </p:cBhvr>
-                                      <p:to>
-                                        <p:strVal val="visible"/>
-                                      </p:to>
-                                    </p:set>
-                                    <p:animEffect transition="in" filter="fade">
-                                      <p:cBhvr>
-                                        <p:cTn id="17" dur="1000"/>
-                                        <p:tgtEl>
-                                          <p:spTgt spid="3">
-                                            <p:txEl>
-                                              <p:pRg st="2" end="2"/>
-                                            </p:txEl>
-                                          </p:spTgt>
-                                        </p:tgtEl>
-                                      </p:cBhvr>
-                                    </p:animEffect>
-                                    <p:anim calcmode="lin" valueType="num">
-                                      <p:cBhvr>
-                                        <p:cTn id="18" dur="1000" fill="hold"/>
-                                        <p:tgtEl>
-                                          <p:spTgt spid="3">
-                                            <p:txEl>
-                                              <p:pRg st="2" end="2"/>
-                                            </p:txEl>
-                                          </p:spTgt>
-                                        </p:tgtEl>
-                                        <p:attrNameLst>
-                                          <p:attrName>ppt_x</p:attrName>
-                                        </p:attrNameLst>
-                                      </p:cBhvr>
-                                      <p:tavLst>
-                                        <p:tav tm="0">
-                                          <p:val>
-                                            <p:strVal val="#ppt_x"/>
-                                          </p:val>
-                                        </p:tav>
-                                        <p:tav tm="100000">
-                                          <p:val>
-                                            <p:strVal val="#ppt_x"/>
-                                          </p:val>
-                                        </p:tav>
-                                      </p:tavLst>
-                                    </p:anim>
-                                    <p:anim calcmode="lin" valueType="num">
-                                      <p:cBhvr>
-                                        <p:cTn id="19" dur="1000" fill="hold"/>
-                                        <p:tgtEl>
-                                          <p:spTgt spid="3">
-                                            <p:txEl>
-                                              <p:pRg st="2" end="2"/>
-                                            </p:txEl>
-                                          </p:spTgt>
-                                        </p:tgtEl>
-                                        <p:attrNameLst>
-                                          <p:attrName>ppt_y</p:attrName>
-                                        </p:attrNameLst>
-                                      </p:cBhvr>
-                                      <p:tavLst>
-                                        <p:tav tm="0">
-                                          <p:val>
-                                            <p:strVal val="#ppt_y+.1"/>
-                                          </p:val>
-                                        </p:tav>
-                                        <p:tav tm="100000">
-                                          <p:val>
-                                            <p:strVal val="#ppt_y"/>
-                                          </p:val>
-                                        </p:tav>
-                                      </p:tavLst>
-                                    </p:anim>
-                                  </p:childTnLst>
-                                </p:cTn>
-                              </p:par>
-                            </p:childTnLst>
-                          </p:cTn>
-                        </p:par>
-                      </p:childTnLst>
-                    </p:cTn>
-                  </p:par>
-                  <p:par>
-                    <p:cTn id="20" fill="hold">
-                      <p:stCondLst>
-                        <p:cond delay="indefinite"/>
-                      </p:stCondLst>
-                      <p:childTnLst>
-                        <p:par>
-                          <p:cTn id="21" fill="hold">
-                            <p:stCondLst>
-                              <p:cond delay="0"/>
-                            </p:stCondLst>
-                            <p:childTnLst>
-                              <p:par>
-                                <p:cTn id="22" presetID="42" presetClass="entr" presetSubtype="0" fill="hold" grpId="0" nodeType="clickEffect">
-                                  <p:stCondLst>
-                                    <p:cond delay="0"/>
-                                  </p:stCondLst>
-                                  <p:childTnLst>
-                                    <p:set>
-                                      <p:cBhvr>
-                                        <p:cTn id="23" dur="1" fill="hold">
-                                          <p:stCondLst>
-                                            <p:cond delay="0"/>
-                                          </p:stCondLst>
-                                        </p:cTn>
-                                        <p:tgtEl>
-                                          <p:spTgt spid="3">
-                                            <p:txEl>
-                                              <p:pRg st="3" end="3"/>
-                                            </p:txEl>
-                                          </p:spTgt>
-                                        </p:tgtEl>
-                                        <p:attrNameLst>
-                                          <p:attrName>style.visibility</p:attrName>
-                                        </p:attrNameLst>
-                                      </p:cBhvr>
-                                      <p:to>
-                                        <p:strVal val="visible"/>
-                                      </p:to>
-                                    </p:set>
-                                    <p:animEffect transition="in" filter="fade">
-                                      <p:cBhvr>
-                                        <p:cTn id="24" dur="1000"/>
-                                        <p:tgtEl>
-                                          <p:spTgt spid="3">
-                                            <p:txEl>
-                                              <p:pRg st="3" end="3"/>
-                                            </p:txEl>
-                                          </p:spTgt>
-                                        </p:tgtEl>
-                                      </p:cBhvr>
-                                    </p:animEffect>
-                                    <p:anim calcmode="lin" valueType="num">
-                                      <p:cBhvr>
-                                        <p:cTn id="25" dur="1000" fill="hold"/>
-                                        <p:tgtEl>
-                                          <p:spTgt spid="3">
-                                            <p:txEl>
-                                              <p:pRg st="3" end="3"/>
-                                            </p:txEl>
-                                          </p:spTgt>
-                                        </p:tgtEl>
-                                        <p:attrNameLst>
-                                          <p:attrName>ppt_x</p:attrName>
-                                        </p:attrNameLst>
-                                      </p:cBhvr>
-                                      <p:tavLst>
-                                        <p:tav tm="0">
-                                          <p:val>
-                                            <p:strVal val="#ppt_x"/>
-                                          </p:val>
-                                        </p:tav>
-                                        <p:tav tm="100000">
-                                          <p:val>
-                                            <p:strVal val="#ppt_x"/>
-                                          </p:val>
-                                        </p:tav>
-                                      </p:tavLst>
-                                    </p:anim>
-                                    <p:anim calcmode="lin" valueType="num">
-                                      <p:cBhvr>
-                                        <p:cTn id="26" dur="1000" fill="hold"/>
-                                        <p:tgtEl>
-                                          <p:spTgt spid="3">
-                                            <p:txEl>
-                                              <p:pRg st="3" end="3"/>
-                                            </p:txEl>
-                                          </p:spTgt>
-                                        </p:tgtEl>
-                                        <p:attrNameLst>
-                                          <p:attrName>ppt_y</p:attrName>
-                                        </p:attrNameLst>
-                                      </p:cBhvr>
-                                      <p:tavLst>
-                                        <p:tav tm="0">
-                                          <p:val>
-                                            <p:strVal val="#ppt_y+.1"/>
-                                          </p:val>
-                                        </p:tav>
-                                        <p:tav tm="100000">
-                                          <p:val>
-                                            <p:strVal val="#ppt_y"/>
-                                          </p:val>
-                                        </p:tav>
-                                      </p:tavLst>
-                                    </p:anim>
-                                  </p:childTnLst>
-                                </p:cTn>
-                              </p:par>
-                            </p:childTnLst>
-                          </p:cTn>
-                        </p:par>
-                      </p:childTnLst>
-                    </p:cTn>
-                  </p:par>
-                  <p:par>
-                    <p:cTn id="27" fill="hold">
-                      <p:stCondLst>
-                        <p:cond delay="indefinite"/>
-                      </p:stCondLst>
-                      <p:childTnLst>
-                        <p:par>
-                          <p:cTn id="28" fill="hold">
-                            <p:stCondLst>
-                              <p:cond delay="0"/>
-                            </p:stCondLst>
-                            <p:childTnLst>
-                              <p:par>
-                                <p:cTn id="29" presetID="42" presetClass="entr" presetSubtype="0" fill="hold" grpId="0" nodeType="clickEffect">
-                                  <p:stCondLst>
-                                    <p:cond delay="0"/>
-                                  </p:stCondLst>
-                                  <p:childTnLst>
-                                    <p:set>
-                                      <p:cBhvr>
-                                        <p:cTn id="30" dur="1" fill="hold">
-                                          <p:stCondLst>
-                                            <p:cond delay="0"/>
-                                          </p:stCondLst>
-                                        </p:cTn>
-                                        <p:tgtEl>
-                                          <p:spTgt spid="3">
-                                            <p:txEl>
-                                              <p:pRg st="4" end="4"/>
-                                            </p:txEl>
-                                          </p:spTgt>
-                                        </p:tgtEl>
-                                        <p:attrNameLst>
-                                          <p:attrName>style.visibility</p:attrName>
-                                        </p:attrNameLst>
-                                      </p:cBhvr>
-                                      <p:to>
-                                        <p:strVal val="visible"/>
-                                      </p:to>
-                                    </p:set>
-                                    <p:animEffect transition="in" filter="fade">
-                                      <p:cBhvr>
-                                        <p:cTn id="31" dur="1000"/>
-                                        <p:tgtEl>
-                                          <p:spTgt spid="3">
-                                            <p:txEl>
-                                              <p:pRg st="4" end="4"/>
-                                            </p:txEl>
-                                          </p:spTgt>
-                                        </p:tgtEl>
-                                      </p:cBhvr>
-                                    </p:animEffect>
-                                    <p:anim calcmode="lin" valueType="num">
-                                      <p:cBhvr>
-                                        <p:cTn id="32" dur="1000" fill="hold"/>
-                                        <p:tgtEl>
-                                          <p:spTgt spid="3">
-                                            <p:txEl>
-                                              <p:pRg st="4" end="4"/>
-                                            </p:txEl>
-                                          </p:spTgt>
-                                        </p:tgtEl>
-                                        <p:attrNameLst>
-                                          <p:attrName>ppt_x</p:attrName>
-                                        </p:attrNameLst>
-                                      </p:cBhvr>
-                                      <p:tavLst>
-                                        <p:tav tm="0">
-                                          <p:val>
-                                            <p:strVal val="#ppt_x"/>
-                                          </p:val>
-                                        </p:tav>
-                                        <p:tav tm="100000">
-                                          <p:val>
-                                            <p:strVal val="#ppt_x"/>
-                                          </p:val>
-                                        </p:tav>
-                                      </p:tavLst>
-                                    </p:anim>
-                                    <p:anim calcmode="lin" valueType="num">
-                                      <p:cBhvr>
-                                        <p:cTn id="33" dur="1000" fill="hold"/>
-                                        <p:tgtEl>
-                                          <p:spTgt spid="3">
-                                            <p:txEl>
-                                              <p:pRg st="4" end="4"/>
-                                            </p:txEl>
-                                          </p:spTgt>
-                                        </p:tgtEl>
-                                        <p:attrNameLst>
-                                          <p:attrName>ppt_y</p:attrName>
-                                        </p:attrNameLst>
-                                      </p:cBhvr>
-                                      <p:tavLst>
-                                        <p:tav tm="0">
-                                          <p:val>
-                                            <p:strVal val="#ppt_y+.1"/>
-                                          </p:val>
-                                        </p:tav>
-                                        <p:tav tm="100000">
-                                          <p:val>
-                                            <p:strVal val="#ppt_y"/>
-                                          </p:val>
-                                        </p:tav>
-                                      </p:tavLst>
-                                    </p:anim>
-                                  </p:childTnLst>
-                                </p:cTn>
-                              </p:par>
-                            </p:childTnLst>
-                          </p:cTn>
-                        </p:par>
-                      </p:childTnLst>
-                    </p:cTn>
-                  </p:par>
-                </p:childTnLst>
-              </p:cTn>
-              <p:prevCondLst>
-                <p:cond evt="onPrev" delay="0">
-                  <p:tgtEl>
-                    <p:sldTgt/>
-                  </p:tgtEl>
-                </p:cond>
-              </p:prevCondLst>
-              <p:nextCondLst>
-                <p:cond evt="onNext" delay="0">
-                  <p:tgtEl>
-                    <p:sldTgt/>
-                  </p:tgtEl>
-                </p:cond>
-              </p:nextCondLst>
-            </p:seq>
-          </p:childTnLst>
-        </p:cTn>
-      </p:par>
-    </p:tnLst>
-    <p:bldLst>
-      <p:bldP spid="3" grpId="0" build="p"/>
-    </p:bldLst>
-  </p:timing>
-</p:sld>
-</file>
-
-<file path=ppt/slides/slide18.xml><?xml version="1.0" encoding="utf-8"?>
-<p:sld xmlns:a="http://schemas.openxmlformats.org/drawingml/2006/main" xmlns:r="http://schemas.openxmlformats.org/officeDocument/2006/relationships" xmlns:p="http://schemas.openxmlformats.org/presentationml/2006/main">
-  <p:cSld>
-    <p:spTree>
-      <p:nvGrpSpPr>
-        <p:cNvPr id="1" name=""/>
-        <p:cNvGrpSpPr/>
-        <p:nvPr/>
-      </p:nvGrpSpPr>
-      <p:grpSpPr>
-        <a:xfrm>
-          <a:off x="0" y="0"/>
-          <a:ext cx="0" cy="0"/>
-          <a:chOff x="0" y="0"/>
-          <a:chExt cx="0" cy="0"/>
-        </a:xfrm>
-      </p:grpSpPr>
-      <p:sp>
-        <p:nvSpPr>
-          <p:cNvPr id="2" name="Titel 1"/>
-          <p:cNvSpPr>
-            <a:spLocks noGrp="1"/>
-          </p:cNvSpPr>
-          <p:nvPr>
-            <p:ph type="title"/>
-          </p:nvPr>
-        </p:nvSpPr>
-        <p:spPr/>
-        <p:txBody>
-          <a:bodyPr/>
-          <a:lstStyle/>
-          <a:p>
-            <a:r>
-              <a:rPr lang="en-US" dirty="0" smtClean="0"/>
               <a:t>Demo</a:t>
             </a:r>
             <a:endParaRPr lang="en-US" dirty="0"/>
@@ -7240,6 +10098,29 @@
                 </a:schemeClr>
               </a:solidFill>
             </a:endParaRPr>
+          </a:p>
+        </p:txBody>
+      </p:sp>
+      <p:sp>
+        <p:nvSpPr>
+          <p:cNvPr id="4" name="Foliennummernplatzhalter 3"/>
+          <p:cNvSpPr>
+            <a:spLocks noGrp="1"/>
+          </p:cNvSpPr>
+          <p:nvPr>
+            <p:ph type="sldNum" sz="quarter" idx="12"/>
+          </p:nvPr>
+        </p:nvSpPr>
+        <p:spPr/>
+        <p:txBody>
+          <a:bodyPr/>
+          <a:lstStyle/>
+          <a:p>
+            <a:fld id="{CB39F0D9-F884-4558-986F-7F4B8D6BBDEC}" type="slidenum">
+              <a:rPr lang="de-CH" smtClean="0"/>
+              <a:t>17</a:t>
+            </a:fld>
+            <a:endParaRPr lang="de-CH" dirty="0"/>
           </a:p>
         </p:txBody>
       </p:sp>
@@ -7354,10 +10235,30 @@
               <a:rPr lang="en-US" dirty="0" smtClean="0"/>
               <a:t>Colors</a:t>
             </a:r>
-          </a:p>
-          <a:p>
-            <a:pPr lvl="1"/>
             <a:endParaRPr lang="en-US" dirty="0" smtClean="0"/>
+          </a:p>
+        </p:txBody>
+      </p:sp>
+      <p:sp>
+        <p:nvSpPr>
+          <p:cNvPr id="4" name="Foliennummernplatzhalter 3"/>
+          <p:cNvSpPr>
+            <a:spLocks noGrp="1"/>
+          </p:cNvSpPr>
+          <p:nvPr>
+            <p:ph type="sldNum" sz="quarter" idx="12"/>
+          </p:nvPr>
+        </p:nvSpPr>
+        <p:spPr/>
+        <p:txBody>
+          <a:bodyPr/>
+          <a:lstStyle/>
+          <a:p>
+            <a:fld id="{CB39F0D9-F884-4558-986F-7F4B8D6BBDEC}" type="slidenum">
+              <a:rPr lang="de-CH" smtClean="0"/>
+              <a:t>2</a:t>
+            </a:fld>
+            <a:endParaRPr lang="de-CH" dirty="0"/>
           </a:p>
         </p:txBody>
       </p:sp>
@@ -8011,14 +10912,16 @@
         </p:nvSpPr>
         <p:spPr/>
         <p:txBody>
-          <a:bodyPr/>
+          <a:bodyPr>
+            <a:normAutofit/>
+          </a:bodyPr>
           <a:lstStyle/>
           <a:p>
             <a:r>
-              <a:rPr lang="en-US" smtClean="0"/>
+              <a:rPr lang="en-US" dirty="0" smtClean="0"/>
               <a:t>Why?</a:t>
             </a:r>
-            <a:endParaRPr lang="en-US"/>
+            <a:endParaRPr lang="en-US" dirty="0"/>
           </a:p>
         </p:txBody>
       </p:sp>
@@ -8032,37 +10935,236 @@
             <p:ph idx="1"/>
           </p:nvPr>
         </p:nvSpPr>
+        <p:spPr>
+          <a:xfrm>
+            <a:off x="457200" y="1988840"/>
+            <a:ext cx="3610744" cy="4392488"/>
+          </a:xfrm>
+        </p:spPr>
+        <p:txBody>
+          <a:bodyPr>
+            <a:normAutofit/>
+          </a:bodyPr>
+          <a:lstStyle/>
+          <a:p>
+            <a:pPr marL="0" indent="0">
+              <a:buNone/>
+            </a:pPr>
+            <a:r>
+              <a:rPr lang="en-US" dirty="0" smtClean="0"/>
+              <a:t>Standard:</a:t>
+            </a:r>
+          </a:p>
+        </p:txBody>
+      </p:sp>
+      <p:sp>
+        <p:nvSpPr>
+          <p:cNvPr id="4" name="Foliennummernplatzhalter 3"/>
+          <p:cNvSpPr>
+            <a:spLocks noGrp="1"/>
+          </p:cNvSpPr>
+          <p:nvPr>
+            <p:ph type="sldNum" sz="quarter" idx="12"/>
+          </p:nvPr>
+        </p:nvSpPr>
         <p:spPr/>
         <p:txBody>
           <a:bodyPr/>
           <a:lstStyle/>
           <a:p>
-            <a:r>
-              <a:rPr lang="en-US" dirty="0" smtClean="0"/>
-              <a:t>Debuggers lack features</a:t>
-            </a:r>
-          </a:p>
-          <a:p>
-            <a:pPr lvl="1"/>
-            <a:r>
-              <a:rPr lang="en-US" dirty="0" smtClean="0"/>
-              <a:t>Comparison between points in time</a:t>
-            </a:r>
-          </a:p>
-          <a:p>
-            <a:pPr lvl="1"/>
-            <a:r>
-              <a:rPr lang="en-US" dirty="0" smtClean="0"/>
-              <a:t>Customized output</a:t>
-            </a:r>
-            <a:endParaRPr lang="en-US" dirty="0"/>
+            <a:fld id="{CB39F0D9-F884-4558-986F-7F4B8D6BBDEC}" type="slidenum">
+              <a:rPr lang="de-CH" smtClean="0"/>
+              <a:t>3</a:t>
+            </a:fld>
+            <a:endParaRPr lang="de-CH" dirty="0"/>
+          </a:p>
+        </p:txBody>
+      </p:sp>
+      <p:sp>
+        <p:nvSpPr>
+          <p:cNvPr id="6" name="Inhaltsplatzhalter 2"/>
+          <p:cNvSpPr txBox="1">
+            <a:spLocks/>
+          </p:cNvSpPr>
+          <p:nvPr/>
+        </p:nvSpPr>
+        <p:spPr>
+          <a:xfrm>
+            <a:off x="3995936" y="1988840"/>
+            <a:ext cx="4701208" cy="4392488"/>
+          </a:xfrm>
+          <a:prstGeom prst="rect">
+            <a:avLst/>
+          </a:prstGeom>
+        </p:spPr>
+        <p:txBody>
+          <a:bodyPr vert="horz" lIns="91440" tIns="45720" rIns="91440" bIns="45720" rtlCol="0">
+            <a:normAutofit/>
+          </a:bodyPr>
+          <a:lstStyle>
+            <a:lvl1pPr marL="342900" indent="-342900" algn="l" defTabSz="914400" rtl="0" eaLnBrk="1" latinLnBrk="0" hangingPunct="1">
+              <a:spcBef>
+                <a:spcPct val="20000"/>
+              </a:spcBef>
+              <a:buFont typeface="Arial" pitchFamily="34" charset="0"/>
+              <a:buChar char="•"/>
+              <a:defRPr sz="3200" kern="1200">
+                <a:solidFill>
+                  <a:schemeClr val="tx1"/>
+                </a:solidFill>
+                <a:latin typeface="Roboto Lt" pitchFamily="2" charset="0"/>
+                <a:ea typeface="Roboto Lt" pitchFamily="2" charset="0"/>
+                <a:cs typeface="+mn-cs"/>
+              </a:defRPr>
+            </a:lvl1pPr>
+            <a:lvl2pPr marL="742950" indent="-285750" algn="l" defTabSz="914400" rtl="0" eaLnBrk="1" latinLnBrk="0" hangingPunct="1">
+              <a:spcBef>
+                <a:spcPct val="20000"/>
+              </a:spcBef>
+              <a:buFont typeface="Arial" pitchFamily="34" charset="0"/>
+              <a:buChar char="–"/>
+              <a:defRPr sz="2800" kern="1200">
+                <a:solidFill>
+                  <a:schemeClr val="tx1"/>
+                </a:solidFill>
+                <a:latin typeface="Roboto Lt" pitchFamily="2" charset="0"/>
+                <a:ea typeface="Roboto Lt" pitchFamily="2" charset="0"/>
+                <a:cs typeface="+mn-cs"/>
+              </a:defRPr>
+            </a:lvl2pPr>
+            <a:lvl3pPr marL="1143000" indent="-228600" algn="l" defTabSz="914400" rtl="0" eaLnBrk="1" latinLnBrk="0" hangingPunct="1">
+              <a:spcBef>
+                <a:spcPct val="20000"/>
+              </a:spcBef>
+              <a:buFont typeface="Arial" pitchFamily="34" charset="0"/>
+              <a:buChar char="•"/>
+              <a:defRPr sz="2400" kern="1200">
+                <a:solidFill>
+                  <a:schemeClr val="tx1"/>
+                </a:solidFill>
+                <a:latin typeface="Roboto Lt" pitchFamily="2" charset="0"/>
+                <a:ea typeface="Roboto Lt" pitchFamily="2" charset="0"/>
+                <a:cs typeface="+mn-cs"/>
+              </a:defRPr>
+            </a:lvl3pPr>
+            <a:lvl4pPr marL="1600200" indent="-228600" algn="l" defTabSz="914400" rtl="0" eaLnBrk="1" latinLnBrk="0" hangingPunct="1">
+              <a:spcBef>
+                <a:spcPct val="20000"/>
+              </a:spcBef>
+              <a:buFont typeface="Arial" pitchFamily="34" charset="0"/>
+              <a:buChar char="–"/>
+              <a:defRPr sz="2000" kern="1200">
+                <a:solidFill>
+                  <a:schemeClr val="tx1"/>
+                </a:solidFill>
+                <a:latin typeface="Roboto Lt" pitchFamily="2" charset="0"/>
+                <a:ea typeface="Roboto Lt" pitchFamily="2" charset="0"/>
+                <a:cs typeface="+mn-cs"/>
+              </a:defRPr>
+            </a:lvl4pPr>
+            <a:lvl5pPr marL="2057400" indent="-228600" algn="l" defTabSz="914400" rtl="0" eaLnBrk="1" latinLnBrk="0" hangingPunct="1">
+              <a:spcBef>
+                <a:spcPct val="20000"/>
+              </a:spcBef>
+              <a:buFont typeface="Arial" pitchFamily="34" charset="0"/>
+              <a:buChar char="»"/>
+              <a:defRPr sz="2000" kern="1200">
+                <a:solidFill>
+                  <a:schemeClr val="tx1"/>
+                </a:solidFill>
+                <a:latin typeface="Roboto Lt" pitchFamily="2" charset="0"/>
+                <a:ea typeface="Roboto Lt" pitchFamily="2" charset="0"/>
+                <a:cs typeface="+mn-cs"/>
+              </a:defRPr>
+            </a:lvl5pPr>
+            <a:lvl6pPr marL="2514600" indent="-228600" algn="l" defTabSz="914400" rtl="0" eaLnBrk="1" latinLnBrk="0" hangingPunct="1">
+              <a:spcBef>
+                <a:spcPct val="20000"/>
+              </a:spcBef>
+              <a:buFont typeface="Arial" pitchFamily="34" charset="0"/>
+              <a:buChar char="•"/>
+              <a:defRPr sz="2000" kern="1200">
+                <a:solidFill>
+                  <a:schemeClr val="tx1"/>
+                </a:solidFill>
+                <a:latin typeface="+mn-lt"/>
+                <a:ea typeface="+mn-ea"/>
+                <a:cs typeface="+mn-cs"/>
+              </a:defRPr>
+            </a:lvl6pPr>
+            <a:lvl7pPr marL="2971800" indent="-228600" algn="l" defTabSz="914400" rtl="0" eaLnBrk="1" latinLnBrk="0" hangingPunct="1">
+              <a:spcBef>
+                <a:spcPct val="20000"/>
+              </a:spcBef>
+              <a:buFont typeface="Arial" pitchFamily="34" charset="0"/>
+              <a:buChar char="•"/>
+              <a:defRPr sz="2000" kern="1200">
+                <a:solidFill>
+                  <a:schemeClr val="tx1"/>
+                </a:solidFill>
+                <a:latin typeface="+mn-lt"/>
+                <a:ea typeface="+mn-ea"/>
+                <a:cs typeface="+mn-cs"/>
+              </a:defRPr>
+            </a:lvl7pPr>
+            <a:lvl8pPr marL="3429000" indent="-228600" algn="l" defTabSz="914400" rtl="0" eaLnBrk="1" latinLnBrk="0" hangingPunct="1">
+              <a:spcBef>
+                <a:spcPct val="20000"/>
+              </a:spcBef>
+              <a:buFont typeface="Arial" pitchFamily="34" charset="0"/>
+              <a:buChar char="•"/>
+              <a:defRPr sz="2000" kern="1200">
+                <a:solidFill>
+                  <a:schemeClr val="tx1"/>
+                </a:solidFill>
+                <a:latin typeface="+mn-lt"/>
+                <a:ea typeface="+mn-ea"/>
+                <a:cs typeface="+mn-cs"/>
+              </a:defRPr>
+            </a:lvl8pPr>
+            <a:lvl9pPr marL="3886200" indent="-228600" algn="l" defTabSz="914400" rtl="0" eaLnBrk="1" latinLnBrk="0" hangingPunct="1">
+              <a:spcBef>
+                <a:spcPct val="20000"/>
+              </a:spcBef>
+              <a:buFont typeface="Arial" pitchFamily="34" charset="0"/>
+              <a:buChar char="•"/>
+              <a:defRPr sz="2000" kern="1200">
+                <a:solidFill>
+                  <a:schemeClr val="tx1"/>
+                </a:solidFill>
+                <a:latin typeface="+mn-lt"/>
+                <a:ea typeface="+mn-ea"/>
+                <a:cs typeface="+mn-cs"/>
+              </a:defRPr>
+            </a:lvl9pPr>
+          </a:lstStyle>
+          <a:p>
+            <a:pPr marL="0" indent="0">
+              <a:buFont typeface="Arial" pitchFamily="34" charset="0"/>
+              <a:buNone/>
+            </a:pPr>
+            <a:r>
+              <a:rPr lang="en-US" sz="2200" dirty="0" smtClean="0">
+                <a:solidFill>
+                  <a:schemeClr val="accent2"/>
+                </a:solidFill>
+                <a:latin typeface="saxMono" pitchFamily="49" charset="0"/>
+              </a:rPr>
+              <a:t>contact.AddressBook@737d72cf</a:t>
+            </a:r>
+            <a:endParaRPr lang="en-US" sz="2200" dirty="0" smtClean="0">
+              <a:solidFill>
+                <a:schemeClr val="accent2"/>
+              </a:solidFill>
+              <a:latin typeface="saxMono" pitchFamily="49" charset="0"/>
+            </a:endParaRPr>
           </a:p>
         </p:txBody>
       </p:sp>
     </p:spTree>
     <p:extLst>
       <p:ext uri="{BB962C8B-B14F-4D97-AF65-F5344CB8AC3E}">
-        <p14:creationId xmlns:p14="http://schemas.microsoft.com/office/powerpoint/2010/main" val="521062995"/>
+        <p14:creationId xmlns:p14="http://schemas.microsoft.com/office/powerpoint/2010/main" val="3281057305"/>
       </p:ext>
     </p:extLst>
   </p:cSld>
@@ -8072,380 +11174,9 @@
   <p:timing>
     <p:tnLst>
       <p:par>
-        <p:cTn id="1" dur="indefinite" restart="never" nodeType="tmRoot">
-          <p:childTnLst>
-            <p:seq concurrent="1" nextAc="seek">
-              <p:cTn id="2" dur="indefinite" nodeType="mainSeq">
-                <p:childTnLst>
-                  <p:par>
-                    <p:cTn id="3" fill="hold">
-                      <p:stCondLst>
-                        <p:cond delay="indefinite"/>
-                      </p:stCondLst>
-                      <p:childTnLst>
-                        <p:par>
-                          <p:cTn id="4" fill="hold">
-                            <p:stCondLst>
-                              <p:cond delay="0"/>
-                            </p:stCondLst>
-                            <p:childTnLst>
-                              <p:par>
-                                <p:cTn id="5" presetID="42" presetClass="entr" presetSubtype="0" fill="hold" grpId="0" nodeType="clickEffect">
-                                  <p:stCondLst>
-                                    <p:cond delay="0"/>
-                                  </p:stCondLst>
-                                  <p:childTnLst>
-                                    <p:set>
-                                      <p:cBhvr>
-                                        <p:cTn id="6" dur="1" fill="hold">
-                                          <p:stCondLst>
-                                            <p:cond delay="0"/>
-                                          </p:stCondLst>
-                                        </p:cTn>
-                                        <p:tgtEl>
-                                          <p:spTgt spid="3">
-                                            <p:txEl>
-                                              <p:pRg st="0" end="0"/>
-                                            </p:txEl>
-                                          </p:spTgt>
-                                        </p:tgtEl>
-                                        <p:attrNameLst>
-                                          <p:attrName>style.visibility</p:attrName>
-                                        </p:attrNameLst>
-                                      </p:cBhvr>
-                                      <p:to>
-                                        <p:strVal val="visible"/>
-                                      </p:to>
-                                    </p:set>
-                                    <p:animEffect transition="in" filter="fade">
-                                      <p:cBhvr>
-                                        <p:cTn id="7" dur="1000"/>
-                                        <p:tgtEl>
-                                          <p:spTgt spid="3">
-                                            <p:txEl>
-                                              <p:pRg st="0" end="0"/>
-                                            </p:txEl>
-                                          </p:spTgt>
-                                        </p:tgtEl>
-                                      </p:cBhvr>
-                                    </p:animEffect>
-                                    <p:anim calcmode="lin" valueType="num">
-                                      <p:cBhvr>
-                                        <p:cTn id="8" dur="1000" fill="hold"/>
-                                        <p:tgtEl>
-                                          <p:spTgt spid="3">
-                                            <p:txEl>
-                                              <p:pRg st="0" end="0"/>
-                                            </p:txEl>
-                                          </p:spTgt>
-                                        </p:tgtEl>
-                                        <p:attrNameLst>
-                                          <p:attrName>ppt_x</p:attrName>
-                                        </p:attrNameLst>
-                                      </p:cBhvr>
-                                      <p:tavLst>
-                                        <p:tav tm="0">
-                                          <p:val>
-                                            <p:strVal val="#ppt_x"/>
-                                          </p:val>
-                                        </p:tav>
-                                        <p:tav tm="100000">
-                                          <p:val>
-                                            <p:strVal val="#ppt_x"/>
-                                          </p:val>
-                                        </p:tav>
-                                      </p:tavLst>
-                                    </p:anim>
-                                    <p:anim calcmode="lin" valueType="num">
-                                      <p:cBhvr>
-                                        <p:cTn id="9" dur="1000" fill="hold"/>
-                                        <p:tgtEl>
-                                          <p:spTgt spid="3">
-                                            <p:txEl>
-                                              <p:pRg st="0" end="0"/>
-                                            </p:txEl>
-                                          </p:spTgt>
-                                        </p:tgtEl>
-                                        <p:attrNameLst>
-                                          <p:attrName>ppt_y</p:attrName>
-                                        </p:attrNameLst>
-                                      </p:cBhvr>
-                                      <p:tavLst>
-                                        <p:tav tm="0">
-                                          <p:val>
-                                            <p:strVal val="#ppt_y+.1"/>
-                                          </p:val>
-                                        </p:tav>
-                                        <p:tav tm="100000">
-                                          <p:val>
-                                            <p:strVal val="#ppt_y"/>
-                                          </p:val>
-                                        </p:tav>
-                                      </p:tavLst>
-                                    </p:anim>
-                                  </p:childTnLst>
-                                </p:cTn>
-                              </p:par>
-                            </p:childTnLst>
-                          </p:cTn>
-                        </p:par>
-                      </p:childTnLst>
-                    </p:cTn>
-                  </p:par>
-                  <p:par>
-                    <p:cTn id="10" fill="hold">
-                      <p:stCondLst>
-                        <p:cond delay="indefinite"/>
-                      </p:stCondLst>
-                      <p:childTnLst>
-                        <p:par>
-                          <p:cTn id="11" fill="hold">
-                            <p:stCondLst>
-                              <p:cond delay="0"/>
-                            </p:stCondLst>
-                            <p:childTnLst>
-                              <p:par>
-                                <p:cTn id="12" presetID="42" presetClass="entr" presetSubtype="0" fill="hold" grpId="0" nodeType="clickEffect">
-                                  <p:stCondLst>
-                                    <p:cond delay="0"/>
-                                  </p:stCondLst>
-                                  <p:childTnLst>
-                                    <p:set>
-                                      <p:cBhvr>
-                                        <p:cTn id="13" dur="1" fill="hold">
-                                          <p:stCondLst>
-                                            <p:cond delay="0"/>
-                                          </p:stCondLst>
-                                        </p:cTn>
-                                        <p:tgtEl>
-                                          <p:spTgt spid="3">
-                                            <p:txEl>
-                                              <p:pRg st="1" end="1"/>
-                                            </p:txEl>
-                                          </p:spTgt>
-                                        </p:tgtEl>
-                                        <p:attrNameLst>
-                                          <p:attrName>style.visibility</p:attrName>
-                                        </p:attrNameLst>
-                                      </p:cBhvr>
-                                      <p:to>
-                                        <p:strVal val="visible"/>
-                                      </p:to>
-                                    </p:set>
-                                    <p:animEffect transition="in" filter="fade">
-                                      <p:cBhvr>
-                                        <p:cTn id="14" dur="1000"/>
-                                        <p:tgtEl>
-                                          <p:spTgt spid="3">
-                                            <p:txEl>
-                                              <p:pRg st="1" end="1"/>
-                                            </p:txEl>
-                                          </p:spTgt>
-                                        </p:tgtEl>
-                                      </p:cBhvr>
-                                    </p:animEffect>
-                                    <p:anim calcmode="lin" valueType="num">
-                                      <p:cBhvr>
-                                        <p:cTn id="15" dur="1000" fill="hold"/>
-                                        <p:tgtEl>
-                                          <p:spTgt spid="3">
-                                            <p:txEl>
-                                              <p:pRg st="1" end="1"/>
-                                            </p:txEl>
-                                          </p:spTgt>
-                                        </p:tgtEl>
-                                        <p:attrNameLst>
-                                          <p:attrName>ppt_x</p:attrName>
-                                        </p:attrNameLst>
-                                      </p:cBhvr>
-                                      <p:tavLst>
-                                        <p:tav tm="0">
-                                          <p:val>
-                                            <p:strVal val="#ppt_x"/>
-                                          </p:val>
-                                        </p:tav>
-                                        <p:tav tm="100000">
-                                          <p:val>
-                                            <p:strVal val="#ppt_x"/>
-                                          </p:val>
-                                        </p:tav>
-                                      </p:tavLst>
-                                    </p:anim>
-                                    <p:anim calcmode="lin" valueType="num">
-                                      <p:cBhvr>
-                                        <p:cTn id="16" dur="1000" fill="hold"/>
-                                        <p:tgtEl>
-                                          <p:spTgt spid="3">
-                                            <p:txEl>
-                                              <p:pRg st="1" end="1"/>
-                                            </p:txEl>
-                                          </p:spTgt>
-                                        </p:tgtEl>
-                                        <p:attrNameLst>
-                                          <p:attrName>ppt_y</p:attrName>
-                                        </p:attrNameLst>
-                                      </p:cBhvr>
-                                      <p:tavLst>
-                                        <p:tav tm="0">
-                                          <p:val>
-                                            <p:strVal val="#ppt_y+.1"/>
-                                          </p:val>
-                                        </p:tav>
-                                        <p:tav tm="100000">
-                                          <p:val>
-                                            <p:strVal val="#ppt_y"/>
-                                          </p:val>
-                                        </p:tav>
-                                      </p:tavLst>
-                                    </p:anim>
-                                  </p:childTnLst>
-                                </p:cTn>
-                              </p:par>
-                            </p:childTnLst>
-                          </p:cTn>
-                        </p:par>
-                      </p:childTnLst>
-                    </p:cTn>
-                  </p:par>
-                  <p:par>
-                    <p:cTn id="17" fill="hold">
-                      <p:stCondLst>
-                        <p:cond delay="indefinite"/>
-                      </p:stCondLst>
-                      <p:childTnLst>
-                        <p:par>
-                          <p:cTn id="18" fill="hold">
-                            <p:stCondLst>
-                              <p:cond delay="0"/>
-                            </p:stCondLst>
-                            <p:childTnLst>
-                              <p:par>
-                                <p:cTn id="19" presetID="42" presetClass="entr" presetSubtype="0" fill="hold" grpId="0" nodeType="clickEffect">
-                                  <p:stCondLst>
-                                    <p:cond delay="0"/>
-                                  </p:stCondLst>
-                                  <p:childTnLst>
-                                    <p:set>
-                                      <p:cBhvr>
-                                        <p:cTn id="20" dur="1" fill="hold">
-                                          <p:stCondLst>
-                                            <p:cond delay="0"/>
-                                          </p:stCondLst>
-                                        </p:cTn>
-                                        <p:tgtEl>
-                                          <p:spTgt spid="3">
-                                            <p:txEl>
-                                              <p:pRg st="2" end="2"/>
-                                            </p:txEl>
-                                          </p:spTgt>
-                                        </p:tgtEl>
-                                        <p:attrNameLst>
-                                          <p:attrName>style.visibility</p:attrName>
-                                        </p:attrNameLst>
-                                      </p:cBhvr>
-                                      <p:to>
-                                        <p:strVal val="visible"/>
-                                      </p:to>
-                                    </p:set>
-                                    <p:animEffect transition="in" filter="fade">
-                                      <p:cBhvr>
-                                        <p:cTn id="21" dur="1000"/>
-                                        <p:tgtEl>
-                                          <p:spTgt spid="3">
-                                            <p:txEl>
-                                              <p:pRg st="2" end="2"/>
-                                            </p:txEl>
-                                          </p:spTgt>
-                                        </p:tgtEl>
-                                      </p:cBhvr>
-                                    </p:animEffect>
-                                    <p:anim calcmode="lin" valueType="num">
-                                      <p:cBhvr>
-                                        <p:cTn id="22" dur="1000" fill="hold"/>
-                                        <p:tgtEl>
-                                          <p:spTgt spid="3">
-                                            <p:txEl>
-                                              <p:pRg st="2" end="2"/>
-                                            </p:txEl>
-                                          </p:spTgt>
-                                        </p:tgtEl>
-                                        <p:attrNameLst>
-                                          <p:attrName>ppt_x</p:attrName>
-                                        </p:attrNameLst>
-                                      </p:cBhvr>
-                                      <p:tavLst>
-                                        <p:tav tm="0">
-                                          <p:val>
-                                            <p:strVal val="#ppt_x"/>
-                                          </p:val>
-                                        </p:tav>
-                                        <p:tav tm="100000">
-                                          <p:val>
-                                            <p:strVal val="#ppt_x"/>
-                                          </p:val>
-                                        </p:tav>
-                                      </p:tavLst>
-                                    </p:anim>
-                                    <p:anim calcmode="lin" valueType="num">
-                                      <p:cBhvr>
-                                        <p:cTn id="23" dur="1000" fill="hold"/>
-                                        <p:tgtEl>
-                                          <p:spTgt spid="3">
-                                            <p:txEl>
-                                              <p:pRg st="2" end="2"/>
-                                            </p:txEl>
-                                          </p:spTgt>
-                                        </p:tgtEl>
-                                        <p:attrNameLst>
-                                          <p:attrName>ppt_y</p:attrName>
-                                        </p:attrNameLst>
-                                      </p:cBhvr>
-                                      <p:tavLst>
-                                        <p:tav tm="0">
-                                          <p:val>
-                                            <p:strVal val="#ppt_y+.1"/>
-                                          </p:val>
-                                        </p:tav>
-                                        <p:tav tm="100000">
-                                          <p:val>
-                                            <p:strVal val="#ppt_y"/>
-                                          </p:val>
-                                        </p:tav>
-                                      </p:tavLst>
-                                    </p:anim>
-                                  </p:childTnLst>
-                                </p:cTn>
-                              </p:par>
-                            </p:childTnLst>
-                          </p:cTn>
-                        </p:par>
-                      </p:childTnLst>
-                    </p:cTn>
-                  </p:par>
-                </p:childTnLst>
-              </p:cTn>
-              <p:prevCondLst>
-                <p:cond evt="onPrev" delay="0">
-                  <p:tgtEl>
-                    <p:sldTgt/>
-                  </p:tgtEl>
-                </p:cond>
-              </p:prevCondLst>
-              <p:nextCondLst>
-                <p:cond evt="onNext" delay="0">
-                  <p:tgtEl>
-                    <p:sldTgt/>
-                  </p:tgtEl>
-                </p:cond>
-              </p:nextCondLst>
-            </p:seq>
-          </p:childTnLst>
-        </p:cTn>
+        <p:cTn id="1" dur="indefinite" restart="never" nodeType="tmRoot"/>
       </p:par>
     </p:tnLst>
-    <p:bldLst>
-      <p:bldP spid="3" grpId="0" uiExpand="1" build="p"/>
-    </p:bldLst>
   </p:timing>
 </p:sld>
 </file>
@@ -8479,16 +11210,14 @@
         </p:nvSpPr>
         <p:spPr/>
         <p:txBody>
-          <a:bodyPr/>
+          <a:bodyPr>
+            <a:normAutofit/>
+          </a:bodyPr>
           <a:lstStyle/>
           <a:p>
             <a:r>
               <a:rPr lang="en-US" dirty="0" smtClean="0"/>
-              <a:t>Solution: </a:t>
-            </a:r>
-            <a:r>
-              <a:rPr lang="en-US" dirty="0" err="1" smtClean="0"/>
-              <a:t>DoodleDebug</a:t>
+              <a:t>Why?</a:t>
             </a:r>
             <a:endParaRPr lang="en-US" dirty="0"/>
           </a:p>
@@ -8504,81 +11233,480 @@
             <p:ph idx="1"/>
           </p:nvPr>
         </p:nvSpPr>
+        <p:spPr>
+          <a:xfrm>
+            <a:off x="3995936" y="1988840"/>
+            <a:ext cx="4690864" cy="4680520"/>
+          </a:xfrm>
+        </p:spPr>
+        <p:txBody>
+          <a:bodyPr>
+            <a:normAutofit lnSpcReduction="10000"/>
+          </a:bodyPr>
+          <a:lstStyle/>
+          <a:p>
+            <a:pPr marL="0" indent="0">
+              <a:buNone/>
+            </a:pPr>
+            <a:r>
+              <a:rPr lang="en-US" sz="2000" dirty="0" smtClean="0">
+                <a:solidFill>
+                  <a:schemeClr val="accent2"/>
+                </a:solidFill>
+                <a:latin typeface="saxMono" pitchFamily="49" charset="0"/>
+              </a:rPr>
+              <a:t>-- </a:t>
+            </a:r>
+            <a:r>
+              <a:rPr lang="en-US" sz="2000" dirty="0" err="1" smtClean="0">
+                <a:solidFill>
+                  <a:schemeClr val="accent2"/>
+                </a:solidFill>
+                <a:latin typeface="saxMono" pitchFamily="49" charset="0"/>
+              </a:rPr>
+              <a:t>Addressbook</a:t>
+            </a:r>
+            <a:r>
+              <a:rPr lang="en-US" sz="2000" dirty="0" smtClean="0">
+                <a:solidFill>
+                  <a:schemeClr val="accent2"/>
+                </a:solidFill>
+                <a:latin typeface="saxMono" pitchFamily="49" charset="0"/>
+              </a:rPr>
+              <a:t> --</a:t>
+            </a:r>
+          </a:p>
+          <a:p>
+            <a:pPr marL="0" indent="0">
+              <a:buNone/>
+            </a:pPr>
+            <a:r>
+              <a:rPr lang="en-US" sz="2000" dirty="0" smtClean="0">
+                <a:solidFill>
+                  <a:schemeClr val="accent2"/>
+                </a:solidFill>
+                <a:latin typeface="saxMono" pitchFamily="49" charset="0"/>
+              </a:rPr>
+              <a:t>Contact: Hannah Montana</a:t>
+            </a:r>
+          </a:p>
+          <a:p>
+            <a:pPr marL="0" indent="0">
+              <a:buNone/>
+            </a:pPr>
+            <a:r>
+              <a:rPr lang="en-US" sz="2000" dirty="0" smtClean="0">
+                <a:solidFill>
+                  <a:schemeClr val="accent2"/>
+                </a:solidFill>
+                <a:latin typeface="saxMono" pitchFamily="49" charset="0"/>
+              </a:rPr>
+              <a:t>La </a:t>
+            </a:r>
+            <a:r>
+              <a:rPr lang="en-US" sz="2000" dirty="0" err="1" smtClean="0">
+                <a:solidFill>
+                  <a:schemeClr val="accent2"/>
+                </a:solidFill>
+                <a:latin typeface="saxMono" pitchFamily="49" charset="0"/>
+              </a:rPr>
+              <a:t>Rambla</a:t>
+            </a:r>
+            <a:r>
+              <a:rPr lang="en-US" sz="2000" dirty="0" smtClean="0">
+                <a:solidFill>
+                  <a:schemeClr val="accent2"/>
+                </a:solidFill>
+                <a:latin typeface="saxMono" pitchFamily="49" charset="0"/>
+              </a:rPr>
+              <a:t> 55b</a:t>
+            </a:r>
+          </a:p>
+          <a:p>
+            <a:pPr marL="0" indent="0">
+              <a:buNone/>
+            </a:pPr>
+            <a:r>
+              <a:rPr lang="en-US" sz="2000" dirty="0" smtClean="0">
+                <a:solidFill>
+                  <a:schemeClr val="accent2"/>
+                </a:solidFill>
+                <a:latin typeface="saxMono" pitchFamily="49" charset="0"/>
+              </a:rPr>
+              <a:t>7790 New York</a:t>
+            </a:r>
+          </a:p>
+          <a:p>
+            <a:pPr marL="0" indent="0">
+              <a:buNone/>
+            </a:pPr>
+            <a:r>
+              <a:rPr lang="en-US" sz="2000" dirty="0" smtClean="0">
+                <a:solidFill>
+                  <a:schemeClr val="accent2"/>
+                </a:solidFill>
+                <a:latin typeface="saxMono" pitchFamily="49" charset="0"/>
+              </a:rPr>
+              <a:t>---</a:t>
+            </a:r>
+          </a:p>
+          <a:p>
+            <a:pPr marL="0" indent="0">
+              <a:buNone/>
+            </a:pPr>
+            <a:r>
+              <a:rPr lang="en-US" sz="2000" dirty="0" smtClean="0">
+                <a:solidFill>
+                  <a:schemeClr val="accent2"/>
+                </a:solidFill>
+                <a:latin typeface="saxMono" pitchFamily="49" charset="0"/>
+              </a:rPr>
+              <a:t>Contact: Rose Franklin</a:t>
+            </a:r>
+          </a:p>
+          <a:p>
+            <a:pPr marL="0" indent="0">
+              <a:buNone/>
+            </a:pPr>
+            <a:r>
+              <a:rPr lang="en-US" sz="2000" dirty="0" smtClean="0">
+                <a:solidFill>
+                  <a:schemeClr val="accent2"/>
+                </a:solidFill>
+                <a:latin typeface="saxMono" pitchFamily="49" charset="0"/>
+              </a:rPr>
+              <a:t>Down Street 0</a:t>
+            </a:r>
+          </a:p>
+          <a:p>
+            <a:pPr marL="0" indent="0">
+              <a:buNone/>
+            </a:pPr>
+            <a:r>
+              <a:rPr lang="en-US" sz="2000" dirty="0" smtClean="0">
+                <a:solidFill>
+                  <a:schemeClr val="accent2"/>
+                </a:solidFill>
+                <a:latin typeface="saxMono" pitchFamily="49" charset="0"/>
+              </a:rPr>
+              <a:t>8983 </a:t>
+            </a:r>
+            <a:r>
+              <a:rPr lang="en-US" sz="2000" dirty="0" err="1" smtClean="0">
+                <a:solidFill>
+                  <a:schemeClr val="accent2"/>
+                </a:solidFill>
+                <a:latin typeface="saxMono" pitchFamily="49" charset="0"/>
+              </a:rPr>
+              <a:t>Thun</a:t>
+            </a:r>
+            <a:endParaRPr lang="en-US" sz="2000" dirty="0" smtClean="0">
+              <a:solidFill>
+                <a:schemeClr val="accent2"/>
+              </a:solidFill>
+              <a:latin typeface="saxMono" pitchFamily="49" charset="0"/>
+            </a:endParaRPr>
+          </a:p>
+          <a:p>
+            <a:pPr marL="0" indent="0">
+              <a:buNone/>
+            </a:pPr>
+            <a:r>
+              <a:rPr lang="en-US" sz="2000" dirty="0" smtClean="0">
+                <a:solidFill>
+                  <a:schemeClr val="accent2"/>
+                </a:solidFill>
+                <a:latin typeface="saxMono" pitchFamily="49" charset="0"/>
+              </a:rPr>
+              <a:t>---</a:t>
+            </a:r>
+          </a:p>
+          <a:p>
+            <a:pPr marL="0" indent="0">
+              <a:buNone/>
+            </a:pPr>
+            <a:r>
+              <a:rPr lang="en-US" sz="2000" dirty="0" smtClean="0">
+                <a:solidFill>
+                  <a:schemeClr val="accent2"/>
+                </a:solidFill>
+                <a:latin typeface="saxMono" pitchFamily="49" charset="0"/>
+              </a:rPr>
+              <a:t>Contact: Rose Montana</a:t>
+            </a:r>
+          </a:p>
+          <a:p>
+            <a:pPr marL="0" indent="0">
+              <a:buNone/>
+            </a:pPr>
+            <a:r>
+              <a:rPr lang="en-US" sz="2000" dirty="0" err="1" smtClean="0">
+                <a:solidFill>
+                  <a:schemeClr val="accent2"/>
+                </a:solidFill>
+                <a:latin typeface="saxMono" pitchFamily="49" charset="0"/>
+              </a:rPr>
+              <a:t>Hai</a:t>
+            </a:r>
+            <a:r>
+              <a:rPr lang="en-US" sz="2000" dirty="0" smtClean="0">
+                <a:solidFill>
+                  <a:schemeClr val="accent2"/>
+                </a:solidFill>
+                <a:latin typeface="saxMono" pitchFamily="49" charset="0"/>
+              </a:rPr>
+              <a:t> Ming Way</a:t>
+            </a:r>
+          </a:p>
+          <a:p>
+            <a:pPr marL="0" indent="0">
+              <a:buNone/>
+            </a:pPr>
+            <a:r>
+              <a:rPr lang="en-US" sz="2000" dirty="0" smtClean="0">
+                <a:solidFill>
+                  <a:schemeClr val="accent2"/>
+                </a:solidFill>
+                <a:latin typeface="saxMono" pitchFamily="49" charset="0"/>
+              </a:rPr>
+              <a:t>936 </a:t>
+            </a:r>
+            <a:r>
+              <a:rPr lang="en-US" sz="2000" dirty="0" err="1" smtClean="0">
+                <a:solidFill>
+                  <a:schemeClr val="accent2"/>
+                </a:solidFill>
+                <a:latin typeface="saxMono" pitchFamily="49" charset="0"/>
+              </a:rPr>
+              <a:t>Moskow</a:t>
+            </a:r>
+            <a:endParaRPr lang="en-US" sz="2000" dirty="0" smtClean="0">
+              <a:solidFill>
+                <a:schemeClr val="accent2"/>
+              </a:solidFill>
+              <a:latin typeface="saxMono" pitchFamily="49" charset="0"/>
+            </a:endParaRPr>
+          </a:p>
+          <a:p>
+            <a:pPr marL="0" indent="0">
+              <a:buNone/>
+            </a:pPr>
+            <a:r>
+              <a:rPr lang="en-US" sz="2000" b="1" dirty="0" smtClean="0">
+                <a:solidFill>
+                  <a:schemeClr val="accent2"/>
+                </a:solidFill>
+                <a:latin typeface="saxMono" pitchFamily="49" charset="0"/>
+              </a:rPr>
+              <a:t>[...]</a:t>
+            </a:r>
+            <a:endParaRPr lang="en-US" sz="2000" b="1" dirty="0">
+              <a:solidFill>
+                <a:schemeClr val="accent2"/>
+              </a:solidFill>
+              <a:latin typeface="saxMono" pitchFamily="49" charset="0"/>
+            </a:endParaRPr>
+          </a:p>
+        </p:txBody>
+      </p:sp>
+      <p:sp>
+        <p:nvSpPr>
+          <p:cNvPr id="4" name="Foliennummernplatzhalter 3"/>
+          <p:cNvSpPr>
+            <a:spLocks noGrp="1"/>
+          </p:cNvSpPr>
+          <p:nvPr>
+            <p:ph type="sldNum" sz="quarter" idx="12"/>
+          </p:nvPr>
+        </p:nvSpPr>
         <p:spPr/>
         <p:txBody>
           <a:bodyPr/>
           <a:lstStyle/>
           <a:p>
+            <a:fld id="{CB39F0D9-F884-4558-986F-7F4B8D6BBDEC}" type="slidenum">
+              <a:rPr lang="de-CH" smtClean="0"/>
+              <a:t>4</a:t>
+            </a:fld>
+            <a:endParaRPr lang="de-CH" dirty="0"/>
+          </a:p>
+        </p:txBody>
+      </p:sp>
+      <p:sp>
+        <p:nvSpPr>
+          <p:cNvPr id="6" name="Inhaltsplatzhalter 2"/>
+          <p:cNvSpPr txBox="1">
+            <a:spLocks/>
+          </p:cNvSpPr>
+          <p:nvPr/>
+        </p:nvSpPr>
+        <p:spPr>
+          <a:xfrm>
+            <a:off x="457200" y="1988840"/>
+            <a:ext cx="3610744" cy="4392488"/>
+          </a:xfrm>
+          <a:prstGeom prst="rect">
+            <a:avLst/>
+          </a:prstGeom>
+        </p:spPr>
+        <p:txBody>
+          <a:bodyPr vert="horz" lIns="91440" tIns="45720" rIns="91440" bIns="45720" rtlCol="0">
+            <a:normAutofit/>
+          </a:bodyPr>
+          <a:lstStyle>
+            <a:lvl1pPr marL="342900" indent="-342900" algn="l" defTabSz="914400" rtl="0" eaLnBrk="1" latinLnBrk="0" hangingPunct="1">
+              <a:spcBef>
+                <a:spcPct val="20000"/>
+              </a:spcBef>
+              <a:buFont typeface="Arial" pitchFamily="34" charset="0"/>
+              <a:buChar char="•"/>
+              <a:defRPr sz="3200" kern="1200">
+                <a:solidFill>
+                  <a:schemeClr val="tx1"/>
+                </a:solidFill>
+                <a:latin typeface="Roboto Lt" pitchFamily="2" charset="0"/>
+                <a:ea typeface="Roboto Lt" pitchFamily="2" charset="0"/>
+                <a:cs typeface="+mn-cs"/>
+              </a:defRPr>
+            </a:lvl1pPr>
+            <a:lvl2pPr marL="742950" indent="-285750" algn="l" defTabSz="914400" rtl="0" eaLnBrk="1" latinLnBrk="0" hangingPunct="1">
+              <a:spcBef>
+                <a:spcPct val="20000"/>
+              </a:spcBef>
+              <a:buFont typeface="Arial" pitchFamily="34" charset="0"/>
+              <a:buChar char="–"/>
+              <a:defRPr sz="2800" kern="1200">
+                <a:solidFill>
+                  <a:schemeClr val="tx1"/>
+                </a:solidFill>
+                <a:latin typeface="Roboto Lt" pitchFamily="2" charset="0"/>
+                <a:ea typeface="Roboto Lt" pitchFamily="2" charset="0"/>
+                <a:cs typeface="+mn-cs"/>
+              </a:defRPr>
+            </a:lvl2pPr>
+            <a:lvl3pPr marL="1143000" indent="-228600" algn="l" defTabSz="914400" rtl="0" eaLnBrk="1" latinLnBrk="0" hangingPunct="1">
+              <a:spcBef>
+                <a:spcPct val="20000"/>
+              </a:spcBef>
+              <a:buFont typeface="Arial" pitchFamily="34" charset="0"/>
+              <a:buChar char="•"/>
+              <a:defRPr sz="2400" kern="1200">
+                <a:solidFill>
+                  <a:schemeClr val="tx1"/>
+                </a:solidFill>
+                <a:latin typeface="Roboto Lt" pitchFamily="2" charset="0"/>
+                <a:ea typeface="Roboto Lt" pitchFamily="2" charset="0"/>
+                <a:cs typeface="+mn-cs"/>
+              </a:defRPr>
+            </a:lvl3pPr>
+            <a:lvl4pPr marL="1600200" indent="-228600" algn="l" defTabSz="914400" rtl="0" eaLnBrk="1" latinLnBrk="0" hangingPunct="1">
+              <a:spcBef>
+                <a:spcPct val="20000"/>
+              </a:spcBef>
+              <a:buFont typeface="Arial" pitchFamily="34" charset="0"/>
+              <a:buChar char="–"/>
+              <a:defRPr sz="2000" kern="1200">
+                <a:solidFill>
+                  <a:schemeClr val="tx1"/>
+                </a:solidFill>
+                <a:latin typeface="Roboto Lt" pitchFamily="2" charset="0"/>
+                <a:ea typeface="Roboto Lt" pitchFamily="2" charset="0"/>
+                <a:cs typeface="+mn-cs"/>
+              </a:defRPr>
+            </a:lvl4pPr>
+            <a:lvl5pPr marL="2057400" indent="-228600" algn="l" defTabSz="914400" rtl="0" eaLnBrk="1" latinLnBrk="0" hangingPunct="1">
+              <a:spcBef>
+                <a:spcPct val="20000"/>
+              </a:spcBef>
+              <a:buFont typeface="Arial" pitchFamily="34" charset="0"/>
+              <a:buChar char="»"/>
+              <a:defRPr sz="2000" kern="1200">
+                <a:solidFill>
+                  <a:schemeClr val="tx1"/>
+                </a:solidFill>
+                <a:latin typeface="Roboto Lt" pitchFamily="2" charset="0"/>
+                <a:ea typeface="Roboto Lt" pitchFamily="2" charset="0"/>
+                <a:cs typeface="+mn-cs"/>
+              </a:defRPr>
+            </a:lvl5pPr>
+            <a:lvl6pPr marL="2514600" indent="-228600" algn="l" defTabSz="914400" rtl="0" eaLnBrk="1" latinLnBrk="0" hangingPunct="1">
+              <a:spcBef>
+                <a:spcPct val="20000"/>
+              </a:spcBef>
+              <a:buFont typeface="Arial" pitchFamily="34" charset="0"/>
+              <a:buChar char="•"/>
+              <a:defRPr sz="2000" kern="1200">
+                <a:solidFill>
+                  <a:schemeClr val="tx1"/>
+                </a:solidFill>
+                <a:latin typeface="+mn-lt"/>
+                <a:ea typeface="+mn-ea"/>
+                <a:cs typeface="+mn-cs"/>
+              </a:defRPr>
+            </a:lvl6pPr>
+            <a:lvl7pPr marL="2971800" indent="-228600" algn="l" defTabSz="914400" rtl="0" eaLnBrk="1" latinLnBrk="0" hangingPunct="1">
+              <a:spcBef>
+                <a:spcPct val="20000"/>
+              </a:spcBef>
+              <a:buFont typeface="Arial" pitchFamily="34" charset="0"/>
+              <a:buChar char="•"/>
+              <a:defRPr sz="2000" kern="1200">
+                <a:solidFill>
+                  <a:schemeClr val="tx1"/>
+                </a:solidFill>
+                <a:latin typeface="+mn-lt"/>
+                <a:ea typeface="+mn-ea"/>
+                <a:cs typeface="+mn-cs"/>
+              </a:defRPr>
+            </a:lvl7pPr>
+            <a:lvl8pPr marL="3429000" indent="-228600" algn="l" defTabSz="914400" rtl="0" eaLnBrk="1" latinLnBrk="0" hangingPunct="1">
+              <a:spcBef>
+                <a:spcPct val="20000"/>
+              </a:spcBef>
+              <a:buFont typeface="Arial" pitchFamily="34" charset="0"/>
+              <a:buChar char="•"/>
+              <a:defRPr sz="2000" kern="1200">
+                <a:solidFill>
+                  <a:schemeClr val="tx1"/>
+                </a:solidFill>
+                <a:latin typeface="+mn-lt"/>
+                <a:ea typeface="+mn-ea"/>
+                <a:cs typeface="+mn-cs"/>
+              </a:defRPr>
+            </a:lvl8pPr>
+            <a:lvl9pPr marL="3886200" indent="-228600" algn="l" defTabSz="914400" rtl="0" eaLnBrk="1" latinLnBrk="0" hangingPunct="1">
+              <a:spcBef>
+                <a:spcPct val="20000"/>
+              </a:spcBef>
+              <a:buFont typeface="Arial" pitchFamily="34" charset="0"/>
+              <a:buChar char="•"/>
+              <a:defRPr sz="2000" kern="1200">
+                <a:solidFill>
+                  <a:schemeClr val="tx1"/>
+                </a:solidFill>
+                <a:latin typeface="+mn-lt"/>
+                <a:ea typeface="+mn-ea"/>
+                <a:cs typeface="+mn-cs"/>
+              </a:defRPr>
+            </a:lvl9pPr>
+          </a:lstStyle>
+          <a:p>
+            <a:pPr marL="0" indent="0">
+              <a:buFont typeface="Arial" pitchFamily="34" charset="0"/>
+              <a:buNone/>
+            </a:pPr>
             <a:r>
               <a:rPr lang="en-US" dirty="0" smtClean="0"/>
-              <a:t>Print </a:t>
-            </a:r>
-            <a:r>
-              <a:rPr lang="en-US" dirty="0" smtClean="0"/>
-              <a:t>an </a:t>
-            </a:r>
-            <a:r>
-              <a:rPr lang="en-US" dirty="0" smtClean="0"/>
-              <a:t>object with</a:t>
-            </a:r>
-            <a:br>
-              <a:rPr lang="en-US" dirty="0" smtClean="0"/>
-            </a:br>
-            <a:r>
-              <a:rPr lang="en-US" b="1" dirty="0" err="1">
-                <a:solidFill>
-                  <a:srgbClr val="0070C0"/>
-                </a:solidFill>
-                <a:latin typeface="saxMono" pitchFamily="49" charset="0"/>
-              </a:rPr>
-              <a:t>Doo.dle</a:t>
-            </a:r>
-            <a:r>
-              <a:rPr lang="en-US" b="1" dirty="0">
-                <a:solidFill>
-                  <a:srgbClr val="0070C0"/>
-                </a:solidFill>
-                <a:latin typeface="saxMono" pitchFamily="49" charset="0"/>
-              </a:rPr>
-              <a:t>(</a:t>
-            </a:r>
-            <a:r>
-              <a:rPr lang="en-US" b="1" dirty="0">
-                <a:solidFill>
-                  <a:srgbClr val="00B0F0"/>
-                </a:solidFill>
-                <a:latin typeface="saxMono" pitchFamily="49" charset="0"/>
-              </a:rPr>
-              <a:t>object</a:t>
-            </a:r>
-            <a:r>
-              <a:rPr lang="en-US" b="1" dirty="0">
-                <a:solidFill>
-                  <a:srgbClr val="0070C0"/>
-                </a:solidFill>
-                <a:latin typeface="saxMono" pitchFamily="49" charset="0"/>
-              </a:rPr>
-              <a:t>);</a:t>
-            </a:r>
-          </a:p>
-          <a:p>
-            <a:r>
-              <a:rPr lang="en-US" dirty="0" smtClean="0"/>
-              <a:t>Multiple calls list doodles one below each other</a:t>
-            </a:r>
-          </a:p>
-          <a:p>
-            <a:r>
-              <a:rPr lang="en-US" dirty="0" smtClean="0"/>
-              <a:t>Easily installed as Eclipse plugin</a:t>
-            </a:r>
+              <a:t>Improved:</a:t>
+            </a:r>
+            <a:endParaRPr lang="en-US" dirty="0" smtClean="0"/>
           </a:p>
         </p:txBody>
       </p:sp>
     </p:spTree>
     <p:extLst>
       <p:ext uri="{BB962C8B-B14F-4D97-AF65-F5344CB8AC3E}">
-        <p14:creationId xmlns:p14="http://schemas.microsoft.com/office/powerpoint/2010/main" val="945933264"/>
+        <p14:creationId xmlns:p14="http://schemas.microsoft.com/office/powerpoint/2010/main" val="568683282"/>
       </p:ext>
     </p:extLst>
   </p:cSld>
@@ -8588,380 +11716,9 @@
   <p:timing>
     <p:tnLst>
       <p:par>
-        <p:cTn id="1" dur="indefinite" restart="never" nodeType="tmRoot">
-          <p:childTnLst>
-            <p:seq concurrent="1" nextAc="seek">
-              <p:cTn id="2" dur="indefinite" nodeType="mainSeq">
-                <p:childTnLst>
-                  <p:par>
-                    <p:cTn id="3" fill="hold">
-                      <p:stCondLst>
-                        <p:cond delay="indefinite"/>
-                      </p:stCondLst>
-                      <p:childTnLst>
-                        <p:par>
-                          <p:cTn id="4" fill="hold">
-                            <p:stCondLst>
-                              <p:cond delay="0"/>
-                            </p:stCondLst>
-                            <p:childTnLst>
-                              <p:par>
-                                <p:cTn id="5" presetID="42" presetClass="entr" presetSubtype="0" fill="hold" grpId="0" nodeType="clickEffect">
-                                  <p:stCondLst>
-                                    <p:cond delay="0"/>
-                                  </p:stCondLst>
-                                  <p:childTnLst>
-                                    <p:set>
-                                      <p:cBhvr>
-                                        <p:cTn id="6" dur="1" fill="hold">
-                                          <p:stCondLst>
-                                            <p:cond delay="0"/>
-                                          </p:stCondLst>
-                                        </p:cTn>
-                                        <p:tgtEl>
-                                          <p:spTgt spid="3">
-                                            <p:txEl>
-                                              <p:pRg st="0" end="0"/>
-                                            </p:txEl>
-                                          </p:spTgt>
-                                        </p:tgtEl>
-                                        <p:attrNameLst>
-                                          <p:attrName>style.visibility</p:attrName>
-                                        </p:attrNameLst>
-                                      </p:cBhvr>
-                                      <p:to>
-                                        <p:strVal val="visible"/>
-                                      </p:to>
-                                    </p:set>
-                                    <p:animEffect transition="in" filter="fade">
-                                      <p:cBhvr>
-                                        <p:cTn id="7" dur="1000"/>
-                                        <p:tgtEl>
-                                          <p:spTgt spid="3">
-                                            <p:txEl>
-                                              <p:pRg st="0" end="0"/>
-                                            </p:txEl>
-                                          </p:spTgt>
-                                        </p:tgtEl>
-                                      </p:cBhvr>
-                                    </p:animEffect>
-                                    <p:anim calcmode="lin" valueType="num">
-                                      <p:cBhvr>
-                                        <p:cTn id="8" dur="1000" fill="hold"/>
-                                        <p:tgtEl>
-                                          <p:spTgt spid="3">
-                                            <p:txEl>
-                                              <p:pRg st="0" end="0"/>
-                                            </p:txEl>
-                                          </p:spTgt>
-                                        </p:tgtEl>
-                                        <p:attrNameLst>
-                                          <p:attrName>ppt_x</p:attrName>
-                                        </p:attrNameLst>
-                                      </p:cBhvr>
-                                      <p:tavLst>
-                                        <p:tav tm="0">
-                                          <p:val>
-                                            <p:strVal val="#ppt_x"/>
-                                          </p:val>
-                                        </p:tav>
-                                        <p:tav tm="100000">
-                                          <p:val>
-                                            <p:strVal val="#ppt_x"/>
-                                          </p:val>
-                                        </p:tav>
-                                      </p:tavLst>
-                                    </p:anim>
-                                    <p:anim calcmode="lin" valueType="num">
-                                      <p:cBhvr>
-                                        <p:cTn id="9" dur="1000" fill="hold"/>
-                                        <p:tgtEl>
-                                          <p:spTgt spid="3">
-                                            <p:txEl>
-                                              <p:pRg st="0" end="0"/>
-                                            </p:txEl>
-                                          </p:spTgt>
-                                        </p:tgtEl>
-                                        <p:attrNameLst>
-                                          <p:attrName>ppt_y</p:attrName>
-                                        </p:attrNameLst>
-                                      </p:cBhvr>
-                                      <p:tavLst>
-                                        <p:tav tm="0">
-                                          <p:val>
-                                            <p:strVal val="#ppt_y+.1"/>
-                                          </p:val>
-                                        </p:tav>
-                                        <p:tav tm="100000">
-                                          <p:val>
-                                            <p:strVal val="#ppt_y"/>
-                                          </p:val>
-                                        </p:tav>
-                                      </p:tavLst>
-                                    </p:anim>
-                                  </p:childTnLst>
-                                </p:cTn>
-                              </p:par>
-                            </p:childTnLst>
-                          </p:cTn>
-                        </p:par>
-                      </p:childTnLst>
-                    </p:cTn>
-                  </p:par>
-                  <p:par>
-                    <p:cTn id="10" fill="hold">
-                      <p:stCondLst>
-                        <p:cond delay="indefinite"/>
-                      </p:stCondLst>
-                      <p:childTnLst>
-                        <p:par>
-                          <p:cTn id="11" fill="hold">
-                            <p:stCondLst>
-                              <p:cond delay="0"/>
-                            </p:stCondLst>
-                            <p:childTnLst>
-                              <p:par>
-                                <p:cTn id="12" presetID="42" presetClass="entr" presetSubtype="0" fill="hold" grpId="0" nodeType="clickEffect">
-                                  <p:stCondLst>
-                                    <p:cond delay="0"/>
-                                  </p:stCondLst>
-                                  <p:childTnLst>
-                                    <p:set>
-                                      <p:cBhvr>
-                                        <p:cTn id="13" dur="1" fill="hold">
-                                          <p:stCondLst>
-                                            <p:cond delay="0"/>
-                                          </p:stCondLst>
-                                        </p:cTn>
-                                        <p:tgtEl>
-                                          <p:spTgt spid="3">
-                                            <p:txEl>
-                                              <p:pRg st="1" end="1"/>
-                                            </p:txEl>
-                                          </p:spTgt>
-                                        </p:tgtEl>
-                                        <p:attrNameLst>
-                                          <p:attrName>style.visibility</p:attrName>
-                                        </p:attrNameLst>
-                                      </p:cBhvr>
-                                      <p:to>
-                                        <p:strVal val="visible"/>
-                                      </p:to>
-                                    </p:set>
-                                    <p:animEffect transition="in" filter="fade">
-                                      <p:cBhvr>
-                                        <p:cTn id="14" dur="1000"/>
-                                        <p:tgtEl>
-                                          <p:spTgt spid="3">
-                                            <p:txEl>
-                                              <p:pRg st="1" end="1"/>
-                                            </p:txEl>
-                                          </p:spTgt>
-                                        </p:tgtEl>
-                                      </p:cBhvr>
-                                    </p:animEffect>
-                                    <p:anim calcmode="lin" valueType="num">
-                                      <p:cBhvr>
-                                        <p:cTn id="15" dur="1000" fill="hold"/>
-                                        <p:tgtEl>
-                                          <p:spTgt spid="3">
-                                            <p:txEl>
-                                              <p:pRg st="1" end="1"/>
-                                            </p:txEl>
-                                          </p:spTgt>
-                                        </p:tgtEl>
-                                        <p:attrNameLst>
-                                          <p:attrName>ppt_x</p:attrName>
-                                        </p:attrNameLst>
-                                      </p:cBhvr>
-                                      <p:tavLst>
-                                        <p:tav tm="0">
-                                          <p:val>
-                                            <p:strVal val="#ppt_x"/>
-                                          </p:val>
-                                        </p:tav>
-                                        <p:tav tm="100000">
-                                          <p:val>
-                                            <p:strVal val="#ppt_x"/>
-                                          </p:val>
-                                        </p:tav>
-                                      </p:tavLst>
-                                    </p:anim>
-                                    <p:anim calcmode="lin" valueType="num">
-                                      <p:cBhvr>
-                                        <p:cTn id="16" dur="1000" fill="hold"/>
-                                        <p:tgtEl>
-                                          <p:spTgt spid="3">
-                                            <p:txEl>
-                                              <p:pRg st="1" end="1"/>
-                                            </p:txEl>
-                                          </p:spTgt>
-                                        </p:tgtEl>
-                                        <p:attrNameLst>
-                                          <p:attrName>ppt_y</p:attrName>
-                                        </p:attrNameLst>
-                                      </p:cBhvr>
-                                      <p:tavLst>
-                                        <p:tav tm="0">
-                                          <p:val>
-                                            <p:strVal val="#ppt_y+.1"/>
-                                          </p:val>
-                                        </p:tav>
-                                        <p:tav tm="100000">
-                                          <p:val>
-                                            <p:strVal val="#ppt_y"/>
-                                          </p:val>
-                                        </p:tav>
-                                      </p:tavLst>
-                                    </p:anim>
-                                  </p:childTnLst>
-                                </p:cTn>
-                              </p:par>
-                            </p:childTnLst>
-                          </p:cTn>
-                        </p:par>
-                      </p:childTnLst>
-                    </p:cTn>
-                  </p:par>
-                  <p:par>
-                    <p:cTn id="17" fill="hold">
-                      <p:stCondLst>
-                        <p:cond delay="indefinite"/>
-                      </p:stCondLst>
-                      <p:childTnLst>
-                        <p:par>
-                          <p:cTn id="18" fill="hold">
-                            <p:stCondLst>
-                              <p:cond delay="0"/>
-                            </p:stCondLst>
-                            <p:childTnLst>
-                              <p:par>
-                                <p:cTn id="19" presetID="42" presetClass="entr" presetSubtype="0" fill="hold" grpId="0" nodeType="clickEffect">
-                                  <p:stCondLst>
-                                    <p:cond delay="0"/>
-                                  </p:stCondLst>
-                                  <p:childTnLst>
-                                    <p:set>
-                                      <p:cBhvr>
-                                        <p:cTn id="20" dur="1" fill="hold">
-                                          <p:stCondLst>
-                                            <p:cond delay="0"/>
-                                          </p:stCondLst>
-                                        </p:cTn>
-                                        <p:tgtEl>
-                                          <p:spTgt spid="3">
-                                            <p:txEl>
-                                              <p:pRg st="2" end="2"/>
-                                            </p:txEl>
-                                          </p:spTgt>
-                                        </p:tgtEl>
-                                        <p:attrNameLst>
-                                          <p:attrName>style.visibility</p:attrName>
-                                        </p:attrNameLst>
-                                      </p:cBhvr>
-                                      <p:to>
-                                        <p:strVal val="visible"/>
-                                      </p:to>
-                                    </p:set>
-                                    <p:animEffect transition="in" filter="fade">
-                                      <p:cBhvr>
-                                        <p:cTn id="21" dur="1000"/>
-                                        <p:tgtEl>
-                                          <p:spTgt spid="3">
-                                            <p:txEl>
-                                              <p:pRg st="2" end="2"/>
-                                            </p:txEl>
-                                          </p:spTgt>
-                                        </p:tgtEl>
-                                      </p:cBhvr>
-                                    </p:animEffect>
-                                    <p:anim calcmode="lin" valueType="num">
-                                      <p:cBhvr>
-                                        <p:cTn id="22" dur="1000" fill="hold"/>
-                                        <p:tgtEl>
-                                          <p:spTgt spid="3">
-                                            <p:txEl>
-                                              <p:pRg st="2" end="2"/>
-                                            </p:txEl>
-                                          </p:spTgt>
-                                        </p:tgtEl>
-                                        <p:attrNameLst>
-                                          <p:attrName>ppt_x</p:attrName>
-                                        </p:attrNameLst>
-                                      </p:cBhvr>
-                                      <p:tavLst>
-                                        <p:tav tm="0">
-                                          <p:val>
-                                            <p:strVal val="#ppt_x"/>
-                                          </p:val>
-                                        </p:tav>
-                                        <p:tav tm="100000">
-                                          <p:val>
-                                            <p:strVal val="#ppt_x"/>
-                                          </p:val>
-                                        </p:tav>
-                                      </p:tavLst>
-                                    </p:anim>
-                                    <p:anim calcmode="lin" valueType="num">
-                                      <p:cBhvr>
-                                        <p:cTn id="23" dur="1000" fill="hold"/>
-                                        <p:tgtEl>
-                                          <p:spTgt spid="3">
-                                            <p:txEl>
-                                              <p:pRg st="2" end="2"/>
-                                            </p:txEl>
-                                          </p:spTgt>
-                                        </p:tgtEl>
-                                        <p:attrNameLst>
-                                          <p:attrName>ppt_y</p:attrName>
-                                        </p:attrNameLst>
-                                      </p:cBhvr>
-                                      <p:tavLst>
-                                        <p:tav tm="0">
-                                          <p:val>
-                                            <p:strVal val="#ppt_y+.1"/>
-                                          </p:val>
-                                        </p:tav>
-                                        <p:tav tm="100000">
-                                          <p:val>
-                                            <p:strVal val="#ppt_y"/>
-                                          </p:val>
-                                        </p:tav>
-                                      </p:tavLst>
-                                    </p:anim>
-                                  </p:childTnLst>
-                                </p:cTn>
-                              </p:par>
-                            </p:childTnLst>
-                          </p:cTn>
-                        </p:par>
-                      </p:childTnLst>
-                    </p:cTn>
-                  </p:par>
-                </p:childTnLst>
-              </p:cTn>
-              <p:prevCondLst>
-                <p:cond evt="onPrev" delay="0">
-                  <p:tgtEl>
-                    <p:sldTgt/>
-                  </p:tgtEl>
-                </p:cond>
-              </p:prevCondLst>
-              <p:nextCondLst>
-                <p:cond evt="onNext" delay="0">
-                  <p:tgtEl>
-                    <p:sldTgt/>
-                  </p:tgtEl>
-                </p:cond>
-              </p:nextCondLst>
-            </p:seq>
-          </p:childTnLst>
-        </p:cTn>
+        <p:cTn id="1" dur="indefinite" restart="never" nodeType="tmRoot"/>
       </p:par>
     </p:tnLst>
-    <p:bldLst>
-      <p:bldP spid="3" grpId="0" build="p"/>
-    </p:bldLst>
   </p:timing>
 </p:sld>
 </file>
@@ -8999,10 +11756,10 @@
           <a:lstStyle/>
           <a:p>
             <a:r>
-              <a:rPr lang="en-US" dirty="0" smtClean="0"/>
-              <a:t>Customization</a:t>
-            </a:r>
-            <a:endParaRPr lang="en-US" dirty="0"/>
+              <a:rPr lang="en-US" smtClean="0"/>
+              <a:t>Why?</a:t>
+            </a:r>
+            <a:endParaRPr lang="en-US"/>
           </a:p>
         </p:txBody>
       </p:sp>
@@ -9021,144 +11778,55 @@
           <a:bodyPr/>
           <a:lstStyle/>
           <a:p>
-            <a:pPr marL="0" indent="0">
-              <a:buNone/>
-            </a:pPr>
             <a:r>
               <a:rPr lang="en-US" dirty="0" smtClean="0"/>
-              <a:t>Implement the </a:t>
-            </a:r>
-            <a:r>
-              <a:rPr lang="en-US" b="1" dirty="0" err="1" smtClean="0">
-                <a:solidFill>
-                  <a:srgbClr val="0070C0"/>
-                </a:solidFill>
-                <a:latin typeface="saxMono" pitchFamily="49" charset="0"/>
-              </a:rPr>
-              <a:t>Doodleable</a:t>
-            </a:r>
-            <a:r>
-              <a:rPr lang="en-US" dirty="0" smtClean="0">
-                <a:solidFill>
-                  <a:srgbClr val="0070C0"/>
-                </a:solidFill>
-              </a:rPr>
-              <a:t> </a:t>
-            </a:r>
+              <a:t>Debuggers lack features</a:t>
+            </a:r>
+          </a:p>
+          <a:p>
+            <a:pPr lvl="1"/>
             <a:r>
               <a:rPr lang="en-US" dirty="0" smtClean="0"/>
-              <a:t>interface</a:t>
+              <a:t>Comparison between points in time</a:t>
             </a:r>
           </a:p>
           <a:p>
             <a:pPr lvl="1"/>
             <a:r>
-              <a:rPr lang="en-US" b="1" dirty="0" err="1" smtClean="0">
-                <a:solidFill>
-                  <a:srgbClr val="0070C0"/>
-                </a:solidFill>
-                <a:latin typeface="saxMono" pitchFamily="49" charset="0"/>
-              </a:rPr>
-              <a:t>doodleOn</a:t>
-            </a:r>
-            <a:r>
-              <a:rPr lang="en-US" b="1" dirty="0" smtClean="0">
-                <a:solidFill>
-                  <a:srgbClr val="0070C0"/>
-                </a:solidFill>
-                <a:latin typeface="saxMono" pitchFamily="49" charset="0"/>
-              </a:rPr>
-              <a:t>(</a:t>
-            </a:r>
-            <a:r>
-              <a:rPr lang="en-US" b="1" dirty="0" err="1" smtClean="0">
-                <a:solidFill>
-                  <a:srgbClr val="00B0F0"/>
-                </a:solidFill>
-                <a:latin typeface="saxMono" pitchFamily="49" charset="0"/>
-              </a:rPr>
-              <a:t>DoodleCanvas</a:t>
-            </a:r>
-            <a:r>
-              <a:rPr lang="en-US" b="1" dirty="0" smtClean="0">
-                <a:solidFill>
-                  <a:srgbClr val="0070C0"/>
-                </a:solidFill>
-                <a:latin typeface="saxMono" pitchFamily="49" charset="0"/>
-              </a:rPr>
-              <a:t>)</a:t>
-            </a:r>
-            <a:br>
-              <a:rPr lang="en-US" b="1" dirty="0" smtClean="0">
-                <a:solidFill>
-                  <a:srgbClr val="0070C0"/>
-                </a:solidFill>
-                <a:latin typeface="saxMono" pitchFamily="49" charset="0"/>
-              </a:rPr>
-            </a:br>
-            <a:r>
               <a:rPr lang="en-US" dirty="0" smtClean="0"/>
-              <a:t>Regular representation</a:t>
-            </a:r>
-          </a:p>
-          <a:p>
-            <a:pPr lvl="1"/>
-            <a:r>
-              <a:rPr lang="en-US" b="1" dirty="0" err="1" smtClean="0">
-                <a:solidFill>
-                  <a:srgbClr val="0070C0"/>
-                </a:solidFill>
-                <a:latin typeface="saxMono" pitchFamily="49" charset="0"/>
-              </a:rPr>
-              <a:t>summarizeOn</a:t>
-            </a:r>
-            <a:r>
-              <a:rPr lang="en-US" b="1" dirty="0" smtClean="0">
-                <a:solidFill>
-                  <a:srgbClr val="0070C0"/>
-                </a:solidFill>
-                <a:latin typeface="saxMono" pitchFamily="49" charset="0"/>
-              </a:rPr>
-              <a:t>(</a:t>
-            </a:r>
-            <a:r>
-              <a:rPr lang="en-US" b="1" dirty="0" err="1" smtClean="0">
-                <a:solidFill>
-                  <a:srgbClr val="00B0F0"/>
-                </a:solidFill>
-                <a:latin typeface="saxMono" pitchFamily="49" charset="0"/>
-              </a:rPr>
-              <a:t>DoodleCanvas</a:t>
-            </a:r>
-            <a:r>
-              <a:rPr lang="en-US" b="1" dirty="0" smtClean="0">
-                <a:solidFill>
-                  <a:srgbClr val="0070C0"/>
-                </a:solidFill>
-                <a:latin typeface="saxMono" pitchFamily="49" charset="0"/>
-              </a:rPr>
-              <a:t>)</a:t>
-            </a:r>
-            <a:br>
-              <a:rPr lang="en-US" b="1" dirty="0" smtClean="0">
-                <a:solidFill>
-                  <a:srgbClr val="0070C0"/>
-                </a:solidFill>
-                <a:latin typeface="saxMono" pitchFamily="49" charset="0"/>
-              </a:rPr>
-            </a:br>
-            <a:r>
-              <a:rPr lang="en-US" dirty="0" smtClean="0"/>
-              <a:t>Simplified representation for nested objects</a:t>
+              <a:t>Customized output</a:t>
             </a:r>
             <a:endParaRPr lang="en-US" dirty="0"/>
+          </a:p>
+        </p:txBody>
+      </p:sp>
+      <p:sp>
+        <p:nvSpPr>
+          <p:cNvPr id="4" name="Foliennummernplatzhalter 3"/>
+          <p:cNvSpPr>
+            <a:spLocks noGrp="1"/>
+          </p:cNvSpPr>
+          <p:nvPr>
+            <p:ph type="sldNum" sz="quarter" idx="12"/>
+          </p:nvPr>
+        </p:nvSpPr>
+        <p:spPr/>
+        <p:txBody>
+          <a:bodyPr/>
+          <a:lstStyle/>
+          <a:p>
+            <a:fld id="{CB39F0D9-F884-4558-986F-7F4B8D6BBDEC}" type="slidenum">
+              <a:rPr lang="de-CH" smtClean="0"/>
+              <a:t>5</a:t>
+            </a:fld>
+            <a:endParaRPr lang="de-CH" dirty="0"/>
           </a:p>
         </p:txBody>
       </p:sp>
     </p:spTree>
     <p:extLst>
       <p:ext uri="{BB962C8B-B14F-4D97-AF65-F5344CB8AC3E}">
-        <p14:creationId xmlns:p14="http://schemas.microsoft.com/office/powerpoint/2010/main" val="2441936733"/>
+        <p14:creationId xmlns:p14="http://schemas.microsoft.com/office/powerpoint/2010/main" val="521062995"/>
       </p:ext>
     </p:extLst>
   </p:cSld>
@@ -9579,10 +12247,14 @@
           <a:lstStyle/>
           <a:p>
             <a:r>
-              <a:rPr lang="en-US" smtClean="0"/>
-              <a:t>DoodleCanvas</a:t>
-            </a:r>
-            <a:endParaRPr lang="en-US"/>
+              <a:rPr lang="en-US" dirty="0" smtClean="0"/>
+              <a:t>Solution: </a:t>
+            </a:r>
+            <a:r>
+              <a:rPr lang="en-US" dirty="0" err="1" smtClean="0"/>
+              <a:t>DoodleDebug</a:t>
+            </a:r>
+            <a:endParaRPr lang="en-US" dirty="0"/>
           </a:p>
         </p:txBody>
       </p:sp>
@@ -9598,197 +12270,102 @@
         </p:nvSpPr>
         <p:spPr/>
         <p:txBody>
-          <a:bodyPr>
-            <a:normAutofit/>
-          </a:bodyPr>
+          <a:bodyPr/>
           <a:lstStyle/>
           <a:p>
-            <a:pPr marL="0" indent="0">
-              <a:buNone/>
-            </a:pPr>
             <a:r>
               <a:rPr lang="en-US" dirty="0" smtClean="0"/>
-              <a:t>Paradigm of</a:t>
+              <a:t>Print </a:t>
+            </a:r>
+            <a:r>
+              <a:rPr lang="en-US" dirty="0" smtClean="0"/>
+              <a:t>an </a:t>
+            </a:r>
+            <a:r>
+              <a:rPr lang="en-US" dirty="0" smtClean="0"/>
+              <a:t>object with</a:t>
             </a:r>
             <a:br>
               <a:rPr lang="en-US" dirty="0" smtClean="0"/>
             </a:br>
             <a:r>
-              <a:rPr lang="en-US" dirty="0" smtClean="0"/>
-              <a:t>text formatting</a:t>
-            </a:r>
-          </a:p>
-          <a:p>
-            <a:pPr lvl="1"/>
-            <a:r>
-              <a:rPr lang="en-US" b="1" dirty="0" smtClean="0">
+              <a:rPr lang="en-US" b="1" dirty="0" err="1">
                 <a:solidFill>
                   <a:srgbClr val="0070C0"/>
                 </a:solidFill>
                 <a:latin typeface="saxMono" pitchFamily="49" charset="0"/>
               </a:rPr>
-              <a:t>draw(</a:t>
-            </a:r>
-            <a:r>
-              <a:rPr lang="en-US" b="1" dirty="0" smtClean="0">
+              <a:t>Doo.dle</a:t>
+            </a:r>
+            <a:r>
+              <a:rPr lang="en-US" b="1" dirty="0">
+                <a:solidFill>
+                  <a:srgbClr val="0070C0"/>
+                </a:solidFill>
+                <a:latin typeface="saxMono" pitchFamily="49" charset="0"/>
+              </a:rPr>
+              <a:t>(</a:t>
+            </a:r>
+            <a:r>
+              <a:rPr lang="en-US" b="1" dirty="0">
                 <a:solidFill>
                   <a:srgbClr val="00B0F0"/>
                 </a:solidFill>
                 <a:latin typeface="saxMono" pitchFamily="49" charset="0"/>
               </a:rPr>
-              <a:t>Object</a:t>
-            </a:r>
-            <a:r>
-              <a:rPr lang="en-US" b="1" dirty="0" smtClean="0">
+              <a:t>object</a:t>
+            </a:r>
+            <a:r>
+              <a:rPr lang="en-US" b="1" dirty="0">
                 <a:solidFill>
                   <a:srgbClr val="0070C0"/>
                 </a:solidFill>
                 <a:latin typeface="saxMono" pitchFamily="49" charset="0"/>
               </a:rPr>
-              <a:t>)</a:t>
-            </a:r>
-            <a:br>
-              <a:rPr lang="en-US" b="1" dirty="0" smtClean="0">
-                <a:solidFill>
-                  <a:srgbClr val="0070C0"/>
-                </a:solidFill>
-                <a:latin typeface="saxMono" pitchFamily="49" charset="0"/>
-              </a:rPr>
-            </a:br>
+              <a:t>);</a:t>
+            </a:r>
+          </a:p>
+          <a:p>
             <a:r>
               <a:rPr lang="en-US" dirty="0" smtClean="0"/>
-              <a:t>Draws an object to this canvas</a:t>
-            </a:r>
-            <a:endParaRPr lang="en-US" b="1" dirty="0" smtClean="0">
-              <a:solidFill>
-                <a:srgbClr val="0070C0"/>
-              </a:solidFill>
-              <a:latin typeface="saxMono" pitchFamily="49" charset="0"/>
-            </a:endParaRPr>
-          </a:p>
-          <a:p>
-            <a:pPr lvl="1"/>
-            <a:r>
-              <a:rPr lang="en-US" b="1" dirty="0" err="1" smtClean="0">
-                <a:solidFill>
-                  <a:srgbClr val="0070C0"/>
-                </a:solidFill>
-                <a:latin typeface="saxMono" pitchFamily="49" charset="0"/>
-              </a:rPr>
-              <a:t>newLine</a:t>
-            </a:r>
-            <a:r>
-              <a:rPr lang="en-US" b="1" dirty="0" smtClean="0">
-                <a:solidFill>
-                  <a:srgbClr val="0070C0"/>
-                </a:solidFill>
-                <a:latin typeface="saxMono" pitchFamily="49" charset="0"/>
-              </a:rPr>
-              <a:t>()</a:t>
-            </a:r>
-            <a:br>
-              <a:rPr lang="en-US" b="1" dirty="0" smtClean="0">
-                <a:solidFill>
-                  <a:srgbClr val="0070C0"/>
-                </a:solidFill>
-                <a:latin typeface="saxMono" pitchFamily="49" charset="0"/>
-              </a:rPr>
-            </a:br>
+              <a:t>Multiple calls list doodles one below each other</a:t>
+            </a:r>
+          </a:p>
+          <a:p>
             <a:r>
               <a:rPr lang="en-US" dirty="0" smtClean="0"/>
-              <a:t>Does a line break</a:t>
-            </a:r>
-          </a:p>
-          <a:p>
-            <a:pPr lvl="1"/>
-            <a:r>
-              <a:rPr lang="en-US" b="1" dirty="0" err="1" smtClean="0">
-                <a:solidFill>
-                  <a:srgbClr val="0070C0"/>
-                </a:solidFill>
-                <a:latin typeface="saxMono" pitchFamily="49" charset="0"/>
-              </a:rPr>
-              <a:t>newColumn</a:t>
-            </a:r>
-            <a:r>
-              <a:rPr lang="en-US" b="1" dirty="0" smtClean="0">
-                <a:solidFill>
-                  <a:srgbClr val="0070C0"/>
-                </a:solidFill>
-                <a:latin typeface="saxMono" pitchFamily="49" charset="0"/>
-              </a:rPr>
-              <a:t>()</a:t>
-            </a:r>
-            <a:br>
-              <a:rPr lang="en-US" b="1" dirty="0" smtClean="0">
-                <a:solidFill>
-                  <a:srgbClr val="0070C0"/>
-                </a:solidFill>
-                <a:latin typeface="saxMono" pitchFamily="49" charset="0"/>
-              </a:rPr>
-            </a:br>
-            <a:r>
-              <a:rPr lang="en-US" dirty="0"/>
-              <a:t>Creates a now column </a:t>
-            </a:r>
-            <a:r>
-              <a:rPr lang="en-US" dirty="0" smtClean="0"/>
-              <a:t>on the right</a:t>
-            </a:r>
-            <a:endParaRPr lang="en-US" b="1" dirty="0" smtClean="0">
-              <a:solidFill>
-                <a:srgbClr val="0070C0"/>
-              </a:solidFill>
-              <a:latin typeface="saxMono" pitchFamily="49" charset="0"/>
-            </a:endParaRPr>
+              <a:t>Easily installed as Eclipse plugin</a:t>
+            </a:r>
           </a:p>
         </p:txBody>
       </p:sp>
-      <p:pic>
-        <p:nvPicPr>
-          <p:cNvPr id="1026" name="Picture 2" descr="http://typophile.com/files/Picture%2012_3.png"/>
-          <p:cNvPicPr>
-            <a:picLocks noChangeAspect="1" noChangeArrowheads="1"/>
-          </p:cNvPicPr>
-          <p:nvPr/>
-        </p:nvPicPr>
-        <p:blipFill>
-          <a:blip r:embed="rId2">
-            <a:extLst>
-              <a:ext uri="{28A0092B-C50C-407E-A947-70E740481C1C}">
-                <a14:useLocalDpi xmlns:a14="http://schemas.microsoft.com/office/drawing/2010/main" val="0"/>
-              </a:ext>
-            </a:extLst>
-          </a:blip>
-          <a:srcRect/>
-          <a:stretch>
-            <a:fillRect/>
-          </a:stretch>
-        </p:blipFill>
-        <p:spPr bwMode="auto">
-          <a:xfrm>
-            <a:off x="3903787" y="1772816"/>
-            <a:ext cx="5060701" cy="1440160"/>
-          </a:xfrm>
-          <a:prstGeom prst="rect">
-            <a:avLst/>
-          </a:prstGeom>
-          <a:noFill/>
-          <a:extLst>
-            <a:ext uri="{909E8E84-426E-40DD-AFC4-6F175D3DCCD1}">
-              <a14:hiddenFill xmlns:a14="http://schemas.microsoft.com/office/drawing/2010/main">
-                <a:solidFill>
-                  <a:srgbClr val="FFFFFF"/>
-                </a:solidFill>
-              </a14:hiddenFill>
-            </a:ext>
-          </a:extLst>
-        </p:spPr>
-      </p:pic>
+      <p:sp>
+        <p:nvSpPr>
+          <p:cNvPr id="4" name="Foliennummernplatzhalter 3"/>
+          <p:cNvSpPr>
+            <a:spLocks noGrp="1"/>
+          </p:cNvSpPr>
+          <p:nvPr>
+            <p:ph type="sldNum" sz="quarter" idx="12"/>
+          </p:nvPr>
+        </p:nvSpPr>
+        <p:spPr/>
+        <p:txBody>
+          <a:bodyPr/>
+          <a:lstStyle/>
+          <a:p>
+            <a:fld id="{CB39F0D9-F884-4558-986F-7F4B8D6BBDEC}" type="slidenum">
+              <a:rPr lang="de-CH" smtClean="0"/>
+              <a:t>6</a:t>
+            </a:fld>
+            <a:endParaRPr lang="de-CH" dirty="0"/>
+          </a:p>
+        </p:txBody>
+      </p:sp>
     </p:spTree>
     <p:extLst>
       <p:ext uri="{BB962C8B-B14F-4D97-AF65-F5344CB8AC3E}">
-        <p14:creationId xmlns:p14="http://schemas.microsoft.com/office/powerpoint/2010/main" val="1288047885"/>
+        <p14:creationId xmlns:p14="http://schemas.microsoft.com/office/powerpoint/2010/main" val="945933264"/>
       </p:ext>
     </p:extLst>
   </p:cSld>
@@ -9931,7 +12508,7 @@
                             </p:stCondLst>
                             <p:childTnLst>
                               <p:par>
-                                <p:cTn id="12" presetID="42" presetClass="entr" presetSubtype="0" fill="hold" nodeType="clickEffect">
+                                <p:cTn id="12" presetID="42" presetClass="entr" presetSubtype="0" fill="hold" grpId="0" nodeType="clickEffect">
                                   <p:stCondLst>
                                     <p:cond delay="0"/>
                                   </p:stCondLst>
@@ -9944,7 +12521,11 @@
                                           </p:stCondLst>
                                         </p:cTn>
                                         <p:tgtEl>
-                                          <p:spTgt spid="1026"/>
+                                          <p:spTgt spid="3">
+                                            <p:txEl>
+                                              <p:pRg st="1" end="1"/>
+                                            </p:txEl>
+                                          </p:spTgt>
                                         </p:tgtEl>
                                         <p:attrNameLst>
                                           <p:attrName>style.visibility</p:attrName>
@@ -9958,7 +12539,11 @@
                                       <p:cBhvr>
                                         <p:cTn id="14" dur="1000"/>
                                         <p:tgtEl>
-                                          <p:spTgt spid="1026"/>
+                                          <p:spTgt spid="3">
+                                            <p:txEl>
+                                              <p:pRg st="1" end="1"/>
+                                            </p:txEl>
+                                          </p:spTgt>
                                         </p:tgtEl>
                                       </p:cBhvr>
                                     </p:animEffect>
@@ -9966,7 +12551,11 @@
                                       <p:cBhvr>
                                         <p:cTn id="15" dur="1000" fill="hold"/>
                                         <p:tgtEl>
-                                          <p:spTgt spid="1026"/>
+                                          <p:spTgt spid="3">
+                                            <p:txEl>
+                                              <p:pRg st="1" end="1"/>
+                                            </p:txEl>
+                                          </p:spTgt>
                                         </p:tgtEl>
                                         <p:attrNameLst>
                                           <p:attrName>ppt_x</p:attrName>
@@ -9989,7 +12578,11 @@
                                       <p:cBhvr>
                                         <p:cTn id="16" dur="1000" fill="hold"/>
                                         <p:tgtEl>
-                                          <p:spTgt spid="1026"/>
+                                          <p:spTgt spid="3">
+                                            <p:txEl>
+                                              <p:pRg st="1" end="1"/>
+                                            </p:txEl>
+                                          </p:spTgt>
                                         </p:tgtEl>
                                         <p:attrNameLst>
                                           <p:attrName>ppt_y</p:attrName>
@@ -10045,7 +12638,7 @@
                                         <p:tgtEl>
                                           <p:spTgt spid="3">
                                             <p:txEl>
-                                              <p:pRg st="1" end="1"/>
+                                              <p:pRg st="2" end="2"/>
                                             </p:txEl>
                                           </p:spTgt>
                                         </p:tgtEl>
@@ -10063,7 +12656,7 @@
                                         <p:tgtEl>
                                           <p:spTgt spid="3">
                                             <p:txEl>
-                                              <p:pRg st="1" end="1"/>
+                                              <p:pRg st="2" end="2"/>
                                             </p:txEl>
                                           </p:spTgt>
                                         </p:tgtEl>
@@ -10075,7 +12668,7 @@
                                         <p:tgtEl>
                                           <p:spTgt spid="3">
                                             <p:txEl>
-                                              <p:pRg st="1" end="1"/>
+                                              <p:pRg st="2" end="2"/>
                                             </p:txEl>
                                           </p:spTgt>
                                         </p:tgtEl>
@@ -10102,237 +12695,7 @@
                                         <p:tgtEl>
                                           <p:spTgt spid="3">
                                             <p:txEl>
-                                              <p:pRg st="1" end="1"/>
-                                            </p:txEl>
-                                          </p:spTgt>
-                                        </p:tgtEl>
-                                        <p:attrNameLst>
-                                          <p:attrName>ppt_y</p:attrName>
-                                        </p:attrNameLst>
-                                      </p:cBhvr>
-                                      <p:tavLst>
-                                        <p:tav tm="0">
-                                          <p:val>
-                                            <p:strVal val="#ppt_y+.1"/>
-                                          </p:val>
-                                        </p:tav>
-                                        <p:tav tm="100000">
-                                          <p:val>
-                                            <p:strVal val="#ppt_y"/>
-                                          </p:val>
-                                        </p:tav>
-                                      </p:tavLst>
-                                    </p:anim>
-                                  </p:childTnLst>
-                                </p:cTn>
-                              </p:par>
-                            </p:childTnLst>
-                          </p:cTn>
-                        </p:par>
-                      </p:childTnLst>
-                    </p:cTn>
-                  </p:par>
-                  <p:par>
-                    <p:cTn id="24" fill="hold">
-                      <p:stCondLst>
-                        <p:cond delay="indefinite"/>
-                      </p:stCondLst>
-                      <p:childTnLst>
-                        <p:par>
-                          <p:cTn id="25" fill="hold">
-                            <p:stCondLst>
-                              <p:cond delay="0"/>
-                            </p:stCondLst>
-                            <p:childTnLst>
-                              <p:par>
-                                <p:cTn id="26" presetID="42" presetClass="entr" presetSubtype="0" fill="hold" grpId="0" nodeType="clickEffect">
-                                  <p:stCondLst>
-                                    <p:cond delay="0"/>
-                                  </p:stCondLst>
-                                  <p:childTnLst>
-                                    <p:set>
-                                      <p:cBhvr>
-                                        <p:cTn id="27" dur="1" fill="hold">
-                                          <p:stCondLst>
-                                            <p:cond delay="0"/>
-                                          </p:stCondLst>
-                                        </p:cTn>
-                                        <p:tgtEl>
-                                          <p:spTgt spid="3">
-                                            <p:txEl>
                                               <p:pRg st="2" end="2"/>
-                                            </p:txEl>
-                                          </p:spTgt>
-                                        </p:tgtEl>
-                                        <p:attrNameLst>
-                                          <p:attrName>style.visibility</p:attrName>
-                                        </p:attrNameLst>
-                                      </p:cBhvr>
-                                      <p:to>
-                                        <p:strVal val="visible"/>
-                                      </p:to>
-                                    </p:set>
-                                    <p:animEffect transition="in" filter="fade">
-                                      <p:cBhvr>
-                                        <p:cTn id="28" dur="1000"/>
-                                        <p:tgtEl>
-                                          <p:spTgt spid="3">
-                                            <p:txEl>
-                                              <p:pRg st="2" end="2"/>
-                                            </p:txEl>
-                                          </p:spTgt>
-                                        </p:tgtEl>
-                                      </p:cBhvr>
-                                    </p:animEffect>
-                                    <p:anim calcmode="lin" valueType="num">
-                                      <p:cBhvr>
-                                        <p:cTn id="29" dur="1000" fill="hold"/>
-                                        <p:tgtEl>
-                                          <p:spTgt spid="3">
-                                            <p:txEl>
-                                              <p:pRg st="2" end="2"/>
-                                            </p:txEl>
-                                          </p:spTgt>
-                                        </p:tgtEl>
-                                        <p:attrNameLst>
-                                          <p:attrName>ppt_x</p:attrName>
-                                        </p:attrNameLst>
-                                      </p:cBhvr>
-                                      <p:tavLst>
-                                        <p:tav tm="0">
-                                          <p:val>
-                                            <p:strVal val="#ppt_x"/>
-                                          </p:val>
-                                        </p:tav>
-                                        <p:tav tm="100000">
-                                          <p:val>
-                                            <p:strVal val="#ppt_x"/>
-                                          </p:val>
-                                        </p:tav>
-                                      </p:tavLst>
-                                    </p:anim>
-                                    <p:anim calcmode="lin" valueType="num">
-                                      <p:cBhvr>
-                                        <p:cTn id="30" dur="1000" fill="hold"/>
-                                        <p:tgtEl>
-                                          <p:spTgt spid="3">
-                                            <p:txEl>
-                                              <p:pRg st="2" end="2"/>
-                                            </p:txEl>
-                                          </p:spTgt>
-                                        </p:tgtEl>
-                                        <p:attrNameLst>
-                                          <p:attrName>ppt_y</p:attrName>
-                                        </p:attrNameLst>
-                                      </p:cBhvr>
-                                      <p:tavLst>
-                                        <p:tav tm="0">
-                                          <p:val>
-                                            <p:strVal val="#ppt_y+.1"/>
-                                          </p:val>
-                                        </p:tav>
-                                        <p:tav tm="100000">
-                                          <p:val>
-                                            <p:strVal val="#ppt_y"/>
-                                          </p:val>
-                                        </p:tav>
-                                      </p:tavLst>
-                                    </p:anim>
-                                  </p:childTnLst>
-                                </p:cTn>
-                              </p:par>
-                            </p:childTnLst>
-                          </p:cTn>
-                        </p:par>
-                      </p:childTnLst>
-                    </p:cTn>
-                  </p:par>
-                  <p:par>
-                    <p:cTn id="31" fill="hold">
-                      <p:stCondLst>
-                        <p:cond delay="indefinite"/>
-                      </p:stCondLst>
-                      <p:childTnLst>
-                        <p:par>
-                          <p:cTn id="32" fill="hold">
-                            <p:stCondLst>
-                              <p:cond delay="0"/>
-                            </p:stCondLst>
-                            <p:childTnLst>
-                              <p:par>
-                                <p:cTn id="33" presetID="42" presetClass="entr" presetSubtype="0" fill="hold" grpId="0" nodeType="clickEffect">
-                                  <p:stCondLst>
-                                    <p:cond delay="0"/>
-                                  </p:stCondLst>
-                                  <p:childTnLst>
-                                    <p:set>
-                                      <p:cBhvr>
-                                        <p:cTn id="34" dur="1" fill="hold">
-                                          <p:stCondLst>
-                                            <p:cond delay="0"/>
-                                          </p:stCondLst>
-                                        </p:cTn>
-                                        <p:tgtEl>
-                                          <p:spTgt spid="3">
-                                            <p:txEl>
-                                              <p:pRg st="3" end="3"/>
-                                            </p:txEl>
-                                          </p:spTgt>
-                                        </p:tgtEl>
-                                        <p:attrNameLst>
-                                          <p:attrName>style.visibility</p:attrName>
-                                        </p:attrNameLst>
-                                      </p:cBhvr>
-                                      <p:to>
-                                        <p:strVal val="visible"/>
-                                      </p:to>
-                                    </p:set>
-                                    <p:animEffect transition="in" filter="fade">
-                                      <p:cBhvr>
-                                        <p:cTn id="35" dur="1000"/>
-                                        <p:tgtEl>
-                                          <p:spTgt spid="3">
-                                            <p:txEl>
-                                              <p:pRg st="3" end="3"/>
-                                            </p:txEl>
-                                          </p:spTgt>
-                                        </p:tgtEl>
-                                      </p:cBhvr>
-                                    </p:animEffect>
-                                    <p:anim calcmode="lin" valueType="num">
-                                      <p:cBhvr>
-                                        <p:cTn id="36" dur="1000" fill="hold"/>
-                                        <p:tgtEl>
-                                          <p:spTgt spid="3">
-                                            <p:txEl>
-                                              <p:pRg st="3" end="3"/>
-                                            </p:txEl>
-                                          </p:spTgt>
-                                        </p:tgtEl>
-                                        <p:attrNameLst>
-                                          <p:attrName>ppt_x</p:attrName>
-                                        </p:attrNameLst>
-                                      </p:cBhvr>
-                                      <p:tavLst>
-                                        <p:tav tm="0">
-                                          <p:val>
-                                            <p:strVal val="#ppt_x"/>
-                                          </p:val>
-                                        </p:tav>
-                                        <p:tav tm="100000">
-                                          <p:val>
-                                            <p:strVal val="#ppt_x"/>
-                                          </p:val>
-                                        </p:tav>
-                                      </p:tavLst>
-                                    </p:anim>
-                                    <p:anim calcmode="lin" valueType="num">
-                                      <p:cBhvr>
-                                        <p:cTn id="37" dur="1000" fill="hold"/>
-                                        <p:tgtEl>
-                                          <p:spTgt spid="3">
-                                            <p:txEl>
-                                              <p:pRg st="3" end="3"/>
                                             </p:txEl>
                                           </p:spTgt>
                                         </p:tgtEl>
@@ -10384,7 +12747,7 @@
       </p:par>
     </p:tnLst>
     <p:bldLst>
-      <p:bldP spid="3" grpId="0" uiExpand="1" build="p"/>
+      <p:bldP spid="3" grpId="0" build="p"/>
     </p:bldLst>
   </p:timing>
 </p:sld>
@@ -10423,22 +12786,262 @@
           <a:lstStyle/>
           <a:p>
             <a:r>
-              <a:rPr lang="en-US" dirty="0" err="1" smtClean="0"/>
-              <a:t>DoodleCanvas</a:t>
+              <a:rPr lang="en-US" dirty="0"/>
+              <a:t>Solution: </a:t>
+            </a:r>
+            <a:r>
+              <a:rPr lang="en-US" dirty="0" err="1"/>
+              <a:t>DoodleDebug</a:t>
             </a:r>
             <a:endParaRPr lang="en-US" dirty="0"/>
+          </a:p>
+        </p:txBody>
+      </p:sp>
+      <p:sp>
+        <p:nvSpPr>
+          <p:cNvPr id="3" name="Inhaltsplatzhalter 2"/>
+          <p:cNvSpPr>
+            <a:spLocks noGrp="1"/>
+          </p:cNvSpPr>
+          <p:nvPr>
+            <p:ph idx="1"/>
+          </p:nvPr>
+        </p:nvSpPr>
+        <p:spPr>
+          <a:xfrm>
+            <a:off x="463229" y="1988840"/>
+            <a:ext cx="4114800" cy="4137323"/>
+          </a:xfrm>
+        </p:spPr>
+        <p:txBody>
+          <a:bodyPr>
+            <a:normAutofit/>
+          </a:bodyPr>
+          <a:lstStyle/>
+          <a:p>
+            <a:pPr marL="0" indent="0">
+              <a:buNone/>
+            </a:pPr>
+            <a:endParaRPr lang="en-US" sz="1200" b="1" dirty="0" smtClean="0">
+              <a:solidFill>
+                <a:srgbClr val="0070C0"/>
+              </a:solidFill>
+              <a:latin typeface="saxMono" pitchFamily="49" charset="0"/>
+            </a:endParaRPr>
+          </a:p>
+          <a:p>
+            <a:pPr marL="0" indent="0">
+              <a:buNone/>
+            </a:pPr>
+            <a:r>
+              <a:rPr lang="en-US" b="1" dirty="0" err="1" smtClean="0">
+                <a:solidFill>
+                  <a:srgbClr val="0070C0"/>
+                </a:solidFill>
+                <a:latin typeface="saxMono" pitchFamily="49" charset="0"/>
+              </a:rPr>
+              <a:t>Doo.dle</a:t>
+            </a:r>
+            <a:r>
+              <a:rPr lang="en-US" b="1" dirty="0" smtClean="0">
+                <a:solidFill>
+                  <a:srgbClr val="0070C0"/>
+                </a:solidFill>
+                <a:latin typeface="saxMono" pitchFamily="49" charset="0"/>
+              </a:rPr>
+              <a:t>(</a:t>
+            </a:r>
+            <a:r>
+              <a:rPr lang="en-US" b="1" dirty="0" err="1" smtClean="0">
+                <a:solidFill>
+                  <a:srgbClr val="00B0F0"/>
+                </a:solidFill>
+                <a:latin typeface="saxMono" pitchFamily="49" charset="0"/>
+              </a:rPr>
+              <a:t>colorMap</a:t>
+            </a:r>
+            <a:r>
+              <a:rPr lang="en-US" b="1" dirty="0" smtClean="0">
+                <a:solidFill>
+                  <a:srgbClr val="0070C0"/>
+                </a:solidFill>
+                <a:latin typeface="saxMono" pitchFamily="49" charset="0"/>
+              </a:rPr>
+              <a:t>)</a:t>
+            </a:r>
+          </a:p>
+          <a:p>
+            <a:pPr marL="0" indent="0">
+              <a:buNone/>
+            </a:pPr>
+            <a:endParaRPr lang="en-US" b="1" dirty="0" smtClean="0">
+              <a:solidFill>
+                <a:srgbClr val="0070C0"/>
+              </a:solidFill>
+              <a:latin typeface="saxMono" pitchFamily="49" charset="0"/>
+            </a:endParaRPr>
+          </a:p>
+          <a:p>
+            <a:pPr marL="0" indent="0">
+              <a:buNone/>
+            </a:pPr>
+            <a:endParaRPr lang="en-US" sz="1200" b="1" dirty="0" smtClean="0">
+              <a:solidFill>
+                <a:srgbClr val="0070C0"/>
+              </a:solidFill>
+              <a:latin typeface="saxMono" pitchFamily="49" charset="0"/>
+            </a:endParaRPr>
+          </a:p>
+          <a:p>
+            <a:pPr marL="0" indent="0">
+              <a:buNone/>
+            </a:pPr>
+            <a:r>
+              <a:rPr lang="en-US" b="1" dirty="0" err="1" smtClean="0">
+                <a:solidFill>
+                  <a:srgbClr val="0070C0"/>
+                </a:solidFill>
+                <a:latin typeface="saxMono" pitchFamily="49" charset="0"/>
+              </a:rPr>
+              <a:t>Doo.dle</a:t>
+            </a:r>
+            <a:r>
+              <a:rPr lang="en-US" b="1" dirty="0" smtClean="0">
+                <a:solidFill>
+                  <a:srgbClr val="0070C0"/>
+                </a:solidFill>
+                <a:latin typeface="saxMono" pitchFamily="49" charset="0"/>
+              </a:rPr>
+              <a:t>(</a:t>
+            </a:r>
+            <a:r>
+              <a:rPr lang="en-US" b="1" dirty="0" err="1" smtClean="0">
+                <a:solidFill>
+                  <a:srgbClr val="00B0F0"/>
+                </a:solidFill>
+                <a:latin typeface="saxMono" pitchFamily="49" charset="0"/>
+              </a:rPr>
+              <a:t>intMap</a:t>
+            </a:r>
+            <a:r>
+              <a:rPr lang="en-US" b="1" dirty="0" smtClean="0">
+                <a:solidFill>
+                  <a:srgbClr val="0070C0"/>
+                </a:solidFill>
+                <a:latin typeface="saxMono" pitchFamily="49" charset="0"/>
+              </a:rPr>
+              <a:t>)</a:t>
+            </a:r>
+            <a:endParaRPr lang="en-US" b="1" dirty="0">
+              <a:solidFill>
+                <a:srgbClr val="0070C0"/>
+              </a:solidFill>
+              <a:latin typeface="saxMono" pitchFamily="49" charset="0"/>
+            </a:endParaRPr>
+          </a:p>
+          <a:p>
+            <a:pPr marL="0" indent="0">
+              <a:buNone/>
+            </a:pPr>
+            <a:endParaRPr lang="en-US" b="1" dirty="0" smtClean="0">
+              <a:solidFill>
+                <a:srgbClr val="0070C0"/>
+              </a:solidFill>
+              <a:latin typeface="saxMono" pitchFamily="49" charset="0"/>
+            </a:endParaRPr>
+          </a:p>
+          <a:p>
+            <a:pPr marL="0" indent="0">
+              <a:buNone/>
+            </a:pPr>
+            <a:endParaRPr lang="en-US" sz="1600" b="1" dirty="0" smtClean="0">
+              <a:solidFill>
+                <a:srgbClr val="0070C0"/>
+              </a:solidFill>
+              <a:latin typeface="saxMono" pitchFamily="49" charset="0"/>
+            </a:endParaRPr>
+          </a:p>
+          <a:p>
+            <a:pPr marL="0" indent="0">
+              <a:buNone/>
+            </a:pPr>
+            <a:r>
+              <a:rPr lang="en-US" b="1" dirty="0" err="1" smtClean="0">
+                <a:solidFill>
+                  <a:srgbClr val="0070C0"/>
+                </a:solidFill>
+                <a:latin typeface="saxMono" pitchFamily="49" charset="0"/>
+              </a:rPr>
+              <a:t>Doo.dle</a:t>
+            </a:r>
+            <a:r>
+              <a:rPr lang="en-US" b="1" dirty="0" smtClean="0">
+                <a:solidFill>
+                  <a:srgbClr val="0070C0"/>
+                </a:solidFill>
+                <a:latin typeface="saxMono" pitchFamily="49" charset="0"/>
+              </a:rPr>
+              <a:t>(</a:t>
+            </a:r>
+            <a:r>
+              <a:rPr lang="en-US" b="1" dirty="0" err="1" smtClean="0">
+                <a:solidFill>
+                  <a:srgbClr val="00B0F0"/>
+                </a:solidFill>
+                <a:latin typeface="saxMono" pitchFamily="49" charset="0"/>
+              </a:rPr>
+              <a:t>mapList</a:t>
+            </a:r>
+            <a:r>
+              <a:rPr lang="en-US" b="1" dirty="0" smtClean="0">
+                <a:solidFill>
+                  <a:srgbClr val="0070C0"/>
+                </a:solidFill>
+                <a:latin typeface="saxMono" pitchFamily="49" charset="0"/>
+              </a:rPr>
+              <a:t>)</a:t>
+            </a:r>
+            <a:endParaRPr lang="en-US" b="1" dirty="0">
+              <a:solidFill>
+                <a:srgbClr val="0070C0"/>
+              </a:solidFill>
+              <a:latin typeface="saxMono" pitchFamily="49" charset="0"/>
+            </a:endParaRPr>
+          </a:p>
+        </p:txBody>
+      </p:sp>
+      <p:sp>
+        <p:nvSpPr>
+          <p:cNvPr id="4" name="Foliennummernplatzhalter 3"/>
+          <p:cNvSpPr>
+            <a:spLocks noGrp="1"/>
+          </p:cNvSpPr>
+          <p:nvPr>
+            <p:ph type="sldNum" sz="quarter" idx="12"/>
+          </p:nvPr>
+        </p:nvSpPr>
+        <p:spPr/>
+        <p:txBody>
+          <a:bodyPr/>
+          <a:lstStyle/>
+          <a:p>
+            <a:fld id="{CB39F0D9-F884-4558-986F-7F4B8D6BBDEC}" type="slidenum">
+              <a:rPr lang="de-CH" smtClean="0"/>
+              <a:t>7</a:t>
+            </a:fld>
+            <a:endParaRPr lang="de-CH" dirty="0"/>
           </a:p>
         </p:txBody>
       </p:sp>
       <p:pic>
         <p:nvPicPr>
-          <p:cNvPr id="1026" name="Picture 2" descr="C:\Users\Cedric Reichenbach\Git\Uni\papers-doodledebug\img\doodleable-example.png"/>
+          <p:cNvPr id="2050" name="Picture 2" descr="C:\Users\Cedric Reichenbach\students-cedric-DoodleDebug\Images\Screenshots\output_maps-lists_small.png"/>
           <p:cNvPicPr>
             <a:picLocks noChangeAspect="1" noChangeArrowheads="1"/>
           </p:cNvPicPr>
           <p:nvPr/>
         </p:nvPicPr>
-        <p:blipFill rotWithShape="1">
+        <p:blipFill>
           <a:blip r:embed="rId2">
             <a:extLst>
               <a:ext uri="{28A0092B-C50C-407E-A947-70E740481C1C}">
@@ -10446,68 +13049,20 @@
               </a:ext>
             </a:extLst>
           </a:blip>
-          <a:srcRect r="53796" b="3642"/>
-          <a:stretch/>
+          <a:srcRect/>
+          <a:stretch>
+            <a:fillRect/>
+          </a:stretch>
         </p:blipFill>
         <p:spPr bwMode="auto">
           <a:xfrm>
-            <a:off x="220422" y="1772816"/>
-            <a:ext cx="5554577" cy="3026589"/>
+            <a:off x="4682892" y="1997746"/>
+            <a:ext cx="3633524" cy="4176464"/>
           </a:xfrm>
           <a:prstGeom prst="rect">
             <a:avLst/>
           </a:prstGeom>
           <a:noFill/>
-          <a:ln w="12700">
-            <a:noFill/>
-          </a:ln>
-          <a:effectLst>
-            <a:softEdge rad="63500"/>
-          </a:effectLst>
-          <a:extLst>
-            <a:ext uri="{909E8E84-426E-40DD-AFC4-6F175D3DCCD1}">
-              <a14:hiddenFill xmlns:a14="http://schemas.microsoft.com/office/drawing/2010/main">
-                <a:solidFill>
-                  <a:srgbClr val="FFFFFF"/>
-                </a:solidFill>
-              </a14:hiddenFill>
-            </a:ext>
-          </a:extLst>
-        </p:spPr>
-      </p:pic>
-      <p:pic>
-        <p:nvPicPr>
-          <p:cNvPr id="5" name="Picture 2" descr="C:\Users\Cedric Reichenbach\Git\Uni\papers-doodledebug\img\doodleable-example.png"/>
-          <p:cNvPicPr>
-            <a:picLocks noChangeAspect="1" noChangeArrowheads="1"/>
-          </p:cNvPicPr>
-          <p:nvPr/>
-        </p:nvPicPr>
-        <p:blipFill rotWithShape="1">
-          <a:blip r:embed="rId2">
-            <a:extLst>
-              <a:ext uri="{28A0092B-C50C-407E-A947-70E740481C1C}">
-                <a14:useLocalDpi xmlns:a14="http://schemas.microsoft.com/office/drawing/2010/main" val="0"/>
-              </a:ext>
-            </a:extLst>
-          </a:blip>
-          <a:srcRect l="54857"/>
-          <a:stretch/>
-        </p:blipFill>
-        <p:spPr bwMode="auto">
-          <a:xfrm>
-            <a:off x="3491880" y="3501008"/>
-            <a:ext cx="5427003" cy="3140968"/>
-          </a:xfrm>
-          <a:prstGeom prst="rect">
-            <a:avLst/>
-          </a:prstGeom>
-          <a:noFill/>
-          <a:ln w="12700">
-            <a:solidFill>
-              <a:srgbClr val="00B0F0"/>
-            </a:solidFill>
-          </a:ln>
           <a:extLst>
             <a:ext uri="{909E8E84-426E-40DD-AFC4-6F175D3DCCD1}">
               <a14:hiddenFill xmlns:a14="http://schemas.microsoft.com/office/drawing/2010/main">
@@ -10522,7 +13077,7 @@
     </p:spTree>
     <p:extLst>
       <p:ext uri="{BB962C8B-B14F-4D97-AF65-F5344CB8AC3E}">
-        <p14:creationId xmlns:p14="http://schemas.microsoft.com/office/powerpoint/2010/main" val="1934586080"/>
+        <p14:creationId xmlns:p14="http://schemas.microsoft.com/office/powerpoint/2010/main" val="2411842245"/>
       </p:ext>
     </p:extLst>
   </p:cSld>
@@ -10572,21 +13127,62 @@
           <a:lstStyle/>
           <a:p>
             <a:r>
-              <a:rPr lang="en-US" smtClean="0"/>
-              <a:t>Plugins</a:t>
-            </a:r>
-            <a:endParaRPr lang="en-US"/>
+              <a:rPr lang="en-US" dirty="0" smtClean="0"/>
+              <a:t>Inspecting Doodles</a:t>
+            </a:r>
+            <a:endParaRPr lang="en-US" dirty="0"/>
           </a:p>
         </p:txBody>
       </p:sp>
+      <p:pic>
+        <p:nvPicPr>
+          <p:cNvPr id="4" name="Picture 2" descr="C:\Users\Cedric Reichenbach\Git\Uni\papers-doodledebug\img\AddressBook_whole.png"/>
+          <p:cNvPicPr>
+            <a:picLocks noChangeAspect="1" noChangeArrowheads="1"/>
+          </p:cNvPicPr>
+          <p:nvPr/>
+        </p:nvPicPr>
+        <p:blipFill>
+          <a:blip r:embed="rId2">
+            <a:extLst>
+              <a:ext uri="{28A0092B-C50C-407E-A947-70E740481C1C}">
+                <a14:useLocalDpi xmlns:a14="http://schemas.microsoft.com/office/drawing/2010/main" val="0"/>
+              </a:ext>
+            </a:extLst>
+          </a:blip>
+          <a:srcRect/>
+          <a:stretch>
+            <a:fillRect/>
+          </a:stretch>
+        </p:blipFill>
+        <p:spPr bwMode="auto">
+          <a:xfrm>
+            <a:off x="613297" y="1772817"/>
+            <a:ext cx="3094607" cy="3961097"/>
+          </a:xfrm>
+          <a:prstGeom prst="rect">
+            <a:avLst/>
+          </a:prstGeom>
+          <a:noFill/>
+          <a:extLst>
+            <a:ext uri="{909E8E84-426E-40DD-AFC4-6F175D3DCCD1}">
+              <a14:hiddenFill xmlns:a14="http://schemas.microsoft.com/office/drawing/2010/main">
+                <a:solidFill>
+                  <a:srgbClr val="FFFFFF"/>
+                </a:solidFill>
+              </a14:hiddenFill>
+            </a:ext>
+          </a:extLst>
+        </p:spPr>
+      </p:pic>
       <p:sp>
         <p:nvSpPr>
-          <p:cNvPr id="3" name="Inhaltsplatzhalter 2"/>
+          <p:cNvPr id="3" name="Foliennummernplatzhalter 2"/>
           <p:cNvSpPr>
             <a:spLocks noGrp="1"/>
           </p:cNvSpPr>
           <p:nvPr>
-            <p:ph idx="1"/>
+            <p:ph type="sldNum" sz="quarter" idx="12"/>
           </p:nvPr>
         </p:nvSpPr>
         <p:spPr/>
@@ -10594,103 +13190,286 @@
           <a:bodyPr/>
           <a:lstStyle/>
           <a:p>
-            <a:r>
-              <a:rPr lang="en-US" dirty="0" smtClean="0"/>
-              <a:t>Interface </a:t>
-            </a:r>
-            <a:r>
-              <a:rPr lang="en-US" b="1" dirty="0" err="1" smtClean="0">
-                <a:solidFill>
-                  <a:srgbClr val="0070C0"/>
-                </a:solidFill>
-                <a:latin typeface="saxMono" pitchFamily="49" charset="0"/>
-              </a:rPr>
-              <a:t>RenderingPlugin</a:t>
-            </a:r>
-            <a:endParaRPr lang="en-US" b="1" dirty="0" smtClean="0">
-              <a:solidFill>
-                <a:srgbClr val="0070C0"/>
-              </a:solidFill>
-              <a:latin typeface="saxMono" pitchFamily="49" charset="0"/>
-            </a:endParaRPr>
-          </a:p>
-          <a:p>
-            <a:r>
-              <a:rPr lang="en-US" dirty="0" smtClean="0"/>
-              <a:t>For convenience: </a:t>
-            </a:r>
-            <a:r>
-              <a:rPr lang="en-US" b="1" dirty="0" err="1" smtClean="0">
-                <a:solidFill>
-                  <a:srgbClr val="0070C0"/>
-                </a:solidFill>
-                <a:latin typeface="saxMono" pitchFamily="49" charset="0"/>
-              </a:rPr>
-              <a:t>AbstractPlugin</a:t>
-            </a:r>
-            <a:endParaRPr lang="en-US" b="1" dirty="0" smtClean="0">
-              <a:solidFill>
-                <a:srgbClr val="0070C0"/>
-              </a:solidFill>
-              <a:latin typeface="saxMono" pitchFamily="49" charset="0"/>
-            </a:endParaRPr>
-          </a:p>
-          <a:p>
-            <a:r>
-              <a:rPr lang="de-CH" dirty="0" err="1" smtClean="0"/>
-              <a:t>Define</a:t>
-            </a:r>
-            <a:r>
-              <a:rPr lang="de-CH" dirty="0" smtClean="0"/>
-              <a:t> </a:t>
-            </a:r>
-            <a:r>
-              <a:rPr lang="de-CH" dirty="0" err="1" smtClean="0"/>
-              <a:t>types</a:t>
-            </a:r>
-            <a:r>
-              <a:rPr lang="de-CH" dirty="0" smtClean="0"/>
-              <a:t> </a:t>
-            </a:r>
-            <a:r>
-              <a:rPr lang="de-CH" dirty="0" err="1" smtClean="0"/>
-              <a:t>to</a:t>
-            </a:r>
-            <a:r>
-              <a:rPr lang="de-CH" dirty="0" smtClean="0"/>
-              <a:t> </a:t>
-            </a:r>
-            <a:r>
-              <a:rPr lang="de-CH" dirty="0" err="1" smtClean="0"/>
-              <a:t>be</a:t>
-            </a:r>
-            <a:r>
-              <a:rPr lang="de-CH" dirty="0" smtClean="0"/>
-              <a:t> </a:t>
-            </a:r>
-            <a:r>
-              <a:rPr lang="de-CH" dirty="0" err="1" smtClean="0"/>
-              <a:t>rendered</a:t>
-            </a:r>
-            <a:endParaRPr lang="de-CH" dirty="0" smtClean="0"/>
-          </a:p>
-          <a:p>
-            <a:r>
-              <a:rPr lang="de-CH" dirty="0" err="1" smtClean="0"/>
-              <a:t>Generate</a:t>
-            </a:r>
-            <a:r>
-              <a:rPr lang="de-CH" dirty="0" smtClean="0"/>
-              <a:t> HTML, CSS</a:t>
-            </a:r>
-            <a:endParaRPr lang="en-US" dirty="0"/>
+            <a:fld id="{CB39F0D9-F884-4558-986F-7F4B8D6BBDEC}" type="slidenum">
+              <a:rPr lang="de-CH" smtClean="0"/>
+              <a:t>8</a:t>
+            </a:fld>
+            <a:endParaRPr lang="de-CH" dirty="0"/>
           </a:p>
         </p:txBody>
       </p:sp>
+      <p:pic>
+        <p:nvPicPr>
+          <p:cNvPr id="5122" name="Picture 2" descr="C:\Users\Cedric Reichenbach\Git\Uni\papers-doodledebug\img\AddressBook_contact.png"/>
+          <p:cNvPicPr>
+            <a:picLocks noChangeAspect="1" noChangeArrowheads="1"/>
+          </p:cNvPicPr>
+          <p:nvPr/>
+        </p:nvPicPr>
+        <p:blipFill rotWithShape="1">
+          <a:blip r:embed="rId3">
+            <a:extLst>
+              <a:ext uri="{28A0092B-C50C-407E-A947-70E740481C1C}">
+                <a14:useLocalDpi xmlns:a14="http://schemas.microsoft.com/office/drawing/2010/main" val="0"/>
+              </a:ext>
+            </a:extLst>
+          </a:blip>
+          <a:srcRect l="2810" t="4926" r="3963" b="4187"/>
+          <a:stretch/>
+        </p:blipFill>
+        <p:spPr bwMode="auto">
+          <a:xfrm>
+            <a:off x="4622953" y="1772817"/>
+            <a:ext cx="3486150" cy="2438401"/>
+          </a:xfrm>
+          <a:prstGeom prst="rect">
+            <a:avLst/>
+          </a:prstGeom>
+          <a:noFill/>
+          <a:extLst>
+            <a:ext uri="{909E8E84-426E-40DD-AFC4-6F175D3DCCD1}">
+              <a14:hiddenFill xmlns:a14="http://schemas.microsoft.com/office/drawing/2010/main">
+                <a:solidFill>
+                  <a:srgbClr val="FFFFFF"/>
+                </a:solidFill>
+              </a14:hiddenFill>
+            </a:ext>
+          </a:extLst>
+        </p:spPr>
+      </p:pic>
+      <p:pic>
+        <p:nvPicPr>
+          <p:cNvPr id="9" name="Picture 2" descr="C:\Users\Cedric Reichenbach\Git\Uni\papers-doodledebug\img\AddressBook_address.png"/>
+          <p:cNvPicPr>
+            <a:picLocks noChangeAspect="1" noChangeArrowheads="1"/>
+          </p:cNvPicPr>
+          <p:nvPr/>
+        </p:nvPicPr>
+        <p:blipFill>
+          <a:blip r:embed="rId4">
+            <a:extLst>
+              <a:ext uri="{28A0092B-C50C-407E-A947-70E740481C1C}">
+                <a14:useLocalDpi xmlns:a14="http://schemas.microsoft.com/office/drawing/2010/main" val="0"/>
+              </a:ext>
+            </a:extLst>
+          </a:blip>
+          <a:srcRect/>
+          <a:stretch>
+            <a:fillRect/>
+          </a:stretch>
+        </p:blipFill>
+        <p:spPr bwMode="auto">
+          <a:xfrm>
+            <a:off x="4622954" y="4437112"/>
+            <a:ext cx="3486150" cy="1918735"/>
+          </a:xfrm>
+          <a:prstGeom prst="rect">
+            <a:avLst/>
+          </a:prstGeom>
+          <a:noFill/>
+          <a:extLst>
+            <a:ext uri="{909E8E84-426E-40DD-AFC4-6F175D3DCCD1}">
+              <a14:hiddenFill xmlns:a14="http://schemas.microsoft.com/office/drawing/2010/main">
+                <a:solidFill>
+                  <a:srgbClr val="FFFFFF"/>
+                </a:solidFill>
+              </a14:hiddenFill>
+            </a:ext>
+          </a:extLst>
+        </p:spPr>
+      </p:pic>
+      <p:sp>
+        <p:nvSpPr>
+          <p:cNvPr id="17" name="Rechteck 16"/>
+          <p:cNvSpPr/>
+          <p:nvPr/>
+        </p:nvSpPr>
+        <p:spPr>
+          <a:xfrm>
+            <a:off x="755576" y="2780928"/>
+            <a:ext cx="1661166" cy="720080"/>
+          </a:xfrm>
+          <a:prstGeom prst="rect">
+            <a:avLst/>
+          </a:prstGeom>
+          <a:noFill/>
+          <a:ln w="57150">
+            <a:solidFill>
+              <a:srgbClr val="FFC000"/>
+            </a:solidFill>
+          </a:ln>
+          <a:effectLst>
+            <a:outerShdw blurRad="25400" dist="25400" dir="2700000" algn="t" rotWithShape="0">
+              <a:prstClr val="black">
+                <a:alpha val="40000"/>
+              </a:prstClr>
+            </a:outerShdw>
+          </a:effectLst>
+        </p:spPr>
+        <p:style>
+          <a:lnRef idx="2">
+            <a:schemeClr val="accent6"/>
+          </a:lnRef>
+          <a:fillRef idx="1">
+            <a:schemeClr val="lt1"/>
+          </a:fillRef>
+          <a:effectRef idx="0">
+            <a:schemeClr val="accent6"/>
+          </a:effectRef>
+          <a:fontRef idx="minor">
+            <a:schemeClr val="dk1"/>
+          </a:fontRef>
+        </p:style>
+        <p:txBody>
+          <a:bodyPr rtlCol="0" anchor="ctr"/>
+          <a:lstStyle/>
+          <a:p>
+            <a:pPr algn="ctr"/>
+            <a:endParaRPr lang="en-US"/>
+          </a:p>
+        </p:txBody>
+      </p:sp>
+      <p:sp>
+        <p:nvSpPr>
+          <p:cNvPr id="20" name="Rechteck 19"/>
+          <p:cNvSpPr/>
+          <p:nvPr/>
+        </p:nvSpPr>
+        <p:spPr>
+          <a:xfrm>
+            <a:off x="6300192" y="2852936"/>
+            <a:ext cx="1008112" cy="432048"/>
+          </a:xfrm>
+          <a:prstGeom prst="rect">
+            <a:avLst/>
+          </a:prstGeom>
+          <a:noFill/>
+          <a:ln w="57150">
+            <a:solidFill>
+              <a:srgbClr val="FFC000"/>
+            </a:solidFill>
+          </a:ln>
+          <a:effectLst>
+            <a:outerShdw blurRad="25400" dist="25400" dir="2700000" algn="t" rotWithShape="0">
+              <a:prstClr val="black">
+                <a:alpha val="40000"/>
+              </a:prstClr>
+            </a:outerShdw>
+          </a:effectLst>
+        </p:spPr>
+        <p:style>
+          <a:lnRef idx="2">
+            <a:schemeClr val="accent6"/>
+          </a:lnRef>
+          <a:fillRef idx="1">
+            <a:schemeClr val="lt1"/>
+          </a:fillRef>
+          <a:effectRef idx="0">
+            <a:schemeClr val="accent6"/>
+          </a:effectRef>
+          <a:fontRef idx="minor">
+            <a:schemeClr val="dk1"/>
+          </a:fontRef>
+        </p:style>
+        <p:txBody>
+          <a:bodyPr rtlCol="0" anchor="ctr"/>
+          <a:lstStyle/>
+          <a:p>
+            <a:pPr algn="ctr"/>
+            <a:endParaRPr lang="en-US"/>
+          </a:p>
+        </p:txBody>
+      </p:sp>
+      <p:cxnSp>
+        <p:nvCxnSpPr>
+          <p:cNvPr id="16" name="Gerade Verbindung mit Pfeil 15"/>
+          <p:cNvCxnSpPr/>
+          <p:nvPr/>
+        </p:nvCxnSpPr>
+        <p:spPr>
+          <a:xfrm>
+            <a:off x="6732240" y="3284984"/>
+            <a:ext cx="0" cy="1152128"/>
+          </a:xfrm>
+          <a:prstGeom prst="straightConnector1">
+            <a:avLst/>
+          </a:prstGeom>
+          <a:ln w="76200">
+            <a:solidFill>
+              <a:srgbClr val="FFC000"/>
+            </a:solidFill>
+            <a:tailEnd type="arrow"/>
+          </a:ln>
+          <a:effectLst>
+            <a:outerShdw blurRad="25400" dist="25400" dir="2700000" algn="t" rotWithShape="0">
+              <a:prstClr val="black">
+                <a:alpha val="40000"/>
+              </a:prstClr>
+            </a:outerShdw>
+          </a:effectLst>
+        </p:spPr>
+        <p:style>
+          <a:lnRef idx="1">
+            <a:schemeClr val="accent1"/>
+          </a:lnRef>
+          <a:fillRef idx="0">
+            <a:schemeClr val="accent1"/>
+          </a:fillRef>
+          <a:effectRef idx="0">
+            <a:schemeClr val="accent1"/>
+          </a:effectRef>
+          <a:fontRef idx="minor">
+            <a:schemeClr val="tx1"/>
+          </a:fontRef>
+        </p:style>
+      </p:cxnSp>
+      <p:cxnSp>
+        <p:nvCxnSpPr>
+          <p:cNvPr id="7" name="Gerade Verbindung mit Pfeil 6"/>
+          <p:cNvCxnSpPr/>
+          <p:nvPr/>
+        </p:nvCxnSpPr>
+        <p:spPr>
+          <a:xfrm>
+            <a:off x="2416742" y="2924944"/>
+            <a:ext cx="2206211" cy="0"/>
+          </a:xfrm>
+          <a:prstGeom prst="straightConnector1">
+            <a:avLst/>
+          </a:prstGeom>
+          <a:ln w="76200">
+            <a:solidFill>
+              <a:srgbClr val="FFC000"/>
+            </a:solidFill>
+            <a:tailEnd type="arrow"/>
+          </a:ln>
+          <a:effectLst>
+            <a:outerShdw blurRad="25400" dist="25400" dir="2700000" algn="t" rotWithShape="0">
+              <a:prstClr val="black">
+                <a:alpha val="40000"/>
+              </a:prstClr>
+            </a:outerShdw>
+          </a:effectLst>
+        </p:spPr>
+        <p:style>
+          <a:lnRef idx="1">
+            <a:schemeClr val="accent1"/>
+          </a:lnRef>
+          <a:fillRef idx="0">
+            <a:schemeClr val="accent1"/>
+          </a:fillRef>
+          <a:effectRef idx="0">
+            <a:schemeClr val="accent1"/>
+          </a:effectRef>
+          <a:fontRef idx="minor">
+            <a:schemeClr val="tx1"/>
+          </a:fontRef>
+        </p:style>
+      </p:cxnSp>
     </p:spTree>
     <p:extLst>
       <p:ext uri="{BB962C8B-B14F-4D97-AF65-F5344CB8AC3E}">
-        <p14:creationId xmlns:p14="http://schemas.microsoft.com/office/powerpoint/2010/main" val="2597953820"/>
+        <p14:creationId xmlns:p14="http://schemas.microsoft.com/office/powerpoint/2010/main" val="1556086699"/>
       </p:ext>
     </p:extLst>
   </p:cSld>
@@ -10718,7 +13497,7 @@
                             </p:stCondLst>
                             <p:childTnLst>
                               <p:par>
-                                <p:cTn id="5" presetID="42" presetClass="entr" presetSubtype="0" fill="hold" grpId="0" nodeType="clickEffect">
+                                <p:cTn id="5" presetID="1" presetClass="entr" presetSubtype="0" fill="hold" nodeType="clickEffect">
                                   <p:stCondLst>
                                     <p:cond delay="0"/>
                                   </p:stCondLst>
@@ -10731,11 +13510,7 @@
                                           </p:stCondLst>
                                         </p:cTn>
                                         <p:tgtEl>
-                                          <p:spTgt spid="3">
-                                            <p:txEl>
-                                              <p:pRg st="0" end="0"/>
-                                            </p:txEl>
-                                          </p:spTgt>
+                                          <p:spTgt spid="7"/>
                                         </p:tgtEl>
                                         <p:attrNameLst>
                                           <p:attrName>style.visibility</p:attrName>
@@ -10745,72 +13520,114 @@
                                         <p:strVal val="visible"/>
                                       </p:to>
                                     </p:set>
-                                    <p:animEffect transition="in" filter="fade">
-                                      <p:cBhvr>
-                                        <p:cTn id="7" dur="1000"/>
-                                        <p:tgtEl>
-                                          <p:spTgt spid="3">
-                                            <p:txEl>
-                                              <p:pRg st="0" end="0"/>
-                                            </p:txEl>
-                                          </p:spTgt>
-                                        </p:tgtEl>
-                                      </p:cBhvr>
-                                    </p:animEffect>
+                                  </p:childTnLst>
+                                </p:cTn>
+                              </p:par>
+                              <p:par>
+                                <p:cTn id="7" presetID="1" presetClass="entr" presetSubtype="0" fill="hold" grpId="0" nodeType="withEffect">
+                                  <p:stCondLst>
+                                    <p:cond delay="0"/>
+                                  </p:stCondLst>
+                                  <p:childTnLst>
+                                    <p:set>
+                                      <p:cBhvr>
+                                        <p:cTn id="8" dur="1" fill="hold">
+                                          <p:stCondLst>
+                                            <p:cond delay="0"/>
+                                          </p:stCondLst>
+                                        </p:cTn>
+                                        <p:tgtEl>
+                                          <p:spTgt spid="17"/>
+                                        </p:tgtEl>
+                                        <p:attrNameLst>
+                                          <p:attrName>style.visibility</p:attrName>
+                                        </p:attrNameLst>
+                                      </p:cBhvr>
+                                      <p:to>
+                                        <p:strVal val="visible"/>
+                                      </p:to>
+                                    </p:set>
+                                  </p:childTnLst>
+                                </p:cTn>
+                              </p:par>
+                              <p:par>
+                                <p:cTn id="9" presetID="53" presetClass="entr" presetSubtype="16" fill="hold" nodeType="withEffect">
+                                  <p:stCondLst>
+                                    <p:cond delay="0"/>
+                                  </p:stCondLst>
+                                  <p:childTnLst>
+                                    <p:set>
+                                      <p:cBhvr>
+                                        <p:cTn id="10" dur="1" fill="hold">
+                                          <p:stCondLst>
+                                            <p:cond delay="0"/>
+                                          </p:stCondLst>
+                                        </p:cTn>
+                                        <p:tgtEl>
+                                          <p:spTgt spid="5122"/>
+                                        </p:tgtEl>
+                                        <p:attrNameLst>
+                                          <p:attrName>style.visibility</p:attrName>
+                                        </p:attrNameLst>
+                                      </p:cBhvr>
+                                      <p:to>
+                                        <p:strVal val="visible"/>
+                                      </p:to>
+                                    </p:set>
                                     <p:anim calcmode="lin" valueType="num">
                                       <p:cBhvr>
-                                        <p:cTn id="8" dur="1000" fill="hold"/>
-                                        <p:tgtEl>
-                                          <p:spTgt spid="3">
-                                            <p:txEl>
-                                              <p:pRg st="0" end="0"/>
-                                            </p:txEl>
-                                          </p:spTgt>
+                                        <p:cTn id="11" dur="500" fill="hold"/>
+                                        <p:tgtEl>
+                                          <p:spTgt spid="5122"/>
                                         </p:tgtEl>
                                         <p:attrNameLst>
-                                          <p:attrName>ppt_x</p:attrName>
+                                          <p:attrName>ppt_w</p:attrName>
                                         </p:attrNameLst>
                                       </p:cBhvr>
                                       <p:tavLst>
                                         <p:tav tm="0">
                                           <p:val>
-                                            <p:strVal val="#ppt_x"/>
+                                            <p:fltVal val="0"/>
                                           </p:val>
                                         </p:tav>
                                         <p:tav tm="100000">
                                           <p:val>
-                                            <p:strVal val="#ppt_x"/>
+                                            <p:strVal val="#ppt_w"/>
                                           </p:val>
                                         </p:tav>
                                       </p:tavLst>
                                     </p:anim>
                                     <p:anim calcmode="lin" valueType="num">
                                       <p:cBhvr>
-                                        <p:cTn id="9" dur="1000" fill="hold"/>
-                                        <p:tgtEl>
-                                          <p:spTgt spid="3">
-                                            <p:txEl>
-                                              <p:pRg st="0" end="0"/>
-                                            </p:txEl>
-                                          </p:spTgt>
+                                        <p:cTn id="12" dur="500" fill="hold"/>
+                                        <p:tgtEl>
+                                          <p:spTgt spid="5122"/>
                                         </p:tgtEl>
                                         <p:attrNameLst>
-                                          <p:attrName>ppt_y</p:attrName>
+                                          <p:attrName>ppt_h</p:attrName>
                                         </p:attrNameLst>
                                       </p:cBhvr>
                                       <p:tavLst>
                                         <p:tav tm="0">
                                           <p:val>
-                                            <p:strVal val="#ppt_y+.1"/>
+                                            <p:fltVal val="0"/>
                                           </p:val>
                                         </p:tav>
                                         <p:tav tm="100000">
                                           <p:val>
-                                            <p:strVal val="#ppt_y"/>
+                                            <p:strVal val="#ppt_h"/>
                                           </p:val>
                                         </p:tav>
                                       </p:tavLst>
                                     </p:anim>
+                                    <p:animEffect transition="in" filter="fade">
+                                      <p:cBhvr>
+                                        <p:cTn id="13" dur="500"/>
+                                        <p:tgtEl>
+                                          <p:spTgt spid="5122"/>
+                                        </p:tgtEl>
+                                      </p:cBhvr>
+                                    </p:animEffect>
                                   </p:childTnLst>
                                 </p:cTn>
                               </p:par>
@@ -10821,36 +13638,32 @@
                     </p:cTn>
                   </p:par>
                   <p:par>
-                    <p:cTn id="10" fill="hold">
+                    <p:cTn id="14" fill="hold">
                       <p:stCondLst>
                         <p:cond delay="indefinite"/>
                       </p:stCondLst>
                       <p:childTnLst>
                         <p:par>
-                          <p:cTn id="11" fill="hold">
+                          <p:cTn id="15" fill="hold">
                             <p:stCondLst>
                               <p:cond delay="0"/>
                             </p:stCondLst>
                             <p:childTnLst>
                               <p:par>
-                                <p:cTn id="12" presetID="42" presetClass="entr" presetSubtype="0" fill="hold" grpId="0" nodeType="clickEffect">
+                                <p:cTn id="16" presetID="1" presetClass="entr" presetSubtype="0" fill="hold" grpId="0" nodeType="clickEffect">
                                   <p:stCondLst>
                                     <p:cond delay="0"/>
                                   </p:stCondLst>
                                   <p:childTnLst>
                                     <p:set>
                                       <p:cBhvr>
-                                        <p:cTn id="13" dur="1" fill="hold">
+                                        <p:cTn id="17" dur="1" fill="hold">
                                           <p:stCondLst>
                                             <p:cond delay="0"/>
                                           </p:stCondLst>
                                         </p:cTn>
                                         <p:tgtEl>
-                                          <p:spTgt spid="3">
-                                            <p:txEl>
-                                              <p:pRg st="1" end="1"/>
-                                            </p:txEl>
-                                          </p:spTgt>
+                                          <p:spTgt spid="20"/>
                                         </p:tgtEl>
                                         <p:attrNameLst>
                                           <p:attrName>style.visibility</p:attrName>
@@ -10860,112 +13673,24 @@
                                         <p:strVal val="visible"/>
                                       </p:to>
                                     </p:set>
-                                    <p:animEffect transition="in" filter="fade">
-                                      <p:cBhvr>
-                                        <p:cTn id="14" dur="1000"/>
-                                        <p:tgtEl>
-                                          <p:spTgt spid="3">
-                                            <p:txEl>
-                                              <p:pRg st="1" end="1"/>
-                                            </p:txEl>
-                                          </p:spTgt>
-                                        </p:tgtEl>
-                                      </p:cBhvr>
-                                    </p:animEffect>
-                                    <p:anim calcmode="lin" valueType="num">
-                                      <p:cBhvr>
-                                        <p:cTn id="15" dur="1000" fill="hold"/>
-                                        <p:tgtEl>
-                                          <p:spTgt spid="3">
-                                            <p:txEl>
-                                              <p:pRg st="1" end="1"/>
-                                            </p:txEl>
-                                          </p:spTgt>
-                                        </p:tgtEl>
-                                        <p:attrNameLst>
-                                          <p:attrName>ppt_x</p:attrName>
-                                        </p:attrNameLst>
-                                      </p:cBhvr>
-                                      <p:tavLst>
-                                        <p:tav tm="0">
-                                          <p:val>
-                                            <p:strVal val="#ppt_x"/>
-                                          </p:val>
-                                        </p:tav>
-                                        <p:tav tm="100000">
-                                          <p:val>
-                                            <p:strVal val="#ppt_x"/>
-                                          </p:val>
-                                        </p:tav>
-                                      </p:tavLst>
-                                    </p:anim>
-                                    <p:anim calcmode="lin" valueType="num">
-                                      <p:cBhvr>
-                                        <p:cTn id="16" dur="1000" fill="hold"/>
-                                        <p:tgtEl>
-                                          <p:spTgt spid="3">
-                                            <p:txEl>
-                                              <p:pRg st="1" end="1"/>
-                                            </p:txEl>
-                                          </p:spTgt>
-                                        </p:tgtEl>
-                                        <p:attrNameLst>
-                                          <p:attrName>ppt_y</p:attrName>
-                                        </p:attrNameLst>
-                                      </p:cBhvr>
-                                      <p:tavLst>
-                                        <p:tav tm="0">
-                                          <p:val>
-                                            <p:strVal val="#ppt_y+.1"/>
-                                          </p:val>
-                                        </p:tav>
-                                        <p:tav tm="100000">
-                                          <p:val>
-                                            <p:strVal val="#ppt_y"/>
-                                          </p:val>
-                                        </p:tav>
-                                      </p:tavLst>
-                                    </p:anim>
                                   </p:childTnLst>
                                 </p:cTn>
                               </p:par>
-                            </p:childTnLst>
-                          </p:cTn>
-                        </p:par>
-                      </p:childTnLst>
-                    </p:cTn>
-                  </p:par>
-                  <p:par>
-                    <p:cTn id="17" fill="hold">
-                      <p:stCondLst>
-                        <p:cond delay="indefinite"/>
-                      </p:stCondLst>
-                      <p:childTnLst>
-                        <p:par>
-                          <p:cTn id="18" fill="hold">
-                            <p:stCondLst>
-                              <p:cond delay="0"/>
-                            </p:stCondLst>
-                            <p:childTnLst>
                               <p:par>
-                                <p:cTn id="19" presetID="42" presetClass="entr" presetSubtype="0" fill="hold" grpId="0" nodeType="clickEffect">
+                                <p:cTn id="18" presetID="1" presetClass="entr" presetSubtype="0" fill="hold" nodeType="withEffect">
                                   <p:stCondLst>
                                     <p:cond delay="0"/>
                                   </p:stCondLst>
                                   <p:childTnLst>
                                     <p:set>
                                       <p:cBhvr>
-                                        <p:cTn id="20" dur="1" fill="hold">
+                                        <p:cTn id="19" dur="1" fill="hold">
                                           <p:stCondLst>
                                             <p:cond delay="0"/>
                                           </p:stCondLst>
                                         </p:cTn>
                                         <p:tgtEl>
-                                          <p:spTgt spid="3">
-                                            <p:txEl>
-                                              <p:pRg st="2" end="2"/>
-                                            </p:txEl>
-                                          </p:spTgt>
+                                          <p:spTgt spid="16"/>
                                         </p:tgtEl>
                                         <p:attrNameLst>
                                           <p:attrName>style.visibility</p:attrName>
@@ -10975,112 +13700,24 @@
                                         <p:strVal val="visible"/>
                                       </p:to>
                                     </p:set>
-                                    <p:animEffect transition="in" filter="fade">
-                                      <p:cBhvr>
-                                        <p:cTn id="21" dur="1000"/>
-                                        <p:tgtEl>
-                                          <p:spTgt spid="3">
-                                            <p:txEl>
-                                              <p:pRg st="2" end="2"/>
-                                            </p:txEl>
-                                          </p:spTgt>
-                                        </p:tgtEl>
-                                      </p:cBhvr>
-                                    </p:animEffect>
-                                    <p:anim calcmode="lin" valueType="num">
-                                      <p:cBhvr>
-                                        <p:cTn id="22" dur="1000" fill="hold"/>
-                                        <p:tgtEl>
-                                          <p:spTgt spid="3">
-                                            <p:txEl>
-                                              <p:pRg st="2" end="2"/>
-                                            </p:txEl>
-                                          </p:spTgt>
-                                        </p:tgtEl>
-                                        <p:attrNameLst>
-                                          <p:attrName>ppt_x</p:attrName>
-                                        </p:attrNameLst>
-                                      </p:cBhvr>
-                                      <p:tavLst>
-                                        <p:tav tm="0">
-                                          <p:val>
-                                            <p:strVal val="#ppt_x"/>
-                                          </p:val>
-                                        </p:tav>
-                                        <p:tav tm="100000">
-                                          <p:val>
-                                            <p:strVal val="#ppt_x"/>
-                                          </p:val>
-                                        </p:tav>
-                                      </p:tavLst>
-                                    </p:anim>
-                                    <p:anim calcmode="lin" valueType="num">
-                                      <p:cBhvr>
-                                        <p:cTn id="23" dur="1000" fill="hold"/>
-                                        <p:tgtEl>
-                                          <p:spTgt spid="3">
-                                            <p:txEl>
-                                              <p:pRg st="2" end="2"/>
-                                            </p:txEl>
-                                          </p:spTgt>
-                                        </p:tgtEl>
-                                        <p:attrNameLst>
-                                          <p:attrName>ppt_y</p:attrName>
-                                        </p:attrNameLst>
-                                      </p:cBhvr>
-                                      <p:tavLst>
-                                        <p:tav tm="0">
-                                          <p:val>
-                                            <p:strVal val="#ppt_y+.1"/>
-                                          </p:val>
-                                        </p:tav>
-                                        <p:tav tm="100000">
-                                          <p:val>
-                                            <p:strVal val="#ppt_y"/>
-                                          </p:val>
-                                        </p:tav>
-                                      </p:tavLst>
-                                    </p:anim>
                                   </p:childTnLst>
                                 </p:cTn>
                               </p:par>
-                            </p:childTnLst>
-                          </p:cTn>
-                        </p:par>
-                      </p:childTnLst>
-                    </p:cTn>
-                  </p:par>
-                  <p:par>
-                    <p:cTn id="24" fill="hold">
-                      <p:stCondLst>
-                        <p:cond delay="indefinite"/>
-                      </p:stCondLst>
-                      <p:childTnLst>
-                        <p:par>
-                          <p:cTn id="25" fill="hold">
-                            <p:stCondLst>
-                              <p:cond delay="0"/>
-                            </p:stCondLst>
-                            <p:childTnLst>
                               <p:par>
-                                <p:cTn id="26" presetID="42" presetClass="entr" presetSubtype="0" fill="hold" grpId="0" nodeType="clickEffect">
+                                <p:cTn id="20" presetID="53" presetClass="entr" presetSubtype="16" fill="hold" nodeType="withEffect">
                                   <p:stCondLst>
                                     <p:cond delay="0"/>
                                   </p:stCondLst>
                                   <p:childTnLst>
                                     <p:set>
                                       <p:cBhvr>
-                                        <p:cTn id="27" dur="1" fill="hold">
+                                        <p:cTn id="21" dur="1" fill="hold">
                                           <p:stCondLst>
                                             <p:cond delay="0"/>
                                           </p:stCondLst>
                                         </p:cTn>
                                         <p:tgtEl>
-                                          <p:spTgt spid="3">
-                                            <p:txEl>
-                                              <p:pRg st="3" end="3"/>
-                                            </p:txEl>
-                                          </p:spTgt>
+                                          <p:spTgt spid="9"/>
                                         </p:tgtEl>
                                         <p:attrNameLst>
                                           <p:attrName>style.visibility</p:attrName>
@@ -11090,72 +13727,60 @@
                                         <p:strVal val="visible"/>
                                       </p:to>
                                     </p:set>
-                                    <p:animEffect transition="in" filter="fade">
-                                      <p:cBhvr>
-                                        <p:cTn id="28" dur="1000"/>
-                                        <p:tgtEl>
-                                          <p:spTgt spid="3">
-                                            <p:txEl>
-                                              <p:pRg st="3" end="3"/>
-                                            </p:txEl>
-                                          </p:spTgt>
-                                        </p:tgtEl>
-                                      </p:cBhvr>
-                                    </p:animEffect>
                                     <p:anim calcmode="lin" valueType="num">
                                       <p:cBhvr>
-                                        <p:cTn id="29" dur="1000" fill="hold"/>
-                                        <p:tgtEl>
-                                          <p:spTgt spid="3">
-                                            <p:txEl>
-                                              <p:pRg st="3" end="3"/>
-                                            </p:txEl>
-                                          </p:spTgt>
+                                        <p:cTn id="22" dur="500" fill="hold"/>
+                                        <p:tgtEl>
+                                          <p:spTgt spid="9"/>
                                         </p:tgtEl>
                                         <p:attrNameLst>
-                                          <p:attrName>ppt_x</p:attrName>
+                                          <p:attrName>ppt_w</p:attrName>
                                         </p:attrNameLst>
                                       </p:cBhvr>
                                       <p:tavLst>
                                         <p:tav tm="0">
                                           <p:val>
-                                            <p:strVal val="#ppt_x"/>
+                                            <p:fltVal val="0"/>
                                           </p:val>
                                         </p:tav>
                                         <p:tav tm="100000">
                                           <p:val>
-                                            <p:strVal val="#ppt_x"/>
+                                            <p:strVal val="#ppt_w"/>
                                           </p:val>
                                         </p:tav>
                                       </p:tavLst>
                                     </p:anim>
                                     <p:anim calcmode="lin" valueType="num">
                                       <p:cBhvr>
-                                        <p:cTn id="30" dur="1000" fill="hold"/>
-                                        <p:tgtEl>
-                                          <p:spTgt spid="3">
-                                            <p:txEl>
-                                              <p:pRg st="3" end="3"/>
-                                            </p:txEl>
-                                          </p:spTgt>
+                                        <p:cTn id="23" dur="500" fill="hold"/>
+                                        <p:tgtEl>
+                                          <p:spTgt spid="9"/>
                                         </p:tgtEl>
                                         <p:attrNameLst>
-                                          <p:attrName>ppt_y</p:attrName>
+                                          <p:attrName>ppt_h</p:attrName>
                                         </p:attrNameLst>
                                       </p:cBhvr>
                                       <p:tavLst>
                                         <p:tav tm="0">
                                           <p:val>
-                                            <p:strVal val="#ppt_y+.1"/>
+                                            <p:fltVal val="0"/>
                                           </p:val>
                                         </p:tav>
                                         <p:tav tm="100000">
                                           <p:val>
-                                            <p:strVal val="#ppt_y"/>
+                                            <p:strVal val="#ppt_h"/>
                                           </p:val>
                                         </p:tav>
                                       </p:tavLst>
                                     </p:anim>
+                                    <p:animEffect transition="in" filter="fade">
+                                      <p:cBhvr>
+                                        <p:cTn id="24" dur="500"/>
+                                        <p:tgtEl>
+                                          <p:spTgt spid="9"/>
+                                        </p:tgtEl>
+                                      </p:cBhvr>
+                                    </p:animEffect>
                                   </p:childTnLst>
                                 </p:cTn>
                               </p:par>
@@ -11187,7 +13812,8 @@
       </p:par>
     </p:tnLst>
     <p:bldLst>
-      <p:bldP spid="3" grpId="0" build="p"/>
+      <p:bldP spid="17" grpId="0" animBg="1"/>
+      <p:bldP spid="20" grpId="0" animBg="1"/>
     </p:bldLst>
   </p:timing>
 </p:sld>
@@ -11277,6 +13903,29 @@
           </a:extLst>
         </p:spPr>
       </p:pic>
+      <p:sp>
+        <p:nvSpPr>
+          <p:cNvPr id="3" name="Foliennummernplatzhalter 2"/>
+          <p:cNvSpPr>
+            <a:spLocks noGrp="1"/>
+          </p:cNvSpPr>
+          <p:nvPr>
+            <p:ph type="sldNum" sz="quarter" idx="12"/>
+          </p:nvPr>
+        </p:nvSpPr>
+        <p:spPr/>
+        <p:txBody>
+          <a:bodyPr/>
+          <a:lstStyle/>
+          <a:p>
+            <a:fld id="{CB39F0D9-F884-4558-986F-7F4B8D6BBDEC}" type="slidenum">
+              <a:rPr lang="de-CH" smtClean="0"/>
+              <a:t>9</a:t>
+            </a:fld>
+            <a:endParaRPr lang="de-CH" dirty="0"/>
+          </a:p>
+        </p:txBody>
+      </p:sp>
     </p:spTree>
     <p:extLst>
       <p:ext uri="{BB962C8B-B14F-4D97-AF65-F5344CB8AC3E}">
@@ -11300,7 +13949,7 @@
 <file path=ppt/tags/tag1.xml><?xml version="1.0" encoding="utf-8"?>
 <p:tagLst xmlns:a="http://schemas.openxmlformats.org/drawingml/2006/main" xmlns:r="http://schemas.openxmlformats.org/officeDocument/2006/relationships" xmlns:p="http://schemas.openxmlformats.org/presentationml/2006/main">
   <p:tag name="MMPROD_NEXTUNIQUEID" val="10009"/>
-  <p:tag name="MMPROD_UIDATA" val="&lt;database version=&quot;7.0&quot;&gt;&lt;object type=&quot;1&quot; unique_id=&quot;10001&quot;&gt;&lt;object type=&quot;8&quot; unique_id=&quot;10002&quot;&gt;&lt;/object&gt;&lt;object type=&quot;2&quot; unique_id=&quot;10003&quot;&gt;&lt;object type=&quot;3&quot; unique_id=&quot;10004&quot;&gt;&lt;property id=&quot;20148&quot; value=&quot;5&quot;/&gt;&lt;property id=&quot;20300&quot; value=&quot;Folie 1&quot;/&gt;&lt;property id=&quot;20307&quot; value=&quot;256&quot;/&gt;&lt;/object&gt;&lt;object type=&quot;3&quot; unique_id=&quot;10005&quot;&gt;&lt;property id=&quot;20148&quot; value=&quot;5&quot;/&gt;&lt;property id=&quot;20300&quot; value=&quot;Folie 2 - &amp;quot;Why?&amp;quot;&quot;/&gt;&lt;property id=&quot;20307&quot; value=&quot;257&quot;/&gt;&lt;/object&gt;&lt;object type=&quot;3&quot; unique_id=&quot;10006&quot;&gt;&lt;property id=&quot;20148&quot; value=&quot;5&quot;/&gt;&lt;property id=&quot;20300&quot; value=&quot;Folie 3 - &amp;quot;Why?&amp;quot;&quot;/&gt;&lt;property id=&quot;20307&quot; value=&quot;258&quot;/&gt;&lt;/object&gt;&lt;object type=&quot;3&quot; unique_id=&quot;10037&quot;&gt;&lt;property id=&quot;20148&quot; value=&quot;5&quot;/&gt;&lt;property id=&quot;20300&quot; value=&quot;Folie 5 - &amp;quot;Customization&amp;quot;&quot;/&gt;&lt;property id=&quot;20307&quot; value=&quot;259&quot;/&gt;&lt;/object&gt;&lt;object type=&quot;3&quot; unique_id=&quot;10074&quot;&gt;&lt;property id=&quot;20148&quot; value=&quot;5&quot;/&gt;&lt;property id=&quot;20300&quot; value=&quot;Folie 4 - &amp;quot;Solution: DoodleDebug&amp;quot;&quot;/&gt;&lt;property id=&quot;20307&quot; value=&quot;260&quot;/&gt;&lt;/object&gt;&lt;object type=&quot;3&quot; unique_id=&quot;10110&quot;&gt;&lt;property id=&quot;20148&quot; value=&quot;5&quot;/&gt;&lt;property id=&quot;20300&quot; value=&quot;Folie 6 - &amp;quot;DoodleCanvas&amp;quot;&quot;/&gt;&lt;property id=&quot;20307&quot; value=&quot;261&quot;/&gt;&lt;/object&gt;&lt;object type=&quot;3&quot; unique_id=&quot;10236&quot;&gt;&lt;property id=&quot;20148&quot; value=&quot;5&quot;/&gt;&lt;property id=&quot;20300&quot; value=&quot;Folie 8 - &amp;quot;Plugins&amp;quot;&quot;/&gt;&lt;property id=&quot;20307&quot; value=&quot;262&quot;/&gt;&lt;/object&gt;&lt;object type=&quot;3&quot; unique_id=&quot;10246&quot;&gt;&lt;property id=&quot;20148&quot; value=&quot;5&quot;/&gt;&lt;property id=&quot;20300&quot; value=&quot;Folie 7 - &amp;quot;DoodleCanvas&amp;quot;&quot;/&gt;&lt;property id=&quot;20307&quot; value=&quot;263&quot;/&gt;&lt;/object&gt;&lt;object type=&quot;3&quot; unique_id=&quot;10357&quot;&gt;&lt;property id=&quot;20148&quot; value=&quot;5&quot;/&gt;&lt;property id=&quot;20300&quot; value=&quot;Folie 9 - &amp;quot;Changes Over Time&amp;quot;&quot;/&gt;&lt;property id=&quot;20307&quot; value=&quot;264&quot;/&gt;&lt;/object&gt;&lt;object type=&quot;3&quot; unique_id=&quot;10358&quot;&gt;&lt;property id=&quot;20148&quot; value=&quot;5&quot;/&gt;&lt;property id=&quot;20300&quot; value=&quot;Folie 10 - &amp;quot;Changes Over Time&amp;quot;&quot;/&gt;&lt;property id=&quot;20307&quot; value=&quot;265&quot;/&gt;&lt;/object&gt;&lt;object type=&quot;3&quot; unique_id=&quot;10407&quot;&gt;&lt;property id=&quot;20148&quot; value=&quot;5&quot;/&gt;&lt;property id=&quot;20300&quot; value=&quot;Folie 14 - &amp;quot;Default Renderings&amp;quot;&quot;/&gt;&lt;property id=&quot;20307&quot; value=&quot;266&quot;/&gt;&lt;/object&gt;&lt;object type=&quot;3&quot; unique_id=&quot;10408&quot;&gt;&lt;property id=&quot;20148&quot; value=&quot;5&quot;/&gt;&lt;property id=&quot;20300&quot; value=&quot;Folie 15 - &amp;quot;Default Renderings&amp;quot;&quot;/&gt;&lt;property id=&quot;20307&quot; value=&quot;267&quot;/&gt;&lt;/object&gt;&lt;object type=&quot;3&quot; unique_id=&quot;10591&quot;&gt;&lt;property id=&quot;20148&quot; value=&quot;5&quot;/&gt;&lt;property id=&quot;20300&quot; value=&quot;Folie 11 - &amp;quot;Inspecting Doodles&amp;quot;&quot;/&gt;&lt;property id=&quot;20307&quot; value=&quot;268&quot;/&gt;&lt;/object&gt;&lt;object type=&quot;3&quot; unique_id=&quot;10682&quot;&gt;&lt;property id=&quot;20148&quot; value=&quot;5&quot;/&gt;&lt;property id=&quot;20300&quot; value=&quot;Folie 12 - &amp;quot;Inspecting Doodles&amp;quot;&quot;/&gt;&lt;property id=&quot;20307&quot; value=&quot;269&quot;/&gt;&lt;/object&gt;&lt;object type=&quot;3&quot; unique_id=&quot;10683&quot;&gt;&lt;property id=&quot;20148&quot; value=&quot;5&quot;/&gt;&lt;property id=&quot;20300&quot; value=&quot;Folie 13 - &amp;quot;Inspecting Doodles&amp;quot;&quot;/&gt;&lt;property id=&quot;20307&quot; value=&quot;270&quot;/&gt;&lt;/object&gt;&lt;object type=&quot;3&quot; unique_id=&quot;10718&quot;&gt;&lt;property id=&quot;20148&quot; value=&quot;5&quot;/&gt;&lt;property id=&quot;20300&quot; value=&quot;Folie 16 - &amp;quot;Study: Setup&amp;quot;&quot;/&gt;&lt;property id=&quot;20307&quot; value=&quot;272&quot;/&gt;&lt;/object&gt;&lt;object type=&quot;3&quot; unique_id=&quot;10719&quot;&gt;&lt;property id=&quot;20148&quot; value=&quot;5&quot;/&gt;&lt;property id=&quot;20300&quot; value=&quot;Folie 18 - &amp;quot;Demo&amp;quot;&quot;/&gt;&lt;property id=&quot;20307&quot; value=&quot;271&quot;/&gt;&lt;/object&gt;&lt;object type=&quot;3&quot; unique_id=&quot;10796&quot;&gt;&lt;property id=&quot;20148&quot; value=&quot;5&quot;/&gt;&lt;property id=&quot;20300&quot; value=&quot;Folie 17 - &amp;quot;Study: Outcomes&amp;quot;&quot;/&gt;&lt;property id=&quot;20307&quot; value=&quot;273&quot;/&gt;&lt;/object&gt;&lt;/object&gt;&lt;/object&gt;&lt;/database&gt;"/>
+  <p:tag name="MMPROD_UIDATA" val="&lt;database version=&quot;7.0&quot;&gt;&lt;object type=&quot;1&quot; unique_id=&quot;10001&quot;&gt;&lt;object type=&quot;8&quot; unique_id=&quot;10002&quot;&gt;&lt;/object&gt;&lt;object type=&quot;2&quot; unique_id=&quot;10003&quot;&gt;&lt;object type=&quot;3&quot; unique_id=&quot;10004&quot;&gt;&lt;property id=&quot;20148&quot; value=&quot;5&quot;/&gt;&lt;property id=&quot;20300&quot; value=&quot;Folie 1&quot;/&gt;&lt;property id=&quot;20307&quot; value=&quot;256&quot;/&gt;&lt;/object&gt;&lt;object type=&quot;3&quot; unique_id=&quot;10005&quot;&gt;&lt;property id=&quot;20148&quot; value=&quot;5&quot;/&gt;&lt;property id=&quot;20300&quot; value=&quot;Folie 2 - &amp;quot;Why?&amp;quot;&quot;/&gt;&lt;property id=&quot;20307&quot; value=&quot;257&quot;/&gt;&lt;/object&gt;&lt;object type=&quot;3&quot; unique_id=&quot;10006&quot;&gt;&lt;property id=&quot;20148&quot; value=&quot;5&quot;/&gt;&lt;property id=&quot;20300&quot; value=&quot;Folie 5 - &amp;quot;Why?&amp;quot;&quot;/&gt;&lt;property id=&quot;20307&quot; value=&quot;258&quot;/&gt;&lt;/object&gt;&lt;object type=&quot;3&quot; unique_id=&quot;10037&quot;&gt;&lt;property id=&quot;20148&quot; value=&quot;5&quot;/&gt;&lt;property id=&quot;20300&quot; value=&quot;Folie 10 - &amp;quot;Customization&amp;quot;&quot;/&gt;&lt;property id=&quot;20307&quot; value=&quot;259&quot;/&gt;&lt;/object&gt;&lt;object type=&quot;3&quot; unique_id=&quot;10074&quot;&gt;&lt;property id=&quot;20148&quot; value=&quot;5&quot;/&gt;&lt;property id=&quot;20300&quot; value=&quot;Folie 6 - &amp;quot;Solution: DoodleDebug&amp;quot;&quot;/&gt;&lt;property id=&quot;20307&quot; value=&quot;260&quot;/&gt;&lt;/object&gt;&lt;object type=&quot;3&quot; unique_id=&quot;10236&quot;&gt;&lt;property id=&quot;20148&quot; value=&quot;5&quot;/&gt;&lt;property id=&quot;20300&quot; value=&quot;Folie 12 - &amp;quot;Plugins&amp;quot;&quot;/&gt;&lt;property id=&quot;20307&quot; value=&quot;262&quot;/&gt;&lt;/object&gt;&lt;object type=&quot;3&quot; unique_id=&quot;10246&quot;&gt;&lt;property id=&quot;20148&quot; value=&quot;5&quot;/&gt;&lt;property id=&quot;20300&quot; value=&quot;Folie 11 - &amp;quot;DoodleCanvas&amp;quot;&quot;/&gt;&lt;property id=&quot;20307&quot; value=&quot;263&quot;/&gt;&lt;/object&gt;&lt;object type=&quot;3&quot; unique_id=&quot;10357&quot;&gt;&lt;property id=&quot;20148&quot; value=&quot;5&quot;/&gt;&lt;property id=&quot;20300&quot; value=&quot;Folie 9 - &amp;quot;Changes Over Time&amp;quot;&quot;/&gt;&lt;property id=&quot;20307&quot; value=&quot;264&quot;/&gt;&lt;/object&gt;&lt;object type=&quot;3&quot; unique_id=&quot;10407&quot;&gt;&lt;property id=&quot;20148&quot; value=&quot;5&quot;/&gt;&lt;property id=&quot;20300&quot; value=&quot;Folie 13 - &amp;quot;Default Renderings&amp;quot;&quot;/&gt;&lt;property id=&quot;20307&quot; value=&quot;266&quot;/&gt;&lt;/object&gt;&lt;object type=&quot;3&quot; unique_id=&quot;10408&quot;&gt;&lt;property id=&quot;20148&quot; value=&quot;5&quot;/&gt;&lt;property id=&quot;20300&quot; value=&quot;Folie 14 - &amp;quot;Default Renderings&amp;quot;&quot;/&gt;&lt;property id=&quot;20307&quot; value=&quot;267&quot;/&gt;&lt;/object&gt;&lt;object type=&quot;3&quot; unique_id=&quot;10682&quot;&gt;&lt;property id=&quot;20148&quot; value=&quot;5&quot;/&gt;&lt;property id=&quot;20300&quot; value=&quot;Folie 8 - &amp;quot;Inspecting Doodles&amp;quot;&quot;/&gt;&lt;property id=&quot;20307&quot; value=&quot;269&quot;/&gt;&lt;/object&gt;&lt;object type=&quot;3&quot; unique_id=&quot;10718&quot;&gt;&lt;property id=&quot;20148&quot; value=&quot;5&quot;/&gt;&lt;property id=&quot;20300&quot; value=&quot;Folie 15 - &amp;quot;Study: Setup&amp;quot;&quot;/&gt;&lt;property id=&quot;20307&quot; value=&quot;272&quot;/&gt;&lt;/object&gt;&lt;object type=&quot;3&quot; unique_id=&quot;10719&quot;&gt;&lt;property id=&quot;20148&quot; value=&quot;5&quot;/&gt;&lt;property id=&quot;20300&quot; value=&quot;Folie 17 - &amp;quot;Demo&amp;quot;&quot;/&gt;&lt;property id=&quot;20307&quot; value=&quot;271&quot;/&gt;&lt;/object&gt;&lt;object type=&quot;3&quot; unique_id=&quot;10796&quot;&gt;&lt;property id=&quot;20148&quot; value=&quot;5&quot;/&gt;&lt;property id=&quot;20300&quot; value=&quot;Folie 16 - &amp;quot;Study: Outcomes&amp;quot;&quot;/&gt;&lt;property id=&quot;20307&quot; value=&quot;273&quot;/&gt;&lt;/object&gt;&lt;object type=&quot;3&quot; unique_id=&quot;10997&quot;&gt;&lt;property id=&quot;20148&quot; value=&quot;5&quot;/&gt;&lt;property id=&quot;20300&quot; value=&quot;Folie 7 - &amp;quot;Solution: DoodleDebug&amp;quot;&quot;/&gt;&lt;property id=&quot;20307&quot; value=&quot;274&quot;/&gt;&lt;/object&gt;&lt;object type=&quot;3&quot; unique_id=&quot;11179&quot;&gt;&lt;property id=&quot;20148&quot; value=&quot;5&quot;/&gt;&lt;property id=&quot;20300&quot; value=&quot;Folie 3 - &amp;quot;Why?&amp;quot;&quot;/&gt;&lt;property id=&quot;20307&quot; value=&quot;275&quot;/&gt;&lt;/object&gt;&lt;object type=&quot;3&quot; unique_id=&quot;11327&quot;&gt;&lt;property id=&quot;20148&quot; value=&quot;5&quot;/&gt;&lt;property id=&quot;20300&quot; value=&quot;Folie 4 - &amp;quot;Why?&amp;quot;&quot;/&gt;&lt;property id=&quot;20307&quot; value=&quot;276&quot;/&gt;&lt;/object&gt;&lt;/object&gt;&lt;/object&gt;&lt;/database&gt;"/>
   <p:tag name="SECTOMILLISECCONVERTED" val="1"/>
 </p:tagLst>
 </file>

--- a/presentations/Demo DoodleDebug Spring 2013.pptx
+++ b/presentations/Demo DoodleDebug Spring 2013.pptx
@@ -5,7 +5,7 @@
     <p:sldMasterId id="2147483648" r:id="rId1"/>
   </p:sldMasterIdLst>
   <p:notesMasterIdLst>
-    <p:notesMasterId r:id="rId19"/>
+    <p:notesMasterId r:id="rId21"/>
   </p:notesMasterIdLst>
   <p:sldIdLst>
     <p:sldId id="256" r:id="rId2"/>
@@ -22,14 +22,16 @@
     <p:sldId id="262" r:id="rId13"/>
     <p:sldId id="266" r:id="rId14"/>
     <p:sldId id="267" r:id="rId15"/>
-    <p:sldId id="272" r:id="rId16"/>
-    <p:sldId id="273" r:id="rId17"/>
-    <p:sldId id="271" r:id="rId18"/>
+    <p:sldId id="278" r:id="rId16"/>
+    <p:sldId id="272" r:id="rId17"/>
+    <p:sldId id="273" r:id="rId18"/>
+    <p:sldId id="271" r:id="rId19"/>
+    <p:sldId id="277" r:id="rId20"/>
   </p:sldIdLst>
   <p:sldSz cx="9144000" cy="6858000" type="screen4x3"/>
   <p:notesSz cx="6858000" cy="9144000"/>
   <p:custDataLst>
-    <p:tags r:id="rId20"/>
+    <p:tags r:id="rId22"/>
   </p:custDataLst>
   <p:defaultTextStyle>
     <a:defPPr>
@@ -211,7 +213,7 @@
           <a:p>
             <a:fld id="{236ADE3F-CE78-4304-90DD-69CB0597853E}" type="datetimeFigureOut">
               <a:rPr lang="en-US" smtClean="0"/>
-              <a:t>4/24/2013</a:t>
+              <a:t>4/26/2013</a:t>
             </a:fld>
             <a:endParaRPr lang="en-US"/>
           </a:p>
@@ -942,7 +944,7 @@
           <a:p>
             <a:fld id="{85D650DE-3472-4653-A444-5B443FE7AA4E}" type="datetime1">
               <a:rPr lang="de-CH" smtClean="0"/>
-              <a:t>24.04.2013</a:t>
+              <a:t>26.04.2013</a:t>
             </a:fld>
             <a:endParaRPr lang="de-CH" dirty="0"/>
           </a:p>
@@ -1119,7 +1121,7 @@
           <a:p>
             <a:fld id="{8BAC4E3D-F274-4AF5-9DF1-A78FFCEF68DA}" type="datetime1">
               <a:rPr lang="de-CH" smtClean="0"/>
-              <a:t>24.04.2013</a:t>
+              <a:t>26.04.2013</a:t>
             </a:fld>
             <a:endParaRPr lang="de-CH" dirty="0"/>
           </a:p>
@@ -1299,7 +1301,7 @@
           <a:p>
             <a:fld id="{D3964AF6-022E-43B2-9753-57C33D817030}" type="datetime1">
               <a:rPr lang="de-CH" smtClean="0"/>
-              <a:t>24.04.2013</a:t>
+              <a:t>26.04.2013</a:t>
             </a:fld>
             <a:endParaRPr lang="de-CH" dirty="0"/>
           </a:p>
@@ -1654,7 +1656,7 @@
           <a:p>
             <a:fld id="{437327DC-2552-4A52-A1A3-9B5BFACF3DEF}" type="datetime1">
               <a:rPr lang="de-CH" smtClean="0"/>
-              <a:t>24.04.2013</a:t>
+              <a:t>26.04.2013</a:t>
             </a:fld>
             <a:endParaRPr lang="de-CH" dirty="0"/>
           </a:p>
@@ -1907,7 +1909,7 @@
           <a:p>
             <a:fld id="{7A4171FB-593E-465D-9207-2119903B863E}" type="datetime1">
               <a:rPr lang="de-CH" smtClean="0"/>
-              <a:t>24.04.2013</a:t>
+              <a:t>26.04.2013</a:t>
             </a:fld>
             <a:endParaRPr lang="de-CH" dirty="0"/>
           </a:p>
@@ -2202,7 +2204,7 @@
           <a:p>
             <a:fld id="{BD636A4B-8FF2-43A3-B5BD-A9C3C87E2820}" type="datetime1">
               <a:rPr lang="de-CH" smtClean="0"/>
-              <a:t>24.04.2013</a:t>
+              <a:t>26.04.2013</a:t>
             </a:fld>
             <a:endParaRPr lang="de-CH" dirty="0"/>
           </a:p>
@@ -2624,7 +2626,7 @@
           <a:p>
             <a:fld id="{D77D123E-E927-4D73-B43F-B83145EC633F}" type="datetime1">
               <a:rPr lang="de-CH" smtClean="0"/>
-              <a:t>24.04.2013</a:t>
+              <a:t>26.04.2013</a:t>
             </a:fld>
             <a:endParaRPr lang="de-CH" dirty="0"/>
           </a:p>
@@ -2742,7 +2744,7 @@
           <a:p>
             <a:fld id="{F96081AB-9B45-4EA4-85E7-C7D9AE8BCC30}" type="datetime1">
               <a:rPr lang="de-CH" smtClean="0"/>
-              <a:t>24.04.2013</a:t>
+              <a:t>26.04.2013</a:t>
             </a:fld>
             <a:endParaRPr lang="de-CH" dirty="0"/>
           </a:p>
@@ -2837,7 +2839,7 @@
           <a:p>
             <a:fld id="{1B775301-90B7-4097-BBF9-5E4AF869C7A1}" type="datetime1">
               <a:rPr lang="de-CH" smtClean="0"/>
-              <a:t>24.04.2013</a:t>
+              <a:t>26.04.2013</a:t>
             </a:fld>
             <a:endParaRPr lang="de-CH" dirty="0"/>
           </a:p>
@@ -3114,7 +3116,7 @@
           <a:p>
             <a:fld id="{D7A7FEA8-F11E-4DD5-93BD-B1E529D9AFFF}" type="datetime1">
               <a:rPr lang="de-CH" smtClean="0"/>
-              <a:t>24.04.2013</a:t>
+              <a:t>26.04.2013</a:t>
             </a:fld>
             <a:endParaRPr lang="de-CH" dirty="0"/>
           </a:p>
@@ -3367,7 +3369,7 @@
           <a:p>
             <a:fld id="{C2B89150-C15F-4D6A-BF1B-40AA2F4AABBB}" type="datetime1">
               <a:rPr lang="de-CH" smtClean="0"/>
-              <a:t>24.04.2013</a:t>
+              <a:t>26.04.2013</a:t>
             </a:fld>
             <a:endParaRPr lang="de-CH" dirty="0"/>
           </a:p>
@@ -3580,7 +3582,7 @@
           <a:p>
             <a:fld id="{E65CC87D-290B-4A82-A5FC-87C0639762FA}" type="datetime1">
               <a:rPr lang="de-CH" smtClean="0"/>
-              <a:t>24.04.2013</a:t>
+              <a:t>26.04.2013</a:t>
             </a:fld>
             <a:endParaRPr lang="de-CH" dirty="0"/>
           </a:p>
@@ -7843,13 +7845,8 @@
             </a:br>
             <a:r>
               <a:rPr lang="en-US" dirty="0" smtClean="0"/>
-              <a:t>List fields (if </a:t>
-            </a:r>
-            <a:r>
-              <a:rPr lang="en-US" dirty="0" smtClean="0"/>
-              <a:t>&lt;= 7)</a:t>
-            </a:r>
-            <a:endParaRPr lang="en-US" dirty="0" smtClean="0"/>
+              <a:t>List fields (if &lt;= 7)</a:t>
+            </a:r>
           </a:p>
           <a:p>
             <a:pPr lvl="1"/>
@@ -7862,58 +7859,11 @@
             </a:br>
             <a:r>
               <a:rPr lang="en-US" dirty="0" smtClean="0"/>
-              <a:t>Two-dimensional arrays and collections</a:t>
-            </a:r>
-          </a:p>
-          <a:p>
-            <a:pPr lvl="1"/>
-            <a:r>
-              <a:rPr lang="en-US" dirty="0" err="1" smtClean="0"/>
-              <a:t>Throwables</a:t>
+              <a:t>Two-dimensional arrays and </a:t>
             </a:r>
             <a:r>
               <a:rPr lang="en-US" dirty="0" smtClean="0"/>
-              <a:t/>
-            </a:r>
-            <a:br>
-              <a:rPr lang="en-US" dirty="0" smtClean="0"/>
-            </a:br>
-            <a:r>
-              <a:rPr lang="en-US" dirty="0" smtClean="0"/>
-              <a:t>With linking to Eclipse </a:t>
-            </a:r>
-            <a:r>
-              <a:rPr lang="en-US" dirty="0" smtClean="0"/>
-              <a:t>editor</a:t>
-            </a:r>
-          </a:p>
-          <a:p>
-            <a:pPr marL="457200" lvl="1" indent="0">
-              <a:buNone/>
-            </a:pPr>
-            <a:r>
-              <a:rPr lang="en-US" dirty="0" smtClean="0">
-                <a:solidFill>
-                  <a:srgbClr val="FF0000"/>
-                </a:solidFill>
-              </a:rPr>
-              <a:t>(Screenshots, at least </a:t>
-            </a:r>
-            <a:r>
-              <a:rPr lang="en-US" dirty="0" err="1" smtClean="0">
-                <a:solidFill>
-                  <a:srgbClr val="FF0000"/>
-                </a:solidFill>
-              </a:rPr>
-              <a:t>Throwables</a:t>
-            </a:r>
-            <a:r>
-              <a:rPr lang="en-US" dirty="0" smtClean="0">
-                <a:solidFill>
-                  <a:srgbClr val="FF0000"/>
-                </a:solidFill>
-              </a:rPr>
-              <a:t>)</a:t>
+              <a:t>collections</a:t>
             </a:r>
             <a:endParaRPr lang="en-US" dirty="0">
               <a:solidFill>
@@ -7946,6 +7896,48 @@
           </a:p>
         </p:txBody>
       </p:sp>
+      <p:pic>
+        <p:nvPicPr>
+          <p:cNvPr id="2050" name="Picture 2" descr="C:\Users\Cedric Reichenbach\Git\Uni\papers-doodledebug\img\screenshots_original\Plugin_Matrix.png"/>
+          <p:cNvPicPr>
+            <a:picLocks noChangeAspect="1" noChangeArrowheads="1"/>
+          </p:cNvPicPr>
+          <p:nvPr/>
+        </p:nvPicPr>
+        <p:blipFill rotWithShape="1">
+          <a:blip r:embed="rId2">
+            <a:extLst>
+              <a:ext uri="{28A0092B-C50C-407E-A947-70E740481C1C}">
+                <a14:useLocalDpi xmlns:a14="http://schemas.microsoft.com/office/drawing/2010/main" val="0"/>
+              </a:ext>
+            </a:extLst>
+          </a:blip>
+          <a:srcRect t="39383" r="29309" b="28550"/>
+          <a:stretch/>
+        </p:blipFill>
+        <p:spPr bwMode="auto">
+          <a:xfrm>
+            <a:off x="2195736" y="4192543"/>
+            <a:ext cx="4845322" cy="1728192"/>
+          </a:xfrm>
+          <a:prstGeom prst="rect">
+            <a:avLst/>
+          </a:prstGeom>
+          <a:noFill/>
+          <a:effectLst>
+            <a:softEdge rad="31750"/>
+          </a:effectLst>
+          <a:extLst>
+            <a:ext uri="{909E8E84-426E-40DD-AFC4-6F175D3DCCD1}">
+              <a14:hiddenFill xmlns:a14="http://schemas.microsoft.com/office/drawing/2010/main">
+                <a:solidFill>
+                  <a:srgbClr val="FFFFFF"/>
+                </a:solidFill>
+              </a14:hiddenFill>
+            </a:ext>
+          </a:extLst>
+        </p:spPr>
+      </p:pic>
     </p:spTree>
     <p:extLst>
       <p:ext uri="{BB962C8B-B14F-4D97-AF65-F5344CB8AC3E}">
@@ -7968,6 +7960,9 @@
                     <p:cTn id="3" fill="hold">
                       <p:stCondLst>
                         <p:cond delay="indefinite"/>
+                        <p:cond evt="onBegin" delay="0">
+                          <p:tn val="2"/>
+                        </p:cond>
                       </p:stCondLst>
                       <p:childTnLst>
                         <p:par>
@@ -7977,7 +7972,7 @@
                             </p:stCondLst>
                             <p:childTnLst>
                               <p:par>
-                                <p:cTn id="5" presetID="42" presetClass="entr" presetSubtype="0" fill="hold" grpId="0" nodeType="clickEffect">
+                                <p:cTn id="5" presetID="42" presetClass="entr" presetSubtype="0" fill="hold" grpId="0" nodeType="withEffect">
                                   <p:stCondLst>
                                     <p:cond delay="0"/>
                                   </p:stCondLst>
@@ -8188,43 +8183,21 @@
                                   </p:childTnLst>
                                 </p:cTn>
                               </p:par>
-                            </p:childTnLst>
-                          </p:cTn>
-                        </p:par>
-                      </p:childTnLst>
-                    </p:cTn>
-                  </p:par>
-                  <p:par>
-                    <p:cTn id="17" fill="hold">
-                      <p:stCondLst>
-                        <p:cond delay="indefinite"/>
-                      </p:stCondLst>
-                      <p:childTnLst>
-                        <p:par>
-                          <p:cTn id="18" fill="hold">
-                            <p:stCondLst>
-                              <p:cond delay="0"/>
-                            </p:stCondLst>
-                            <p:childTnLst>
                               <p:par>
-                                <p:cTn id="19" presetID="42" presetClass="entr" presetSubtype="0" fill="hold" grpId="0" nodeType="clickEffect">
+                                <p:cTn id="17" presetID="42" presetClass="entr" presetSubtype="0" fill="hold" nodeType="withEffect">
                                   <p:stCondLst>
                                     <p:cond delay="0"/>
                                   </p:stCondLst>
                                   <p:childTnLst>
                                     <p:set>
                                       <p:cBhvr>
-                                        <p:cTn id="20" dur="1" fill="hold">
+                                        <p:cTn id="18" dur="1" fill="hold">
                                           <p:stCondLst>
                                             <p:cond delay="0"/>
                                           </p:stCondLst>
                                         </p:cTn>
                                         <p:tgtEl>
-                                          <p:spTgt spid="3">
-                                            <p:txEl>
-                                              <p:pRg st="2" end="2"/>
-                                            </p:txEl>
-                                          </p:spTgt>
+                                          <p:spTgt spid="2050"/>
                                         </p:tgtEl>
                                         <p:attrNameLst>
                                           <p:attrName>style.visibility</p:attrName>
@@ -8236,25 +8209,17 @@
                                     </p:set>
                                     <p:animEffect transition="in" filter="fade">
                                       <p:cBhvr>
-                                        <p:cTn id="21" dur="1000"/>
-                                        <p:tgtEl>
-                                          <p:spTgt spid="3">
-                                            <p:txEl>
-                                              <p:pRg st="2" end="2"/>
-                                            </p:txEl>
-                                          </p:spTgt>
+                                        <p:cTn id="19" dur="1000"/>
+                                        <p:tgtEl>
+                                          <p:spTgt spid="2050"/>
                                         </p:tgtEl>
                                       </p:cBhvr>
                                     </p:animEffect>
                                     <p:anim calcmode="lin" valueType="num">
                                       <p:cBhvr>
-                                        <p:cTn id="22" dur="1000" fill="hold"/>
-                                        <p:tgtEl>
-                                          <p:spTgt spid="3">
-                                            <p:txEl>
-                                              <p:pRg st="2" end="2"/>
-                                            </p:txEl>
-                                          </p:spTgt>
+                                        <p:cTn id="20" dur="1000" fill="hold"/>
+                                        <p:tgtEl>
+                                          <p:spTgt spid="2050"/>
                                         </p:tgtEl>
                                         <p:attrNameLst>
                                           <p:attrName>ppt_x</p:attrName>
@@ -8275,110 +8240,9 @@
                                     </p:anim>
                                     <p:anim calcmode="lin" valueType="num">
                                       <p:cBhvr>
-                                        <p:cTn id="23" dur="1000" fill="hold"/>
-                                        <p:tgtEl>
-                                          <p:spTgt spid="3">
-                                            <p:txEl>
-                                              <p:pRg st="2" end="2"/>
-                                            </p:txEl>
-                                          </p:spTgt>
-                                        </p:tgtEl>
-                                        <p:attrNameLst>
-                                          <p:attrName>ppt_y</p:attrName>
-                                        </p:attrNameLst>
-                                      </p:cBhvr>
-                                      <p:tavLst>
-                                        <p:tav tm="0">
-                                          <p:val>
-                                            <p:strVal val="#ppt_y+.1"/>
-                                          </p:val>
-                                        </p:tav>
-                                        <p:tav tm="100000">
-                                          <p:val>
-                                            <p:strVal val="#ppt_y"/>
-                                          </p:val>
-                                        </p:tav>
-                                      </p:tavLst>
-                                    </p:anim>
-                                  </p:childTnLst>
-                                </p:cTn>
-                              </p:par>
-                              <p:par>
-                                <p:cTn id="24" presetID="42" presetClass="entr" presetSubtype="0" fill="hold" grpId="0" nodeType="withEffect">
-                                  <p:stCondLst>
-                                    <p:cond delay="0"/>
-                                  </p:stCondLst>
-                                  <p:childTnLst>
-                                    <p:set>
-                                      <p:cBhvr>
-                                        <p:cTn id="25" dur="1" fill="hold">
-                                          <p:stCondLst>
-                                            <p:cond delay="0"/>
-                                          </p:stCondLst>
-                                        </p:cTn>
-                                        <p:tgtEl>
-                                          <p:spTgt spid="3">
-                                            <p:txEl>
-                                              <p:pRg st="3" end="3"/>
-                                            </p:txEl>
-                                          </p:spTgt>
-                                        </p:tgtEl>
-                                        <p:attrNameLst>
-                                          <p:attrName>style.visibility</p:attrName>
-                                        </p:attrNameLst>
-                                      </p:cBhvr>
-                                      <p:to>
-                                        <p:strVal val="visible"/>
-                                      </p:to>
-                                    </p:set>
-                                    <p:animEffect transition="in" filter="fade">
-                                      <p:cBhvr>
-                                        <p:cTn id="26" dur="1000"/>
-                                        <p:tgtEl>
-                                          <p:spTgt spid="3">
-                                            <p:txEl>
-                                              <p:pRg st="3" end="3"/>
-                                            </p:txEl>
-                                          </p:spTgt>
-                                        </p:tgtEl>
-                                      </p:cBhvr>
-                                    </p:animEffect>
-                                    <p:anim calcmode="lin" valueType="num">
-                                      <p:cBhvr>
-                                        <p:cTn id="27" dur="1000" fill="hold"/>
-                                        <p:tgtEl>
-                                          <p:spTgt spid="3">
-                                            <p:txEl>
-                                              <p:pRg st="3" end="3"/>
-                                            </p:txEl>
-                                          </p:spTgt>
-                                        </p:tgtEl>
-                                        <p:attrNameLst>
-                                          <p:attrName>ppt_x</p:attrName>
-                                        </p:attrNameLst>
-                                      </p:cBhvr>
-                                      <p:tavLst>
-                                        <p:tav tm="0">
-                                          <p:val>
-                                            <p:strVal val="#ppt_x"/>
-                                          </p:val>
-                                        </p:tav>
-                                        <p:tav tm="100000">
-                                          <p:val>
-                                            <p:strVal val="#ppt_x"/>
-                                          </p:val>
-                                        </p:tav>
-                                      </p:tavLst>
-                                    </p:anim>
-                                    <p:anim calcmode="lin" valueType="num">
-                                      <p:cBhvr>
-                                        <p:cTn id="28" dur="1000" fill="hold"/>
-                                        <p:tgtEl>
-                                          <p:spTgt spid="3">
-                                            <p:txEl>
-                                              <p:pRg st="3" end="3"/>
-                                            </p:txEl>
-                                          </p:spTgt>
+                                        <p:cTn id="21" dur="1000" fill="hold"/>
+                                        <p:tgtEl>
+                                          <p:spTgt spid="2050"/>
                                         </p:tgtEl>
                                         <p:attrNameLst>
                                           <p:attrName>ppt_y</p:attrName>
@@ -8468,7 +8332,7 @@
           <a:p>
             <a:r>
               <a:rPr lang="en-US" dirty="0" smtClean="0"/>
-              <a:t>Study: Setup</a:t>
+              <a:t>Default Renderings</a:t>
             </a:r>
             <a:endParaRPr lang="en-US" dirty="0"/>
           </a:p>
@@ -8489,39 +8353,31 @@
           <a:bodyPr/>
           <a:lstStyle/>
           <a:p>
+            <a:pPr lvl="1"/>
+            <a:r>
+              <a:rPr lang="en-US" dirty="0" err="1" smtClean="0"/>
+              <a:t>Throwables</a:t>
+            </a:r>
             <a:r>
               <a:rPr lang="en-US" dirty="0" smtClean="0"/>
-              <a:t>Qualitative</a:t>
-            </a:r>
-          </a:p>
-          <a:p>
-            <a:r>
+              <a:t/>
+            </a:r>
+            <a:br>
               <a:rPr lang="en-US" dirty="0" smtClean="0"/>
-              <a:t>7 subjects</a:t>
-            </a:r>
-          </a:p>
-          <a:p>
+            </a:br>
             <a:r>
               <a:rPr lang="en-US" dirty="0" smtClean="0"/>
-              <a:t>3 problems</a:t>
-            </a:r>
-          </a:p>
-          <a:p>
+              <a:t>With linking to Eclipse </a:t>
+            </a:r>
             <a:r>
               <a:rPr lang="en-US" dirty="0" smtClean="0"/>
-              <a:t>Alternatively with or without </a:t>
-            </a:r>
-            <a:r>
-              <a:rPr lang="en-US" dirty="0" err="1" smtClean="0"/>
-              <a:t>DoodleDebug</a:t>
-            </a:r>
-            <a:endParaRPr lang="en-US" dirty="0" smtClean="0"/>
-          </a:p>
-          <a:p>
-            <a:r>
-              <a:rPr lang="en-US" dirty="0" smtClean="0"/>
-              <a:t>Screen capturing and think-aloud protocol</a:t>
-            </a:r>
+              <a:t>editor</a:t>
+            </a:r>
+            <a:endParaRPr lang="en-US" dirty="0">
+              <a:solidFill>
+                <a:srgbClr val="FF0000"/>
+              </a:solidFill>
+            </a:endParaRPr>
           </a:p>
         </p:txBody>
       </p:sp>
@@ -8548,10 +8404,52 @@
           </a:p>
         </p:txBody>
       </p:sp>
+      <p:pic>
+        <p:nvPicPr>
+          <p:cNvPr id="1026" name="Picture 2" descr="C:\Users\Cedric Reichenbach\Git\Uni\papers-doodledebug\img\Plugin_Throwable-outermost.png"/>
+          <p:cNvPicPr>
+            <a:picLocks noChangeAspect="1" noChangeArrowheads="1"/>
+          </p:cNvPicPr>
+          <p:nvPr/>
+        </p:nvPicPr>
+        <p:blipFill rotWithShape="1">
+          <a:blip r:embed="rId2">
+            <a:extLst>
+              <a:ext uri="{28A0092B-C50C-407E-A947-70E740481C1C}">
+                <a14:useLocalDpi xmlns:a14="http://schemas.microsoft.com/office/drawing/2010/main" val="0"/>
+              </a:ext>
+            </a:extLst>
+          </a:blip>
+          <a:srcRect t="574"/>
+          <a:stretch/>
+        </p:blipFill>
+        <p:spPr bwMode="auto">
+          <a:xfrm>
+            <a:off x="1259631" y="3371850"/>
+            <a:ext cx="6456363" cy="2575942"/>
+          </a:xfrm>
+          <a:prstGeom prst="rect">
+            <a:avLst/>
+          </a:prstGeom>
+          <a:noFill/>
+          <a:effectLst>
+            <a:softEdge rad="31750"/>
+          </a:effectLst>
+          <a:extLst>
+            <a:ext uri="{909E8E84-426E-40DD-AFC4-6F175D3DCCD1}">
+              <a14:hiddenFill xmlns:a14="http://schemas.microsoft.com/office/drawing/2010/main">
+                <a:solidFill>
+                  <a:srgbClr val="FFFFFF"/>
+                </a:solidFill>
+              </a14:hiddenFill>
+            </a:ext>
+          </a:extLst>
+        </p:spPr>
+      </p:pic>
     </p:spTree>
     <p:extLst>
       <p:ext uri="{BB962C8B-B14F-4D97-AF65-F5344CB8AC3E}">
-        <p14:creationId xmlns:p14="http://schemas.microsoft.com/office/powerpoint/2010/main" val="2476628476"/>
+        <p14:creationId xmlns:p14="http://schemas.microsoft.com/office/powerpoint/2010/main" val="3234746429"/>
       </p:ext>
     </p:extLst>
   </p:cSld>
@@ -8570,6 +8468,9 @@
                     <p:cTn id="3" fill="hold">
                       <p:stCondLst>
                         <p:cond delay="indefinite"/>
+                        <p:cond evt="onBegin" delay="0">
+                          <p:tn val="2"/>
+                        </p:cond>
                       </p:stCondLst>
                       <p:childTnLst>
                         <p:par>
@@ -8579,7 +8480,7 @@
                             </p:stCondLst>
                             <p:childTnLst>
                               <p:par>
-                                <p:cTn id="5" presetID="42" presetClass="entr" presetSubtype="0" fill="hold" grpId="0" nodeType="clickEffect">
+                                <p:cTn id="5" presetID="42" presetClass="entr" presetSubtype="0" fill="hold" grpId="0" nodeType="afterEffect">
                                   <p:stCondLst>
                                     <p:cond delay="0"/>
                                   </p:stCondLst>
@@ -8675,43 +8576,21 @@
                                   </p:childTnLst>
                                 </p:cTn>
                               </p:par>
-                            </p:childTnLst>
-                          </p:cTn>
-                        </p:par>
-                      </p:childTnLst>
-                    </p:cTn>
-                  </p:par>
-                  <p:par>
-                    <p:cTn id="10" fill="hold">
-                      <p:stCondLst>
-                        <p:cond delay="indefinite"/>
-                      </p:stCondLst>
-                      <p:childTnLst>
-                        <p:par>
-                          <p:cTn id="11" fill="hold">
-                            <p:stCondLst>
-                              <p:cond delay="0"/>
-                            </p:stCondLst>
-                            <p:childTnLst>
                               <p:par>
-                                <p:cTn id="12" presetID="42" presetClass="entr" presetSubtype="0" fill="hold" grpId="0" nodeType="clickEffect">
+                                <p:cTn id="10" presetID="42" presetClass="entr" presetSubtype="0" fill="hold" nodeType="withEffect">
                                   <p:stCondLst>
                                     <p:cond delay="0"/>
                                   </p:stCondLst>
                                   <p:childTnLst>
                                     <p:set>
                                       <p:cBhvr>
-                                        <p:cTn id="13" dur="1" fill="hold">
+                                        <p:cTn id="11" dur="1" fill="hold">
                                           <p:stCondLst>
                                             <p:cond delay="0"/>
                                           </p:stCondLst>
                                         </p:cTn>
                                         <p:tgtEl>
-                                          <p:spTgt spid="3">
-                                            <p:txEl>
-                                              <p:pRg st="1" end="1"/>
-                                            </p:txEl>
-                                          </p:spTgt>
+                                          <p:spTgt spid="1026"/>
                                         </p:tgtEl>
                                         <p:attrNameLst>
                                           <p:attrName>style.visibility</p:attrName>
@@ -8723,25 +8602,17 @@
                                     </p:set>
                                     <p:animEffect transition="in" filter="fade">
                                       <p:cBhvr>
-                                        <p:cTn id="14" dur="1000"/>
-                                        <p:tgtEl>
-                                          <p:spTgt spid="3">
-                                            <p:txEl>
-                                              <p:pRg st="1" end="1"/>
-                                            </p:txEl>
-                                          </p:spTgt>
+                                        <p:cTn id="12" dur="1000"/>
+                                        <p:tgtEl>
+                                          <p:spTgt spid="1026"/>
                                         </p:tgtEl>
                                       </p:cBhvr>
                                     </p:animEffect>
                                     <p:anim calcmode="lin" valueType="num">
                                       <p:cBhvr>
-                                        <p:cTn id="15" dur="1000" fill="hold"/>
-                                        <p:tgtEl>
-                                          <p:spTgt spid="3">
-                                            <p:txEl>
-                                              <p:pRg st="1" end="1"/>
-                                            </p:txEl>
-                                          </p:spTgt>
+                                        <p:cTn id="13" dur="1000" fill="hold"/>
+                                        <p:tgtEl>
+                                          <p:spTgt spid="1026"/>
                                         </p:tgtEl>
                                         <p:attrNameLst>
                                           <p:attrName>ppt_x</p:attrName>
@@ -8762,358 +8633,9 @@
                                     </p:anim>
                                     <p:anim calcmode="lin" valueType="num">
                                       <p:cBhvr>
-                                        <p:cTn id="16" dur="1000" fill="hold"/>
-                                        <p:tgtEl>
-                                          <p:spTgt spid="3">
-                                            <p:txEl>
-                                              <p:pRg st="1" end="1"/>
-                                            </p:txEl>
-                                          </p:spTgt>
-                                        </p:tgtEl>
-                                        <p:attrNameLst>
-                                          <p:attrName>ppt_y</p:attrName>
-                                        </p:attrNameLst>
-                                      </p:cBhvr>
-                                      <p:tavLst>
-                                        <p:tav tm="0">
-                                          <p:val>
-                                            <p:strVal val="#ppt_y+.1"/>
-                                          </p:val>
-                                        </p:tav>
-                                        <p:tav tm="100000">
-                                          <p:val>
-                                            <p:strVal val="#ppt_y"/>
-                                          </p:val>
-                                        </p:tav>
-                                      </p:tavLst>
-                                    </p:anim>
-                                  </p:childTnLst>
-                                </p:cTn>
-                              </p:par>
-                            </p:childTnLst>
-                          </p:cTn>
-                        </p:par>
-                      </p:childTnLst>
-                    </p:cTn>
-                  </p:par>
-                  <p:par>
-                    <p:cTn id="17" fill="hold">
-                      <p:stCondLst>
-                        <p:cond delay="indefinite"/>
-                      </p:stCondLst>
-                      <p:childTnLst>
-                        <p:par>
-                          <p:cTn id="18" fill="hold">
-                            <p:stCondLst>
-                              <p:cond delay="0"/>
-                            </p:stCondLst>
-                            <p:childTnLst>
-                              <p:par>
-                                <p:cTn id="19" presetID="42" presetClass="entr" presetSubtype="0" fill="hold" grpId="0" nodeType="clickEffect">
-                                  <p:stCondLst>
-                                    <p:cond delay="0"/>
-                                  </p:stCondLst>
-                                  <p:childTnLst>
-                                    <p:set>
-                                      <p:cBhvr>
-                                        <p:cTn id="20" dur="1" fill="hold">
-                                          <p:stCondLst>
-                                            <p:cond delay="0"/>
-                                          </p:stCondLst>
-                                        </p:cTn>
-                                        <p:tgtEl>
-                                          <p:spTgt spid="3">
-                                            <p:txEl>
-                                              <p:pRg st="2" end="2"/>
-                                            </p:txEl>
-                                          </p:spTgt>
-                                        </p:tgtEl>
-                                        <p:attrNameLst>
-                                          <p:attrName>style.visibility</p:attrName>
-                                        </p:attrNameLst>
-                                      </p:cBhvr>
-                                      <p:to>
-                                        <p:strVal val="visible"/>
-                                      </p:to>
-                                    </p:set>
-                                    <p:animEffect transition="in" filter="fade">
-                                      <p:cBhvr>
-                                        <p:cTn id="21" dur="1000"/>
-                                        <p:tgtEl>
-                                          <p:spTgt spid="3">
-                                            <p:txEl>
-                                              <p:pRg st="2" end="2"/>
-                                            </p:txEl>
-                                          </p:spTgt>
-                                        </p:tgtEl>
-                                      </p:cBhvr>
-                                    </p:animEffect>
-                                    <p:anim calcmode="lin" valueType="num">
-                                      <p:cBhvr>
-                                        <p:cTn id="22" dur="1000" fill="hold"/>
-                                        <p:tgtEl>
-                                          <p:spTgt spid="3">
-                                            <p:txEl>
-                                              <p:pRg st="2" end="2"/>
-                                            </p:txEl>
-                                          </p:spTgt>
-                                        </p:tgtEl>
-                                        <p:attrNameLst>
-                                          <p:attrName>ppt_x</p:attrName>
-                                        </p:attrNameLst>
-                                      </p:cBhvr>
-                                      <p:tavLst>
-                                        <p:tav tm="0">
-                                          <p:val>
-                                            <p:strVal val="#ppt_x"/>
-                                          </p:val>
-                                        </p:tav>
-                                        <p:tav tm="100000">
-                                          <p:val>
-                                            <p:strVal val="#ppt_x"/>
-                                          </p:val>
-                                        </p:tav>
-                                      </p:tavLst>
-                                    </p:anim>
-                                    <p:anim calcmode="lin" valueType="num">
-                                      <p:cBhvr>
-                                        <p:cTn id="23" dur="1000" fill="hold"/>
-                                        <p:tgtEl>
-                                          <p:spTgt spid="3">
-                                            <p:txEl>
-                                              <p:pRg st="2" end="2"/>
-                                            </p:txEl>
-                                          </p:spTgt>
-                                        </p:tgtEl>
-                                        <p:attrNameLst>
-                                          <p:attrName>ppt_y</p:attrName>
-                                        </p:attrNameLst>
-                                      </p:cBhvr>
-                                      <p:tavLst>
-                                        <p:tav tm="0">
-                                          <p:val>
-                                            <p:strVal val="#ppt_y+.1"/>
-                                          </p:val>
-                                        </p:tav>
-                                        <p:tav tm="100000">
-                                          <p:val>
-                                            <p:strVal val="#ppt_y"/>
-                                          </p:val>
-                                        </p:tav>
-                                      </p:tavLst>
-                                    </p:anim>
-                                  </p:childTnLst>
-                                </p:cTn>
-                              </p:par>
-                            </p:childTnLst>
-                          </p:cTn>
-                        </p:par>
-                      </p:childTnLst>
-                    </p:cTn>
-                  </p:par>
-                  <p:par>
-                    <p:cTn id="24" fill="hold">
-                      <p:stCondLst>
-                        <p:cond delay="indefinite"/>
-                      </p:stCondLst>
-                      <p:childTnLst>
-                        <p:par>
-                          <p:cTn id="25" fill="hold">
-                            <p:stCondLst>
-                              <p:cond delay="0"/>
-                            </p:stCondLst>
-                            <p:childTnLst>
-                              <p:par>
-                                <p:cTn id="26" presetID="42" presetClass="entr" presetSubtype="0" fill="hold" grpId="0" nodeType="clickEffect">
-                                  <p:stCondLst>
-                                    <p:cond delay="0"/>
-                                  </p:stCondLst>
-                                  <p:childTnLst>
-                                    <p:set>
-                                      <p:cBhvr>
-                                        <p:cTn id="27" dur="1" fill="hold">
-                                          <p:stCondLst>
-                                            <p:cond delay="0"/>
-                                          </p:stCondLst>
-                                        </p:cTn>
-                                        <p:tgtEl>
-                                          <p:spTgt spid="3">
-                                            <p:txEl>
-                                              <p:pRg st="3" end="3"/>
-                                            </p:txEl>
-                                          </p:spTgt>
-                                        </p:tgtEl>
-                                        <p:attrNameLst>
-                                          <p:attrName>style.visibility</p:attrName>
-                                        </p:attrNameLst>
-                                      </p:cBhvr>
-                                      <p:to>
-                                        <p:strVal val="visible"/>
-                                      </p:to>
-                                    </p:set>
-                                    <p:animEffect transition="in" filter="fade">
-                                      <p:cBhvr>
-                                        <p:cTn id="28" dur="1000"/>
-                                        <p:tgtEl>
-                                          <p:spTgt spid="3">
-                                            <p:txEl>
-                                              <p:pRg st="3" end="3"/>
-                                            </p:txEl>
-                                          </p:spTgt>
-                                        </p:tgtEl>
-                                      </p:cBhvr>
-                                    </p:animEffect>
-                                    <p:anim calcmode="lin" valueType="num">
-                                      <p:cBhvr>
-                                        <p:cTn id="29" dur="1000" fill="hold"/>
-                                        <p:tgtEl>
-                                          <p:spTgt spid="3">
-                                            <p:txEl>
-                                              <p:pRg st="3" end="3"/>
-                                            </p:txEl>
-                                          </p:spTgt>
-                                        </p:tgtEl>
-                                        <p:attrNameLst>
-                                          <p:attrName>ppt_x</p:attrName>
-                                        </p:attrNameLst>
-                                      </p:cBhvr>
-                                      <p:tavLst>
-                                        <p:tav tm="0">
-                                          <p:val>
-                                            <p:strVal val="#ppt_x"/>
-                                          </p:val>
-                                        </p:tav>
-                                        <p:tav tm="100000">
-                                          <p:val>
-                                            <p:strVal val="#ppt_x"/>
-                                          </p:val>
-                                        </p:tav>
-                                      </p:tavLst>
-                                    </p:anim>
-                                    <p:anim calcmode="lin" valueType="num">
-                                      <p:cBhvr>
-                                        <p:cTn id="30" dur="1000" fill="hold"/>
-                                        <p:tgtEl>
-                                          <p:spTgt spid="3">
-                                            <p:txEl>
-                                              <p:pRg st="3" end="3"/>
-                                            </p:txEl>
-                                          </p:spTgt>
-                                        </p:tgtEl>
-                                        <p:attrNameLst>
-                                          <p:attrName>ppt_y</p:attrName>
-                                        </p:attrNameLst>
-                                      </p:cBhvr>
-                                      <p:tavLst>
-                                        <p:tav tm="0">
-                                          <p:val>
-                                            <p:strVal val="#ppt_y+.1"/>
-                                          </p:val>
-                                        </p:tav>
-                                        <p:tav tm="100000">
-                                          <p:val>
-                                            <p:strVal val="#ppt_y"/>
-                                          </p:val>
-                                        </p:tav>
-                                      </p:tavLst>
-                                    </p:anim>
-                                  </p:childTnLst>
-                                </p:cTn>
-                              </p:par>
-                            </p:childTnLst>
-                          </p:cTn>
-                        </p:par>
-                      </p:childTnLst>
-                    </p:cTn>
-                  </p:par>
-                  <p:par>
-                    <p:cTn id="31" fill="hold">
-                      <p:stCondLst>
-                        <p:cond delay="indefinite"/>
-                      </p:stCondLst>
-                      <p:childTnLst>
-                        <p:par>
-                          <p:cTn id="32" fill="hold">
-                            <p:stCondLst>
-                              <p:cond delay="0"/>
-                            </p:stCondLst>
-                            <p:childTnLst>
-                              <p:par>
-                                <p:cTn id="33" presetID="42" presetClass="entr" presetSubtype="0" fill="hold" grpId="0" nodeType="clickEffect">
-                                  <p:stCondLst>
-                                    <p:cond delay="0"/>
-                                  </p:stCondLst>
-                                  <p:childTnLst>
-                                    <p:set>
-                                      <p:cBhvr>
-                                        <p:cTn id="34" dur="1" fill="hold">
-                                          <p:stCondLst>
-                                            <p:cond delay="0"/>
-                                          </p:stCondLst>
-                                        </p:cTn>
-                                        <p:tgtEl>
-                                          <p:spTgt spid="3">
-                                            <p:txEl>
-                                              <p:pRg st="4" end="4"/>
-                                            </p:txEl>
-                                          </p:spTgt>
-                                        </p:tgtEl>
-                                        <p:attrNameLst>
-                                          <p:attrName>style.visibility</p:attrName>
-                                        </p:attrNameLst>
-                                      </p:cBhvr>
-                                      <p:to>
-                                        <p:strVal val="visible"/>
-                                      </p:to>
-                                    </p:set>
-                                    <p:animEffect transition="in" filter="fade">
-                                      <p:cBhvr>
-                                        <p:cTn id="35" dur="1000"/>
-                                        <p:tgtEl>
-                                          <p:spTgt spid="3">
-                                            <p:txEl>
-                                              <p:pRg st="4" end="4"/>
-                                            </p:txEl>
-                                          </p:spTgt>
-                                        </p:tgtEl>
-                                      </p:cBhvr>
-                                    </p:animEffect>
-                                    <p:anim calcmode="lin" valueType="num">
-                                      <p:cBhvr>
-                                        <p:cTn id="36" dur="1000" fill="hold"/>
-                                        <p:tgtEl>
-                                          <p:spTgt spid="3">
-                                            <p:txEl>
-                                              <p:pRg st="4" end="4"/>
-                                            </p:txEl>
-                                          </p:spTgt>
-                                        </p:tgtEl>
-                                        <p:attrNameLst>
-                                          <p:attrName>ppt_x</p:attrName>
-                                        </p:attrNameLst>
-                                      </p:cBhvr>
-                                      <p:tavLst>
-                                        <p:tav tm="0">
-                                          <p:val>
-                                            <p:strVal val="#ppt_x"/>
-                                          </p:val>
-                                        </p:tav>
-                                        <p:tav tm="100000">
-                                          <p:val>
-                                            <p:strVal val="#ppt_x"/>
-                                          </p:val>
-                                        </p:tav>
-                                      </p:tavLst>
-                                    </p:anim>
-                                    <p:anim calcmode="lin" valueType="num">
-                                      <p:cBhvr>
-                                        <p:cTn id="37" dur="1000" fill="hold"/>
-                                        <p:tgtEl>
-                                          <p:spTgt spid="3">
-                                            <p:txEl>
-                                              <p:pRg st="4" end="4"/>
-                                            </p:txEl>
-                                          </p:spTgt>
+                                        <p:cTn id="14" dur="1000" fill="hold"/>
+                                        <p:tgtEl>
+                                          <p:spTgt spid="1026"/>
                                         </p:tgtEl>
                                         <p:attrNameLst>
                                           <p:attrName>ppt_y</p:attrName>
@@ -9203,7 +8725,7 @@
           <a:p>
             <a:r>
               <a:rPr lang="en-US" dirty="0" smtClean="0"/>
-              <a:t>Study: Outcomes</a:t>
+              <a:t>Study: Setup</a:t>
             </a:r>
             <a:endParaRPr lang="en-US" dirty="0"/>
           </a:p>
@@ -9221,100 +8743,42 @@
         </p:nvSpPr>
         <p:spPr/>
         <p:txBody>
-          <a:bodyPr>
-            <a:normAutofit lnSpcReduction="10000"/>
-          </a:bodyPr>
+          <a:bodyPr/>
           <a:lstStyle/>
           <a:p>
             <a:r>
               <a:rPr lang="en-US" dirty="0" smtClean="0"/>
-              <a:t>More efficient debugging</a:t>
-            </a:r>
-          </a:p>
-          <a:p>
-            <a:pPr lvl="1"/>
+              <a:t>Qualitative</a:t>
+            </a:r>
+          </a:p>
+          <a:p>
             <a:r>
               <a:rPr lang="en-US" dirty="0" smtClean="0"/>
-              <a:t>Less program executions</a:t>
-            </a:r>
-          </a:p>
-          <a:p>
-            <a:pPr lvl="1"/>
+              <a:t>7 subjects</a:t>
+            </a:r>
+          </a:p>
+          <a:p>
             <a:r>
               <a:rPr lang="en-US" dirty="0" smtClean="0"/>
-              <a:t>Less searching </a:t>
-            </a:r>
+              <a:t>3 problems</a:t>
+            </a:r>
+          </a:p>
+          <a:p>
             <a:r>
               <a:rPr lang="en-US" dirty="0" smtClean="0"/>
-              <a:t>effort</a:t>
-            </a:r>
-          </a:p>
-          <a:p>
-            <a:pPr marL="457200" lvl="1" indent="0">
-              <a:buNone/>
-            </a:pPr>
-            <a:r>
-              <a:rPr lang="en-US" dirty="0" smtClean="0">
-                <a:solidFill>
-                  <a:srgbClr val="FF0000"/>
-                </a:solidFill>
-              </a:rPr>
-              <a:t>What does this mean?</a:t>
-            </a:r>
-            <a:endParaRPr lang="en-US" dirty="0" smtClean="0">
-              <a:solidFill>
-                <a:srgbClr val="FF0000"/>
-              </a:solidFill>
-            </a:endParaRPr>
+              <a:t>Alternatively with or without </a:t>
+            </a:r>
+            <a:r>
+              <a:rPr lang="en-US" dirty="0" err="1" smtClean="0"/>
+              <a:t>DoodleDebug</a:t>
+            </a:r>
+            <a:endParaRPr lang="en-US" dirty="0" smtClean="0"/>
           </a:p>
           <a:p>
             <a:r>
               <a:rPr lang="en-US" dirty="0" smtClean="0"/>
-              <a:t>Default doodles should not only use </a:t>
-            </a:r>
-            <a:r>
-              <a:rPr lang="en-US" b="1" dirty="0" err="1" smtClean="0">
-                <a:solidFill>
-                  <a:srgbClr val="0070C0"/>
-                </a:solidFill>
-                <a:latin typeface="saxMono" pitchFamily="49" charset="0"/>
-              </a:rPr>
-              <a:t>toString</a:t>
-            </a:r>
-            <a:r>
-              <a:rPr lang="en-US" b="1" dirty="0" smtClean="0">
-                <a:solidFill>
-                  <a:srgbClr val="0070C0"/>
-                </a:solidFill>
-                <a:latin typeface="saxMono" pitchFamily="49" charset="0"/>
-              </a:rPr>
-              <a:t>()</a:t>
-            </a:r>
-            <a:r>
-              <a:rPr lang="en-US" dirty="0" smtClean="0"/>
-              <a:t/>
-            </a:r>
-            <a:br>
-              <a:rPr lang="en-US" dirty="0" smtClean="0"/>
-            </a:br>
-            <a:r>
-              <a:rPr lang="en-US" dirty="0" smtClean="0">
-                <a:sym typeface="Wingdings" pitchFamily="2" charset="2"/>
-              </a:rPr>
-              <a:t> Listing fields yields better results</a:t>
-            </a:r>
-          </a:p>
-          <a:p>
-            <a:r>
-              <a:rPr lang="en-US" dirty="0" smtClean="0">
-                <a:sym typeface="Wingdings" pitchFamily="2" charset="2"/>
-              </a:rPr>
-              <a:t>Several minor UI problems</a:t>
-            </a:r>
-            <a:endParaRPr lang="en-US" dirty="0"/>
-          </a:p>
-          <a:p>
-            <a:endParaRPr lang="en-US" dirty="0" smtClean="0"/>
+              <a:t>Screen capturing and think-aloud protocol</a:t>
+            </a:r>
           </a:p>
         </p:txBody>
       </p:sp>
@@ -9344,7 +8808,7 @@
     </p:spTree>
     <p:extLst>
       <p:ext uri="{BB962C8B-B14F-4D97-AF65-F5344CB8AC3E}">
-        <p14:creationId xmlns:p14="http://schemas.microsoft.com/office/powerpoint/2010/main" val="3375597900"/>
+        <p14:creationId xmlns:p14="http://schemas.microsoft.com/office/powerpoint/2010/main" val="2476628476"/>
       </p:ext>
     </p:extLst>
   </p:cSld>
@@ -9468,15 +8932,33 @@
                                   </p:childTnLst>
                                 </p:cTn>
                               </p:par>
+                            </p:childTnLst>
+                          </p:cTn>
+                        </p:par>
+                      </p:childTnLst>
+                    </p:cTn>
+                  </p:par>
+                  <p:par>
+                    <p:cTn id="10" fill="hold">
+                      <p:stCondLst>
+                        <p:cond delay="indefinite"/>
+                      </p:stCondLst>
+                      <p:childTnLst>
+                        <p:par>
+                          <p:cTn id="11" fill="hold">
+                            <p:stCondLst>
+                              <p:cond delay="0"/>
+                            </p:stCondLst>
+                            <p:childTnLst>
                               <p:par>
-                                <p:cTn id="10" presetID="42" presetClass="entr" presetSubtype="0" fill="hold" grpId="0" nodeType="withEffect">
+                                <p:cTn id="12" presetID="42" presetClass="entr" presetSubtype="0" fill="hold" grpId="0" nodeType="clickEffect">
                                   <p:stCondLst>
                                     <p:cond delay="0"/>
                                   </p:stCondLst>
                                   <p:childTnLst>
                                     <p:set>
                                       <p:cBhvr>
-                                        <p:cTn id="11" dur="1" fill="hold">
+                                        <p:cTn id="13" dur="1" fill="hold">
                                           <p:stCondLst>
                                             <p:cond delay="0"/>
                                           </p:stCondLst>
@@ -9498,7 +8980,7 @@
                                     </p:set>
                                     <p:animEffect transition="in" filter="fade">
                                       <p:cBhvr>
-                                        <p:cTn id="12" dur="1000"/>
+                                        <p:cTn id="14" dur="1000"/>
                                         <p:tgtEl>
                                           <p:spTgt spid="3">
                                             <p:txEl>
@@ -9510,7 +8992,7 @@
                                     </p:animEffect>
                                     <p:anim calcmode="lin" valueType="num">
                                       <p:cBhvr>
-                                        <p:cTn id="13" dur="1000" fill="hold"/>
+                                        <p:cTn id="15" dur="1000" fill="hold"/>
                                         <p:tgtEl>
                                           <p:spTgt spid="3">
                                             <p:txEl>
@@ -9537,205 +9019,11 @@
                                     </p:anim>
                                     <p:anim calcmode="lin" valueType="num">
                                       <p:cBhvr>
-                                        <p:cTn id="14" dur="1000" fill="hold"/>
+                                        <p:cTn id="16" dur="1000" fill="hold"/>
                                         <p:tgtEl>
                                           <p:spTgt spid="3">
                                             <p:txEl>
                                               <p:pRg st="1" end="1"/>
-                                            </p:txEl>
-                                          </p:spTgt>
-                                        </p:tgtEl>
-                                        <p:attrNameLst>
-                                          <p:attrName>ppt_y</p:attrName>
-                                        </p:attrNameLst>
-                                      </p:cBhvr>
-                                      <p:tavLst>
-                                        <p:tav tm="0">
-                                          <p:val>
-                                            <p:strVal val="#ppt_y+.1"/>
-                                          </p:val>
-                                        </p:tav>
-                                        <p:tav tm="100000">
-                                          <p:val>
-                                            <p:strVal val="#ppt_y"/>
-                                          </p:val>
-                                        </p:tav>
-                                      </p:tavLst>
-                                    </p:anim>
-                                  </p:childTnLst>
-                                </p:cTn>
-                              </p:par>
-                              <p:par>
-                                <p:cTn id="15" presetID="42" presetClass="entr" presetSubtype="0" fill="hold" grpId="0" nodeType="withEffect">
-                                  <p:stCondLst>
-                                    <p:cond delay="0"/>
-                                  </p:stCondLst>
-                                  <p:childTnLst>
-                                    <p:set>
-                                      <p:cBhvr>
-                                        <p:cTn id="16" dur="1" fill="hold">
-                                          <p:stCondLst>
-                                            <p:cond delay="0"/>
-                                          </p:stCondLst>
-                                        </p:cTn>
-                                        <p:tgtEl>
-                                          <p:spTgt spid="3">
-                                            <p:txEl>
-                                              <p:pRg st="2" end="2"/>
-                                            </p:txEl>
-                                          </p:spTgt>
-                                        </p:tgtEl>
-                                        <p:attrNameLst>
-                                          <p:attrName>style.visibility</p:attrName>
-                                        </p:attrNameLst>
-                                      </p:cBhvr>
-                                      <p:to>
-                                        <p:strVal val="visible"/>
-                                      </p:to>
-                                    </p:set>
-                                    <p:animEffect transition="in" filter="fade">
-                                      <p:cBhvr>
-                                        <p:cTn id="17" dur="1000"/>
-                                        <p:tgtEl>
-                                          <p:spTgt spid="3">
-                                            <p:txEl>
-                                              <p:pRg st="2" end="2"/>
-                                            </p:txEl>
-                                          </p:spTgt>
-                                        </p:tgtEl>
-                                      </p:cBhvr>
-                                    </p:animEffect>
-                                    <p:anim calcmode="lin" valueType="num">
-                                      <p:cBhvr>
-                                        <p:cTn id="18" dur="1000" fill="hold"/>
-                                        <p:tgtEl>
-                                          <p:spTgt spid="3">
-                                            <p:txEl>
-                                              <p:pRg st="2" end="2"/>
-                                            </p:txEl>
-                                          </p:spTgt>
-                                        </p:tgtEl>
-                                        <p:attrNameLst>
-                                          <p:attrName>ppt_x</p:attrName>
-                                        </p:attrNameLst>
-                                      </p:cBhvr>
-                                      <p:tavLst>
-                                        <p:tav tm="0">
-                                          <p:val>
-                                            <p:strVal val="#ppt_x"/>
-                                          </p:val>
-                                        </p:tav>
-                                        <p:tav tm="100000">
-                                          <p:val>
-                                            <p:strVal val="#ppt_x"/>
-                                          </p:val>
-                                        </p:tav>
-                                      </p:tavLst>
-                                    </p:anim>
-                                    <p:anim calcmode="lin" valueType="num">
-                                      <p:cBhvr>
-                                        <p:cTn id="19" dur="1000" fill="hold"/>
-                                        <p:tgtEl>
-                                          <p:spTgt spid="3">
-                                            <p:txEl>
-                                              <p:pRg st="2" end="2"/>
-                                            </p:txEl>
-                                          </p:spTgt>
-                                        </p:tgtEl>
-                                        <p:attrNameLst>
-                                          <p:attrName>ppt_y</p:attrName>
-                                        </p:attrNameLst>
-                                      </p:cBhvr>
-                                      <p:tavLst>
-                                        <p:tav tm="0">
-                                          <p:val>
-                                            <p:strVal val="#ppt_y+.1"/>
-                                          </p:val>
-                                        </p:tav>
-                                        <p:tav tm="100000">
-                                          <p:val>
-                                            <p:strVal val="#ppt_y"/>
-                                          </p:val>
-                                        </p:tav>
-                                      </p:tavLst>
-                                    </p:anim>
-                                  </p:childTnLst>
-                                </p:cTn>
-                              </p:par>
-                              <p:par>
-                                <p:cTn id="20" presetID="42" presetClass="entr" presetSubtype="0" fill="hold" grpId="0" nodeType="withEffect">
-                                  <p:stCondLst>
-                                    <p:cond delay="0"/>
-                                  </p:stCondLst>
-                                  <p:childTnLst>
-                                    <p:set>
-                                      <p:cBhvr>
-                                        <p:cTn id="21" dur="1" fill="hold">
-                                          <p:stCondLst>
-                                            <p:cond delay="0"/>
-                                          </p:stCondLst>
-                                        </p:cTn>
-                                        <p:tgtEl>
-                                          <p:spTgt spid="3">
-                                            <p:txEl>
-                                              <p:pRg st="3" end="3"/>
-                                            </p:txEl>
-                                          </p:spTgt>
-                                        </p:tgtEl>
-                                        <p:attrNameLst>
-                                          <p:attrName>style.visibility</p:attrName>
-                                        </p:attrNameLst>
-                                      </p:cBhvr>
-                                      <p:to>
-                                        <p:strVal val="visible"/>
-                                      </p:to>
-                                    </p:set>
-                                    <p:animEffect transition="in" filter="fade">
-                                      <p:cBhvr>
-                                        <p:cTn id="22" dur="1000"/>
-                                        <p:tgtEl>
-                                          <p:spTgt spid="3">
-                                            <p:txEl>
-                                              <p:pRg st="3" end="3"/>
-                                            </p:txEl>
-                                          </p:spTgt>
-                                        </p:tgtEl>
-                                      </p:cBhvr>
-                                    </p:animEffect>
-                                    <p:anim calcmode="lin" valueType="num">
-                                      <p:cBhvr>
-                                        <p:cTn id="23" dur="1000" fill="hold"/>
-                                        <p:tgtEl>
-                                          <p:spTgt spid="3">
-                                            <p:txEl>
-                                              <p:pRg st="3" end="3"/>
-                                            </p:txEl>
-                                          </p:spTgt>
-                                        </p:tgtEl>
-                                        <p:attrNameLst>
-                                          <p:attrName>ppt_x</p:attrName>
-                                        </p:attrNameLst>
-                                      </p:cBhvr>
-                                      <p:tavLst>
-                                        <p:tav tm="0">
-                                          <p:val>
-                                            <p:strVal val="#ppt_x"/>
-                                          </p:val>
-                                        </p:tav>
-                                        <p:tav tm="100000">
-                                          <p:val>
-                                            <p:strVal val="#ppt_x"/>
-                                          </p:val>
-                                        </p:tav>
-                                      </p:tavLst>
-                                    </p:anim>
-                                    <p:anim calcmode="lin" valueType="num">
-                                      <p:cBhvr>
-                                        <p:cTn id="24" dur="1000" fill="hold"/>
-                                        <p:tgtEl>
-                                          <p:spTgt spid="3">
-                                            <p:txEl>
-                                              <p:pRg st="3" end="3"/>
                                             </p:txEl>
                                           </p:spTgt>
                                         </p:tgtEl>
@@ -9766,26 +9054,26 @@
                     </p:cTn>
                   </p:par>
                   <p:par>
-                    <p:cTn id="25" fill="hold">
+                    <p:cTn id="17" fill="hold">
                       <p:stCondLst>
                         <p:cond delay="indefinite"/>
                       </p:stCondLst>
                       <p:childTnLst>
                         <p:par>
-                          <p:cTn id="26" fill="hold">
+                          <p:cTn id="18" fill="hold">
                             <p:stCondLst>
                               <p:cond delay="0"/>
                             </p:stCondLst>
                             <p:childTnLst>
                               <p:par>
-                                <p:cTn id="27" presetID="42" presetClass="entr" presetSubtype="0" fill="hold" grpId="0" nodeType="clickEffect">
+                                <p:cTn id="19" presetID="42" presetClass="entr" presetSubtype="0" fill="hold" grpId="0" nodeType="clickEffect">
                                   <p:stCondLst>
                                     <p:cond delay="0"/>
                                   </p:stCondLst>
                                   <p:childTnLst>
                                     <p:set>
                                       <p:cBhvr>
-                                        <p:cTn id="28" dur="1" fill="hold">
+                                        <p:cTn id="20" dur="1" fill="hold">
                                           <p:stCondLst>
                                             <p:cond delay="0"/>
                                           </p:stCondLst>
@@ -9793,7 +9081,7 @@
                                         <p:tgtEl>
                                           <p:spTgt spid="3">
                                             <p:txEl>
-                                              <p:pRg st="4" end="4"/>
+                                              <p:pRg st="2" end="2"/>
                                             </p:txEl>
                                           </p:spTgt>
                                         </p:tgtEl>
@@ -9807,11 +9095,11 @@
                                     </p:set>
                                     <p:animEffect transition="in" filter="fade">
                                       <p:cBhvr>
-                                        <p:cTn id="29" dur="1000"/>
-                                        <p:tgtEl>
-                                          <p:spTgt spid="3">
-                                            <p:txEl>
-                                              <p:pRg st="4" end="4"/>
+                                        <p:cTn id="21" dur="1000"/>
+                                        <p:tgtEl>
+                                          <p:spTgt spid="3">
+                                            <p:txEl>
+                                              <p:pRg st="2" end="2"/>
                                             </p:txEl>
                                           </p:spTgt>
                                         </p:tgtEl>
@@ -9819,11 +9107,11 @@
                                     </p:animEffect>
                                     <p:anim calcmode="lin" valueType="num">
                                       <p:cBhvr>
-                                        <p:cTn id="30" dur="1000" fill="hold"/>
-                                        <p:tgtEl>
-                                          <p:spTgt spid="3">
-                                            <p:txEl>
-                                              <p:pRg st="4" end="4"/>
+                                        <p:cTn id="22" dur="1000" fill="hold"/>
+                                        <p:tgtEl>
+                                          <p:spTgt spid="3">
+                                            <p:txEl>
+                                              <p:pRg st="2" end="2"/>
                                             </p:txEl>
                                           </p:spTgt>
                                         </p:tgtEl>
@@ -9846,11 +9134,11 @@
                                     </p:anim>
                                     <p:anim calcmode="lin" valueType="num">
                                       <p:cBhvr>
-                                        <p:cTn id="31" dur="1000" fill="hold"/>
-                                        <p:tgtEl>
-                                          <p:spTgt spid="3">
-                                            <p:txEl>
-                                              <p:pRg st="4" end="4"/>
+                                        <p:cTn id="23" dur="1000" fill="hold"/>
+                                        <p:tgtEl>
+                                          <p:spTgt spid="3">
+                                            <p:txEl>
+                                              <p:pRg st="2" end="2"/>
                                             </p:txEl>
                                           </p:spTgt>
                                         </p:tgtEl>
@@ -9881,26 +9169,26 @@
                     </p:cTn>
                   </p:par>
                   <p:par>
-                    <p:cTn id="32" fill="hold">
+                    <p:cTn id="24" fill="hold">
                       <p:stCondLst>
                         <p:cond delay="indefinite"/>
                       </p:stCondLst>
                       <p:childTnLst>
                         <p:par>
-                          <p:cTn id="33" fill="hold">
+                          <p:cTn id="25" fill="hold">
                             <p:stCondLst>
                               <p:cond delay="0"/>
                             </p:stCondLst>
                             <p:childTnLst>
                               <p:par>
-                                <p:cTn id="34" presetID="42" presetClass="entr" presetSubtype="0" fill="hold" grpId="0" nodeType="clickEffect">
+                                <p:cTn id="26" presetID="42" presetClass="entr" presetSubtype="0" fill="hold" grpId="0" nodeType="clickEffect">
                                   <p:stCondLst>
                                     <p:cond delay="0"/>
                                   </p:stCondLst>
                                   <p:childTnLst>
                                     <p:set>
                                       <p:cBhvr>
-                                        <p:cTn id="35" dur="1" fill="hold">
+                                        <p:cTn id="27" dur="1" fill="hold">
                                           <p:stCondLst>
                                             <p:cond delay="0"/>
                                           </p:stCondLst>
@@ -9908,7 +9196,7 @@
                                         <p:tgtEl>
                                           <p:spTgt spid="3">
                                             <p:txEl>
-                                              <p:pRg st="5" end="5"/>
+                                              <p:pRg st="3" end="3"/>
                                             </p:txEl>
                                           </p:spTgt>
                                         </p:tgtEl>
@@ -9922,11 +9210,11 @@
                                     </p:set>
                                     <p:animEffect transition="in" filter="fade">
                                       <p:cBhvr>
-                                        <p:cTn id="36" dur="1000"/>
-                                        <p:tgtEl>
-                                          <p:spTgt spid="3">
-                                            <p:txEl>
-                                              <p:pRg st="5" end="5"/>
+                                        <p:cTn id="28" dur="1000"/>
+                                        <p:tgtEl>
+                                          <p:spTgt spid="3">
+                                            <p:txEl>
+                                              <p:pRg st="3" end="3"/>
                                             </p:txEl>
                                           </p:spTgt>
                                         </p:tgtEl>
@@ -9934,11 +9222,11 @@
                                     </p:animEffect>
                                     <p:anim calcmode="lin" valueType="num">
                                       <p:cBhvr>
-                                        <p:cTn id="37" dur="1000" fill="hold"/>
-                                        <p:tgtEl>
-                                          <p:spTgt spid="3">
-                                            <p:txEl>
-                                              <p:pRg st="5" end="5"/>
+                                        <p:cTn id="29" dur="1000" fill="hold"/>
+                                        <p:tgtEl>
+                                          <p:spTgt spid="3">
+                                            <p:txEl>
+                                              <p:pRg st="3" end="3"/>
                                             </p:txEl>
                                           </p:spTgt>
                                         </p:tgtEl>
@@ -9961,11 +9249,126 @@
                                     </p:anim>
                                     <p:anim calcmode="lin" valueType="num">
                                       <p:cBhvr>
-                                        <p:cTn id="38" dur="1000" fill="hold"/>
-                                        <p:tgtEl>
-                                          <p:spTgt spid="3">
-                                            <p:txEl>
-                                              <p:pRg st="5" end="5"/>
+                                        <p:cTn id="30" dur="1000" fill="hold"/>
+                                        <p:tgtEl>
+                                          <p:spTgt spid="3">
+                                            <p:txEl>
+                                              <p:pRg st="3" end="3"/>
+                                            </p:txEl>
+                                          </p:spTgt>
+                                        </p:tgtEl>
+                                        <p:attrNameLst>
+                                          <p:attrName>ppt_y</p:attrName>
+                                        </p:attrNameLst>
+                                      </p:cBhvr>
+                                      <p:tavLst>
+                                        <p:tav tm="0">
+                                          <p:val>
+                                            <p:strVal val="#ppt_y+.1"/>
+                                          </p:val>
+                                        </p:tav>
+                                        <p:tav tm="100000">
+                                          <p:val>
+                                            <p:strVal val="#ppt_y"/>
+                                          </p:val>
+                                        </p:tav>
+                                      </p:tavLst>
+                                    </p:anim>
+                                  </p:childTnLst>
+                                </p:cTn>
+                              </p:par>
+                            </p:childTnLst>
+                          </p:cTn>
+                        </p:par>
+                      </p:childTnLst>
+                    </p:cTn>
+                  </p:par>
+                  <p:par>
+                    <p:cTn id="31" fill="hold">
+                      <p:stCondLst>
+                        <p:cond delay="indefinite"/>
+                      </p:stCondLst>
+                      <p:childTnLst>
+                        <p:par>
+                          <p:cTn id="32" fill="hold">
+                            <p:stCondLst>
+                              <p:cond delay="0"/>
+                            </p:stCondLst>
+                            <p:childTnLst>
+                              <p:par>
+                                <p:cTn id="33" presetID="42" presetClass="entr" presetSubtype="0" fill="hold" grpId="0" nodeType="clickEffect">
+                                  <p:stCondLst>
+                                    <p:cond delay="0"/>
+                                  </p:stCondLst>
+                                  <p:childTnLst>
+                                    <p:set>
+                                      <p:cBhvr>
+                                        <p:cTn id="34" dur="1" fill="hold">
+                                          <p:stCondLst>
+                                            <p:cond delay="0"/>
+                                          </p:stCondLst>
+                                        </p:cTn>
+                                        <p:tgtEl>
+                                          <p:spTgt spid="3">
+                                            <p:txEl>
+                                              <p:pRg st="4" end="4"/>
+                                            </p:txEl>
+                                          </p:spTgt>
+                                        </p:tgtEl>
+                                        <p:attrNameLst>
+                                          <p:attrName>style.visibility</p:attrName>
+                                        </p:attrNameLst>
+                                      </p:cBhvr>
+                                      <p:to>
+                                        <p:strVal val="visible"/>
+                                      </p:to>
+                                    </p:set>
+                                    <p:animEffect transition="in" filter="fade">
+                                      <p:cBhvr>
+                                        <p:cTn id="35" dur="1000"/>
+                                        <p:tgtEl>
+                                          <p:spTgt spid="3">
+                                            <p:txEl>
+                                              <p:pRg st="4" end="4"/>
+                                            </p:txEl>
+                                          </p:spTgt>
+                                        </p:tgtEl>
+                                      </p:cBhvr>
+                                    </p:animEffect>
+                                    <p:anim calcmode="lin" valueType="num">
+                                      <p:cBhvr>
+                                        <p:cTn id="36" dur="1000" fill="hold"/>
+                                        <p:tgtEl>
+                                          <p:spTgt spid="3">
+                                            <p:txEl>
+                                              <p:pRg st="4" end="4"/>
+                                            </p:txEl>
+                                          </p:spTgt>
+                                        </p:tgtEl>
+                                        <p:attrNameLst>
+                                          <p:attrName>ppt_x</p:attrName>
+                                        </p:attrNameLst>
+                                      </p:cBhvr>
+                                      <p:tavLst>
+                                        <p:tav tm="0">
+                                          <p:val>
+                                            <p:strVal val="#ppt_x"/>
+                                          </p:val>
+                                        </p:tav>
+                                        <p:tav tm="100000">
+                                          <p:val>
+                                            <p:strVal val="#ppt_x"/>
+                                          </p:val>
+                                        </p:tav>
+                                      </p:tavLst>
+                                    </p:anim>
+                                    <p:anim calcmode="lin" valueType="num">
+                                      <p:cBhvr>
+                                        <p:cTn id="37" dur="1000" fill="hold"/>
+                                        <p:tgtEl>
+                                          <p:spTgt spid="3">
+                                            <p:txEl>
+                                              <p:pRg st="4" end="4"/>
                                             </p:txEl>
                                           </p:spTgt>
                                         </p:tgtEl>
@@ -10057,6 +9460,851 @@
           <a:p>
             <a:r>
               <a:rPr lang="en-US" dirty="0" smtClean="0"/>
+              <a:t>Study: Outcomes</a:t>
+            </a:r>
+            <a:endParaRPr lang="en-US" dirty="0"/>
+          </a:p>
+        </p:txBody>
+      </p:sp>
+      <p:sp>
+        <p:nvSpPr>
+          <p:cNvPr id="3" name="Inhaltsplatzhalter 2"/>
+          <p:cNvSpPr>
+            <a:spLocks noGrp="1"/>
+          </p:cNvSpPr>
+          <p:nvPr>
+            <p:ph idx="1"/>
+          </p:nvPr>
+        </p:nvSpPr>
+        <p:spPr/>
+        <p:txBody>
+          <a:bodyPr>
+            <a:normAutofit lnSpcReduction="10000"/>
+          </a:bodyPr>
+          <a:lstStyle/>
+          <a:p>
+            <a:r>
+              <a:rPr lang="en-US" dirty="0" smtClean="0"/>
+              <a:t>More efficient debugging</a:t>
+            </a:r>
+          </a:p>
+          <a:p>
+            <a:pPr lvl="1"/>
+            <a:r>
+              <a:rPr lang="en-US" dirty="0" smtClean="0"/>
+              <a:t>Less program executions</a:t>
+            </a:r>
+          </a:p>
+          <a:p>
+            <a:pPr lvl="1"/>
+            <a:r>
+              <a:rPr lang="en-US" dirty="0" smtClean="0"/>
+              <a:t>Less searching effort</a:t>
+            </a:r>
+          </a:p>
+          <a:p>
+            <a:pPr marL="457200" lvl="1" indent="0">
+              <a:buNone/>
+            </a:pPr>
+            <a:r>
+              <a:rPr lang="en-US" dirty="0" smtClean="0">
+                <a:solidFill>
+                  <a:srgbClr val="FF0000"/>
+                </a:solidFill>
+              </a:rPr>
+              <a:t>What does this mean?</a:t>
+            </a:r>
+          </a:p>
+          <a:p>
+            <a:r>
+              <a:rPr lang="en-US" dirty="0" smtClean="0"/>
+              <a:t>Default doodles should not only use </a:t>
+            </a:r>
+            <a:r>
+              <a:rPr lang="en-US" b="1" dirty="0" err="1" smtClean="0">
+                <a:solidFill>
+                  <a:srgbClr val="0070C0"/>
+                </a:solidFill>
+                <a:latin typeface="saxMono" pitchFamily="49" charset="0"/>
+              </a:rPr>
+              <a:t>toString</a:t>
+            </a:r>
+            <a:r>
+              <a:rPr lang="en-US" b="1" dirty="0" smtClean="0">
+                <a:solidFill>
+                  <a:srgbClr val="0070C0"/>
+                </a:solidFill>
+                <a:latin typeface="saxMono" pitchFamily="49" charset="0"/>
+              </a:rPr>
+              <a:t>()</a:t>
+            </a:r>
+            <a:r>
+              <a:rPr lang="en-US" dirty="0" smtClean="0"/>
+              <a:t/>
+            </a:r>
+            <a:br>
+              <a:rPr lang="en-US" dirty="0" smtClean="0"/>
+            </a:br>
+            <a:r>
+              <a:rPr lang="en-US" dirty="0" smtClean="0">
+                <a:sym typeface="Wingdings" pitchFamily="2" charset="2"/>
+              </a:rPr>
+              <a:t> Listing fields yields better results</a:t>
+            </a:r>
+          </a:p>
+          <a:p>
+            <a:r>
+              <a:rPr lang="en-US" dirty="0" smtClean="0">
+                <a:sym typeface="Wingdings" pitchFamily="2" charset="2"/>
+              </a:rPr>
+              <a:t>Several minor UI problems</a:t>
+            </a:r>
+            <a:endParaRPr lang="en-US" dirty="0"/>
+          </a:p>
+          <a:p>
+            <a:endParaRPr lang="en-US" dirty="0" smtClean="0"/>
+          </a:p>
+        </p:txBody>
+      </p:sp>
+      <p:sp>
+        <p:nvSpPr>
+          <p:cNvPr id="4" name="Foliennummernplatzhalter 3"/>
+          <p:cNvSpPr>
+            <a:spLocks noGrp="1"/>
+          </p:cNvSpPr>
+          <p:nvPr>
+            <p:ph type="sldNum" sz="quarter" idx="12"/>
+          </p:nvPr>
+        </p:nvSpPr>
+        <p:spPr/>
+        <p:txBody>
+          <a:bodyPr/>
+          <a:lstStyle/>
+          <a:p>
+            <a:fld id="{CB39F0D9-F884-4558-986F-7F4B8D6BBDEC}" type="slidenum">
+              <a:rPr lang="de-CH" smtClean="0"/>
+              <a:t>17</a:t>
+            </a:fld>
+            <a:endParaRPr lang="de-CH" dirty="0"/>
+          </a:p>
+        </p:txBody>
+      </p:sp>
+    </p:spTree>
+    <p:extLst>
+      <p:ext uri="{BB962C8B-B14F-4D97-AF65-F5344CB8AC3E}">
+        <p14:creationId xmlns:p14="http://schemas.microsoft.com/office/powerpoint/2010/main" val="3375597900"/>
+      </p:ext>
+    </p:extLst>
+  </p:cSld>
+  <p:clrMapOvr>
+    <a:masterClrMapping/>
+  </p:clrMapOvr>
+  <p:timing>
+    <p:tnLst>
+      <p:par>
+        <p:cTn id="1" dur="indefinite" restart="never" nodeType="tmRoot">
+          <p:childTnLst>
+            <p:seq concurrent="1" nextAc="seek">
+              <p:cTn id="2" dur="indefinite" nodeType="mainSeq">
+                <p:childTnLst>
+                  <p:par>
+                    <p:cTn id="3" fill="hold">
+                      <p:stCondLst>
+                        <p:cond delay="indefinite"/>
+                      </p:stCondLst>
+                      <p:childTnLst>
+                        <p:par>
+                          <p:cTn id="4" fill="hold">
+                            <p:stCondLst>
+                              <p:cond delay="0"/>
+                            </p:stCondLst>
+                            <p:childTnLst>
+                              <p:par>
+                                <p:cTn id="5" presetID="42" presetClass="entr" presetSubtype="0" fill="hold" grpId="0" nodeType="clickEffect">
+                                  <p:stCondLst>
+                                    <p:cond delay="0"/>
+                                  </p:stCondLst>
+                                  <p:childTnLst>
+                                    <p:set>
+                                      <p:cBhvr>
+                                        <p:cTn id="6" dur="1" fill="hold">
+                                          <p:stCondLst>
+                                            <p:cond delay="0"/>
+                                          </p:stCondLst>
+                                        </p:cTn>
+                                        <p:tgtEl>
+                                          <p:spTgt spid="3">
+                                            <p:txEl>
+                                              <p:pRg st="0" end="0"/>
+                                            </p:txEl>
+                                          </p:spTgt>
+                                        </p:tgtEl>
+                                        <p:attrNameLst>
+                                          <p:attrName>style.visibility</p:attrName>
+                                        </p:attrNameLst>
+                                      </p:cBhvr>
+                                      <p:to>
+                                        <p:strVal val="visible"/>
+                                      </p:to>
+                                    </p:set>
+                                    <p:animEffect transition="in" filter="fade">
+                                      <p:cBhvr>
+                                        <p:cTn id="7" dur="1000"/>
+                                        <p:tgtEl>
+                                          <p:spTgt spid="3">
+                                            <p:txEl>
+                                              <p:pRg st="0" end="0"/>
+                                            </p:txEl>
+                                          </p:spTgt>
+                                        </p:tgtEl>
+                                      </p:cBhvr>
+                                    </p:animEffect>
+                                    <p:anim calcmode="lin" valueType="num">
+                                      <p:cBhvr>
+                                        <p:cTn id="8" dur="1000" fill="hold"/>
+                                        <p:tgtEl>
+                                          <p:spTgt spid="3">
+                                            <p:txEl>
+                                              <p:pRg st="0" end="0"/>
+                                            </p:txEl>
+                                          </p:spTgt>
+                                        </p:tgtEl>
+                                        <p:attrNameLst>
+                                          <p:attrName>ppt_x</p:attrName>
+                                        </p:attrNameLst>
+                                      </p:cBhvr>
+                                      <p:tavLst>
+                                        <p:tav tm="0">
+                                          <p:val>
+                                            <p:strVal val="#ppt_x"/>
+                                          </p:val>
+                                        </p:tav>
+                                        <p:tav tm="100000">
+                                          <p:val>
+                                            <p:strVal val="#ppt_x"/>
+                                          </p:val>
+                                        </p:tav>
+                                      </p:tavLst>
+                                    </p:anim>
+                                    <p:anim calcmode="lin" valueType="num">
+                                      <p:cBhvr>
+                                        <p:cTn id="9" dur="1000" fill="hold"/>
+                                        <p:tgtEl>
+                                          <p:spTgt spid="3">
+                                            <p:txEl>
+                                              <p:pRg st="0" end="0"/>
+                                            </p:txEl>
+                                          </p:spTgt>
+                                        </p:tgtEl>
+                                        <p:attrNameLst>
+                                          <p:attrName>ppt_y</p:attrName>
+                                        </p:attrNameLst>
+                                      </p:cBhvr>
+                                      <p:tavLst>
+                                        <p:tav tm="0">
+                                          <p:val>
+                                            <p:strVal val="#ppt_y+.1"/>
+                                          </p:val>
+                                        </p:tav>
+                                        <p:tav tm="100000">
+                                          <p:val>
+                                            <p:strVal val="#ppt_y"/>
+                                          </p:val>
+                                        </p:tav>
+                                      </p:tavLst>
+                                    </p:anim>
+                                  </p:childTnLst>
+                                </p:cTn>
+                              </p:par>
+                              <p:par>
+                                <p:cTn id="10" presetID="42" presetClass="entr" presetSubtype="0" fill="hold" grpId="0" nodeType="withEffect">
+                                  <p:stCondLst>
+                                    <p:cond delay="0"/>
+                                  </p:stCondLst>
+                                  <p:childTnLst>
+                                    <p:set>
+                                      <p:cBhvr>
+                                        <p:cTn id="11" dur="1" fill="hold">
+                                          <p:stCondLst>
+                                            <p:cond delay="0"/>
+                                          </p:stCondLst>
+                                        </p:cTn>
+                                        <p:tgtEl>
+                                          <p:spTgt spid="3">
+                                            <p:txEl>
+                                              <p:pRg st="1" end="1"/>
+                                            </p:txEl>
+                                          </p:spTgt>
+                                        </p:tgtEl>
+                                        <p:attrNameLst>
+                                          <p:attrName>style.visibility</p:attrName>
+                                        </p:attrNameLst>
+                                      </p:cBhvr>
+                                      <p:to>
+                                        <p:strVal val="visible"/>
+                                      </p:to>
+                                    </p:set>
+                                    <p:animEffect transition="in" filter="fade">
+                                      <p:cBhvr>
+                                        <p:cTn id="12" dur="1000"/>
+                                        <p:tgtEl>
+                                          <p:spTgt spid="3">
+                                            <p:txEl>
+                                              <p:pRg st="1" end="1"/>
+                                            </p:txEl>
+                                          </p:spTgt>
+                                        </p:tgtEl>
+                                      </p:cBhvr>
+                                    </p:animEffect>
+                                    <p:anim calcmode="lin" valueType="num">
+                                      <p:cBhvr>
+                                        <p:cTn id="13" dur="1000" fill="hold"/>
+                                        <p:tgtEl>
+                                          <p:spTgt spid="3">
+                                            <p:txEl>
+                                              <p:pRg st="1" end="1"/>
+                                            </p:txEl>
+                                          </p:spTgt>
+                                        </p:tgtEl>
+                                        <p:attrNameLst>
+                                          <p:attrName>ppt_x</p:attrName>
+                                        </p:attrNameLst>
+                                      </p:cBhvr>
+                                      <p:tavLst>
+                                        <p:tav tm="0">
+                                          <p:val>
+                                            <p:strVal val="#ppt_x"/>
+                                          </p:val>
+                                        </p:tav>
+                                        <p:tav tm="100000">
+                                          <p:val>
+                                            <p:strVal val="#ppt_x"/>
+                                          </p:val>
+                                        </p:tav>
+                                      </p:tavLst>
+                                    </p:anim>
+                                    <p:anim calcmode="lin" valueType="num">
+                                      <p:cBhvr>
+                                        <p:cTn id="14" dur="1000" fill="hold"/>
+                                        <p:tgtEl>
+                                          <p:spTgt spid="3">
+                                            <p:txEl>
+                                              <p:pRg st="1" end="1"/>
+                                            </p:txEl>
+                                          </p:spTgt>
+                                        </p:tgtEl>
+                                        <p:attrNameLst>
+                                          <p:attrName>ppt_y</p:attrName>
+                                        </p:attrNameLst>
+                                      </p:cBhvr>
+                                      <p:tavLst>
+                                        <p:tav tm="0">
+                                          <p:val>
+                                            <p:strVal val="#ppt_y+.1"/>
+                                          </p:val>
+                                        </p:tav>
+                                        <p:tav tm="100000">
+                                          <p:val>
+                                            <p:strVal val="#ppt_y"/>
+                                          </p:val>
+                                        </p:tav>
+                                      </p:tavLst>
+                                    </p:anim>
+                                  </p:childTnLst>
+                                </p:cTn>
+                              </p:par>
+                              <p:par>
+                                <p:cTn id="15" presetID="42" presetClass="entr" presetSubtype="0" fill="hold" grpId="0" nodeType="withEffect">
+                                  <p:stCondLst>
+                                    <p:cond delay="0"/>
+                                  </p:stCondLst>
+                                  <p:childTnLst>
+                                    <p:set>
+                                      <p:cBhvr>
+                                        <p:cTn id="16" dur="1" fill="hold">
+                                          <p:stCondLst>
+                                            <p:cond delay="0"/>
+                                          </p:stCondLst>
+                                        </p:cTn>
+                                        <p:tgtEl>
+                                          <p:spTgt spid="3">
+                                            <p:txEl>
+                                              <p:pRg st="2" end="2"/>
+                                            </p:txEl>
+                                          </p:spTgt>
+                                        </p:tgtEl>
+                                        <p:attrNameLst>
+                                          <p:attrName>style.visibility</p:attrName>
+                                        </p:attrNameLst>
+                                      </p:cBhvr>
+                                      <p:to>
+                                        <p:strVal val="visible"/>
+                                      </p:to>
+                                    </p:set>
+                                    <p:animEffect transition="in" filter="fade">
+                                      <p:cBhvr>
+                                        <p:cTn id="17" dur="1000"/>
+                                        <p:tgtEl>
+                                          <p:spTgt spid="3">
+                                            <p:txEl>
+                                              <p:pRg st="2" end="2"/>
+                                            </p:txEl>
+                                          </p:spTgt>
+                                        </p:tgtEl>
+                                      </p:cBhvr>
+                                    </p:animEffect>
+                                    <p:anim calcmode="lin" valueType="num">
+                                      <p:cBhvr>
+                                        <p:cTn id="18" dur="1000" fill="hold"/>
+                                        <p:tgtEl>
+                                          <p:spTgt spid="3">
+                                            <p:txEl>
+                                              <p:pRg st="2" end="2"/>
+                                            </p:txEl>
+                                          </p:spTgt>
+                                        </p:tgtEl>
+                                        <p:attrNameLst>
+                                          <p:attrName>ppt_x</p:attrName>
+                                        </p:attrNameLst>
+                                      </p:cBhvr>
+                                      <p:tavLst>
+                                        <p:tav tm="0">
+                                          <p:val>
+                                            <p:strVal val="#ppt_x"/>
+                                          </p:val>
+                                        </p:tav>
+                                        <p:tav tm="100000">
+                                          <p:val>
+                                            <p:strVal val="#ppt_x"/>
+                                          </p:val>
+                                        </p:tav>
+                                      </p:tavLst>
+                                    </p:anim>
+                                    <p:anim calcmode="lin" valueType="num">
+                                      <p:cBhvr>
+                                        <p:cTn id="19" dur="1000" fill="hold"/>
+                                        <p:tgtEl>
+                                          <p:spTgt spid="3">
+                                            <p:txEl>
+                                              <p:pRg st="2" end="2"/>
+                                            </p:txEl>
+                                          </p:spTgt>
+                                        </p:tgtEl>
+                                        <p:attrNameLst>
+                                          <p:attrName>ppt_y</p:attrName>
+                                        </p:attrNameLst>
+                                      </p:cBhvr>
+                                      <p:tavLst>
+                                        <p:tav tm="0">
+                                          <p:val>
+                                            <p:strVal val="#ppt_y+.1"/>
+                                          </p:val>
+                                        </p:tav>
+                                        <p:tav tm="100000">
+                                          <p:val>
+                                            <p:strVal val="#ppt_y"/>
+                                          </p:val>
+                                        </p:tav>
+                                      </p:tavLst>
+                                    </p:anim>
+                                  </p:childTnLst>
+                                </p:cTn>
+                              </p:par>
+                              <p:par>
+                                <p:cTn id="20" presetID="42" presetClass="entr" presetSubtype="0" fill="hold" grpId="0" nodeType="withEffect">
+                                  <p:stCondLst>
+                                    <p:cond delay="0"/>
+                                  </p:stCondLst>
+                                  <p:childTnLst>
+                                    <p:set>
+                                      <p:cBhvr>
+                                        <p:cTn id="21" dur="1" fill="hold">
+                                          <p:stCondLst>
+                                            <p:cond delay="0"/>
+                                          </p:stCondLst>
+                                        </p:cTn>
+                                        <p:tgtEl>
+                                          <p:spTgt spid="3">
+                                            <p:txEl>
+                                              <p:pRg st="3" end="3"/>
+                                            </p:txEl>
+                                          </p:spTgt>
+                                        </p:tgtEl>
+                                        <p:attrNameLst>
+                                          <p:attrName>style.visibility</p:attrName>
+                                        </p:attrNameLst>
+                                      </p:cBhvr>
+                                      <p:to>
+                                        <p:strVal val="visible"/>
+                                      </p:to>
+                                    </p:set>
+                                    <p:animEffect transition="in" filter="fade">
+                                      <p:cBhvr>
+                                        <p:cTn id="22" dur="1000"/>
+                                        <p:tgtEl>
+                                          <p:spTgt spid="3">
+                                            <p:txEl>
+                                              <p:pRg st="3" end="3"/>
+                                            </p:txEl>
+                                          </p:spTgt>
+                                        </p:tgtEl>
+                                      </p:cBhvr>
+                                    </p:animEffect>
+                                    <p:anim calcmode="lin" valueType="num">
+                                      <p:cBhvr>
+                                        <p:cTn id="23" dur="1000" fill="hold"/>
+                                        <p:tgtEl>
+                                          <p:spTgt spid="3">
+                                            <p:txEl>
+                                              <p:pRg st="3" end="3"/>
+                                            </p:txEl>
+                                          </p:spTgt>
+                                        </p:tgtEl>
+                                        <p:attrNameLst>
+                                          <p:attrName>ppt_x</p:attrName>
+                                        </p:attrNameLst>
+                                      </p:cBhvr>
+                                      <p:tavLst>
+                                        <p:tav tm="0">
+                                          <p:val>
+                                            <p:strVal val="#ppt_x"/>
+                                          </p:val>
+                                        </p:tav>
+                                        <p:tav tm="100000">
+                                          <p:val>
+                                            <p:strVal val="#ppt_x"/>
+                                          </p:val>
+                                        </p:tav>
+                                      </p:tavLst>
+                                    </p:anim>
+                                    <p:anim calcmode="lin" valueType="num">
+                                      <p:cBhvr>
+                                        <p:cTn id="24" dur="1000" fill="hold"/>
+                                        <p:tgtEl>
+                                          <p:spTgt spid="3">
+                                            <p:txEl>
+                                              <p:pRg st="3" end="3"/>
+                                            </p:txEl>
+                                          </p:spTgt>
+                                        </p:tgtEl>
+                                        <p:attrNameLst>
+                                          <p:attrName>ppt_y</p:attrName>
+                                        </p:attrNameLst>
+                                      </p:cBhvr>
+                                      <p:tavLst>
+                                        <p:tav tm="0">
+                                          <p:val>
+                                            <p:strVal val="#ppt_y+.1"/>
+                                          </p:val>
+                                        </p:tav>
+                                        <p:tav tm="100000">
+                                          <p:val>
+                                            <p:strVal val="#ppt_y"/>
+                                          </p:val>
+                                        </p:tav>
+                                      </p:tavLst>
+                                    </p:anim>
+                                  </p:childTnLst>
+                                </p:cTn>
+                              </p:par>
+                            </p:childTnLst>
+                          </p:cTn>
+                        </p:par>
+                      </p:childTnLst>
+                    </p:cTn>
+                  </p:par>
+                  <p:par>
+                    <p:cTn id="25" fill="hold">
+                      <p:stCondLst>
+                        <p:cond delay="indefinite"/>
+                      </p:stCondLst>
+                      <p:childTnLst>
+                        <p:par>
+                          <p:cTn id="26" fill="hold">
+                            <p:stCondLst>
+                              <p:cond delay="0"/>
+                            </p:stCondLst>
+                            <p:childTnLst>
+                              <p:par>
+                                <p:cTn id="27" presetID="42" presetClass="entr" presetSubtype="0" fill="hold" grpId="0" nodeType="clickEffect">
+                                  <p:stCondLst>
+                                    <p:cond delay="0"/>
+                                  </p:stCondLst>
+                                  <p:childTnLst>
+                                    <p:set>
+                                      <p:cBhvr>
+                                        <p:cTn id="28" dur="1" fill="hold">
+                                          <p:stCondLst>
+                                            <p:cond delay="0"/>
+                                          </p:stCondLst>
+                                        </p:cTn>
+                                        <p:tgtEl>
+                                          <p:spTgt spid="3">
+                                            <p:txEl>
+                                              <p:pRg st="4" end="4"/>
+                                            </p:txEl>
+                                          </p:spTgt>
+                                        </p:tgtEl>
+                                        <p:attrNameLst>
+                                          <p:attrName>style.visibility</p:attrName>
+                                        </p:attrNameLst>
+                                      </p:cBhvr>
+                                      <p:to>
+                                        <p:strVal val="visible"/>
+                                      </p:to>
+                                    </p:set>
+                                    <p:animEffect transition="in" filter="fade">
+                                      <p:cBhvr>
+                                        <p:cTn id="29" dur="1000"/>
+                                        <p:tgtEl>
+                                          <p:spTgt spid="3">
+                                            <p:txEl>
+                                              <p:pRg st="4" end="4"/>
+                                            </p:txEl>
+                                          </p:spTgt>
+                                        </p:tgtEl>
+                                      </p:cBhvr>
+                                    </p:animEffect>
+                                    <p:anim calcmode="lin" valueType="num">
+                                      <p:cBhvr>
+                                        <p:cTn id="30" dur="1000" fill="hold"/>
+                                        <p:tgtEl>
+                                          <p:spTgt spid="3">
+                                            <p:txEl>
+                                              <p:pRg st="4" end="4"/>
+                                            </p:txEl>
+                                          </p:spTgt>
+                                        </p:tgtEl>
+                                        <p:attrNameLst>
+                                          <p:attrName>ppt_x</p:attrName>
+                                        </p:attrNameLst>
+                                      </p:cBhvr>
+                                      <p:tavLst>
+                                        <p:tav tm="0">
+                                          <p:val>
+                                            <p:strVal val="#ppt_x"/>
+                                          </p:val>
+                                        </p:tav>
+                                        <p:tav tm="100000">
+                                          <p:val>
+                                            <p:strVal val="#ppt_x"/>
+                                          </p:val>
+                                        </p:tav>
+                                      </p:tavLst>
+                                    </p:anim>
+                                    <p:anim calcmode="lin" valueType="num">
+                                      <p:cBhvr>
+                                        <p:cTn id="31" dur="1000" fill="hold"/>
+                                        <p:tgtEl>
+                                          <p:spTgt spid="3">
+                                            <p:txEl>
+                                              <p:pRg st="4" end="4"/>
+                                            </p:txEl>
+                                          </p:spTgt>
+                                        </p:tgtEl>
+                                        <p:attrNameLst>
+                                          <p:attrName>ppt_y</p:attrName>
+                                        </p:attrNameLst>
+                                      </p:cBhvr>
+                                      <p:tavLst>
+                                        <p:tav tm="0">
+                                          <p:val>
+                                            <p:strVal val="#ppt_y+.1"/>
+                                          </p:val>
+                                        </p:tav>
+                                        <p:tav tm="100000">
+                                          <p:val>
+                                            <p:strVal val="#ppt_y"/>
+                                          </p:val>
+                                        </p:tav>
+                                      </p:tavLst>
+                                    </p:anim>
+                                  </p:childTnLst>
+                                </p:cTn>
+                              </p:par>
+                            </p:childTnLst>
+                          </p:cTn>
+                        </p:par>
+                      </p:childTnLst>
+                    </p:cTn>
+                  </p:par>
+                  <p:par>
+                    <p:cTn id="32" fill="hold">
+                      <p:stCondLst>
+                        <p:cond delay="indefinite"/>
+                      </p:stCondLst>
+                      <p:childTnLst>
+                        <p:par>
+                          <p:cTn id="33" fill="hold">
+                            <p:stCondLst>
+                              <p:cond delay="0"/>
+                            </p:stCondLst>
+                            <p:childTnLst>
+                              <p:par>
+                                <p:cTn id="34" presetID="42" presetClass="entr" presetSubtype="0" fill="hold" grpId="0" nodeType="clickEffect">
+                                  <p:stCondLst>
+                                    <p:cond delay="0"/>
+                                  </p:stCondLst>
+                                  <p:childTnLst>
+                                    <p:set>
+                                      <p:cBhvr>
+                                        <p:cTn id="35" dur="1" fill="hold">
+                                          <p:stCondLst>
+                                            <p:cond delay="0"/>
+                                          </p:stCondLst>
+                                        </p:cTn>
+                                        <p:tgtEl>
+                                          <p:spTgt spid="3">
+                                            <p:txEl>
+                                              <p:pRg st="5" end="5"/>
+                                            </p:txEl>
+                                          </p:spTgt>
+                                        </p:tgtEl>
+                                        <p:attrNameLst>
+                                          <p:attrName>style.visibility</p:attrName>
+                                        </p:attrNameLst>
+                                      </p:cBhvr>
+                                      <p:to>
+                                        <p:strVal val="visible"/>
+                                      </p:to>
+                                    </p:set>
+                                    <p:animEffect transition="in" filter="fade">
+                                      <p:cBhvr>
+                                        <p:cTn id="36" dur="1000"/>
+                                        <p:tgtEl>
+                                          <p:spTgt spid="3">
+                                            <p:txEl>
+                                              <p:pRg st="5" end="5"/>
+                                            </p:txEl>
+                                          </p:spTgt>
+                                        </p:tgtEl>
+                                      </p:cBhvr>
+                                    </p:animEffect>
+                                    <p:anim calcmode="lin" valueType="num">
+                                      <p:cBhvr>
+                                        <p:cTn id="37" dur="1000" fill="hold"/>
+                                        <p:tgtEl>
+                                          <p:spTgt spid="3">
+                                            <p:txEl>
+                                              <p:pRg st="5" end="5"/>
+                                            </p:txEl>
+                                          </p:spTgt>
+                                        </p:tgtEl>
+                                        <p:attrNameLst>
+                                          <p:attrName>ppt_x</p:attrName>
+                                        </p:attrNameLst>
+                                      </p:cBhvr>
+                                      <p:tavLst>
+                                        <p:tav tm="0">
+                                          <p:val>
+                                            <p:strVal val="#ppt_x"/>
+                                          </p:val>
+                                        </p:tav>
+                                        <p:tav tm="100000">
+                                          <p:val>
+                                            <p:strVal val="#ppt_x"/>
+                                          </p:val>
+                                        </p:tav>
+                                      </p:tavLst>
+                                    </p:anim>
+                                    <p:anim calcmode="lin" valueType="num">
+                                      <p:cBhvr>
+                                        <p:cTn id="38" dur="1000" fill="hold"/>
+                                        <p:tgtEl>
+                                          <p:spTgt spid="3">
+                                            <p:txEl>
+                                              <p:pRg st="5" end="5"/>
+                                            </p:txEl>
+                                          </p:spTgt>
+                                        </p:tgtEl>
+                                        <p:attrNameLst>
+                                          <p:attrName>ppt_y</p:attrName>
+                                        </p:attrNameLst>
+                                      </p:cBhvr>
+                                      <p:tavLst>
+                                        <p:tav tm="0">
+                                          <p:val>
+                                            <p:strVal val="#ppt_y+.1"/>
+                                          </p:val>
+                                        </p:tav>
+                                        <p:tav tm="100000">
+                                          <p:val>
+                                            <p:strVal val="#ppt_y"/>
+                                          </p:val>
+                                        </p:tav>
+                                      </p:tavLst>
+                                    </p:anim>
+                                  </p:childTnLst>
+                                </p:cTn>
+                              </p:par>
+                            </p:childTnLst>
+                          </p:cTn>
+                        </p:par>
+                      </p:childTnLst>
+                    </p:cTn>
+                  </p:par>
+                </p:childTnLst>
+              </p:cTn>
+              <p:prevCondLst>
+                <p:cond evt="onPrev" delay="0">
+                  <p:tgtEl>
+                    <p:sldTgt/>
+                  </p:tgtEl>
+                </p:cond>
+              </p:prevCondLst>
+              <p:nextCondLst>
+                <p:cond evt="onNext" delay="0">
+                  <p:tgtEl>
+                    <p:sldTgt/>
+                  </p:tgtEl>
+                </p:cond>
+              </p:nextCondLst>
+            </p:seq>
+          </p:childTnLst>
+        </p:cTn>
+      </p:par>
+    </p:tnLst>
+    <p:bldLst>
+      <p:bldP spid="3" grpId="0" build="p"/>
+    </p:bldLst>
+  </p:timing>
+</p:sld>
+</file>
+
+<file path=ppt/slides/slide18.xml><?xml version="1.0" encoding="utf-8"?>
+<p:sld xmlns:a="http://schemas.openxmlformats.org/drawingml/2006/main" xmlns:r="http://schemas.openxmlformats.org/officeDocument/2006/relationships" xmlns:p="http://schemas.openxmlformats.org/presentationml/2006/main">
+  <p:cSld>
+    <p:spTree>
+      <p:nvGrpSpPr>
+        <p:cNvPr id="1" name=""/>
+        <p:cNvGrpSpPr/>
+        <p:nvPr/>
+      </p:nvGrpSpPr>
+      <p:grpSpPr>
+        <a:xfrm>
+          <a:off x="0" y="0"/>
+          <a:ext cx="0" cy="0"/>
+          <a:chOff x="0" y="0"/>
+          <a:chExt cx="0" cy="0"/>
+        </a:xfrm>
+      </p:grpSpPr>
+      <p:sp>
+        <p:nvSpPr>
+          <p:cNvPr id="2" name="Titel 1"/>
+          <p:cNvSpPr>
+            <a:spLocks noGrp="1"/>
+          </p:cNvSpPr>
+          <p:nvPr>
+            <p:ph type="title"/>
+          </p:nvPr>
+        </p:nvSpPr>
+        <p:spPr/>
+        <p:txBody>
+          <a:bodyPr/>
+          <a:lstStyle/>
+          <a:p>
+            <a:r>
+              <a:rPr lang="en-US" dirty="0" smtClean="0"/>
               <a:t>Demo</a:t>
             </a:r>
             <a:endParaRPr lang="en-US" dirty="0"/>
@@ -10118,7 +10366,7 @@
           <a:p>
             <a:fld id="{CB39F0D9-F884-4558-986F-7F4B8D6BBDEC}" type="slidenum">
               <a:rPr lang="de-CH" smtClean="0"/>
-              <a:t>17</a:t>
+              <a:t>18</a:t>
             </a:fld>
             <a:endParaRPr lang="de-CH" dirty="0"/>
           </a:p>
@@ -10134,6 +10382,132 @@
   <p:clrMapOvr>
     <a:masterClrMapping/>
   </p:clrMapOvr>
+  <p:timing>
+    <p:tnLst>
+      <p:par>
+        <p:cTn id="1" dur="indefinite" restart="never" nodeType="tmRoot"/>
+      </p:par>
+    </p:tnLst>
+  </p:timing>
+</p:sld>
+</file>
+
+<file path=ppt/slides/slide19.xml><?xml version="1.0" encoding="utf-8"?>
+<p:sld xmlns:a="http://schemas.openxmlformats.org/drawingml/2006/main" xmlns:r="http://schemas.openxmlformats.org/officeDocument/2006/relationships" xmlns:p="http://schemas.openxmlformats.org/presentationml/2006/main" show="0">
+  <p:cSld>
+    <p:spTree>
+      <p:nvGrpSpPr>
+        <p:cNvPr id="1" name=""/>
+        <p:cNvGrpSpPr/>
+        <p:nvPr/>
+      </p:nvGrpSpPr>
+      <p:grpSpPr>
+        <a:xfrm>
+          <a:off x="0" y="0"/>
+          <a:ext cx="0" cy="0"/>
+          <a:chOff x="0" y="0"/>
+          <a:chExt cx="0" cy="0"/>
+        </a:xfrm>
+      </p:grpSpPr>
+      <p:sp>
+        <p:nvSpPr>
+          <p:cNvPr id="2" name="Titel 1"/>
+          <p:cNvSpPr>
+            <a:spLocks noGrp="1"/>
+          </p:cNvSpPr>
+          <p:nvPr>
+            <p:ph type="title"/>
+          </p:nvPr>
+        </p:nvSpPr>
+        <p:spPr/>
+        <p:txBody>
+          <a:bodyPr/>
+          <a:lstStyle/>
+          <a:p>
+            <a:r>
+              <a:rPr lang="en-US" dirty="0" smtClean="0"/>
+              <a:t>Possible Future Work</a:t>
+            </a:r>
+            <a:endParaRPr lang="en-US" dirty="0"/>
+          </a:p>
+        </p:txBody>
+      </p:sp>
+      <p:sp>
+        <p:nvSpPr>
+          <p:cNvPr id="3" name="Inhaltsplatzhalter 2"/>
+          <p:cNvSpPr>
+            <a:spLocks noGrp="1"/>
+          </p:cNvSpPr>
+          <p:nvPr>
+            <p:ph idx="1"/>
+          </p:nvPr>
+        </p:nvSpPr>
+        <p:spPr/>
+        <p:txBody>
+          <a:bodyPr/>
+          <a:lstStyle/>
+          <a:p>
+            <a:r>
+              <a:rPr lang="en-US" dirty="0" smtClean="0"/>
+              <a:t>Clickable doodles</a:t>
+            </a:r>
+          </a:p>
+          <a:p>
+            <a:r>
+              <a:rPr lang="en-US" dirty="0" smtClean="0"/>
+              <a:t>Debugger integration</a:t>
+            </a:r>
+          </a:p>
+          <a:p>
+            <a:r>
+              <a:rPr lang="en-US" dirty="0" smtClean="0"/>
+              <a:t>Object Diffs</a:t>
+            </a:r>
+            <a:endParaRPr lang="en-US" dirty="0"/>
+          </a:p>
+        </p:txBody>
+      </p:sp>
+      <p:sp>
+        <p:nvSpPr>
+          <p:cNvPr id="4" name="Foliennummernplatzhalter 3"/>
+          <p:cNvSpPr>
+            <a:spLocks noGrp="1"/>
+          </p:cNvSpPr>
+          <p:nvPr>
+            <p:ph type="sldNum" sz="quarter" idx="12"/>
+          </p:nvPr>
+        </p:nvSpPr>
+        <p:spPr/>
+        <p:txBody>
+          <a:bodyPr/>
+          <a:lstStyle/>
+          <a:p>
+            <a:fld id="{CB39F0D9-F884-4558-986F-7F4B8D6BBDEC}" type="slidenum">
+              <a:rPr lang="de-CH" smtClean="0"/>
+              <a:t>19</a:t>
+            </a:fld>
+            <a:endParaRPr lang="de-CH" dirty="0"/>
+          </a:p>
+        </p:txBody>
+      </p:sp>
+    </p:spTree>
+    <p:extLst>
+      <p:ext uri="{BB962C8B-B14F-4D97-AF65-F5344CB8AC3E}">
+        <p14:creationId xmlns:p14="http://schemas.microsoft.com/office/powerpoint/2010/main" val="3454379835"/>
+      </p:ext>
+    </p:extLst>
+  </p:cSld>
+  <p:clrMapOvr>
+    <a:masterClrMapping/>
+  </p:clrMapOvr>
+  <mc:AlternateContent xmlns:mc="http://schemas.openxmlformats.org/markup-compatibility/2006">
+    <mc:Choice xmlns:p14="http://schemas.microsoft.com/office/powerpoint/2010/main" Requires="p14">
+      <p:transition spd="slow" p14:dur="2000"/>
+    </mc:Choice>
+    <mc:Fallback>
+      <p:transition spd="slow"/>
+    </mc:Fallback>
+  </mc:AlternateContent>
   <p:timing>
     <p:tnLst>
       <p:par>
@@ -10235,7 +10609,6 @@
               <a:rPr lang="en-US" dirty="0" smtClean="0"/>
               <a:t>Colors</a:t>
             </a:r>
-            <a:endParaRPr lang="en-US" dirty="0" smtClean="0"/>
           </a:p>
         </p:txBody>
       </p:sp>
@@ -11152,12 +11525,6 @@
               </a:rPr>
               <a:t>contact.AddressBook@737d72cf</a:t>
             </a:r>
-            <a:endParaRPr lang="en-US" sz="2200" dirty="0" smtClean="0">
-              <a:solidFill>
-                <a:schemeClr val="accent2"/>
-              </a:solidFill>
-              <a:latin typeface="saxMono" pitchFamily="49" charset="0"/>
-            </a:endParaRPr>
           </a:p>
         </p:txBody>
       </p:sp>
@@ -11699,7 +12066,6 @@
               <a:rPr lang="en-US" dirty="0" smtClean="0"/>
               <a:t>Improved:</a:t>
             </a:r>
-            <a:endParaRPr lang="en-US" dirty="0" smtClean="0"/>
           </a:p>
         </p:txBody>
       </p:sp>
@@ -12275,15 +12641,7 @@
           <a:p>
             <a:r>
               <a:rPr lang="en-US" dirty="0" smtClean="0"/>
-              <a:t>Print </a:t>
-            </a:r>
-            <a:r>
-              <a:rPr lang="en-US" dirty="0" smtClean="0"/>
-              <a:t>an </a:t>
-            </a:r>
-            <a:r>
-              <a:rPr lang="en-US" dirty="0" smtClean="0"/>
-              <a:t>object with</a:t>
+              <a:t>Print an object with</a:t>
             </a:r>
             <a:br>
               <a:rPr lang="en-US" dirty="0" smtClean="0"/>
@@ -13949,7 +14307,7 @@
 <file path=ppt/tags/tag1.xml><?xml version="1.0" encoding="utf-8"?>
 <p:tagLst xmlns:a="http://schemas.openxmlformats.org/drawingml/2006/main" xmlns:r="http://schemas.openxmlformats.org/officeDocument/2006/relationships" xmlns:p="http://schemas.openxmlformats.org/presentationml/2006/main">
   <p:tag name="MMPROD_NEXTUNIQUEID" val="10009"/>
-  <p:tag name="MMPROD_UIDATA" val="&lt;database version=&quot;7.0&quot;&gt;&lt;object type=&quot;1&quot; unique_id=&quot;10001&quot;&gt;&lt;object type=&quot;8&quot; unique_id=&quot;10002&quot;&gt;&lt;/object&gt;&lt;object type=&quot;2&quot; unique_id=&quot;10003&quot;&gt;&lt;object type=&quot;3&quot; unique_id=&quot;10004&quot;&gt;&lt;property id=&quot;20148&quot; value=&quot;5&quot;/&gt;&lt;property id=&quot;20300&quot; value=&quot;Folie 1&quot;/&gt;&lt;property id=&quot;20307&quot; value=&quot;256&quot;/&gt;&lt;/object&gt;&lt;object type=&quot;3&quot; unique_id=&quot;10005&quot;&gt;&lt;property id=&quot;20148&quot; value=&quot;5&quot;/&gt;&lt;property id=&quot;20300&quot; value=&quot;Folie 2 - &amp;quot;Why?&amp;quot;&quot;/&gt;&lt;property id=&quot;20307&quot; value=&quot;257&quot;/&gt;&lt;/object&gt;&lt;object type=&quot;3&quot; unique_id=&quot;10006&quot;&gt;&lt;property id=&quot;20148&quot; value=&quot;5&quot;/&gt;&lt;property id=&quot;20300&quot; value=&quot;Folie 5 - &amp;quot;Why?&amp;quot;&quot;/&gt;&lt;property id=&quot;20307&quot; value=&quot;258&quot;/&gt;&lt;/object&gt;&lt;object type=&quot;3&quot; unique_id=&quot;10037&quot;&gt;&lt;property id=&quot;20148&quot; value=&quot;5&quot;/&gt;&lt;property id=&quot;20300&quot; value=&quot;Folie 10 - &amp;quot;Customization&amp;quot;&quot;/&gt;&lt;property id=&quot;20307&quot; value=&quot;259&quot;/&gt;&lt;/object&gt;&lt;object type=&quot;3&quot; unique_id=&quot;10074&quot;&gt;&lt;property id=&quot;20148&quot; value=&quot;5&quot;/&gt;&lt;property id=&quot;20300&quot; value=&quot;Folie 6 - &amp;quot;Solution: DoodleDebug&amp;quot;&quot;/&gt;&lt;property id=&quot;20307&quot; value=&quot;260&quot;/&gt;&lt;/object&gt;&lt;object type=&quot;3&quot; unique_id=&quot;10236&quot;&gt;&lt;property id=&quot;20148&quot; value=&quot;5&quot;/&gt;&lt;property id=&quot;20300&quot; value=&quot;Folie 12 - &amp;quot;Plugins&amp;quot;&quot;/&gt;&lt;property id=&quot;20307&quot; value=&quot;262&quot;/&gt;&lt;/object&gt;&lt;object type=&quot;3&quot; unique_id=&quot;10246&quot;&gt;&lt;property id=&quot;20148&quot; value=&quot;5&quot;/&gt;&lt;property id=&quot;20300&quot; value=&quot;Folie 11 - &amp;quot;DoodleCanvas&amp;quot;&quot;/&gt;&lt;property id=&quot;20307&quot; value=&quot;263&quot;/&gt;&lt;/object&gt;&lt;object type=&quot;3&quot; unique_id=&quot;10357&quot;&gt;&lt;property id=&quot;20148&quot; value=&quot;5&quot;/&gt;&lt;property id=&quot;20300&quot; value=&quot;Folie 9 - &amp;quot;Changes Over Time&amp;quot;&quot;/&gt;&lt;property id=&quot;20307&quot; value=&quot;264&quot;/&gt;&lt;/object&gt;&lt;object type=&quot;3&quot; unique_id=&quot;10407&quot;&gt;&lt;property id=&quot;20148&quot; value=&quot;5&quot;/&gt;&lt;property id=&quot;20300&quot; value=&quot;Folie 13 - &amp;quot;Default Renderings&amp;quot;&quot;/&gt;&lt;property id=&quot;20307&quot; value=&quot;266&quot;/&gt;&lt;/object&gt;&lt;object type=&quot;3&quot; unique_id=&quot;10408&quot;&gt;&lt;property id=&quot;20148&quot; value=&quot;5&quot;/&gt;&lt;property id=&quot;20300&quot; value=&quot;Folie 14 - &amp;quot;Default Renderings&amp;quot;&quot;/&gt;&lt;property id=&quot;20307&quot; value=&quot;267&quot;/&gt;&lt;/object&gt;&lt;object type=&quot;3&quot; unique_id=&quot;10682&quot;&gt;&lt;property id=&quot;20148&quot; value=&quot;5&quot;/&gt;&lt;property id=&quot;20300&quot; value=&quot;Folie 8 - &amp;quot;Inspecting Doodles&amp;quot;&quot;/&gt;&lt;property id=&quot;20307&quot; value=&quot;269&quot;/&gt;&lt;/object&gt;&lt;object type=&quot;3&quot; unique_id=&quot;10718&quot;&gt;&lt;property id=&quot;20148&quot; value=&quot;5&quot;/&gt;&lt;property id=&quot;20300&quot; value=&quot;Folie 15 - &amp;quot;Study: Setup&amp;quot;&quot;/&gt;&lt;property id=&quot;20307&quot; value=&quot;272&quot;/&gt;&lt;/object&gt;&lt;object type=&quot;3&quot; unique_id=&quot;10719&quot;&gt;&lt;property id=&quot;20148&quot; value=&quot;5&quot;/&gt;&lt;property id=&quot;20300&quot; value=&quot;Folie 17 - &amp;quot;Demo&amp;quot;&quot;/&gt;&lt;property id=&quot;20307&quot; value=&quot;271&quot;/&gt;&lt;/object&gt;&lt;object type=&quot;3&quot; unique_id=&quot;10796&quot;&gt;&lt;property id=&quot;20148&quot; value=&quot;5&quot;/&gt;&lt;property id=&quot;20300&quot; value=&quot;Folie 16 - &amp;quot;Study: Outcomes&amp;quot;&quot;/&gt;&lt;property id=&quot;20307&quot; value=&quot;273&quot;/&gt;&lt;/object&gt;&lt;object type=&quot;3&quot; unique_id=&quot;10997&quot;&gt;&lt;property id=&quot;20148&quot; value=&quot;5&quot;/&gt;&lt;property id=&quot;20300&quot; value=&quot;Folie 7 - &amp;quot;Solution: DoodleDebug&amp;quot;&quot;/&gt;&lt;property id=&quot;20307&quot; value=&quot;274&quot;/&gt;&lt;/object&gt;&lt;object type=&quot;3&quot; unique_id=&quot;11179&quot;&gt;&lt;property id=&quot;20148&quot; value=&quot;5&quot;/&gt;&lt;property id=&quot;20300&quot; value=&quot;Folie 3 - &amp;quot;Why?&amp;quot;&quot;/&gt;&lt;property id=&quot;20307&quot; value=&quot;275&quot;/&gt;&lt;/object&gt;&lt;object type=&quot;3&quot; unique_id=&quot;11327&quot;&gt;&lt;property id=&quot;20148&quot; value=&quot;5&quot;/&gt;&lt;property id=&quot;20300&quot; value=&quot;Folie 4 - &amp;quot;Why?&amp;quot;&quot;/&gt;&lt;property id=&quot;20307&quot; value=&quot;276&quot;/&gt;&lt;/object&gt;&lt;/object&gt;&lt;/object&gt;&lt;/database&gt;"/>
+  <p:tag name="MMPROD_UIDATA" val="&lt;database version=&quot;7.0&quot;&gt;&lt;object type=&quot;1&quot; unique_id=&quot;10001&quot;&gt;&lt;object type=&quot;8&quot; unique_id=&quot;10002&quot;&gt;&lt;/object&gt;&lt;object type=&quot;2&quot; unique_id=&quot;10003&quot;&gt;&lt;object type=&quot;3&quot; unique_id=&quot;10004&quot;&gt;&lt;property id=&quot;20148&quot; value=&quot;5&quot;/&gt;&lt;property id=&quot;20300&quot; value=&quot;Folie 1&quot;/&gt;&lt;property id=&quot;20307&quot; value=&quot;256&quot;/&gt;&lt;/object&gt;&lt;object type=&quot;3&quot; unique_id=&quot;10005&quot;&gt;&lt;property id=&quot;20148&quot; value=&quot;5&quot;/&gt;&lt;property id=&quot;20300&quot; value=&quot;Folie 2 - &amp;quot;Why?&amp;quot;&quot;/&gt;&lt;property id=&quot;20307&quot; value=&quot;257&quot;/&gt;&lt;/object&gt;&lt;object type=&quot;3&quot; unique_id=&quot;10006&quot;&gt;&lt;property id=&quot;20148&quot; value=&quot;5&quot;/&gt;&lt;property id=&quot;20300&quot; value=&quot;Folie 5 - &amp;quot;Why?&amp;quot;&quot;/&gt;&lt;property id=&quot;20307&quot; value=&quot;258&quot;/&gt;&lt;/object&gt;&lt;object type=&quot;3&quot; unique_id=&quot;10037&quot;&gt;&lt;property id=&quot;20148&quot; value=&quot;5&quot;/&gt;&lt;property id=&quot;20300&quot; value=&quot;Folie 10 - &amp;quot;Customization&amp;quot;&quot;/&gt;&lt;property id=&quot;20307&quot; value=&quot;259&quot;/&gt;&lt;/object&gt;&lt;object type=&quot;3&quot; unique_id=&quot;10074&quot;&gt;&lt;property id=&quot;20148&quot; value=&quot;5&quot;/&gt;&lt;property id=&quot;20300&quot; value=&quot;Folie 6 - &amp;quot;Solution: DoodleDebug&amp;quot;&quot;/&gt;&lt;property id=&quot;20307&quot; value=&quot;260&quot;/&gt;&lt;/object&gt;&lt;object type=&quot;3&quot; unique_id=&quot;10236&quot;&gt;&lt;property id=&quot;20148&quot; value=&quot;5&quot;/&gt;&lt;property id=&quot;20300&quot; value=&quot;Folie 12 - &amp;quot;Plugins&amp;quot;&quot;/&gt;&lt;property id=&quot;20307&quot; value=&quot;262&quot;/&gt;&lt;/object&gt;&lt;object type=&quot;3&quot; unique_id=&quot;10246&quot;&gt;&lt;property id=&quot;20148&quot; value=&quot;5&quot;/&gt;&lt;property id=&quot;20300&quot; value=&quot;Folie 11 - &amp;quot;DoodleCanvas&amp;quot;&quot;/&gt;&lt;property id=&quot;20307&quot; value=&quot;263&quot;/&gt;&lt;/object&gt;&lt;object type=&quot;3&quot; unique_id=&quot;10357&quot;&gt;&lt;property id=&quot;20148&quot; value=&quot;5&quot;/&gt;&lt;property id=&quot;20300&quot; value=&quot;Folie 9 - &amp;quot;Changes Over Time&amp;quot;&quot;/&gt;&lt;property id=&quot;20307&quot; value=&quot;264&quot;/&gt;&lt;/object&gt;&lt;object type=&quot;3&quot; unique_id=&quot;10407&quot;&gt;&lt;property id=&quot;20148&quot; value=&quot;5&quot;/&gt;&lt;property id=&quot;20300&quot; value=&quot;Folie 13 - &amp;quot;Default Renderings&amp;quot;&quot;/&gt;&lt;property id=&quot;20307&quot; value=&quot;266&quot;/&gt;&lt;/object&gt;&lt;object type=&quot;3&quot; unique_id=&quot;10408&quot;&gt;&lt;property id=&quot;20148&quot; value=&quot;5&quot;/&gt;&lt;property id=&quot;20300&quot; value=&quot;Folie 14 - &amp;quot;Default Renderings&amp;quot;&quot;/&gt;&lt;property id=&quot;20307&quot; value=&quot;267&quot;/&gt;&lt;/object&gt;&lt;object type=&quot;3&quot; unique_id=&quot;10682&quot;&gt;&lt;property id=&quot;20148&quot; value=&quot;5&quot;/&gt;&lt;property id=&quot;20300&quot; value=&quot;Folie 8 - &amp;quot;Inspecting Doodles&amp;quot;&quot;/&gt;&lt;property id=&quot;20307&quot; value=&quot;269&quot;/&gt;&lt;/object&gt;&lt;object type=&quot;3&quot; unique_id=&quot;10718&quot;&gt;&lt;property id=&quot;20148&quot; value=&quot;5&quot;/&gt;&lt;property id=&quot;20300&quot; value=&quot;Folie 16 - &amp;quot;Study: Setup&amp;quot;&quot;/&gt;&lt;property id=&quot;20307&quot; value=&quot;272&quot;/&gt;&lt;/object&gt;&lt;object type=&quot;3&quot; unique_id=&quot;10719&quot;&gt;&lt;property id=&quot;20148&quot; value=&quot;5&quot;/&gt;&lt;property id=&quot;20300&quot; value=&quot;Folie 18 - &amp;quot;Demo&amp;quot;&quot;/&gt;&lt;property id=&quot;20307&quot; value=&quot;271&quot;/&gt;&lt;/object&gt;&lt;object type=&quot;3&quot; unique_id=&quot;10796&quot;&gt;&lt;property id=&quot;20148&quot; value=&quot;5&quot;/&gt;&lt;property id=&quot;20300&quot; value=&quot;Folie 17 - &amp;quot;Study: Outcomes&amp;quot;&quot;/&gt;&lt;property id=&quot;20307&quot; value=&quot;273&quot;/&gt;&lt;/object&gt;&lt;object type=&quot;3&quot; unique_id=&quot;10997&quot;&gt;&lt;property id=&quot;20148&quot; value=&quot;5&quot;/&gt;&lt;property id=&quot;20300&quot; value=&quot;Folie 7 - &amp;quot;Solution: DoodleDebug&amp;quot;&quot;/&gt;&lt;property id=&quot;20307&quot; value=&quot;274&quot;/&gt;&lt;/object&gt;&lt;object type=&quot;3&quot; unique_id=&quot;11179&quot;&gt;&lt;property id=&quot;20148&quot; value=&quot;5&quot;/&gt;&lt;property id=&quot;20300&quot; value=&quot;Folie 3 - &amp;quot;Why?&amp;quot;&quot;/&gt;&lt;property id=&quot;20307&quot; value=&quot;275&quot;/&gt;&lt;/object&gt;&lt;object type=&quot;3&quot; unique_id=&quot;11327&quot;&gt;&lt;property id=&quot;20148&quot; value=&quot;5&quot;/&gt;&lt;property id=&quot;20300&quot; value=&quot;Folie 4 - &amp;quot;Why?&amp;quot;&quot;/&gt;&lt;property id=&quot;20307&quot; value=&quot;276&quot;/&gt;&lt;/object&gt;&lt;object type=&quot;3&quot; unique_id=&quot;11366&quot;&gt;&lt;property id=&quot;20148&quot; value=&quot;5&quot;/&gt;&lt;property id=&quot;20300&quot; value=&quot;Folie 15 - &amp;quot;Default Renderings&amp;quot;&quot;/&gt;&lt;property id=&quot;20307&quot; value=&quot;278&quot;/&gt;&lt;/object&gt;&lt;object type=&quot;3&quot; unique_id=&quot;11367&quot;&gt;&lt;property id=&quot;20148&quot; value=&quot;5&quot;/&gt;&lt;property id=&quot;20300&quot; value=&quot;Folie 19 - &amp;quot;Possible Future Work&amp;quot;&quot;/&gt;&lt;property id=&quot;20307&quot; value=&quot;277&quot;/&gt;&lt;/object&gt;&lt;/object&gt;&lt;/object&gt;&lt;/database&gt;"/>
   <p:tag name="SECTOMILLISECCONVERTED" val="1"/>
 </p:tagLst>
 </file>

--- a/presentations/Demo DoodleDebug Spring 2013.pptx
+++ b/presentations/Demo DoodleDebug Spring 2013.pptx
@@ -213,7 +213,7 @@
           <a:p>
             <a:fld id="{236ADE3F-CE78-4304-90DD-69CB0597853E}" type="datetimeFigureOut">
               <a:rPr lang="en-US" smtClean="0"/>
-              <a:t>4/26/2013</a:t>
+              <a:t>4/28/2013</a:t>
             </a:fld>
             <a:endParaRPr lang="en-US"/>
           </a:p>
@@ -944,7 +944,7 @@
           <a:p>
             <a:fld id="{85D650DE-3472-4653-A444-5B443FE7AA4E}" type="datetime1">
               <a:rPr lang="de-CH" smtClean="0"/>
-              <a:t>26.04.2013</a:t>
+              <a:t>28.04.2013</a:t>
             </a:fld>
             <a:endParaRPr lang="de-CH" dirty="0"/>
           </a:p>
@@ -1121,7 +1121,7 @@
           <a:p>
             <a:fld id="{8BAC4E3D-F274-4AF5-9DF1-A78FFCEF68DA}" type="datetime1">
               <a:rPr lang="de-CH" smtClean="0"/>
-              <a:t>26.04.2013</a:t>
+              <a:t>28.04.2013</a:t>
             </a:fld>
             <a:endParaRPr lang="de-CH" dirty="0"/>
           </a:p>
@@ -1301,7 +1301,7 @@
           <a:p>
             <a:fld id="{D3964AF6-022E-43B2-9753-57C33D817030}" type="datetime1">
               <a:rPr lang="de-CH" smtClean="0"/>
-              <a:t>26.04.2013</a:t>
+              <a:t>28.04.2013</a:t>
             </a:fld>
             <a:endParaRPr lang="de-CH" dirty="0"/>
           </a:p>
@@ -1656,7 +1656,7 @@
           <a:p>
             <a:fld id="{437327DC-2552-4A52-A1A3-9B5BFACF3DEF}" type="datetime1">
               <a:rPr lang="de-CH" smtClean="0"/>
-              <a:t>26.04.2013</a:t>
+              <a:t>28.04.2013</a:t>
             </a:fld>
             <a:endParaRPr lang="de-CH" dirty="0"/>
           </a:p>
@@ -1909,7 +1909,7 @@
           <a:p>
             <a:fld id="{7A4171FB-593E-465D-9207-2119903B863E}" type="datetime1">
               <a:rPr lang="de-CH" smtClean="0"/>
-              <a:t>26.04.2013</a:t>
+              <a:t>28.04.2013</a:t>
             </a:fld>
             <a:endParaRPr lang="de-CH" dirty="0"/>
           </a:p>
@@ -2204,7 +2204,7 @@
           <a:p>
             <a:fld id="{BD636A4B-8FF2-43A3-B5BD-A9C3C87E2820}" type="datetime1">
               <a:rPr lang="de-CH" smtClean="0"/>
-              <a:t>26.04.2013</a:t>
+              <a:t>28.04.2013</a:t>
             </a:fld>
             <a:endParaRPr lang="de-CH" dirty="0"/>
           </a:p>
@@ -2626,7 +2626,7 @@
           <a:p>
             <a:fld id="{D77D123E-E927-4D73-B43F-B83145EC633F}" type="datetime1">
               <a:rPr lang="de-CH" smtClean="0"/>
-              <a:t>26.04.2013</a:t>
+              <a:t>28.04.2013</a:t>
             </a:fld>
             <a:endParaRPr lang="de-CH" dirty="0"/>
           </a:p>
@@ -2744,7 +2744,7 @@
           <a:p>
             <a:fld id="{F96081AB-9B45-4EA4-85E7-C7D9AE8BCC30}" type="datetime1">
               <a:rPr lang="de-CH" smtClean="0"/>
-              <a:t>26.04.2013</a:t>
+              <a:t>28.04.2013</a:t>
             </a:fld>
             <a:endParaRPr lang="de-CH" dirty="0"/>
           </a:p>
@@ -2839,7 +2839,7 @@
           <a:p>
             <a:fld id="{1B775301-90B7-4097-BBF9-5E4AF869C7A1}" type="datetime1">
               <a:rPr lang="de-CH" smtClean="0"/>
-              <a:t>26.04.2013</a:t>
+              <a:t>28.04.2013</a:t>
             </a:fld>
             <a:endParaRPr lang="de-CH" dirty="0"/>
           </a:p>
@@ -3116,7 +3116,7 @@
           <a:p>
             <a:fld id="{D7A7FEA8-F11E-4DD5-93BD-B1E529D9AFFF}" type="datetime1">
               <a:rPr lang="de-CH" smtClean="0"/>
-              <a:t>26.04.2013</a:t>
+              <a:t>28.04.2013</a:t>
             </a:fld>
             <a:endParaRPr lang="de-CH" dirty="0"/>
           </a:p>
@@ -3369,7 +3369,7 @@
           <a:p>
             <a:fld id="{C2B89150-C15F-4D6A-BF1B-40AA2F4AABBB}" type="datetime1">
               <a:rPr lang="de-CH" smtClean="0"/>
-              <a:t>26.04.2013</a:t>
+              <a:t>28.04.2013</a:t>
             </a:fld>
             <a:endParaRPr lang="de-CH" dirty="0"/>
           </a:p>
@@ -3582,7 +3582,7 @@
           <a:p>
             <a:fld id="{E65CC87D-290B-4A82-A5FC-87C0639762FA}" type="datetime1">
               <a:rPr lang="de-CH" smtClean="0"/>
-              <a:t>26.04.2013</a:t>
+              <a:t>28.04.2013</a:t>
             </a:fld>
             <a:endParaRPr lang="de-CH" dirty="0"/>
           </a:p>
@@ -7859,11 +7859,7 @@
             </a:br>
             <a:r>
               <a:rPr lang="en-US" dirty="0" smtClean="0"/>
-              <a:t>Two-dimensional arrays and </a:t>
-            </a:r>
-            <a:r>
-              <a:rPr lang="en-US" dirty="0" smtClean="0"/>
-              <a:t>collections</a:t>
+              <a:t>Two-dimensional arrays and collections</a:t>
             </a:r>
             <a:endParaRPr lang="en-US" dirty="0">
               <a:solidFill>
@@ -8367,11 +8363,7 @@
             </a:br>
             <a:r>
               <a:rPr lang="en-US" dirty="0" smtClean="0"/>
-              <a:t>With linking to Eclipse </a:t>
-            </a:r>
-            <a:r>
-              <a:rPr lang="en-US" dirty="0" smtClean="0"/>
-              <a:t>editor</a:t>
+              <a:t>With linking to Eclipse editor</a:t>
             </a:r>
             <a:endParaRPr lang="en-US" dirty="0">
               <a:solidFill>
@@ -9479,7 +9471,7 @@
         <p:spPr/>
         <p:txBody>
           <a:bodyPr>
-            <a:normAutofit lnSpcReduction="10000"/>
+            <a:normAutofit/>
           </a:bodyPr>
           <a:lstStyle/>
           <a:p>
@@ -9492,27 +9484,15 @@
             <a:pPr lvl="1"/>
             <a:r>
               <a:rPr lang="en-US" dirty="0" smtClean="0"/>
-              <a:t>Less program executions</a:t>
-            </a:r>
+              <a:t>Faster problem detection</a:t>
+            </a:r>
+            <a:endParaRPr lang="en-US" dirty="0" smtClean="0"/>
           </a:p>
           <a:p>
             <a:pPr lvl="1"/>
             <a:r>
               <a:rPr lang="en-US" dirty="0" smtClean="0"/>
-              <a:t>Less searching effort</a:t>
-            </a:r>
-          </a:p>
-          <a:p>
-            <a:pPr marL="457200" lvl="1" indent="0">
-              <a:buNone/>
-            </a:pPr>
-            <a:r>
-              <a:rPr lang="en-US" dirty="0" smtClean="0">
-                <a:solidFill>
-                  <a:srgbClr val="FF0000"/>
-                </a:solidFill>
-              </a:rPr>
-              <a:t>What does this mean?</a:t>
+              <a:t>Less customization needed</a:t>
             </a:r>
           </a:p>
           <a:p>
@@ -9557,7 +9537,13 @@
               <a:rPr lang="en-US" dirty="0" smtClean="0">
                 <a:sym typeface="Wingdings" pitchFamily="2" charset="2"/>
               </a:rPr>
-              <a:t>Several minor UI problems</a:t>
+              <a:t>Several </a:t>
+            </a:r>
+            <a:r>
+              <a:rPr lang="en-US" dirty="0" smtClean="0">
+                <a:sym typeface="Wingdings" pitchFamily="2" charset="2"/>
+              </a:rPr>
+              <a:t>minor UI problems</a:t>
             </a:r>
             <a:endParaRPr lang="en-US" dirty="0"/>
           </a:p>
@@ -9910,15 +9896,33 @@
                                   </p:childTnLst>
                                 </p:cTn>
                               </p:par>
+                            </p:childTnLst>
+                          </p:cTn>
+                        </p:par>
+                      </p:childTnLst>
+                    </p:cTn>
+                  </p:par>
+                  <p:par>
+                    <p:cTn id="20" fill="hold">
+                      <p:stCondLst>
+                        <p:cond delay="indefinite"/>
+                      </p:stCondLst>
+                      <p:childTnLst>
+                        <p:par>
+                          <p:cTn id="21" fill="hold">
+                            <p:stCondLst>
+                              <p:cond delay="0"/>
+                            </p:stCondLst>
+                            <p:childTnLst>
                               <p:par>
-                                <p:cTn id="20" presetID="42" presetClass="entr" presetSubtype="0" fill="hold" grpId="0" nodeType="withEffect">
+                                <p:cTn id="22" presetID="42" presetClass="entr" presetSubtype="0" fill="hold" grpId="0" nodeType="clickEffect">
                                   <p:stCondLst>
                                     <p:cond delay="0"/>
                                   </p:stCondLst>
                                   <p:childTnLst>
                                     <p:set>
                                       <p:cBhvr>
-                                        <p:cTn id="21" dur="1" fill="hold">
+                                        <p:cTn id="23" dur="1" fill="hold">
                                           <p:stCondLst>
                                             <p:cond delay="0"/>
                                           </p:stCondLst>
@@ -9940,7 +9944,7 @@
                                     </p:set>
                                     <p:animEffect transition="in" filter="fade">
                                       <p:cBhvr>
-                                        <p:cTn id="22" dur="1000"/>
+                                        <p:cTn id="24" dur="1000"/>
                                         <p:tgtEl>
                                           <p:spTgt spid="3">
                                             <p:txEl>
@@ -9952,7 +9956,7 @@
                                     </p:animEffect>
                                     <p:anim calcmode="lin" valueType="num">
                                       <p:cBhvr>
-                                        <p:cTn id="23" dur="1000" fill="hold"/>
+                                        <p:cTn id="25" dur="1000" fill="hold"/>
                                         <p:tgtEl>
                                           <p:spTgt spid="3">
                                             <p:txEl>
@@ -9979,7 +9983,7 @@
                                     </p:anim>
                                     <p:anim calcmode="lin" valueType="num">
                                       <p:cBhvr>
-                                        <p:cTn id="24" dur="1000" fill="hold"/>
+                                        <p:cTn id="26" dur="1000" fill="hold"/>
                                         <p:tgtEl>
                                           <p:spTgt spid="3">
                                             <p:txEl>
@@ -10014,26 +10018,26 @@
                     </p:cTn>
                   </p:par>
                   <p:par>
-                    <p:cTn id="25" fill="hold">
+                    <p:cTn id="27" fill="hold">
                       <p:stCondLst>
                         <p:cond delay="indefinite"/>
                       </p:stCondLst>
                       <p:childTnLst>
                         <p:par>
-                          <p:cTn id="26" fill="hold">
+                          <p:cTn id="28" fill="hold">
                             <p:stCondLst>
                               <p:cond delay="0"/>
                             </p:stCondLst>
                             <p:childTnLst>
                               <p:par>
-                                <p:cTn id="27" presetID="42" presetClass="entr" presetSubtype="0" fill="hold" grpId="0" nodeType="clickEffect">
+                                <p:cTn id="29" presetID="42" presetClass="entr" presetSubtype="0" fill="hold" grpId="0" nodeType="clickEffect">
                                   <p:stCondLst>
                                     <p:cond delay="0"/>
                                   </p:stCondLst>
                                   <p:childTnLst>
                                     <p:set>
                                       <p:cBhvr>
-                                        <p:cTn id="28" dur="1" fill="hold">
+                                        <p:cTn id="30" dur="1" fill="hold">
                                           <p:stCondLst>
                                             <p:cond delay="0"/>
                                           </p:stCondLst>
@@ -10055,7 +10059,7 @@
                                     </p:set>
                                     <p:animEffect transition="in" filter="fade">
                                       <p:cBhvr>
-                                        <p:cTn id="29" dur="1000"/>
+                                        <p:cTn id="31" dur="1000"/>
                                         <p:tgtEl>
                                           <p:spTgt spid="3">
                                             <p:txEl>
@@ -10067,7 +10071,7 @@
                                     </p:animEffect>
                                     <p:anim calcmode="lin" valueType="num">
                                       <p:cBhvr>
-                                        <p:cTn id="30" dur="1000" fill="hold"/>
+                                        <p:cTn id="32" dur="1000" fill="hold"/>
                                         <p:tgtEl>
                                           <p:spTgt spid="3">
                                             <p:txEl>
@@ -10094,126 +10098,11 @@
                                     </p:anim>
                                     <p:anim calcmode="lin" valueType="num">
                                       <p:cBhvr>
-                                        <p:cTn id="31" dur="1000" fill="hold"/>
+                                        <p:cTn id="33" dur="1000" fill="hold"/>
                                         <p:tgtEl>
                                           <p:spTgt spid="3">
                                             <p:txEl>
                                               <p:pRg st="4" end="4"/>
-                                            </p:txEl>
-                                          </p:spTgt>
-                                        </p:tgtEl>
-                                        <p:attrNameLst>
-                                          <p:attrName>ppt_y</p:attrName>
-                                        </p:attrNameLst>
-                                      </p:cBhvr>
-                                      <p:tavLst>
-                                        <p:tav tm="0">
-                                          <p:val>
-                                            <p:strVal val="#ppt_y+.1"/>
-                                          </p:val>
-                                        </p:tav>
-                                        <p:tav tm="100000">
-                                          <p:val>
-                                            <p:strVal val="#ppt_y"/>
-                                          </p:val>
-                                        </p:tav>
-                                      </p:tavLst>
-                                    </p:anim>
-                                  </p:childTnLst>
-                                </p:cTn>
-                              </p:par>
-                            </p:childTnLst>
-                          </p:cTn>
-                        </p:par>
-                      </p:childTnLst>
-                    </p:cTn>
-                  </p:par>
-                  <p:par>
-                    <p:cTn id="32" fill="hold">
-                      <p:stCondLst>
-                        <p:cond delay="indefinite"/>
-                      </p:stCondLst>
-                      <p:childTnLst>
-                        <p:par>
-                          <p:cTn id="33" fill="hold">
-                            <p:stCondLst>
-                              <p:cond delay="0"/>
-                            </p:stCondLst>
-                            <p:childTnLst>
-                              <p:par>
-                                <p:cTn id="34" presetID="42" presetClass="entr" presetSubtype="0" fill="hold" grpId="0" nodeType="clickEffect">
-                                  <p:stCondLst>
-                                    <p:cond delay="0"/>
-                                  </p:stCondLst>
-                                  <p:childTnLst>
-                                    <p:set>
-                                      <p:cBhvr>
-                                        <p:cTn id="35" dur="1" fill="hold">
-                                          <p:stCondLst>
-                                            <p:cond delay="0"/>
-                                          </p:stCondLst>
-                                        </p:cTn>
-                                        <p:tgtEl>
-                                          <p:spTgt spid="3">
-                                            <p:txEl>
-                                              <p:pRg st="5" end="5"/>
-                                            </p:txEl>
-                                          </p:spTgt>
-                                        </p:tgtEl>
-                                        <p:attrNameLst>
-                                          <p:attrName>style.visibility</p:attrName>
-                                        </p:attrNameLst>
-                                      </p:cBhvr>
-                                      <p:to>
-                                        <p:strVal val="visible"/>
-                                      </p:to>
-                                    </p:set>
-                                    <p:animEffect transition="in" filter="fade">
-                                      <p:cBhvr>
-                                        <p:cTn id="36" dur="1000"/>
-                                        <p:tgtEl>
-                                          <p:spTgt spid="3">
-                                            <p:txEl>
-                                              <p:pRg st="5" end="5"/>
-                                            </p:txEl>
-                                          </p:spTgt>
-                                        </p:tgtEl>
-                                      </p:cBhvr>
-                                    </p:animEffect>
-                                    <p:anim calcmode="lin" valueType="num">
-                                      <p:cBhvr>
-                                        <p:cTn id="37" dur="1000" fill="hold"/>
-                                        <p:tgtEl>
-                                          <p:spTgt spid="3">
-                                            <p:txEl>
-                                              <p:pRg st="5" end="5"/>
-                                            </p:txEl>
-                                          </p:spTgt>
-                                        </p:tgtEl>
-                                        <p:attrNameLst>
-                                          <p:attrName>ppt_x</p:attrName>
-                                        </p:attrNameLst>
-                                      </p:cBhvr>
-                                      <p:tavLst>
-                                        <p:tav tm="0">
-                                          <p:val>
-                                            <p:strVal val="#ppt_x"/>
-                                          </p:val>
-                                        </p:tav>
-                                        <p:tav tm="100000">
-                                          <p:val>
-                                            <p:strVal val="#ppt_x"/>
-                                          </p:val>
-                                        </p:tav>
-                                      </p:tavLst>
-                                    </p:anim>
-                                    <p:anim calcmode="lin" valueType="num">
-                                      <p:cBhvr>
-                                        <p:cTn id="38" dur="1000" fill="hold"/>
-                                        <p:tgtEl>
-                                          <p:spTgt spid="3">
-                                            <p:txEl>
-                                              <p:pRg st="5" end="5"/>
                                             </p:txEl>
                                           </p:spTgt>
                                         </p:tgtEl>
@@ -10500,11 +10389,11 @@
   <p:clrMapOvr>
     <a:masterClrMapping/>
   </p:clrMapOvr>
-  <mc:AlternateContent xmlns:mc="http://schemas.openxmlformats.org/markup-compatibility/2006">
-    <mc:Choice xmlns:p14="http://schemas.microsoft.com/office/powerpoint/2010/main" Requires="p14">
+  <mc:AlternateContent xmlns:mc="http://schemas.openxmlformats.org/markup-compatibility/2006" xmlns:p14="http://schemas.microsoft.com/office/powerpoint/2010/main">
+    <mc:Choice Requires="p14">
       <p:transition spd="slow" p14:dur="2000"/>
     </mc:Choice>
-    <mc:Fallback>
+    <mc:Fallback xmlns="">
       <p:transition spd="slow"/>
     </mc:Fallback>
   </mc:AlternateContent>

--- a/presentations/Demo DoodleDebug Spring 2013.pptx
+++ b/presentations/Demo DoodleDebug Spring 2013.pptx
@@ -213,7 +213,7 @@
           <a:p>
             <a:fld id="{236ADE3F-CE78-4304-90DD-69CB0597853E}" type="datetimeFigureOut">
               <a:rPr lang="en-US" smtClean="0"/>
-              <a:t>4/28/2013</a:t>
+              <a:t>4/29/2013</a:t>
             </a:fld>
             <a:endParaRPr lang="en-US"/>
           </a:p>
@@ -944,7 +944,7 @@
           <a:p>
             <a:fld id="{85D650DE-3472-4653-A444-5B443FE7AA4E}" type="datetime1">
               <a:rPr lang="de-CH" smtClean="0"/>
-              <a:t>28.04.2013</a:t>
+              <a:t>29.04.2013</a:t>
             </a:fld>
             <a:endParaRPr lang="de-CH" dirty="0"/>
           </a:p>
@@ -1121,7 +1121,7 @@
           <a:p>
             <a:fld id="{8BAC4E3D-F274-4AF5-9DF1-A78FFCEF68DA}" type="datetime1">
               <a:rPr lang="de-CH" smtClean="0"/>
-              <a:t>28.04.2013</a:t>
+              <a:t>29.04.2013</a:t>
             </a:fld>
             <a:endParaRPr lang="de-CH" dirty="0"/>
           </a:p>
@@ -1301,7 +1301,7 @@
           <a:p>
             <a:fld id="{D3964AF6-022E-43B2-9753-57C33D817030}" type="datetime1">
               <a:rPr lang="de-CH" smtClean="0"/>
-              <a:t>28.04.2013</a:t>
+              <a:t>29.04.2013</a:t>
             </a:fld>
             <a:endParaRPr lang="de-CH" dirty="0"/>
           </a:p>
@@ -1656,7 +1656,7 @@
           <a:p>
             <a:fld id="{437327DC-2552-4A52-A1A3-9B5BFACF3DEF}" type="datetime1">
               <a:rPr lang="de-CH" smtClean="0"/>
-              <a:t>28.04.2013</a:t>
+              <a:t>29.04.2013</a:t>
             </a:fld>
             <a:endParaRPr lang="de-CH" dirty="0"/>
           </a:p>
@@ -1909,7 +1909,7 @@
           <a:p>
             <a:fld id="{7A4171FB-593E-465D-9207-2119903B863E}" type="datetime1">
               <a:rPr lang="de-CH" smtClean="0"/>
-              <a:t>28.04.2013</a:t>
+              <a:t>29.04.2013</a:t>
             </a:fld>
             <a:endParaRPr lang="de-CH" dirty="0"/>
           </a:p>
@@ -2204,7 +2204,7 @@
           <a:p>
             <a:fld id="{BD636A4B-8FF2-43A3-B5BD-A9C3C87E2820}" type="datetime1">
               <a:rPr lang="de-CH" smtClean="0"/>
-              <a:t>28.04.2013</a:t>
+              <a:t>29.04.2013</a:t>
             </a:fld>
             <a:endParaRPr lang="de-CH" dirty="0"/>
           </a:p>
@@ -2626,7 +2626,7 @@
           <a:p>
             <a:fld id="{D77D123E-E927-4D73-B43F-B83145EC633F}" type="datetime1">
               <a:rPr lang="de-CH" smtClean="0"/>
-              <a:t>28.04.2013</a:t>
+              <a:t>29.04.2013</a:t>
             </a:fld>
             <a:endParaRPr lang="de-CH" dirty="0"/>
           </a:p>
@@ -2744,7 +2744,7 @@
           <a:p>
             <a:fld id="{F96081AB-9B45-4EA4-85E7-C7D9AE8BCC30}" type="datetime1">
               <a:rPr lang="de-CH" smtClean="0"/>
-              <a:t>28.04.2013</a:t>
+              <a:t>29.04.2013</a:t>
             </a:fld>
             <a:endParaRPr lang="de-CH" dirty="0"/>
           </a:p>
@@ -2839,7 +2839,7 @@
           <a:p>
             <a:fld id="{1B775301-90B7-4097-BBF9-5E4AF869C7A1}" type="datetime1">
               <a:rPr lang="de-CH" smtClean="0"/>
-              <a:t>28.04.2013</a:t>
+              <a:t>29.04.2013</a:t>
             </a:fld>
             <a:endParaRPr lang="de-CH" dirty="0"/>
           </a:p>
@@ -3116,7 +3116,7 @@
           <a:p>
             <a:fld id="{D7A7FEA8-F11E-4DD5-93BD-B1E529D9AFFF}" type="datetime1">
               <a:rPr lang="de-CH" smtClean="0"/>
-              <a:t>28.04.2013</a:t>
+              <a:t>29.04.2013</a:t>
             </a:fld>
             <a:endParaRPr lang="de-CH" dirty="0"/>
           </a:p>
@@ -3369,7 +3369,7 @@
           <a:p>
             <a:fld id="{C2B89150-C15F-4D6A-BF1B-40AA2F4AABBB}" type="datetime1">
               <a:rPr lang="de-CH" smtClean="0"/>
-              <a:t>28.04.2013</a:t>
+              <a:t>29.04.2013</a:t>
             </a:fld>
             <a:endParaRPr lang="de-CH" dirty="0"/>
           </a:p>
@@ -3582,7 +3582,7 @@
           <a:p>
             <a:fld id="{E65CC87D-290B-4A82-A5FC-87C0639762FA}" type="datetime1">
               <a:rPr lang="de-CH" smtClean="0"/>
-              <a:t>28.04.2013</a:t>
+              <a:t>29.04.2013</a:t>
             </a:fld>
             <a:endParaRPr lang="de-CH" dirty="0"/>
           </a:p>
@@ -9486,7 +9486,6 @@
               <a:rPr lang="en-US" dirty="0" smtClean="0"/>
               <a:t>Faster problem detection</a:t>
             </a:r>
-            <a:endParaRPr lang="en-US" dirty="0" smtClean="0"/>
           </a:p>
           <a:p>
             <a:pPr lvl="1"/>
@@ -9537,13 +9536,7 @@
               <a:rPr lang="en-US" dirty="0" smtClean="0">
                 <a:sym typeface="Wingdings" pitchFamily="2" charset="2"/>
               </a:rPr>
-              <a:t>Several </a:t>
-            </a:r>
-            <a:r>
-              <a:rPr lang="en-US" dirty="0" smtClean="0">
-                <a:sym typeface="Wingdings" pitchFamily="2" charset="2"/>
-              </a:rPr>
-              <a:t>minor UI problems</a:t>
+              <a:t>Several minor UI problems</a:t>
             </a:r>
             <a:endParaRPr lang="en-US" dirty="0"/>
           </a:p>

--- a/presentations/Demo DoodleDebug Spring 2013.pptx
+++ b/presentations/Demo DoodleDebug Spring 2013.pptx
@@ -4089,6 +4089,54 @@
           </a:extLst>
         </p:spPr>
       </p:pic>
+      <p:sp>
+        <p:nvSpPr>
+          <p:cNvPr id="2" name="Textfeld 1"/>
+          <p:cNvSpPr txBox="1"/>
+          <p:nvPr/>
+        </p:nvSpPr>
+        <p:spPr>
+          <a:xfrm>
+            <a:off x="0" y="6488668"/>
+            <a:ext cx="5148064" cy="369332"/>
+          </a:xfrm>
+          <a:prstGeom prst="rect">
+            <a:avLst/>
+          </a:prstGeom>
+          <a:noFill/>
+        </p:spPr>
+        <p:txBody>
+          <a:bodyPr wrap="square" rtlCol="0">
+            <a:spAutoFit/>
+          </a:bodyPr>
+          <a:lstStyle/>
+          <a:p>
+            <a:r>
+              <a:rPr lang="en-US" dirty="0">
+                <a:solidFill>
+                  <a:srgbClr val="0066FF"/>
+                </a:solidFill>
+                <a:hlinkClick r:id="rId4"/>
+              </a:rPr>
+              <a:t>http://</a:t>
+            </a:r>
+            <a:r>
+              <a:rPr lang="en-US" dirty="0" smtClean="0">
+                <a:solidFill>
+                  <a:srgbClr val="0066FF"/>
+                </a:solidFill>
+                <a:hlinkClick r:id="rId4"/>
+              </a:rPr>
+              <a:t>scg.unibe.ch/wiki/projects/DoodleDebug</a:t>
+            </a:r>
+            <a:endParaRPr lang="en-US" dirty="0">
+              <a:solidFill>
+                <a:srgbClr val="0066FF"/>
+              </a:solidFill>
+            </a:endParaRPr>
+          </a:p>
+        </p:txBody>
+      </p:sp>
     </p:spTree>
     <p:extLst>
       <p:ext uri="{BB962C8B-B14F-4D97-AF65-F5344CB8AC3E}">
@@ -11423,9 +11471,235 @@
   <p:timing>
     <p:tnLst>
       <p:par>
-        <p:cTn id="1" dur="indefinite" restart="never" nodeType="tmRoot"/>
+        <p:cTn id="1" dur="indefinite" restart="never" nodeType="tmRoot">
+          <p:childTnLst>
+            <p:seq concurrent="1" nextAc="seek">
+              <p:cTn id="2" dur="indefinite" nodeType="mainSeq">
+                <p:childTnLst>
+                  <p:par>
+                    <p:cTn id="3" fill="hold">
+                      <p:stCondLst>
+                        <p:cond delay="indefinite"/>
+                        <p:cond evt="onBegin" delay="0">
+                          <p:tn val="2"/>
+                        </p:cond>
+                      </p:stCondLst>
+                      <p:childTnLst>
+                        <p:par>
+                          <p:cTn id="4" fill="hold">
+                            <p:stCondLst>
+                              <p:cond delay="0"/>
+                            </p:stCondLst>
+                            <p:childTnLst>
+                              <p:par>
+                                <p:cTn id="5" presetID="42" presetClass="entr" presetSubtype="0" fill="hold" grpId="0" nodeType="withEffect">
+                                  <p:stCondLst>
+                                    <p:cond delay="0"/>
+                                  </p:stCondLst>
+                                  <p:childTnLst>
+                                    <p:set>
+                                      <p:cBhvr>
+                                        <p:cTn id="6" dur="1" fill="hold">
+                                          <p:stCondLst>
+                                            <p:cond delay="0"/>
+                                          </p:stCondLst>
+                                        </p:cTn>
+                                        <p:tgtEl>
+                                          <p:spTgt spid="3">
+                                            <p:txEl>
+                                              <p:pRg st="0" end="0"/>
+                                            </p:txEl>
+                                          </p:spTgt>
+                                        </p:tgtEl>
+                                        <p:attrNameLst>
+                                          <p:attrName>style.visibility</p:attrName>
+                                        </p:attrNameLst>
+                                      </p:cBhvr>
+                                      <p:to>
+                                        <p:strVal val="visible"/>
+                                      </p:to>
+                                    </p:set>
+                                    <p:animEffect transition="in" filter="fade">
+                                      <p:cBhvr>
+                                        <p:cTn id="7" dur="1000"/>
+                                        <p:tgtEl>
+                                          <p:spTgt spid="3">
+                                            <p:txEl>
+                                              <p:pRg st="0" end="0"/>
+                                            </p:txEl>
+                                          </p:spTgt>
+                                        </p:tgtEl>
+                                      </p:cBhvr>
+                                    </p:animEffect>
+                                    <p:anim calcmode="lin" valueType="num">
+                                      <p:cBhvr>
+                                        <p:cTn id="8" dur="1000" fill="hold"/>
+                                        <p:tgtEl>
+                                          <p:spTgt spid="3">
+                                            <p:txEl>
+                                              <p:pRg st="0" end="0"/>
+                                            </p:txEl>
+                                          </p:spTgt>
+                                        </p:tgtEl>
+                                        <p:attrNameLst>
+                                          <p:attrName>ppt_x</p:attrName>
+                                        </p:attrNameLst>
+                                      </p:cBhvr>
+                                      <p:tavLst>
+                                        <p:tav tm="0">
+                                          <p:val>
+                                            <p:strVal val="#ppt_x"/>
+                                          </p:val>
+                                        </p:tav>
+                                        <p:tav tm="100000">
+                                          <p:val>
+                                            <p:strVal val="#ppt_x"/>
+                                          </p:val>
+                                        </p:tav>
+                                      </p:tavLst>
+                                    </p:anim>
+                                    <p:anim calcmode="lin" valueType="num">
+                                      <p:cBhvr>
+                                        <p:cTn id="9" dur="1000" fill="hold"/>
+                                        <p:tgtEl>
+                                          <p:spTgt spid="3">
+                                            <p:txEl>
+                                              <p:pRg st="0" end="0"/>
+                                            </p:txEl>
+                                          </p:spTgt>
+                                        </p:tgtEl>
+                                        <p:attrNameLst>
+                                          <p:attrName>ppt_y</p:attrName>
+                                        </p:attrNameLst>
+                                      </p:cBhvr>
+                                      <p:tavLst>
+                                        <p:tav tm="0">
+                                          <p:val>
+                                            <p:strVal val="#ppt_y+.1"/>
+                                          </p:val>
+                                        </p:tav>
+                                        <p:tav tm="100000">
+                                          <p:val>
+                                            <p:strVal val="#ppt_y"/>
+                                          </p:val>
+                                        </p:tav>
+                                      </p:tavLst>
+                                    </p:anim>
+                                  </p:childTnLst>
+                                </p:cTn>
+                              </p:par>
+                              <p:par>
+                                <p:cTn id="10" presetID="42" presetClass="entr" presetSubtype="0" fill="hold" grpId="0" nodeType="withEffect">
+                                  <p:stCondLst>
+                                    <p:cond delay="0"/>
+                                  </p:stCondLst>
+                                  <p:childTnLst>
+                                    <p:set>
+                                      <p:cBhvr>
+                                        <p:cTn id="11" dur="1" fill="hold">
+                                          <p:stCondLst>
+                                            <p:cond delay="0"/>
+                                          </p:stCondLst>
+                                        </p:cTn>
+                                        <p:tgtEl>
+                                          <p:spTgt spid="6"/>
+                                        </p:tgtEl>
+                                        <p:attrNameLst>
+                                          <p:attrName>style.visibility</p:attrName>
+                                        </p:attrNameLst>
+                                      </p:cBhvr>
+                                      <p:to>
+                                        <p:strVal val="visible"/>
+                                      </p:to>
+                                    </p:set>
+                                    <p:animEffect transition="in" filter="fade">
+                                      <p:cBhvr>
+                                        <p:cTn id="12" dur="1000"/>
+                                        <p:tgtEl>
+                                          <p:spTgt spid="6"/>
+                                        </p:tgtEl>
+                                      </p:cBhvr>
+                                    </p:animEffect>
+                                    <p:anim calcmode="lin" valueType="num">
+                                      <p:cBhvr>
+                                        <p:cTn id="13" dur="1000" fill="hold"/>
+                                        <p:tgtEl>
+                                          <p:spTgt spid="6"/>
+                                        </p:tgtEl>
+                                        <p:attrNameLst>
+                                          <p:attrName>ppt_x</p:attrName>
+                                        </p:attrNameLst>
+                                      </p:cBhvr>
+                                      <p:tavLst>
+                                        <p:tav tm="0">
+                                          <p:val>
+                                            <p:strVal val="#ppt_x"/>
+                                          </p:val>
+                                        </p:tav>
+                                        <p:tav tm="100000">
+                                          <p:val>
+                                            <p:strVal val="#ppt_x"/>
+                                          </p:val>
+                                        </p:tav>
+                                      </p:tavLst>
+                                    </p:anim>
+                                    <p:anim calcmode="lin" valueType="num">
+                                      <p:cBhvr>
+                                        <p:cTn id="14" dur="1000" fill="hold"/>
+                                        <p:tgtEl>
+                                          <p:spTgt spid="6"/>
+                                        </p:tgtEl>
+                                        <p:attrNameLst>
+                                          <p:attrName>ppt_y</p:attrName>
+                                        </p:attrNameLst>
+                                      </p:cBhvr>
+                                      <p:tavLst>
+                                        <p:tav tm="0">
+                                          <p:val>
+                                            <p:strVal val="#ppt_y+.1"/>
+                                          </p:val>
+                                        </p:tav>
+                                        <p:tav tm="100000">
+                                          <p:val>
+                                            <p:strVal val="#ppt_y"/>
+                                          </p:val>
+                                        </p:tav>
+                                      </p:tavLst>
+                                    </p:anim>
+                                  </p:childTnLst>
+                                </p:cTn>
+                              </p:par>
+                            </p:childTnLst>
+                          </p:cTn>
+                        </p:par>
+                      </p:childTnLst>
+                    </p:cTn>
+                  </p:par>
+                </p:childTnLst>
+              </p:cTn>
+              <p:prevCondLst>
+                <p:cond evt="onPrev" delay="0">
+                  <p:tgtEl>
+                    <p:sldTgt/>
+                  </p:tgtEl>
+                </p:cond>
+              </p:prevCondLst>
+              <p:nextCondLst>
+                <p:cond evt="onNext" delay="0">
+                  <p:tgtEl>
+                    <p:sldTgt/>
+                  </p:tgtEl>
+                </p:cond>
+              </p:nextCondLst>
+            </p:seq>
+          </p:childTnLst>
+        </p:cTn>
       </p:par>
     </p:tnLst>
+    <p:bldLst>
+      <p:bldP spid="3" grpId="0" build="p"/>
+      <p:bldP spid="6" grpId="0"/>
+    </p:bldLst>
   </p:timing>
 </p:sld>
 </file>
@@ -11964,9 +12238,1399 @@
   <p:timing>
     <p:tnLst>
       <p:par>
-        <p:cTn id="1" dur="indefinite" restart="never" nodeType="tmRoot"/>
+        <p:cTn id="1" dur="indefinite" restart="never" nodeType="tmRoot">
+          <p:childTnLst>
+            <p:seq concurrent="1" nextAc="seek">
+              <p:cTn id="2" dur="indefinite" nodeType="mainSeq">
+                <p:childTnLst>
+                  <p:par>
+                    <p:cTn id="3" fill="hold">
+                      <p:stCondLst>
+                        <p:cond delay="indefinite"/>
+                        <p:cond evt="onBegin" delay="0">
+                          <p:tn val="2"/>
+                        </p:cond>
+                      </p:stCondLst>
+                      <p:childTnLst>
+                        <p:par>
+                          <p:cTn id="4" fill="hold">
+                            <p:stCondLst>
+                              <p:cond delay="0"/>
+                            </p:stCondLst>
+                            <p:childTnLst>
+                              <p:par>
+                                <p:cTn id="5" presetID="42" presetClass="entr" presetSubtype="0" fill="hold" grpId="0" nodeType="withEffect">
+                                  <p:stCondLst>
+                                    <p:cond delay="0"/>
+                                  </p:stCondLst>
+                                  <p:childTnLst>
+                                    <p:set>
+                                      <p:cBhvr>
+                                        <p:cTn id="6" dur="1" fill="hold">
+                                          <p:stCondLst>
+                                            <p:cond delay="0"/>
+                                          </p:stCondLst>
+                                        </p:cTn>
+                                        <p:tgtEl>
+                                          <p:spTgt spid="6"/>
+                                        </p:tgtEl>
+                                        <p:attrNameLst>
+                                          <p:attrName>style.visibility</p:attrName>
+                                        </p:attrNameLst>
+                                      </p:cBhvr>
+                                      <p:to>
+                                        <p:strVal val="visible"/>
+                                      </p:to>
+                                    </p:set>
+                                    <p:animEffect transition="in" filter="fade">
+                                      <p:cBhvr>
+                                        <p:cTn id="7" dur="1000"/>
+                                        <p:tgtEl>
+                                          <p:spTgt spid="6"/>
+                                        </p:tgtEl>
+                                      </p:cBhvr>
+                                    </p:animEffect>
+                                    <p:anim calcmode="lin" valueType="num">
+                                      <p:cBhvr>
+                                        <p:cTn id="8" dur="1000" fill="hold"/>
+                                        <p:tgtEl>
+                                          <p:spTgt spid="6"/>
+                                        </p:tgtEl>
+                                        <p:attrNameLst>
+                                          <p:attrName>ppt_x</p:attrName>
+                                        </p:attrNameLst>
+                                      </p:cBhvr>
+                                      <p:tavLst>
+                                        <p:tav tm="0">
+                                          <p:val>
+                                            <p:strVal val="#ppt_x"/>
+                                          </p:val>
+                                        </p:tav>
+                                        <p:tav tm="100000">
+                                          <p:val>
+                                            <p:strVal val="#ppt_x"/>
+                                          </p:val>
+                                        </p:tav>
+                                      </p:tavLst>
+                                    </p:anim>
+                                    <p:anim calcmode="lin" valueType="num">
+                                      <p:cBhvr>
+                                        <p:cTn id="9" dur="1000" fill="hold"/>
+                                        <p:tgtEl>
+                                          <p:spTgt spid="6"/>
+                                        </p:tgtEl>
+                                        <p:attrNameLst>
+                                          <p:attrName>ppt_y</p:attrName>
+                                        </p:attrNameLst>
+                                      </p:cBhvr>
+                                      <p:tavLst>
+                                        <p:tav tm="0">
+                                          <p:val>
+                                            <p:strVal val="#ppt_y+.1"/>
+                                          </p:val>
+                                        </p:tav>
+                                        <p:tav tm="100000">
+                                          <p:val>
+                                            <p:strVal val="#ppt_y"/>
+                                          </p:val>
+                                        </p:tav>
+                                      </p:tavLst>
+                                    </p:anim>
+                                  </p:childTnLst>
+                                </p:cTn>
+                              </p:par>
+                              <p:par>
+                                <p:cTn id="10" presetID="42" presetClass="entr" presetSubtype="0" fill="hold" grpId="0" nodeType="withEffect">
+                                  <p:stCondLst>
+                                    <p:cond delay="0"/>
+                                  </p:stCondLst>
+                                  <p:childTnLst>
+                                    <p:set>
+                                      <p:cBhvr>
+                                        <p:cTn id="11" dur="1" fill="hold">
+                                          <p:stCondLst>
+                                            <p:cond delay="0"/>
+                                          </p:stCondLst>
+                                        </p:cTn>
+                                        <p:tgtEl>
+                                          <p:spTgt spid="3">
+                                            <p:txEl>
+                                              <p:pRg st="0" end="0"/>
+                                            </p:txEl>
+                                          </p:spTgt>
+                                        </p:tgtEl>
+                                        <p:attrNameLst>
+                                          <p:attrName>style.visibility</p:attrName>
+                                        </p:attrNameLst>
+                                      </p:cBhvr>
+                                      <p:to>
+                                        <p:strVal val="visible"/>
+                                      </p:to>
+                                    </p:set>
+                                    <p:animEffect transition="in" filter="fade">
+                                      <p:cBhvr>
+                                        <p:cTn id="12" dur="1000"/>
+                                        <p:tgtEl>
+                                          <p:spTgt spid="3">
+                                            <p:txEl>
+                                              <p:pRg st="0" end="0"/>
+                                            </p:txEl>
+                                          </p:spTgt>
+                                        </p:tgtEl>
+                                      </p:cBhvr>
+                                    </p:animEffect>
+                                    <p:anim calcmode="lin" valueType="num">
+                                      <p:cBhvr>
+                                        <p:cTn id="13" dur="1000" fill="hold"/>
+                                        <p:tgtEl>
+                                          <p:spTgt spid="3">
+                                            <p:txEl>
+                                              <p:pRg st="0" end="0"/>
+                                            </p:txEl>
+                                          </p:spTgt>
+                                        </p:tgtEl>
+                                        <p:attrNameLst>
+                                          <p:attrName>ppt_x</p:attrName>
+                                        </p:attrNameLst>
+                                      </p:cBhvr>
+                                      <p:tavLst>
+                                        <p:tav tm="0">
+                                          <p:val>
+                                            <p:strVal val="#ppt_x"/>
+                                          </p:val>
+                                        </p:tav>
+                                        <p:tav tm="100000">
+                                          <p:val>
+                                            <p:strVal val="#ppt_x"/>
+                                          </p:val>
+                                        </p:tav>
+                                      </p:tavLst>
+                                    </p:anim>
+                                    <p:anim calcmode="lin" valueType="num">
+                                      <p:cBhvr>
+                                        <p:cTn id="14" dur="1000" fill="hold"/>
+                                        <p:tgtEl>
+                                          <p:spTgt spid="3">
+                                            <p:txEl>
+                                              <p:pRg st="0" end="0"/>
+                                            </p:txEl>
+                                          </p:spTgt>
+                                        </p:tgtEl>
+                                        <p:attrNameLst>
+                                          <p:attrName>ppt_y</p:attrName>
+                                        </p:attrNameLst>
+                                      </p:cBhvr>
+                                      <p:tavLst>
+                                        <p:tav tm="0">
+                                          <p:val>
+                                            <p:strVal val="#ppt_y+.1"/>
+                                          </p:val>
+                                        </p:tav>
+                                        <p:tav tm="100000">
+                                          <p:val>
+                                            <p:strVal val="#ppt_y"/>
+                                          </p:val>
+                                        </p:tav>
+                                      </p:tavLst>
+                                    </p:anim>
+                                  </p:childTnLst>
+                                </p:cTn>
+                              </p:par>
+                              <p:par>
+                                <p:cTn id="15" presetID="42" presetClass="entr" presetSubtype="0" fill="hold" grpId="0" nodeType="withEffect">
+                                  <p:stCondLst>
+                                    <p:cond delay="0"/>
+                                  </p:stCondLst>
+                                  <p:childTnLst>
+                                    <p:set>
+                                      <p:cBhvr>
+                                        <p:cTn id="16" dur="1" fill="hold">
+                                          <p:stCondLst>
+                                            <p:cond delay="0"/>
+                                          </p:stCondLst>
+                                        </p:cTn>
+                                        <p:tgtEl>
+                                          <p:spTgt spid="3">
+                                            <p:txEl>
+                                              <p:pRg st="1" end="1"/>
+                                            </p:txEl>
+                                          </p:spTgt>
+                                        </p:tgtEl>
+                                        <p:attrNameLst>
+                                          <p:attrName>style.visibility</p:attrName>
+                                        </p:attrNameLst>
+                                      </p:cBhvr>
+                                      <p:to>
+                                        <p:strVal val="visible"/>
+                                      </p:to>
+                                    </p:set>
+                                    <p:animEffect transition="in" filter="fade">
+                                      <p:cBhvr>
+                                        <p:cTn id="17" dur="1000"/>
+                                        <p:tgtEl>
+                                          <p:spTgt spid="3">
+                                            <p:txEl>
+                                              <p:pRg st="1" end="1"/>
+                                            </p:txEl>
+                                          </p:spTgt>
+                                        </p:tgtEl>
+                                      </p:cBhvr>
+                                    </p:animEffect>
+                                    <p:anim calcmode="lin" valueType="num">
+                                      <p:cBhvr>
+                                        <p:cTn id="18" dur="1000" fill="hold"/>
+                                        <p:tgtEl>
+                                          <p:spTgt spid="3">
+                                            <p:txEl>
+                                              <p:pRg st="1" end="1"/>
+                                            </p:txEl>
+                                          </p:spTgt>
+                                        </p:tgtEl>
+                                        <p:attrNameLst>
+                                          <p:attrName>ppt_x</p:attrName>
+                                        </p:attrNameLst>
+                                      </p:cBhvr>
+                                      <p:tavLst>
+                                        <p:tav tm="0">
+                                          <p:val>
+                                            <p:strVal val="#ppt_x"/>
+                                          </p:val>
+                                        </p:tav>
+                                        <p:tav tm="100000">
+                                          <p:val>
+                                            <p:strVal val="#ppt_x"/>
+                                          </p:val>
+                                        </p:tav>
+                                      </p:tavLst>
+                                    </p:anim>
+                                    <p:anim calcmode="lin" valueType="num">
+                                      <p:cBhvr>
+                                        <p:cTn id="19" dur="1000" fill="hold"/>
+                                        <p:tgtEl>
+                                          <p:spTgt spid="3">
+                                            <p:txEl>
+                                              <p:pRg st="1" end="1"/>
+                                            </p:txEl>
+                                          </p:spTgt>
+                                        </p:tgtEl>
+                                        <p:attrNameLst>
+                                          <p:attrName>ppt_y</p:attrName>
+                                        </p:attrNameLst>
+                                      </p:cBhvr>
+                                      <p:tavLst>
+                                        <p:tav tm="0">
+                                          <p:val>
+                                            <p:strVal val="#ppt_y+.1"/>
+                                          </p:val>
+                                        </p:tav>
+                                        <p:tav tm="100000">
+                                          <p:val>
+                                            <p:strVal val="#ppt_y"/>
+                                          </p:val>
+                                        </p:tav>
+                                      </p:tavLst>
+                                    </p:anim>
+                                  </p:childTnLst>
+                                </p:cTn>
+                              </p:par>
+                              <p:par>
+                                <p:cTn id="20" presetID="42" presetClass="entr" presetSubtype="0" fill="hold" grpId="0" nodeType="withEffect">
+                                  <p:stCondLst>
+                                    <p:cond delay="0"/>
+                                  </p:stCondLst>
+                                  <p:childTnLst>
+                                    <p:set>
+                                      <p:cBhvr>
+                                        <p:cTn id="21" dur="1" fill="hold">
+                                          <p:stCondLst>
+                                            <p:cond delay="0"/>
+                                          </p:stCondLst>
+                                        </p:cTn>
+                                        <p:tgtEl>
+                                          <p:spTgt spid="3">
+                                            <p:txEl>
+                                              <p:pRg st="2" end="2"/>
+                                            </p:txEl>
+                                          </p:spTgt>
+                                        </p:tgtEl>
+                                        <p:attrNameLst>
+                                          <p:attrName>style.visibility</p:attrName>
+                                        </p:attrNameLst>
+                                      </p:cBhvr>
+                                      <p:to>
+                                        <p:strVal val="visible"/>
+                                      </p:to>
+                                    </p:set>
+                                    <p:animEffect transition="in" filter="fade">
+                                      <p:cBhvr>
+                                        <p:cTn id="22" dur="1000"/>
+                                        <p:tgtEl>
+                                          <p:spTgt spid="3">
+                                            <p:txEl>
+                                              <p:pRg st="2" end="2"/>
+                                            </p:txEl>
+                                          </p:spTgt>
+                                        </p:tgtEl>
+                                      </p:cBhvr>
+                                    </p:animEffect>
+                                    <p:anim calcmode="lin" valueType="num">
+                                      <p:cBhvr>
+                                        <p:cTn id="23" dur="1000" fill="hold"/>
+                                        <p:tgtEl>
+                                          <p:spTgt spid="3">
+                                            <p:txEl>
+                                              <p:pRg st="2" end="2"/>
+                                            </p:txEl>
+                                          </p:spTgt>
+                                        </p:tgtEl>
+                                        <p:attrNameLst>
+                                          <p:attrName>ppt_x</p:attrName>
+                                        </p:attrNameLst>
+                                      </p:cBhvr>
+                                      <p:tavLst>
+                                        <p:tav tm="0">
+                                          <p:val>
+                                            <p:strVal val="#ppt_x"/>
+                                          </p:val>
+                                        </p:tav>
+                                        <p:tav tm="100000">
+                                          <p:val>
+                                            <p:strVal val="#ppt_x"/>
+                                          </p:val>
+                                        </p:tav>
+                                      </p:tavLst>
+                                    </p:anim>
+                                    <p:anim calcmode="lin" valueType="num">
+                                      <p:cBhvr>
+                                        <p:cTn id="24" dur="1000" fill="hold"/>
+                                        <p:tgtEl>
+                                          <p:spTgt spid="3">
+                                            <p:txEl>
+                                              <p:pRg st="2" end="2"/>
+                                            </p:txEl>
+                                          </p:spTgt>
+                                        </p:tgtEl>
+                                        <p:attrNameLst>
+                                          <p:attrName>ppt_y</p:attrName>
+                                        </p:attrNameLst>
+                                      </p:cBhvr>
+                                      <p:tavLst>
+                                        <p:tav tm="0">
+                                          <p:val>
+                                            <p:strVal val="#ppt_y+.1"/>
+                                          </p:val>
+                                        </p:tav>
+                                        <p:tav tm="100000">
+                                          <p:val>
+                                            <p:strVal val="#ppt_y"/>
+                                          </p:val>
+                                        </p:tav>
+                                      </p:tavLst>
+                                    </p:anim>
+                                  </p:childTnLst>
+                                </p:cTn>
+                              </p:par>
+                              <p:par>
+                                <p:cTn id="25" presetID="42" presetClass="entr" presetSubtype="0" fill="hold" grpId="0" nodeType="withEffect">
+                                  <p:stCondLst>
+                                    <p:cond delay="0"/>
+                                  </p:stCondLst>
+                                  <p:childTnLst>
+                                    <p:set>
+                                      <p:cBhvr>
+                                        <p:cTn id="26" dur="1" fill="hold">
+                                          <p:stCondLst>
+                                            <p:cond delay="0"/>
+                                          </p:stCondLst>
+                                        </p:cTn>
+                                        <p:tgtEl>
+                                          <p:spTgt spid="3">
+                                            <p:txEl>
+                                              <p:pRg st="3" end="3"/>
+                                            </p:txEl>
+                                          </p:spTgt>
+                                        </p:tgtEl>
+                                        <p:attrNameLst>
+                                          <p:attrName>style.visibility</p:attrName>
+                                        </p:attrNameLst>
+                                      </p:cBhvr>
+                                      <p:to>
+                                        <p:strVal val="visible"/>
+                                      </p:to>
+                                    </p:set>
+                                    <p:animEffect transition="in" filter="fade">
+                                      <p:cBhvr>
+                                        <p:cTn id="27" dur="1000"/>
+                                        <p:tgtEl>
+                                          <p:spTgt spid="3">
+                                            <p:txEl>
+                                              <p:pRg st="3" end="3"/>
+                                            </p:txEl>
+                                          </p:spTgt>
+                                        </p:tgtEl>
+                                      </p:cBhvr>
+                                    </p:animEffect>
+                                    <p:anim calcmode="lin" valueType="num">
+                                      <p:cBhvr>
+                                        <p:cTn id="28" dur="1000" fill="hold"/>
+                                        <p:tgtEl>
+                                          <p:spTgt spid="3">
+                                            <p:txEl>
+                                              <p:pRg st="3" end="3"/>
+                                            </p:txEl>
+                                          </p:spTgt>
+                                        </p:tgtEl>
+                                        <p:attrNameLst>
+                                          <p:attrName>ppt_x</p:attrName>
+                                        </p:attrNameLst>
+                                      </p:cBhvr>
+                                      <p:tavLst>
+                                        <p:tav tm="0">
+                                          <p:val>
+                                            <p:strVal val="#ppt_x"/>
+                                          </p:val>
+                                        </p:tav>
+                                        <p:tav tm="100000">
+                                          <p:val>
+                                            <p:strVal val="#ppt_x"/>
+                                          </p:val>
+                                        </p:tav>
+                                      </p:tavLst>
+                                    </p:anim>
+                                    <p:anim calcmode="lin" valueType="num">
+                                      <p:cBhvr>
+                                        <p:cTn id="29" dur="1000" fill="hold"/>
+                                        <p:tgtEl>
+                                          <p:spTgt spid="3">
+                                            <p:txEl>
+                                              <p:pRg st="3" end="3"/>
+                                            </p:txEl>
+                                          </p:spTgt>
+                                        </p:tgtEl>
+                                        <p:attrNameLst>
+                                          <p:attrName>ppt_y</p:attrName>
+                                        </p:attrNameLst>
+                                      </p:cBhvr>
+                                      <p:tavLst>
+                                        <p:tav tm="0">
+                                          <p:val>
+                                            <p:strVal val="#ppt_y+.1"/>
+                                          </p:val>
+                                        </p:tav>
+                                        <p:tav tm="100000">
+                                          <p:val>
+                                            <p:strVal val="#ppt_y"/>
+                                          </p:val>
+                                        </p:tav>
+                                      </p:tavLst>
+                                    </p:anim>
+                                  </p:childTnLst>
+                                </p:cTn>
+                              </p:par>
+                              <p:par>
+                                <p:cTn id="30" presetID="42" presetClass="entr" presetSubtype="0" fill="hold" grpId="0" nodeType="withEffect">
+                                  <p:stCondLst>
+                                    <p:cond delay="0"/>
+                                  </p:stCondLst>
+                                  <p:childTnLst>
+                                    <p:set>
+                                      <p:cBhvr>
+                                        <p:cTn id="31" dur="1" fill="hold">
+                                          <p:stCondLst>
+                                            <p:cond delay="0"/>
+                                          </p:stCondLst>
+                                        </p:cTn>
+                                        <p:tgtEl>
+                                          <p:spTgt spid="3">
+                                            <p:txEl>
+                                              <p:pRg st="4" end="4"/>
+                                            </p:txEl>
+                                          </p:spTgt>
+                                        </p:tgtEl>
+                                        <p:attrNameLst>
+                                          <p:attrName>style.visibility</p:attrName>
+                                        </p:attrNameLst>
+                                      </p:cBhvr>
+                                      <p:to>
+                                        <p:strVal val="visible"/>
+                                      </p:to>
+                                    </p:set>
+                                    <p:animEffect transition="in" filter="fade">
+                                      <p:cBhvr>
+                                        <p:cTn id="32" dur="1000"/>
+                                        <p:tgtEl>
+                                          <p:spTgt spid="3">
+                                            <p:txEl>
+                                              <p:pRg st="4" end="4"/>
+                                            </p:txEl>
+                                          </p:spTgt>
+                                        </p:tgtEl>
+                                      </p:cBhvr>
+                                    </p:animEffect>
+                                    <p:anim calcmode="lin" valueType="num">
+                                      <p:cBhvr>
+                                        <p:cTn id="33" dur="1000" fill="hold"/>
+                                        <p:tgtEl>
+                                          <p:spTgt spid="3">
+                                            <p:txEl>
+                                              <p:pRg st="4" end="4"/>
+                                            </p:txEl>
+                                          </p:spTgt>
+                                        </p:tgtEl>
+                                        <p:attrNameLst>
+                                          <p:attrName>ppt_x</p:attrName>
+                                        </p:attrNameLst>
+                                      </p:cBhvr>
+                                      <p:tavLst>
+                                        <p:tav tm="0">
+                                          <p:val>
+                                            <p:strVal val="#ppt_x"/>
+                                          </p:val>
+                                        </p:tav>
+                                        <p:tav tm="100000">
+                                          <p:val>
+                                            <p:strVal val="#ppt_x"/>
+                                          </p:val>
+                                        </p:tav>
+                                      </p:tavLst>
+                                    </p:anim>
+                                    <p:anim calcmode="lin" valueType="num">
+                                      <p:cBhvr>
+                                        <p:cTn id="34" dur="1000" fill="hold"/>
+                                        <p:tgtEl>
+                                          <p:spTgt spid="3">
+                                            <p:txEl>
+                                              <p:pRg st="4" end="4"/>
+                                            </p:txEl>
+                                          </p:spTgt>
+                                        </p:tgtEl>
+                                        <p:attrNameLst>
+                                          <p:attrName>ppt_y</p:attrName>
+                                        </p:attrNameLst>
+                                      </p:cBhvr>
+                                      <p:tavLst>
+                                        <p:tav tm="0">
+                                          <p:val>
+                                            <p:strVal val="#ppt_y+.1"/>
+                                          </p:val>
+                                        </p:tav>
+                                        <p:tav tm="100000">
+                                          <p:val>
+                                            <p:strVal val="#ppt_y"/>
+                                          </p:val>
+                                        </p:tav>
+                                      </p:tavLst>
+                                    </p:anim>
+                                  </p:childTnLst>
+                                </p:cTn>
+                              </p:par>
+                              <p:par>
+                                <p:cTn id="35" presetID="42" presetClass="entr" presetSubtype="0" fill="hold" grpId="0" nodeType="withEffect">
+                                  <p:stCondLst>
+                                    <p:cond delay="0"/>
+                                  </p:stCondLst>
+                                  <p:childTnLst>
+                                    <p:set>
+                                      <p:cBhvr>
+                                        <p:cTn id="36" dur="1" fill="hold">
+                                          <p:stCondLst>
+                                            <p:cond delay="0"/>
+                                          </p:stCondLst>
+                                        </p:cTn>
+                                        <p:tgtEl>
+                                          <p:spTgt spid="3">
+                                            <p:txEl>
+                                              <p:pRg st="5" end="5"/>
+                                            </p:txEl>
+                                          </p:spTgt>
+                                        </p:tgtEl>
+                                        <p:attrNameLst>
+                                          <p:attrName>style.visibility</p:attrName>
+                                        </p:attrNameLst>
+                                      </p:cBhvr>
+                                      <p:to>
+                                        <p:strVal val="visible"/>
+                                      </p:to>
+                                    </p:set>
+                                    <p:animEffect transition="in" filter="fade">
+                                      <p:cBhvr>
+                                        <p:cTn id="37" dur="1000"/>
+                                        <p:tgtEl>
+                                          <p:spTgt spid="3">
+                                            <p:txEl>
+                                              <p:pRg st="5" end="5"/>
+                                            </p:txEl>
+                                          </p:spTgt>
+                                        </p:tgtEl>
+                                      </p:cBhvr>
+                                    </p:animEffect>
+                                    <p:anim calcmode="lin" valueType="num">
+                                      <p:cBhvr>
+                                        <p:cTn id="38" dur="1000" fill="hold"/>
+                                        <p:tgtEl>
+                                          <p:spTgt spid="3">
+                                            <p:txEl>
+                                              <p:pRg st="5" end="5"/>
+                                            </p:txEl>
+                                          </p:spTgt>
+                                        </p:tgtEl>
+                                        <p:attrNameLst>
+                                          <p:attrName>ppt_x</p:attrName>
+                                        </p:attrNameLst>
+                                      </p:cBhvr>
+                                      <p:tavLst>
+                                        <p:tav tm="0">
+                                          <p:val>
+                                            <p:strVal val="#ppt_x"/>
+                                          </p:val>
+                                        </p:tav>
+                                        <p:tav tm="100000">
+                                          <p:val>
+                                            <p:strVal val="#ppt_x"/>
+                                          </p:val>
+                                        </p:tav>
+                                      </p:tavLst>
+                                    </p:anim>
+                                    <p:anim calcmode="lin" valueType="num">
+                                      <p:cBhvr>
+                                        <p:cTn id="39" dur="1000" fill="hold"/>
+                                        <p:tgtEl>
+                                          <p:spTgt spid="3">
+                                            <p:txEl>
+                                              <p:pRg st="5" end="5"/>
+                                            </p:txEl>
+                                          </p:spTgt>
+                                        </p:tgtEl>
+                                        <p:attrNameLst>
+                                          <p:attrName>ppt_y</p:attrName>
+                                        </p:attrNameLst>
+                                      </p:cBhvr>
+                                      <p:tavLst>
+                                        <p:tav tm="0">
+                                          <p:val>
+                                            <p:strVal val="#ppt_y+.1"/>
+                                          </p:val>
+                                        </p:tav>
+                                        <p:tav tm="100000">
+                                          <p:val>
+                                            <p:strVal val="#ppt_y"/>
+                                          </p:val>
+                                        </p:tav>
+                                      </p:tavLst>
+                                    </p:anim>
+                                  </p:childTnLst>
+                                </p:cTn>
+                              </p:par>
+                              <p:par>
+                                <p:cTn id="40" presetID="42" presetClass="entr" presetSubtype="0" fill="hold" grpId="0" nodeType="withEffect">
+                                  <p:stCondLst>
+                                    <p:cond delay="0"/>
+                                  </p:stCondLst>
+                                  <p:childTnLst>
+                                    <p:set>
+                                      <p:cBhvr>
+                                        <p:cTn id="41" dur="1" fill="hold">
+                                          <p:stCondLst>
+                                            <p:cond delay="0"/>
+                                          </p:stCondLst>
+                                        </p:cTn>
+                                        <p:tgtEl>
+                                          <p:spTgt spid="3">
+                                            <p:txEl>
+                                              <p:pRg st="6" end="6"/>
+                                            </p:txEl>
+                                          </p:spTgt>
+                                        </p:tgtEl>
+                                        <p:attrNameLst>
+                                          <p:attrName>style.visibility</p:attrName>
+                                        </p:attrNameLst>
+                                      </p:cBhvr>
+                                      <p:to>
+                                        <p:strVal val="visible"/>
+                                      </p:to>
+                                    </p:set>
+                                    <p:animEffect transition="in" filter="fade">
+                                      <p:cBhvr>
+                                        <p:cTn id="42" dur="1000"/>
+                                        <p:tgtEl>
+                                          <p:spTgt spid="3">
+                                            <p:txEl>
+                                              <p:pRg st="6" end="6"/>
+                                            </p:txEl>
+                                          </p:spTgt>
+                                        </p:tgtEl>
+                                      </p:cBhvr>
+                                    </p:animEffect>
+                                    <p:anim calcmode="lin" valueType="num">
+                                      <p:cBhvr>
+                                        <p:cTn id="43" dur="1000" fill="hold"/>
+                                        <p:tgtEl>
+                                          <p:spTgt spid="3">
+                                            <p:txEl>
+                                              <p:pRg st="6" end="6"/>
+                                            </p:txEl>
+                                          </p:spTgt>
+                                        </p:tgtEl>
+                                        <p:attrNameLst>
+                                          <p:attrName>ppt_x</p:attrName>
+                                        </p:attrNameLst>
+                                      </p:cBhvr>
+                                      <p:tavLst>
+                                        <p:tav tm="0">
+                                          <p:val>
+                                            <p:strVal val="#ppt_x"/>
+                                          </p:val>
+                                        </p:tav>
+                                        <p:tav tm="100000">
+                                          <p:val>
+                                            <p:strVal val="#ppt_x"/>
+                                          </p:val>
+                                        </p:tav>
+                                      </p:tavLst>
+                                    </p:anim>
+                                    <p:anim calcmode="lin" valueType="num">
+                                      <p:cBhvr>
+                                        <p:cTn id="44" dur="1000" fill="hold"/>
+                                        <p:tgtEl>
+                                          <p:spTgt spid="3">
+                                            <p:txEl>
+                                              <p:pRg st="6" end="6"/>
+                                            </p:txEl>
+                                          </p:spTgt>
+                                        </p:tgtEl>
+                                        <p:attrNameLst>
+                                          <p:attrName>ppt_y</p:attrName>
+                                        </p:attrNameLst>
+                                      </p:cBhvr>
+                                      <p:tavLst>
+                                        <p:tav tm="0">
+                                          <p:val>
+                                            <p:strVal val="#ppt_y+.1"/>
+                                          </p:val>
+                                        </p:tav>
+                                        <p:tav tm="100000">
+                                          <p:val>
+                                            <p:strVal val="#ppt_y"/>
+                                          </p:val>
+                                        </p:tav>
+                                      </p:tavLst>
+                                    </p:anim>
+                                  </p:childTnLst>
+                                </p:cTn>
+                              </p:par>
+                              <p:par>
+                                <p:cTn id="45" presetID="42" presetClass="entr" presetSubtype="0" fill="hold" grpId="0" nodeType="withEffect">
+                                  <p:stCondLst>
+                                    <p:cond delay="0"/>
+                                  </p:stCondLst>
+                                  <p:childTnLst>
+                                    <p:set>
+                                      <p:cBhvr>
+                                        <p:cTn id="46" dur="1" fill="hold">
+                                          <p:stCondLst>
+                                            <p:cond delay="0"/>
+                                          </p:stCondLst>
+                                        </p:cTn>
+                                        <p:tgtEl>
+                                          <p:spTgt spid="3">
+                                            <p:txEl>
+                                              <p:pRg st="7" end="7"/>
+                                            </p:txEl>
+                                          </p:spTgt>
+                                        </p:tgtEl>
+                                        <p:attrNameLst>
+                                          <p:attrName>style.visibility</p:attrName>
+                                        </p:attrNameLst>
+                                      </p:cBhvr>
+                                      <p:to>
+                                        <p:strVal val="visible"/>
+                                      </p:to>
+                                    </p:set>
+                                    <p:animEffect transition="in" filter="fade">
+                                      <p:cBhvr>
+                                        <p:cTn id="47" dur="1000"/>
+                                        <p:tgtEl>
+                                          <p:spTgt spid="3">
+                                            <p:txEl>
+                                              <p:pRg st="7" end="7"/>
+                                            </p:txEl>
+                                          </p:spTgt>
+                                        </p:tgtEl>
+                                      </p:cBhvr>
+                                    </p:animEffect>
+                                    <p:anim calcmode="lin" valueType="num">
+                                      <p:cBhvr>
+                                        <p:cTn id="48" dur="1000" fill="hold"/>
+                                        <p:tgtEl>
+                                          <p:spTgt spid="3">
+                                            <p:txEl>
+                                              <p:pRg st="7" end="7"/>
+                                            </p:txEl>
+                                          </p:spTgt>
+                                        </p:tgtEl>
+                                        <p:attrNameLst>
+                                          <p:attrName>ppt_x</p:attrName>
+                                        </p:attrNameLst>
+                                      </p:cBhvr>
+                                      <p:tavLst>
+                                        <p:tav tm="0">
+                                          <p:val>
+                                            <p:strVal val="#ppt_x"/>
+                                          </p:val>
+                                        </p:tav>
+                                        <p:tav tm="100000">
+                                          <p:val>
+                                            <p:strVal val="#ppt_x"/>
+                                          </p:val>
+                                        </p:tav>
+                                      </p:tavLst>
+                                    </p:anim>
+                                    <p:anim calcmode="lin" valueType="num">
+                                      <p:cBhvr>
+                                        <p:cTn id="49" dur="1000" fill="hold"/>
+                                        <p:tgtEl>
+                                          <p:spTgt spid="3">
+                                            <p:txEl>
+                                              <p:pRg st="7" end="7"/>
+                                            </p:txEl>
+                                          </p:spTgt>
+                                        </p:tgtEl>
+                                        <p:attrNameLst>
+                                          <p:attrName>ppt_y</p:attrName>
+                                        </p:attrNameLst>
+                                      </p:cBhvr>
+                                      <p:tavLst>
+                                        <p:tav tm="0">
+                                          <p:val>
+                                            <p:strVal val="#ppt_y+.1"/>
+                                          </p:val>
+                                        </p:tav>
+                                        <p:tav tm="100000">
+                                          <p:val>
+                                            <p:strVal val="#ppt_y"/>
+                                          </p:val>
+                                        </p:tav>
+                                      </p:tavLst>
+                                    </p:anim>
+                                  </p:childTnLst>
+                                </p:cTn>
+                              </p:par>
+                              <p:par>
+                                <p:cTn id="50" presetID="42" presetClass="entr" presetSubtype="0" fill="hold" grpId="0" nodeType="withEffect">
+                                  <p:stCondLst>
+                                    <p:cond delay="0"/>
+                                  </p:stCondLst>
+                                  <p:childTnLst>
+                                    <p:set>
+                                      <p:cBhvr>
+                                        <p:cTn id="51" dur="1" fill="hold">
+                                          <p:stCondLst>
+                                            <p:cond delay="0"/>
+                                          </p:stCondLst>
+                                        </p:cTn>
+                                        <p:tgtEl>
+                                          <p:spTgt spid="3">
+                                            <p:txEl>
+                                              <p:pRg st="8" end="8"/>
+                                            </p:txEl>
+                                          </p:spTgt>
+                                        </p:tgtEl>
+                                        <p:attrNameLst>
+                                          <p:attrName>style.visibility</p:attrName>
+                                        </p:attrNameLst>
+                                      </p:cBhvr>
+                                      <p:to>
+                                        <p:strVal val="visible"/>
+                                      </p:to>
+                                    </p:set>
+                                    <p:animEffect transition="in" filter="fade">
+                                      <p:cBhvr>
+                                        <p:cTn id="52" dur="1000"/>
+                                        <p:tgtEl>
+                                          <p:spTgt spid="3">
+                                            <p:txEl>
+                                              <p:pRg st="8" end="8"/>
+                                            </p:txEl>
+                                          </p:spTgt>
+                                        </p:tgtEl>
+                                      </p:cBhvr>
+                                    </p:animEffect>
+                                    <p:anim calcmode="lin" valueType="num">
+                                      <p:cBhvr>
+                                        <p:cTn id="53" dur="1000" fill="hold"/>
+                                        <p:tgtEl>
+                                          <p:spTgt spid="3">
+                                            <p:txEl>
+                                              <p:pRg st="8" end="8"/>
+                                            </p:txEl>
+                                          </p:spTgt>
+                                        </p:tgtEl>
+                                        <p:attrNameLst>
+                                          <p:attrName>ppt_x</p:attrName>
+                                        </p:attrNameLst>
+                                      </p:cBhvr>
+                                      <p:tavLst>
+                                        <p:tav tm="0">
+                                          <p:val>
+                                            <p:strVal val="#ppt_x"/>
+                                          </p:val>
+                                        </p:tav>
+                                        <p:tav tm="100000">
+                                          <p:val>
+                                            <p:strVal val="#ppt_x"/>
+                                          </p:val>
+                                        </p:tav>
+                                      </p:tavLst>
+                                    </p:anim>
+                                    <p:anim calcmode="lin" valueType="num">
+                                      <p:cBhvr>
+                                        <p:cTn id="54" dur="1000" fill="hold"/>
+                                        <p:tgtEl>
+                                          <p:spTgt spid="3">
+                                            <p:txEl>
+                                              <p:pRg st="8" end="8"/>
+                                            </p:txEl>
+                                          </p:spTgt>
+                                        </p:tgtEl>
+                                        <p:attrNameLst>
+                                          <p:attrName>ppt_y</p:attrName>
+                                        </p:attrNameLst>
+                                      </p:cBhvr>
+                                      <p:tavLst>
+                                        <p:tav tm="0">
+                                          <p:val>
+                                            <p:strVal val="#ppt_y+.1"/>
+                                          </p:val>
+                                        </p:tav>
+                                        <p:tav tm="100000">
+                                          <p:val>
+                                            <p:strVal val="#ppt_y"/>
+                                          </p:val>
+                                        </p:tav>
+                                      </p:tavLst>
+                                    </p:anim>
+                                  </p:childTnLst>
+                                </p:cTn>
+                              </p:par>
+                              <p:par>
+                                <p:cTn id="55" presetID="42" presetClass="entr" presetSubtype="0" fill="hold" grpId="0" nodeType="withEffect">
+                                  <p:stCondLst>
+                                    <p:cond delay="0"/>
+                                  </p:stCondLst>
+                                  <p:childTnLst>
+                                    <p:set>
+                                      <p:cBhvr>
+                                        <p:cTn id="56" dur="1" fill="hold">
+                                          <p:stCondLst>
+                                            <p:cond delay="0"/>
+                                          </p:stCondLst>
+                                        </p:cTn>
+                                        <p:tgtEl>
+                                          <p:spTgt spid="3">
+                                            <p:txEl>
+                                              <p:pRg st="9" end="9"/>
+                                            </p:txEl>
+                                          </p:spTgt>
+                                        </p:tgtEl>
+                                        <p:attrNameLst>
+                                          <p:attrName>style.visibility</p:attrName>
+                                        </p:attrNameLst>
+                                      </p:cBhvr>
+                                      <p:to>
+                                        <p:strVal val="visible"/>
+                                      </p:to>
+                                    </p:set>
+                                    <p:animEffect transition="in" filter="fade">
+                                      <p:cBhvr>
+                                        <p:cTn id="57" dur="1000"/>
+                                        <p:tgtEl>
+                                          <p:spTgt spid="3">
+                                            <p:txEl>
+                                              <p:pRg st="9" end="9"/>
+                                            </p:txEl>
+                                          </p:spTgt>
+                                        </p:tgtEl>
+                                      </p:cBhvr>
+                                    </p:animEffect>
+                                    <p:anim calcmode="lin" valueType="num">
+                                      <p:cBhvr>
+                                        <p:cTn id="58" dur="1000" fill="hold"/>
+                                        <p:tgtEl>
+                                          <p:spTgt spid="3">
+                                            <p:txEl>
+                                              <p:pRg st="9" end="9"/>
+                                            </p:txEl>
+                                          </p:spTgt>
+                                        </p:tgtEl>
+                                        <p:attrNameLst>
+                                          <p:attrName>ppt_x</p:attrName>
+                                        </p:attrNameLst>
+                                      </p:cBhvr>
+                                      <p:tavLst>
+                                        <p:tav tm="0">
+                                          <p:val>
+                                            <p:strVal val="#ppt_x"/>
+                                          </p:val>
+                                        </p:tav>
+                                        <p:tav tm="100000">
+                                          <p:val>
+                                            <p:strVal val="#ppt_x"/>
+                                          </p:val>
+                                        </p:tav>
+                                      </p:tavLst>
+                                    </p:anim>
+                                    <p:anim calcmode="lin" valueType="num">
+                                      <p:cBhvr>
+                                        <p:cTn id="59" dur="1000" fill="hold"/>
+                                        <p:tgtEl>
+                                          <p:spTgt spid="3">
+                                            <p:txEl>
+                                              <p:pRg st="9" end="9"/>
+                                            </p:txEl>
+                                          </p:spTgt>
+                                        </p:tgtEl>
+                                        <p:attrNameLst>
+                                          <p:attrName>ppt_y</p:attrName>
+                                        </p:attrNameLst>
+                                      </p:cBhvr>
+                                      <p:tavLst>
+                                        <p:tav tm="0">
+                                          <p:val>
+                                            <p:strVal val="#ppt_y+.1"/>
+                                          </p:val>
+                                        </p:tav>
+                                        <p:tav tm="100000">
+                                          <p:val>
+                                            <p:strVal val="#ppt_y"/>
+                                          </p:val>
+                                        </p:tav>
+                                      </p:tavLst>
+                                    </p:anim>
+                                  </p:childTnLst>
+                                </p:cTn>
+                              </p:par>
+                              <p:par>
+                                <p:cTn id="60" presetID="42" presetClass="entr" presetSubtype="0" fill="hold" grpId="0" nodeType="withEffect">
+                                  <p:stCondLst>
+                                    <p:cond delay="0"/>
+                                  </p:stCondLst>
+                                  <p:childTnLst>
+                                    <p:set>
+                                      <p:cBhvr>
+                                        <p:cTn id="61" dur="1" fill="hold">
+                                          <p:stCondLst>
+                                            <p:cond delay="0"/>
+                                          </p:stCondLst>
+                                        </p:cTn>
+                                        <p:tgtEl>
+                                          <p:spTgt spid="3">
+                                            <p:txEl>
+                                              <p:pRg st="10" end="10"/>
+                                            </p:txEl>
+                                          </p:spTgt>
+                                        </p:tgtEl>
+                                        <p:attrNameLst>
+                                          <p:attrName>style.visibility</p:attrName>
+                                        </p:attrNameLst>
+                                      </p:cBhvr>
+                                      <p:to>
+                                        <p:strVal val="visible"/>
+                                      </p:to>
+                                    </p:set>
+                                    <p:animEffect transition="in" filter="fade">
+                                      <p:cBhvr>
+                                        <p:cTn id="62" dur="1000"/>
+                                        <p:tgtEl>
+                                          <p:spTgt spid="3">
+                                            <p:txEl>
+                                              <p:pRg st="10" end="10"/>
+                                            </p:txEl>
+                                          </p:spTgt>
+                                        </p:tgtEl>
+                                      </p:cBhvr>
+                                    </p:animEffect>
+                                    <p:anim calcmode="lin" valueType="num">
+                                      <p:cBhvr>
+                                        <p:cTn id="63" dur="1000" fill="hold"/>
+                                        <p:tgtEl>
+                                          <p:spTgt spid="3">
+                                            <p:txEl>
+                                              <p:pRg st="10" end="10"/>
+                                            </p:txEl>
+                                          </p:spTgt>
+                                        </p:tgtEl>
+                                        <p:attrNameLst>
+                                          <p:attrName>ppt_x</p:attrName>
+                                        </p:attrNameLst>
+                                      </p:cBhvr>
+                                      <p:tavLst>
+                                        <p:tav tm="0">
+                                          <p:val>
+                                            <p:strVal val="#ppt_x"/>
+                                          </p:val>
+                                        </p:tav>
+                                        <p:tav tm="100000">
+                                          <p:val>
+                                            <p:strVal val="#ppt_x"/>
+                                          </p:val>
+                                        </p:tav>
+                                      </p:tavLst>
+                                    </p:anim>
+                                    <p:anim calcmode="lin" valueType="num">
+                                      <p:cBhvr>
+                                        <p:cTn id="64" dur="1000" fill="hold"/>
+                                        <p:tgtEl>
+                                          <p:spTgt spid="3">
+                                            <p:txEl>
+                                              <p:pRg st="10" end="10"/>
+                                            </p:txEl>
+                                          </p:spTgt>
+                                        </p:tgtEl>
+                                        <p:attrNameLst>
+                                          <p:attrName>ppt_y</p:attrName>
+                                        </p:attrNameLst>
+                                      </p:cBhvr>
+                                      <p:tavLst>
+                                        <p:tav tm="0">
+                                          <p:val>
+                                            <p:strVal val="#ppt_y+.1"/>
+                                          </p:val>
+                                        </p:tav>
+                                        <p:tav tm="100000">
+                                          <p:val>
+                                            <p:strVal val="#ppt_y"/>
+                                          </p:val>
+                                        </p:tav>
+                                      </p:tavLst>
+                                    </p:anim>
+                                  </p:childTnLst>
+                                </p:cTn>
+                              </p:par>
+                              <p:par>
+                                <p:cTn id="65" presetID="42" presetClass="entr" presetSubtype="0" fill="hold" grpId="0" nodeType="withEffect">
+                                  <p:stCondLst>
+                                    <p:cond delay="0"/>
+                                  </p:stCondLst>
+                                  <p:childTnLst>
+                                    <p:set>
+                                      <p:cBhvr>
+                                        <p:cTn id="66" dur="1" fill="hold">
+                                          <p:stCondLst>
+                                            <p:cond delay="0"/>
+                                          </p:stCondLst>
+                                        </p:cTn>
+                                        <p:tgtEl>
+                                          <p:spTgt spid="3">
+                                            <p:txEl>
+                                              <p:pRg st="11" end="11"/>
+                                            </p:txEl>
+                                          </p:spTgt>
+                                        </p:tgtEl>
+                                        <p:attrNameLst>
+                                          <p:attrName>style.visibility</p:attrName>
+                                        </p:attrNameLst>
+                                      </p:cBhvr>
+                                      <p:to>
+                                        <p:strVal val="visible"/>
+                                      </p:to>
+                                    </p:set>
+                                    <p:animEffect transition="in" filter="fade">
+                                      <p:cBhvr>
+                                        <p:cTn id="67" dur="1000"/>
+                                        <p:tgtEl>
+                                          <p:spTgt spid="3">
+                                            <p:txEl>
+                                              <p:pRg st="11" end="11"/>
+                                            </p:txEl>
+                                          </p:spTgt>
+                                        </p:tgtEl>
+                                      </p:cBhvr>
+                                    </p:animEffect>
+                                    <p:anim calcmode="lin" valueType="num">
+                                      <p:cBhvr>
+                                        <p:cTn id="68" dur="1000" fill="hold"/>
+                                        <p:tgtEl>
+                                          <p:spTgt spid="3">
+                                            <p:txEl>
+                                              <p:pRg st="11" end="11"/>
+                                            </p:txEl>
+                                          </p:spTgt>
+                                        </p:tgtEl>
+                                        <p:attrNameLst>
+                                          <p:attrName>ppt_x</p:attrName>
+                                        </p:attrNameLst>
+                                      </p:cBhvr>
+                                      <p:tavLst>
+                                        <p:tav tm="0">
+                                          <p:val>
+                                            <p:strVal val="#ppt_x"/>
+                                          </p:val>
+                                        </p:tav>
+                                        <p:tav tm="100000">
+                                          <p:val>
+                                            <p:strVal val="#ppt_x"/>
+                                          </p:val>
+                                        </p:tav>
+                                      </p:tavLst>
+                                    </p:anim>
+                                    <p:anim calcmode="lin" valueType="num">
+                                      <p:cBhvr>
+                                        <p:cTn id="69" dur="1000" fill="hold"/>
+                                        <p:tgtEl>
+                                          <p:spTgt spid="3">
+                                            <p:txEl>
+                                              <p:pRg st="11" end="11"/>
+                                            </p:txEl>
+                                          </p:spTgt>
+                                        </p:tgtEl>
+                                        <p:attrNameLst>
+                                          <p:attrName>ppt_y</p:attrName>
+                                        </p:attrNameLst>
+                                      </p:cBhvr>
+                                      <p:tavLst>
+                                        <p:tav tm="0">
+                                          <p:val>
+                                            <p:strVal val="#ppt_y+.1"/>
+                                          </p:val>
+                                        </p:tav>
+                                        <p:tav tm="100000">
+                                          <p:val>
+                                            <p:strVal val="#ppt_y"/>
+                                          </p:val>
+                                        </p:tav>
+                                      </p:tavLst>
+                                    </p:anim>
+                                  </p:childTnLst>
+                                </p:cTn>
+                              </p:par>
+                              <p:par>
+                                <p:cTn id="70" presetID="42" presetClass="entr" presetSubtype="0" fill="hold" grpId="0" nodeType="withEffect">
+                                  <p:stCondLst>
+                                    <p:cond delay="0"/>
+                                  </p:stCondLst>
+                                  <p:childTnLst>
+                                    <p:set>
+                                      <p:cBhvr>
+                                        <p:cTn id="71" dur="1" fill="hold">
+                                          <p:stCondLst>
+                                            <p:cond delay="0"/>
+                                          </p:stCondLst>
+                                        </p:cTn>
+                                        <p:tgtEl>
+                                          <p:spTgt spid="3">
+                                            <p:txEl>
+                                              <p:pRg st="12" end="12"/>
+                                            </p:txEl>
+                                          </p:spTgt>
+                                        </p:tgtEl>
+                                        <p:attrNameLst>
+                                          <p:attrName>style.visibility</p:attrName>
+                                        </p:attrNameLst>
+                                      </p:cBhvr>
+                                      <p:to>
+                                        <p:strVal val="visible"/>
+                                      </p:to>
+                                    </p:set>
+                                    <p:animEffect transition="in" filter="fade">
+                                      <p:cBhvr>
+                                        <p:cTn id="72" dur="1000"/>
+                                        <p:tgtEl>
+                                          <p:spTgt spid="3">
+                                            <p:txEl>
+                                              <p:pRg st="12" end="12"/>
+                                            </p:txEl>
+                                          </p:spTgt>
+                                        </p:tgtEl>
+                                      </p:cBhvr>
+                                    </p:animEffect>
+                                    <p:anim calcmode="lin" valueType="num">
+                                      <p:cBhvr>
+                                        <p:cTn id="73" dur="1000" fill="hold"/>
+                                        <p:tgtEl>
+                                          <p:spTgt spid="3">
+                                            <p:txEl>
+                                              <p:pRg st="12" end="12"/>
+                                            </p:txEl>
+                                          </p:spTgt>
+                                        </p:tgtEl>
+                                        <p:attrNameLst>
+                                          <p:attrName>ppt_x</p:attrName>
+                                        </p:attrNameLst>
+                                      </p:cBhvr>
+                                      <p:tavLst>
+                                        <p:tav tm="0">
+                                          <p:val>
+                                            <p:strVal val="#ppt_x"/>
+                                          </p:val>
+                                        </p:tav>
+                                        <p:tav tm="100000">
+                                          <p:val>
+                                            <p:strVal val="#ppt_x"/>
+                                          </p:val>
+                                        </p:tav>
+                                      </p:tavLst>
+                                    </p:anim>
+                                    <p:anim calcmode="lin" valueType="num">
+                                      <p:cBhvr>
+                                        <p:cTn id="74" dur="1000" fill="hold"/>
+                                        <p:tgtEl>
+                                          <p:spTgt spid="3">
+                                            <p:txEl>
+                                              <p:pRg st="12" end="12"/>
+                                            </p:txEl>
+                                          </p:spTgt>
+                                        </p:tgtEl>
+                                        <p:attrNameLst>
+                                          <p:attrName>ppt_y</p:attrName>
+                                        </p:attrNameLst>
+                                      </p:cBhvr>
+                                      <p:tavLst>
+                                        <p:tav tm="0">
+                                          <p:val>
+                                            <p:strVal val="#ppt_y+.1"/>
+                                          </p:val>
+                                        </p:tav>
+                                        <p:tav tm="100000">
+                                          <p:val>
+                                            <p:strVal val="#ppt_y"/>
+                                          </p:val>
+                                        </p:tav>
+                                      </p:tavLst>
+                                    </p:anim>
+                                  </p:childTnLst>
+                                </p:cTn>
+                              </p:par>
+                            </p:childTnLst>
+                          </p:cTn>
+                        </p:par>
+                      </p:childTnLst>
+                    </p:cTn>
+                  </p:par>
+                </p:childTnLst>
+              </p:cTn>
+              <p:prevCondLst>
+                <p:cond evt="onPrev" delay="0">
+                  <p:tgtEl>
+                    <p:sldTgt/>
+                  </p:tgtEl>
+                </p:cond>
+              </p:prevCondLst>
+              <p:nextCondLst>
+                <p:cond evt="onNext" delay="0">
+                  <p:tgtEl>
+                    <p:sldTgt/>
+                  </p:tgtEl>
+                </p:cond>
+              </p:nextCondLst>
+            </p:seq>
+          </p:childTnLst>
+        </p:cTn>
       </p:par>
     </p:tnLst>
+    <p:bldLst>
+      <p:bldP spid="3" grpId="0" build="p"/>
+      <p:bldP spid="6" grpId="0"/>
+    </p:bldLst>
   </p:timing>
 </p:sld>
 </file>
@@ -14197,7 +15861,7 @@
 <file path=ppt/theme/theme1.xml><?xml version="1.0" encoding="utf-8"?>
 <a:theme xmlns:a="http://schemas.openxmlformats.org/drawingml/2006/main" name="Larissa">
   <a:themeElements>
-    <a:clrScheme name="Larissa">
+    <a:clrScheme name="DoodleDebug">
       <a:dk1>
         <a:sysClr val="windowText" lastClr="000000"/>
       </a:dk1>
@@ -14229,10 +15893,10 @@
         <a:srgbClr val="F79646"/>
       </a:accent6>
       <a:hlink>
-        <a:srgbClr val="0000FF"/>
+        <a:srgbClr val="00B0F0"/>
       </a:hlink>
       <a:folHlink>
-        <a:srgbClr val="800080"/>
+        <a:srgbClr val="00B0F0"/>
       </a:folHlink>
     </a:clrScheme>
     <a:fontScheme name="Larissa">

--- a/presentations/Demo DoodleDebug Spring 2013.pptx
+++ b/presentations/Demo DoodleDebug Spring 2013.pptx
@@ -15843,7 +15843,132 @@
   <p:timing>
     <p:tnLst>
       <p:par>
-        <p:cTn id="1" dur="indefinite" restart="never" nodeType="tmRoot"/>
+        <p:cTn id="1" dur="indefinite" restart="never" nodeType="tmRoot">
+          <p:childTnLst>
+            <p:seq concurrent="1" nextAc="seek">
+              <p:cTn id="2" dur="indefinite" nodeType="mainSeq">
+                <p:childTnLst>
+                  <p:par>
+                    <p:cTn id="3" fill="hold">
+                      <p:stCondLst>
+                        <p:cond delay="indefinite"/>
+                        <p:cond evt="onBegin" delay="0">
+                          <p:tn val="2"/>
+                        </p:cond>
+                      </p:stCondLst>
+                      <p:childTnLst>
+                        <p:par>
+                          <p:cTn id="4" fill="hold">
+                            <p:stCondLst>
+                              <p:cond delay="0"/>
+                            </p:stCondLst>
+                            <p:childTnLst>
+                              <p:par>
+                                <p:cTn id="5" presetID="42" presetClass="entr" presetSubtype="0" fill="hold" nodeType="withEffect">
+                                  <p:stCondLst>
+                                    <p:cond delay="0"/>
+                                  </p:stCondLst>
+                                  <p:childTnLst>
+                                    <p:set>
+                                      <p:cBhvr>
+                                        <p:cTn id="6" dur="1" fill="hold">
+                                          <p:stCondLst>
+                                            <p:cond delay="0"/>
+                                          </p:stCondLst>
+                                        </p:cTn>
+                                        <p:tgtEl>
+                                          <p:spTgt spid="2050"/>
+                                        </p:tgtEl>
+                                        <p:attrNameLst>
+                                          <p:attrName>style.visibility</p:attrName>
+                                        </p:attrNameLst>
+                                      </p:cBhvr>
+                                      <p:to>
+                                        <p:strVal val="visible"/>
+                                      </p:to>
+                                    </p:set>
+                                    <p:animEffect transition="in" filter="fade">
+                                      <p:cBhvr>
+                                        <p:cTn id="7" dur="1000"/>
+                                        <p:tgtEl>
+                                          <p:spTgt spid="2050"/>
+                                        </p:tgtEl>
+                                      </p:cBhvr>
+                                    </p:animEffect>
+                                    <p:anim calcmode="lin" valueType="num">
+                                      <p:cBhvr>
+                                        <p:cTn id="8" dur="1000" fill="hold"/>
+                                        <p:tgtEl>
+                                          <p:spTgt spid="2050"/>
+                                        </p:tgtEl>
+                                        <p:attrNameLst>
+                                          <p:attrName>ppt_x</p:attrName>
+                                        </p:attrNameLst>
+                                      </p:cBhvr>
+                                      <p:tavLst>
+                                        <p:tav tm="0">
+                                          <p:val>
+                                            <p:strVal val="#ppt_x"/>
+                                          </p:val>
+                                        </p:tav>
+                                        <p:tav tm="100000">
+                                          <p:val>
+                                            <p:strVal val="#ppt_x"/>
+                                          </p:val>
+                                        </p:tav>
+                                      </p:tavLst>
+                                    </p:anim>
+                                    <p:anim calcmode="lin" valueType="num">
+                                      <p:cBhvr>
+                                        <p:cTn id="9" dur="1000" fill="hold"/>
+                                        <p:tgtEl>
+                                          <p:spTgt spid="2050"/>
+                                        </p:tgtEl>
+                                        <p:attrNameLst>
+                                          <p:attrName>ppt_y</p:attrName>
+                                        </p:attrNameLst>
+                                      </p:cBhvr>
+                                      <p:tavLst>
+                                        <p:tav tm="0">
+                                          <p:val>
+                                            <p:strVal val="#ppt_y+.1"/>
+                                          </p:val>
+                                        </p:tav>
+                                        <p:tav tm="100000">
+                                          <p:val>
+                                            <p:strVal val="#ppt_y"/>
+                                          </p:val>
+                                        </p:tav>
+                                      </p:tavLst>
+                                    </p:anim>
+                                  </p:childTnLst>
+                                </p:cTn>
+                              </p:par>
+                            </p:childTnLst>
+                          </p:cTn>
+                        </p:par>
+                      </p:childTnLst>
+                    </p:cTn>
+                  </p:par>
+                </p:childTnLst>
+              </p:cTn>
+              <p:prevCondLst>
+                <p:cond evt="onPrev" delay="0">
+                  <p:tgtEl>
+                    <p:sldTgt/>
+                  </p:tgtEl>
+                </p:cond>
+              </p:prevCondLst>
+              <p:nextCondLst>
+                <p:cond evt="onNext" delay="0">
+                  <p:tgtEl>
+                    <p:sldTgt/>
+                  </p:tgtEl>
+                </p:cond>
+              </p:nextCondLst>
+            </p:seq>
+          </p:childTnLst>
+        </p:cTn>
       </p:par>
     </p:tnLst>
   </p:timing>
